--- a/python_ppt/Python 7장. 클래스와 상속 .pptx
+++ b/python_ppt/Python 7장. 클래스와 상속 .pptx
@@ -5,65 +5,66 @@
     <p:sldMasterId id="2147483648" r:id="rId1"/>
   </p:sldMasterIdLst>
   <p:notesMasterIdLst>
-    <p:notesMasterId r:id="rId58"/>
+    <p:notesMasterId r:id="rId59"/>
   </p:notesMasterIdLst>
   <p:sldIdLst>
     <p:sldId id="256" r:id="rId2"/>
     <p:sldId id="299" r:id="rId3"/>
     <p:sldId id="300" r:id="rId4"/>
     <p:sldId id="301" r:id="rId5"/>
-    <p:sldId id="302" r:id="rId6"/>
-    <p:sldId id="322" r:id="rId7"/>
-    <p:sldId id="336" r:id="rId8"/>
-    <p:sldId id="375" r:id="rId9"/>
+    <p:sldId id="382" r:id="rId6"/>
+    <p:sldId id="383" r:id="rId7"/>
+    <p:sldId id="322" r:id="rId8"/>
+    <p:sldId id="336" r:id="rId9"/>
     <p:sldId id="323" r:id="rId10"/>
     <p:sldId id="359" r:id="rId11"/>
-    <p:sldId id="367" r:id="rId12"/>
-    <p:sldId id="334" r:id="rId13"/>
-    <p:sldId id="369" r:id="rId14"/>
-    <p:sldId id="368" r:id="rId15"/>
-    <p:sldId id="371" r:id="rId16"/>
-    <p:sldId id="370" r:id="rId17"/>
-    <p:sldId id="373" r:id="rId18"/>
-    <p:sldId id="342" r:id="rId19"/>
-    <p:sldId id="343" r:id="rId20"/>
-    <p:sldId id="344" r:id="rId21"/>
-    <p:sldId id="372" r:id="rId22"/>
-    <p:sldId id="345" r:id="rId23"/>
-    <p:sldId id="310" r:id="rId24"/>
-    <p:sldId id="374" r:id="rId25"/>
-    <p:sldId id="328" r:id="rId26"/>
-    <p:sldId id="341" r:id="rId27"/>
-    <p:sldId id="314" r:id="rId28"/>
-    <p:sldId id="316" r:id="rId29"/>
-    <p:sldId id="332" r:id="rId30"/>
-    <p:sldId id="364" r:id="rId31"/>
-    <p:sldId id="317" r:id="rId32"/>
-    <p:sldId id="346" r:id="rId33"/>
-    <p:sldId id="347" r:id="rId34"/>
-    <p:sldId id="348" r:id="rId35"/>
-    <p:sldId id="318" r:id="rId36"/>
-    <p:sldId id="377" r:id="rId37"/>
-    <p:sldId id="378" r:id="rId38"/>
-    <p:sldId id="376" r:id="rId39"/>
-    <p:sldId id="358" r:id="rId40"/>
-    <p:sldId id="335" r:id="rId41"/>
-    <p:sldId id="319" r:id="rId42"/>
-    <p:sldId id="362" r:id="rId43"/>
-    <p:sldId id="349" r:id="rId44"/>
-    <p:sldId id="350" r:id="rId45"/>
-    <p:sldId id="353" r:id="rId46"/>
-    <p:sldId id="379" r:id="rId47"/>
-    <p:sldId id="352" r:id="rId48"/>
-    <p:sldId id="354" r:id="rId49"/>
-    <p:sldId id="380" r:id="rId50"/>
-    <p:sldId id="351" r:id="rId51"/>
-    <p:sldId id="355" r:id="rId52"/>
-    <p:sldId id="381" r:id="rId53"/>
-    <p:sldId id="356" r:id="rId54"/>
-    <p:sldId id="363" r:id="rId55"/>
-    <p:sldId id="360" r:id="rId56"/>
-    <p:sldId id="361" r:id="rId57"/>
+    <p:sldId id="375" r:id="rId12"/>
+    <p:sldId id="367" r:id="rId13"/>
+    <p:sldId id="334" r:id="rId14"/>
+    <p:sldId id="369" r:id="rId15"/>
+    <p:sldId id="368" r:id="rId16"/>
+    <p:sldId id="371" r:id="rId17"/>
+    <p:sldId id="370" r:id="rId18"/>
+    <p:sldId id="373" r:id="rId19"/>
+    <p:sldId id="342" r:id="rId20"/>
+    <p:sldId id="343" r:id="rId21"/>
+    <p:sldId id="344" r:id="rId22"/>
+    <p:sldId id="372" r:id="rId23"/>
+    <p:sldId id="345" r:id="rId24"/>
+    <p:sldId id="310" r:id="rId25"/>
+    <p:sldId id="374" r:id="rId26"/>
+    <p:sldId id="328" r:id="rId27"/>
+    <p:sldId id="341" r:id="rId28"/>
+    <p:sldId id="314" r:id="rId29"/>
+    <p:sldId id="316" r:id="rId30"/>
+    <p:sldId id="332" r:id="rId31"/>
+    <p:sldId id="364" r:id="rId32"/>
+    <p:sldId id="317" r:id="rId33"/>
+    <p:sldId id="346" r:id="rId34"/>
+    <p:sldId id="347" r:id="rId35"/>
+    <p:sldId id="348" r:id="rId36"/>
+    <p:sldId id="318" r:id="rId37"/>
+    <p:sldId id="377" r:id="rId38"/>
+    <p:sldId id="378" r:id="rId39"/>
+    <p:sldId id="376" r:id="rId40"/>
+    <p:sldId id="358" r:id="rId41"/>
+    <p:sldId id="335" r:id="rId42"/>
+    <p:sldId id="319" r:id="rId43"/>
+    <p:sldId id="362" r:id="rId44"/>
+    <p:sldId id="349" r:id="rId45"/>
+    <p:sldId id="350" r:id="rId46"/>
+    <p:sldId id="353" r:id="rId47"/>
+    <p:sldId id="379" r:id="rId48"/>
+    <p:sldId id="352" r:id="rId49"/>
+    <p:sldId id="354" r:id="rId50"/>
+    <p:sldId id="380" r:id="rId51"/>
+    <p:sldId id="351" r:id="rId52"/>
+    <p:sldId id="355" r:id="rId53"/>
+    <p:sldId id="381" r:id="rId54"/>
+    <p:sldId id="356" r:id="rId55"/>
+    <p:sldId id="363" r:id="rId56"/>
+    <p:sldId id="360" r:id="rId57"/>
+    <p:sldId id="361" r:id="rId58"/>
   </p:sldIdLst>
   <p:sldSz cx="9906000" cy="6858000" type="A4"/>
   <p:notesSz cx="6858000" cy="9144000"/>
@@ -164,7 +165,7 @@
   </p:defaultTextStyle>
   <p:extLst>
     <p:ext uri="{EFAFB233-063F-42B5-8137-9DF3F51BA10A}">
-      <p15:sldGuideLst xmlns="" xmlns:p15="http://schemas.microsoft.com/office/powerpoint/2012/main">
+      <p15:sldGuideLst xmlns:p15="http://schemas.microsoft.com/office/powerpoint/2012/main">
         <p15:guide id="1" orient="horz" pos="2160">
           <p15:clr>
             <a:srgbClr val="A4A3A4"/>
@@ -263,7 +264,7 @@
           <a:p>
             <a:fld id="{7665CDAC-D627-4E87-877A-1B781DD4CADC}" type="datetimeFigureOut">
               <a:rPr lang="ko-KR" altLang="en-US" smtClean="0"/>
-              <a:t>2023-02-16</a:t>
+              <a:t>2023-04-24</a:t>
             </a:fld>
             <a:endParaRPr lang="ko-KR" altLang="en-US"/>
           </a:p>
@@ -675,7 +676,7 @@
           <a:p>
             <a:fld id="{C25BCFD5-C4DF-4EBC-B718-C69ED2FBDE6F}" type="datetime1">
               <a:rPr lang="ko-KR" altLang="en-US" smtClean="0"/>
-              <a:t>2023-02-16</a:t>
+              <a:t>2023-04-24</a:t>
             </a:fld>
             <a:endParaRPr lang="ko-KR" altLang="en-US"/>
           </a:p>
@@ -728,7 +729,7 @@
           <p:cNvPr id="9" name="직각 삼각형 2">
             <a:extLst>
               <a:ext uri="{FF2B5EF4-FFF2-40B4-BE49-F238E27FC236}">
-                <a16:creationId xmlns="" xmlns:a16="http://schemas.microsoft.com/office/drawing/2014/main" id="{3A714731-6D03-4E18-B8C6-D8E1F4F17412}"/>
+                <a16:creationId xmlns:a16="http://schemas.microsoft.com/office/drawing/2014/main" id="{3A714731-6D03-4E18-B8C6-D8E1F4F17412}"/>
               </a:ext>
             </a:extLst>
           </p:cNvPr>
@@ -844,7 +845,7 @@
           <p:cNvPr id="3" name="직각 삼각형 2">
             <a:extLst>
               <a:ext uri="{FF2B5EF4-FFF2-40B4-BE49-F238E27FC236}">
-                <a16:creationId xmlns="" xmlns:a16="http://schemas.microsoft.com/office/drawing/2014/main" id="{DF1B6BC0-8338-40DD-BF30-626E17AD387E}"/>
+                <a16:creationId xmlns:a16="http://schemas.microsoft.com/office/drawing/2014/main" id="{DF1B6BC0-8338-40DD-BF30-626E17AD387E}"/>
               </a:ext>
             </a:extLst>
           </p:cNvPr>
@@ -957,7 +958,7 @@
           <p:cNvPr id="2050" name="Picture 2" descr="íì´ì¬ â¢">
             <a:extLst>
               <a:ext uri="{FF2B5EF4-FFF2-40B4-BE49-F238E27FC236}">
-                <a16:creationId xmlns="" xmlns:a16="http://schemas.microsoft.com/office/drawing/2014/main" id="{8B696DBA-70BE-4EBC-8628-59B49C89E0D4}"/>
+                <a16:creationId xmlns:a16="http://schemas.microsoft.com/office/drawing/2014/main" id="{8B696DBA-70BE-4EBC-8628-59B49C89E0D4}"/>
               </a:ext>
             </a:extLst>
           </p:cNvPr>
@@ -1126,7 +1127,7 @@
           <a:p>
             <a:fld id="{AB448CD7-D367-43D5-B461-ACE552E75063}" type="datetime1">
               <a:rPr lang="ko-KR" altLang="en-US" smtClean="0"/>
-              <a:t>2023-02-16</a:t>
+              <a:t>2023-04-24</a:t>
             </a:fld>
             <a:endParaRPr lang="ko-KR" altLang="en-US"/>
           </a:p>
@@ -1304,7 +1305,7 @@
           <a:p>
             <a:fld id="{B6E49E79-7361-4780-8BEF-7EDE3708298A}" type="datetime1">
               <a:rPr lang="ko-KR" altLang="en-US" smtClean="0"/>
-              <a:t>2023-02-16</a:t>
+              <a:t>2023-04-24</a:t>
             </a:fld>
             <a:endParaRPr lang="ko-KR" altLang="en-US"/>
           </a:p>
@@ -1476,7 +1477,7 @@
           <a:p>
             <a:fld id="{A4D42E3C-B70B-437C-85CF-1286301B9CBA}" type="datetime1">
               <a:rPr lang="ko-KR" altLang="en-US" smtClean="0"/>
-              <a:t>2023-02-16</a:t>
+              <a:t>2023-04-24</a:t>
             </a:fld>
             <a:endParaRPr lang="ko-KR" altLang="en-US"/>
           </a:p>
@@ -1728,7 +1729,7 @@
           <a:p>
             <a:fld id="{B3369A20-5B3D-4D98-A822-26B93D177A40}" type="datetime1">
               <a:rPr lang="ko-KR" altLang="en-US" smtClean="0"/>
-              <a:t>2023-02-16</a:t>
+              <a:t>2023-04-24</a:t>
             </a:fld>
             <a:endParaRPr lang="ko-KR" altLang="en-US"/>
           </a:p>
@@ -2013,7 +2014,7 @@
           <a:p>
             <a:fld id="{685CD4CE-9E43-4F70-A9D8-A2130CA7D92A}" type="datetime1">
               <a:rPr lang="ko-KR" altLang="en-US" smtClean="0"/>
-              <a:t>2023-02-16</a:t>
+              <a:t>2023-04-24</a:t>
             </a:fld>
             <a:endParaRPr lang="ko-KR" altLang="en-US"/>
           </a:p>
@@ -2439,7 +2440,7 @@
           <a:p>
             <a:fld id="{F752BD92-DA3E-4A0B-90C9-7DE5E15B6E96}" type="datetime1">
               <a:rPr lang="ko-KR" altLang="en-US" smtClean="0"/>
-              <a:t>2023-02-16</a:t>
+              <a:t>2023-04-24</a:t>
             </a:fld>
             <a:endParaRPr lang="ko-KR" altLang="en-US"/>
           </a:p>
@@ -2563,7 +2564,7 @@
           <a:p>
             <a:fld id="{8EA2B83A-F366-424E-B742-340ACF856BB5}" type="datetime1">
               <a:rPr lang="ko-KR" altLang="en-US" smtClean="0"/>
-              <a:t>2023-02-16</a:t>
+              <a:t>2023-04-24</a:t>
             </a:fld>
             <a:endParaRPr lang="ko-KR" altLang="en-US"/>
           </a:p>
@@ -2658,7 +2659,7 @@
           <a:p>
             <a:fld id="{9A49D68B-5DBD-48E9-A8D4-FCBC4B3DD9C6}" type="datetime1">
               <a:rPr lang="ko-KR" altLang="en-US" smtClean="0"/>
-              <a:t>2023-02-16</a:t>
+              <a:t>2023-04-24</a:t>
             </a:fld>
             <a:endParaRPr lang="ko-KR" altLang="en-US"/>
           </a:p>
@@ -2933,7 +2934,7 @@
           <a:p>
             <a:fld id="{4CAB534F-7D16-467B-9320-91F98915D181}" type="datetime1">
               <a:rPr lang="ko-KR" altLang="en-US" smtClean="0"/>
-              <a:t>2023-02-16</a:t>
+              <a:t>2023-04-24</a:t>
             </a:fld>
             <a:endParaRPr lang="ko-KR" altLang="en-US"/>
           </a:p>
@@ -3185,7 +3186,7 @@
           <a:p>
             <a:fld id="{A390A91F-2F8D-4486-A69D-D680F95444B0}" type="datetime1">
               <a:rPr lang="ko-KR" altLang="en-US" smtClean="0"/>
-              <a:t>2023-02-16</a:t>
+              <a:t>2023-04-24</a:t>
             </a:fld>
             <a:endParaRPr lang="ko-KR" altLang="en-US"/>
           </a:p>
@@ -3364,7 +3365,7 @@
           <a:p>
             <a:fld id="{2238BBEA-E8DD-414A-BF68-FC2AFA7CFF2D}" type="datetime1">
               <a:rPr lang="ko-KR" altLang="en-US" smtClean="0"/>
-              <a:t>2023-02-16</a:t>
+              <a:t>2023-04-24</a:t>
             </a:fld>
             <a:endParaRPr lang="ko-KR" altLang="en-US"/>
           </a:p>
@@ -4339,7 +4340,7 @@
           <p:cNvPr id="10" name="내용 개체 틀 2">
             <a:extLst>
               <a:ext uri="{FF2B5EF4-FFF2-40B4-BE49-F238E27FC236}">
-                <a16:creationId xmlns="" xmlns:a16="http://schemas.microsoft.com/office/drawing/2014/main" id="{98AF3A4E-7D90-4241-89FE-799D6F9D5A94}"/>
+                <a16:creationId xmlns:a16="http://schemas.microsoft.com/office/drawing/2014/main" id="{98AF3A4E-7D90-4241-89FE-799D6F9D5A94}"/>
               </a:ext>
             </a:extLst>
           </p:cNvPr>
@@ -4706,25 +4707,46 @@
         </p:nvSpPr>
         <p:spPr/>
         <p:txBody>
-          <a:bodyPr>
-            <a:normAutofit/>
-          </a:bodyPr>
+          <a:bodyPr/>
           <a:lstStyle/>
           <a:p>
-            <a:pPr>
-              <a:lnSpc>
-                <a:spcPct val="150000"/>
-              </a:lnSpc>
-            </a:pPr>
             <a:r>
               <a:rPr lang="en-US" altLang="ko-KR" dirty="0" smtClean="0"/>
               <a:t> </a:t>
             </a:r>
             <a:r>
-              <a:rPr lang="ko-KR" altLang="en-US" b="1" dirty="0"/>
-              <a:t>계산기 클래스 만들기</a:t>
-            </a:r>
-            <a:endParaRPr lang="en-US" altLang="ko-KR" b="1" dirty="0"/>
+              <a:rPr lang="ko-KR" altLang="en-US" dirty="0" smtClean="0">
+                <a:solidFill>
+                  <a:srgbClr val="002060"/>
+                </a:solidFill>
+              </a:rPr>
+              <a:t>기본 </a:t>
+            </a:r>
+            <a:r>
+              <a:rPr lang="ko-KR" altLang="en-US" dirty="0" err="1" smtClean="0">
+                <a:solidFill>
+                  <a:srgbClr val="002060"/>
+                </a:solidFill>
+              </a:rPr>
+              <a:t>생성자</a:t>
+            </a:r>
+            <a:r>
+              <a:rPr lang="en-US" altLang="ko-KR" dirty="0">
+                <a:solidFill>
+                  <a:srgbClr val="002060"/>
+                </a:solidFill>
+              </a:rPr>
+              <a:t>(</a:t>
+            </a:r>
+            <a:r>
+              <a:rPr lang="ko-KR" altLang="en-US" dirty="0"/>
+              <a:t>초기자</a:t>
+            </a:r>
+            <a:r>
+              <a:rPr lang="en-US" altLang="ko-KR" dirty="0"/>
+              <a:t>)</a:t>
+            </a:r>
+            <a:endParaRPr lang="ko-KR" altLang="en-US" dirty="0"/>
           </a:p>
         </p:txBody>
       </p:sp>
@@ -4746,6 +4768,454 @@
             <a:fld id="{1BDE3FE7-3AEA-4B05-AC5A-802D1816ACF0}" type="slidenum">
               <a:rPr lang="ko-KR" altLang="en-US" smtClean="0"/>
               <a:t>11</a:t>
+            </a:fld>
+            <a:endParaRPr lang="ko-KR" altLang="en-US"/>
+          </a:p>
+        </p:txBody>
+      </p:sp>
+      <p:sp>
+        <p:nvSpPr>
+          <p:cNvPr id="10" name="내용 개체 틀 2">
+            <a:extLst>
+              <a:ext uri="{FF2B5EF4-FFF2-40B4-BE49-F238E27FC236}">
+                <a16:creationId xmlns:a16="http://schemas.microsoft.com/office/drawing/2014/main" id="{98AF3A4E-7D90-4241-89FE-799D6F9D5A94}"/>
+              </a:ext>
+            </a:extLst>
+          </p:cNvPr>
+          <p:cNvSpPr txBox="1">
+            <a:spLocks/>
+          </p:cNvSpPr>
+          <p:nvPr/>
+        </p:nvSpPr>
+        <p:spPr>
+          <a:xfrm>
+            <a:off x="962494" y="1268760"/>
+            <a:ext cx="7950946" cy="648072"/>
+          </a:xfrm>
+          <a:prstGeom prst="rect">
+            <a:avLst/>
+          </a:prstGeom>
+        </p:spPr>
+        <p:txBody>
+          <a:bodyPr/>
+          <a:lstStyle>
+            <a:lvl1pPr marL="228600" indent="-228600" algn="l" defTabSz="914400" rtl="0" eaLnBrk="1" latinLnBrk="1" hangingPunct="1">
+              <a:lnSpc>
+                <a:spcPct val="90000"/>
+              </a:lnSpc>
+              <a:spcBef>
+                <a:spcPts val="1000"/>
+              </a:spcBef>
+              <a:buFont typeface="Arial" panose="020B0604020202020204" pitchFamily="34" charset="0"/>
+              <a:buChar char="•"/>
+              <a:defRPr sz="2800" kern="1200">
+                <a:solidFill>
+                  <a:schemeClr val="tx1"/>
+                </a:solidFill>
+                <a:latin typeface="+mn-lt"/>
+                <a:ea typeface="+mn-ea"/>
+                <a:cs typeface="+mn-cs"/>
+              </a:defRPr>
+            </a:lvl1pPr>
+            <a:lvl2pPr marL="685800" indent="-228600" algn="l" defTabSz="914400" rtl="0" eaLnBrk="1" latinLnBrk="1" hangingPunct="1">
+              <a:lnSpc>
+                <a:spcPct val="90000"/>
+              </a:lnSpc>
+              <a:spcBef>
+                <a:spcPts val="500"/>
+              </a:spcBef>
+              <a:buFont typeface="Arial" panose="020B0604020202020204" pitchFamily="34" charset="0"/>
+              <a:buChar char="•"/>
+              <a:defRPr sz="2400" kern="1200">
+                <a:solidFill>
+                  <a:schemeClr val="tx1"/>
+                </a:solidFill>
+                <a:latin typeface="+mn-lt"/>
+                <a:ea typeface="+mn-ea"/>
+                <a:cs typeface="+mn-cs"/>
+              </a:defRPr>
+            </a:lvl2pPr>
+            <a:lvl3pPr marL="1143000" indent="-228600" algn="l" defTabSz="914400" rtl="0" eaLnBrk="1" latinLnBrk="1" hangingPunct="1">
+              <a:lnSpc>
+                <a:spcPct val="90000"/>
+              </a:lnSpc>
+              <a:spcBef>
+                <a:spcPts val="500"/>
+              </a:spcBef>
+              <a:buFont typeface="Arial" panose="020B0604020202020204" pitchFamily="34" charset="0"/>
+              <a:buChar char="•"/>
+              <a:defRPr sz="2000" kern="1200">
+                <a:solidFill>
+                  <a:schemeClr val="tx1"/>
+                </a:solidFill>
+                <a:latin typeface="+mn-lt"/>
+                <a:ea typeface="+mn-ea"/>
+                <a:cs typeface="+mn-cs"/>
+              </a:defRPr>
+            </a:lvl3pPr>
+            <a:lvl4pPr marL="1600200" indent="-228600" algn="l" defTabSz="914400" rtl="0" eaLnBrk="1" latinLnBrk="1" hangingPunct="1">
+              <a:lnSpc>
+                <a:spcPct val="90000"/>
+              </a:lnSpc>
+              <a:spcBef>
+                <a:spcPts val="500"/>
+              </a:spcBef>
+              <a:buFont typeface="Arial" panose="020B0604020202020204" pitchFamily="34" charset="0"/>
+              <a:buChar char="•"/>
+              <a:defRPr sz="1800" kern="1200">
+                <a:solidFill>
+                  <a:schemeClr val="tx1"/>
+                </a:solidFill>
+                <a:latin typeface="+mn-lt"/>
+                <a:ea typeface="+mn-ea"/>
+                <a:cs typeface="+mn-cs"/>
+              </a:defRPr>
+            </a:lvl4pPr>
+            <a:lvl5pPr marL="2057400" indent="-228600" algn="l" defTabSz="914400" rtl="0" eaLnBrk="1" latinLnBrk="1" hangingPunct="1">
+              <a:lnSpc>
+                <a:spcPct val="90000"/>
+              </a:lnSpc>
+              <a:spcBef>
+                <a:spcPts val="500"/>
+              </a:spcBef>
+              <a:buFont typeface="Arial" panose="020B0604020202020204" pitchFamily="34" charset="0"/>
+              <a:buChar char="•"/>
+              <a:defRPr sz="1800" kern="1200">
+                <a:solidFill>
+                  <a:schemeClr val="tx1"/>
+                </a:solidFill>
+                <a:latin typeface="+mn-lt"/>
+                <a:ea typeface="+mn-ea"/>
+                <a:cs typeface="+mn-cs"/>
+              </a:defRPr>
+            </a:lvl5pPr>
+            <a:lvl6pPr marL="2514600" indent="-228600" algn="l" defTabSz="914400" rtl="0" eaLnBrk="1" latinLnBrk="1" hangingPunct="1">
+              <a:lnSpc>
+                <a:spcPct val="90000"/>
+              </a:lnSpc>
+              <a:spcBef>
+                <a:spcPts val="500"/>
+              </a:spcBef>
+              <a:buFont typeface="Arial" panose="020B0604020202020204" pitchFamily="34" charset="0"/>
+              <a:buChar char="•"/>
+              <a:defRPr sz="1800" kern="1200">
+                <a:solidFill>
+                  <a:schemeClr val="tx1"/>
+                </a:solidFill>
+                <a:latin typeface="+mn-lt"/>
+                <a:ea typeface="+mn-ea"/>
+                <a:cs typeface="+mn-cs"/>
+              </a:defRPr>
+            </a:lvl6pPr>
+            <a:lvl7pPr marL="2971800" indent="-228600" algn="l" defTabSz="914400" rtl="0" eaLnBrk="1" latinLnBrk="1" hangingPunct="1">
+              <a:lnSpc>
+                <a:spcPct val="90000"/>
+              </a:lnSpc>
+              <a:spcBef>
+                <a:spcPts val="500"/>
+              </a:spcBef>
+              <a:buFont typeface="Arial" panose="020B0604020202020204" pitchFamily="34" charset="0"/>
+              <a:buChar char="•"/>
+              <a:defRPr sz="1800" kern="1200">
+                <a:solidFill>
+                  <a:schemeClr val="tx1"/>
+                </a:solidFill>
+                <a:latin typeface="+mn-lt"/>
+                <a:ea typeface="+mn-ea"/>
+                <a:cs typeface="+mn-cs"/>
+              </a:defRPr>
+            </a:lvl7pPr>
+            <a:lvl8pPr marL="3429000" indent="-228600" algn="l" defTabSz="914400" rtl="0" eaLnBrk="1" latinLnBrk="1" hangingPunct="1">
+              <a:lnSpc>
+                <a:spcPct val="90000"/>
+              </a:lnSpc>
+              <a:spcBef>
+                <a:spcPts val="500"/>
+              </a:spcBef>
+              <a:buFont typeface="Arial" panose="020B0604020202020204" pitchFamily="34" charset="0"/>
+              <a:buChar char="•"/>
+              <a:defRPr sz="1800" kern="1200">
+                <a:solidFill>
+                  <a:schemeClr val="tx1"/>
+                </a:solidFill>
+                <a:latin typeface="+mn-lt"/>
+                <a:ea typeface="+mn-ea"/>
+                <a:cs typeface="+mn-cs"/>
+              </a:defRPr>
+            </a:lvl8pPr>
+            <a:lvl9pPr marL="3886200" indent="-228600" algn="l" defTabSz="914400" rtl="0" eaLnBrk="1" latinLnBrk="1" hangingPunct="1">
+              <a:lnSpc>
+                <a:spcPct val="90000"/>
+              </a:lnSpc>
+              <a:spcBef>
+                <a:spcPts val="500"/>
+              </a:spcBef>
+              <a:buFont typeface="Arial" panose="020B0604020202020204" pitchFamily="34" charset="0"/>
+              <a:buChar char="•"/>
+              <a:defRPr sz="1800" kern="1200">
+                <a:solidFill>
+                  <a:schemeClr val="tx1"/>
+                </a:solidFill>
+                <a:latin typeface="+mn-lt"/>
+                <a:ea typeface="+mn-ea"/>
+                <a:cs typeface="+mn-cs"/>
+              </a:defRPr>
+            </a:lvl9pPr>
+          </a:lstStyle>
+          <a:p>
+            <a:pPr>
+              <a:lnSpc>
+                <a:spcPct val="150000"/>
+              </a:lnSpc>
+              <a:buFont typeface="Wingdings" panose="05000000000000000000" pitchFamily="2" charset="2"/>
+              <a:buChar char="§"/>
+            </a:pPr>
+            <a:r>
+              <a:rPr lang="ko-KR" altLang="en-US" sz="2000" b="1" dirty="0" smtClean="0"/>
+              <a:t>기본 </a:t>
+            </a:r>
+            <a:r>
+              <a:rPr lang="ko-KR" altLang="en-US" sz="2000" b="1" dirty="0" err="1" smtClean="0"/>
+              <a:t>생성자</a:t>
+            </a:r>
+            <a:r>
+              <a:rPr lang="ko-KR" altLang="en-US" sz="2000" b="1" dirty="0" smtClean="0"/>
+              <a:t> </a:t>
+            </a:r>
+            <a:r>
+              <a:rPr lang="en-US" altLang="ko-KR" sz="2000" b="1" dirty="0" smtClean="0"/>
+              <a:t>- </a:t>
+            </a:r>
+            <a:r>
+              <a:rPr lang="ko-KR" altLang="en-US" sz="2000" b="1" dirty="0" err="1" smtClean="0"/>
+              <a:t>생성자를</a:t>
+            </a:r>
+            <a:r>
+              <a:rPr lang="ko-KR" altLang="en-US" sz="2000" b="1" dirty="0" smtClean="0"/>
+              <a:t> 생략하면 객체 생성시 자동으로 생성된다</a:t>
+            </a:r>
+            <a:r>
+              <a:rPr lang="en-US" altLang="ko-KR" sz="2000" b="1" dirty="0" smtClean="0"/>
+              <a:t>.</a:t>
+            </a:r>
+            <a:endParaRPr lang="en-US" altLang="ko-KR" sz="1800" dirty="0" smtClean="0"/>
+          </a:p>
+        </p:txBody>
+      </p:sp>
+      <p:pic>
+        <p:nvPicPr>
+          <p:cNvPr id="2" name="그림 1"/>
+          <p:cNvPicPr>
+            <a:picLocks noChangeAspect="1"/>
+          </p:cNvPicPr>
+          <p:nvPr/>
+        </p:nvPicPr>
+        <p:blipFill>
+          <a:blip r:embed="rId2">
+            <a:extLst>
+              <a:ext uri="{28A0092B-C50C-407E-A947-70E740481C1C}">
+                <a14:useLocalDpi xmlns:a14="http://schemas.microsoft.com/office/drawing/2010/main" val="0"/>
+              </a:ext>
+            </a:extLst>
+          </a:blip>
+          <a:stretch>
+            <a:fillRect/>
+          </a:stretch>
+        </p:blipFill>
+        <p:spPr>
+          <a:xfrm>
+            <a:off x="1412505" y="2021543"/>
+            <a:ext cx="4450466" cy="3863675"/>
+          </a:xfrm>
+          <a:prstGeom prst="rect">
+            <a:avLst/>
+          </a:prstGeom>
+          <a:ln>
+            <a:solidFill>
+              <a:schemeClr val="bg1">
+                <a:lumMod val="85000"/>
+              </a:schemeClr>
+            </a:solidFill>
+          </a:ln>
+        </p:spPr>
+      </p:pic>
+      <p:sp>
+        <p:nvSpPr>
+          <p:cNvPr id="8" name="TextBox 7"/>
+          <p:cNvSpPr txBox="1"/>
+          <p:nvPr/>
+        </p:nvSpPr>
+        <p:spPr>
+          <a:xfrm>
+            <a:off x="5258748" y="2276872"/>
+            <a:ext cx="1296144" cy="374571"/>
+          </a:xfrm>
+          <a:prstGeom prst="roundRect">
+            <a:avLst/>
+          </a:prstGeom>
+          <a:ln w="19050">
+            <a:solidFill>
+              <a:schemeClr val="tx1">
+                <a:lumMod val="50000"/>
+                <a:lumOff val="50000"/>
+              </a:schemeClr>
+            </a:solidFill>
+          </a:ln>
+        </p:spPr>
+        <p:style>
+          <a:lnRef idx="2">
+            <a:schemeClr val="dk1"/>
+          </a:lnRef>
+          <a:fillRef idx="1">
+            <a:schemeClr val="lt1"/>
+          </a:fillRef>
+          <a:effectRef idx="0">
+            <a:schemeClr val="dk1"/>
+          </a:effectRef>
+          <a:fontRef idx="minor">
+            <a:schemeClr val="dk1"/>
+          </a:fontRef>
+        </p:style>
+        <p:txBody>
+          <a:bodyPr wrap="square" rtlCol="0">
+            <a:spAutoFit/>
+          </a:bodyPr>
+          <a:lstStyle/>
+          <a:p>
+            <a:r>
+              <a:rPr lang="en-US" altLang="ko-KR" sz="1600" dirty="0" smtClean="0"/>
+              <a:t>airplane.py</a:t>
+            </a:r>
+            <a:endParaRPr lang="ko-KR" altLang="en-US" sz="1600" dirty="0"/>
+          </a:p>
+        </p:txBody>
+      </p:sp>
+      <p:pic>
+        <p:nvPicPr>
+          <p:cNvPr id="4" name="그림 3"/>
+          <p:cNvPicPr>
+            <a:picLocks noChangeAspect="1"/>
+          </p:cNvPicPr>
+          <p:nvPr/>
+        </p:nvPicPr>
+        <p:blipFill>
+          <a:blip r:embed="rId3">
+            <a:extLst>
+              <a:ext uri="{28A0092B-C50C-407E-A947-70E740481C1C}">
+                <a14:useLocalDpi xmlns:a14="http://schemas.microsoft.com/office/drawing/2010/main" val="0"/>
+              </a:ext>
+            </a:extLst>
+          </a:blip>
+          <a:stretch>
+            <a:fillRect/>
+          </a:stretch>
+        </p:blipFill>
+        <p:spPr>
+          <a:xfrm>
+            <a:off x="5570309" y="3136593"/>
+            <a:ext cx="4107536" cy="1638442"/>
+          </a:xfrm>
+          <a:prstGeom prst="rect">
+            <a:avLst/>
+          </a:prstGeom>
+          <a:ln>
+            <a:solidFill>
+              <a:schemeClr val="bg1">
+                <a:lumMod val="85000"/>
+              </a:schemeClr>
+            </a:solidFill>
+          </a:ln>
+        </p:spPr>
+      </p:pic>
+    </p:spTree>
+    <p:extLst>
+      <p:ext uri="{BB962C8B-B14F-4D97-AF65-F5344CB8AC3E}">
+        <p14:creationId xmlns:p14="http://schemas.microsoft.com/office/powerpoint/2010/main" val="2756791182"/>
+      </p:ext>
+    </p:extLst>
+  </p:cSld>
+  <p:clrMapOvr>
+    <a:masterClrMapping/>
+  </p:clrMapOvr>
+  <p:timing>
+    <p:tnLst>
+      <p:par>
+        <p:cTn id="1" dur="indefinite" restart="never" nodeType="tmRoot"/>
+      </p:par>
+    </p:tnLst>
+  </p:timing>
+</p:sld>
+</file>
+
+<file path=ppt/slides/slide12.xml><?xml version="1.0" encoding="utf-8"?>
+<p:sld xmlns:a="http://schemas.openxmlformats.org/drawingml/2006/main" xmlns:r="http://schemas.openxmlformats.org/officeDocument/2006/relationships" xmlns:p="http://schemas.openxmlformats.org/presentationml/2006/main">
+  <p:cSld>
+    <p:spTree>
+      <p:nvGrpSpPr>
+        <p:cNvPr id="1" name=""/>
+        <p:cNvGrpSpPr/>
+        <p:nvPr/>
+      </p:nvGrpSpPr>
+      <p:grpSpPr>
+        <a:xfrm>
+          <a:off x="0" y="0"/>
+          <a:ext cx="0" cy="0"/>
+          <a:chOff x="0" y="0"/>
+          <a:chExt cx="0" cy="0"/>
+        </a:xfrm>
+      </p:grpSpPr>
+      <p:sp>
+        <p:nvSpPr>
+          <p:cNvPr id="6" name="제목 5"/>
+          <p:cNvSpPr>
+            <a:spLocks noGrp="1"/>
+          </p:cNvSpPr>
+          <p:nvPr>
+            <p:ph type="title"/>
+          </p:nvPr>
+        </p:nvSpPr>
+        <p:spPr/>
+        <p:txBody>
+          <a:bodyPr>
+            <a:normAutofit/>
+          </a:bodyPr>
+          <a:lstStyle/>
+          <a:p>
+            <a:pPr>
+              <a:lnSpc>
+                <a:spcPct val="150000"/>
+              </a:lnSpc>
+            </a:pPr>
+            <a:r>
+              <a:rPr lang="en-US" altLang="ko-KR" dirty="0" smtClean="0"/>
+              <a:t> </a:t>
+            </a:r>
+            <a:r>
+              <a:rPr lang="ko-KR" altLang="en-US" b="1" dirty="0"/>
+              <a:t>계산기 클래스 만들기</a:t>
+            </a:r>
+            <a:endParaRPr lang="en-US" altLang="ko-KR" b="1" dirty="0"/>
+          </a:p>
+        </p:txBody>
+      </p:sp>
+      <p:sp>
+        <p:nvSpPr>
+          <p:cNvPr id="5" name="슬라이드 번호 개체 틀 4"/>
+          <p:cNvSpPr>
+            <a:spLocks noGrp="1"/>
+          </p:cNvSpPr>
+          <p:nvPr>
+            <p:ph type="sldNum" sz="quarter" idx="12"/>
+          </p:nvPr>
+        </p:nvSpPr>
+        <p:spPr/>
+        <p:txBody>
+          <a:bodyPr/>
+          <a:lstStyle/>
+          <a:p>
+            <a:fld id="{1BDE3FE7-3AEA-4B05-AC5A-802D1816ACF0}" type="slidenum">
+              <a:rPr lang="ko-KR" altLang="en-US" smtClean="0"/>
+              <a:t>12</a:t>
             </a:fld>
             <a:endParaRPr lang="ko-KR" altLang="en-US"/>
           </a:p>
@@ -5138,7 +5608,7 @@
 </p:sld>
 </file>
 
-<file path=ppt/slides/slide12.xml><?xml version="1.0" encoding="utf-8"?>
+<file path=ppt/slides/slide13.xml><?xml version="1.0" encoding="utf-8"?>
 <p:sld xmlns:a="http://schemas.openxmlformats.org/drawingml/2006/main" xmlns:r="http://schemas.openxmlformats.org/officeDocument/2006/relationships" xmlns:p="http://schemas.openxmlformats.org/presentationml/2006/main">
   <p:cSld>
     <p:spTree>
@@ -5205,7 +5675,7 @@
           <a:p>
             <a:fld id="{1BDE3FE7-3AEA-4B05-AC5A-802D1816ACF0}" type="slidenum">
               <a:rPr lang="ko-KR" altLang="en-US" smtClean="0"/>
-              <a:t>12</a:t>
+              <a:t>13</a:t>
             </a:fld>
             <a:endParaRPr lang="ko-KR" altLang="en-US"/>
           </a:p>
@@ -5216,7 +5686,7 @@
           <p:cNvPr id="10" name="내용 개체 틀 2">
             <a:extLst>
               <a:ext uri="{FF2B5EF4-FFF2-40B4-BE49-F238E27FC236}">
-                <a16:creationId xmlns="" xmlns:a16="http://schemas.microsoft.com/office/drawing/2014/main" id="{98AF3A4E-7D90-4241-89FE-799D6F9D5A94}"/>
+                <a16:creationId xmlns:a16="http://schemas.microsoft.com/office/drawing/2014/main" id="{98AF3A4E-7D90-4241-89FE-799D6F9D5A94}"/>
               </a:ext>
             </a:extLst>
           </p:cNvPr>
@@ -5569,7 +6039,7 @@
 </p:sld>
 </file>
 
-<file path=ppt/slides/slide13.xml><?xml version="1.0" encoding="utf-8"?>
+<file path=ppt/slides/slide14.xml><?xml version="1.0" encoding="utf-8"?>
 <p:sld xmlns:a="http://schemas.openxmlformats.org/drawingml/2006/main" xmlns:r="http://schemas.openxmlformats.org/officeDocument/2006/relationships" xmlns:p="http://schemas.openxmlformats.org/presentationml/2006/main">
   <p:cSld>
     <p:spTree>
@@ -5640,7 +6110,7 @@
           <a:p>
             <a:fld id="{1BDE3FE7-3AEA-4B05-AC5A-802D1816ACF0}" type="slidenum">
               <a:rPr lang="ko-KR" altLang="en-US" smtClean="0"/>
-              <a:t>13</a:t>
+              <a:t>14</a:t>
             </a:fld>
             <a:endParaRPr lang="ko-KR" altLang="en-US"/>
           </a:p>
@@ -5810,7 +6280,7 @@
 </p:sld>
 </file>
 
-<file path=ppt/slides/slide14.xml><?xml version="1.0" encoding="utf-8"?>
+<file path=ppt/slides/slide15.xml><?xml version="1.0" encoding="utf-8"?>
 <p:sld xmlns:a="http://schemas.openxmlformats.org/drawingml/2006/main" xmlns:r="http://schemas.openxmlformats.org/officeDocument/2006/relationships" xmlns:p="http://schemas.openxmlformats.org/presentationml/2006/main">
   <p:cSld>
     <p:spTree>
@@ -5881,7 +6351,7 @@
           <a:p>
             <a:fld id="{1BDE3FE7-3AEA-4B05-AC5A-802D1816ACF0}" type="slidenum">
               <a:rPr lang="ko-KR" altLang="en-US" smtClean="0"/>
-              <a:t>14</a:t>
+              <a:t>15</a:t>
             </a:fld>
             <a:endParaRPr lang="ko-KR" altLang="en-US"/>
           </a:p>
@@ -6003,7 +6473,7 @@
 </p:sld>
 </file>
 
-<file path=ppt/slides/slide15.xml><?xml version="1.0" encoding="utf-8"?>
+<file path=ppt/slides/slide16.xml><?xml version="1.0" encoding="utf-8"?>
 <p:sld xmlns:a="http://schemas.openxmlformats.org/drawingml/2006/main" xmlns:r="http://schemas.openxmlformats.org/officeDocument/2006/relationships" xmlns:p="http://schemas.openxmlformats.org/presentationml/2006/main">
   <p:cSld>
     <p:spTree>
@@ -6148,7 +6618,7 @@
           <a:p>
             <a:fld id="{1BDE3FE7-3AEA-4B05-AC5A-802D1816ACF0}" type="slidenum">
               <a:rPr lang="ko-KR" altLang="en-US" smtClean="0"/>
-              <a:t>15</a:t>
+              <a:t>16</a:t>
             </a:fld>
             <a:endParaRPr lang="ko-KR" altLang="en-US"/>
           </a:p>
@@ -6440,7 +6910,7 @@
 </p:sld>
 </file>
 
-<file path=ppt/slides/slide16.xml><?xml version="1.0" encoding="utf-8"?>
+<file path=ppt/slides/slide17.xml><?xml version="1.0" encoding="utf-8"?>
 <p:sld xmlns:a="http://schemas.openxmlformats.org/drawingml/2006/main" xmlns:r="http://schemas.openxmlformats.org/officeDocument/2006/relationships" xmlns:p="http://schemas.openxmlformats.org/presentationml/2006/main">
   <p:cSld>
     <p:spTree>
@@ -6511,7 +6981,7 @@
           <a:p>
             <a:fld id="{1BDE3FE7-3AEA-4B05-AC5A-802D1816ACF0}" type="slidenum">
               <a:rPr lang="ko-KR" altLang="en-US" smtClean="0"/>
-              <a:t>16</a:t>
+              <a:t>17</a:t>
             </a:fld>
             <a:endParaRPr lang="ko-KR" altLang="en-US"/>
           </a:p>
@@ -6702,7 +7172,7 @@
 </p:sld>
 </file>
 
-<file path=ppt/slides/slide17.xml><?xml version="1.0" encoding="utf-8"?>
+<file path=ppt/slides/slide18.xml><?xml version="1.0" encoding="utf-8"?>
 <p:sld xmlns:a="http://schemas.openxmlformats.org/drawingml/2006/main" xmlns:r="http://schemas.openxmlformats.org/officeDocument/2006/relationships" xmlns:p="http://schemas.openxmlformats.org/presentationml/2006/main">
   <p:cSld>
     <p:spTree>
@@ -6769,7 +7239,7 @@
           <a:p>
             <a:fld id="{1BDE3FE7-3AEA-4B05-AC5A-802D1816ACF0}" type="slidenum">
               <a:rPr lang="ko-KR" altLang="en-US" smtClean="0"/>
-              <a:t>17</a:t>
+              <a:t>18</a:t>
             </a:fld>
             <a:endParaRPr lang="ko-KR" altLang="en-US"/>
           </a:p>
@@ -6923,7 +7393,7 @@
 </p:sld>
 </file>
 
-<file path=ppt/slides/slide18.xml><?xml version="1.0" encoding="utf-8"?>
+<file path=ppt/slides/slide19.xml><?xml version="1.0" encoding="utf-8"?>
 <p:sld xmlns:a="http://schemas.openxmlformats.org/drawingml/2006/main" xmlns:r="http://schemas.openxmlformats.org/officeDocument/2006/relationships" xmlns:p="http://schemas.openxmlformats.org/presentationml/2006/main">
   <p:cSld>
     <p:spTree>
@@ -6994,7 +7464,7 @@
           <a:p>
             <a:fld id="{1BDE3FE7-3AEA-4B05-AC5A-802D1816ACF0}" type="slidenum">
               <a:rPr lang="ko-KR" altLang="en-US" smtClean="0"/>
-              <a:t>18</a:t>
+              <a:t>19</a:t>
             </a:fld>
             <a:endParaRPr lang="ko-KR" altLang="en-US"/>
           </a:p>
@@ -7384,7 +7854,7 @@
 </p:sld>
 </file>
 
-<file path=ppt/slides/slide19.xml><?xml version="1.0" encoding="utf-8"?>
+<file path=ppt/slides/slide2.xml><?xml version="1.0" encoding="utf-8"?>
 <p:sld xmlns:a="http://schemas.openxmlformats.org/drawingml/2006/main" xmlns:r="http://schemas.openxmlformats.org/officeDocument/2006/relationships" xmlns:p="http://schemas.openxmlformats.org/presentationml/2006/main">
   <p:cSld>
     <p:spTree>
@@ -7403,6 +7873,600 @@
       </p:grpSpPr>
       <p:sp>
         <p:nvSpPr>
+          <p:cNvPr id="2" name="제목 1"/>
+          <p:cNvSpPr>
+            <a:spLocks noGrp="1"/>
+          </p:cNvSpPr>
+          <p:nvPr>
+            <p:ph type="title"/>
+          </p:nvPr>
+        </p:nvSpPr>
+        <p:spPr/>
+        <p:txBody>
+          <a:bodyPr>
+            <a:normAutofit/>
+          </a:bodyPr>
+          <a:lstStyle/>
+          <a:p>
+            <a:pPr algn="ctr"/>
+            <a:r>
+              <a:rPr lang="ko-KR" altLang="en-US" sz="2800" dirty="0" smtClean="0"/>
+              <a:t>목 차</a:t>
+            </a:r>
+            <a:endParaRPr lang="ko-KR" altLang="en-US" sz="2800" dirty="0"/>
+          </a:p>
+        </p:txBody>
+      </p:sp>
+      <p:sp>
+        <p:nvSpPr>
+          <p:cNvPr id="4" name="슬라이드 번호 개체 틀 3"/>
+          <p:cNvSpPr>
+            <a:spLocks noGrp="1"/>
+          </p:cNvSpPr>
+          <p:nvPr>
+            <p:ph type="sldNum" sz="quarter" idx="12"/>
+          </p:nvPr>
+        </p:nvSpPr>
+        <p:spPr/>
+        <p:txBody>
+          <a:bodyPr/>
+          <a:lstStyle/>
+          <a:p>
+            <a:fld id="{1BDE3FE7-3AEA-4B05-AC5A-802D1816ACF0}" type="slidenum">
+              <a:rPr lang="ko-KR" altLang="en-US" smtClean="0"/>
+              <a:t>2</a:t>
+            </a:fld>
+            <a:endParaRPr lang="ko-KR" altLang="en-US"/>
+          </a:p>
+        </p:txBody>
+      </p:sp>
+      <p:sp>
+        <p:nvSpPr>
+          <p:cNvPr id="5" name="모서리가 둥근 직사각형 4"/>
+          <p:cNvSpPr/>
+          <p:nvPr/>
+        </p:nvSpPr>
+        <p:spPr>
+          <a:xfrm>
+            <a:off x="1779566" y="1628800"/>
+            <a:ext cx="5261665" cy="792088"/>
+          </a:xfrm>
+          <a:prstGeom prst="roundRect">
+            <a:avLst/>
+          </a:prstGeom>
+          <a:solidFill>
+            <a:schemeClr val="accent3">
+              <a:lumMod val="20000"/>
+              <a:lumOff val="80000"/>
+            </a:schemeClr>
+          </a:solidFill>
+          <a:ln>
+            <a:solidFill>
+              <a:schemeClr val="accent3">
+                <a:lumMod val="60000"/>
+                <a:lumOff val="40000"/>
+              </a:schemeClr>
+            </a:solidFill>
+          </a:ln>
+        </p:spPr>
+        <p:style>
+          <a:lnRef idx="2">
+            <a:schemeClr val="dk1"/>
+          </a:lnRef>
+          <a:fillRef idx="1">
+            <a:schemeClr val="lt1"/>
+          </a:fillRef>
+          <a:effectRef idx="0">
+            <a:schemeClr val="dk1"/>
+          </a:effectRef>
+          <a:fontRef idx="minor">
+            <a:schemeClr val="dk1"/>
+          </a:fontRef>
+        </p:style>
+        <p:txBody>
+          <a:bodyPr rtlCol="0" anchor="ctr"/>
+          <a:lstStyle/>
+          <a:p>
+            <a:r>
+              <a:rPr lang="en-US" altLang="ko-KR" sz="2000" b="1" dirty="0" smtClean="0">
+                <a:solidFill>
+                  <a:schemeClr val="tx1"/>
+                </a:solidFill>
+              </a:rPr>
+              <a:t>     </a:t>
+            </a:r>
+            <a:r>
+              <a:rPr lang="ko-KR" altLang="en-US" sz="2000" b="1" dirty="0" smtClean="0">
+                <a:solidFill>
+                  <a:schemeClr val="tx1"/>
+                </a:solidFill>
+              </a:rPr>
+              <a:t>클래스</a:t>
+            </a:r>
+            <a:endParaRPr lang="ko-KR" altLang="en-US" sz="2000" b="1" dirty="0">
+              <a:solidFill>
+                <a:schemeClr val="tx1"/>
+              </a:solidFill>
+            </a:endParaRPr>
+          </a:p>
+        </p:txBody>
+      </p:sp>
+      <p:sp>
+        <p:nvSpPr>
+          <p:cNvPr id="6" name="타원 5"/>
+          <p:cNvSpPr/>
+          <p:nvPr/>
+        </p:nvSpPr>
+        <p:spPr>
+          <a:xfrm>
+            <a:off x="1424608" y="1340768"/>
+            <a:ext cx="792088" cy="648072"/>
+          </a:xfrm>
+          <a:prstGeom prst="ellipse">
+            <a:avLst/>
+          </a:prstGeom>
+          <a:solidFill>
+            <a:srgbClr val="92D050"/>
+          </a:solidFill>
+          <a:ln w="12700">
+            <a:solidFill>
+              <a:srgbClr val="00B050"/>
+            </a:solidFill>
+          </a:ln>
+        </p:spPr>
+        <p:style>
+          <a:lnRef idx="2">
+            <a:schemeClr val="accent1">
+              <a:shade val="50000"/>
+            </a:schemeClr>
+          </a:lnRef>
+          <a:fillRef idx="1">
+            <a:schemeClr val="accent1"/>
+          </a:fillRef>
+          <a:effectRef idx="0">
+            <a:schemeClr val="accent1"/>
+          </a:effectRef>
+          <a:fontRef idx="minor">
+            <a:schemeClr val="lt1"/>
+          </a:fontRef>
+        </p:style>
+        <p:txBody>
+          <a:bodyPr rtlCol="0" anchor="ctr"/>
+          <a:lstStyle/>
+          <a:p>
+            <a:pPr algn="ctr"/>
+            <a:r>
+              <a:rPr lang="en-US" altLang="ko-KR" dirty="0" smtClean="0"/>
+              <a:t>1</a:t>
+            </a:r>
+            <a:endParaRPr lang="ko-KR" altLang="en-US" dirty="0"/>
+          </a:p>
+        </p:txBody>
+      </p:sp>
+      <p:sp>
+        <p:nvSpPr>
+          <p:cNvPr id="7" name="모서리가 둥근 직사각형 6"/>
+          <p:cNvSpPr/>
+          <p:nvPr/>
+        </p:nvSpPr>
+        <p:spPr>
+          <a:xfrm>
+            <a:off x="1779567" y="2852936"/>
+            <a:ext cx="5261665" cy="792088"/>
+          </a:xfrm>
+          <a:prstGeom prst="roundRect">
+            <a:avLst/>
+          </a:prstGeom>
+          <a:solidFill>
+            <a:schemeClr val="accent3">
+              <a:lumMod val="20000"/>
+              <a:lumOff val="80000"/>
+            </a:schemeClr>
+          </a:solidFill>
+          <a:ln>
+            <a:solidFill>
+              <a:schemeClr val="accent3">
+                <a:lumMod val="60000"/>
+                <a:lumOff val="40000"/>
+              </a:schemeClr>
+            </a:solidFill>
+          </a:ln>
+        </p:spPr>
+        <p:style>
+          <a:lnRef idx="2">
+            <a:schemeClr val="dk1"/>
+          </a:lnRef>
+          <a:fillRef idx="1">
+            <a:schemeClr val="lt1"/>
+          </a:fillRef>
+          <a:effectRef idx="0">
+            <a:schemeClr val="dk1"/>
+          </a:effectRef>
+          <a:fontRef idx="minor">
+            <a:schemeClr val="dk1"/>
+          </a:fontRef>
+        </p:style>
+        <p:txBody>
+          <a:bodyPr rtlCol="0" anchor="ctr"/>
+          <a:lstStyle/>
+          <a:p>
+            <a:r>
+              <a:rPr lang="en-US" altLang="ko-KR" sz="2000" b="1" dirty="0" smtClean="0">
+                <a:solidFill>
+                  <a:schemeClr val="tx1"/>
+                </a:solidFill>
+              </a:rPr>
+              <a:t>     </a:t>
+            </a:r>
+            <a:r>
+              <a:rPr lang="ko-KR" altLang="en-US" sz="2000" b="1" dirty="0" err="1" smtClean="0">
+                <a:solidFill>
+                  <a:schemeClr val="tx1"/>
+                </a:solidFill>
+              </a:rPr>
+              <a:t>초기자와</a:t>
+            </a:r>
+            <a:r>
+              <a:rPr lang="ko-KR" altLang="en-US" sz="2000" b="1" dirty="0" smtClean="0">
+                <a:solidFill>
+                  <a:schemeClr val="tx1"/>
+                </a:solidFill>
+              </a:rPr>
+              <a:t> </a:t>
+            </a:r>
+            <a:r>
+              <a:rPr lang="ko-KR" altLang="en-US" sz="2000" b="1" dirty="0" err="1" smtClean="0">
+                <a:solidFill>
+                  <a:schemeClr val="tx1"/>
+                </a:solidFill>
+              </a:rPr>
+              <a:t>매서드</a:t>
+            </a:r>
+            <a:endParaRPr lang="ko-KR" altLang="en-US" sz="2000" b="1" dirty="0">
+              <a:solidFill>
+                <a:schemeClr val="tx1"/>
+              </a:solidFill>
+            </a:endParaRPr>
+          </a:p>
+        </p:txBody>
+      </p:sp>
+      <p:sp>
+        <p:nvSpPr>
+          <p:cNvPr id="8" name="타원 7"/>
+          <p:cNvSpPr/>
+          <p:nvPr/>
+        </p:nvSpPr>
+        <p:spPr>
+          <a:xfrm>
+            <a:off x="1424608" y="2564904"/>
+            <a:ext cx="792088" cy="648072"/>
+          </a:xfrm>
+          <a:prstGeom prst="ellipse">
+            <a:avLst/>
+          </a:prstGeom>
+          <a:solidFill>
+            <a:srgbClr val="92D050"/>
+          </a:solidFill>
+          <a:ln w="12700">
+            <a:solidFill>
+              <a:srgbClr val="00B050"/>
+            </a:solidFill>
+          </a:ln>
+        </p:spPr>
+        <p:style>
+          <a:lnRef idx="2">
+            <a:schemeClr val="accent1">
+              <a:shade val="50000"/>
+            </a:schemeClr>
+          </a:lnRef>
+          <a:fillRef idx="1">
+            <a:schemeClr val="accent1"/>
+          </a:fillRef>
+          <a:effectRef idx="0">
+            <a:schemeClr val="accent1"/>
+          </a:effectRef>
+          <a:fontRef idx="minor">
+            <a:schemeClr val="lt1"/>
+          </a:fontRef>
+        </p:style>
+        <p:txBody>
+          <a:bodyPr rtlCol="0" anchor="ctr"/>
+          <a:lstStyle/>
+          <a:p>
+            <a:pPr algn="ctr"/>
+            <a:r>
+              <a:rPr lang="en-US" altLang="ko-KR" dirty="0" smtClean="0"/>
+              <a:t>2</a:t>
+            </a:r>
+            <a:endParaRPr lang="ko-KR" altLang="en-US" dirty="0"/>
+          </a:p>
+        </p:txBody>
+      </p:sp>
+      <p:sp>
+        <p:nvSpPr>
+          <p:cNvPr id="9" name="모서리가 둥근 직사각형 8"/>
+          <p:cNvSpPr/>
+          <p:nvPr/>
+        </p:nvSpPr>
+        <p:spPr>
+          <a:xfrm>
+            <a:off x="1779567" y="4005064"/>
+            <a:ext cx="5261665" cy="792088"/>
+          </a:xfrm>
+          <a:prstGeom prst="roundRect">
+            <a:avLst/>
+          </a:prstGeom>
+          <a:solidFill>
+            <a:schemeClr val="accent3">
+              <a:lumMod val="20000"/>
+              <a:lumOff val="80000"/>
+            </a:schemeClr>
+          </a:solidFill>
+          <a:ln>
+            <a:solidFill>
+              <a:schemeClr val="accent3">
+                <a:lumMod val="60000"/>
+                <a:lumOff val="40000"/>
+              </a:schemeClr>
+            </a:solidFill>
+          </a:ln>
+        </p:spPr>
+        <p:style>
+          <a:lnRef idx="2">
+            <a:schemeClr val="dk1"/>
+          </a:lnRef>
+          <a:fillRef idx="1">
+            <a:schemeClr val="lt1"/>
+          </a:fillRef>
+          <a:effectRef idx="0">
+            <a:schemeClr val="dk1"/>
+          </a:effectRef>
+          <a:fontRef idx="minor">
+            <a:schemeClr val="dk1"/>
+          </a:fontRef>
+        </p:style>
+        <p:txBody>
+          <a:bodyPr rtlCol="0" anchor="ctr"/>
+          <a:lstStyle/>
+          <a:p>
+            <a:r>
+              <a:rPr lang="en-US" altLang="ko-KR" sz="2000" b="1" dirty="0" smtClean="0">
+                <a:solidFill>
+                  <a:schemeClr val="tx1"/>
+                </a:solidFill>
+              </a:rPr>
+              <a:t>     </a:t>
+            </a:r>
+            <a:r>
+              <a:rPr lang="ko-KR" altLang="en-US" sz="2000" b="1" dirty="0" smtClean="0">
+                <a:solidFill>
+                  <a:schemeClr val="tx1"/>
+                </a:solidFill>
+              </a:rPr>
+              <a:t>정보 은닉</a:t>
+            </a:r>
+            <a:endParaRPr lang="ko-KR" altLang="en-US" sz="2000" b="1" dirty="0">
+              <a:solidFill>
+                <a:schemeClr val="tx1"/>
+              </a:solidFill>
+            </a:endParaRPr>
+          </a:p>
+        </p:txBody>
+      </p:sp>
+      <p:sp>
+        <p:nvSpPr>
+          <p:cNvPr id="10" name="타원 9"/>
+          <p:cNvSpPr/>
+          <p:nvPr/>
+        </p:nvSpPr>
+        <p:spPr>
+          <a:xfrm>
+            <a:off x="1424608" y="3717032"/>
+            <a:ext cx="792088" cy="648072"/>
+          </a:xfrm>
+          <a:prstGeom prst="ellipse">
+            <a:avLst/>
+          </a:prstGeom>
+          <a:solidFill>
+            <a:srgbClr val="92D050"/>
+          </a:solidFill>
+          <a:ln w="12700">
+            <a:solidFill>
+              <a:srgbClr val="00B050"/>
+            </a:solidFill>
+          </a:ln>
+        </p:spPr>
+        <p:style>
+          <a:lnRef idx="2">
+            <a:schemeClr val="accent1">
+              <a:shade val="50000"/>
+            </a:schemeClr>
+          </a:lnRef>
+          <a:fillRef idx="1">
+            <a:schemeClr val="accent1"/>
+          </a:fillRef>
+          <a:effectRef idx="0">
+            <a:schemeClr val="accent1"/>
+          </a:effectRef>
+          <a:fontRef idx="minor">
+            <a:schemeClr val="lt1"/>
+          </a:fontRef>
+        </p:style>
+        <p:txBody>
+          <a:bodyPr rtlCol="0" anchor="ctr"/>
+          <a:lstStyle/>
+          <a:p>
+            <a:pPr algn="ctr"/>
+            <a:r>
+              <a:rPr lang="en-US" altLang="ko-KR" dirty="0" smtClean="0"/>
+              <a:t>3</a:t>
+            </a:r>
+            <a:endParaRPr lang="ko-KR" altLang="en-US" dirty="0"/>
+          </a:p>
+        </p:txBody>
+      </p:sp>
+      <p:sp>
+        <p:nvSpPr>
+          <p:cNvPr id="11" name="모서리가 둥근 직사각형 10"/>
+          <p:cNvSpPr/>
+          <p:nvPr/>
+        </p:nvSpPr>
+        <p:spPr>
+          <a:xfrm>
+            <a:off x="1779567" y="5229200"/>
+            <a:ext cx="5261665" cy="792088"/>
+          </a:xfrm>
+          <a:prstGeom prst="roundRect">
+            <a:avLst/>
+          </a:prstGeom>
+          <a:solidFill>
+            <a:schemeClr val="accent3">
+              <a:lumMod val="20000"/>
+              <a:lumOff val="80000"/>
+            </a:schemeClr>
+          </a:solidFill>
+          <a:ln>
+            <a:solidFill>
+              <a:schemeClr val="accent3">
+                <a:lumMod val="60000"/>
+                <a:lumOff val="40000"/>
+              </a:schemeClr>
+            </a:solidFill>
+          </a:ln>
+        </p:spPr>
+        <p:style>
+          <a:lnRef idx="2">
+            <a:schemeClr val="dk1"/>
+          </a:lnRef>
+          <a:fillRef idx="1">
+            <a:schemeClr val="lt1"/>
+          </a:fillRef>
+          <a:effectRef idx="0">
+            <a:schemeClr val="dk1"/>
+          </a:effectRef>
+          <a:fontRef idx="minor">
+            <a:schemeClr val="dk1"/>
+          </a:fontRef>
+        </p:style>
+        <p:txBody>
+          <a:bodyPr rtlCol="0" anchor="ctr"/>
+          <a:lstStyle/>
+          <a:p>
+            <a:r>
+              <a:rPr lang="en-US" altLang="ko-KR" sz="2000" b="1" dirty="0" smtClean="0">
+                <a:solidFill>
+                  <a:schemeClr val="tx1"/>
+                </a:solidFill>
+              </a:rPr>
+              <a:t>     </a:t>
+            </a:r>
+            <a:r>
+              <a:rPr lang="ko-KR" altLang="en-US" sz="2000" b="1" dirty="0" smtClean="0">
+                <a:solidFill>
+                  <a:schemeClr val="tx1"/>
+                </a:solidFill>
+              </a:rPr>
+              <a:t>클래스의 상속</a:t>
+            </a:r>
+            <a:endParaRPr lang="ko-KR" altLang="en-US" sz="2000" b="1" dirty="0">
+              <a:solidFill>
+                <a:schemeClr val="tx1"/>
+              </a:solidFill>
+            </a:endParaRPr>
+          </a:p>
+        </p:txBody>
+      </p:sp>
+      <p:sp>
+        <p:nvSpPr>
+          <p:cNvPr id="12" name="타원 11"/>
+          <p:cNvSpPr/>
+          <p:nvPr/>
+        </p:nvSpPr>
+        <p:spPr>
+          <a:xfrm>
+            <a:off x="1424608" y="4941168"/>
+            <a:ext cx="792088" cy="648072"/>
+          </a:xfrm>
+          <a:prstGeom prst="ellipse">
+            <a:avLst/>
+          </a:prstGeom>
+          <a:solidFill>
+            <a:srgbClr val="92D050"/>
+          </a:solidFill>
+          <a:ln w="12700">
+            <a:solidFill>
+              <a:srgbClr val="00B050"/>
+            </a:solidFill>
+          </a:ln>
+        </p:spPr>
+        <p:style>
+          <a:lnRef idx="2">
+            <a:schemeClr val="accent1">
+              <a:shade val="50000"/>
+            </a:schemeClr>
+          </a:lnRef>
+          <a:fillRef idx="1">
+            <a:schemeClr val="accent1"/>
+          </a:fillRef>
+          <a:effectRef idx="0">
+            <a:schemeClr val="accent1"/>
+          </a:effectRef>
+          <a:fontRef idx="minor">
+            <a:schemeClr val="lt1"/>
+          </a:fontRef>
+        </p:style>
+        <p:txBody>
+          <a:bodyPr rtlCol="0" anchor="ctr"/>
+          <a:lstStyle/>
+          <a:p>
+            <a:pPr algn="ctr"/>
+            <a:r>
+              <a:rPr lang="en-US" altLang="ko-KR" dirty="0"/>
+              <a:t>4</a:t>
+            </a:r>
+            <a:endParaRPr lang="ko-KR" altLang="en-US" dirty="0"/>
+          </a:p>
+        </p:txBody>
+      </p:sp>
+    </p:spTree>
+    <p:extLst>
+      <p:ext uri="{BB962C8B-B14F-4D97-AF65-F5344CB8AC3E}">
+        <p14:creationId xmlns:p14="http://schemas.microsoft.com/office/powerpoint/2010/main" val="1289121818"/>
+      </p:ext>
+    </p:extLst>
+  </p:cSld>
+  <p:clrMapOvr>
+    <a:masterClrMapping/>
+  </p:clrMapOvr>
+  <p:timing>
+    <p:tnLst>
+      <p:par>
+        <p:cTn id="1" dur="indefinite" restart="never" nodeType="tmRoot"/>
+      </p:par>
+    </p:tnLst>
+  </p:timing>
+</p:sld>
+</file>
+
+<file path=ppt/slides/slide20.xml><?xml version="1.0" encoding="utf-8"?>
+<p:sld xmlns:a="http://schemas.openxmlformats.org/drawingml/2006/main" xmlns:r="http://schemas.openxmlformats.org/officeDocument/2006/relationships" xmlns:p="http://schemas.openxmlformats.org/presentationml/2006/main">
+  <p:cSld>
+    <p:spTree>
+      <p:nvGrpSpPr>
+        <p:cNvPr id="1" name=""/>
+        <p:cNvGrpSpPr/>
+        <p:nvPr/>
+      </p:nvGrpSpPr>
+      <p:grpSpPr>
+        <a:xfrm>
+          <a:off x="0" y="0"/>
+          <a:ext cx="0" cy="0"/>
+          <a:chOff x="0" y="0"/>
+          <a:chExt cx="0" cy="0"/>
+        </a:xfrm>
+      </p:grpSpPr>
+      <p:sp>
+        <p:nvSpPr>
           <p:cNvPr id="6" name="제목 5"/>
           <p:cNvSpPr>
             <a:spLocks noGrp="1"/>
@@ -7455,7 +8519,7 @@
           <a:p>
             <a:fld id="{1BDE3FE7-3AEA-4B05-AC5A-802D1816ACF0}" type="slidenum">
               <a:rPr lang="ko-KR" altLang="en-US" smtClean="0"/>
-              <a:t>19</a:t>
+              <a:t>20</a:t>
             </a:fld>
             <a:endParaRPr lang="ko-KR" altLang="en-US"/>
           </a:p>
@@ -7605,7 +8669,7 @@
 </p:sld>
 </file>
 
-<file path=ppt/slides/slide2.xml><?xml version="1.0" encoding="utf-8"?>
+<file path=ppt/slides/slide21.xml><?xml version="1.0" encoding="utf-8"?>
 <p:sld xmlns:a="http://schemas.openxmlformats.org/drawingml/2006/main" xmlns:r="http://schemas.openxmlformats.org/officeDocument/2006/relationships" xmlns:p="http://schemas.openxmlformats.org/presentationml/2006/main">
   <p:cSld>
     <p:spTree>
@@ -7624,600 +8688,6 @@
       </p:grpSpPr>
       <p:sp>
         <p:nvSpPr>
-          <p:cNvPr id="2" name="제목 1"/>
-          <p:cNvSpPr>
-            <a:spLocks noGrp="1"/>
-          </p:cNvSpPr>
-          <p:nvPr>
-            <p:ph type="title"/>
-          </p:nvPr>
-        </p:nvSpPr>
-        <p:spPr/>
-        <p:txBody>
-          <a:bodyPr>
-            <a:normAutofit/>
-          </a:bodyPr>
-          <a:lstStyle/>
-          <a:p>
-            <a:pPr algn="ctr"/>
-            <a:r>
-              <a:rPr lang="ko-KR" altLang="en-US" sz="2800" dirty="0" smtClean="0"/>
-              <a:t>목 차</a:t>
-            </a:r>
-            <a:endParaRPr lang="ko-KR" altLang="en-US" sz="2800" dirty="0"/>
-          </a:p>
-        </p:txBody>
-      </p:sp>
-      <p:sp>
-        <p:nvSpPr>
-          <p:cNvPr id="4" name="슬라이드 번호 개체 틀 3"/>
-          <p:cNvSpPr>
-            <a:spLocks noGrp="1"/>
-          </p:cNvSpPr>
-          <p:nvPr>
-            <p:ph type="sldNum" sz="quarter" idx="12"/>
-          </p:nvPr>
-        </p:nvSpPr>
-        <p:spPr/>
-        <p:txBody>
-          <a:bodyPr/>
-          <a:lstStyle/>
-          <a:p>
-            <a:fld id="{1BDE3FE7-3AEA-4B05-AC5A-802D1816ACF0}" type="slidenum">
-              <a:rPr lang="ko-KR" altLang="en-US" smtClean="0"/>
-              <a:t>2</a:t>
-            </a:fld>
-            <a:endParaRPr lang="ko-KR" altLang="en-US"/>
-          </a:p>
-        </p:txBody>
-      </p:sp>
-      <p:sp>
-        <p:nvSpPr>
-          <p:cNvPr id="5" name="모서리가 둥근 직사각형 4"/>
-          <p:cNvSpPr/>
-          <p:nvPr/>
-        </p:nvSpPr>
-        <p:spPr>
-          <a:xfrm>
-            <a:off x="1779566" y="1628800"/>
-            <a:ext cx="5261665" cy="792088"/>
-          </a:xfrm>
-          <a:prstGeom prst="roundRect">
-            <a:avLst/>
-          </a:prstGeom>
-          <a:solidFill>
-            <a:schemeClr val="accent3">
-              <a:lumMod val="20000"/>
-              <a:lumOff val="80000"/>
-            </a:schemeClr>
-          </a:solidFill>
-          <a:ln>
-            <a:solidFill>
-              <a:schemeClr val="accent3">
-                <a:lumMod val="60000"/>
-                <a:lumOff val="40000"/>
-              </a:schemeClr>
-            </a:solidFill>
-          </a:ln>
-        </p:spPr>
-        <p:style>
-          <a:lnRef idx="2">
-            <a:schemeClr val="dk1"/>
-          </a:lnRef>
-          <a:fillRef idx="1">
-            <a:schemeClr val="lt1"/>
-          </a:fillRef>
-          <a:effectRef idx="0">
-            <a:schemeClr val="dk1"/>
-          </a:effectRef>
-          <a:fontRef idx="minor">
-            <a:schemeClr val="dk1"/>
-          </a:fontRef>
-        </p:style>
-        <p:txBody>
-          <a:bodyPr rtlCol="0" anchor="ctr"/>
-          <a:lstStyle/>
-          <a:p>
-            <a:r>
-              <a:rPr lang="en-US" altLang="ko-KR" sz="2000" b="1" dirty="0" smtClean="0">
-                <a:solidFill>
-                  <a:schemeClr val="tx1"/>
-                </a:solidFill>
-              </a:rPr>
-              <a:t>     </a:t>
-            </a:r>
-            <a:r>
-              <a:rPr lang="ko-KR" altLang="en-US" sz="2000" b="1" dirty="0" smtClean="0">
-                <a:solidFill>
-                  <a:schemeClr val="tx1"/>
-                </a:solidFill>
-              </a:rPr>
-              <a:t>클래스</a:t>
-            </a:r>
-            <a:endParaRPr lang="ko-KR" altLang="en-US" sz="2000" b="1" dirty="0">
-              <a:solidFill>
-                <a:schemeClr val="tx1"/>
-              </a:solidFill>
-            </a:endParaRPr>
-          </a:p>
-        </p:txBody>
-      </p:sp>
-      <p:sp>
-        <p:nvSpPr>
-          <p:cNvPr id="6" name="타원 5"/>
-          <p:cNvSpPr/>
-          <p:nvPr/>
-        </p:nvSpPr>
-        <p:spPr>
-          <a:xfrm>
-            <a:off x="1424608" y="1340768"/>
-            <a:ext cx="792088" cy="648072"/>
-          </a:xfrm>
-          <a:prstGeom prst="ellipse">
-            <a:avLst/>
-          </a:prstGeom>
-          <a:solidFill>
-            <a:srgbClr val="92D050"/>
-          </a:solidFill>
-          <a:ln w="12700">
-            <a:solidFill>
-              <a:srgbClr val="00B050"/>
-            </a:solidFill>
-          </a:ln>
-        </p:spPr>
-        <p:style>
-          <a:lnRef idx="2">
-            <a:schemeClr val="accent1">
-              <a:shade val="50000"/>
-            </a:schemeClr>
-          </a:lnRef>
-          <a:fillRef idx="1">
-            <a:schemeClr val="accent1"/>
-          </a:fillRef>
-          <a:effectRef idx="0">
-            <a:schemeClr val="accent1"/>
-          </a:effectRef>
-          <a:fontRef idx="minor">
-            <a:schemeClr val="lt1"/>
-          </a:fontRef>
-        </p:style>
-        <p:txBody>
-          <a:bodyPr rtlCol="0" anchor="ctr"/>
-          <a:lstStyle/>
-          <a:p>
-            <a:pPr algn="ctr"/>
-            <a:r>
-              <a:rPr lang="en-US" altLang="ko-KR" dirty="0" smtClean="0"/>
-              <a:t>1</a:t>
-            </a:r>
-            <a:endParaRPr lang="ko-KR" altLang="en-US" dirty="0"/>
-          </a:p>
-        </p:txBody>
-      </p:sp>
-      <p:sp>
-        <p:nvSpPr>
-          <p:cNvPr id="7" name="모서리가 둥근 직사각형 6"/>
-          <p:cNvSpPr/>
-          <p:nvPr/>
-        </p:nvSpPr>
-        <p:spPr>
-          <a:xfrm>
-            <a:off x="1779567" y="2852936"/>
-            <a:ext cx="5261665" cy="792088"/>
-          </a:xfrm>
-          <a:prstGeom prst="roundRect">
-            <a:avLst/>
-          </a:prstGeom>
-          <a:solidFill>
-            <a:schemeClr val="accent3">
-              <a:lumMod val="20000"/>
-              <a:lumOff val="80000"/>
-            </a:schemeClr>
-          </a:solidFill>
-          <a:ln>
-            <a:solidFill>
-              <a:schemeClr val="accent3">
-                <a:lumMod val="60000"/>
-                <a:lumOff val="40000"/>
-              </a:schemeClr>
-            </a:solidFill>
-          </a:ln>
-        </p:spPr>
-        <p:style>
-          <a:lnRef idx="2">
-            <a:schemeClr val="dk1"/>
-          </a:lnRef>
-          <a:fillRef idx="1">
-            <a:schemeClr val="lt1"/>
-          </a:fillRef>
-          <a:effectRef idx="0">
-            <a:schemeClr val="dk1"/>
-          </a:effectRef>
-          <a:fontRef idx="minor">
-            <a:schemeClr val="dk1"/>
-          </a:fontRef>
-        </p:style>
-        <p:txBody>
-          <a:bodyPr rtlCol="0" anchor="ctr"/>
-          <a:lstStyle/>
-          <a:p>
-            <a:r>
-              <a:rPr lang="en-US" altLang="ko-KR" sz="2000" b="1" dirty="0" smtClean="0">
-                <a:solidFill>
-                  <a:schemeClr val="tx1"/>
-                </a:solidFill>
-              </a:rPr>
-              <a:t>     </a:t>
-            </a:r>
-            <a:r>
-              <a:rPr lang="ko-KR" altLang="en-US" sz="2000" b="1" dirty="0" err="1" smtClean="0">
-                <a:solidFill>
-                  <a:schemeClr val="tx1"/>
-                </a:solidFill>
-              </a:rPr>
-              <a:t>초기자와</a:t>
-            </a:r>
-            <a:r>
-              <a:rPr lang="ko-KR" altLang="en-US" sz="2000" b="1" dirty="0" smtClean="0">
-                <a:solidFill>
-                  <a:schemeClr val="tx1"/>
-                </a:solidFill>
-              </a:rPr>
-              <a:t> </a:t>
-            </a:r>
-            <a:r>
-              <a:rPr lang="ko-KR" altLang="en-US" sz="2000" b="1" dirty="0" err="1" smtClean="0">
-                <a:solidFill>
-                  <a:schemeClr val="tx1"/>
-                </a:solidFill>
-              </a:rPr>
-              <a:t>매서드</a:t>
-            </a:r>
-            <a:endParaRPr lang="ko-KR" altLang="en-US" sz="2000" b="1" dirty="0">
-              <a:solidFill>
-                <a:schemeClr val="tx1"/>
-              </a:solidFill>
-            </a:endParaRPr>
-          </a:p>
-        </p:txBody>
-      </p:sp>
-      <p:sp>
-        <p:nvSpPr>
-          <p:cNvPr id="8" name="타원 7"/>
-          <p:cNvSpPr/>
-          <p:nvPr/>
-        </p:nvSpPr>
-        <p:spPr>
-          <a:xfrm>
-            <a:off x="1424608" y="2564904"/>
-            <a:ext cx="792088" cy="648072"/>
-          </a:xfrm>
-          <a:prstGeom prst="ellipse">
-            <a:avLst/>
-          </a:prstGeom>
-          <a:solidFill>
-            <a:srgbClr val="92D050"/>
-          </a:solidFill>
-          <a:ln w="12700">
-            <a:solidFill>
-              <a:srgbClr val="00B050"/>
-            </a:solidFill>
-          </a:ln>
-        </p:spPr>
-        <p:style>
-          <a:lnRef idx="2">
-            <a:schemeClr val="accent1">
-              <a:shade val="50000"/>
-            </a:schemeClr>
-          </a:lnRef>
-          <a:fillRef idx="1">
-            <a:schemeClr val="accent1"/>
-          </a:fillRef>
-          <a:effectRef idx="0">
-            <a:schemeClr val="accent1"/>
-          </a:effectRef>
-          <a:fontRef idx="minor">
-            <a:schemeClr val="lt1"/>
-          </a:fontRef>
-        </p:style>
-        <p:txBody>
-          <a:bodyPr rtlCol="0" anchor="ctr"/>
-          <a:lstStyle/>
-          <a:p>
-            <a:pPr algn="ctr"/>
-            <a:r>
-              <a:rPr lang="en-US" altLang="ko-KR" dirty="0" smtClean="0"/>
-              <a:t>2</a:t>
-            </a:r>
-            <a:endParaRPr lang="ko-KR" altLang="en-US" dirty="0"/>
-          </a:p>
-        </p:txBody>
-      </p:sp>
-      <p:sp>
-        <p:nvSpPr>
-          <p:cNvPr id="9" name="모서리가 둥근 직사각형 8"/>
-          <p:cNvSpPr/>
-          <p:nvPr/>
-        </p:nvSpPr>
-        <p:spPr>
-          <a:xfrm>
-            <a:off x="1779567" y="4005064"/>
-            <a:ext cx="5261665" cy="792088"/>
-          </a:xfrm>
-          <a:prstGeom prst="roundRect">
-            <a:avLst/>
-          </a:prstGeom>
-          <a:solidFill>
-            <a:schemeClr val="accent3">
-              <a:lumMod val="20000"/>
-              <a:lumOff val="80000"/>
-            </a:schemeClr>
-          </a:solidFill>
-          <a:ln>
-            <a:solidFill>
-              <a:schemeClr val="accent3">
-                <a:lumMod val="60000"/>
-                <a:lumOff val="40000"/>
-              </a:schemeClr>
-            </a:solidFill>
-          </a:ln>
-        </p:spPr>
-        <p:style>
-          <a:lnRef idx="2">
-            <a:schemeClr val="dk1"/>
-          </a:lnRef>
-          <a:fillRef idx="1">
-            <a:schemeClr val="lt1"/>
-          </a:fillRef>
-          <a:effectRef idx="0">
-            <a:schemeClr val="dk1"/>
-          </a:effectRef>
-          <a:fontRef idx="minor">
-            <a:schemeClr val="dk1"/>
-          </a:fontRef>
-        </p:style>
-        <p:txBody>
-          <a:bodyPr rtlCol="0" anchor="ctr"/>
-          <a:lstStyle/>
-          <a:p>
-            <a:r>
-              <a:rPr lang="en-US" altLang="ko-KR" sz="2000" b="1" dirty="0" smtClean="0">
-                <a:solidFill>
-                  <a:schemeClr val="tx1"/>
-                </a:solidFill>
-              </a:rPr>
-              <a:t>     </a:t>
-            </a:r>
-            <a:r>
-              <a:rPr lang="ko-KR" altLang="en-US" sz="2000" b="1" dirty="0" smtClean="0">
-                <a:solidFill>
-                  <a:schemeClr val="tx1"/>
-                </a:solidFill>
-              </a:rPr>
-              <a:t>정보 은닉</a:t>
-            </a:r>
-            <a:endParaRPr lang="ko-KR" altLang="en-US" sz="2000" b="1" dirty="0">
-              <a:solidFill>
-                <a:schemeClr val="tx1"/>
-              </a:solidFill>
-            </a:endParaRPr>
-          </a:p>
-        </p:txBody>
-      </p:sp>
-      <p:sp>
-        <p:nvSpPr>
-          <p:cNvPr id="10" name="타원 9"/>
-          <p:cNvSpPr/>
-          <p:nvPr/>
-        </p:nvSpPr>
-        <p:spPr>
-          <a:xfrm>
-            <a:off x="1424608" y="3717032"/>
-            <a:ext cx="792088" cy="648072"/>
-          </a:xfrm>
-          <a:prstGeom prst="ellipse">
-            <a:avLst/>
-          </a:prstGeom>
-          <a:solidFill>
-            <a:srgbClr val="92D050"/>
-          </a:solidFill>
-          <a:ln w="12700">
-            <a:solidFill>
-              <a:srgbClr val="00B050"/>
-            </a:solidFill>
-          </a:ln>
-        </p:spPr>
-        <p:style>
-          <a:lnRef idx="2">
-            <a:schemeClr val="accent1">
-              <a:shade val="50000"/>
-            </a:schemeClr>
-          </a:lnRef>
-          <a:fillRef idx="1">
-            <a:schemeClr val="accent1"/>
-          </a:fillRef>
-          <a:effectRef idx="0">
-            <a:schemeClr val="accent1"/>
-          </a:effectRef>
-          <a:fontRef idx="minor">
-            <a:schemeClr val="lt1"/>
-          </a:fontRef>
-        </p:style>
-        <p:txBody>
-          <a:bodyPr rtlCol="0" anchor="ctr"/>
-          <a:lstStyle/>
-          <a:p>
-            <a:pPr algn="ctr"/>
-            <a:r>
-              <a:rPr lang="en-US" altLang="ko-KR" dirty="0" smtClean="0"/>
-              <a:t>3</a:t>
-            </a:r>
-            <a:endParaRPr lang="ko-KR" altLang="en-US" dirty="0"/>
-          </a:p>
-        </p:txBody>
-      </p:sp>
-      <p:sp>
-        <p:nvSpPr>
-          <p:cNvPr id="11" name="모서리가 둥근 직사각형 10"/>
-          <p:cNvSpPr/>
-          <p:nvPr/>
-        </p:nvSpPr>
-        <p:spPr>
-          <a:xfrm>
-            <a:off x="1779567" y="5229200"/>
-            <a:ext cx="5261665" cy="792088"/>
-          </a:xfrm>
-          <a:prstGeom prst="roundRect">
-            <a:avLst/>
-          </a:prstGeom>
-          <a:solidFill>
-            <a:schemeClr val="accent3">
-              <a:lumMod val="20000"/>
-              <a:lumOff val="80000"/>
-            </a:schemeClr>
-          </a:solidFill>
-          <a:ln>
-            <a:solidFill>
-              <a:schemeClr val="accent3">
-                <a:lumMod val="60000"/>
-                <a:lumOff val="40000"/>
-              </a:schemeClr>
-            </a:solidFill>
-          </a:ln>
-        </p:spPr>
-        <p:style>
-          <a:lnRef idx="2">
-            <a:schemeClr val="dk1"/>
-          </a:lnRef>
-          <a:fillRef idx="1">
-            <a:schemeClr val="lt1"/>
-          </a:fillRef>
-          <a:effectRef idx="0">
-            <a:schemeClr val="dk1"/>
-          </a:effectRef>
-          <a:fontRef idx="minor">
-            <a:schemeClr val="dk1"/>
-          </a:fontRef>
-        </p:style>
-        <p:txBody>
-          <a:bodyPr rtlCol="0" anchor="ctr"/>
-          <a:lstStyle/>
-          <a:p>
-            <a:r>
-              <a:rPr lang="en-US" altLang="ko-KR" sz="2000" b="1" dirty="0" smtClean="0">
-                <a:solidFill>
-                  <a:schemeClr val="tx1"/>
-                </a:solidFill>
-              </a:rPr>
-              <a:t>     </a:t>
-            </a:r>
-            <a:r>
-              <a:rPr lang="ko-KR" altLang="en-US" sz="2000" b="1" dirty="0" smtClean="0">
-                <a:solidFill>
-                  <a:schemeClr val="tx1"/>
-                </a:solidFill>
-              </a:rPr>
-              <a:t>클래스의 상속</a:t>
-            </a:r>
-            <a:endParaRPr lang="ko-KR" altLang="en-US" sz="2000" b="1" dirty="0">
-              <a:solidFill>
-                <a:schemeClr val="tx1"/>
-              </a:solidFill>
-            </a:endParaRPr>
-          </a:p>
-        </p:txBody>
-      </p:sp>
-      <p:sp>
-        <p:nvSpPr>
-          <p:cNvPr id="12" name="타원 11"/>
-          <p:cNvSpPr/>
-          <p:nvPr/>
-        </p:nvSpPr>
-        <p:spPr>
-          <a:xfrm>
-            <a:off x="1424608" y="4941168"/>
-            <a:ext cx="792088" cy="648072"/>
-          </a:xfrm>
-          <a:prstGeom prst="ellipse">
-            <a:avLst/>
-          </a:prstGeom>
-          <a:solidFill>
-            <a:srgbClr val="92D050"/>
-          </a:solidFill>
-          <a:ln w="12700">
-            <a:solidFill>
-              <a:srgbClr val="00B050"/>
-            </a:solidFill>
-          </a:ln>
-        </p:spPr>
-        <p:style>
-          <a:lnRef idx="2">
-            <a:schemeClr val="accent1">
-              <a:shade val="50000"/>
-            </a:schemeClr>
-          </a:lnRef>
-          <a:fillRef idx="1">
-            <a:schemeClr val="accent1"/>
-          </a:fillRef>
-          <a:effectRef idx="0">
-            <a:schemeClr val="accent1"/>
-          </a:effectRef>
-          <a:fontRef idx="minor">
-            <a:schemeClr val="lt1"/>
-          </a:fontRef>
-        </p:style>
-        <p:txBody>
-          <a:bodyPr rtlCol="0" anchor="ctr"/>
-          <a:lstStyle/>
-          <a:p>
-            <a:pPr algn="ctr"/>
-            <a:r>
-              <a:rPr lang="en-US" altLang="ko-KR" dirty="0"/>
-              <a:t>4</a:t>
-            </a:r>
-            <a:endParaRPr lang="ko-KR" altLang="en-US" dirty="0"/>
-          </a:p>
-        </p:txBody>
-      </p:sp>
-    </p:spTree>
-    <p:extLst>
-      <p:ext uri="{BB962C8B-B14F-4D97-AF65-F5344CB8AC3E}">
-        <p14:creationId xmlns:p14="http://schemas.microsoft.com/office/powerpoint/2010/main" val="1289121818"/>
-      </p:ext>
-    </p:extLst>
-  </p:cSld>
-  <p:clrMapOvr>
-    <a:masterClrMapping/>
-  </p:clrMapOvr>
-  <p:timing>
-    <p:tnLst>
-      <p:par>
-        <p:cTn id="1" dur="indefinite" restart="never" nodeType="tmRoot"/>
-      </p:par>
-    </p:tnLst>
-  </p:timing>
-</p:sld>
-</file>
-
-<file path=ppt/slides/slide20.xml><?xml version="1.0" encoding="utf-8"?>
-<p:sld xmlns:a="http://schemas.openxmlformats.org/drawingml/2006/main" xmlns:r="http://schemas.openxmlformats.org/officeDocument/2006/relationships" xmlns:p="http://schemas.openxmlformats.org/presentationml/2006/main">
-  <p:cSld>
-    <p:spTree>
-      <p:nvGrpSpPr>
-        <p:cNvPr id="1" name=""/>
-        <p:cNvGrpSpPr/>
-        <p:nvPr/>
-      </p:nvGrpSpPr>
-      <p:grpSpPr>
-        <a:xfrm>
-          <a:off x="0" y="0"/>
-          <a:ext cx="0" cy="0"/>
-          <a:chOff x="0" y="0"/>
-          <a:chExt cx="0" cy="0"/>
-        </a:xfrm>
-      </p:grpSpPr>
-      <p:sp>
-        <p:nvSpPr>
           <p:cNvPr id="6" name="제목 5"/>
           <p:cNvSpPr>
             <a:spLocks noGrp="1"/>
@@ -8270,7 +8740,7 @@
           <a:p>
             <a:fld id="{1BDE3FE7-3AEA-4B05-AC5A-802D1816ACF0}" type="slidenum">
               <a:rPr lang="ko-KR" altLang="en-US" smtClean="0"/>
-              <a:t>20</a:t>
+              <a:t>21</a:t>
             </a:fld>
             <a:endParaRPr lang="ko-KR" altLang="en-US"/>
           </a:p>
@@ -8493,7 +8963,7 @@
 </p:sld>
 </file>
 
-<file path=ppt/slides/slide21.xml><?xml version="1.0" encoding="utf-8"?>
+<file path=ppt/slides/slide22.xml><?xml version="1.0" encoding="utf-8"?>
 <p:sld xmlns:a="http://schemas.openxmlformats.org/drawingml/2006/main" xmlns:r="http://schemas.openxmlformats.org/officeDocument/2006/relationships" xmlns:p="http://schemas.openxmlformats.org/presentationml/2006/main">
   <p:cSld>
     <p:spTree>
@@ -8601,7 +9071,7 @@
           <a:p>
             <a:fld id="{1BDE3FE7-3AEA-4B05-AC5A-802D1816ACF0}" type="slidenum">
               <a:rPr lang="ko-KR" altLang="en-US" smtClean="0"/>
-              <a:t>21</a:t>
+              <a:t>22</a:t>
             </a:fld>
             <a:endParaRPr lang="ko-KR" altLang="en-US"/>
           </a:p>
@@ -8791,7 +9261,7 @@
 </p:sld>
 </file>
 
-<file path=ppt/slides/slide22.xml><?xml version="1.0" encoding="utf-8"?>
+<file path=ppt/slides/slide23.xml><?xml version="1.0" encoding="utf-8"?>
 <p:sld xmlns:a="http://schemas.openxmlformats.org/drawingml/2006/main" xmlns:r="http://schemas.openxmlformats.org/officeDocument/2006/relationships" xmlns:p="http://schemas.openxmlformats.org/presentationml/2006/main">
   <p:cSld>
     <p:spTree>
@@ -8862,7 +9332,7 @@
           <a:p>
             <a:fld id="{1BDE3FE7-3AEA-4B05-AC5A-802D1816ACF0}" type="slidenum">
               <a:rPr lang="ko-KR" altLang="en-US" smtClean="0"/>
-              <a:t>22</a:t>
+              <a:t>23</a:t>
             </a:fld>
             <a:endParaRPr lang="ko-KR" altLang="en-US"/>
           </a:p>
@@ -9040,7 +9510,7 @@
 </p:sld>
 </file>
 
-<file path=ppt/slides/slide23.xml><?xml version="1.0" encoding="utf-8"?>
+<file path=ppt/slides/slide24.xml><?xml version="1.0" encoding="utf-8"?>
 <p:sld xmlns:a="http://schemas.openxmlformats.org/drawingml/2006/main" xmlns:r="http://schemas.openxmlformats.org/officeDocument/2006/relationships" xmlns:p="http://schemas.openxmlformats.org/presentationml/2006/main">
   <p:cSld>
     <p:spTree>
@@ -9115,7 +9585,7 @@
           <a:p>
             <a:fld id="{1BDE3FE7-3AEA-4B05-AC5A-802D1816ACF0}" type="slidenum">
               <a:rPr lang="ko-KR" altLang="en-US" smtClean="0"/>
-              <a:t>23</a:t>
+              <a:t>24</a:t>
             </a:fld>
             <a:endParaRPr lang="ko-KR" altLang="en-US"/>
           </a:p>
@@ -9558,7 +10028,7 @@
 </p:sld>
 </file>
 
-<file path=ppt/slides/slide24.xml><?xml version="1.0" encoding="utf-8"?>
+<file path=ppt/slides/slide25.xml><?xml version="1.0" encoding="utf-8"?>
 <p:sld xmlns:a="http://schemas.openxmlformats.org/drawingml/2006/main" xmlns:r="http://schemas.openxmlformats.org/officeDocument/2006/relationships" xmlns:p="http://schemas.openxmlformats.org/presentationml/2006/main">
   <p:cSld>
     <p:spTree>
@@ -9633,7 +10103,7 @@
           <a:p>
             <a:fld id="{1BDE3FE7-3AEA-4B05-AC5A-802D1816ACF0}" type="slidenum">
               <a:rPr lang="ko-KR" altLang="en-US" smtClean="0"/>
-              <a:t>24</a:t>
+              <a:t>25</a:t>
             </a:fld>
             <a:endParaRPr lang="ko-KR" altLang="en-US"/>
           </a:p>
@@ -9811,7 +10281,7 @@
 </p:sld>
 </file>
 
-<file path=ppt/slides/slide25.xml><?xml version="1.0" encoding="utf-8"?>
+<file path=ppt/slides/slide26.xml><?xml version="1.0" encoding="utf-8"?>
 <p:sld xmlns:a="http://schemas.openxmlformats.org/drawingml/2006/main" xmlns:r="http://schemas.openxmlformats.org/officeDocument/2006/relationships" xmlns:p="http://schemas.openxmlformats.org/presentationml/2006/main">
   <p:cSld>
     <p:spTree>
@@ -9882,7 +10352,7 @@
           <a:p>
             <a:fld id="{1BDE3FE7-3AEA-4B05-AC5A-802D1816ACF0}" type="slidenum">
               <a:rPr lang="ko-KR" altLang="en-US" smtClean="0"/>
-              <a:t>25</a:t>
+              <a:t>26</a:t>
             </a:fld>
             <a:endParaRPr lang="ko-KR" altLang="en-US"/>
           </a:p>
@@ -10957,7 +11427,7 @@
 </p:sld>
 </file>
 
-<file path=ppt/slides/slide26.xml><?xml version="1.0" encoding="utf-8"?>
+<file path=ppt/slides/slide27.xml><?xml version="1.0" encoding="utf-8"?>
 <p:sld xmlns:a="http://schemas.openxmlformats.org/drawingml/2006/main" xmlns:r="http://schemas.openxmlformats.org/officeDocument/2006/relationships" xmlns:p="http://schemas.openxmlformats.org/presentationml/2006/main">
   <p:cSld>
     <p:spTree>
@@ -11032,7 +11502,7 @@
           <a:p>
             <a:fld id="{1BDE3FE7-3AEA-4B05-AC5A-802D1816ACF0}" type="slidenum">
               <a:rPr lang="ko-KR" altLang="en-US" smtClean="0"/>
-              <a:t>26</a:t>
+              <a:t>27</a:t>
             </a:fld>
             <a:endParaRPr lang="ko-KR" altLang="en-US"/>
           </a:p>
@@ -11251,7 +11721,7 @@
 </p:sld>
 </file>
 
-<file path=ppt/slides/slide27.xml><?xml version="1.0" encoding="utf-8"?>
+<file path=ppt/slides/slide28.xml><?xml version="1.0" encoding="utf-8"?>
 <p:sld xmlns:a="http://schemas.openxmlformats.org/drawingml/2006/main" xmlns:r="http://schemas.openxmlformats.org/officeDocument/2006/relationships" xmlns:p="http://schemas.openxmlformats.org/presentationml/2006/main">
   <p:cSld>
     <p:spTree>
@@ -11316,7 +11786,7 @@
           <a:p>
             <a:fld id="{1BDE3FE7-3AEA-4B05-AC5A-802D1816ACF0}" type="slidenum">
               <a:rPr lang="ko-KR" altLang="en-US" smtClean="0"/>
-              <a:t>27</a:t>
+              <a:t>28</a:t>
             </a:fld>
             <a:endParaRPr lang="ko-KR" altLang="en-US"/>
           </a:p>
@@ -11327,7 +11797,7 @@
           <p:cNvPr id="7" name="내용 개체 틀 2">
             <a:extLst>
               <a:ext uri="{FF2B5EF4-FFF2-40B4-BE49-F238E27FC236}">
-                <a16:creationId xmlns="" xmlns:a16="http://schemas.microsoft.com/office/drawing/2014/main" id="{98AF3A4E-7D90-4241-89FE-799D6F9D5A94}"/>
+                <a16:creationId xmlns:a16="http://schemas.microsoft.com/office/drawing/2014/main" id="{98AF3A4E-7D90-4241-89FE-799D6F9D5A94}"/>
               </a:ext>
             </a:extLst>
           </p:cNvPr>
@@ -11911,7 +12381,7 @@
           <p:cNvPr id="22" name="그룹 21">
             <a:extLst>
               <a:ext uri="{FF2B5EF4-FFF2-40B4-BE49-F238E27FC236}">
-                <a16:creationId xmlns="" xmlns:a16="http://schemas.microsoft.com/office/drawing/2014/main" id="{106C641F-1CDB-4B8D-B46C-A221C6864735}"/>
+                <a16:creationId xmlns:a16="http://schemas.microsoft.com/office/drawing/2014/main" id="{106C641F-1CDB-4B8D-B46C-A221C6864735}"/>
               </a:ext>
             </a:extLst>
           </p:cNvPr>
@@ -11931,7 +12401,7 @@
             <p:cNvPr id="23" name="이등변 삼각형 22">
               <a:extLst>
                 <a:ext uri="{FF2B5EF4-FFF2-40B4-BE49-F238E27FC236}">
-                  <a16:creationId xmlns="" xmlns:a16="http://schemas.microsoft.com/office/drawing/2014/main" id="{A928C65B-0F62-4DFC-9220-DF40E5958238}"/>
+                  <a16:creationId xmlns:a16="http://schemas.microsoft.com/office/drawing/2014/main" id="{A928C65B-0F62-4DFC-9220-DF40E5958238}"/>
                 </a:ext>
               </a:extLst>
             </p:cNvPr>
@@ -11978,7 +12448,7 @@
             <p:cNvPr id="24" name="직선 연결선 23">
               <a:extLst>
                 <a:ext uri="{FF2B5EF4-FFF2-40B4-BE49-F238E27FC236}">
-                  <a16:creationId xmlns="" xmlns:a16="http://schemas.microsoft.com/office/drawing/2014/main" id="{D15E6F92-B9C8-4563-8C4E-646F583209B9}"/>
+                  <a16:creationId xmlns:a16="http://schemas.microsoft.com/office/drawing/2014/main" id="{D15E6F92-B9C8-4563-8C4E-646F583209B9}"/>
                 </a:ext>
               </a:extLst>
             </p:cNvPr>
@@ -12292,7 +12762,7 @@
 </p:sld>
 </file>
 
-<file path=ppt/slides/slide28.xml><?xml version="1.0" encoding="utf-8"?>
+<file path=ppt/slides/slide29.xml><?xml version="1.0" encoding="utf-8"?>
 <p:sld xmlns:a="http://schemas.openxmlformats.org/drawingml/2006/main" xmlns:r="http://schemas.openxmlformats.org/officeDocument/2006/relationships" xmlns:p="http://schemas.openxmlformats.org/presentationml/2006/main">
   <p:cSld>
     <p:spTree>
@@ -12369,7 +12839,7 @@
           <a:p>
             <a:fld id="{1BDE3FE7-3AEA-4B05-AC5A-802D1816ACF0}" type="slidenum">
               <a:rPr lang="ko-KR" altLang="en-US" smtClean="0"/>
-              <a:t>28</a:t>
+              <a:t>29</a:t>
             </a:fld>
             <a:endParaRPr lang="ko-KR" altLang="en-US"/>
           </a:p>
@@ -12454,7 +12924,7 @@
             <p:cNvPr id="17" name="이등변 삼각형 16">
               <a:extLst>
                 <a:ext uri="{FF2B5EF4-FFF2-40B4-BE49-F238E27FC236}">
-                  <a16:creationId xmlns="" xmlns:a16="http://schemas.microsoft.com/office/drawing/2014/main" id="{A928C65B-0F62-4DFC-9220-DF40E5958238}"/>
+                  <a16:creationId xmlns:a16="http://schemas.microsoft.com/office/drawing/2014/main" id="{A928C65B-0F62-4DFC-9220-DF40E5958238}"/>
                 </a:ext>
               </a:extLst>
             </p:cNvPr>
@@ -12503,7 +12973,7 @@
             <p:cNvPr id="18" name="직선 연결선 17">
               <a:extLst>
                 <a:ext uri="{FF2B5EF4-FFF2-40B4-BE49-F238E27FC236}">
-                  <a16:creationId xmlns="" xmlns:a16="http://schemas.microsoft.com/office/drawing/2014/main" id="{D15E6F92-B9C8-4563-8C4E-646F583209B9}"/>
+                  <a16:creationId xmlns:a16="http://schemas.microsoft.com/office/drawing/2014/main" id="{D15E6F92-B9C8-4563-8C4E-646F583209B9}"/>
                 </a:ext>
               </a:extLst>
             </p:cNvPr>
@@ -13026,333 +13496,6 @@
 </p:sld>
 </file>
 
-<file path=ppt/slides/slide29.xml><?xml version="1.0" encoding="utf-8"?>
-<p:sld xmlns:a="http://schemas.openxmlformats.org/drawingml/2006/main" xmlns:r="http://schemas.openxmlformats.org/officeDocument/2006/relationships" xmlns:p="http://schemas.openxmlformats.org/presentationml/2006/main">
-  <p:cSld>
-    <p:spTree>
-      <p:nvGrpSpPr>
-        <p:cNvPr id="1" name=""/>
-        <p:cNvGrpSpPr/>
-        <p:nvPr/>
-      </p:nvGrpSpPr>
-      <p:grpSpPr>
-        <a:xfrm>
-          <a:off x="0" y="0"/>
-          <a:ext cx="0" cy="0"/>
-          <a:chOff x="0" y="0"/>
-          <a:chExt cx="0" cy="0"/>
-        </a:xfrm>
-      </p:grpSpPr>
-      <p:sp>
-        <p:nvSpPr>
-          <p:cNvPr id="6" name="제목 5"/>
-          <p:cNvSpPr>
-            <a:spLocks noGrp="1"/>
-          </p:cNvSpPr>
-          <p:nvPr>
-            <p:ph type="title"/>
-          </p:nvPr>
-        </p:nvSpPr>
-        <p:spPr/>
-        <p:txBody>
-          <a:bodyPr/>
-          <a:lstStyle/>
-          <a:p>
-            <a:r>
-              <a:rPr lang="en-US" altLang="ko-KR" dirty="0" smtClean="0"/>
-              <a:t> </a:t>
-            </a:r>
-            <a:r>
-              <a:rPr lang="ko-KR" altLang="en-US" dirty="0" smtClean="0"/>
-              <a:t>상속</a:t>
-            </a:r>
-            <a:r>
-              <a:rPr lang="en-US" altLang="ko-KR" b="1" dirty="0" smtClean="0">
-                <a:solidFill>
-                  <a:srgbClr val="002060"/>
-                </a:solidFill>
-              </a:rPr>
-              <a:t>(</a:t>
-            </a:r>
-            <a:r>
-              <a:rPr lang="en-US" altLang="ko-KR" b="1" dirty="0">
-                <a:solidFill>
-                  <a:srgbClr val="002060"/>
-                </a:solidFill>
-              </a:rPr>
-              <a:t>inheritance) </a:t>
-            </a:r>
-            <a:endParaRPr lang="ko-KR" altLang="en-US" dirty="0"/>
-          </a:p>
-        </p:txBody>
-      </p:sp>
-      <p:sp>
-        <p:nvSpPr>
-          <p:cNvPr id="5" name="슬라이드 번호 개체 틀 4"/>
-          <p:cNvSpPr>
-            <a:spLocks noGrp="1"/>
-          </p:cNvSpPr>
-          <p:nvPr>
-            <p:ph type="sldNum" sz="quarter" idx="12"/>
-          </p:nvPr>
-        </p:nvSpPr>
-        <p:spPr/>
-        <p:txBody>
-          <a:bodyPr/>
-          <a:lstStyle/>
-          <a:p>
-            <a:fld id="{1BDE3FE7-3AEA-4B05-AC5A-802D1816ACF0}" type="slidenum">
-              <a:rPr lang="ko-KR" altLang="en-US" smtClean="0"/>
-              <a:t>29</a:t>
-            </a:fld>
-            <a:endParaRPr lang="ko-KR" altLang="en-US"/>
-          </a:p>
-        </p:txBody>
-      </p:sp>
-      <p:sp>
-        <p:nvSpPr>
-          <p:cNvPr id="34" name="직사각형 33"/>
-          <p:cNvSpPr/>
-          <p:nvPr/>
-        </p:nvSpPr>
-        <p:spPr>
-          <a:xfrm>
-            <a:off x="1064568" y="1268760"/>
-            <a:ext cx="5760640" cy="889992"/>
-          </a:xfrm>
-          <a:prstGeom prst="rect">
-            <a:avLst/>
-          </a:prstGeom>
-          <a:noFill/>
-          <a:ln>
-            <a:noFill/>
-          </a:ln>
-        </p:spPr>
-        <p:style>
-          <a:lnRef idx="2">
-            <a:schemeClr val="accent1"/>
-          </a:lnRef>
-          <a:fillRef idx="1">
-            <a:schemeClr val="lt1"/>
-          </a:fillRef>
-          <a:effectRef idx="0">
-            <a:schemeClr val="accent1"/>
-          </a:effectRef>
-          <a:fontRef idx="minor">
-            <a:schemeClr val="dk1"/>
-          </a:fontRef>
-        </p:style>
-        <p:txBody>
-          <a:bodyPr rtlCol="0" anchor="ctr"/>
-          <a:lstStyle/>
-          <a:p>
-            <a:pPr marL="342900" indent="-342900">
-              <a:lnSpc>
-                <a:spcPct val="150000"/>
-              </a:lnSpc>
-              <a:buFont typeface="Wingdings" panose="05000000000000000000" pitchFamily="2" charset="2"/>
-              <a:buChar char="l"/>
-            </a:pPr>
-            <a:r>
-              <a:rPr lang="en-US" altLang="ko-KR" sz="2000" b="1" dirty="0" smtClean="0">
-                <a:solidFill>
-                  <a:schemeClr val="tx1"/>
-                </a:solidFill>
-                <a:latin typeface="+mn-ea"/>
-              </a:rPr>
-              <a:t>Employee </a:t>
-            </a:r>
-            <a:r>
-              <a:rPr lang="ko-KR" altLang="en-US" sz="2000" b="1" dirty="0" smtClean="0">
-                <a:solidFill>
-                  <a:schemeClr val="tx1"/>
-                </a:solidFill>
-                <a:latin typeface="+mn-ea"/>
-              </a:rPr>
-              <a:t>클래스 </a:t>
-            </a:r>
-            <a:r>
-              <a:rPr lang="en-US" altLang="ko-KR" sz="2000" b="1" dirty="0" smtClean="0">
-                <a:solidFill>
-                  <a:schemeClr val="tx1"/>
-                </a:solidFill>
-                <a:latin typeface="+mn-ea"/>
-              </a:rPr>
-              <a:t>– Person </a:t>
-            </a:r>
-            <a:r>
-              <a:rPr lang="ko-KR" altLang="en-US" sz="2000" b="1" dirty="0" smtClean="0">
-                <a:solidFill>
-                  <a:schemeClr val="tx1"/>
-                </a:solidFill>
-                <a:latin typeface="+mn-ea"/>
-              </a:rPr>
-              <a:t>클래스 상속</a:t>
-            </a:r>
-            <a:endParaRPr lang="en-US" altLang="ko-KR" sz="2000" b="1" dirty="0" smtClean="0">
-              <a:solidFill>
-                <a:schemeClr val="tx1"/>
-              </a:solidFill>
-              <a:latin typeface="+mn-ea"/>
-            </a:endParaRPr>
-          </a:p>
-          <a:p>
-            <a:pPr marL="800100" lvl="1" indent="-342900">
-              <a:lnSpc>
-                <a:spcPct val="150000"/>
-              </a:lnSpc>
-              <a:buFont typeface="Arial" panose="020B0604020202020204" pitchFamily="34" charset="0"/>
-              <a:buChar char="•"/>
-            </a:pPr>
-            <a:r>
-              <a:rPr lang="ko-KR" altLang="en-US" sz="2000" dirty="0" smtClean="0">
-                <a:solidFill>
-                  <a:schemeClr val="tx1"/>
-                </a:solidFill>
-                <a:latin typeface="+mn-ea"/>
-              </a:rPr>
-              <a:t>자기 멤버 없는 경우</a:t>
-            </a:r>
-            <a:endParaRPr lang="en-US" altLang="ko-KR" sz="2000" dirty="0" smtClean="0">
-              <a:solidFill>
-                <a:schemeClr val="tx1"/>
-              </a:solidFill>
-              <a:latin typeface="+mn-ea"/>
-            </a:endParaRPr>
-          </a:p>
-        </p:txBody>
-      </p:sp>
-      <p:pic>
-        <p:nvPicPr>
-          <p:cNvPr id="2" name="그림 1"/>
-          <p:cNvPicPr>
-            <a:picLocks noChangeAspect="1"/>
-          </p:cNvPicPr>
-          <p:nvPr/>
-        </p:nvPicPr>
-        <p:blipFill>
-          <a:blip r:embed="rId2">
-            <a:extLst>
-              <a:ext uri="{28A0092B-C50C-407E-A947-70E740481C1C}">
-                <a14:useLocalDpi xmlns:a14="http://schemas.microsoft.com/office/drawing/2010/main" val="0"/>
-              </a:ext>
-            </a:extLst>
-          </a:blip>
-          <a:stretch>
-            <a:fillRect/>
-          </a:stretch>
-        </p:blipFill>
-        <p:spPr>
-          <a:xfrm>
-            <a:off x="1280592" y="2347814"/>
-            <a:ext cx="3917020" cy="3025402"/>
-          </a:xfrm>
-          <a:prstGeom prst="rect">
-            <a:avLst/>
-          </a:prstGeom>
-          <a:ln>
-            <a:solidFill>
-              <a:schemeClr val="bg1">
-                <a:lumMod val="85000"/>
-              </a:schemeClr>
-            </a:solidFill>
-          </a:ln>
-        </p:spPr>
-      </p:pic>
-      <p:pic>
-        <p:nvPicPr>
-          <p:cNvPr id="4" name="그림 3"/>
-          <p:cNvPicPr>
-            <a:picLocks noChangeAspect="1"/>
-          </p:cNvPicPr>
-          <p:nvPr/>
-        </p:nvPicPr>
-        <p:blipFill>
-          <a:blip r:embed="rId3">
-            <a:extLst>
-              <a:ext uri="{28A0092B-C50C-407E-A947-70E740481C1C}">
-                <a14:useLocalDpi xmlns:a14="http://schemas.microsoft.com/office/drawing/2010/main" val="0"/>
-              </a:ext>
-            </a:extLst>
-          </a:blip>
-          <a:stretch>
-            <a:fillRect/>
-          </a:stretch>
-        </p:blipFill>
-        <p:spPr>
-          <a:xfrm>
-            <a:off x="5529064" y="2401979"/>
-            <a:ext cx="3360711" cy="693480"/>
-          </a:xfrm>
-          <a:prstGeom prst="rect">
-            <a:avLst/>
-          </a:prstGeom>
-          <a:ln>
-            <a:solidFill>
-              <a:schemeClr val="bg1">
-                <a:lumMod val="85000"/>
-              </a:schemeClr>
-            </a:solidFill>
-          </a:ln>
-        </p:spPr>
-      </p:pic>
-      <p:pic>
-        <p:nvPicPr>
-          <p:cNvPr id="7" name="그림 6"/>
-          <p:cNvPicPr>
-            <a:picLocks noChangeAspect="1"/>
-          </p:cNvPicPr>
-          <p:nvPr/>
-        </p:nvPicPr>
-        <p:blipFill>
-          <a:blip r:embed="rId4">
-            <a:extLst>
-              <a:ext uri="{28A0092B-C50C-407E-A947-70E740481C1C}">
-                <a14:useLocalDpi xmlns:a14="http://schemas.microsoft.com/office/drawing/2010/main" val="0"/>
-              </a:ext>
-            </a:extLst>
-          </a:blip>
-          <a:stretch>
-            <a:fillRect/>
-          </a:stretch>
-        </p:blipFill>
-        <p:spPr>
-          <a:xfrm>
-            <a:off x="5551926" y="3377840"/>
-            <a:ext cx="3337849" cy="1059272"/>
-          </a:xfrm>
-          <a:prstGeom prst="rect">
-            <a:avLst/>
-          </a:prstGeom>
-          <a:ln>
-            <a:solidFill>
-              <a:schemeClr val="bg1">
-                <a:lumMod val="85000"/>
-              </a:schemeClr>
-            </a:solidFill>
-          </a:ln>
-        </p:spPr>
-      </p:pic>
-    </p:spTree>
-    <p:extLst>
-      <p:ext uri="{BB962C8B-B14F-4D97-AF65-F5344CB8AC3E}">
-        <p14:creationId xmlns:p14="http://schemas.microsoft.com/office/powerpoint/2010/main" val="3045088518"/>
-      </p:ext>
-    </p:extLst>
-  </p:cSld>
-  <p:clrMapOvr>
-    <a:masterClrMapping/>
-  </p:clrMapOvr>
-  <p:timing>
-    <p:tnLst>
-      <p:par>
-        <p:cTn id="1" dur="indefinite" restart="never" nodeType="tmRoot"/>
-      </p:par>
-    </p:tnLst>
-  </p:timing>
-</p:sld>
-</file>
-
 <file path=ppt/slides/slide3.xml><?xml version="1.0" encoding="utf-8"?>
 <p:sld xmlns:a="http://schemas.openxmlformats.org/drawingml/2006/main" xmlns:r="http://schemas.openxmlformats.org/officeDocument/2006/relationships" xmlns:p="http://schemas.openxmlformats.org/presentationml/2006/main">
   <p:cSld>
@@ -13427,7 +13570,7 @@
           <p:cNvPr id="7" name="내용 개체 틀 2">
             <a:extLst>
               <a:ext uri="{FF2B5EF4-FFF2-40B4-BE49-F238E27FC236}">
-                <a16:creationId xmlns="" xmlns:a16="http://schemas.microsoft.com/office/drawing/2014/main" id="{98AF3A4E-7D90-4241-89FE-799D6F9D5A94}"/>
+                <a16:creationId xmlns:a16="http://schemas.microsoft.com/office/drawing/2014/main" id="{98AF3A4E-7D90-4241-89FE-799D6F9D5A94}"/>
               </a:ext>
             </a:extLst>
           </p:cNvPr>
@@ -14805,6 +14948,333 @@
         <p:spPr>
           <a:xfrm>
             <a:off x="1064568" y="1268760"/>
+            <a:ext cx="5760640" cy="889992"/>
+          </a:xfrm>
+          <a:prstGeom prst="rect">
+            <a:avLst/>
+          </a:prstGeom>
+          <a:noFill/>
+          <a:ln>
+            <a:noFill/>
+          </a:ln>
+        </p:spPr>
+        <p:style>
+          <a:lnRef idx="2">
+            <a:schemeClr val="accent1"/>
+          </a:lnRef>
+          <a:fillRef idx="1">
+            <a:schemeClr val="lt1"/>
+          </a:fillRef>
+          <a:effectRef idx="0">
+            <a:schemeClr val="accent1"/>
+          </a:effectRef>
+          <a:fontRef idx="minor">
+            <a:schemeClr val="dk1"/>
+          </a:fontRef>
+        </p:style>
+        <p:txBody>
+          <a:bodyPr rtlCol="0" anchor="ctr"/>
+          <a:lstStyle/>
+          <a:p>
+            <a:pPr marL="342900" indent="-342900">
+              <a:lnSpc>
+                <a:spcPct val="150000"/>
+              </a:lnSpc>
+              <a:buFont typeface="Wingdings" panose="05000000000000000000" pitchFamily="2" charset="2"/>
+              <a:buChar char="l"/>
+            </a:pPr>
+            <a:r>
+              <a:rPr lang="en-US" altLang="ko-KR" sz="2000" b="1" dirty="0" smtClean="0">
+                <a:solidFill>
+                  <a:schemeClr val="tx1"/>
+                </a:solidFill>
+                <a:latin typeface="+mn-ea"/>
+              </a:rPr>
+              <a:t>Employee </a:t>
+            </a:r>
+            <a:r>
+              <a:rPr lang="ko-KR" altLang="en-US" sz="2000" b="1" dirty="0" smtClean="0">
+                <a:solidFill>
+                  <a:schemeClr val="tx1"/>
+                </a:solidFill>
+                <a:latin typeface="+mn-ea"/>
+              </a:rPr>
+              <a:t>클래스 </a:t>
+            </a:r>
+            <a:r>
+              <a:rPr lang="en-US" altLang="ko-KR" sz="2000" b="1" dirty="0" smtClean="0">
+                <a:solidFill>
+                  <a:schemeClr val="tx1"/>
+                </a:solidFill>
+                <a:latin typeface="+mn-ea"/>
+              </a:rPr>
+              <a:t>– Person </a:t>
+            </a:r>
+            <a:r>
+              <a:rPr lang="ko-KR" altLang="en-US" sz="2000" b="1" dirty="0" smtClean="0">
+                <a:solidFill>
+                  <a:schemeClr val="tx1"/>
+                </a:solidFill>
+                <a:latin typeface="+mn-ea"/>
+              </a:rPr>
+              <a:t>클래스 상속</a:t>
+            </a:r>
+            <a:endParaRPr lang="en-US" altLang="ko-KR" sz="2000" b="1" dirty="0" smtClean="0">
+              <a:solidFill>
+                <a:schemeClr val="tx1"/>
+              </a:solidFill>
+              <a:latin typeface="+mn-ea"/>
+            </a:endParaRPr>
+          </a:p>
+          <a:p>
+            <a:pPr marL="800100" lvl="1" indent="-342900">
+              <a:lnSpc>
+                <a:spcPct val="150000"/>
+              </a:lnSpc>
+              <a:buFont typeface="Arial" panose="020B0604020202020204" pitchFamily="34" charset="0"/>
+              <a:buChar char="•"/>
+            </a:pPr>
+            <a:r>
+              <a:rPr lang="ko-KR" altLang="en-US" sz="2000" dirty="0" smtClean="0">
+                <a:solidFill>
+                  <a:schemeClr val="tx1"/>
+                </a:solidFill>
+                <a:latin typeface="+mn-ea"/>
+              </a:rPr>
+              <a:t>자기 멤버 없는 경우</a:t>
+            </a:r>
+            <a:endParaRPr lang="en-US" altLang="ko-KR" sz="2000" dirty="0" smtClean="0">
+              <a:solidFill>
+                <a:schemeClr val="tx1"/>
+              </a:solidFill>
+              <a:latin typeface="+mn-ea"/>
+            </a:endParaRPr>
+          </a:p>
+        </p:txBody>
+      </p:sp>
+      <p:pic>
+        <p:nvPicPr>
+          <p:cNvPr id="2" name="그림 1"/>
+          <p:cNvPicPr>
+            <a:picLocks noChangeAspect="1"/>
+          </p:cNvPicPr>
+          <p:nvPr/>
+        </p:nvPicPr>
+        <p:blipFill>
+          <a:blip r:embed="rId2">
+            <a:extLst>
+              <a:ext uri="{28A0092B-C50C-407E-A947-70E740481C1C}">
+                <a14:useLocalDpi xmlns:a14="http://schemas.microsoft.com/office/drawing/2010/main" val="0"/>
+              </a:ext>
+            </a:extLst>
+          </a:blip>
+          <a:stretch>
+            <a:fillRect/>
+          </a:stretch>
+        </p:blipFill>
+        <p:spPr>
+          <a:xfrm>
+            <a:off x="1280592" y="2347814"/>
+            <a:ext cx="3917020" cy="3025402"/>
+          </a:xfrm>
+          <a:prstGeom prst="rect">
+            <a:avLst/>
+          </a:prstGeom>
+          <a:ln>
+            <a:solidFill>
+              <a:schemeClr val="bg1">
+                <a:lumMod val="85000"/>
+              </a:schemeClr>
+            </a:solidFill>
+          </a:ln>
+        </p:spPr>
+      </p:pic>
+      <p:pic>
+        <p:nvPicPr>
+          <p:cNvPr id="4" name="그림 3"/>
+          <p:cNvPicPr>
+            <a:picLocks noChangeAspect="1"/>
+          </p:cNvPicPr>
+          <p:nvPr/>
+        </p:nvPicPr>
+        <p:blipFill>
+          <a:blip r:embed="rId3">
+            <a:extLst>
+              <a:ext uri="{28A0092B-C50C-407E-A947-70E740481C1C}">
+                <a14:useLocalDpi xmlns:a14="http://schemas.microsoft.com/office/drawing/2010/main" val="0"/>
+              </a:ext>
+            </a:extLst>
+          </a:blip>
+          <a:stretch>
+            <a:fillRect/>
+          </a:stretch>
+        </p:blipFill>
+        <p:spPr>
+          <a:xfrm>
+            <a:off x="5529064" y="2401979"/>
+            <a:ext cx="3360711" cy="693480"/>
+          </a:xfrm>
+          <a:prstGeom prst="rect">
+            <a:avLst/>
+          </a:prstGeom>
+          <a:ln>
+            <a:solidFill>
+              <a:schemeClr val="bg1">
+                <a:lumMod val="85000"/>
+              </a:schemeClr>
+            </a:solidFill>
+          </a:ln>
+        </p:spPr>
+      </p:pic>
+      <p:pic>
+        <p:nvPicPr>
+          <p:cNvPr id="7" name="그림 6"/>
+          <p:cNvPicPr>
+            <a:picLocks noChangeAspect="1"/>
+          </p:cNvPicPr>
+          <p:nvPr/>
+        </p:nvPicPr>
+        <p:blipFill>
+          <a:blip r:embed="rId4">
+            <a:extLst>
+              <a:ext uri="{28A0092B-C50C-407E-A947-70E740481C1C}">
+                <a14:useLocalDpi xmlns:a14="http://schemas.microsoft.com/office/drawing/2010/main" val="0"/>
+              </a:ext>
+            </a:extLst>
+          </a:blip>
+          <a:stretch>
+            <a:fillRect/>
+          </a:stretch>
+        </p:blipFill>
+        <p:spPr>
+          <a:xfrm>
+            <a:off x="5551926" y="3377840"/>
+            <a:ext cx="3337849" cy="1059272"/>
+          </a:xfrm>
+          <a:prstGeom prst="rect">
+            <a:avLst/>
+          </a:prstGeom>
+          <a:ln>
+            <a:solidFill>
+              <a:schemeClr val="bg1">
+                <a:lumMod val="85000"/>
+              </a:schemeClr>
+            </a:solidFill>
+          </a:ln>
+        </p:spPr>
+      </p:pic>
+    </p:spTree>
+    <p:extLst>
+      <p:ext uri="{BB962C8B-B14F-4D97-AF65-F5344CB8AC3E}">
+        <p14:creationId xmlns:p14="http://schemas.microsoft.com/office/powerpoint/2010/main" val="3045088518"/>
+      </p:ext>
+    </p:extLst>
+  </p:cSld>
+  <p:clrMapOvr>
+    <a:masterClrMapping/>
+  </p:clrMapOvr>
+  <p:timing>
+    <p:tnLst>
+      <p:par>
+        <p:cTn id="1" dur="indefinite" restart="never" nodeType="tmRoot"/>
+      </p:par>
+    </p:tnLst>
+  </p:timing>
+</p:sld>
+</file>
+
+<file path=ppt/slides/slide31.xml><?xml version="1.0" encoding="utf-8"?>
+<p:sld xmlns:a="http://schemas.openxmlformats.org/drawingml/2006/main" xmlns:r="http://schemas.openxmlformats.org/officeDocument/2006/relationships" xmlns:p="http://schemas.openxmlformats.org/presentationml/2006/main">
+  <p:cSld>
+    <p:spTree>
+      <p:nvGrpSpPr>
+        <p:cNvPr id="1" name=""/>
+        <p:cNvGrpSpPr/>
+        <p:nvPr/>
+      </p:nvGrpSpPr>
+      <p:grpSpPr>
+        <a:xfrm>
+          <a:off x="0" y="0"/>
+          <a:ext cx="0" cy="0"/>
+          <a:chOff x="0" y="0"/>
+          <a:chExt cx="0" cy="0"/>
+        </a:xfrm>
+      </p:grpSpPr>
+      <p:sp>
+        <p:nvSpPr>
+          <p:cNvPr id="6" name="제목 5"/>
+          <p:cNvSpPr>
+            <a:spLocks noGrp="1"/>
+          </p:cNvSpPr>
+          <p:nvPr>
+            <p:ph type="title"/>
+          </p:nvPr>
+        </p:nvSpPr>
+        <p:spPr/>
+        <p:txBody>
+          <a:bodyPr/>
+          <a:lstStyle/>
+          <a:p>
+            <a:r>
+              <a:rPr lang="en-US" altLang="ko-KR" dirty="0" smtClean="0"/>
+              <a:t> </a:t>
+            </a:r>
+            <a:r>
+              <a:rPr lang="ko-KR" altLang="en-US" dirty="0" smtClean="0"/>
+              <a:t>상속</a:t>
+            </a:r>
+            <a:r>
+              <a:rPr lang="en-US" altLang="ko-KR" b="1" dirty="0" smtClean="0">
+                <a:solidFill>
+                  <a:srgbClr val="002060"/>
+                </a:solidFill>
+              </a:rPr>
+              <a:t>(</a:t>
+            </a:r>
+            <a:r>
+              <a:rPr lang="en-US" altLang="ko-KR" b="1" dirty="0">
+                <a:solidFill>
+                  <a:srgbClr val="002060"/>
+                </a:solidFill>
+              </a:rPr>
+              <a:t>inheritance) </a:t>
+            </a:r>
+            <a:endParaRPr lang="ko-KR" altLang="en-US" dirty="0"/>
+          </a:p>
+        </p:txBody>
+      </p:sp>
+      <p:sp>
+        <p:nvSpPr>
+          <p:cNvPr id="5" name="슬라이드 번호 개체 틀 4"/>
+          <p:cNvSpPr>
+            <a:spLocks noGrp="1"/>
+          </p:cNvSpPr>
+          <p:nvPr>
+            <p:ph type="sldNum" sz="quarter" idx="12"/>
+          </p:nvPr>
+        </p:nvSpPr>
+        <p:spPr/>
+        <p:txBody>
+          <a:bodyPr/>
+          <a:lstStyle/>
+          <a:p>
+            <a:fld id="{1BDE3FE7-3AEA-4B05-AC5A-802D1816ACF0}" type="slidenum">
+              <a:rPr lang="ko-KR" altLang="en-US" smtClean="0"/>
+              <a:t>31</a:t>
+            </a:fld>
+            <a:endParaRPr lang="ko-KR" altLang="en-US"/>
+          </a:p>
+        </p:txBody>
+      </p:sp>
+      <p:sp>
+        <p:nvSpPr>
+          <p:cNvPr id="34" name="직사각형 33"/>
+          <p:cNvSpPr/>
+          <p:nvPr/>
+        </p:nvSpPr>
+        <p:spPr>
+          <a:xfrm>
+            <a:off x="1064568" y="1268760"/>
             <a:ext cx="7344816" cy="443293"/>
           </a:xfrm>
           <a:prstGeom prst="rect">
@@ -14987,7 +15457,7 @@
 </p:sld>
 </file>
 
-<file path=ppt/slides/slide31.xml><?xml version="1.0" encoding="utf-8"?>
+<file path=ppt/slides/slide32.xml><?xml version="1.0" encoding="utf-8"?>
 <p:sld xmlns:a="http://schemas.openxmlformats.org/drawingml/2006/main" xmlns:r="http://schemas.openxmlformats.org/officeDocument/2006/relationships" xmlns:p="http://schemas.openxmlformats.org/presentationml/2006/main">
   <p:cSld>
     <p:spTree>
@@ -15073,7 +15543,7 @@
           <a:p>
             <a:fld id="{1BDE3FE7-3AEA-4B05-AC5A-802D1816ACF0}" type="slidenum">
               <a:rPr lang="ko-KR" altLang="en-US" smtClean="0"/>
-              <a:t>31</a:t>
+              <a:t>32</a:t>
             </a:fld>
             <a:endParaRPr lang="ko-KR" altLang="en-US"/>
           </a:p>
@@ -15084,7 +15554,7 @@
           <p:cNvPr id="10" name="내용 개체 틀 2">
             <a:extLst>
               <a:ext uri="{FF2B5EF4-FFF2-40B4-BE49-F238E27FC236}">
-                <a16:creationId xmlns="" xmlns:a16="http://schemas.microsoft.com/office/drawing/2014/main" id="{98AF3A4E-7D90-4241-89FE-799D6F9D5A94}"/>
+                <a16:creationId xmlns:a16="http://schemas.microsoft.com/office/drawing/2014/main" id="{98AF3A4E-7D90-4241-89FE-799D6F9D5A94}"/>
               </a:ext>
             </a:extLst>
           </p:cNvPr>
@@ -15455,7 +15925,7 @@
             <p:cNvPr id="34" name="이등변 삼각형 33">
               <a:extLst>
                 <a:ext uri="{FF2B5EF4-FFF2-40B4-BE49-F238E27FC236}">
-                  <a16:creationId xmlns="" xmlns:a16="http://schemas.microsoft.com/office/drawing/2014/main" id="{A928C65B-0F62-4DFC-9220-DF40E5958238}"/>
+                  <a16:creationId xmlns:a16="http://schemas.microsoft.com/office/drawing/2014/main" id="{A928C65B-0F62-4DFC-9220-DF40E5958238}"/>
                 </a:ext>
               </a:extLst>
             </p:cNvPr>
@@ -15499,7 +15969,7 @@
             <p:cNvPr id="35" name="직선 연결선 34">
               <a:extLst>
                 <a:ext uri="{FF2B5EF4-FFF2-40B4-BE49-F238E27FC236}">
-                  <a16:creationId xmlns="" xmlns:a16="http://schemas.microsoft.com/office/drawing/2014/main" id="{D15E6F92-B9C8-4563-8C4E-646F583209B9}"/>
+                  <a16:creationId xmlns:a16="http://schemas.microsoft.com/office/drawing/2014/main" id="{D15E6F92-B9C8-4563-8C4E-646F583209B9}"/>
                 </a:ext>
               </a:extLst>
             </p:cNvPr>
@@ -15818,7 +16288,7 @@
 </p:sld>
 </file>
 
-<file path=ppt/slides/slide32.xml><?xml version="1.0" encoding="utf-8"?>
+<file path=ppt/slides/slide33.xml><?xml version="1.0" encoding="utf-8"?>
 <p:sld xmlns:a="http://schemas.openxmlformats.org/drawingml/2006/main" xmlns:r="http://schemas.openxmlformats.org/officeDocument/2006/relationships" xmlns:p="http://schemas.openxmlformats.org/presentationml/2006/main">
   <p:cSld>
     <p:spTree>
@@ -15904,7 +16374,7 @@
           <a:p>
             <a:fld id="{1BDE3FE7-3AEA-4B05-AC5A-802D1816ACF0}" type="slidenum">
               <a:rPr lang="ko-KR" altLang="en-US" smtClean="0"/>
-              <a:t>32</a:t>
+              <a:t>33</a:t>
             </a:fld>
             <a:endParaRPr lang="ko-KR" altLang="en-US"/>
           </a:p>
@@ -15915,7 +16385,7 @@
           <p:cNvPr id="10" name="내용 개체 틀 2">
             <a:extLst>
               <a:ext uri="{FF2B5EF4-FFF2-40B4-BE49-F238E27FC236}">
-                <a16:creationId xmlns="" xmlns:a16="http://schemas.microsoft.com/office/drawing/2014/main" id="{98AF3A4E-7D90-4241-89FE-799D6F9D5A94}"/>
+                <a16:creationId xmlns:a16="http://schemas.microsoft.com/office/drawing/2014/main" id="{98AF3A4E-7D90-4241-89FE-799D6F9D5A94}"/>
               </a:ext>
             </a:extLst>
           </p:cNvPr>
@@ -16180,7 +16650,7 @@
 </p:sld>
 </file>
 
-<file path=ppt/slides/slide33.xml><?xml version="1.0" encoding="utf-8"?>
+<file path=ppt/slides/slide34.xml><?xml version="1.0" encoding="utf-8"?>
 <p:sld xmlns:a="http://schemas.openxmlformats.org/drawingml/2006/main" xmlns:r="http://schemas.openxmlformats.org/officeDocument/2006/relationships" xmlns:p="http://schemas.openxmlformats.org/presentationml/2006/main">
   <p:cSld>
     <p:spTree>
@@ -16266,7 +16736,7 @@
           <a:p>
             <a:fld id="{1BDE3FE7-3AEA-4B05-AC5A-802D1816ACF0}" type="slidenum">
               <a:rPr lang="ko-KR" altLang="en-US" smtClean="0"/>
-              <a:t>33</a:t>
+              <a:t>34</a:t>
             </a:fld>
             <a:endParaRPr lang="ko-KR" altLang="en-US"/>
           </a:p>
@@ -16277,7 +16747,7 @@
           <p:cNvPr id="10" name="내용 개체 틀 2">
             <a:extLst>
               <a:ext uri="{FF2B5EF4-FFF2-40B4-BE49-F238E27FC236}">
-                <a16:creationId xmlns="" xmlns:a16="http://schemas.microsoft.com/office/drawing/2014/main" id="{98AF3A4E-7D90-4241-89FE-799D6F9D5A94}"/>
+                <a16:creationId xmlns:a16="http://schemas.microsoft.com/office/drawing/2014/main" id="{98AF3A4E-7D90-4241-89FE-799D6F9D5A94}"/>
               </a:ext>
             </a:extLst>
           </p:cNvPr>
@@ -16700,7 +17170,7 @@
 </p:sld>
 </file>
 
-<file path=ppt/slides/slide34.xml><?xml version="1.0" encoding="utf-8"?>
+<file path=ppt/slides/slide35.xml><?xml version="1.0" encoding="utf-8"?>
 <p:sld xmlns:a="http://schemas.openxmlformats.org/drawingml/2006/main" xmlns:r="http://schemas.openxmlformats.org/officeDocument/2006/relationships" xmlns:p="http://schemas.openxmlformats.org/presentationml/2006/main">
   <p:cSld>
     <p:spTree>
@@ -16786,7 +17256,7 @@
           <a:p>
             <a:fld id="{1BDE3FE7-3AEA-4B05-AC5A-802D1816ACF0}" type="slidenum">
               <a:rPr lang="ko-KR" altLang="en-US" smtClean="0"/>
-              <a:t>34</a:t>
+              <a:t>35</a:t>
             </a:fld>
             <a:endParaRPr lang="ko-KR" altLang="en-US"/>
           </a:p>
@@ -16797,7 +17267,7 @@
           <p:cNvPr id="10" name="내용 개체 틀 2">
             <a:extLst>
               <a:ext uri="{FF2B5EF4-FFF2-40B4-BE49-F238E27FC236}">
-                <a16:creationId xmlns="" xmlns:a16="http://schemas.microsoft.com/office/drawing/2014/main" id="{98AF3A4E-7D90-4241-89FE-799D6F9D5A94}"/>
+                <a16:creationId xmlns:a16="http://schemas.microsoft.com/office/drawing/2014/main" id="{98AF3A4E-7D90-4241-89FE-799D6F9D5A94}"/>
               </a:ext>
             </a:extLst>
           </p:cNvPr>
@@ -17062,7 +17532,7 @@
 </p:sld>
 </file>
 
-<file path=ppt/slides/slide35.xml><?xml version="1.0" encoding="utf-8"?>
+<file path=ppt/slides/slide36.xml><?xml version="1.0" encoding="utf-8"?>
 <p:sld xmlns:a="http://schemas.openxmlformats.org/drawingml/2006/main" xmlns:r="http://schemas.openxmlformats.org/officeDocument/2006/relationships" xmlns:p="http://schemas.openxmlformats.org/presentationml/2006/main">
   <p:cSld>
     <p:spTree>
@@ -17148,7 +17618,7 @@
           <a:p>
             <a:fld id="{1BDE3FE7-3AEA-4B05-AC5A-802D1816ACF0}" type="slidenum">
               <a:rPr lang="ko-KR" altLang="en-US" smtClean="0"/>
-              <a:t>35</a:t>
+              <a:t>36</a:t>
             </a:fld>
             <a:endParaRPr lang="ko-KR" altLang="en-US"/>
           </a:p>
@@ -17159,7 +17629,7 @@
           <p:cNvPr id="10" name="내용 개체 틀 2">
             <a:extLst>
               <a:ext uri="{FF2B5EF4-FFF2-40B4-BE49-F238E27FC236}">
-                <a16:creationId xmlns="" xmlns:a16="http://schemas.microsoft.com/office/drawing/2014/main" id="{98AF3A4E-7D90-4241-89FE-799D6F9D5A94}"/>
+                <a16:creationId xmlns:a16="http://schemas.microsoft.com/office/drawing/2014/main" id="{98AF3A4E-7D90-4241-89FE-799D6F9D5A94}"/>
               </a:ext>
             </a:extLst>
           </p:cNvPr>
@@ -17438,7 +17908,7 @@
             <p:cNvPr id="19" name="이등변 삼각형 18">
               <a:extLst>
                 <a:ext uri="{FF2B5EF4-FFF2-40B4-BE49-F238E27FC236}">
-                  <a16:creationId xmlns="" xmlns:a16="http://schemas.microsoft.com/office/drawing/2014/main" id="{A928C65B-0F62-4DFC-9220-DF40E5958238}"/>
+                  <a16:creationId xmlns:a16="http://schemas.microsoft.com/office/drawing/2014/main" id="{A928C65B-0F62-4DFC-9220-DF40E5958238}"/>
                 </a:ext>
               </a:extLst>
             </p:cNvPr>
@@ -17483,7 +17953,7 @@
             <p:cNvPr id="20" name="직선 연결선 19">
               <a:extLst>
                 <a:ext uri="{FF2B5EF4-FFF2-40B4-BE49-F238E27FC236}">
-                  <a16:creationId xmlns="" xmlns:a16="http://schemas.microsoft.com/office/drawing/2014/main" id="{D15E6F92-B9C8-4563-8C4E-646F583209B9}"/>
+                  <a16:creationId xmlns:a16="http://schemas.microsoft.com/office/drawing/2014/main" id="{D15E6F92-B9C8-4563-8C4E-646F583209B9}"/>
                 </a:ext>
               </a:extLst>
             </p:cNvPr>
@@ -18042,7 +18512,7 @@
 </p:sld>
 </file>
 
-<file path=ppt/slides/slide36.xml><?xml version="1.0" encoding="utf-8"?>
+<file path=ppt/slides/slide37.xml><?xml version="1.0" encoding="utf-8"?>
 <p:sld xmlns:a="http://schemas.openxmlformats.org/drawingml/2006/main" xmlns:r="http://schemas.openxmlformats.org/officeDocument/2006/relationships" xmlns:p="http://schemas.openxmlformats.org/presentationml/2006/main">
   <p:cSld>
     <p:spTree>
@@ -18128,7 +18598,7 @@
           <a:p>
             <a:fld id="{1BDE3FE7-3AEA-4B05-AC5A-802D1816ACF0}" type="slidenum">
               <a:rPr lang="ko-KR" altLang="en-US" smtClean="0"/>
-              <a:t>36</a:t>
+              <a:t>37</a:t>
             </a:fld>
             <a:endParaRPr lang="ko-KR" altLang="en-US"/>
           </a:p>
@@ -18139,7 +18609,7 @@
           <p:cNvPr id="10" name="내용 개체 틀 2">
             <a:extLst>
               <a:ext uri="{FF2B5EF4-FFF2-40B4-BE49-F238E27FC236}">
-                <a16:creationId xmlns="" xmlns:a16="http://schemas.microsoft.com/office/drawing/2014/main" id="{98AF3A4E-7D90-4241-89FE-799D6F9D5A94}"/>
+                <a16:creationId xmlns:a16="http://schemas.microsoft.com/office/drawing/2014/main" id="{98AF3A4E-7D90-4241-89FE-799D6F9D5A94}"/>
               </a:ext>
             </a:extLst>
           </p:cNvPr>
@@ -18400,7 +18870,7 @@
 </p:sld>
 </file>
 
-<file path=ppt/slides/slide37.xml><?xml version="1.0" encoding="utf-8"?>
+<file path=ppt/slides/slide38.xml><?xml version="1.0" encoding="utf-8"?>
 <p:sld xmlns:a="http://schemas.openxmlformats.org/drawingml/2006/main" xmlns:r="http://schemas.openxmlformats.org/officeDocument/2006/relationships" xmlns:p="http://schemas.openxmlformats.org/presentationml/2006/main">
   <p:cSld>
     <p:spTree>
@@ -18486,7 +18956,7 @@
           <a:p>
             <a:fld id="{1BDE3FE7-3AEA-4B05-AC5A-802D1816ACF0}" type="slidenum">
               <a:rPr lang="ko-KR" altLang="en-US" smtClean="0"/>
-              <a:t>37</a:t>
+              <a:t>38</a:t>
             </a:fld>
             <a:endParaRPr lang="ko-KR" altLang="en-US"/>
           </a:p>
@@ -18497,7 +18967,7 @@
           <p:cNvPr id="10" name="내용 개체 틀 2">
             <a:extLst>
               <a:ext uri="{FF2B5EF4-FFF2-40B4-BE49-F238E27FC236}">
-                <a16:creationId xmlns="" xmlns:a16="http://schemas.microsoft.com/office/drawing/2014/main" id="{98AF3A4E-7D90-4241-89FE-799D6F9D5A94}"/>
+                <a16:creationId xmlns:a16="http://schemas.microsoft.com/office/drawing/2014/main" id="{98AF3A4E-7D90-4241-89FE-799D6F9D5A94}"/>
               </a:ext>
             </a:extLst>
           </p:cNvPr>
@@ -18795,7 +19265,7 @@
 </p:sld>
 </file>
 
-<file path=ppt/slides/slide38.xml><?xml version="1.0" encoding="utf-8"?>
+<file path=ppt/slides/slide39.xml><?xml version="1.0" encoding="utf-8"?>
 <p:sld xmlns:a="http://schemas.openxmlformats.org/drawingml/2006/main" xmlns:r="http://schemas.openxmlformats.org/officeDocument/2006/relationships" xmlns:p="http://schemas.openxmlformats.org/presentationml/2006/main">
   <p:cSld>
     <p:spTree>
@@ -18881,7 +19351,7 @@
           <a:p>
             <a:fld id="{1BDE3FE7-3AEA-4B05-AC5A-802D1816ACF0}" type="slidenum">
               <a:rPr lang="ko-KR" altLang="en-US" smtClean="0"/>
-              <a:t>38</a:t>
+              <a:t>39</a:t>
             </a:fld>
             <a:endParaRPr lang="ko-KR" altLang="en-US"/>
           </a:p>
@@ -18892,7 +19362,7 @@
           <p:cNvPr id="10" name="내용 개체 틀 2">
             <a:extLst>
               <a:ext uri="{FF2B5EF4-FFF2-40B4-BE49-F238E27FC236}">
-                <a16:creationId xmlns="" xmlns:a16="http://schemas.microsoft.com/office/drawing/2014/main" id="{98AF3A4E-7D90-4241-89FE-799D6F9D5A94}"/>
+                <a16:creationId xmlns:a16="http://schemas.microsoft.com/office/drawing/2014/main" id="{98AF3A4E-7D90-4241-89FE-799D6F9D5A94}"/>
               </a:ext>
             </a:extLst>
           </p:cNvPr>
@@ -19216,7 +19686,7 @@
             <p:cNvPr id="19" name="이등변 삼각형 18">
               <a:extLst>
                 <a:ext uri="{FF2B5EF4-FFF2-40B4-BE49-F238E27FC236}">
-                  <a16:creationId xmlns="" xmlns:a16="http://schemas.microsoft.com/office/drawing/2014/main" id="{A928C65B-0F62-4DFC-9220-DF40E5958238}"/>
+                  <a16:creationId xmlns:a16="http://schemas.microsoft.com/office/drawing/2014/main" id="{A928C65B-0F62-4DFC-9220-DF40E5958238}"/>
                 </a:ext>
               </a:extLst>
             </p:cNvPr>
@@ -19261,7 +19731,7 @@
             <p:cNvPr id="20" name="직선 연결선 19">
               <a:extLst>
                 <a:ext uri="{FF2B5EF4-FFF2-40B4-BE49-F238E27FC236}">
-                  <a16:creationId xmlns="" xmlns:a16="http://schemas.microsoft.com/office/drawing/2014/main" id="{D15E6F92-B9C8-4563-8C4E-646F583209B9}"/>
+                  <a16:creationId xmlns:a16="http://schemas.microsoft.com/office/drawing/2014/main" id="{D15E6F92-B9C8-4563-8C4E-646F583209B9}"/>
                 </a:ext>
               </a:extLst>
             </p:cNvPr>
@@ -19518,7 +19988,7 @@
 </p:sld>
 </file>
 
-<file path=ppt/slides/slide39.xml><?xml version="1.0" encoding="utf-8"?>
+<file path=ppt/slides/slide4.xml><?xml version="1.0" encoding="utf-8"?>
 <p:sld xmlns:a="http://schemas.openxmlformats.org/drawingml/2006/main" xmlns:r="http://schemas.openxmlformats.org/officeDocument/2006/relationships" xmlns:p="http://schemas.openxmlformats.org/presentationml/2006/main">
   <p:cSld>
     <p:spTree>
@@ -19547,38 +20017,24 @@
         </p:nvSpPr>
         <p:spPr/>
         <p:txBody>
-          <a:bodyPr/>
+          <a:bodyPr>
+            <a:normAutofit/>
+          </a:bodyPr>
           <a:lstStyle/>
           <a:p>
             <a:r>
-              <a:rPr lang="en-US" altLang="ko-KR" dirty="0" smtClean="0"/>
+              <a:rPr lang="en-US" altLang="ko-KR" sz="2800" dirty="0" smtClean="0"/>
               <a:t> </a:t>
             </a:r>
             <a:r>
-              <a:rPr lang="ko-KR" altLang="en-US" dirty="0" smtClean="0"/>
-              <a:t>함수</a:t>
-            </a:r>
-            <a:r>
-              <a:rPr lang="en-US" altLang="ko-KR" dirty="0"/>
-              <a:t> </a:t>
-            </a:r>
-            <a:r>
-              <a:rPr lang="ko-KR" altLang="en-US" dirty="0" smtClean="0"/>
-              <a:t>재정의</a:t>
-            </a:r>
-            <a:r>
-              <a:rPr lang="en-US" altLang="ko-KR" dirty="0" smtClean="0"/>
-              <a:t>(</a:t>
-            </a:r>
-            <a:r>
-              <a:rPr lang="ko-KR" altLang="en-US" dirty="0" err="1" smtClean="0"/>
-              <a:t>오버라이딩</a:t>
-            </a:r>
-            <a:r>
-              <a:rPr lang="en-US" altLang="ko-KR" dirty="0" smtClean="0"/>
-              <a:t>)</a:t>
-            </a:r>
-            <a:endParaRPr lang="ko-KR" altLang="en-US" dirty="0"/>
+              <a:rPr lang="ko-KR" altLang="en-US" sz="2800" dirty="0" smtClean="0"/>
+              <a:t>클래스</a:t>
+            </a:r>
+            <a:r>
+              <a:rPr lang="en-US" altLang="ko-KR" sz="2800" dirty="0" smtClean="0"/>
+              <a:t>(class)</a:t>
+            </a:r>
+            <a:endParaRPr lang="ko-KR" altLang="en-US" sz="2800" dirty="0"/>
           </a:p>
         </p:txBody>
       </p:sp>
@@ -19592,6 +20048,972 @@
             <p:ph type="sldNum" sz="quarter" idx="12"/>
           </p:nvPr>
         </p:nvSpPr>
+        <p:spPr/>
+        <p:txBody>
+          <a:bodyPr/>
+          <a:lstStyle/>
+          <a:p>
+            <a:fld id="{1BDE3FE7-3AEA-4B05-AC5A-802D1816ACF0}" type="slidenum">
+              <a:rPr lang="ko-KR" altLang="en-US" smtClean="0"/>
+              <a:t>4</a:t>
+            </a:fld>
+            <a:endParaRPr lang="ko-KR" altLang="en-US"/>
+          </a:p>
+        </p:txBody>
+      </p:sp>
+      <p:sp>
+        <p:nvSpPr>
+          <p:cNvPr id="7" name="내용 개체 틀 2">
+            <a:extLst>
+              <a:ext uri="{FF2B5EF4-FFF2-40B4-BE49-F238E27FC236}">
+                <a16:creationId xmlns:a16="http://schemas.microsoft.com/office/drawing/2014/main" id="{98AF3A4E-7D90-4241-89FE-799D6F9D5A94}"/>
+              </a:ext>
+            </a:extLst>
+          </p:cNvPr>
+          <p:cNvSpPr txBox="1">
+            <a:spLocks/>
+          </p:cNvSpPr>
+          <p:nvPr/>
+        </p:nvSpPr>
+        <p:spPr>
+          <a:xfrm>
+            <a:off x="920552" y="1054139"/>
+            <a:ext cx="7200800" cy="3024337"/>
+          </a:xfrm>
+          <a:prstGeom prst="rect">
+            <a:avLst/>
+          </a:prstGeom>
+        </p:spPr>
+        <p:txBody>
+          <a:bodyPr/>
+          <a:lstStyle>
+            <a:lvl1pPr marL="228600" indent="-228600" algn="l" defTabSz="914400" rtl="0" eaLnBrk="1" latinLnBrk="1" hangingPunct="1">
+              <a:lnSpc>
+                <a:spcPct val="90000"/>
+              </a:lnSpc>
+              <a:spcBef>
+                <a:spcPts val="1000"/>
+              </a:spcBef>
+              <a:buFont typeface="Arial" panose="020B0604020202020204" pitchFamily="34" charset="0"/>
+              <a:buChar char="•"/>
+              <a:defRPr sz="2800" kern="1200">
+                <a:solidFill>
+                  <a:schemeClr val="tx1"/>
+                </a:solidFill>
+                <a:latin typeface="+mn-lt"/>
+                <a:ea typeface="+mn-ea"/>
+                <a:cs typeface="+mn-cs"/>
+              </a:defRPr>
+            </a:lvl1pPr>
+            <a:lvl2pPr marL="685800" indent="-228600" algn="l" defTabSz="914400" rtl="0" eaLnBrk="1" latinLnBrk="1" hangingPunct="1">
+              <a:lnSpc>
+                <a:spcPct val="90000"/>
+              </a:lnSpc>
+              <a:spcBef>
+                <a:spcPts val="500"/>
+              </a:spcBef>
+              <a:buFont typeface="Arial" panose="020B0604020202020204" pitchFamily="34" charset="0"/>
+              <a:buChar char="•"/>
+              <a:defRPr sz="2400" kern="1200">
+                <a:solidFill>
+                  <a:schemeClr val="tx1"/>
+                </a:solidFill>
+                <a:latin typeface="+mn-lt"/>
+                <a:ea typeface="+mn-ea"/>
+                <a:cs typeface="+mn-cs"/>
+              </a:defRPr>
+            </a:lvl2pPr>
+            <a:lvl3pPr marL="1143000" indent="-228600" algn="l" defTabSz="914400" rtl="0" eaLnBrk="1" latinLnBrk="1" hangingPunct="1">
+              <a:lnSpc>
+                <a:spcPct val="90000"/>
+              </a:lnSpc>
+              <a:spcBef>
+                <a:spcPts val="500"/>
+              </a:spcBef>
+              <a:buFont typeface="Arial" panose="020B0604020202020204" pitchFamily="34" charset="0"/>
+              <a:buChar char="•"/>
+              <a:defRPr sz="2000" kern="1200">
+                <a:solidFill>
+                  <a:schemeClr val="tx1"/>
+                </a:solidFill>
+                <a:latin typeface="+mn-lt"/>
+                <a:ea typeface="+mn-ea"/>
+                <a:cs typeface="+mn-cs"/>
+              </a:defRPr>
+            </a:lvl3pPr>
+            <a:lvl4pPr marL="1600200" indent="-228600" algn="l" defTabSz="914400" rtl="0" eaLnBrk="1" latinLnBrk="1" hangingPunct="1">
+              <a:lnSpc>
+                <a:spcPct val="90000"/>
+              </a:lnSpc>
+              <a:spcBef>
+                <a:spcPts val="500"/>
+              </a:spcBef>
+              <a:buFont typeface="Arial" panose="020B0604020202020204" pitchFamily="34" charset="0"/>
+              <a:buChar char="•"/>
+              <a:defRPr sz="1800" kern="1200">
+                <a:solidFill>
+                  <a:schemeClr val="tx1"/>
+                </a:solidFill>
+                <a:latin typeface="+mn-lt"/>
+                <a:ea typeface="+mn-ea"/>
+                <a:cs typeface="+mn-cs"/>
+              </a:defRPr>
+            </a:lvl4pPr>
+            <a:lvl5pPr marL="2057400" indent="-228600" algn="l" defTabSz="914400" rtl="0" eaLnBrk="1" latinLnBrk="1" hangingPunct="1">
+              <a:lnSpc>
+                <a:spcPct val="90000"/>
+              </a:lnSpc>
+              <a:spcBef>
+                <a:spcPts val="500"/>
+              </a:spcBef>
+              <a:buFont typeface="Arial" panose="020B0604020202020204" pitchFamily="34" charset="0"/>
+              <a:buChar char="•"/>
+              <a:defRPr sz="1800" kern="1200">
+                <a:solidFill>
+                  <a:schemeClr val="tx1"/>
+                </a:solidFill>
+                <a:latin typeface="+mn-lt"/>
+                <a:ea typeface="+mn-ea"/>
+                <a:cs typeface="+mn-cs"/>
+              </a:defRPr>
+            </a:lvl5pPr>
+            <a:lvl6pPr marL="2514600" indent="-228600" algn="l" defTabSz="914400" rtl="0" eaLnBrk="1" latinLnBrk="1" hangingPunct="1">
+              <a:lnSpc>
+                <a:spcPct val="90000"/>
+              </a:lnSpc>
+              <a:spcBef>
+                <a:spcPts val="500"/>
+              </a:spcBef>
+              <a:buFont typeface="Arial" panose="020B0604020202020204" pitchFamily="34" charset="0"/>
+              <a:buChar char="•"/>
+              <a:defRPr sz="1800" kern="1200">
+                <a:solidFill>
+                  <a:schemeClr val="tx1"/>
+                </a:solidFill>
+                <a:latin typeface="+mn-lt"/>
+                <a:ea typeface="+mn-ea"/>
+                <a:cs typeface="+mn-cs"/>
+              </a:defRPr>
+            </a:lvl6pPr>
+            <a:lvl7pPr marL="2971800" indent="-228600" algn="l" defTabSz="914400" rtl="0" eaLnBrk="1" latinLnBrk="1" hangingPunct="1">
+              <a:lnSpc>
+                <a:spcPct val="90000"/>
+              </a:lnSpc>
+              <a:spcBef>
+                <a:spcPts val="500"/>
+              </a:spcBef>
+              <a:buFont typeface="Arial" panose="020B0604020202020204" pitchFamily="34" charset="0"/>
+              <a:buChar char="•"/>
+              <a:defRPr sz="1800" kern="1200">
+                <a:solidFill>
+                  <a:schemeClr val="tx1"/>
+                </a:solidFill>
+                <a:latin typeface="+mn-lt"/>
+                <a:ea typeface="+mn-ea"/>
+                <a:cs typeface="+mn-cs"/>
+              </a:defRPr>
+            </a:lvl7pPr>
+            <a:lvl8pPr marL="3429000" indent="-228600" algn="l" defTabSz="914400" rtl="0" eaLnBrk="1" latinLnBrk="1" hangingPunct="1">
+              <a:lnSpc>
+                <a:spcPct val="90000"/>
+              </a:lnSpc>
+              <a:spcBef>
+                <a:spcPts val="500"/>
+              </a:spcBef>
+              <a:buFont typeface="Arial" panose="020B0604020202020204" pitchFamily="34" charset="0"/>
+              <a:buChar char="•"/>
+              <a:defRPr sz="1800" kern="1200">
+                <a:solidFill>
+                  <a:schemeClr val="tx1"/>
+                </a:solidFill>
+                <a:latin typeface="+mn-lt"/>
+                <a:ea typeface="+mn-ea"/>
+                <a:cs typeface="+mn-cs"/>
+              </a:defRPr>
+            </a:lvl8pPr>
+            <a:lvl9pPr marL="3886200" indent="-228600" algn="l" defTabSz="914400" rtl="0" eaLnBrk="1" latinLnBrk="1" hangingPunct="1">
+              <a:lnSpc>
+                <a:spcPct val="90000"/>
+              </a:lnSpc>
+              <a:spcBef>
+                <a:spcPts val="500"/>
+              </a:spcBef>
+              <a:buFont typeface="Arial" panose="020B0604020202020204" pitchFamily="34" charset="0"/>
+              <a:buChar char="•"/>
+              <a:defRPr sz="1800" kern="1200">
+                <a:solidFill>
+                  <a:schemeClr val="tx1"/>
+                </a:solidFill>
+                <a:latin typeface="+mn-lt"/>
+                <a:ea typeface="+mn-ea"/>
+                <a:cs typeface="+mn-cs"/>
+              </a:defRPr>
+            </a:lvl9pPr>
+          </a:lstStyle>
+          <a:p>
+            <a:pPr>
+              <a:lnSpc>
+                <a:spcPct val="150000"/>
+              </a:lnSpc>
+              <a:buFont typeface="Wingdings" panose="05000000000000000000" pitchFamily="2" charset="2"/>
+              <a:buChar char="§"/>
+            </a:pPr>
+            <a:r>
+              <a:rPr lang="ko-KR" altLang="en-US" sz="2000" b="1" dirty="0" smtClean="0">
+                <a:solidFill>
+                  <a:srgbClr val="002060"/>
+                </a:solidFill>
+              </a:rPr>
+              <a:t>클래스란</a:t>
+            </a:r>
+            <a:r>
+              <a:rPr lang="en-US" altLang="ko-KR" sz="2000" b="1" dirty="0" smtClean="0">
+                <a:solidFill>
+                  <a:srgbClr val="002060"/>
+                </a:solidFill>
+              </a:rPr>
+              <a:t>?</a:t>
+            </a:r>
+          </a:p>
+          <a:p>
+            <a:pPr marL="0" indent="0">
+              <a:lnSpc>
+                <a:spcPct val="100000"/>
+              </a:lnSpc>
+              <a:buNone/>
+            </a:pPr>
+            <a:r>
+              <a:rPr lang="en-US" altLang="ko-KR" sz="1800" b="1" dirty="0">
+                <a:solidFill>
+                  <a:schemeClr val="accent6">
+                    <a:lumMod val="75000"/>
+                  </a:schemeClr>
+                </a:solidFill>
+              </a:rPr>
+              <a:t> </a:t>
+            </a:r>
+            <a:r>
+              <a:rPr lang="en-US" altLang="ko-KR" sz="1800" b="1" dirty="0" smtClean="0">
+                <a:solidFill>
+                  <a:schemeClr val="accent6">
+                    <a:lumMod val="75000"/>
+                  </a:schemeClr>
+                </a:solidFill>
+              </a:rPr>
+              <a:t>  </a:t>
+            </a:r>
+            <a:r>
+              <a:rPr lang="ko-KR" altLang="en-US" sz="1800" b="1" dirty="0" smtClean="0">
+                <a:solidFill>
+                  <a:srgbClr val="C00000"/>
+                </a:solidFill>
+              </a:rPr>
+              <a:t>객체에 대한 속성과 기능을 코드로 구현</a:t>
+            </a:r>
+            <a:r>
+              <a:rPr lang="ko-KR" altLang="en-US" sz="1800" b="1" dirty="0" smtClean="0"/>
+              <a:t> </a:t>
+            </a:r>
+            <a:r>
+              <a:rPr lang="ko-KR" altLang="en-US" sz="1800" dirty="0" smtClean="0"/>
+              <a:t>한 것</a:t>
+            </a:r>
+            <a:endParaRPr lang="en-US" altLang="ko-KR" sz="1800" dirty="0" smtClean="0"/>
+          </a:p>
+          <a:p>
+            <a:pPr marL="0" indent="0">
+              <a:lnSpc>
+                <a:spcPct val="100000"/>
+              </a:lnSpc>
+              <a:buNone/>
+            </a:pPr>
+            <a:r>
+              <a:rPr lang="ko-KR" altLang="en-US" sz="1800" dirty="0" smtClean="0"/>
+              <a:t>   </a:t>
+            </a:r>
+            <a:r>
+              <a:rPr lang="en-US" altLang="ko-KR" sz="1800" dirty="0" smtClean="0"/>
+              <a:t>Classification(</a:t>
+            </a:r>
+            <a:r>
+              <a:rPr lang="ko-KR" altLang="en-US" sz="1800" dirty="0" smtClean="0"/>
+              <a:t>분류</a:t>
+            </a:r>
+            <a:r>
+              <a:rPr lang="en-US" altLang="ko-KR" sz="1800" dirty="0" smtClean="0"/>
+              <a:t>) </a:t>
+            </a:r>
+            <a:r>
+              <a:rPr lang="ko-KR" altLang="en-US" sz="1800" dirty="0" smtClean="0"/>
+              <a:t>에서 유래함</a:t>
+            </a:r>
+            <a:endParaRPr lang="en-US" altLang="ko-KR" sz="1800" dirty="0" smtClean="0"/>
+          </a:p>
+          <a:p>
+            <a:pPr marL="0" indent="0">
+              <a:lnSpc>
+                <a:spcPct val="100000"/>
+              </a:lnSpc>
+              <a:buNone/>
+            </a:pPr>
+            <a:r>
+              <a:rPr lang="en-US" altLang="ko-KR" sz="1800" b="1" dirty="0"/>
+              <a:t> </a:t>
+            </a:r>
+            <a:r>
+              <a:rPr lang="en-US" altLang="ko-KR" sz="1800" b="1" dirty="0" smtClean="0"/>
+              <a:t>  </a:t>
+            </a:r>
+            <a:r>
+              <a:rPr lang="en-US" altLang="ko-KR" sz="1800" dirty="0" smtClean="0"/>
+              <a:t>“</a:t>
+            </a:r>
+            <a:r>
+              <a:rPr lang="ko-KR" altLang="en-US" sz="1800" dirty="0" smtClean="0"/>
+              <a:t>클래스를 정의 한다</a:t>
+            </a:r>
+            <a:r>
+              <a:rPr lang="en-US" altLang="ko-KR" sz="1800" dirty="0" smtClean="0"/>
+              <a:t>“</a:t>
+            </a:r>
+            <a:r>
+              <a:rPr lang="ko-KR" altLang="en-US" sz="1800" dirty="0" smtClean="0"/>
+              <a:t>라고 함</a:t>
+            </a:r>
+            <a:r>
+              <a:rPr lang="en-US" altLang="ko-KR" sz="1800" dirty="0" smtClean="0"/>
+              <a:t>,</a:t>
+            </a:r>
+          </a:p>
+          <a:p>
+            <a:pPr>
+              <a:lnSpc>
+                <a:spcPct val="150000"/>
+              </a:lnSpc>
+              <a:buFont typeface="Wingdings" panose="05000000000000000000" pitchFamily="2" charset="2"/>
+              <a:buChar char="§"/>
+            </a:pPr>
+            <a:r>
+              <a:rPr lang="ko-KR" altLang="en-US" sz="2000" b="1" dirty="0" smtClean="0">
+                <a:solidFill>
+                  <a:srgbClr val="002060"/>
+                </a:solidFill>
+              </a:rPr>
+              <a:t>객체의 속성과 기능</a:t>
+            </a:r>
+            <a:endParaRPr lang="en-US" altLang="ko-KR" sz="2000" b="1" dirty="0" smtClean="0">
+              <a:solidFill>
+                <a:srgbClr val="002060"/>
+              </a:solidFill>
+            </a:endParaRPr>
+          </a:p>
+          <a:p>
+            <a:pPr lvl="1">
+              <a:lnSpc>
+                <a:spcPct val="100000"/>
+              </a:lnSpc>
+              <a:buFont typeface="Wingdings" panose="05000000000000000000" pitchFamily="2" charset="2"/>
+              <a:buChar char="§"/>
+            </a:pPr>
+            <a:r>
+              <a:rPr lang="ko-KR" altLang="en-US" sz="1800" dirty="0" smtClean="0"/>
+              <a:t>객체의 특성</a:t>
+            </a:r>
+            <a:r>
+              <a:rPr lang="en-US" altLang="ko-KR" sz="1800" dirty="0" smtClean="0"/>
+              <a:t>(property), </a:t>
+            </a:r>
+            <a:r>
+              <a:rPr lang="ko-KR" altLang="en-US" sz="1800" dirty="0" smtClean="0"/>
+              <a:t>속성</a:t>
+            </a:r>
+            <a:r>
+              <a:rPr lang="en-US" altLang="ko-KR" sz="1800" dirty="0" smtClean="0"/>
+              <a:t>(attribute) -&gt; </a:t>
+            </a:r>
+            <a:r>
+              <a:rPr lang="ko-KR" altLang="en-US" sz="1800" b="1" dirty="0" smtClean="0"/>
+              <a:t>멤버 변수</a:t>
+            </a:r>
+          </a:p>
+          <a:p>
+            <a:pPr lvl="1">
+              <a:lnSpc>
+                <a:spcPct val="100000"/>
+              </a:lnSpc>
+              <a:buFont typeface="Wingdings" panose="05000000000000000000" pitchFamily="2" charset="2"/>
+              <a:buChar char="§"/>
+            </a:pPr>
+            <a:r>
+              <a:rPr lang="ko-KR" altLang="en-US" sz="1800" dirty="0" smtClean="0"/>
+              <a:t>객체가 하는 기능 </a:t>
+            </a:r>
+            <a:r>
+              <a:rPr lang="en-US" altLang="ko-KR" sz="1800" dirty="0" smtClean="0"/>
+              <a:t>-&gt; </a:t>
+            </a:r>
+            <a:r>
+              <a:rPr lang="ko-KR" altLang="en-US" sz="1800" b="1" dirty="0" smtClean="0"/>
+              <a:t>멤버 함수</a:t>
+            </a:r>
+            <a:endParaRPr lang="en-US" altLang="ko-KR" sz="1800" b="1" dirty="0" smtClean="0"/>
+          </a:p>
+        </p:txBody>
+      </p:sp>
+      <p:sp>
+        <p:nvSpPr>
+          <p:cNvPr id="8" name="직사각형 7"/>
+          <p:cNvSpPr/>
+          <p:nvPr/>
+        </p:nvSpPr>
+        <p:spPr>
+          <a:xfrm>
+            <a:off x="4880992" y="4509120"/>
+            <a:ext cx="4871616" cy="1224136"/>
+          </a:xfrm>
+          <a:prstGeom prst="rect">
+            <a:avLst/>
+          </a:prstGeom>
+          <a:ln/>
+        </p:spPr>
+        <p:style>
+          <a:lnRef idx="2">
+            <a:schemeClr val="accent3"/>
+          </a:lnRef>
+          <a:fillRef idx="1">
+            <a:schemeClr val="lt1"/>
+          </a:fillRef>
+          <a:effectRef idx="0">
+            <a:schemeClr val="accent3"/>
+          </a:effectRef>
+          <a:fontRef idx="minor">
+            <a:schemeClr val="dk1"/>
+          </a:fontRef>
+        </p:style>
+        <p:txBody>
+          <a:bodyPr rtlCol="0" anchor="ctr"/>
+          <a:lstStyle/>
+          <a:p>
+            <a:pPr>
+              <a:lnSpc>
+                <a:spcPct val="150000"/>
+              </a:lnSpc>
+            </a:pPr>
+            <a:r>
+              <a:rPr lang="ko-KR" altLang="en-US" sz="1600" dirty="0" smtClean="0">
+                <a:latin typeface="+mn-ea"/>
+              </a:rPr>
+              <a:t>학생 클래스</a:t>
+            </a:r>
+            <a:endParaRPr lang="en-US" altLang="ko-KR" sz="1600" dirty="0" smtClean="0">
+              <a:latin typeface="+mn-ea"/>
+            </a:endParaRPr>
+          </a:p>
+          <a:p>
+            <a:pPr marL="285750" indent="-285750">
+              <a:lnSpc>
+                <a:spcPct val="150000"/>
+              </a:lnSpc>
+              <a:buFontTx/>
+              <a:buChar char="-"/>
+            </a:pPr>
+            <a:r>
+              <a:rPr lang="ko-KR" altLang="en-US" sz="1600" dirty="0" smtClean="0">
+                <a:latin typeface="+mn-ea"/>
+              </a:rPr>
+              <a:t>속성</a:t>
+            </a:r>
+            <a:r>
+              <a:rPr lang="en-US" altLang="ko-KR" sz="1600" dirty="0" smtClean="0">
+                <a:latin typeface="+mn-ea"/>
+              </a:rPr>
+              <a:t>(</a:t>
+            </a:r>
+            <a:r>
+              <a:rPr lang="ko-KR" altLang="en-US" sz="1600" dirty="0" smtClean="0">
+                <a:latin typeface="+mn-ea"/>
+              </a:rPr>
+              <a:t>멤버변수</a:t>
+            </a:r>
+            <a:r>
+              <a:rPr lang="en-US" altLang="ko-KR" sz="1600" dirty="0" smtClean="0">
+                <a:latin typeface="+mn-ea"/>
+              </a:rPr>
+              <a:t>)</a:t>
+            </a:r>
+            <a:r>
+              <a:rPr lang="ko-KR" altLang="en-US" sz="1600" dirty="0" smtClean="0">
+                <a:latin typeface="+mn-ea"/>
+              </a:rPr>
+              <a:t> </a:t>
+            </a:r>
+            <a:r>
+              <a:rPr lang="en-US" altLang="ko-KR" sz="1600" dirty="0" smtClean="0">
+                <a:latin typeface="+mn-ea"/>
+              </a:rPr>
+              <a:t>: </a:t>
+            </a:r>
+            <a:r>
+              <a:rPr lang="ko-KR" altLang="en-US" sz="1600" dirty="0" smtClean="0">
+                <a:latin typeface="+mn-ea"/>
+              </a:rPr>
+              <a:t>학번</a:t>
+            </a:r>
+            <a:r>
+              <a:rPr lang="en-US" altLang="ko-KR" sz="1600" dirty="0" smtClean="0">
+                <a:latin typeface="+mn-ea"/>
+              </a:rPr>
+              <a:t>, </a:t>
+            </a:r>
+            <a:r>
+              <a:rPr lang="ko-KR" altLang="en-US" sz="1600" dirty="0" smtClean="0">
+                <a:latin typeface="+mn-ea"/>
+              </a:rPr>
+              <a:t>이름</a:t>
+            </a:r>
+            <a:r>
+              <a:rPr lang="en-US" altLang="ko-KR" sz="1600" dirty="0" smtClean="0">
+                <a:latin typeface="+mn-ea"/>
+              </a:rPr>
+              <a:t>, </a:t>
+            </a:r>
+            <a:r>
+              <a:rPr lang="ko-KR" altLang="en-US" sz="1600" dirty="0" smtClean="0">
+                <a:latin typeface="+mn-ea"/>
+              </a:rPr>
+              <a:t>학년</a:t>
+            </a:r>
+            <a:r>
+              <a:rPr lang="en-US" altLang="ko-KR" sz="1600" dirty="0" smtClean="0">
+                <a:latin typeface="+mn-ea"/>
+              </a:rPr>
+              <a:t>, </a:t>
+            </a:r>
+            <a:r>
+              <a:rPr lang="ko-KR" altLang="en-US" sz="1600" dirty="0" smtClean="0">
+                <a:latin typeface="+mn-ea"/>
+              </a:rPr>
+              <a:t>사는 곳 등</a:t>
+            </a:r>
+            <a:r>
+              <a:rPr lang="en-US" altLang="ko-KR" sz="1600" dirty="0" smtClean="0">
+                <a:latin typeface="+mn-ea"/>
+              </a:rPr>
+              <a:t>..</a:t>
+            </a:r>
+          </a:p>
+          <a:p>
+            <a:pPr marL="285750" indent="-285750">
+              <a:lnSpc>
+                <a:spcPct val="150000"/>
+              </a:lnSpc>
+              <a:buFontTx/>
+              <a:buChar char="-"/>
+            </a:pPr>
+            <a:r>
+              <a:rPr lang="ko-KR" altLang="en-US" sz="1600" dirty="0" smtClean="0">
+                <a:latin typeface="+mn-ea"/>
+              </a:rPr>
+              <a:t>기능</a:t>
+            </a:r>
+            <a:r>
+              <a:rPr lang="en-US" altLang="ko-KR" sz="1600" dirty="0" smtClean="0">
+                <a:latin typeface="+mn-ea"/>
+              </a:rPr>
+              <a:t>(</a:t>
+            </a:r>
+            <a:r>
+              <a:rPr lang="ko-KR" altLang="en-US" sz="1600" dirty="0" smtClean="0">
+                <a:latin typeface="+mn-ea"/>
+              </a:rPr>
+              <a:t>함수</a:t>
+            </a:r>
+            <a:r>
+              <a:rPr lang="en-US" altLang="ko-KR" sz="1600" dirty="0" smtClean="0">
+                <a:latin typeface="+mn-ea"/>
+              </a:rPr>
+              <a:t>)</a:t>
+            </a:r>
+            <a:r>
+              <a:rPr lang="ko-KR" altLang="en-US" sz="1600" dirty="0" smtClean="0">
+                <a:latin typeface="+mn-ea"/>
+              </a:rPr>
+              <a:t> </a:t>
+            </a:r>
+            <a:r>
+              <a:rPr lang="en-US" altLang="ko-KR" sz="1600" dirty="0" smtClean="0">
+                <a:latin typeface="+mn-ea"/>
+              </a:rPr>
+              <a:t>: </a:t>
+            </a:r>
+            <a:r>
+              <a:rPr lang="ko-KR" altLang="en-US" sz="1600" dirty="0" smtClean="0">
+                <a:latin typeface="+mn-ea"/>
+              </a:rPr>
+              <a:t>수강신청</a:t>
+            </a:r>
+            <a:r>
+              <a:rPr lang="en-US" altLang="ko-KR" sz="1600" dirty="0" smtClean="0">
+                <a:latin typeface="+mn-ea"/>
+              </a:rPr>
+              <a:t>, </a:t>
+            </a:r>
+            <a:r>
+              <a:rPr lang="ko-KR" altLang="en-US" sz="1600" dirty="0" smtClean="0">
+                <a:latin typeface="+mn-ea"/>
+              </a:rPr>
+              <a:t>수업듣기</a:t>
+            </a:r>
+            <a:r>
+              <a:rPr lang="en-US" altLang="ko-KR" sz="1600" dirty="0" smtClean="0">
+                <a:latin typeface="+mn-ea"/>
+              </a:rPr>
+              <a:t>, </a:t>
+            </a:r>
+            <a:r>
+              <a:rPr lang="ko-KR" altLang="en-US" sz="1600" dirty="0" smtClean="0">
+                <a:latin typeface="+mn-ea"/>
+              </a:rPr>
+              <a:t>시험 보기 등</a:t>
+            </a:r>
+            <a:r>
+              <a:rPr lang="en-US" altLang="ko-KR" sz="1600" dirty="0" smtClean="0">
+                <a:latin typeface="+mn-ea"/>
+              </a:rPr>
+              <a:t>..</a:t>
+            </a:r>
+            <a:endParaRPr lang="ko-KR" altLang="en-US" sz="1600" dirty="0">
+              <a:latin typeface="+mn-ea"/>
+            </a:endParaRPr>
+          </a:p>
+        </p:txBody>
+      </p:sp>
+      <p:sp>
+        <p:nvSpPr>
+          <p:cNvPr id="9" name="모서리가 둥근 직사각형 8"/>
+          <p:cNvSpPr/>
+          <p:nvPr/>
+        </p:nvSpPr>
+        <p:spPr>
+          <a:xfrm>
+            <a:off x="1115533" y="4293096"/>
+            <a:ext cx="3405419" cy="1975009"/>
+          </a:xfrm>
+          <a:prstGeom prst="roundRect">
+            <a:avLst/>
+          </a:prstGeom>
+        </p:spPr>
+        <p:style>
+          <a:lnRef idx="2">
+            <a:schemeClr val="accent5"/>
+          </a:lnRef>
+          <a:fillRef idx="1">
+            <a:schemeClr val="lt1"/>
+          </a:fillRef>
+          <a:effectRef idx="0">
+            <a:schemeClr val="accent5"/>
+          </a:effectRef>
+          <a:fontRef idx="minor">
+            <a:schemeClr val="dk1"/>
+          </a:fontRef>
+        </p:style>
+        <p:txBody>
+          <a:bodyPr wrap="square">
+            <a:spAutoFit/>
+          </a:bodyPr>
+          <a:lstStyle/>
+          <a:p>
+            <a:pPr>
+              <a:lnSpc>
+                <a:spcPct val="100000"/>
+              </a:lnSpc>
+              <a:buFont typeface="Wingdings" panose="05000000000000000000" pitchFamily="2" charset="2"/>
+              <a:buChar char="§"/>
+            </a:pPr>
+            <a:r>
+              <a:rPr lang="ko-KR" altLang="en-US" sz="2000" dirty="0" smtClean="0"/>
+              <a:t> </a:t>
+            </a:r>
+            <a:r>
+              <a:rPr lang="ko-KR" altLang="en-US" sz="2000" b="1" dirty="0" smtClean="0"/>
+              <a:t>클래스 정의하기</a:t>
+            </a:r>
+            <a:endParaRPr lang="en-US" altLang="ko-KR" sz="2000" b="1" dirty="0"/>
+          </a:p>
+          <a:p>
+            <a:pPr lvl="1"/>
+            <a:r>
+              <a:rPr lang="en-US" altLang="ko-KR" b="1" dirty="0">
+                <a:solidFill>
+                  <a:srgbClr val="C00000"/>
+                </a:solidFill>
+              </a:rPr>
+              <a:t>class</a:t>
+            </a:r>
+            <a:r>
+              <a:rPr lang="en-US" altLang="ko-KR" b="1" dirty="0"/>
+              <a:t> </a:t>
+            </a:r>
+            <a:r>
+              <a:rPr lang="ko-KR" altLang="en-US" b="1" dirty="0"/>
+              <a:t>클래스 이름</a:t>
+            </a:r>
+            <a:r>
+              <a:rPr lang="en-US" altLang="ko-KR" b="1" dirty="0"/>
+              <a:t> :</a:t>
+            </a:r>
+          </a:p>
+          <a:p>
+            <a:pPr lvl="1"/>
+            <a:r>
+              <a:rPr lang="en-US" altLang="ko-KR" b="1" dirty="0"/>
+              <a:t>    </a:t>
+            </a:r>
+            <a:r>
+              <a:rPr lang="en-US" altLang="ko-KR" b="1" dirty="0" err="1">
+                <a:solidFill>
+                  <a:schemeClr val="accent6">
+                    <a:lumMod val="75000"/>
+                  </a:schemeClr>
+                </a:solidFill>
+              </a:rPr>
+              <a:t>def</a:t>
+            </a:r>
+            <a:r>
+              <a:rPr lang="en-US" altLang="ko-KR" b="1" dirty="0"/>
+              <a:t> __</a:t>
+            </a:r>
+            <a:r>
+              <a:rPr lang="en-US" altLang="ko-KR" b="1" dirty="0" err="1"/>
+              <a:t>init</a:t>
+            </a:r>
+            <a:r>
+              <a:rPr lang="en-US" altLang="ko-KR" b="1" dirty="0"/>
+              <a:t>__(self):</a:t>
+            </a:r>
+          </a:p>
+          <a:p>
+            <a:pPr lvl="1"/>
+            <a:r>
+              <a:rPr lang="en-US" altLang="ko-KR" b="1" dirty="0">
+                <a:solidFill>
+                  <a:srgbClr val="C00000"/>
+                </a:solidFill>
+              </a:rPr>
+              <a:t>        </a:t>
+            </a:r>
+            <a:r>
+              <a:rPr lang="en-US" altLang="ko-KR" b="1" dirty="0" smtClean="0">
+                <a:solidFill>
+                  <a:srgbClr val="C00000"/>
+                </a:solidFill>
+              </a:rPr>
+              <a:t> </a:t>
+            </a:r>
+            <a:r>
+              <a:rPr lang="ko-KR" altLang="en-US" b="1" dirty="0" smtClean="0">
+                <a:solidFill>
+                  <a:schemeClr val="tx1"/>
+                </a:solidFill>
+              </a:rPr>
+              <a:t>멤버변</a:t>
+            </a:r>
+            <a:r>
+              <a:rPr lang="ko-KR" altLang="en-US" b="1" dirty="0" smtClean="0">
+                <a:solidFill>
+                  <a:srgbClr val="002060"/>
+                </a:solidFill>
+              </a:rPr>
+              <a:t>수</a:t>
+            </a:r>
+            <a:endParaRPr lang="en-US" altLang="ko-KR" b="1" dirty="0">
+              <a:solidFill>
+                <a:srgbClr val="002060"/>
+              </a:solidFill>
+            </a:endParaRPr>
+          </a:p>
+          <a:p>
+            <a:pPr lvl="1"/>
+            <a:r>
+              <a:rPr lang="en-US" altLang="ko-KR" b="1" dirty="0">
+                <a:solidFill>
+                  <a:srgbClr val="002060"/>
+                </a:solidFill>
+              </a:rPr>
+              <a:t>    </a:t>
+            </a:r>
+            <a:r>
+              <a:rPr lang="en-US" altLang="ko-KR" b="1" dirty="0" err="1">
+                <a:solidFill>
+                  <a:schemeClr val="accent6">
+                    <a:lumMod val="75000"/>
+                  </a:schemeClr>
+                </a:solidFill>
+              </a:rPr>
+              <a:t>def</a:t>
+            </a:r>
+            <a:r>
+              <a:rPr lang="en-US" altLang="ko-KR" b="1" dirty="0">
+                <a:solidFill>
+                  <a:srgbClr val="002060"/>
+                </a:solidFill>
+              </a:rPr>
+              <a:t> </a:t>
+            </a:r>
+            <a:r>
+              <a:rPr lang="ko-KR" altLang="en-US" b="1" dirty="0" smtClean="0">
+                <a:solidFill>
+                  <a:srgbClr val="002060"/>
+                </a:solidFill>
+              </a:rPr>
+              <a:t>함수이름</a:t>
+            </a:r>
+            <a:r>
+              <a:rPr lang="en-US" altLang="ko-KR" b="1" dirty="0" smtClean="0">
+                <a:solidFill>
+                  <a:srgbClr val="002060"/>
+                </a:solidFill>
+              </a:rPr>
+              <a:t>(self):</a:t>
+            </a:r>
+            <a:endParaRPr lang="en-US" altLang="ko-KR" b="1" dirty="0">
+              <a:solidFill>
+                <a:srgbClr val="002060"/>
+              </a:solidFill>
+            </a:endParaRPr>
+          </a:p>
+          <a:p>
+            <a:pPr lvl="1"/>
+            <a:r>
+              <a:rPr lang="en-US" altLang="ko-KR" b="1" dirty="0">
+                <a:solidFill>
+                  <a:srgbClr val="002060"/>
+                </a:solidFill>
+              </a:rPr>
+              <a:t>        </a:t>
+            </a:r>
+            <a:r>
+              <a:rPr lang="en-US" altLang="ko-KR" b="1" dirty="0" smtClean="0">
+                <a:solidFill>
+                  <a:srgbClr val="002060"/>
+                </a:solidFill>
+              </a:rPr>
+              <a:t>  </a:t>
+            </a:r>
+            <a:r>
+              <a:rPr lang="en-US" altLang="ko-KR" b="1" dirty="0" smtClean="0">
+                <a:solidFill>
+                  <a:schemeClr val="accent6">
+                    <a:lumMod val="75000"/>
+                  </a:schemeClr>
+                </a:solidFill>
+              </a:rPr>
+              <a:t>return</a:t>
+            </a:r>
+            <a:endParaRPr lang="en-US" altLang="ko-KR" b="1" dirty="0">
+              <a:solidFill>
+                <a:schemeClr val="accent6">
+                  <a:lumMod val="75000"/>
+                </a:schemeClr>
+              </a:solidFill>
+            </a:endParaRPr>
+          </a:p>
+        </p:txBody>
+      </p:sp>
+    </p:spTree>
+    <p:extLst>
+      <p:ext uri="{BB962C8B-B14F-4D97-AF65-F5344CB8AC3E}">
+        <p14:creationId xmlns:p14="http://schemas.microsoft.com/office/powerpoint/2010/main" val="2896562144"/>
+      </p:ext>
+    </p:extLst>
+  </p:cSld>
+  <p:clrMapOvr>
+    <a:masterClrMapping/>
+  </p:clrMapOvr>
+  <p:timing>
+    <p:tnLst>
+      <p:par>
+        <p:cTn id="1" dur="indefinite" restart="never" nodeType="tmRoot"/>
+      </p:par>
+    </p:tnLst>
+  </p:timing>
+</p:sld>
+</file>
+
+<file path=ppt/slides/slide40.xml><?xml version="1.0" encoding="utf-8"?>
+<p:sld xmlns:a="http://schemas.openxmlformats.org/drawingml/2006/main" xmlns:r="http://schemas.openxmlformats.org/officeDocument/2006/relationships" xmlns:p="http://schemas.openxmlformats.org/presentationml/2006/main">
+  <p:cSld>
+    <p:spTree>
+      <p:nvGrpSpPr>
+        <p:cNvPr id="1" name=""/>
+        <p:cNvGrpSpPr/>
+        <p:nvPr/>
+      </p:nvGrpSpPr>
+      <p:grpSpPr>
+        <a:xfrm>
+          <a:off x="0" y="0"/>
+          <a:ext cx="0" cy="0"/>
+          <a:chOff x="0" y="0"/>
+          <a:chExt cx="0" cy="0"/>
+        </a:xfrm>
+      </p:grpSpPr>
+      <p:sp>
+        <p:nvSpPr>
+          <p:cNvPr id="6" name="제목 5"/>
+          <p:cNvSpPr>
+            <a:spLocks noGrp="1"/>
+          </p:cNvSpPr>
+          <p:nvPr>
+            <p:ph type="title"/>
+          </p:nvPr>
+        </p:nvSpPr>
+        <p:spPr/>
+        <p:txBody>
+          <a:bodyPr/>
+          <a:lstStyle/>
+          <a:p>
+            <a:r>
+              <a:rPr lang="en-US" altLang="ko-KR" dirty="0" smtClean="0"/>
+              <a:t> </a:t>
+            </a:r>
+            <a:r>
+              <a:rPr lang="ko-KR" altLang="en-US" dirty="0" smtClean="0"/>
+              <a:t>함수</a:t>
+            </a:r>
+            <a:r>
+              <a:rPr lang="en-US" altLang="ko-KR" dirty="0"/>
+              <a:t> </a:t>
+            </a:r>
+            <a:r>
+              <a:rPr lang="ko-KR" altLang="en-US" dirty="0" smtClean="0"/>
+              <a:t>재정의</a:t>
+            </a:r>
+            <a:r>
+              <a:rPr lang="en-US" altLang="ko-KR" dirty="0" smtClean="0"/>
+              <a:t>(</a:t>
+            </a:r>
+            <a:r>
+              <a:rPr lang="ko-KR" altLang="en-US" dirty="0" err="1" smtClean="0"/>
+              <a:t>오버라이딩</a:t>
+            </a:r>
+            <a:r>
+              <a:rPr lang="en-US" altLang="ko-KR" dirty="0" smtClean="0"/>
+              <a:t>)</a:t>
+            </a:r>
+            <a:endParaRPr lang="ko-KR" altLang="en-US" dirty="0"/>
+          </a:p>
+        </p:txBody>
+      </p:sp>
+      <p:sp>
+        <p:nvSpPr>
+          <p:cNvPr id="5" name="슬라이드 번호 개체 틀 4"/>
+          <p:cNvSpPr>
+            <a:spLocks noGrp="1"/>
+          </p:cNvSpPr>
+          <p:nvPr>
+            <p:ph type="sldNum" sz="quarter" idx="12"/>
+          </p:nvPr>
+        </p:nvSpPr>
         <p:spPr>
           <a:xfrm>
             <a:off x="8853433" y="7312347"/>
@@ -19604,7 +21026,7 @@
           <a:p>
             <a:fld id="{1BDE3FE7-3AEA-4B05-AC5A-802D1816ACF0}" type="slidenum">
               <a:rPr lang="ko-KR" altLang="en-US" smtClean="0"/>
-              <a:t>39</a:t>
+              <a:t>40</a:t>
             </a:fld>
             <a:endParaRPr lang="ko-KR" altLang="en-US"/>
           </a:p>
@@ -19615,7 +21037,7 @@
           <p:cNvPr id="10" name="내용 개체 틀 2">
             <a:extLst>
               <a:ext uri="{FF2B5EF4-FFF2-40B4-BE49-F238E27FC236}">
-                <a16:creationId xmlns="" xmlns:a16="http://schemas.microsoft.com/office/drawing/2014/main" id="{98AF3A4E-7D90-4241-89FE-799D6F9D5A94}"/>
+                <a16:creationId xmlns:a16="http://schemas.microsoft.com/office/drawing/2014/main" id="{98AF3A4E-7D90-4241-89FE-799D6F9D5A94}"/>
               </a:ext>
             </a:extLst>
           </p:cNvPr>
@@ -19896,7 +21318,7 @@
 </p:sld>
 </file>
 
-<file path=ppt/slides/slide4.xml><?xml version="1.0" encoding="utf-8"?>
+<file path=ppt/slides/slide41.xml><?xml version="1.0" encoding="utf-8"?>
 <p:sld xmlns:a="http://schemas.openxmlformats.org/drawingml/2006/main" xmlns:r="http://schemas.openxmlformats.org/officeDocument/2006/relationships" xmlns:p="http://schemas.openxmlformats.org/presentationml/2006/main">
   <p:cSld>
     <p:spTree>
@@ -19931,18 +21353,26 @@
           <a:lstStyle/>
           <a:p>
             <a:r>
-              <a:rPr lang="en-US" altLang="ko-KR" sz="2800" dirty="0" smtClean="0"/>
+              <a:rPr lang="en-US" altLang="ko-KR" dirty="0" smtClean="0"/>
               <a:t> </a:t>
             </a:r>
             <a:r>
-              <a:rPr lang="ko-KR" altLang="en-US" sz="2800" dirty="0" smtClean="0"/>
-              <a:t>클래스</a:t>
-            </a:r>
-            <a:r>
-              <a:rPr lang="en-US" altLang="ko-KR" sz="2800" dirty="0" smtClean="0"/>
-              <a:t>(class)</a:t>
-            </a:r>
-            <a:endParaRPr lang="ko-KR" altLang="en-US" sz="2800" dirty="0"/>
+              <a:rPr lang="ko-KR" altLang="en-US" dirty="0" smtClean="0"/>
+              <a:t>상속</a:t>
+            </a:r>
+            <a:r>
+              <a:rPr lang="en-US" altLang="ko-KR" dirty="0" smtClean="0"/>
+              <a:t>(inheritance)</a:t>
+            </a:r>
+            <a:r>
+              <a:rPr lang="ko-KR" altLang="en-US" dirty="0" smtClean="0"/>
+              <a:t> </a:t>
+            </a:r>
+            <a:endParaRPr lang="ko-KR" altLang="en-US" dirty="0">
+              <a:solidFill>
+                <a:schemeClr val="tx1"/>
+              </a:solidFill>
+            </a:endParaRPr>
           </a:p>
         </p:txBody>
       </p:sp>
@@ -19963,959 +21393,7 @@
           <a:p>
             <a:fld id="{1BDE3FE7-3AEA-4B05-AC5A-802D1816ACF0}" type="slidenum">
               <a:rPr lang="ko-KR" altLang="en-US" smtClean="0"/>
-              <a:t>4</a:t>
-            </a:fld>
-            <a:endParaRPr lang="ko-KR" altLang="en-US"/>
-          </a:p>
-        </p:txBody>
-      </p:sp>
-      <p:sp>
-        <p:nvSpPr>
-          <p:cNvPr id="7" name="내용 개체 틀 2">
-            <a:extLst>
-              <a:ext uri="{FF2B5EF4-FFF2-40B4-BE49-F238E27FC236}">
-                <a16:creationId xmlns="" xmlns:a16="http://schemas.microsoft.com/office/drawing/2014/main" id="{98AF3A4E-7D90-4241-89FE-799D6F9D5A94}"/>
-              </a:ext>
-            </a:extLst>
-          </p:cNvPr>
-          <p:cNvSpPr txBox="1">
-            <a:spLocks/>
-          </p:cNvSpPr>
-          <p:nvPr/>
-        </p:nvSpPr>
-        <p:spPr>
-          <a:xfrm>
-            <a:off x="920552" y="1054139"/>
-            <a:ext cx="7200800" cy="3024337"/>
-          </a:xfrm>
-          <a:prstGeom prst="rect">
-            <a:avLst/>
-          </a:prstGeom>
-        </p:spPr>
-        <p:txBody>
-          <a:bodyPr/>
-          <a:lstStyle>
-            <a:lvl1pPr marL="228600" indent="-228600" algn="l" defTabSz="914400" rtl="0" eaLnBrk="1" latinLnBrk="1" hangingPunct="1">
-              <a:lnSpc>
-                <a:spcPct val="90000"/>
-              </a:lnSpc>
-              <a:spcBef>
-                <a:spcPts val="1000"/>
-              </a:spcBef>
-              <a:buFont typeface="Arial" panose="020B0604020202020204" pitchFamily="34" charset="0"/>
-              <a:buChar char="•"/>
-              <a:defRPr sz="2800" kern="1200">
-                <a:solidFill>
-                  <a:schemeClr val="tx1"/>
-                </a:solidFill>
-                <a:latin typeface="+mn-lt"/>
-                <a:ea typeface="+mn-ea"/>
-                <a:cs typeface="+mn-cs"/>
-              </a:defRPr>
-            </a:lvl1pPr>
-            <a:lvl2pPr marL="685800" indent="-228600" algn="l" defTabSz="914400" rtl="0" eaLnBrk="1" latinLnBrk="1" hangingPunct="1">
-              <a:lnSpc>
-                <a:spcPct val="90000"/>
-              </a:lnSpc>
-              <a:spcBef>
-                <a:spcPts val="500"/>
-              </a:spcBef>
-              <a:buFont typeface="Arial" panose="020B0604020202020204" pitchFamily="34" charset="0"/>
-              <a:buChar char="•"/>
-              <a:defRPr sz="2400" kern="1200">
-                <a:solidFill>
-                  <a:schemeClr val="tx1"/>
-                </a:solidFill>
-                <a:latin typeface="+mn-lt"/>
-                <a:ea typeface="+mn-ea"/>
-                <a:cs typeface="+mn-cs"/>
-              </a:defRPr>
-            </a:lvl2pPr>
-            <a:lvl3pPr marL="1143000" indent="-228600" algn="l" defTabSz="914400" rtl="0" eaLnBrk="1" latinLnBrk="1" hangingPunct="1">
-              <a:lnSpc>
-                <a:spcPct val="90000"/>
-              </a:lnSpc>
-              <a:spcBef>
-                <a:spcPts val="500"/>
-              </a:spcBef>
-              <a:buFont typeface="Arial" panose="020B0604020202020204" pitchFamily="34" charset="0"/>
-              <a:buChar char="•"/>
-              <a:defRPr sz="2000" kern="1200">
-                <a:solidFill>
-                  <a:schemeClr val="tx1"/>
-                </a:solidFill>
-                <a:latin typeface="+mn-lt"/>
-                <a:ea typeface="+mn-ea"/>
-                <a:cs typeface="+mn-cs"/>
-              </a:defRPr>
-            </a:lvl3pPr>
-            <a:lvl4pPr marL="1600200" indent="-228600" algn="l" defTabSz="914400" rtl="0" eaLnBrk="1" latinLnBrk="1" hangingPunct="1">
-              <a:lnSpc>
-                <a:spcPct val="90000"/>
-              </a:lnSpc>
-              <a:spcBef>
-                <a:spcPts val="500"/>
-              </a:spcBef>
-              <a:buFont typeface="Arial" panose="020B0604020202020204" pitchFamily="34" charset="0"/>
-              <a:buChar char="•"/>
-              <a:defRPr sz="1800" kern="1200">
-                <a:solidFill>
-                  <a:schemeClr val="tx1"/>
-                </a:solidFill>
-                <a:latin typeface="+mn-lt"/>
-                <a:ea typeface="+mn-ea"/>
-                <a:cs typeface="+mn-cs"/>
-              </a:defRPr>
-            </a:lvl4pPr>
-            <a:lvl5pPr marL="2057400" indent="-228600" algn="l" defTabSz="914400" rtl="0" eaLnBrk="1" latinLnBrk="1" hangingPunct="1">
-              <a:lnSpc>
-                <a:spcPct val="90000"/>
-              </a:lnSpc>
-              <a:spcBef>
-                <a:spcPts val="500"/>
-              </a:spcBef>
-              <a:buFont typeface="Arial" panose="020B0604020202020204" pitchFamily="34" charset="0"/>
-              <a:buChar char="•"/>
-              <a:defRPr sz="1800" kern="1200">
-                <a:solidFill>
-                  <a:schemeClr val="tx1"/>
-                </a:solidFill>
-                <a:latin typeface="+mn-lt"/>
-                <a:ea typeface="+mn-ea"/>
-                <a:cs typeface="+mn-cs"/>
-              </a:defRPr>
-            </a:lvl5pPr>
-            <a:lvl6pPr marL="2514600" indent="-228600" algn="l" defTabSz="914400" rtl="0" eaLnBrk="1" latinLnBrk="1" hangingPunct="1">
-              <a:lnSpc>
-                <a:spcPct val="90000"/>
-              </a:lnSpc>
-              <a:spcBef>
-                <a:spcPts val="500"/>
-              </a:spcBef>
-              <a:buFont typeface="Arial" panose="020B0604020202020204" pitchFamily="34" charset="0"/>
-              <a:buChar char="•"/>
-              <a:defRPr sz="1800" kern="1200">
-                <a:solidFill>
-                  <a:schemeClr val="tx1"/>
-                </a:solidFill>
-                <a:latin typeface="+mn-lt"/>
-                <a:ea typeface="+mn-ea"/>
-                <a:cs typeface="+mn-cs"/>
-              </a:defRPr>
-            </a:lvl6pPr>
-            <a:lvl7pPr marL="2971800" indent="-228600" algn="l" defTabSz="914400" rtl="0" eaLnBrk="1" latinLnBrk="1" hangingPunct="1">
-              <a:lnSpc>
-                <a:spcPct val="90000"/>
-              </a:lnSpc>
-              <a:spcBef>
-                <a:spcPts val="500"/>
-              </a:spcBef>
-              <a:buFont typeface="Arial" panose="020B0604020202020204" pitchFamily="34" charset="0"/>
-              <a:buChar char="•"/>
-              <a:defRPr sz="1800" kern="1200">
-                <a:solidFill>
-                  <a:schemeClr val="tx1"/>
-                </a:solidFill>
-                <a:latin typeface="+mn-lt"/>
-                <a:ea typeface="+mn-ea"/>
-                <a:cs typeface="+mn-cs"/>
-              </a:defRPr>
-            </a:lvl7pPr>
-            <a:lvl8pPr marL="3429000" indent="-228600" algn="l" defTabSz="914400" rtl="0" eaLnBrk="1" latinLnBrk="1" hangingPunct="1">
-              <a:lnSpc>
-                <a:spcPct val="90000"/>
-              </a:lnSpc>
-              <a:spcBef>
-                <a:spcPts val="500"/>
-              </a:spcBef>
-              <a:buFont typeface="Arial" panose="020B0604020202020204" pitchFamily="34" charset="0"/>
-              <a:buChar char="•"/>
-              <a:defRPr sz="1800" kern="1200">
-                <a:solidFill>
-                  <a:schemeClr val="tx1"/>
-                </a:solidFill>
-                <a:latin typeface="+mn-lt"/>
-                <a:ea typeface="+mn-ea"/>
-                <a:cs typeface="+mn-cs"/>
-              </a:defRPr>
-            </a:lvl8pPr>
-            <a:lvl9pPr marL="3886200" indent="-228600" algn="l" defTabSz="914400" rtl="0" eaLnBrk="1" latinLnBrk="1" hangingPunct="1">
-              <a:lnSpc>
-                <a:spcPct val="90000"/>
-              </a:lnSpc>
-              <a:spcBef>
-                <a:spcPts val="500"/>
-              </a:spcBef>
-              <a:buFont typeface="Arial" panose="020B0604020202020204" pitchFamily="34" charset="0"/>
-              <a:buChar char="•"/>
-              <a:defRPr sz="1800" kern="1200">
-                <a:solidFill>
-                  <a:schemeClr val="tx1"/>
-                </a:solidFill>
-                <a:latin typeface="+mn-lt"/>
-                <a:ea typeface="+mn-ea"/>
-                <a:cs typeface="+mn-cs"/>
-              </a:defRPr>
-            </a:lvl9pPr>
-          </a:lstStyle>
-          <a:p>
-            <a:pPr>
-              <a:lnSpc>
-                <a:spcPct val="150000"/>
-              </a:lnSpc>
-              <a:buFont typeface="Wingdings" panose="05000000000000000000" pitchFamily="2" charset="2"/>
-              <a:buChar char="§"/>
-            </a:pPr>
-            <a:r>
-              <a:rPr lang="ko-KR" altLang="en-US" sz="2000" b="1" dirty="0" smtClean="0">
-                <a:solidFill>
-                  <a:srgbClr val="002060"/>
-                </a:solidFill>
-              </a:rPr>
-              <a:t>클래스란</a:t>
-            </a:r>
-            <a:r>
-              <a:rPr lang="en-US" altLang="ko-KR" sz="2000" b="1" dirty="0" smtClean="0">
-                <a:solidFill>
-                  <a:srgbClr val="002060"/>
-                </a:solidFill>
-              </a:rPr>
-              <a:t>?</a:t>
-            </a:r>
-          </a:p>
-          <a:p>
-            <a:pPr marL="0" indent="0">
-              <a:lnSpc>
-                <a:spcPct val="100000"/>
-              </a:lnSpc>
-              <a:buNone/>
-            </a:pPr>
-            <a:r>
-              <a:rPr lang="en-US" altLang="ko-KR" sz="1800" b="1" dirty="0">
-                <a:solidFill>
-                  <a:schemeClr val="accent6">
-                    <a:lumMod val="75000"/>
-                  </a:schemeClr>
-                </a:solidFill>
-              </a:rPr>
-              <a:t> </a:t>
-            </a:r>
-            <a:r>
-              <a:rPr lang="en-US" altLang="ko-KR" sz="1800" b="1" dirty="0" smtClean="0">
-                <a:solidFill>
-                  <a:schemeClr val="accent6">
-                    <a:lumMod val="75000"/>
-                  </a:schemeClr>
-                </a:solidFill>
-              </a:rPr>
-              <a:t>  </a:t>
-            </a:r>
-            <a:r>
-              <a:rPr lang="ko-KR" altLang="en-US" sz="1800" b="1" dirty="0" smtClean="0">
-                <a:solidFill>
-                  <a:srgbClr val="C00000"/>
-                </a:solidFill>
-              </a:rPr>
-              <a:t>객체에 대한 속성과 기능을 코드로 구현</a:t>
-            </a:r>
-            <a:r>
-              <a:rPr lang="ko-KR" altLang="en-US" sz="1800" b="1" dirty="0" smtClean="0"/>
-              <a:t> </a:t>
-            </a:r>
-            <a:r>
-              <a:rPr lang="ko-KR" altLang="en-US" sz="1800" dirty="0" smtClean="0"/>
-              <a:t>한 것</a:t>
-            </a:r>
-            <a:endParaRPr lang="en-US" altLang="ko-KR" sz="1800" dirty="0" smtClean="0"/>
-          </a:p>
-          <a:p>
-            <a:pPr marL="0" indent="0">
-              <a:lnSpc>
-                <a:spcPct val="100000"/>
-              </a:lnSpc>
-              <a:buNone/>
-            </a:pPr>
-            <a:r>
-              <a:rPr lang="ko-KR" altLang="en-US" sz="1800" dirty="0" smtClean="0"/>
-              <a:t>   객체에 </a:t>
-            </a:r>
-            <a:r>
-              <a:rPr lang="ko-KR" altLang="en-US" sz="1800" dirty="0"/>
-              <a:t>대한 설계도 또는 청사진</a:t>
-            </a:r>
-            <a:r>
-              <a:rPr lang="en-US" altLang="ko-KR" sz="1800" dirty="0"/>
-              <a:t>.</a:t>
-            </a:r>
-            <a:endParaRPr lang="en-US" altLang="ko-KR" sz="1800" dirty="0" smtClean="0"/>
-          </a:p>
-          <a:p>
-            <a:pPr marL="0" indent="0">
-              <a:lnSpc>
-                <a:spcPct val="100000"/>
-              </a:lnSpc>
-              <a:buNone/>
-            </a:pPr>
-            <a:r>
-              <a:rPr lang="en-US" altLang="ko-KR" sz="1800" b="1" dirty="0"/>
-              <a:t> </a:t>
-            </a:r>
-            <a:r>
-              <a:rPr lang="en-US" altLang="ko-KR" sz="1800" b="1" dirty="0" smtClean="0"/>
-              <a:t>  </a:t>
-            </a:r>
-            <a:r>
-              <a:rPr lang="en-US" altLang="ko-KR" sz="1800" dirty="0" smtClean="0"/>
-              <a:t>“</a:t>
-            </a:r>
-            <a:r>
-              <a:rPr lang="ko-KR" altLang="en-US" sz="1800" dirty="0" smtClean="0"/>
-              <a:t>클래스를 정의 한다</a:t>
-            </a:r>
-            <a:r>
-              <a:rPr lang="en-US" altLang="ko-KR" sz="1800" dirty="0" smtClean="0"/>
-              <a:t>“</a:t>
-            </a:r>
-            <a:r>
-              <a:rPr lang="ko-KR" altLang="en-US" sz="1800" dirty="0" smtClean="0"/>
-              <a:t>라고 함</a:t>
-            </a:r>
-            <a:r>
-              <a:rPr lang="en-US" altLang="ko-KR" sz="1800" dirty="0" smtClean="0"/>
-              <a:t>,</a:t>
-            </a:r>
-          </a:p>
-          <a:p>
-            <a:pPr>
-              <a:lnSpc>
-                <a:spcPct val="150000"/>
-              </a:lnSpc>
-              <a:buFont typeface="Wingdings" panose="05000000000000000000" pitchFamily="2" charset="2"/>
-              <a:buChar char="§"/>
-            </a:pPr>
-            <a:r>
-              <a:rPr lang="ko-KR" altLang="en-US" sz="2000" b="1" dirty="0" smtClean="0">
-                <a:solidFill>
-                  <a:srgbClr val="002060"/>
-                </a:solidFill>
-              </a:rPr>
-              <a:t>객체의 속성과 기능</a:t>
-            </a:r>
-            <a:endParaRPr lang="en-US" altLang="ko-KR" sz="2000" b="1" dirty="0" smtClean="0">
-              <a:solidFill>
-                <a:srgbClr val="002060"/>
-              </a:solidFill>
-            </a:endParaRPr>
-          </a:p>
-          <a:p>
-            <a:pPr lvl="1">
-              <a:lnSpc>
-                <a:spcPct val="100000"/>
-              </a:lnSpc>
-              <a:buFont typeface="Wingdings" panose="05000000000000000000" pitchFamily="2" charset="2"/>
-              <a:buChar char="§"/>
-            </a:pPr>
-            <a:r>
-              <a:rPr lang="ko-KR" altLang="en-US" sz="1800" dirty="0" smtClean="0"/>
-              <a:t>객체의 특성</a:t>
-            </a:r>
-            <a:r>
-              <a:rPr lang="en-US" altLang="ko-KR" sz="1800" dirty="0" smtClean="0"/>
-              <a:t>(property), </a:t>
-            </a:r>
-            <a:r>
-              <a:rPr lang="ko-KR" altLang="en-US" sz="1800" dirty="0" smtClean="0"/>
-              <a:t>속성</a:t>
-            </a:r>
-            <a:r>
-              <a:rPr lang="en-US" altLang="ko-KR" sz="1800" dirty="0" smtClean="0"/>
-              <a:t>(attribute) -&gt; </a:t>
-            </a:r>
-            <a:r>
-              <a:rPr lang="ko-KR" altLang="en-US" sz="1800" b="1" dirty="0" smtClean="0"/>
-              <a:t>멤버 변수</a:t>
-            </a:r>
-          </a:p>
-          <a:p>
-            <a:pPr lvl="1">
-              <a:lnSpc>
-                <a:spcPct val="100000"/>
-              </a:lnSpc>
-              <a:buFont typeface="Wingdings" panose="05000000000000000000" pitchFamily="2" charset="2"/>
-              <a:buChar char="§"/>
-            </a:pPr>
-            <a:r>
-              <a:rPr lang="ko-KR" altLang="en-US" sz="1800" dirty="0" smtClean="0"/>
-              <a:t>객체가 하는 기능 </a:t>
-            </a:r>
-            <a:r>
-              <a:rPr lang="en-US" altLang="ko-KR" sz="1800" dirty="0" smtClean="0"/>
-              <a:t>-&gt; </a:t>
-            </a:r>
-            <a:r>
-              <a:rPr lang="ko-KR" altLang="en-US" sz="1800" b="1" dirty="0" smtClean="0"/>
-              <a:t>멤버 함수</a:t>
-            </a:r>
-            <a:endParaRPr lang="en-US" altLang="ko-KR" sz="1800" b="1" dirty="0" smtClean="0"/>
-          </a:p>
-        </p:txBody>
-      </p:sp>
-      <p:sp>
-        <p:nvSpPr>
-          <p:cNvPr id="8" name="직사각형 7"/>
-          <p:cNvSpPr/>
-          <p:nvPr/>
-        </p:nvSpPr>
-        <p:spPr>
-          <a:xfrm>
-            <a:off x="4880992" y="4509120"/>
-            <a:ext cx="4871616" cy="1224136"/>
-          </a:xfrm>
-          <a:prstGeom prst="rect">
-            <a:avLst/>
-          </a:prstGeom>
-          <a:ln/>
-        </p:spPr>
-        <p:style>
-          <a:lnRef idx="2">
-            <a:schemeClr val="accent3"/>
-          </a:lnRef>
-          <a:fillRef idx="1">
-            <a:schemeClr val="lt1"/>
-          </a:fillRef>
-          <a:effectRef idx="0">
-            <a:schemeClr val="accent3"/>
-          </a:effectRef>
-          <a:fontRef idx="minor">
-            <a:schemeClr val="dk1"/>
-          </a:fontRef>
-        </p:style>
-        <p:txBody>
-          <a:bodyPr rtlCol="0" anchor="ctr"/>
-          <a:lstStyle/>
-          <a:p>
-            <a:pPr>
-              <a:lnSpc>
-                <a:spcPct val="150000"/>
-              </a:lnSpc>
-            </a:pPr>
-            <a:r>
-              <a:rPr lang="ko-KR" altLang="en-US" sz="1600" dirty="0" smtClean="0">
-                <a:latin typeface="+mn-ea"/>
-              </a:rPr>
-              <a:t>학생 클래스</a:t>
-            </a:r>
-            <a:endParaRPr lang="en-US" altLang="ko-KR" sz="1600" dirty="0" smtClean="0">
-              <a:latin typeface="+mn-ea"/>
-            </a:endParaRPr>
-          </a:p>
-          <a:p>
-            <a:pPr marL="285750" indent="-285750">
-              <a:lnSpc>
-                <a:spcPct val="150000"/>
-              </a:lnSpc>
-              <a:buFontTx/>
-              <a:buChar char="-"/>
-            </a:pPr>
-            <a:r>
-              <a:rPr lang="ko-KR" altLang="en-US" sz="1600" dirty="0" smtClean="0">
-                <a:latin typeface="+mn-ea"/>
-              </a:rPr>
-              <a:t>속성</a:t>
-            </a:r>
-            <a:r>
-              <a:rPr lang="en-US" altLang="ko-KR" sz="1600" dirty="0" smtClean="0">
-                <a:latin typeface="+mn-ea"/>
-              </a:rPr>
-              <a:t>(</a:t>
-            </a:r>
-            <a:r>
-              <a:rPr lang="ko-KR" altLang="en-US" sz="1600" dirty="0" smtClean="0">
-                <a:latin typeface="+mn-ea"/>
-              </a:rPr>
-              <a:t>멤버변수</a:t>
-            </a:r>
-            <a:r>
-              <a:rPr lang="en-US" altLang="ko-KR" sz="1600" dirty="0" smtClean="0">
-                <a:latin typeface="+mn-ea"/>
-              </a:rPr>
-              <a:t>)</a:t>
-            </a:r>
-            <a:r>
-              <a:rPr lang="ko-KR" altLang="en-US" sz="1600" dirty="0" smtClean="0">
-                <a:latin typeface="+mn-ea"/>
-              </a:rPr>
-              <a:t> </a:t>
-            </a:r>
-            <a:r>
-              <a:rPr lang="en-US" altLang="ko-KR" sz="1600" dirty="0" smtClean="0">
-                <a:latin typeface="+mn-ea"/>
-              </a:rPr>
-              <a:t>: </a:t>
-            </a:r>
-            <a:r>
-              <a:rPr lang="ko-KR" altLang="en-US" sz="1600" dirty="0" smtClean="0">
-                <a:latin typeface="+mn-ea"/>
-              </a:rPr>
-              <a:t>학번</a:t>
-            </a:r>
-            <a:r>
-              <a:rPr lang="en-US" altLang="ko-KR" sz="1600" dirty="0" smtClean="0">
-                <a:latin typeface="+mn-ea"/>
-              </a:rPr>
-              <a:t>, </a:t>
-            </a:r>
-            <a:r>
-              <a:rPr lang="ko-KR" altLang="en-US" sz="1600" dirty="0" smtClean="0">
-                <a:latin typeface="+mn-ea"/>
-              </a:rPr>
-              <a:t>이름</a:t>
-            </a:r>
-            <a:r>
-              <a:rPr lang="en-US" altLang="ko-KR" sz="1600" dirty="0" smtClean="0">
-                <a:latin typeface="+mn-ea"/>
-              </a:rPr>
-              <a:t>, </a:t>
-            </a:r>
-            <a:r>
-              <a:rPr lang="ko-KR" altLang="en-US" sz="1600" dirty="0" smtClean="0">
-                <a:latin typeface="+mn-ea"/>
-              </a:rPr>
-              <a:t>학년</a:t>
-            </a:r>
-            <a:r>
-              <a:rPr lang="en-US" altLang="ko-KR" sz="1600" dirty="0" smtClean="0">
-                <a:latin typeface="+mn-ea"/>
-              </a:rPr>
-              <a:t>, </a:t>
-            </a:r>
-            <a:r>
-              <a:rPr lang="ko-KR" altLang="en-US" sz="1600" dirty="0" smtClean="0">
-                <a:latin typeface="+mn-ea"/>
-              </a:rPr>
-              <a:t>사는 곳 등</a:t>
-            </a:r>
-            <a:r>
-              <a:rPr lang="en-US" altLang="ko-KR" sz="1600" dirty="0" smtClean="0">
-                <a:latin typeface="+mn-ea"/>
-              </a:rPr>
-              <a:t>..</a:t>
-            </a:r>
-          </a:p>
-          <a:p>
-            <a:pPr marL="285750" indent="-285750">
-              <a:lnSpc>
-                <a:spcPct val="150000"/>
-              </a:lnSpc>
-              <a:buFontTx/>
-              <a:buChar char="-"/>
-            </a:pPr>
-            <a:r>
-              <a:rPr lang="ko-KR" altLang="en-US" sz="1600" dirty="0" smtClean="0">
-                <a:latin typeface="+mn-ea"/>
-              </a:rPr>
-              <a:t>기능</a:t>
-            </a:r>
-            <a:r>
-              <a:rPr lang="en-US" altLang="ko-KR" sz="1600" dirty="0" smtClean="0">
-                <a:latin typeface="+mn-ea"/>
-              </a:rPr>
-              <a:t>(</a:t>
-            </a:r>
-            <a:r>
-              <a:rPr lang="ko-KR" altLang="en-US" sz="1600" dirty="0" smtClean="0">
-                <a:latin typeface="+mn-ea"/>
-              </a:rPr>
-              <a:t>함수</a:t>
-            </a:r>
-            <a:r>
-              <a:rPr lang="en-US" altLang="ko-KR" sz="1600" dirty="0" smtClean="0">
-                <a:latin typeface="+mn-ea"/>
-              </a:rPr>
-              <a:t>)</a:t>
-            </a:r>
-            <a:r>
-              <a:rPr lang="ko-KR" altLang="en-US" sz="1600" dirty="0" smtClean="0">
-                <a:latin typeface="+mn-ea"/>
-              </a:rPr>
-              <a:t> </a:t>
-            </a:r>
-            <a:r>
-              <a:rPr lang="en-US" altLang="ko-KR" sz="1600" dirty="0" smtClean="0">
-                <a:latin typeface="+mn-ea"/>
-              </a:rPr>
-              <a:t>: </a:t>
-            </a:r>
-            <a:r>
-              <a:rPr lang="ko-KR" altLang="en-US" sz="1600" dirty="0" smtClean="0">
-                <a:latin typeface="+mn-ea"/>
-              </a:rPr>
-              <a:t>수강신청</a:t>
-            </a:r>
-            <a:r>
-              <a:rPr lang="en-US" altLang="ko-KR" sz="1600" dirty="0" smtClean="0">
-                <a:latin typeface="+mn-ea"/>
-              </a:rPr>
-              <a:t>, </a:t>
-            </a:r>
-            <a:r>
-              <a:rPr lang="ko-KR" altLang="en-US" sz="1600" dirty="0" smtClean="0">
-                <a:latin typeface="+mn-ea"/>
-              </a:rPr>
-              <a:t>수업듣기</a:t>
-            </a:r>
-            <a:r>
-              <a:rPr lang="en-US" altLang="ko-KR" sz="1600" dirty="0" smtClean="0">
-                <a:latin typeface="+mn-ea"/>
-              </a:rPr>
-              <a:t>, </a:t>
-            </a:r>
-            <a:r>
-              <a:rPr lang="ko-KR" altLang="en-US" sz="1600" dirty="0" smtClean="0">
-                <a:latin typeface="+mn-ea"/>
-              </a:rPr>
-              <a:t>시험 보기 등</a:t>
-            </a:r>
-            <a:r>
-              <a:rPr lang="en-US" altLang="ko-KR" sz="1600" dirty="0" smtClean="0">
-                <a:latin typeface="+mn-ea"/>
-              </a:rPr>
-              <a:t>..</a:t>
-            </a:r>
-            <a:endParaRPr lang="ko-KR" altLang="en-US" sz="1600" dirty="0">
-              <a:latin typeface="+mn-ea"/>
-            </a:endParaRPr>
-          </a:p>
-        </p:txBody>
-      </p:sp>
-      <p:sp>
-        <p:nvSpPr>
-          <p:cNvPr id="9" name="모서리가 둥근 직사각형 8"/>
-          <p:cNvSpPr/>
-          <p:nvPr/>
-        </p:nvSpPr>
-        <p:spPr>
-          <a:xfrm>
-            <a:off x="1115533" y="4293096"/>
-            <a:ext cx="3405419" cy="1975009"/>
-          </a:xfrm>
-          <a:prstGeom prst="roundRect">
-            <a:avLst/>
-          </a:prstGeom>
-        </p:spPr>
-        <p:style>
-          <a:lnRef idx="2">
-            <a:schemeClr val="accent5"/>
-          </a:lnRef>
-          <a:fillRef idx="1">
-            <a:schemeClr val="lt1"/>
-          </a:fillRef>
-          <a:effectRef idx="0">
-            <a:schemeClr val="accent5"/>
-          </a:effectRef>
-          <a:fontRef idx="minor">
-            <a:schemeClr val="dk1"/>
-          </a:fontRef>
-        </p:style>
-        <p:txBody>
-          <a:bodyPr wrap="square">
-            <a:spAutoFit/>
-          </a:bodyPr>
-          <a:lstStyle/>
-          <a:p>
-            <a:pPr>
-              <a:lnSpc>
-                <a:spcPct val="100000"/>
-              </a:lnSpc>
-              <a:buFont typeface="Wingdings" panose="05000000000000000000" pitchFamily="2" charset="2"/>
-              <a:buChar char="§"/>
-            </a:pPr>
-            <a:r>
-              <a:rPr lang="ko-KR" altLang="en-US" sz="2000" dirty="0" smtClean="0"/>
-              <a:t> </a:t>
-            </a:r>
-            <a:r>
-              <a:rPr lang="ko-KR" altLang="en-US" sz="2000" b="1" dirty="0" smtClean="0"/>
-              <a:t>클래스 정의하기</a:t>
-            </a:r>
-            <a:endParaRPr lang="en-US" altLang="ko-KR" sz="2000" b="1" dirty="0"/>
-          </a:p>
-          <a:p>
-            <a:pPr lvl="1"/>
-            <a:r>
-              <a:rPr lang="en-US" altLang="ko-KR" b="1" dirty="0">
-                <a:solidFill>
-                  <a:srgbClr val="C00000"/>
-                </a:solidFill>
-              </a:rPr>
-              <a:t>class</a:t>
-            </a:r>
-            <a:r>
-              <a:rPr lang="en-US" altLang="ko-KR" b="1" dirty="0"/>
-              <a:t> </a:t>
-            </a:r>
-            <a:r>
-              <a:rPr lang="ko-KR" altLang="en-US" b="1" dirty="0"/>
-              <a:t>클래스 이름</a:t>
-            </a:r>
-            <a:r>
-              <a:rPr lang="en-US" altLang="ko-KR" b="1" dirty="0"/>
-              <a:t> :</a:t>
-            </a:r>
-          </a:p>
-          <a:p>
-            <a:pPr lvl="1"/>
-            <a:r>
-              <a:rPr lang="en-US" altLang="ko-KR" b="1" dirty="0"/>
-              <a:t>    </a:t>
-            </a:r>
-            <a:r>
-              <a:rPr lang="en-US" altLang="ko-KR" b="1" dirty="0" err="1">
-                <a:solidFill>
-                  <a:schemeClr val="accent6">
-                    <a:lumMod val="75000"/>
-                  </a:schemeClr>
-                </a:solidFill>
-              </a:rPr>
-              <a:t>def</a:t>
-            </a:r>
-            <a:r>
-              <a:rPr lang="en-US" altLang="ko-KR" b="1" dirty="0"/>
-              <a:t> __</a:t>
-            </a:r>
-            <a:r>
-              <a:rPr lang="en-US" altLang="ko-KR" b="1" dirty="0" err="1"/>
-              <a:t>init</a:t>
-            </a:r>
-            <a:r>
-              <a:rPr lang="en-US" altLang="ko-KR" b="1" dirty="0"/>
-              <a:t>__(self):</a:t>
-            </a:r>
-          </a:p>
-          <a:p>
-            <a:pPr lvl="1"/>
-            <a:r>
-              <a:rPr lang="en-US" altLang="ko-KR" b="1" dirty="0">
-                <a:solidFill>
-                  <a:srgbClr val="C00000"/>
-                </a:solidFill>
-              </a:rPr>
-              <a:t>        </a:t>
-            </a:r>
-            <a:r>
-              <a:rPr lang="en-US" altLang="ko-KR" b="1" dirty="0" smtClean="0">
-                <a:solidFill>
-                  <a:srgbClr val="C00000"/>
-                </a:solidFill>
-              </a:rPr>
-              <a:t> </a:t>
-            </a:r>
-            <a:r>
-              <a:rPr lang="ko-KR" altLang="en-US" b="1" dirty="0" smtClean="0">
-                <a:solidFill>
-                  <a:schemeClr val="tx1"/>
-                </a:solidFill>
-              </a:rPr>
-              <a:t>멤버변</a:t>
-            </a:r>
-            <a:r>
-              <a:rPr lang="ko-KR" altLang="en-US" b="1" dirty="0" smtClean="0">
-                <a:solidFill>
-                  <a:srgbClr val="002060"/>
-                </a:solidFill>
-              </a:rPr>
-              <a:t>수</a:t>
-            </a:r>
-            <a:endParaRPr lang="en-US" altLang="ko-KR" b="1" dirty="0">
-              <a:solidFill>
-                <a:srgbClr val="002060"/>
-              </a:solidFill>
-            </a:endParaRPr>
-          </a:p>
-          <a:p>
-            <a:pPr lvl="1"/>
-            <a:r>
-              <a:rPr lang="en-US" altLang="ko-KR" b="1" dirty="0">
-                <a:solidFill>
-                  <a:srgbClr val="002060"/>
-                </a:solidFill>
-              </a:rPr>
-              <a:t>    </a:t>
-            </a:r>
-            <a:r>
-              <a:rPr lang="en-US" altLang="ko-KR" b="1" dirty="0" err="1">
-                <a:solidFill>
-                  <a:schemeClr val="accent6">
-                    <a:lumMod val="75000"/>
-                  </a:schemeClr>
-                </a:solidFill>
-              </a:rPr>
-              <a:t>def</a:t>
-            </a:r>
-            <a:r>
-              <a:rPr lang="en-US" altLang="ko-KR" b="1" dirty="0">
-                <a:solidFill>
-                  <a:srgbClr val="002060"/>
-                </a:solidFill>
-              </a:rPr>
-              <a:t> </a:t>
-            </a:r>
-            <a:r>
-              <a:rPr lang="ko-KR" altLang="en-US" b="1" dirty="0" smtClean="0">
-                <a:solidFill>
-                  <a:srgbClr val="002060"/>
-                </a:solidFill>
-              </a:rPr>
-              <a:t>함수이름</a:t>
-            </a:r>
-            <a:r>
-              <a:rPr lang="en-US" altLang="ko-KR" b="1" dirty="0" smtClean="0">
-                <a:solidFill>
-                  <a:srgbClr val="002060"/>
-                </a:solidFill>
-              </a:rPr>
-              <a:t>(self):</a:t>
-            </a:r>
-            <a:endParaRPr lang="en-US" altLang="ko-KR" b="1" dirty="0">
-              <a:solidFill>
-                <a:srgbClr val="002060"/>
-              </a:solidFill>
-            </a:endParaRPr>
-          </a:p>
-          <a:p>
-            <a:pPr lvl="1"/>
-            <a:r>
-              <a:rPr lang="en-US" altLang="ko-KR" b="1" dirty="0">
-                <a:solidFill>
-                  <a:srgbClr val="002060"/>
-                </a:solidFill>
-              </a:rPr>
-              <a:t>        </a:t>
-            </a:r>
-            <a:r>
-              <a:rPr lang="en-US" altLang="ko-KR" b="1" dirty="0" smtClean="0">
-                <a:solidFill>
-                  <a:srgbClr val="002060"/>
-                </a:solidFill>
-              </a:rPr>
-              <a:t>  </a:t>
-            </a:r>
-            <a:r>
-              <a:rPr lang="en-US" altLang="ko-KR" b="1" dirty="0" smtClean="0">
-                <a:solidFill>
-                  <a:schemeClr val="accent6">
-                    <a:lumMod val="75000"/>
-                  </a:schemeClr>
-                </a:solidFill>
-              </a:rPr>
-              <a:t>return</a:t>
-            </a:r>
-            <a:endParaRPr lang="en-US" altLang="ko-KR" b="1" dirty="0">
-              <a:solidFill>
-                <a:schemeClr val="accent6">
-                  <a:lumMod val="75000"/>
-                </a:schemeClr>
-              </a:solidFill>
-            </a:endParaRPr>
-          </a:p>
-        </p:txBody>
-      </p:sp>
-    </p:spTree>
-    <p:extLst>
-      <p:ext uri="{BB962C8B-B14F-4D97-AF65-F5344CB8AC3E}">
-        <p14:creationId xmlns:p14="http://schemas.microsoft.com/office/powerpoint/2010/main" val="2896562144"/>
-      </p:ext>
-    </p:extLst>
-  </p:cSld>
-  <p:clrMapOvr>
-    <a:masterClrMapping/>
-  </p:clrMapOvr>
-  <p:timing>
-    <p:tnLst>
-      <p:par>
-        <p:cTn id="1" dur="indefinite" restart="never" nodeType="tmRoot"/>
-      </p:par>
-    </p:tnLst>
-  </p:timing>
-</p:sld>
-</file>
-
-<file path=ppt/slides/slide40.xml><?xml version="1.0" encoding="utf-8"?>
-<p:sld xmlns:a="http://schemas.openxmlformats.org/drawingml/2006/main" xmlns:r="http://schemas.openxmlformats.org/officeDocument/2006/relationships" xmlns:p="http://schemas.openxmlformats.org/presentationml/2006/main">
-  <p:cSld>
-    <p:spTree>
-      <p:nvGrpSpPr>
-        <p:cNvPr id="1" name=""/>
-        <p:cNvGrpSpPr/>
-        <p:nvPr/>
-      </p:nvGrpSpPr>
-      <p:grpSpPr>
-        <a:xfrm>
-          <a:off x="0" y="0"/>
-          <a:ext cx="0" cy="0"/>
-          <a:chOff x="0" y="0"/>
-          <a:chExt cx="0" cy="0"/>
-        </a:xfrm>
-      </p:grpSpPr>
-      <p:sp>
-        <p:nvSpPr>
-          <p:cNvPr id="6" name="제목 5"/>
-          <p:cNvSpPr>
-            <a:spLocks noGrp="1"/>
-          </p:cNvSpPr>
-          <p:nvPr>
-            <p:ph type="title"/>
-          </p:nvPr>
-        </p:nvSpPr>
-        <p:spPr/>
-        <p:txBody>
-          <a:bodyPr>
-            <a:normAutofit/>
-          </a:bodyPr>
-          <a:lstStyle/>
-          <a:p>
-            <a:r>
-              <a:rPr lang="en-US" altLang="ko-KR" dirty="0" smtClean="0"/>
-              <a:t> </a:t>
-            </a:r>
-            <a:r>
-              <a:rPr lang="ko-KR" altLang="en-US" dirty="0" smtClean="0"/>
-              <a:t>상속</a:t>
-            </a:r>
-            <a:r>
-              <a:rPr lang="en-US" altLang="ko-KR" dirty="0" smtClean="0"/>
-              <a:t>(inheritance)</a:t>
-            </a:r>
-            <a:r>
-              <a:rPr lang="ko-KR" altLang="en-US" dirty="0" smtClean="0"/>
-              <a:t> </a:t>
-            </a:r>
-            <a:endParaRPr lang="ko-KR" altLang="en-US" dirty="0">
-              <a:solidFill>
-                <a:schemeClr val="tx1"/>
-              </a:solidFill>
-            </a:endParaRPr>
-          </a:p>
-        </p:txBody>
-      </p:sp>
-      <p:sp>
-        <p:nvSpPr>
-          <p:cNvPr id="5" name="슬라이드 번호 개체 틀 4"/>
-          <p:cNvSpPr>
-            <a:spLocks noGrp="1"/>
-          </p:cNvSpPr>
-          <p:nvPr>
-            <p:ph type="sldNum" sz="quarter" idx="12"/>
-          </p:nvPr>
-        </p:nvSpPr>
-        <p:spPr/>
-        <p:txBody>
-          <a:bodyPr/>
-          <a:lstStyle/>
-          <a:p>
-            <a:fld id="{1BDE3FE7-3AEA-4B05-AC5A-802D1816ACF0}" type="slidenum">
-              <a:rPr lang="ko-KR" altLang="en-US" smtClean="0"/>
-              <a:t>40</a:t>
+              <a:t>41</a:t>
             </a:fld>
             <a:endParaRPr lang="ko-KR" altLang="en-US"/>
           </a:p>
@@ -21327,7 +21805,7 @@
 </p:sld>
 </file>
 
-<file path=ppt/slides/slide41.xml><?xml version="1.0" encoding="utf-8"?>
+<file path=ppt/slides/slide42.xml><?xml version="1.0" encoding="utf-8"?>
 <p:sld xmlns:a="http://schemas.openxmlformats.org/drawingml/2006/main" xmlns:r="http://schemas.openxmlformats.org/officeDocument/2006/relationships" xmlns:p="http://schemas.openxmlformats.org/presentationml/2006/main">
   <p:cSld>
     <p:spTree>
@@ -21412,7 +21890,7 @@
           <a:p>
             <a:fld id="{1BDE3FE7-3AEA-4B05-AC5A-802D1816ACF0}" type="slidenum">
               <a:rPr lang="ko-KR" altLang="en-US" smtClean="0"/>
-              <a:t>41</a:t>
+              <a:t>42</a:t>
             </a:fld>
             <a:endParaRPr lang="ko-KR" altLang="en-US"/>
           </a:p>
@@ -21496,7 +21974,7 @@
             <p:cNvPr id="17" name="이등변 삼각형 16">
               <a:extLst>
                 <a:ext uri="{FF2B5EF4-FFF2-40B4-BE49-F238E27FC236}">
-                  <a16:creationId xmlns="" xmlns:a16="http://schemas.microsoft.com/office/drawing/2014/main" id="{A928C65B-0F62-4DFC-9220-DF40E5958238}"/>
+                  <a16:creationId xmlns:a16="http://schemas.microsoft.com/office/drawing/2014/main" id="{A928C65B-0F62-4DFC-9220-DF40E5958238}"/>
                 </a:ext>
               </a:extLst>
             </p:cNvPr>
@@ -21541,7 +22019,7 @@
             <p:cNvPr id="18" name="직선 연결선 17">
               <a:extLst>
                 <a:ext uri="{FF2B5EF4-FFF2-40B4-BE49-F238E27FC236}">
-                  <a16:creationId xmlns="" xmlns:a16="http://schemas.microsoft.com/office/drawing/2014/main" id="{D15E6F92-B9C8-4563-8C4E-646F583209B9}"/>
+                  <a16:creationId xmlns:a16="http://schemas.microsoft.com/office/drawing/2014/main" id="{D15E6F92-B9C8-4563-8C4E-646F583209B9}"/>
                 </a:ext>
               </a:extLst>
             </p:cNvPr>
@@ -21875,7 +22353,7 @@
           <p:cNvPr id="22" name="내용 개체 틀 2">
             <a:extLst>
               <a:ext uri="{FF2B5EF4-FFF2-40B4-BE49-F238E27FC236}">
-                <a16:creationId xmlns="" xmlns:a16="http://schemas.microsoft.com/office/drawing/2014/main" id="{98AF3A4E-7D90-4241-89FE-799D6F9D5A94}"/>
+                <a16:creationId xmlns:a16="http://schemas.microsoft.com/office/drawing/2014/main" id="{98AF3A4E-7D90-4241-89FE-799D6F9D5A94}"/>
               </a:ext>
             </a:extLst>
           </p:cNvPr>
@@ -22147,7 +22625,7 @@
 </p:sld>
 </file>
 
-<file path=ppt/slides/slide42.xml><?xml version="1.0" encoding="utf-8"?>
+<file path=ppt/slides/slide43.xml><?xml version="1.0" encoding="utf-8"?>
 <p:sld xmlns:a="http://schemas.openxmlformats.org/drawingml/2006/main" xmlns:r="http://schemas.openxmlformats.org/officeDocument/2006/relationships" xmlns:p="http://schemas.openxmlformats.org/presentationml/2006/main">
   <p:cSld>
     <p:spTree>
@@ -22232,7 +22710,7 @@
           <a:p>
             <a:fld id="{1BDE3FE7-3AEA-4B05-AC5A-802D1816ACF0}" type="slidenum">
               <a:rPr lang="ko-KR" altLang="en-US" smtClean="0"/>
-              <a:t>42</a:t>
+              <a:t>43</a:t>
             </a:fld>
             <a:endParaRPr lang="ko-KR" altLang="en-US"/>
           </a:p>
@@ -22243,7 +22721,7 @@
           <p:cNvPr id="22" name="내용 개체 틀 2">
             <a:extLst>
               <a:ext uri="{FF2B5EF4-FFF2-40B4-BE49-F238E27FC236}">
-                <a16:creationId xmlns="" xmlns:a16="http://schemas.microsoft.com/office/drawing/2014/main" id="{98AF3A4E-7D90-4241-89FE-799D6F9D5A94}"/>
+                <a16:creationId xmlns:a16="http://schemas.microsoft.com/office/drawing/2014/main" id="{98AF3A4E-7D90-4241-89FE-799D6F9D5A94}"/>
               </a:ext>
             </a:extLst>
           </p:cNvPr>
@@ -22552,7 +23030,7 @@
 </p:sld>
 </file>
 
-<file path=ppt/slides/slide43.xml><?xml version="1.0" encoding="utf-8"?>
+<file path=ppt/slides/slide44.xml><?xml version="1.0" encoding="utf-8"?>
 <p:sld xmlns:a="http://schemas.openxmlformats.org/drawingml/2006/main" xmlns:r="http://schemas.openxmlformats.org/officeDocument/2006/relationships" xmlns:p="http://schemas.openxmlformats.org/presentationml/2006/main">
   <p:cSld>
     <p:spTree>
@@ -22618,7 +23096,7 @@
           <a:p>
             <a:fld id="{1BDE3FE7-3AEA-4B05-AC5A-802D1816ACF0}" type="slidenum">
               <a:rPr lang="ko-KR" altLang="en-US" smtClean="0"/>
-              <a:t>43</a:t>
+              <a:t>44</a:t>
             </a:fld>
             <a:endParaRPr lang="ko-KR" altLang="en-US"/>
           </a:p>
@@ -22629,7 +23107,7 @@
           <p:cNvPr id="10" name="내용 개체 틀 2">
             <a:extLst>
               <a:ext uri="{FF2B5EF4-FFF2-40B4-BE49-F238E27FC236}">
-                <a16:creationId xmlns="" xmlns:a16="http://schemas.microsoft.com/office/drawing/2014/main" id="{98AF3A4E-7D90-4241-89FE-799D6F9D5A94}"/>
+                <a16:creationId xmlns:a16="http://schemas.microsoft.com/office/drawing/2014/main" id="{98AF3A4E-7D90-4241-89FE-799D6F9D5A94}"/>
               </a:ext>
             </a:extLst>
           </p:cNvPr>
@@ -22924,7 +23402,7 @@
             <p:cNvPr id="15" name="이등변 삼각형 14">
               <a:extLst>
                 <a:ext uri="{FF2B5EF4-FFF2-40B4-BE49-F238E27FC236}">
-                  <a16:creationId xmlns="" xmlns:a16="http://schemas.microsoft.com/office/drawing/2014/main" id="{A928C65B-0F62-4DFC-9220-DF40E5958238}"/>
+                  <a16:creationId xmlns:a16="http://schemas.microsoft.com/office/drawing/2014/main" id="{A928C65B-0F62-4DFC-9220-DF40E5958238}"/>
                 </a:ext>
               </a:extLst>
             </p:cNvPr>
@@ -22968,7 +23446,7 @@
             <p:cNvPr id="16" name="직선 연결선 15">
               <a:extLst>
                 <a:ext uri="{FF2B5EF4-FFF2-40B4-BE49-F238E27FC236}">
-                  <a16:creationId xmlns="" xmlns:a16="http://schemas.microsoft.com/office/drawing/2014/main" id="{D15E6F92-B9C8-4563-8C4E-646F583209B9}"/>
+                  <a16:creationId xmlns:a16="http://schemas.microsoft.com/office/drawing/2014/main" id="{D15E6F92-B9C8-4563-8C4E-646F583209B9}"/>
                 </a:ext>
               </a:extLst>
             </p:cNvPr>
@@ -23256,7 +23734,7 @@
 </p:sld>
 </file>
 
-<file path=ppt/slides/slide44.xml><?xml version="1.0" encoding="utf-8"?>
+<file path=ppt/slides/slide45.xml><?xml version="1.0" encoding="utf-8"?>
 <p:sld xmlns:a="http://schemas.openxmlformats.org/drawingml/2006/main" xmlns:r="http://schemas.openxmlformats.org/officeDocument/2006/relationships" xmlns:p="http://schemas.openxmlformats.org/presentationml/2006/main">
   <p:cSld>
     <p:spTree>
@@ -23317,7 +23795,7 @@
           <a:p>
             <a:fld id="{1BDE3FE7-3AEA-4B05-AC5A-802D1816ACF0}" type="slidenum">
               <a:rPr lang="ko-KR" altLang="en-US" smtClean="0"/>
-              <a:t>44</a:t>
+              <a:t>45</a:t>
             </a:fld>
             <a:endParaRPr lang="ko-KR" altLang="en-US"/>
           </a:p>
@@ -23328,7 +23806,7 @@
           <p:cNvPr id="7" name="내용 개체 틀 2">
             <a:extLst>
               <a:ext uri="{FF2B5EF4-FFF2-40B4-BE49-F238E27FC236}">
-                <a16:creationId xmlns="" xmlns:a16="http://schemas.microsoft.com/office/drawing/2014/main" id="{98AF3A4E-7D90-4241-89FE-799D6F9D5A94}"/>
+                <a16:creationId xmlns:a16="http://schemas.microsoft.com/office/drawing/2014/main" id="{98AF3A4E-7D90-4241-89FE-799D6F9D5A94}"/>
               </a:ext>
             </a:extLst>
           </p:cNvPr>
@@ -23714,14 +24192,14 @@
                 <a:gridCol w="2640449">
                   <a:extLst>
                     <a:ext uri="{9D8B030D-6E8A-4147-A177-3AD203B41FA5}">
-                      <a16:colId xmlns="" xmlns:a16="http://schemas.microsoft.com/office/drawing/2014/main" val="20000"/>
+                      <a16:colId xmlns:a16="http://schemas.microsoft.com/office/drawing/2014/main" val="20000"/>
                     </a:ext>
                   </a:extLst>
                 </a:gridCol>
                 <a:gridCol w="3624247">
                   <a:extLst>
                     <a:ext uri="{9D8B030D-6E8A-4147-A177-3AD203B41FA5}">
-                      <a16:colId xmlns="" xmlns:a16="http://schemas.microsoft.com/office/drawing/2014/main" val="20001"/>
+                      <a16:colId xmlns:a16="http://schemas.microsoft.com/office/drawing/2014/main" val="20001"/>
                     </a:ext>
                   </a:extLst>
                 </a:gridCol>
@@ -23779,7 +24257,7 @@
                 </a:tc>
                 <a:extLst>
                   <a:ext uri="{0D108BD9-81ED-4DB2-BD59-A6C34878D82A}">
-                    <a16:rowId xmlns="" xmlns:a16="http://schemas.microsoft.com/office/drawing/2014/main" val="10000"/>
+                    <a16:rowId xmlns:a16="http://schemas.microsoft.com/office/drawing/2014/main" val="10000"/>
                   </a:ext>
                 </a:extLst>
               </a:tr>
@@ -23848,7 +24326,7 @@
                 </a:tc>
                 <a:extLst>
                   <a:ext uri="{0D108BD9-81ED-4DB2-BD59-A6C34878D82A}">
-                    <a16:rowId xmlns="" xmlns:a16="http://schemas.microsoft.com/office/drawing/2014/main" val="10001"/>
+                    <a16:rowId xmlns:a16="http://schemas.microsoft.com/office/drawing/2014/main" val="10001"/>
                   </a:ext>
                 </a:extLst>
               </a:tr>
@@ -23913,7 +24391,7 @@
                 </a:tc>
                 <a:extLst>
                   <a:ext uri="{0D108BD9-81ED-4DB2-BD59-A6C34878D82A}">
-                    <a16:rowId xmlns="" xmlns:a16="http://schemas.microsoft.com/office/drawing/2014/main" val="10002"/>
+                    <a16:rowId xmlns:a16="http://schemas.microsoft.com/office/drawing/2014/main" val="10002"/>
                   </a:ext>
                 </a:extLst>
               </a:tr>
@@ -23982,7 +24460,7 @@
                 </a:tc>
                 <a:extLst>
                   <a:ext uri="{0D108BD9-81ED-4DB2-BD59-A6C34878D82A}">
-                    <a16:rowId xmlns="" xmlns:a16="http://schemas.microsoft.com/office/drawing/2014/main" val="10003"/>
+                    <a16:rowId xmlns:a16="http://schemas.microsoft.com/office/drawing/2014/main" val="10003"/>
                   </a:ext>
                 </a:extLst>
               </a:tr>
@@ -24075,7 +24553,7 @@
                 </a:tc>
                 <a:extLst>
                   <a:ext uri="{0D108BD9-81ED-4DB2-BD59-A6C34878D82A}">
-                    <a16:rowId xmlns="" xmlns:a16="http://schemas.microsoft.com/office/drawing/2014/main" val="10004"/>
+                    <a16:rowId xmlns:a16="http://schemas.microsoft.com/office/drawing/2014/main" val="10004"/>
                   </a:ext>
                 </a:extLst>
               </a:tr>
@@ -24156,7 +24634,7 @@
                 </a:tc>
                 <a:extLst>
                   <a:ext uri="{0D108BD9-81ED-4DB2-BD59-A6C34878D82A}">
-                    <a16:rowId xmlns="" xmlns:a16="http://schemas.microsoft.com/office/drawing/2014/main" val="10005"/>
+                    <a16:rowId xmlns:a16="http://schemas.microsoft.com/office/drawing/2014/main" val="10005"/>
                   </a:ext>
                 </a:extLst>
               </a:tr>
@@ -24184,7 +24662,7 @@
 </p:sld>
 </file>
 
-<file path=ppt/slides/slide45.xml><?xml version="1.0" encoding="utf-8"?>
+<file path=ppt/slides/slide46.xml><?xml version="1.0" encoding="utf-8"?>
 <p:sld xmlns:a="http://schemas.openxmlformats.org/drawingml/2006/main" xmlns:r="http://schemas.openxmlformats.org/officeDocument/2006/relationships" xmlns:p="http://schemas.openxmlformats.org/presentationml/2006/main">
   <p:cSld>
     <p:spTree>
@@ -24245,7 +24723,7 @@
           <a:p>
             <a:fld id="{1BDE3FE7-3AEA-4B05-AC5A-802D1816ACF0}" type="slidenum">
               <a:rPr lang="ko-KR" altLang="en-US" smtClean="0"/>
-              <a:t>45</a:t>
+              <a:t>46</a:t>
             </a:fld>
             <a:endParaRPr lang="ko-KR" altLang="en-US"/>
           </a:p>
@@ -24359,7 +24837,7 @@
 </p:sld>
 </file>
 
-<file path=ppt/slides/slide46.xml><?xml version="1.0" encoding="utf-8"?>
+<file path=ppt/slides/slide47.xml><?xml version="1.0" encoding="utf-8"?>
 <p:sld xmlns:a="http://schemas.openxmlformats.org/drawingml/2006/main" xmlns:r="http://schemas.openxmlformats.org/officeDocument/2006/relationships" xmlns:p="http://schemas.openxmlformats.org/presentationml/2006/main">
   <p:cSld>
     <p:spTree>
@@ -24420,7 +24898,7 @@
           <a:p>
             <a:fld id="{1BDE3FE7-3AEA-4B05-AC5A-802D1816ACF0}" type="slidenum">
               <a:rPr lang="ko-KR" altLang="en-US" smtClean="0"/>
-              <a:t>46</a:t>
+              <a:t>47</a:t>
             </a:fld>
             <a:endParaRPr lang="ko-KR" altLang="en-US"/>
           </a:p>
@@ -24575,7 +25053,7 @@
 </p:sld>
 </file>
 
-<file path=ppt/slides/slide47.xml><?xml version="1.0" encoding="utf-8"?>
+<file path=ppt/slides/slide48.xml><?xml version="1.0" encoding="utf-8"?>
 <p:sld xmlns:a="http://schemas.openxmlformats.org/drawingml/2006/main" xmlns:r="http://schemas.openxmlformats.org/officeDocument/2006/relationships" xmlns:p="http://schemas.openxmlformats.org/presentationml/2006/main">
   <p:cSld>
     <p:spTree>
@@ -24609,7 +25087,7 @@
           <a:p>
             <a:fld id="{1BDE3FE7-3AEA-4B05-AC5A-802D1816ACF0}" type="slidenum">
               <a:rPr lang="ko-KR" altLang="en-US" smtClean="0"/>
-              <a:t>47</a:t>
+              <a:t>48</a:t>
             </a:fld>
             <a:endParaRPr lang="ko-KR" altLang="en-US"/>
           </a:p>
@@ -24937,7 +25415,7 @@
 </p:sld>
 </file>
 
-<file path=ppt/slides/slide48.xml><?xml version="1.0" encoding="utf-8"?>
+<file path=ppt/slides/slide49.xml><?xml version="1.0" encoding="utf-8"?>
 <p:sld xmlns:a="http://schemas.openxmlformats.org/drawingml/2006/main" xmlns:r="http://schemas.openxmlformats.org/officeDocument/2006/relationships" xmlns:p="http://schemas.openxmlformats.org/presentationml/2006/main">
   <p:cSld>
     <p:spTree>
@@ -24998,7 +25476,7 @@
           <a:p>
             <a:fld id="{1BDE3FE7-3AEA-4B05-AC5A-802D1816ACF0}" type="slidenum">
               <a:rPr lang="ko-KR" altLang="en-US" smtClean="0"/>
-              <a:t>48</a:t>
+              <a:t>49</a:t>
             </a:fld>
             <a:endParaRPr lang="ko-KR" altLang="en-US"/>
           </a:p>
@@ -25112,7 +25590,7 @@
 </p:sld>
 </file>
 
-<file path=ppt/slides/slide49.xml><?xml version="1.0" encoding="utf-8"?>
+<file path=ppt/slides/slide5.xml><?xml version="1.0" encoding="utf-8"?>
 <p:sld xmlns:a="http://schemas.openxmlformats.org/drawingml/2006/main" xmlns:r="http://schemas.openxmlformats.org/officeDocument/2006/relationships" xmlns:p="http://schemas.openxmlformats.org/presentationml/2006/main">
   <p:cSld>
     <p:spTree>
@@ -25141,18 +25619,24 @@
         </p:nvSpPr>
         <p:spPr/>
         <p:txBody>
-          <a:bodyPr/>
+          <a:bodyPr>
+            <a:normAutofit/>
+          </a:bodyPr>
           <a:lstStyle/>
           <a:p>
             <a:r>
-              <a:rPr lang="en-US" altLang="ko-KR" dirty="0" smtClean="0"/>
+              <a:rPr lang="en-US" altLang="ko-KR" sz="2800" dirty="0" smtClean="0"/>
               <a:t> </a:t>
             </a:r>
             <a:r>
-              <a:rPr lang="ko-KR" altLang="en-US" dirty="0" smtClean="0"/>
-              <a:t>고객 관리 프로그램</a:t>
-            </a:r>
-            <a:endParaRPr lang="ko-KR" altLang="en-US" dirty="0"/>
+              <a:rPr lang="ko-KR" altLang="en-US" sz="2800" dirty="0" smtClean="0"/>
+              <a:t>클래스</a:t>
+            </a:r>
+            <a:r>
+              <a:rPr lang="en-US" altLang="ko-KR" sz="2800" dirty="0" smtClean="0"/>
+              <a:t>(class)</a:t>
+            </a:r>
+            <a:endParaRPr lang="ko-KR" altLang="en-US" sz="2800" dirty="0"/>
           </a:p>
         </p:txBody>
       </p:sp>
@@ -25173,7 +25657,597 @@
           <a:p>
             <a:fld id="{1BDE3FE7-3AEA-4B05-AC5A-802D1816ACF0}" type="slidenum">
               <a:rPr lang="ko-KR" altLang="en-US" smtClean="0"/>
-              <a:t>49</a:t>
+              <a:t>5</a:t>
+            </a:fld>
+            <a:endParaRPr lang="ko-KR" altLang="en-US"/>
+          </a:p>
+        </p:txBody>
+      </p:sp>
+      <p:pic>
+        <p:nvPicPr>
+          <p:cNvPr id="2" name="그림 1"/>
+          <p:cNvPicPr>
+            <a:picLocks noChangeAspect="1"/>
+          </p:cNvPicPr>
+          <p:nvPr/>
+        </p:nvPicPr>
+        <p:blipFill>
+          <a:blip r:embed="rId2">
+            <a:extLst>
+              <a:ext uri="{28A0092B-C50C-407E-A947-70E740481C1C}">
+                <a14:useLocalDpi xmlns:a14="http://schemas.microsoft.com/office/drawing/2010/main" val="0"/>
+              </a:ext>
+            </a:extLst>
+          </a:blip>
+          <a:stretch>
+            <a:fillRect/>
+          </a:stretch>
+        </p:blipFill>
+        <p:spPr>
+          <a:xfrm>
+            <a:off x="4088904" y="2809123"/>
+            <a:ext cx="3240360" cy="3724552"/>
+          </a:xfrm>
+          <a:prstGeom prst="rect">
+            <a:avLst/>
+          </a:prstGeom>
+          <a:ln>
+            <a:solidFill>
+              <a:schemeClr val="bg1">
+                <a:lumMod val="85000"/>
+              </a:schemeClr>
+            </a:solidFill>
+          </a:ln>
+        </p:spPr>
+      </p:pic>
+      <p:sp>
+        <p:nvSpPr>
+          <p:cNvPr id="10" name="내용 개체 틀 2">
+            <a:extLst>
+              <a:ext uri="{FF2B5EF4-FFF2-40B4-BE49-F238E27FC236}">
+                <a16:creationId xmlns:a16="http://schemas.microsoft.com/office/drawing/2014/main" id="{98AF3A4E-7D90-4241-89FE-799D6F9D5A94}"/>
+              </a:ext>
+            </a:extLst>
+          </p:cNvPr>
+          <p:cNvSpPr txBox="1">
+            <a:spLocks/>
+          </p:cNvSpPr>
+          <p:nvPr/>
+        </p:nvSpPr>
+        <p:spPr>
+          <a:xfrm>
+            <a:off x="960914" y="1203593"/>
+            <a:ext cx="7448470" cy="1577335"/>
+          </a:xfrm>
+          <a:prstGeom prst="rect">
+            <a:avLst/>
+          </a:prstGeom>
+        </p:spPr>
+        <p:txBody>
+          <a:bodyPr/>
+          <a:lstStyle>
+            <a:lvl1pPr marL="228600" indent="-228600" algn="l" defTabSz="914400" rtl="0" eaLnBrk="1" latinLnBrk="1" hangingPunct="1">
+              <a:lnSpc>
+                <a:spcPct val="90000"/>
+              </a:lnSpc>
+              <a:spcBef>
+                <a:spcPts val="1000"/>
+              </a:spcBef>
+              <a:buFont typeface="Arial" panose="020B0604020202020204" pitchFamily="34" charset="0"/>
+              <a:buChar char="•"/>
+              <a:defRPr sz="2800" kern="1200">
+                <a:solidFill>
+                  <a:schemeClr val="tx1"/>
+                </a:solidFill>
+                <a:latin typeface="+mn-lt"/>
+                <a:ea typeface="+mn-ea"/>
+                <a:cs typeface="+mn-cs"/>
+              </a:defRPr>
+            </a:lvl1pPr>
+            <a:lvl2pPr marL="685800" indent="-228600" algn="l" defTabSz="914400" rtl="0" eaLnBrk="1" latinLnBrk="1" hangingPunct="1">
+              <a:lnSpc>
+                <a:spcPct val="90000"/>
+              </a:lnSpc>
+              <a:spcBef>
+                <a:spcPts val="500"/>
+              </a:spcBef>
+              <a:buFont typeface="Arial" panose="020B0604020202020204" pitchFamily="34" charset="0"/>
+              <a:buChar char="•"/>
+              <a:defRPr sz="2400" kern="1200">
+                <a:solidFill>
+                  <a:schemeClr val="tx1"/>
+                </a:solidFill>
+                <a:latin typeface="+mn-lt"/>
+                <a:ea typeface="+mn-ea"/>
+                <a:cs typeface="+mn-cs"/>
+              </a:defRPr>
+            </a:lvl2pPr>
+            <a:lvl3pPr marL="1143000" indent="-228600" algn="l" defTabSz="914400" rtl="0" eaLnBrk="1" latinLnBrk="1" hangingPunct="1">
+              <a:lnSpc>
+                <a:spcPct val="90000"/>
+              </a:lnSpc>
+              <a:spcBef>
+                <a:spcPts val="500"/>
+              </a:spcBef>
+              <a:buFont typeface="Arial" panose="020B0604020202020204" pitchFamily="34" charset="0"/>
+              <a:buChar char="•"/>
+              <a:defRPr sz="2000" kern="1200">
+                <a:solidFill>
+                  <a:schemeClr val="tx1"/>
+                </a:solidFill>
+                <a:latin typeface="+mn-lt"/>
+                <a:ea typeface="+mn-ea"/>
+                <a:cs typeface="+mn-cs"/>
+              </a:defRPr>
+            </a:lvl3pPr>
+            <a:lvl4pPr marL="1600200" indent="-228600" algn="l" defTabSz="914400" rtl="0" eaLnBrk="1" latinLnBrk="1" hangingPunct="1">
+              <a:lnSpc>
+                <a:spcPct val="90000"/>
+              </a:lnSpc>
+              <a:spcBef>
+                <a:spcPts val="500"/>
+              </a:spcBef>
+              <a:buFont typeface="Arial" panose="020B0604020202020204" pitchFamily="34" charset="0"/>
+              <a:buChar char="•"/>
+              <a:defRPr sz="1800" kern="1200">
+                <a:solidFill>
+                  <a:schemeClr val="tx1"/>
+                </a:solidFill>
+                <a:latin typeface="+mn-lt"/>
+                <a:ea typeface="+mn-ea"/>
+                <a:cs typeface="+mn-cs"/>
+              </a:defRPr>
+            </a:lvl4pPr>
+            <a:lvl5pPr marL="2057400" indent="-228600" algn="l" defTabSz="914400" rtl="0" eaLnBrk="1" latinLnBrk="1" hangingPunct="1">
+              <a:lnSpc>
+                <a:spcPct val="90000"/>
+              </a:lnSpc>
+              <a:spcBef>
+                <a:spcPts val="500"/>
+              </a:spcBef>
+              <a:buFont typeface="Arial" panose="020B0604020202020204" pitchFamily="34" charset="0"/>
+              <a:buChar char="•"/>
+              <a:defRPr sz="1800" kern="1200">
+                <a:solidFill>
+                  <a:schemeClr val="tx1"/>
+                </a:solidFill>
+                <a:latin typeface="+mn-lt"/>
+                <a:ea typeface="+mn-ea"/>
+                <a:cs typeface="+mn-cs"/>
+              </a:defRPr>
+            </a:lvl5pPr>
+            <a:lvl6pPr marL="2514600" indent="-228600" algn="l" defTabSz="914400" rtl="0" eaLnBrk="1" latinLnBrk="1" hangingPunct="1">
+              <a:lnSpc>
+                <a:spcPct val="90000"/>
+              </a:lnSpc>
+              <a:spcBef>
+                <a:spcPts val="500"/>
+              </a:spcBef>
+              <a:buFont typeface="Arial" panose="020B0604020202020204" pitchFamily="34" charset="0"/>
+              <a:buChar char="•"/>
+              <a:defRPr sz="1800" kern="1200">
+                <a:solidFill>
+                  <a:schemeClr val="tx1"/>
+                </a:solidFill>
+                <a:latin typeface="+mn-lt"/>
+                <a:ea typeface="+mn-ea"/>
+                <a:cs typeface="+mn-cs"/>
+              </a:defRPr>
+            </a:lvl6pPr>
+            <a:lvl7pPr marL="2971800" indent="-228600" algn="l" defTabSz="914400" rtl="0" eaLnBrk="1" latinLnBrk="1" hangingPunct="1">
+              <a:lnSpc>
+                <a:spcPct val="90000"/>
+              </a:lnSpc>
+              <a:spcBef>
+                <a:spcPts val="500"/>
+              </a:spcBef>
+              <a:buFont typeface="Arial" panose="020B0604020202020204" pitchFamily="34" charset="0"/>
+              <a:buChar char="•"/>
+              <a:defRPr sz="1800" kern="1200">
+                <a:solidFill>
+                  <a:schemeClr val="tx1"/>
+                </a:solidFill>
+                <a:latin typeface="+mn-lt"/>
+                <a:ea typeface="+mn-ea"/>
+                <a:cs typeface="+mn-cs"/>
+              </a:defRPr>
+            </a:lvl7pPr>
+            <a:lvl8pPr marL="3429000" indent="-228600" algn="l" defTabSz="914400" rtl="0" eaLnBrk="1" latinLnBrk="1" hangingPunct="1">
+              <a:lnSpc>
+                <a:spcPct val="90000"/>
+              </a:lnSpc>
+              <a:spcBef>
+                <a:spcPts val="500"/>
+              </a:spcBef>
+              <a:buFont typeface="Arial" panose="020B0604020202020204" pitchFamily="34" charset="0"/>
+              <a:buChar char="•"/>
+              <a:defRPr sz="1800" kern="1200">
+                <a:solidFill>
+                  <a:schemeClr val="tx1"/>
+                </a:solidFill>
+                <a:latin typeface="+mn-lt"/>
+                <a:ea typeface="+mn-ea"/>
+                <a:cs typeface="+mn-cs"/>
+              </a:defRPr>
+            </a:lvl8pPr>
+            <a:lvl9pPr marL="3886200" indent="-228600" algn="l" defTabSz="914400" rtl="0" eaLnBrk="1" latinLnBrk="1" hangingPunct="1">
+              <a:lnSpc>
+                <a:spcPct val="90000"/>
+              </a:lnSpc>
+              <a:spcBef>
+                <a:spcPts val="500"/>
+              </a:spcBef>
+              <a:buFont typeface="Arial" panose="020B0604020202020204" pitchFamily="34" charset="0"/>
+              <a:buChar char="•"/>
+              <a:defRPr sz="1800" kern="1200">
+                <a:solidFill>
+                  <a:schemeClr val="tx1"/>
+                </a:solidFill>
+                <a:latin typeface="+mn-lt"/>
+                <a:ea typeface="+mn-ea"/>
+                <a:cs typeface="+mn-cs"/>
+              </a:defRPr>
+            </a:lvl9pPr>
+          </a:lstStyle>
+          <a:p>
+            <a:pPr>
+              <a:lnSpc>
+                <a:spcPct val="150000"/>
+              </a:lnSpc>
+              <a:buFont typeface="Wingdings" panose="05000000000000000000" pitchFamily="2" charset="2"/>
+              <a:buChar char="§"/>
+            </a:pPr>
+            <a:r>
+              <a:rPr lang="ko-KR" altLang="en-US" sz="2000" b="1" dirty="0" smtClean="0">
+                <a:solidFill>
+                  <a:srgbClr val="002060"/>
+                </a:solidFill>
+              </a:rPr>
+              <a:t>학생 클래스 </a:t>
+            </a:r>
+            <a:r>
+              <a:rPr lang="ko-KR" altLang="en-US" sz="2000" b="1" dirty="0" smtClean="0">
+                <a:solidFill>
+                  <a:srgbClr val="002060"/>
+                </a:solidFill>
+              </a:rPr>
+              <a:t>정의 및 사용</a:t>
+            </a:r>
+            <a:endParaRPr lang="en-US" altLang="ko-KR" sz="2000" b="1" dirty="0" smtClean="0">
+              <a:solidFill>
+                <a:srgbClr val="002060"/>
+              </a:solidFill>
+            </a:endParaRPr>
+          </a:p>
+          <a:p>
+            <a:pPr marL="457200" lvl="1" indent="0">
+              <a:lnSpc>
+                <a:spcPct val="150000"/>
+              </a:lnSpc>
+              <a:buNone/>
+            </a:pPr>
+            <a:r>
+              <a:rPr lang="ko-KR" altLang="en-US" sz="1800" b="1" dirty="0" smtClean="0">
+                <a:solidFill>
+                  <a:srgbClr val="C00000"/>
+                </a:solidFill>
+              </a:rPr>
+              <a:t>객체</a:t>
+            </a:r>
+            <a:r>
+              <a:rPr lang="en-US" altLang="ko-KR" sz="1800" b="1" dirty="0">
+                <a:solidFill>
+                  <a:srgbClr val="C00000"/>
+                </a:solidFill>
+              </a:rPr>
+              <a:t>(</a:t>
+            </a:r>
+            <a:r>
+              <a:rPr lang="ko-KR" altLang="en-US" sz="1800" b="1" dirty="0" err="1">
+                <a:solidFill>
+                  <a:srgbClr val="C00000"/>
+                </a:solidFill>
+              </a:rPr>
+              <a:t>인스턴스</a:t>
+            </a:r>
+            <a:r>
+              <a:rPr lang="en-US" altLang="ko-KR" sz="1800" b="1" dirty="0">
+                <a:solidFill>
+                  <a:srgbClr val="C00000"/>
+                </a:solidFill>
+              </a:rPr>
+              <a:t>) = </a:t>
+            </a:r>
+            <a:r>
+              <a:rPr lang="ko-KR" altLang="en-US" sz="1800" b="1" dirty="0"/>
+              <a:t>클래스 이름</a:t>
+            </a:r>
+            <a:r>
+              <a:rPr lang="en-US" altLang="ko-KR" sz="1800" b="1" dirty="0" smtClean="0"/>
+              <a:t>() </a:t>
+            </a:r>
+            <a:endParaRPr lang="en-US" altLang="ko-KR" sz="1800" b="1" dirty="0" smtClean="0"/>
+          </a:p>
+          <a:p>
+            <a:pPr marL="457200" lvl="1" indent="0">
+              <a:lnSpc>
+                <a:spcPct val="150000"/>
+              </a:lnSpc>
+              <a:buNone/>
+            </a:pPr>
+            <a:r>
+              <a:rPr lang="ko-KR" altLang="en-US" sz="1800" b="1" dirty="0" err="1" smtClean="0"/>
+              <a:t>객체이름</a:t>
+            </a:r>
+            <a:r>
+              <a:rPr lang="en-US" altLang="ko-KR" sz="1800" b="1" dirty="0" smtClean="0"/>
+              <a:t>.</a:t>
+            </a:r>
+            <a:r>
+              <a:rPr lang="ko-KR" altLang="en-US" sz="1800" b="1" dirty="0" smtClean="0"/>
+              <a:t>속성 </a:t>
+            </a:r>
+            <a:r>
+              <a:rPr lang="en-US" altLang="ko-KR" sz="1800" b="1" dirty="0" smtClean="0"/>
+              <a:t>-&gt; </a:t>
+            </a:r>
+            <a:r>
+              <a:rPr lang="ko-KR" altLang="en-US" sz="1800" b="1" dirty="0" err="1" smtClean="0"/>
+              <a:t>점연산자로</a:t>
+            </a:r>
+            <a:r>
+              <a:rPr lang="ko-KR" altLang="en-US" sz="1800" b="1" dirty="0" smtClean="0"/>
+              <a:t> 접근</a:t>
+            </a:r>
+            <a:endParaRPr lang="ko-KR" altLang="en-US" sz="1800" b="1" dirty="0"/>
+          </a:p>
+          <a:p>
+            <a:pPr marL="457200" lvl="1" indent="0">
+              <a:lnSpc>
+                <a:spcPct val="150000"/>
+              </a:lnSpc>
+              <a:buNone/>
+            </a:pPr>
+            <a:endParaRPr lang="en-US" altLang="ko-KR" sz="1800" b="1" dirty="0" smtClean="0">
+              <a:solidFill>
+                <a:srgbClr val="002060"/>
+              </a:solidFill>
+            </a:endParaRPr>
+          </a:p>
+        </p:txBody>
+      </p:sp>
+      <p:sp>
+        <p:nvSpPr>
+          <p:cNvPr id="12" name="직사각형 11"/>
+          <p:cNvSpPr/>
+          <p:nvPr/>
+        </p:nvSpPr>
+        <p:spPr>
+          <a:xfrm>
+            <a:off x="1640632" y="2906226"/>
+            <a:ext cx="1888558" cy="485339"/>
+          </a:xfrm>
+          <a:prstGeom prst="rect">
+            <a:avLst/>
+          </a:prstGeom>
+          <a:ln w="12700"/>
+        </p:spPr>
+        <p:style>
+          <a:lnRef idx="2">
+            <a:schemeClr val="accent5"/>
+          </a:lnRef>
+          <a:fillRef idx="1">
+            <a:schemeClr val="lt1"/>
+          </a:fillRef>
+          <a:effectRef idx="0">
+            <a:schemeClr val="accent5"/>
+          </a:effectRef>
+          <a:fontRef idx="minor">
+            <a:schemeClr val="dk1"/>
+          </a:fontRef>
+        </p:style>
+        <p:txBody>
+          <a:bodyPr rtlCol="0" anchor="ctr"/>
+          <a:lstStyle/>
+          <a:p>
+            <a:pPr algn="ctr"/>
+            <a:r>
+              <a:rPr lang="en-US" altLang="ko-KR" dirty="0" smtClean="0">
+                <a:latin typeface="+mn-ea"/>
+              </a:rPr>
+              <a:t>  </a:t>
+            </a:r>
+          </a:p>
+          <a:p>
+            <a:pPr algn="ctr"/>
+            <a:r>
+              <a:rPr lang="en-US" altLang="ko-KR" b="1" dirty="0" smtClean="0">
+                <a:latin typeface="+mn-ea"/>
+              </a:rPr>
+              <a:t>Student</a:t>
+            </a:r>
+          </a:p>
+          <a:p>
+            <a:pPr algn="ctr"/>
+            <a:endParaRPr lang="en-US" altLang="ko-KR" dirty="0">
+              <a:latin typeface="+mn-ea"/>
+            </a:endParaRPr>
+          </a:p>
+        </p:txBody>
+      </p:sp>
+      <p:sp>
+        <p:nvSpPr>
+          <p:cNvPr id="13" name="직사각형 12"/>
+          <p:cNvSpPr/>
+          <p:nvPr/>
+        </p:nvSpPr>
+        <p:spPr>
+          <a:xfrm>
+            <a:off x="1640632" y="3391566"/>
+            <a:ext cx="1888558" cy="1117554"/>
+          </a:xfrm>
+          <a:prstGeom prst="rect">
+            <a:avLst/>
+          </a:prstGeom>
+          <a:ln w="12700"/>
+        </p:spPr>
+        <p:style>
+          <a:lnRef idx="2">
+            <a:schemeClr val="accent5"/>
+          </a:lnRef>
+          <a:fillRef idx="1">
+            <a:schemeClr val="lt1"/>
+          </a:fillRef>
+          <a:effectRef idx="0">
+            <a:schemeClr val="accent5"/>
+          </a:effectRef>
+          <a:fontRef idx="minor">
+            <a:schemeClr val="dk1"/>
+          </a:fontRef>
+        </p:style>
+        <p:txBody>
+          <a:bodyPr rtlCol="0" anchor="ctr"/>
+          <a:lstStyle/>
+          <a:p>
+            <a:pPr algn="ctr"/>
+            <a:r>
+              <a:rPr lang="en-US" altLang="ko-KR" dirty="0" smtClean="0">
+                <a:latin typeface="+mn-ea"/>
+              </a:rPr>
+              <a:t> </a:t>
+            </a:r>
+          </a:p>
+          <a:p>
+            <a:pPr algn="ctr">
+              <a:lnSpc>
+                <a:spcPct val="150000"/>
+              </a:lnSpc>
+            </a:pPr>
+            <a:r>
+              <a:rPr lang="ko-KR" altLang="en-US" dirty="0" smtClean="0">
+                <a:latin typeface="+mn-ea"/>
+              </a:rPr>
+              <a:t> </a:t>
+            </a:r>
+            <a:r>
+              <a:rPr lang="en-US" altLang="ko-KR" dirty="0" smtClean="0">
+                <a:latin typeface="+mn-ea"/>
+              </a:rPr>
+              <a:t>name</a:t>
+            </a:r>
+            <a:endParaRPr lang="en-US" altLang="ko-KR" dirty="0" smtClean="0">
+              <a:latin typeface="+mn-ea"/>
+            </a:endParaRPr>
+          </a:p>
+          <a:p>
+            <a:pPr algn="ctr">
+              <a:lnSpc>
+                <a:spcPct val="150000"/>
+              </a:lnSpc>
+            </a:pPr>
+            <a:r>
+              <a:rPr lang="ko-KR" altLang="en-US" dirty="0" smtClean="0">
+                <a:latin typeface="+mn-ea"/>
+              </a:rPr>
+              <a:t> </a:t>
+            </a:r>
+            <a:r>
+              <a:rPr lang="en-US" altLang="ko-KR" dirty="0" smtClean="0">
+                <a:latin typeface="+mn-ea"/>
+              </a:rPr>
+              <a:t>grade</a:t>
+            </a:r>
+          </a:p>
+          <a:p>
+            <a:pPr algn="ctr"/>
+            <a:endParaRPr lang="en-US" altLang="ko-KR" dirty="0">
+              <a:latin typeface="+mn-ea"/>
+            </a:endParaRPr>
+          </a:p>
+        </p:txBody>
+      </p:sp>
+    </p:spTree>
+    <p:extLst>
+      <p:ext uri="{BB962C8B-B14F-4D97-AF65-F5344CB8AC3E}">
+        <p14:creationId xmlns:p14="http://schemas.microsoft.com/office/powerpoint/2010/main" val="1436347772"/>
+      </p:ext>
+    </p:extLst>
+  </p:cSld>
+  <p:clrMapOvr>
+    <a:masterClrMapping/>
+  </p:clrMapOvr>
+  <p:timing>
+    <p:tnLst>
+      <p:par>
+        <p:cTn id="1" dur="indefinite" restart="never" nodeType="tmRoot"/>
+      </p:par>
+    </p:tnLst>
+  </p:timing>
+</p:sld>
+</file>
+
+<file path=ppt/slides/slide50.xml><?xml version="1.0" encoding="utf-8"?>
+<p:sld xmlns:a="http://schemas.openxmlformats.org/drawingml/2006/main" xmlns:r="http://schemas.openxmlformats.org/officeDocument/2006/relationships" xmlns:p="http://schemas.openxmlformats.org/presentationml/2006/main">
+  <p:cSld>
+    <p:spTree>
+      <p:nvGrpSpPr>
+        <p:cNvPr id="1" name=""/>
+        <p:cNvGrpSpPr/>
+        <p:nvPr/>
+      </p:nvGrpSpPr>
+      <p:grpSpPr>
+        <a:xfrm>
+          <a:off x="0" y="0"/>
+          <a:ext cx="0" cy="0"/>
+          <a:chOff x="0" y="0"/>
+          <a:chExt cx="0" cy="0"/>
+        </a:xfrm>
+      </p:grpSpPr>
+      <p:sp>
+        <p:nvSpPr>
+          <p:cNvPr id="6" name="제목 5"/>
+          <p:cNvSpPr>
+            <a:spLocks noGrp="1"/>
+          </p:cNvSpPr>
+          <p:nvPr>
+            <p:ph type="title"/>
+          </p:nvPr>
+        </p:nvSpPr>
+        <p:spPr/>
+        <p:txBody>
+          <a:bodyPr/>
+          <a:lstStyle/>
+          <a:p>
+            <a:r>
+              <a:rPr lang="en-US" altLang="ko-KR" dirty="0" smtClean="0"/>
+              <a:t> </a:t>
+            </a:r>
+            <a:r>
+              <a:rPr lang="ko-KR" altLang="en-US" dirty="0" smtClean="0"/>
+              <a:t>고객 관리 프로그램</a:t>
+            </a:r>
+            <a:endParaRPr lang="ko-KR" altLang="en-US" dirty="0"/>
+          </a:p>
+        </p:txBody>
+      </p:sp>
+      <p:sp>
+        <p:nvSpPr>
+          <p:cNvPr id="5" name="슬라이드 번호 개체 틀 4"/>
+          <p:cNvSpPr>
+            <a:spLocks noGrp="1"/>
+          </p:cNvSpPr>
+          <p:nvPr>
+            <p:ph type="sldNum" sz="quarter" idx="12"/>
+          </p:nvPr>
+        </p:nvSpPr>
+        <p:spPr/>
+        <p:txBody>
+          <a:bodyPr/>
+          <a:lstStyle/>
+          <a:p>
+            <a:fld id="{1BDE3FE7-3AEA-4B05-AC5A-802D1816ACF0}" type="slidenum">
+              <a:rPr lang="ko-KR" altLang="en-US" smtClean="0"/>
+              <a:t>50</a:t>
             </a:fld>
             <a:endParaRPr lang="ko-KR" altLang="en-US"/>
           </a:p>
@@ -25328,7 +26402,7 @@
 </p:sld>
 </file>
 
-<file path=ppt/slides/slide5.xml><?xml version="1.0" encoding="utf-8"?>
+<file path=ppt/slides/slide51.xml><?xml version="1.0" encoding="utf-8"?>
 <p:sld xmlns:a="http://schemas.openxmlformats.org/drawingml/2006/main" xmlns:r="http://schemas.openxmlformats.org/officeDocument/2006/relationships" xmlns:p="http://schemas.openxmlformats.org/presentationml/2006/main">
   <p:cSld>
     <p:spTree>
@@ -25366,15 +26440,7 @@
             </a:r>
             <a:r>
               <a:rPr lang="ko-KR" altLang="en-US" dirty="0" smtClean="0"/>
-              <a:t>클래스</a:t>
-            </a:r>
-            <a:r>
-              <a:rPr lang="en-US" altLang="ko-KR" dirty="0" smtClean="0"/>
-              <a:t>(class) </a:t>
-            </a:r>
-            <a:r>
-              <a:rPr lang="ko-KR" altLang="en-US" dirty="0" smtClean="0"/>
-              <a:t>정의</a:t>
+              <a:t>고객 관리 프로그램</a:t>
             </a:r>
             <a:endParaRPr lang="ko-KR" altLang="en-US" dirty="0"/>
           </a:p>
@@ -25397,794 +26463,7 @@
           <a:p>
             <a:fld id="{1BDE3FE7-3AEA-4B05-AC5A-802D1816ACF0}" type="slidenum">
               <a:rPr lang="ko-KR" altLang="en-US" smtClean="0"/>
-              <a:t>5</a:t>
-            </a:fld>
-            <a:endParaRPr lang="ko-KR" altLang="en-US"/>
-          </a:p>
-        </p:txBody>
-      </p:sp>
-      <p:sp>
-        <p:nvSpPr>
-          <p:cNvPr id="12" name="내용 개체 틀 2">
-            <a:extLst>
-              <a:ext uri="{FF2B5EF4-FFF2-40B4-BE49-F238E27FC236}">
-                <a16:creationId xmlns="" xmlns:a16="http://schemas.microsoft.com/office/drawing/2014/main" id="{98AF3A4E-7D90-4241-89FE-799D6F9D5A94}"/>
-              </a:ext>
-            </a:extLst>
-          </p:cNvPr>
-          <p:cNvSpPr txBox="1">
-            <a:spLocks/>
-          </p:cNvSpPr>
-          <p:nvPr/>
-        </p:nvSpPr>
-        <p:spPr>
-          <a:xfrm>
-            <a:off x="960914" y="1203593"/>
-            <a:ext cx="7448470" cy="1577335"/>
-          </a:xfrm>
-          <a:prstGeom prst="rect">
-            <a:avLst/>
-          </a:prstGeom>
-        </p:spPr>
-        <p:txBody>
-          <a:bodyPr/>
-          <a:lstStyle>
-            <a:lvl1pPr marL="228600" indent="-228600" algn="l" defTabSz="914400" rtl="0" eaLnBrk="1" latinLnBrk="1" hangingPunct="1">
-              <a:lnSpc>
-                <a:spcPct val="90000"/>
-              </a:lnSpc>
-              <a:spcBef>
-                <a:spcPts val="1000"/>
-              </a:spcBef>
-              <a:buFont typeface="Arial" panose="020B0604020202020204" pitchFamily="34" charset="0"/>
-              <a:buChar char="•"/>
-              <a:defRPr sz="2800" kern="1200">
-                <a:solidFill>
-                  <a:schemeClr val="tx1"/>
-                </a:solidFill>
-                <a:latin typeface="+mn-lt"/>
-                <a:ea typeface="+mn-ea"/>
-                <a:cs typeface="+mn-cs"/>
-              </a:defRPr>
-            </a:lvl1pPr>
-            <a:lvl2pPr marL="685800" indent="-228600" algn="l" defTabSz="914400" rtl="0" eaLnBrk="1" latinLnBrk="1" hangingPunct="1">
-              <a:lnSpc>
-                <a:spcPct val="90000"/>
-              </a:lnSpc>
-              <a:spcBef>
-                <a:spcPts val="500"/>
-              </a:spcBef>
-              <a:buFont typeface="Arial" panose="020B0604020202020204" pitchFamily="34" charset="0"/>
-              <a:buChar char="•"/>
-              <a:defRPr sz="2400" kern="1200">
-                <a:solidFill>
-                  <a:schemeClr val="tx1"/>
-                </a:solidFill>
-                <a:latin typeface="+mn-lt"/>
-                <a:ea typeface="+mn-ea"/>
-                <a:cs typeface="+mn-cs"/>
-              </a:defRPr>
-            </a:lvl2pPr>
-            <a:lvl3pPr marL="1143000" indent="-228600" algn="l" defTabSz="914400" rtl="0" eaLnBrk="1" latinLnBrk="1" hangingPunct="1">
-              <a:lnSpc>
-                <a:spcPct val="90000"/>
-              </a:lnSpc>
-              <a:spcBef>
-                <a:spcPts val="500"/>
-              </a:spcBef>
-              <a:buFont typeface="Arial" panose="020B0604020202020204" pitchFamily="34" charset="0"/>
-              <a:buChar char="•"/>
-              <a:defRPr sz="2000" kern="1200">
-                <a:solidFill>
-                  <a:schemeClr val="tx1"/>
-                </a:solidFill>
-                <a:latin typeface="+mn-lt"/>
-                <a:ea typeface="+mn-ea"/>
-                <a:cs typeface="+mn-cs"/>
-              </a:defRPr>
-            </a:lvl3pPr>
-            <a:lvl4pPr marL="1600200" indent="-228600" algn="l" defTabSz="914400" rtl="0" eaLnBrk="1" latinLnBrk="1" hangingPunct="1">
-              <a:lnSpc>
-                <a:spcPct val="90000"/>
-              </a:lnSpc>
-              <a:spcBef>
-                <a:spcPts val="500"/>
-              </a:spcBef>
-              <a:buFont typeface="Arial" panose="020B0604020202020204" pitchFamily="34" charset="0"/>
-              <a:buChar char="•"/>
-              <a:defRPr sz="1800" kern="1200">
-                <a:solidFill>
-                  <a:schemeClr val="tx1"/>
-                </a:solidFill>
-                <a:latin typeface="+mn-lt"/>
-                <a:ea typeface="+mn-ea"/>
-                <a:cs typeface="+mn-cs"/>
-              </a:defRPr>
-            </a:lvl4pPr>
-            <a:lvl5pPr marL="2057400" indent="-228600" algn="l" defTabSz="914400" rtl="0" eaLnBrk="1" latinLnBrk="1" hangingPunct="1">
-              <a:lnSpc>
-                <a:spcPct val="90000"/>
-              </a:lnSpc>
-              <a:spcBef>
-                <a:spcPts val="500"/>
-              </a:spcBef>
-              <a:buFont typeface="Arial" panose="020B0604020202020204" pitchFamily="34" charset="0"/>
-              <a:buChar char="•"/>
-              <a:defRPr sz="1800" kern="1200">
-                <a:solidFill>
-                  <a:schemeClr val="tx1"/>
-                </a:solidFill>
-                <a:latin typeface="+mn-lt"/>
-                <a:ea typeface="+mn-ea"/>
-                <a:cs typeface="+mn-cs"/>
-              </a:defRPr>
-            </a:lvl5pPr>
-            <a:lvl6pPr marL="2514600" indent="-228600" algn="l" defTabSz="914400" rtl="0" eaLnBrk="1" latinLnBrk="1" hangingPunct="1">
-              <a:lnSpc>
-                <a:spcPct val="90000"/>
-              </a:lnSpc>
-              <a:spcBef>
-                <a:spcPts val="500"/>
-              </a:spcBef>
-              <a:buFont typeface="Arial" panose="020B0604020202020204" pitchFamily="34" charset="0"/>
-              <a:buChar char="•"/>
-              <a:defRPr sz="1800" kern="1200">
-                <a:solidFill>
-                  <a:schemeClr val="tx1"/>
-                </a:solidFill>
-                <a:latin typeface="+mn-lt"/>
-                <a:ea typeface="+mn-ea"/>
-                <a:cs typeface="+mn-cs"/>
-              </a:defRPr>
-            </a:lvl6pPr>
-            <a:lvl7pPr marL="2971800" indent="-228600" algn="l" defTabSz="914400" rtl="0" eaLnBrk="1" latinLnBrk="1" hangingPunct="1">
-              <a:lnSpc>
-                <a:spcPct val="90000"/>
-              </a:lnSpc>
-              <a:spcBef>
-                <a:spcPts val="500"/>
-              </a:spcBef>
-              <a:buFont typeface="Arial" panose="020B0604020202020204" pitchFamily="34" charset="0"/>
-              <a:buChar char="•"/>
-              <a:defRPr sz="1800" kern="1200">
-                <a:solidFill>
-                  <a:schemeClr val="tx1"/>
-                </a:solidFill>
-                <a:latin typeface="+mn-lt"/>
-                <a:ea typeface="+mn-ea"/>
-                <a:cs typeface="+mn-cs"/>
-              </a:defRPr>
-            </a:lvl7pPr>
-            <a:lvl8pPr marL="3429000" indent="-228600" algn="l" defTabSz="914400" rtl="0" eaLnBrk="1" latinLnBrk="1" hangingPunct="1">
-              <a:lnSpc>
-                <a:spcPct val="90000"/>
-              </a:lnSpc>
-              <a:spcBef>
-                <a:spcPts val="500"/>
-              </a:spcBef>
-              <a:buFont typeface="Arial" panose="020B0604020202020204" pitchFamily="34" charset="0"/>
-              <a:buChar char="•"/>
-              <a:defRPr sz="1800" kern="1200">
-                <a:solidFill>
-                  <a:schemeClr val="tx1"/>
-                </a:solidFill>
-                <a:latin typeface="+mn-lt"/>
-                <a:ea typeface="+mn-ea"/>
-                <a:cs typeface="+mn-cs"/>
-              </a:defRPr>
-            </a:lvl8pPr>
-            <a:lvl9pPr marL="3886200" indent="-228600" algn="l" defTabSz="914400" rtl="0" eaLnBrk="1" latinLnBrk="1" hangingPunct="1">
-              <a:lnSpc>
-                <a:spcPct val="90000"/>
-              </a:lnSpc>
-              <a:spcBef>
-                <a:spcPts val="500"/>
-              </a:spcBef>
-              <a:buFont typeface="Arial" panose="020B0604020202020204" pitchFamily="34" charset="0"/>
-              <a:buChar char="•"/>
-              <a:defRPr sz="1800" kern="1200">
-                <a:solidFill>
-                  <a:schemeClr val="tx1"/>
-                </a:solidFill>
-                <a:latin typeface="+mn-lt"/>
-                <a:ea typeface="+mn-ea"/>
-                <a:cs typeface="+mn-cs"/>
-              </a:defRPr>
-            </a:lvl9pPr>
-          </a:lstStyle>
-          <a:p>
-            <a:pPr>
-              <a:lnSpc>
-                <a:spcPct val="150000"/>
-              </a:lnSpc>
-              <a:buFont typeface="Wingdings" panose="05000000000000000000" pitchFamily="2" charset="2"/>
-              <a:buChar char="§"/>
-            </a:pPr>
-            <a:r>
-              <a:rPr lang="ko-KR" altLang="en-US" sz="2000" b="1" dirty="0" smtClean="0">
-                <a:solidFill>
-                  <a:srgbClr val="002060"/>
-                </a:solidFill>
-              </a:rPr>
-              <a:t>학생 클래스 정의</a:t>
-            </a:r>
-            <a:endParaRPr lang="en-US" altLang="ko-KR" sz="2000" b="1" dirty="0" smtClean="0">
-              <a:solidFill>
-                <a:srgbClr val="002060"/>
-              </a:solidFill>
-            </a:endParaRPr>
-          </a:p>
-          <a:p>
-            <a:pPr marL="457200" lvl="1" indent="0">
-              <a:lnSpc>
-                <a:spcPct val="100000"/>
-              </a:lnSpc>
-              <a:buNone/>
-            </a:pPr>
-            <a:r>
-              <a:rPr lang="ko-KR" altLang="en-US" sz="1800" b="1" dirty="0" smtClean="0">
-                <a:solidFill>
-                  <a:srgbClr val="002060"/>
-                </a:solidFill>
-              </a:rPr>
-              <a:t>멤버변수와 멤버 함수에 </a:t>
-            </a:r>
-            <a:r>
-              <a:rPr lang="en-US" altLang="ko-KR" sz="1800" b="1" dirty="0" smtClean="0">
-                <a:solidFill>
-                  <a:srgbClr val="C00000"/>
-                </a:solidFill>
-              </a:rPr>
-              <a:t>self</a:t>
-            </a:r>
-            <a:r>
-              <a:rPr lang="en-US" altLang="ko-KR" sz="1800" b="1" dirty="0" smtClean="0">
-                <a:solidFill>
-                  <a:srgbClr val="002060"/>
-                </a:solidFill>
-              </a:rPr>
-              <a:t> </a:t>
-            </a:r>
-            <a:r>
-              <a:rPr lang="ko-KR" altLang="en-US" sz="1800" b="1" dirty="0" smtClean="0">
-                <a:solidFill>
-                  <a:srgbClr val="002060"/>
-                </a:solidFill>
-              </a:rPr>
-              <a:t>키워드 사용</a:t>
-            </a:r>
-            <a:endParaRPr lang="en-US" altLang="ko-KR" sz="1800" b="1" dirty="0" smtClean="0">
-              <a:solidFill>
-                <a:srgbClr val="002060"/>
-              </a:solidFill>
-            </a:endParaRPr>
-          </a:p>
-          <a:p>
-            <a:pPr marL="457200" lvl="1" indent="0">
-              <a:lnSpc>
-                <a:spcPct val="100000"/>
-              </a:lnSpc>
-              <a:buNone/>
-            </a:pPr>
-            <a:r>
-              <a:rPr lang="ko-KR" altLang="en-US" sz="1800" b="1" dirty="0">
-                <a:solidFill>
-                  <a:srgbClr val="C00000"/>
-                </a:solidFill>
-              </a:rPr>
-              <a:t>객체</a:t>
-            </a:r>
-            <a:r>
-              <a:rPr lang="en-US" altLang="ko-KR" sz="1800" b="1" dirty="0">
-                <a:solidFill>
-                  <a:srgbClr val="C00000"/>
-                </a:solidFill>
-              </a:rPr>
-              <a:t>(</a:t>
-            </a:r>
-            <a:r>
-              <a:rPr lang="ko-KR" altLang="en-US" sz="1800" b="1" dirty="0" err="1">
-                <a:solidFill>
-                  <a:srgbClr val="C00000"/>
-                </a:solidFill>
-              </a:rPr>
-              <a:t>인스턴스</a:t>
-            </a:r>
-            <a:r>
-              <a:rPr lang="en-US" altLang="ko-KR" sz="1800" b="1" dirty="0">
-                <a:solidFill>
-                  <a:srgbClr val="C00000"/>
-                </a:solidFill>
-              </a:rPr>
-              <a:t>) = </a:t>
-            </a:r>
-            <a:r>
-              <a:rPr lang="ko-KR" altLang="en-US" sz="1800" b="1" dirty="0"/>
-              <a:t>클래스 이름</a:t>
-            </a:r>
-            <a:r>
-              <a:rPr lang="en-US" altLang="ko-KR" sz="1800" b="1" dirty="0" smtClean="0"/>
-              <a:t>() -&gt; </a:t>
-            </a:r>
-            <a:r>
-              <a:rPr lang="ko-KR" altLang="en-US" sz="1800" b="1" dirty="0" smtClean="0"/>
-              <a:t>객체 생성</a:t>
-            </a:r>
-            <a:endParaRPr lang="en-US" altLang="ko-KR" sz="1800" b="1" dirty="0" smtClean="0"/>
-          </a:p>
-          <a:p>
-            <a:pPr marL="457200" lvl="1" indent="0">
-              <a:lnSpc>
-                <a:spcPct val="100000"/>
-              </a:lnSpc>
-              <a:buNone/>
-            </a:pPr>
-            <a:r>
-              <a:rPr lang="ko-KR" altLang="en-US" sz="1800" b="1" dirty="0" smtClean="0"/>
-              <a:t>객체이름</a:t>
-            </a:r>
-            <a:r>
-              <a:rPr lang="en-US" altLang="ko-KR" sz="1800" b="1" dirty="0" smtClean="0"/>
-              <a:t>.</a:t>
-            </a:r>
-            <a:r>
-              <a:rPr lang="ko-KR" altLang="en-US" sz="1800" b="1" dirty="0" smtClean="0"/>
-              <a:t>속성 </a:t>
-            </a:r>
-            <a:r>
-              <a:rPr lang="en-US" altLang="ko-KR" sz="1800" b="1" dirty="0" smtClean="0"/>
-              <a:t>-&gt; </a:t>
-            </a:r>
-            <a:r>
-              <a:rPr lang="ko-KR" altLang="en-US" sz="1800" b="1" dirty="0" err="1" smtClean="0"/>
-              <a:t>점연산자로</a:t>
-            </a:r>
-            <a:r>
-              <a:rPr lang="ko-KR" altLang="en-US" sz="1800" b="1" dirty="0" smtClean="0"/>
-              <a:t> 접근</a:t>
-            </a:r>
-            <a:endParaRPr lang="ko-KR" altLang="en-US" sz="1800" b="1" dirty="0"/>
-          </a:p>
-          <a:p>
-            <a:pPr marL="457200" lvl="1" indent="0">
-              <a:lnSpc>
-                <a:spcPct val="150000"/>
-              </a:lnSpc>
-              <a:buNone/>
-            </a:pPr>
-            <a:endParaRPr lang="en-US" altLang="ko-KR" sz="1800" b="1" dirty="0" smtClean="0">
-              <a:solidFill>
-                <a:srgbClr val="002060"/>
-              </a:solidFill>
-            </a:endParaRPr>
-          </a:p>
-        </p:txBody>
-      </p:sp>
-      <p:grpSp>
-        <p:nvGrpSpPr>
-          <p:cNvPr id="14" name="그룹 13"/>
-          <p:cNvGrpSpPr/>
-          <p:nvPr/>
-        </p:nvGrpSpPr>
-        <p:grpSpPr>
-          <a:xfrm>
-            <a:off x="1620978" y="3018068"/>
-            <a:ext cx="1888558" cy="1943133"/>
-            <a:chOff x="1696290" y="2832905"/>
-            <a:chExt cx="1888558" cy="1943133"/>
-          </a:xfrm>
-        </p:grpSpPr>
-        <p:sp>
-          <p:nvSpPr>
-            <p:cNvPr id="18" name="직사각형 17"/>
-            <p:cNvSpPr/>
-            <p:nvPr/>
-          </p:nvSpPr>
-          <p:spPr>
-            <a:xfrm>
-              <a:off x="1696290" y="2832905"/>
-              <a:ext cx="1888558" cy="360040"/>
-            </a:xfrm>
-            <a:prstGeom prst="rect">
-              <a:avLst/>
-            </a:prstGeom>
-            <a:ln w="12700"/>
-          </p:spPr>
-          <p:style>
-            <a:lnRef idx="2">
-              <a:schemeClr val="accent5"/>
-            </a:lnRef>
-            <a:fillRef idx="1">
-              <a:schemeClr val="lt1"/>
-            </a:fillRef>
-            <a:effectRef idx="0">
-              <a:schemeClr val="accent5"/>
-            </a:effectRef>
-            <a:fontRef idx="minor">
-              <a:schemeClr val="dk1"/>
-            </a:fontRef>
-          </p:style>
-          <p:txBody>
-            <a:bodyPr rtlCol="0" anchor="ctr"/>
-            <a:lstStyle/>
-            <a:p>
-              <a:pPr algn="ctr"/>
-              <a:r>
-                <a:rPr lang="en-US" altLang="ko-KR" dirty="0" smtClean="0">
-                  <a:latin typeface="+mn-ea"/>
-                </a:rPr>
-                <a:t>  </a:t>
-              </a:r>
-            </a:p>
-            <a:p>
-              <a:pPr algn="ctr"/>
-              <a:r>
-                <a:rPr lang="en-US" altLang="ko-KR" b="1" dirty="0" smtClean="0">
-                  <a:latin typeface="+mn-ea"/>
-                </a:rPr>
-                <a:t>Student</a:t>
-              </a:r>
-            </a:p>
-            <a:p>
-              <a:pPr algn="ctr"/>
-              <a:endParaRPr lang="en-US" altLang="ko-KR" dirty="0">
-                <a:latin typeface="+mn-ea"/>
-              </a:endParaRPr>
-            </a:p>
-          </p:txBody>
-        </p:sp>
-        <p:sp>
-          <p:nvSpPr>
-            <p:cNvPr id="19" name="직사각형 18"/>
-            <p:cNvSpPr/>
-            <p:nvPr/>
-          </p:nvSpPr>
-          <p:spPr>
-            <a:xfrm>
-              <a:off x="1696290" y="3192464"/>
-              <a:ext cx="1888558" cy="956616"/>
-            </a:xfrm>
-            <a:prstGeom prst="rect">
-              <a:avLst/>
-            </a:prstGeom>
-            <a:ln w="12700"/>
-          </p:spPr>
-          <p:style>
-            <a:lnRef idx="2">
-              <a:schemeClr val="accent5"/>
-            </a:lnRef>
-            <a:fillRef idx="1">
-              <a:schemeClr val="lt1"/>
-            </a:fillRef>
-            <a:effectRef idx="0">
-              <a:schemeClr val="accent5"/>
-            </a:effectRef>
-            <a:fontRef idx="minor">
-              <a:schemeClr val="dk1"/>
-            </a:fontRef>
-          </p:style>
-          <p:txBody>
-            <a:bodyPr rtlCol="0" anchor="ctr"/>
-            <a:lstStyle/>
-            <a:p>
-              <a:pPr algn="ctr"/>
-              <a:r>
-                <a:rPr lang="en-US" altLang="ko-KR" dirty="0" smtClean="0">
-                  <a:latin typeface="+mn-ea"/>
-                </a:rPr>
-                <a:t> </a:t>
-              </a:r>
-            </a:p>
-            <a:p>
-              <a:pPr algn="ctr"/>
-              <a:r>
-                <a:rPr lang="ko-KR" altLang="en-US" dirty="0" smtClean="0">
-                  <a:latin typeface="+mn-ea"/>
-                </a:rPr>
-                <a:t> </a:t>
-              </a:r>
-              <a:r>
-                <a:rPr lang="en-US" altLang="ko-KR" dirty="0" smtClean="0">
-                  <a:latin typeface="+mn-ea"/>
-                </a:rPr>
-                <a:t>name</a:t>
-              </a:r>
-            </a:p>
-            <a:p>
-              <a:pPr algn="ctr"/>
-              <a:r>
-                <a:rPr lang="ko-KR" altLang="en-US" dirty="0" smtClean="0">
-                  <a:latin typeface="+mn-ea"/>
-                </a:rPr>
-                <a:t> </a:t>
-              </a:r>
-              <a:r>
-                <a:rPr lang="en-US" altLang="ko-KR" dirty="0" smtClean="0">
-                  <a:latin typeface="+mn-ea"/>
-                </a:rPr>
-                <a:t>grade</a:t>
-              </a:r>
-            </a:p>
-            <a:p>
-              <a:pPr algn="ctr"/>
-              <a:endParaRPr lang="en-US" altLang="ko-KR" dirty="0">
-                <a:latin typeface="+mn-ea"/>
-              </a:endParaRPr>
-            </a:p>
-          </p:txBody>
-        </p:sp>
-        <p:sp>
-          <p:nvSpPr>
-            <p:cNvPr id="17" name="직사각형 16"/>
-            <p:cNvSpPr/>
-            <p:nvPr/>
-          </p:nvSpPr>
-          <p:spPr>
-            <a:xfrm>
-              <a:off x="1696290" y="4149080"/>
-              <a:ext cx="1888558" cy="626958"/>
-            </a:xfrm>
-            <a:prstGeom prst="rect">
-              <a:avLst/>
-            </a:prstGeom>
-            <a:ln w="12700"/>
-          </p:spPr>
-          <p:style>
-            <a:lnRef idx="2">
-              <a:schemeClr val="accent5"/>
-            </a:lnRef>
-            <a:fillRef idx="1">
-              <a:schemeClr val="lt1"/>
-            </a:fillRef>
-            <a:effectRef idx="0">
-              <a:schemeClr val="accent5"/>
-            </a:effectRef>
-            <a:fontRef idx="minor">
-              <a:schemeClr val="dk1"/>
-            </a:fontRef>
-          </p:style>
-          <p:txBody>
-            <a:bodyPr rtlCol="0" anchor="ctr"/>
-            <a:lstStyle/>
-            <a:p>
-              <a:pPr algn="ctr"/>
-              <a:r>
-                <a:rPr lang="en-US" altLang="ko-KR" dirty="0" smtClean="0">
-                  <a:latin typeface="+mn-ea"/>
-                </a:rPr>
-                <a:t> </a:t>
-              </a:r>
-            </a:p>
-            <a:p>
-              <a:pPr algn="ctr"/>
-              <a:r>
-                <a:rPr lang="ko-KR" altLang="en-US" dirty="0" smtClean="0">
-                  <a:latin typeface="+mn-ea"/>
-                </a:rPr>
-                <a:t> </a:t>
-              </a:r>
-              <a:r>
-                <a:rPr lang="en-US" altLang="ko-KR" dirty="0" smtClean="0">
-                  <a:latin typeface="+mn-ea"/>
-                </a:rPr>
-                <a:t>learn()</a:t>
-              </a:r>
-            </a:p>
-            <a:p>
-              <a:pPr algn="ctr"/>
-              <a:endParaRPr lang="en-US" altLang="ko-KR" dirty="0">
-                <a:latin typeface="+mn-ea"/>
-              </a:endParaRPr>
-            </a:p>
-          </p:txBody>
-        </p:sp>
-      </p:grpSp>
-      <p:pic>
-        <p:nvPicPr>
-          <p:cNvPr id="3" name="그림 2"/>
-          <p:cNvPicPr>
-            <a:picLocks noChangeAspect="1"/>
-          </p:cNvPicPr>
-          <p:nvPr/>
-        </p:nvPicPr>
-        <p:blipFill rotWithShape="1">
-          <a:blip r:embed="rId2">
-            <a:extLst>
-              <a:ext uri="{28A0092B-C50C-407E-A947-70E740481C1C}">
-                <a14:useLocalDpi xmlns:a14="http://schemas.microsoft.com/office/drawing/2010/main" val="0"/>
-              </a:ext>
-            </a:extLst>
-          </a:blip>
-          <a:srcRect r="27503" b="32049"/>
-          <a:stretch/>
-        </p:blipFill>
-        <p:spPr>
-          <a:xfrm>
-            <a:off x="3760890" y="3003939"/>
-            <a:ext cx="4124110" cy="2388680"/>
-          </a:xfrm>
-          <a:prstGeom prst="rect">
-            <a:avLst/>
-          </a:prstGeom>
-          <a:ln>
-            <a:solidFill>
-              <a:schemeClr val="bg1">
-                <a:lumMod val="85000"/>
-              </a:schemeClr>
-            </a:solidFill>
-          </a:ln>
-        </p:spPr>
-      </p:pic>
-      <p:sp>
-        <p:nvSpPr>
-          <p:cNvPr id="4" name="TextBox 3"/>
-          <p:cNvSpPr txBox="1"/>
-          <p:nvPr/>
-        </p:nvSpPr>
-        <p:spPr>
-          <a:xfrm>
-            <a:off x="7645125" y="3356992"/>
-            <a:ext cx="1528518" cy="408623"/>
-          </a:xfrm>
-          <a:prstGeom prst="roundRect">
-            <a:avLst/>
-          </a:prstGeom>
-          <a:ln w="19050">
-            <a:solidFill>
-              <a:schemeClr val="tx1">
-                <a:lumMod val="50000"/>
-                <a:lumOff val="50000"/>
-              </a:schemeClr>
-            </a:solidFill>
-          </a:ln>
-        </p:spPr>
-        <p:style>
-          <a:lnRef idx="2">
-            <a:schemeClr val="dk1"/>
-          </a:lnRef>
-          <a:fillRef idx="1">
-            <a:schemeClr val="lt1"/>
-          </a:fillRef>
-          <a:effectRef idx="0">
-            <a:schemeClr val="dk1"/>
-          </a:effectRef>
-          <a:fontRef idx="minor">
-            <a:schemeClr val="dk1"/>
-          </a:fontRef>
-        </p:style>
-        <p:txBody>
-          <a:bodyPr wrap="square" rtlCol="0">
-            <a:spAutoFit/>
-          </a:bodyPr>
-          <a:lstStyle/>
-          <a:p>
-            <a:r>
-              <a:rPr lang="en-US" altLang="ko-KR" dirty="0" smtClean="0"/>
-              <a:t>student1.py</a:t>
-            </a:r>
-            <a:endParaRPr lang="ko-KR" altLang="en-US" dirty="0"/>
-          </a:p>
-        </p:txBody>
-      </p:sp>
-      <p:pic>
-        <p:nvPicPr>
-          <p:cNvPr id="2" name="그림 1"/>
-          <p:cNvPicPr>
-            <a:picLocks noChangeAspect="1"/>
-          </p:cNvPicPr>
-          <p:nvPr/>
-        </p:nvPicPr>
-        <p:blipFill>
-          <a:blip r:embed="rId3">
-            <a:extLst>
-              <a:ext uri="{28A0092B-C50C-407E-A947-70E740481C1C}">
-                <a14:useLocalDpi xmlns:a14="http://schemas.microsoft.com/office/drawing/2010/main" val="0"/>
-              </a:ext>
-            </a:extLst>
-          </a:blip>
-          <a:stretch>
-            <a:fillRect/>
-          </a:stretch>
-        </p:blipFill>
-        <p:spPr>
-          <a:xfrm>
-            <a:off x="3760890" y="5517232"/>
-            <a:ext cx="4675022" cy="1080120"/>
-          </a:xfrm>
-          <a:prstGeom prst="rect">
-            <a:avLst/>
-          </a:prstGeom>
-          <a:ln>
-            <a:solidFill>
-              <a:schemeClr val="bg1">
-                <a:lumMod val="85000"/>
-              </a:schemeClr>
-            </a:solidFill>
-          </a:ln>
-        </p:spPr>
-      </p:pic>
-    </p:spTree>
-    <p:extLst>
-      <p:ext uri="{BB962C8B-B14F-4D97-AF65-F5344CB8AC3E}">
-        <p14:creationId xmlns:p14="http://schemas.microsoft.com/office/powerpoint/2010/main" val="2048365053"/>
-      </p:ext>
-    </p:extLst>
-  </p:cSld>
-  <p:clrMapOvr>
-    <a:masterClrMapping/>
-  </p:clrMapOvr>
-  <p:timing>
-    <p:tnLst>
-      <p:par>
-        <p:cTn id="1" dur="indefinite" restart="never" nodeType="tmRoot"/>
-      </p:par>
-    </p:tnLst>
-  </p:timing>
-</p:sld>
-</file>
-
-<file path=ppt/slides/slide50.xml><?xml version="1.0" encoding="utf-8"?>
-<p:sld xmlns:a="http://schemas.openxmlformats.org/drawingml/2006/main" xmlns:r="http://schemas.openxmlformats.org/officeDocument/2006/relationships" xmlns:p="http://schemas.openxmlformats.org/presentationml/2006/main">
-  <p:cSld>
-    <p:spTree>
-      <p:nvGrpSpPr>
-        <p:cNvPr id="1" name=""/>
-        <p:cNvGrpSpPr/>
-        <p:nvPr/>
-      </p:nvGrpSpPr>
-      <p:grpSpPr>
-        <a:xfrm>
-          <a:off x="0" y="0"/>
-          <a:ext cx="0" cy="0"/>
-          <a:chOff x="0" y="0"/>
-          <a:chExt cx="0" cy="0"/>
-        </a:xfrm>
-      </p:grpSpPr>
-      <p:sp>
-        <p:nvSpPr>
-          <p:cNvPr id="6" name="제목 5"/>
-          <p:cNvSpPr>
-            <a:spLocks noGrp="1"/>
-          </p:cNvSpPr>
-          <p:nvPr>
-            <p:ph type="title"/>
-          </p:nvPr>
-        </p:nvSpPr>
-        <p:spPr/>
-        <p:txBody>
-          <a:bodyPr/>
-          <a:lstStyle/>
-          <a:p>
-            <a:r>
-              <a:rPr lang="en-US" altLang="ko-KR" dirty="0" smtClean="0"/>
-              <a:t> </a:t>
-            </a:r>
-            <a:r>
-              <a:rPr lang="ko-KR" altLang="en-US" dirty="0" smtClean="0"/>
-              <a:t>고객 관리 프로그램</a:t>
-            </a:r>
-            <a:endParaRPr lang="ko-KR" altLang="en-US" dirty="0"/>
-          </a:p>
-        </p:txBody>
-      </p:sp>
-      <p:sp>
-        <p:nvSpPr>
-          <p:cNvPr id="5" name="슬라이드 번호 개체 틀 4"/>
-          <p:cNvSpPr>
-            <a:spLocks noGrp="1"/>
-          </p:cNvSpPr>
-          <p:nvPr>
-            <p:ph type="sldNum" sz="quarter" idx="12"/>
-          </p:nvPr>
-        </p:nvSpPr>
-        <p:spPr/>
-        <p:txBody>
-          <a:bodyPr/>
-          <a:lstStyle/>
-          <a:p>
-            <a:fld id="{1BDE3FE7-3AEA-4B05-AC5A-802D1816ACF0}" type="slidenum">
-              <a:rPr lang="ko-KR" altLang="en-US" smtClean="0"/>
-              <a:t>50</a:t>
+              <a:t>51</a:t>
             </a:fld>
             <a:endParaRPr lang="ko-KR" altLang="en-US"/>
           </a:p>
@@ -26195,7 +26474,7 @@
           <p:cNvPr id="7" name="내용 개체 틀 2">
             <a:extLst>
               <a:ext uri="{FF2B5EF4-FFF2-40B4-BE49-F238E27FC236}">
-                <a16:creationId xmlns="" xmlns:a16="http://schemas.microsoft.com/office/drawing/2014/main" id="{98AF3A4E-7D90-4241-89FE-799D6F9D5A94}"/>
+                <a16:creationId xmlns:a16="http://schemas.microsoft.com/office/drawing/2014/main" id="{98AF3A4E-7D90-4241-89FE-799D6F9D5A94}"/>
               </a:ext>
             </a:extLst>
           </p:cNvPr>
@@ -26695,7 +26974,7 @@
 </p:sld>
 </file>
 
-<file path=ppt/slides/slide51.xml><?xml version="1.0" encoding="utf-8"?>
+<file path=ppt/slides/slide52.xml><?xml version="1.0" encoding="utf-8"?>
 <p:sld xmlns:a="http://schemas.openxmlformats.org/drawingml/2006/main" xmlns:r="http://schemas.openxmlformats.org/officeDocument/2006/relationships" xmlns:p="http://schemas.openxmlformats.org/presentationml/2006/main">
   <p:cSld>
     <p:spTree>
@@ -26756,7 +27035,7 @@
           <a:p>
             <a:fld id="{1BDE3FE7-3AEA-4B05-AC5A-802D1816ACF0}" type="slidenum">
               <a:rPr lang="ko-KR" altLang="en-US" smtClean="0"/>
-              <a:t>51</a:t>
+              <a:t>52</a:t>
             </a:fld>
             <a:endParaRPr lang="ko-KR" altLang="en-US"/>
           </a:p>
@@ -26870,7 +27149,7 @@
 </p:sld>
 </file>
 
-<file path=ppt/slides/slide52.xml><?xml version="1.0" encoding="utf-8"?>
+<file path=ppt/slides/slide53.xml><?xml version="1.0" encoding="utf-8"?>
 <p:sld xmlns:a="http://schemas.openxmlformats.org/drawingml/2006/main" xmlns:r="http://schemas.openxmlformats.org/officeDocument/2006/relationships" xmlns:p="http://schemas.openxmlformats.org/presentationml/2006/main">
   <p:cSld>
     <p:spTree>
@@ -26931,7 +27210,7 @@
           <a:p>
             <a:fld id="{1BDE3FE7-3AEA-4B05-AC5A-802D1816ACF0}" type="slidenum">
               <a:rPr lang="ko-KR" altLang="en-US" smtClean="0"/>
-              <a:t>52</a:t>
+              <a:t>53</a:t>
             </a:fld>
             <a:endParaRPr lang="ko-KR" altLang="en-US"/>
           </a:p>
@@ -27086,7 +27365,7 @@
 </p:sld>
 </file>
 
-<file path=ppt/slides/slide53.xml><?xml version="1.0" encoding="utf-8"?>
+<file path=ppt/slides/slide54.xml><?xml version="1.0" encoding="utf-8"?>
 <p:sld xmlns:a="http://schemas.openxmlformats.org/drawingml/2006/main" xmlns:r="http://schemas.openxmlformats.org/officeDocument/2006/relationships" xmlns:p="http://schemas.openxmlformats.org/presentationml/2006/main">
   <p:cSld>
     <p:spTree>
@@ -27147,7 +27426,7 @@
           <a:p>
             <a:fld id="{1BDE3FE7-3AEA-4B05-AC5A-802D1816ACF0}" type="slidenum">
               <a:rPr lang="ko-KR" altLang="en-US" smtClean="0"/>
-              <a:t>53</a:t>
+              <a:t>54</a:t>
             </a:fld>
             <a:endParaRPr lang="ko-KR" altLang="en-US"/>
           </a:p>
@@ -27265,7 +27544,7 @@
 </p:sld>
 </file>
 
-<file path=ppt/slides/slide54.xml><?xml version="1.0" encoding="utf-8"?>
+<file path=ppt/slides/slide55.xml><?xml version="1.0" encoding="utf-8"?>
 <p:sld xmlns:a="http://schemas.openxmlformats.org/drawingml/2006/main" xmlns:r="http://schemas.openxmlformats.org/officeDocument/2006/relationships" xmlns:p="http://schemas.openxmlformats.org/presentationml/2006/main">
   <p:cSld>
     <p:spTree>
@@ -27326,7 +27605,7 @@
           <a:p>
             <a:fld id="{1BDE3FE7-3AEA-4B05-AC5A-802D1816ACF0}" type="slidenum">
               <a:rPr lang="ko-KR" altLang="en-US" smtClean="0"/>
-              <a:t>54</a:t>
+              <a:t>55</a:t>
             </a:fld>
             <a:endParaRPr lang="ko-KR" altLang="en-US"/>
           </a:p>
@@ -27481,7 +27760,7 @@
 </p:sld>
 </file>
 
-<file path=ppt/slides/slide55.xml><?xml version="1.0" encoding="utf-8"?>
+<file path=ppt/slides/slide56.xml><?xml version="1.0" encoding="utf-8"?>
 <p:sld xmlns:a="http://schemas.openxmlformats.org/drawingml/2006/main" xmlns:r="http://schemas.openxmlformats.org/officeDocument/2006/relationships" xmlns:p="http://schemas.openxmlformats.org/presentationml/2006/main">
   <p:cSld>
     <p:spTree>
@@ -27542,7 +27821,7 @@
           <a:p>
             <a:fld id="{1BDE3FE7-3AEA-4B05-AC5A-802D1816ACF0}" type="slidenum">
               <a:rPr lang="ko-KR" altLang="en-US" smtClean="0"/>
-              <a:t>55</a:t>
+              <a:t>56</a:t>
             </a:fld>
             <a:endParaRPr lang="ko-KR" altLang="en-US"/>
           </a:p>
@@ -27553,7 +27832,7 @@
           <p:cNvPr id="7" name="내용 개체 틀 2">
             <a:extLst>
               <a:ext uri="{FF2B5EF4-FFF2-40B4-BE49-F238E27FC236}">
-                <a16:creationId xmlns="" xmlns:a16="http://schemas.microsoft.com/office/drawing/2014/main" id="{98AF3A4E-7D90-4241-89FE-799D6F9D5A94}"/>
+                <a16:creationId xmlns:a16="http://schemas.microsoft.com/office/drawing/2014/main" id="{98AF3A4E-7D90-4241-89FE-799D6F9D5A94}"/>
               </a:ext>
             </a:extLst>
           </p:cNvPr>
@@ -27834,7 +28113,7 @@
 </p:sld>
 </file>
 
-<file path=ppt/slides/slide56.xml><?xml version="1.0" encoding="utf-8"?>
+<file path=ppt/slides/slide57.xml><?xml version="1.0" encoding="utf-8"?>
 <p:sld xmlns:a="http://schemas.openxmlformats.org/drawingml/2006/main" xmlns:r="http://schemas.openxmlformats.org/officeDocument/2006/relationships" xmlns:p="http://schemas.openxmlformats.org/presentationml/2006/main">
   <p:cSld>
     <p:spTree>
@@ -27895,7 +28174,7 @@
           <a:p>
             <a:fld id="{1BDE3FE7-3AEA-4B05-AC5A-802D1816ACF0}" type="slidenum">
               <a:rPr lang="ko-KR" altLang="en-US" smtClean="0"/>
-              <a:t>56</a:t>
+              <a:t>57</a:t>
             </a:fld>
             <a:endParaRPr lang="ko-KR" altLang="en-US"/>
           </a:p>
@@ -28038,70 +28317,24 @@
         </p:nvSpPr>
         <p:spPr/>
         <p:txBody>
-          <a:bodyPr/>
+          <a:bodyPr>
+            <a:normAutofit/>
+          </a:bodyPr>
           <a:lstStyle/>
           <a:p>
             <a:r>
-              <a:rPr lang="en-US" altLang="ko-KR" dirty="0" smtClean="0"/>
+              <a:rPr lang="en-US" altLang="ko-KR" sz="2800" dirty="0" smtClean="0"/>
               <a:t> </a:t>
             </a:r>
             <a:r>
-              <a:rPr lang="en-US" altLang="ko-KR" dirty="0">
-                <a:solidFill>
-                  <a:srgbClr val="002060"/>
-                </a:solidFill>
-              </a:rPr>
-              <a:t>__</a:t>
-            </a:r>
-            <a:r>
-              <a:rPr lang="en-US" altLang="ko-KR" dirty="0" err="1">
-                <a:solidFill>
-                  <a:srgbClr val="002060"/>
-                </a:solidFill>
-              </a:rPr>
-              <a:t>init</a:t>
-            </a:r>
-            <a:r>
-              <a:rPr lang="en-US" altLang="ko-KR" dirty="0">
-                <a:solidFill>
-                  <a:srgbClr val="002060"/>
-                </a:solidFill>
-              </a:rPr>
-              <a:t>__() </a:t>
-            </a:r>
-            <a:r>
-              <a:rPr lang="en-US" altLang="ko-KR" dirty="0" smtClean="0">
-                <a:solidFill>
-                  <a:srgbClr val="002060"/>
-                </a:solidFill>
-              </a:rPr>
-              <a:t> </a:t>
-            </a:r>
-            <a:r>
-              <a:rPr lang="ko-KR" altLang="en-US" dirty="0" err="1" smtClean="0">
-                <a:solidFill>
-                  <a:srgbClr val="002060"/>
-                </a:solidFill>
-              </a:rPr>
-              <a:t>생성자</a:t>
-            </a:r>
-            <a:r>
-              <a:rPr lang="en-US" altLang="ko-KR" dirty="0" smtClean="0">
-                <a:solidFill>
-                  <a:srgbClr val="002060"/>
-                </a:solidFill>
-              </a:rPr>
-              <a:t>(</a:t>
-            </a:r>
-            <a:r>
-              <a:rPr lang="ko-KR" altLang="en-US" dirty="0" smtClean="0"/>
-              <a:t>초기자</a:t>
-            </a:r>
-            <a:r>
-              <a:rPr lang="en-US" altLang="ko-KR" dirty="0" smtClean="0"/>
-              <a:t>)</a:t>
-            </a:r>
-            <a:endParaRPr lang="ko-KR" altLang="en-US" dirty="0"/>
+              <a:rPr lang="ko-KR" altLang="en-US" sz="2800" dirty="0" smtClean="0"/>
+              <a:t>클래스</a:t>
+            </a:r>
+            <a:r>
+              <a:rPr lang="en-US" altLang="ko-KR" sz="2800" dirty="0" smtClean="0"/>
+              <a:t>(class)</a:t>
+            </a:r>
+            <a:endParaRPr lang="ko-KR" altLang="en-US" sz="2800" dirty="0"/>
           </a:p>
         </p:txBody>
       </p:sp>
@@ -28133,7 +28366,7 @@
           <p:cNvPr id="10" name="내용 개체 틀 2">
             <a:extLst>
               <a:ext uri="{FF2B5EF4-FFF2-40B4-BE49-F238E27FC236}">
-                <a16:creationId xmlns="" xmlns:a16="http://schemas.microsoft.com/office/drawing/2014/main" id="{98AF3A4E-7D90-4241-89FE-799D6F9D5A94}"/>
+                <a16:creationId xmlns:a16="http://schemas.microsoft.com/office/drawing/2014/main" id="{98AF3A4E-7D90-4241-89FE-799D6F9D5A94}"/>
               </a:ext>
             </a:extLst>
           </p:cNvPr>
@@ -28144,8 +28377,8 @@
         </p:nvSpPr>
         <p:spPr>
           <a:xfrm>
-            <a:off x="818478" y="1196752"/>
-            <a:ext cx="7950946" cy="1584176"/>
+            <a:off x="960914" y="1203593"/>
+            <a:ext cx="7448470" cy="1577335"/>
           </a:xfrm>
           <a:prstGeom prst="rect">
             <a:avLst/>
@@ -28326,228 +28559,65 @@
               <a:buChar char="§"/>
             </a:pPr>
             <a:r>
-              <a:rPr lang="ko-KR" altLang="en-US" sz="2000" b="1" dirty="0" smtClean="0"/>
-              <a:t>초기자</a:t>
-            </a:r>
-            <a:r>
-              <a:rPr lang="en-US" altLang="ko-KR" sz="2000" b="1" dirty="0" smtClean="0"/>
-              <a:t>, </a:t>
-            </a:r>
-            <a:r>
-              <a:rPr lang="ko-KR" altLang="en-US" sz="2000" b="1" dirty="0" err="1" smtClean="0"/>
-              <a:t>생성자</a:t>
-            </a:r>
-            <a:r>
-              <a:rPr lang="en-US" altLang="ko-KR" sz="2000" b="1" dirty="0" smtClean="0"/>
-              <a:t>(constructor)</a:t>
-            </a:r>
-          </a:p>
-          <a:p>
-            <a:pPr marL="457200" lvl="1" indent="0">
-              <a:lnSpc>
-                <a:spcPct val="100000"/>
-              </a:lnSpc>
-              <a:buNone/>
-            </a:pPr>
-            <a:r>
-              <a:rPr lang="ko-KR" altLang="en-US" sz="1800" dirty="0" smtClean="0">
+              <a:rPr lang="ko-KR" altLang="en-US" sz="2000" b="1" dirty="0" smtClean="0">
                 <a:solidFill>
                   <a:srgbClr val="002060"/>
                 </a:solidFill>
               </a:rPr>
-              <a:t>클래스를 생성할 때 호출되는 명령어 집합</a:t>
-            </a:r>
-            <a:r>
-              <a:rPr lang="en-US" altLang="ko-KR" sz="1800" dirty="0" smtClean="0">
-                <a:solidFill>
-                  <a:srgbClr val="002060"/>
-                </a:solidFill>
-              </a:rPr>
-              <a:t>, </a:t>
-            </a:r>
-            <a:r>
-              <a:rPr lang="ko-KR" altLang="en-US" sz="1800" dirty="0" smtClean="0">
-                <a:solidFill>
-                  <a:srgbClr val="002060"/>
-                </a:solidFill>
-              </a:rPr>
-              <a:t>초기자라고도 한다</a:t>
-            </a:r>
-            <a:r>
-              <a:rPr lang="en-US" altLang="ko-KR" sz="1800" dirty="0" smtClean="0">
-                <a:solidFill>
-                  <a:srgbClr val="002060"/>
-                </a:solidFill>
-              </a:rPr>
-              <a:t>.</a:t>
-            </a:r>
-          </a:p>
-          <a:p>
-            <a:pPr marL="457200" lvl="1" indent="0">
-              <a:lnSpc>
-                <a:spcPct val="100000"/>
-              </a:lnSpc>
-              <a:buNone/>
-            </a:pPr>
-            <a:r>
-              <a:rPr lang="ko-KR" altLang="en-US" sz="1800" dirty="0" err="1" smtClean="0">
-                <a:solidFill>
-                  <a:srgbClr val="002060"/>
-                </a:solidFill>
-              </a:rPr>
-              <a:t>생성자</a:t>
-            </a:r>
-            <a:r>
-              <a:rPr lang="en-US" altLang="ko-KR" sz="1800" dirty="0" smtClean="0">
-                <a:solidFill>
-                  <a:srgbClr val="002060"/>
-                </a:solidFill>
-              </a:rPr>
-              <a:t>(</a:t>
-            </a:r>
-            <a:r>
-              <a:rPr lang="ko-KR" altLang="en-US" sz="1800" dirty="0" err="1" smtClean="0">
-                <a:solidFill>
-                  <a:srgbClr val="002060"/>
-                </a:solidFill>
-              </a:rPr>
-              <a:t>초기화함수</a:t>
-            </a:r>
-            <a:r>
-              <a:rPr lang="en-US" altLang="ko-KR" sz="1800" dirty="0" smtClean="0">
-                <a:solidFill>
-                  <a:srgbClr val="002060"/>
-                </a:solidFill>
-              </a:rPr>
-              <a:t>)</a:t>
-            </a:r>
-            <a:r>
-              <a:rPr lang="ko-KR" altLang="en-US" sz="1800" dirty="0" smtClean="0">
-                <a:solidFill>
-                  <a:srgbClr val="002060"/>
-                </a:solidFill>
-              </a:rPr>
-              <a:t>는 </a:t>
-            </a:r>
-            <a:r>
-              <a:rPr lang="en-US" altLang="ko-KR" sz="1800" b="1" dirty="0" smtClean="0">
-                <a:solidFill>
-                  <a:srgbClr val="C00000"/>
-                </a:solidFill>
-              </a:rPr>
-              <a:t>__</a:t>
-            </a:r>
-            <a:r>
-              <a:rPr lang="en-US" altLang="ko-KR" sz="1800" b="1" dirty="0" err="1" smtClean="0">
-                <a:solidFill>
-                  <a:srgbClr val="C00000"/>
-                </a:solidFill>
-              </a:rPr>
-              <a:t>init</a:t>
-            </a:r>
-            <a:r>
-              <a:rPr lang="en-US" altLang="ko-KR" sz="1800" b="1" dirty="0" smtClean="0">
-                <a:solidFill>
-                  <a:srgbClr val="C00000"/>
-                </a:solidFill>
-              </a:rPr>
-              <a:t>__()</a:t>
-            </a:r>
-            <a:r>
-              <a:rPr lang="ko-KR" altLang="en-US" sz="1800" dirty="0" smtClean="0">
-                <a:solidFill>
-                  <a:srgbClr val="002060"/>
-                </a:solidFill>
-              </a:rPr>
-              <a:t>의 형태로 작성하고</a:t>
-            </a:r>
-            <a:r>
-              <a:rPr lang="en-US" altLang="ko-KR" sz="1800" dirty="0" smtClean="0">
-                <a:solidFill>
-                  <a:srgbClr val="002060"/>
-                </a:solidFill>
-              </a:rPr>
-              <a:t>, </a:t>
-            </a:r>
-            <a:r>
-              <a:rPr lang="ko-KR" altLang="en-US" sz="1800" dirty="0" err="1" smtClean="0">
-                <a:solidFill>
-                  <a:srgbClr val="002060"/>
-                </a:solidFill>
-              </a:rPr>
-              <a:t>리턴값이</a:t>
-            </a:r>
-            <a:r>
-              <a:rPr lang="ko-KR" altLang="en-US" sz="1800" dirty="0" smtClean="0">
-                <a:solidFill>
-                  <a:srgbClr val="002060"/>
-                </a:solidFill>
-              </a:rPr>
-              <a:t> 없다</a:t>
-            </a:r>
-            <a:r>
-              <a:rPr lang="en-US" altLang="ko-KR" sz="1800" dirty="0">
-                <a:solidFill>
-                  <a:srgbClr val="002060"/>
-                </a:solidFill>
-              </a:rPr>
-              <a:t>.</a:t>
-            </a:r>
-            <a:endParaRPr lang="en-US" altLang="ko-KR" sz="1800" dirty="0" smtClean="0">
+              <a:t>클래스에 함수 추가하기</a:t>
+            </a:r>
+            <a:endParaRPr lang="en-US" altLang="ko-KR" sz="2000" b="1" dirty="0" smtClean="0">
               <a:solidFill>
                 <a:srgbClr val="002060"/>
               </a:solidFill>
             </a:endParaRPr>
           </a:p>
           <a:p>
-            <a:pPr marL="0" indent="0">
+            <a:pPr marL="457200" lvl="1" indent="0">
+              <a:lnSpc>
+                <a:spcPct val="150000"/>
+              </a:lnSpc>
               <a:buNone/>
             </a:pPr>
             <a:r>
-              <a:rPr lang="en-US" altLang="ko-KR" sz="2200" b="1" dirty="0" smtClean="0">
-                <a:solidFill>
-                  <a:schemeClr val="accent6">
-                    <a:lumMod val="75000"/>
-                  </a:schemeClr>
-                </a:solidFill>
-              </a:rPr>
-              <a:t>    </a:t>
-            </a:r>
-            <a:r>
-              <a:rPr lang="ko-KR" altLang="en-US" sz="1800" dirty="0" smtClean="0"/>
-              <a:t>클래스 내의 모든 함수</a:t>
-            </a:r>
-            <a:r>
-              <a:rPr lang="en-US" altLang="ko-KR" sz="1800" dirty="0" smtClean="0"/>
-              <a:t>(</a:t>
-            </a:r>
-            <a:r>
-              <a:rPr lang="ko-KR" altLang="en-US" sz="1800" dirty="0" err="1" smtClean="0"/>
-              <a:t>메서드</a:t>
-            </a:r>
-            <a:r>
-              <a:rPr lang="en-US" altLang="ko-KR" sz="1800" dirty="0" smtClean="0"/>
-              <a:t>)</a:t>
-            </a:r>
-            <a:r>
-              <a:rPr lang="ko-KR" altLang="en-US" sz="1800" dirty="0" smtClean="0"/>
-              <a:t>의 매개변수에 </a:t>
-            </a:r>
-            <a:r>
-              <a:rPr lang="en-US" altLang="ko-KR" sz="1800" dirty="0" smtClean="0"/>
-              <a:t>self</a:t>
-            </a:r>
-            <a:r>
-              <a:rPr lang="ko-KR" altLang="en-US" sz="1800" dirty="0" smtClean="0"/>
-              <a:t>를 넣어줌</a:t>
-            </a:r>
-            <a:endParaRPr lang="en-US" altLang="ko-KR" sz="1800" dirty="0"/>
+              <a:rPr lang="ko-KR" altLang="en-US" sz="1800" b="1" dirty="0" smtClean="0">
+                <a:solidFill>
+                  <a:srgbClr val="C00000"/>
+                </a:solidFill>
+              </a:rPr>
+              <a:t>멤버 함수 정의 </a:t>
+            </a:r>
+            <a:r>
+              <a:rPr lang="en-US" altLang="ko-KR" sz="1800" b="1" dirty="0" smtClean="0">
+                <a:solidFill>
+                  <a:srgbClr val="C00000"/>
+                </a:solidFill>
+              </a:rPr>
+              <a:t>– </a:t>
+            </a:r>
+            <a:r>
+              <a:rPr lang="en-US" altLang="ko-KR" sz="1800" b="1" dirty="0" err="1" smtClean="0">
+                <a:solidFill>
+                  <a:srgbClr val="C00000"/>
+                </a:solidFill>
+              </a:rPr>
+              <a:t>def</a:t>
+            </a:r>
+            <a:r>
+              <a:rPr lang="en-US" altLang="ko-KR" sz="1800" b="1" dirty="0" smtClean="0">
+                <a:solidFill>
+                  <a:srgbClr val="C00000"/>
+                </a:solidFill>
+              </a:rPr>
+              <a:t> info()</a:t>
+            </a:r>
+            <a:endParaRPr lang="en-US" altLang="ko-KR" sz="1800" b="1" dirty="0" smtClean="0"/>
           </a:p>
         </p:txBody>
       </p:sp>
       <p:pic>
         <p:nvPicPr>
-          <p:cNvPr id="2" name="그림 1"/>
+          <p:cNvPr id="3" name="그림 2"/>
           <p:cNvPicPr>
             <a:picLocks noChangeAspect="1"/>
           </p:cNvPicPr>
@@ -28567,8 +28637,8 @@
         </p:blipFill>
         <p:spPr>
           <a:xfrm>
-            <a:off x="1352599" y="2996952"/>
-            <a:ext cx="6623361" cy="3200983"/>
+            <a:off x="4081778" y="2437122"/>
+            <a:ext cx="3775017" cy="4176465"/>
           </a:xfrm>
           <a:prstGeom prst="rect">
             <a:avLst/>
@@ -28584,59 +28654,226 @@
       </p:pic>
       <p:sp>
         <p:nvSpPr>
-          <p:cNvPr id="14" name="TextBox 13"/>
-          <p:cNvSpPr txBox="1"/>
+          <p:cNvPr id="11" name="직사각형 10"/>
+          <p:cNvSpPr/>
           <p:nvPr/>
         </p:nvSpPr>
         <p:spPr>
           <a:xfrm>
-            <a:off x="7113240" y="3591837"/>
-            <a:ext cx="1584176" cy="408623"/>
+            <a:off x="1640632" y="2492896"/>
+            <a:ext cx="1888558" cy="485339"/>
           </a:xfrm>
-          <a:prstGeom prst="roundRect">
+          <a:prstGeom prst="rect">
             <a:avLst/>
           </a:prstGeom>
-          <a:ln w="19050">
-            <a:solidFill>
-              <a:schemeClr val="tx1">
-                <a:lumMod val="50000"/>
-                <a:lumOff val="50000"/>
-              </a:schemeClr>
-            </a:solidFill>
-          </a:ln>
+          <a:ln w="12700"/>
         </p:spPr>
         <p:style>
           <a:lnRef idx="2">
-            <a:schemeClr val="dk1"/>
+            <a:schemeClr val="accent5"/>
           </a:lnRef>
           <a:fillRef idx="1">
             <a:schemeClr val="lt1"/>
           </a:fillRef>
           <a:effectRef idx="0">
-            <a:schemeClr val="dk1"/>
+            <a:schemeClr val="accent5"/>
           </a:effectRef>
           <a:fontRef idx="minor">
             <a:schemeClr val="dk1"/>
           </a:fontRef>
         </p:style>
         <p:txBody>
-          <a:bodyPr wrap="square" rtlCol="0">
-            <a:spAutoFit/>
-          </a:bodyPr>
+          <a:bodyPr rtlCol="0" anchor="ctr"/>
           <a:lstStyle/>
           <a:p>
-            <a:r>
-              <a:rPr lang="en-US" altLang="ko-KR" dirty="0" smtClean="0"/>
-              <a:t>student2.py</a:t>
-            </a:r>
-            <a:endParaRPr lang="ko-KR" altLang="en-US" dirty="0"/>
+            <a:pPr algn="ctr"/>
+            <a:r>
+              <a:rPr lang="en-US" altLang="ko-KR" dirty="0" smtClean="0">
+                <a:latin typeface="+mn-ea"/>
+              </a:rPr>
+              <a:t>  </a:t>
+            </a:r>
+          </a:p>
+          <a:p>
+            <a:pPr algn="ctr"/>
+            <a:r>
+              <a:rPr lang="en-US" altLang="ko-KR" b="1" dirty="0" smtClean="0">
+                <a:latin typeface="+mn-ea"/>
+              </a:rPr>
+              <a:t>Student</a:t>
+            </a:r>
+          </a:p>
+          <a:p>
+            <a:pPr algn="ctr"/>
+            <a:endParaRPr lang="en-US" altLang="ko-KR" dirty="0">
+              <a:latin typeface="+mn-ea"/>
+            </a:endParaRPr>
+          </a:p>
+        </p:txBody>
+      </p:sp>
+      <p:sp>
+        <p:nvSpPr>
+          <p:cNvPr id="14" name="직사각형 13"/>
+          <p:cNvSpPr/>
+          <p:nvPr/>
+        </p:nvSpPr>
+        <p:spPr>
+          <a:xfrm>
+            <a:off x="1640632" y="2978236"/>
+            <a:ext cx="1888558" cy="1117554"/>
+          </a:xfrm>
+          <a:prstGeom prst="rect">
+            <a:avLst/>
+          </a:prstGeom>
+          <a:ln w="12700"/>
+        </p:spPr>
+        <p:style>
+          <a:lnRef idx="2">
+            <a:schemeClr val="accent5"/>
+          </a:lnRef>
+          <a:fillRef idx="1">
+            <a:schemeClr val="lt1"/>
+          </a:fillRef>
+          <a:effectRef idx="0">
+            <a:schemeClr val="accent5"/>
+          </a:effectRef>
+          <a:fontRef idx="minor">
+            <a:schemeClr val="dk1"/>
+          </a:fontRef>
+        </p:style>
+        <p:txBody>
+          <a:bodyPr rtlCol="0" anchor="ctr"/>
+          <a:lstStyle/>
+          <a:p>
+            <a:pPr algn="ctr"/>
+            <a:r>
+              <a:rPr lang="en-US" altLang="ko-KR" dirty="0" smtClean="0">
+                <a:latin typeface="+mn-ea"/>
+              </a:rPr>
+              <a:t> </a:t>
+            </a:r>
+          </a:p>
+          <a:p>
+            <a:pPr algn="ctr">
+              <a:lnSpc>
+                <a:spcPct val="150000"/>
+              </a:lnSpc>
+            </a:pPr>
+            <a:r>
+              <a:rPr lang="ko-KR" altLang="en-US" dirty="0" smtClean="0">
+                <a:latin typeface="+mn-ea"/>
+              </a:rPr>
+              <a:t> </a:t>
+            </a:r>
+            <a:r>
+              <a:rPr lang="en-US" altLang="ko-KR" dirty="0" smtClean="0">
+                <a:latin typeface="+mn-ea"/>
+              </a:rPr>
+              <a:t>name</a:t>
+            </a:r>
+            <a:endParaRPr lang="en-US" altLang="ko-KR" dirty="0" smtClean="0">
+              <a:latin typeface="+mn-ea"/>
+            </a:endParaRPr>
+          </a:p>
+          <a:p>
+            <a:pPr algn="ctr">
+              <a:lnSpc>
+                <a:spcPct val="150000"/>
+              </a:lnSpc>
+            </a:pPr>
+            <a:r>
+              <a:rPr lang="ko-KR" altLang="en-US" dirty="0" smtClean="0">
+                <a:latin typeface="+mn-ea"/>
+              </a:rPr>
+              <a:t> </a:t>
+            </a:r>
+            <a:r>
+              <a:rPr lang="en-US" altLang="ko-KR" dirty="0" smtClean="0">
+                <a:latin typeface="+mn-ea"/>
+              </a:rPr>
+              <a:t>grade</a:t>
+            </a:r>
+          </a:p>
+          <a:p>
+            <a:pPr algn="ctr"/>
+            <a:endParaRPr lang="en-US" altLang="ko-KR" dirty="0">
+              <a:latin typeface="+mn-ea"/>
+            </a:endParaRPr>
+          </a:p>
+        </p:txBody>
+      </p:sp>
+      <p:sp>
+        <p:nvSpPr>
+          <p:cNvPr id="15" name="직사각형 14"/>
+          <p:cNvSpPr/>
+          <p:nvPr/>
+        </p:nvSpPr>
+        <p:spPr>
+          <a:xfrm>
+            <a:off x="1640632" y="4095790"/>
+            <a:ext cx="1888558" cy="485339"/>
+          </a:xfrm>
+          <a:prstGeom prst="rect">
+            <a:avLst/>
+          </a:prstGeom>
+          <a:ln w="12700"/>
+        </p:spPr>
+        <p:style>
+          <a:lnRef idx="2">
+            <a:schemeClr val="accent5"/>
+          </a:lnRef>
+          <a:fillRef idx="1">
+            <a:schemeClr val="lt1"/>
+          </a:fillRef>
+          <a:effectRef idx="0">
+            <a:schemeClr val="accent5"/>
+          </a:effectRef>
+          <a:fontRef idx="minor">
+            <a:schemeClr val="dk1"/>
+          </a:fontRef>
+        </p:style>
+        <p:txBody>
+          <a:bodyPr rtlCol="0" anchor="ctr"/>
+          <a:lstStyle/>
+          <a:p>
+            <a:pPr algn="ctr"/>
+            <a:r>
+              <a:rPr lang="en-US" altLang="ko-KR" dirty="0" smtClean="0">
+                <a:latin typeface="+mn-ea"/>
+              </a:rPr>
+              <a:t>  </a:t>
+            </a:r>
+          </a:p>
+          <a:p>
+            <a:pPr algn="ctr"/>
+            <a:r>
+              <a:rPr lang="en-US" altLang="ko-KR" dirty="0">
+                <a:latin typeface="+mn-ea"/>
+              </a:rPr>
+              <a:t>i</a:t>
+            </a:r>
+            <a:r>
+              <a:rPr lang="en-US" altLang="ko-KR" dirty="0" smtClean="0">
+                <a:latin typeface="+mn-ea"/>
+              </a:rPr>
+              <a:t>nfo()</a:t>
+            </a:r>
+            <a:endParaRPr lang="en-US" altLang="ko-KR" dirty="0">
+              <a:latin typeface="+mn-ea"/>
+            </a:endParaRPr>
+          </a:p>
+          <a:p>
+            <a:pPr algn="ctr"/>
+            <a:endParaRPr lang="en-US" altLang="ko-KR" dirty="0">
+              <a:latin typeface="+mn-ea"/>
+            </a:endParaRPr>
           </a:p>
         </p:txBody>
       </p:sp>
     </p:spTree>
     <p:extLst>
       <p:ext uri="{BB962C8B-B14F-4D97-AF65-F5344CB8AC3E}">
-        <p14:creationId xmlns:p14="http://schemas.microsoft.com/office/powerpoint/2010/main" val="1066632879"/>
+        <p14:creationId xmlns:p14="http://schemas.microsoft.com/office/powerpoint/2010/main" val="2182893494"/>
       </p:ext>
     </p:extLst>
   </p:cSld>
@@ -28690,36 +28927,44 @@
               <a:t> </a:t>
             </a:r>
             <a:r>
+              <a:rPr lang="en-US" altLang="ko-KR" dirty="0">
+                <a:solidFill>
+                  <a:srgbClr val="002060"/>
+                </a:solidFill>
+              </a:rPr>
+              <a:t>__</a:t>
+            </a:r>
+            <a:r>
+              <a:rPr lang="en-US" altLang="ko-KR" dirty="0" err="1">
+                <a:solidFill>
+                  <a:srgbClr val="002060"/>
+                </a:solidFill>
+              </a:rPr>
+              <a:t>init</a:t>
+            </a:r>
+            <a:r>
+              <a:rPr lang="en-US" altLang="ko-KR" dirty="0">
+                <a:solidFill>
+                  <a:srgbClr val="002060"/>
+                </a:solidFill>
+              </a:rPr>
+              <a:t>__() </a:t>
+            </a:r>
+            <a:r>
               <a:rPr lang="en-US" altLang="ko-KR" dirty="0" smtClean="0">
                 <a:solidFill>
                   <a:srgbClr val="002060"/>
                 </a:solidFill>
               </a:rPr>
-              <a:t>__</a:t>
-            </a:r>
-            <a:r>
-              <a:rPr lang="en-US" altLang="ko-KR" dirty="0" err="1" smtClean="0">
+              <a:t> </a:t>
+            </a:r>
+            <a:r>
+              <a:rPr lang="ko-KR" altLang="en-US" dirty="0" err="1" smtClean="0">
                 <a:solidFill>
                   <a:srgbClr val="002060"/>
                 </a:solidFill>
               </a:rPr>
-              <a:t>str</a:t>
-            </a:r>
-            <a:r>
-              <a:rPr lang="en-US" altLang="ko-KR" dirty="0" smtClean="0">
-                <a:solidFill>
-                  <a:srgbClr val="002060"/>
-                </a:solidFill>
-              </a:rPr>
-              <a:t>__(self) : </a:t>
-            </a:r>
-            <a:r>
-              <a:rPr lang="ko-KR" altLang="en-US" dirty="0" smtClean="0">
-                <a:solidFill>
-                  <a:srgbClr val="002060"/>
-                </a:solidFill>
-              </a:rPr>
-              <a:t>객체 정보 함수</a:t>
+              <a:t>생성자</a:t>
             </a:r>
             <a:endParaRPr lang="ko-KR" altLang="en-US" dirty="0"/>
           </a:p>
@@ -28753,7 +28998,517 @@
           <p:cNvPr id="10" name="내용 개체 틀 2">
             <a:extLst>
               <a:ext uri="{FF2B5EF4-FFF2-40B4-BE49-F238E27FC236}">
-                <a16:creationId xmlns="" xmlns:a16="http://schemas.microsoft.com/office/drawing/2014/main" id="{98AF3A4E-7D90-4241-89FE-799D6F9D5A94}"/>
+                <a16:creationId xmlns:a16="http://schemas.microsoft.com/office/drawing/2014/main" id="{98AF3A4E-7D90-4241-89FE-799D6F9D5A94}"/>
+              </a:ext>
+            </a:extLst>
+          </p:cNvPr>
+          <p:cNvSpPr txBox="1">
+            <a:spLocks/>
+          </p:cNvSpPr>
+          <p:nvPr/>
+        </p:nvSpPr>
+        <p:spPr>
+          <a:xfrm>
+            <a:off x="818478" y="1196752"/>
+            <a:ext cx="7950946" cy="1656184"/>
+          </a:xfrm>
+          <a:prstGeom prst="rect">
+            <a:avLst/>
+          </a:prstGeom>
+        </p:spPr>
+        <p:txBody>
+          <a:bodyPr/>
+          <a:lstStyle>
+            <a:lvl1pPr marL="228600" indent="-228600" algn="l" defTabSz="914400" rtl="0" eaLnBrk="1" latinLnBrk="1" hangingPunct="1">
+              <a:lnSpc>
+                <a:spcPct val="90000"/>
+              </a:lnSpc>
+              <a:spcBef>
+                <a:spcPts val="1000"/>
+              </a:spcBef>
+              <a:buFont typeface="Arial" panose="020B0604020202020204" pitchFamily="34" charset="0"/>
+              <a:buChar char="•"/>
+              <a:defRPr sz="2800" kern="1200">
+                <a:solidFill>
+                  <a:schemeClr val="tx1"/>
+                </a:solidFill>
+                <a:latin typeface="+mn-lt"/>
+                <a:ea typeface="+mn-ea"/>
+                <a:cs typeface="+mn-cs"/>
+              </a:defRPr>
+            </a:lvl1pPr>
+            <a:lvl2pPr marL="685800" indent="-228600" algn="l" defTabSz="914400" rtl="0" eaLnBrk="1" latinLnBrk="1" hangingPunct="1">
+              <a:lnSpc>
+                <a:spcPct val="90000"/>
+              </a:lnSpc>
+              <a:spcBef>
+                <a:spcPts val="500"/>
+              </a:spcBef>
+              <a:buFont typeface="Arial" panose="020B0604020202020204" pitchFamily="34" charset="0"/>
+              <a:buChar char="•"/>
+              <a:defRPr sz="2400" kern="1200">
+                <a:solidFill>
+                  <a:schemeClr val="tx1"/>
+                </a:solidFill>
+                <a:latin typeface="+mn-lt"/>
+                <a:ea typeface="+mn-ea"/>
+                <a:cs typeface="+mn-cs"/>
+              </a:defRPr>
+            </a:lvl2pPr>
+            <a:lvl3pPr marL="1143000" indent="-228600" algn="l" defTabSz="914400" rtl="0" eaLnBrk="1" latinLnBrk="1" hangingPunct="1">
+              <a:lnSpc>
+                <a:spcPct val="90000"/>
+              </a:lnSpc>
+              <a:spcBef>
+                <a:spcPts val="500"/>
+              </a:spcBef>
+              <a:buFont typeface="Arial" panose="020B0604020202020204" pitchFamily="34" charset="0"/>
+              <a:buChar char="•"/>
+              <a:defRPr sz="2000" kern="1200">
+                <a:solidFill>
+                  <a:schemeClr val="tx1"/>
+                </a:solidFill>
+                <a:latin typeface="+mn-lt"/>
+                <a:ea typeface="+mn-ea"/>
+                <a:cs typeface="+mn-cs"/>
+              </a:defRPr>
+            </a:lvl3pPr>
+            <a:lvl4pPr marL="1600200" indent="-228600" algn="l" defTabSz="914400" rtl="0" eaLnBrk="1" latinLnBrk="1" hangingPunct="1">
+              <a:lnSpc>
+                <a:spcPct val="90000"/>
+              </a:lnSpc>
+              <a:spcBef>
+                <a:spcPts val="500"/>
+              </a:spcBef>
+              <a:buFont typeface="Arial" panose="020B0604020202020204" pitchFamily="34" charset="0"/>
+              <a:buChar char="•"/>
+              <a:defRPr sz="1800" kern="1200">
+                <a:solidFill>
+                  <a:schemeClr val="tx1"/>
+                </a:solidFill>
+                <a:latin typeface="+mn-lt"/>
+                <a:ea typeface="+mn-ea"/>
+                <a:cs typeface="+mn-cs"/>
+              </a:defRPr>
+            </a:lvl4pPr>
+            <a:lvl5pPr marL="2057400" indent="-228600" algn="l" defTabSz="914400" rtl="0" eaLnBrk="1" latinLnBrk="1" hangingPunct="1">
+              <a:lnSpc>
+                <a:spcPct val="90000"/>
+              </a:lnSpc>
+              <a:spcBef>
+                <a:spcPts val="500"/>
+              </a:spcBef>
+              <a:buFont typeface="Arial" panose="020B0604020202020204" pitchFamily="34" charset="0"/>
+              <a:buChar char="•"/>
+              <a:defRPr sz="1800" kern="1200">
+                <a:solidFill>
+                  <a:schemeClr val="tx1"/>
+                </a:solidFill>
+                <a:latin typeface="+mn-lt"/>
+                <a:ea typeface="+mn-ea"/>
+                <a:cs typeface="+mn-cs"/>
+              </a:defRPr>
+            </a:lvl5pPr>
+            <a:lvl6pPr marL="2514600" indent="-228600" algn="l" defTabSz="914400" rtl="0" eaLnBrk="1" latinLnBrk="1" hangingPunct="1">
+              <a:lnSpc>
+                <a:spcPct val="90000"/>
+              </a:lnSpc>
+              <a:spcBef>
+                <a:spcPts val="500"/>
+              </a:spcBef>
+              <a:buFont typeface="Arial" panose="020B0604020202020204" pitchFamily="34" charset="0"/>
+              <a:buChar char="•"/>
+              <a:defRPr sz="1800" kern="1200">
+                <a:solidFill>
+                  <a:schemeClr val="tx1"/>
+                </a:solidFill>
+                <a:latin typeface="+mn-lt"/>
+                <a:ea typeface="+mn-ea"/>
+                <a:cs typeface="+mn-cs"/>
+              </a:defRPr>
+            </a:lvl6pPr>
+            <a:lvl7pPr marL="2971800" indent="-228600" algn="l" defTabSz="914400" rtl="0" eaLnBrk="1" latinLnBrk="1" hangingPunct="1">
+              <a:lnSpc>
+                <a:spcPct val="90000"/>
+              </a:lnSpc>
+              <a:spcBef>
+                <a:spcPts val="500"/>
+              </a:spcBef>
+              <a:buFont typeface="Arial" panose="020B0604020202020204" pitchFamily="34" charset="0"/>
+              <a:buChar char="•"/>
+              <a:defRPr sz="1800" kern="1200">
+                <a:solidFill>
+                  <a:schemeClr val="tx1"/>
+                </a:solidFill>
+                <a:latin typeface="+mn-lt"/>
+                <a:ea typeface="+mn-ea"/>
+                <a:cs typeface="+mn-cs"/>
+              </a:defRPr>
+            </a:lvl7pPr>
+            <a:lvl8pPr marL="3429000" indent="-228600" algn="l" defTabSz="914400" rtl="0" eaLnBrk="1" latinLnBrk="1" hangingPunct="1">
+              <a:lnSpc>
+                <a:spcPct val="90000"/>
+              </a:lnSpc>
+              <a:spcBef>
+                <a:spcPts val="500"/>
+              </a:spcBef>
+              <a:buFont typeface="Arial" panose="020B0604020202020204" pitchFamily="34" charset="0"/>
+              <a:buChar char="•"/>
+              <a:defRPr sz="1800" kern="1200">
+                <a:solidFill>
+                  <a:schemeClr val="tx1"/>
+                </a:solidFill>
+                <a:latin typeface="+mn-lt"/>
+                <a:ea typeface="+mn-ea"/>
+                <a:cs typeface="+mn-cs"/>
+              </a:defRPr>
+            </a:lvl8pPr>
+            <a:lvl9pPr marL="3886200" indent="-228600" algn="l" defTabSz="914400" rtl="0" eaLnBrk="1" latinLnBrk="1" hangingPunct="1">
+              <a:lnSpc>
+                <a:spcPct val="90000"/>
+              </a:lnSpc>
+              <a:spcBef>
+                <a:spcPts val="500"/>
+              </a:spcBef>
+              <a:buFont typeface="Arial" panose="020B0604020202020204" pitchFamily="34" charset="0"/>
+              <a:buChar char="•"/>
+              <a:defRPr sz="1800" kern="1200">
+                <a:solidFill>
+                  <a:schemeClr val="tx1"/>
+                </a:solidFill>
+                <a:latin typeface="+mn-lt"/>
+                <a:ea typeface="+mn-ea"/>
+                <a:cs typeface="+mn-cs"/>
+              </a:defRPr>
+            </a:lvl9pPr>
+          </a:lstStyle>
+          <a:p>
+            <a:pPr>
+              <a:lnSpc>
+                <a:spcPct val="150000"/>
+              </a:lnSpc>
+              <a:buFont typeface="Wingdings" panose="05000000000000000000" pitchFamily="2" charset="2"/>
+              <a:buChar char="§"/>
+            </a:pPr>
+            <a:r>
+              <a:rPr lang="ko-KR" altLang="en-US" sz="2000" b="1" dirty="0" err="1" smtClean="0"/>
+              <a:t>생성자</a:t>
+            </a:r>
+            <a:r>
+              <a:rPr lang="en-US" altLang="ko-KR" sz="2000" b="1" dirty="0" smtClean="0"/>
+              <a:t>(constructor)</a:t>
+            </a:r>
+          </a:p>
+          <a:p>
+            <a:pPr marL="457200" lvl="1" indent="0">
+              <a:lnSpc>
+                <a:spcPct val="100000"/>
+              </a:lnSpc>
+              <a:buNone/>
+            </a:pPr>
+            <a:r>
+              <a:rPr lang="ko-KR" altLang="en-US" sz="1800" dirty="0" smtClean="0"/>
+              <a:t>클래스를 생성할 때 호출되는 명령어 집합</a:t>
+            </a:r>
+            <a:r>
+              <a:rPr lang="en-US" altLang="ko-KR" sz="1800" dirty="0" smtClean="0"/>
+              <a:t>, </a:t>
+            </a:r>
+            <a:r>
+              <a:rPr lang="ko-KR" altLang="en-US" sz="1800" dirty="0" smtClean="0"/>
+              <a:t>초기자라고도 </a:t>
+            </a:r>
+            <a:r>
+              <a:rPr lang="ko-KR" altLang="en-US" sz="1800" dirty="0" smtClean="0"/>
+              <a:t>한다</a:t>
+            </a:r>
+            <a:r>
+              <a:rPr lang="en-US" altLang="ko-KR" sz="1800" dirty="0" smtClean="0"/>
+              <a:t>.</a:t>
+            </a:r>
+          </a:p>
+          <a:p>
+            <a:pPr marL="457200" lvl="1" indent="0">
+              <a:lnSpc>
+                <a:spcPct val="100000"/>
+              </a:lnSpc>
+              <a:buNone/>
+            </a:pPr>
+            <a:r>
+              <a:rPr lang="ko-KR" altLang="en-US" sz="1800" dirty="0" err="1" smtClean="0"/>
+              <a:t>생성자</a:t>
+            </a:r>
+            <a:r>
+              <a:rPr lang="en-US" altLang="ko-KR" sz="1800" dirty="0" smtClean="0"/>
+              <a:t>(</a:t>
+            </a:r>
+            <a:r>
+              <a:rPr lang="ko-KR" altLang="en-US" sz="1800" dirty="0" err="1" smtClean="0"/>
+              <a:t>초기화함수</a:t>
+            </a:r>
+            <a:r>
+              <a:rPr lang="en-US" altLang="ko-KR" sz="1800" dirty="0" smtClean="0"/>
+              <a:t>)</a:t>
+            </a:r>
+            <a:r>
+              <a:rPr lang="ko-KR" altLang="en-US" sz="1800" dirty="0" smtClean="0"/>
+              <a:t>는 </a:t>
+            </a:r>
+            <a:r>
+              <a:rPr lang="en-US" altLang="ko-KR" sz="1800" b="1" dirty="0" smtClean="0">
+                <a:solidFill>
+                  <a:srgbClr val="C00000"/>
+                </a:solidFill>
+              </a:rPr>
+              <a:t>__</a:t>
+            </a:r>
+            <a:r>
+              <a:rPr lang="en-US" altLang="ko-KR" sz="1800" b="1" dirty="0" err="1" smtClean="0">
+                <a:solidFill>
+                  <a:srgbClr val="C00000"/>
+                </a:solidFill>
+              </a:rPr>
+              <a:t>init</a:t>
+            </a:r>
+            <a:r>
+              <a:rPr lang="en-US" altLang="ko-KR" sz="1800" b="1" dirty="0" smtClean="0">
+                <a:solidFill>
+                  <a:srgbClr val="C00000"/>
+                </a:solidFill>
+              </a:rPr>
+              <a:t>__()</a:t>
+            </a:r>
+            <a:r>
+              <a:rPr lang="ko-KR" altLang="en-US" sz="1800" dirty="0" smtClean="0"/>
+              <a:t>의 형태로 작성하고</a:t>
+            </a:r>
+            <a:r>
+              <a:rPr lang="en-US" altLang="ko-KR" sz="1800" dirty="0" smtClean="0"/>
+              <a:t>, </a:t>
+            </a:r>
+            <a:r>
+              <a:rPr lang="ko-KR" altLang="en-US" sz="1800" dirty="0" err="1" smtClean="0"/>
+              <a:t>리턴값이</a:t>
+            </a:r>
+            <a:r>
+              <a:rPr lang="ko-KR" altLang="en-US" sz="1800" dirty="0" smtClean="0"/>
+              <a:t> 없다</a:t>
+            </a:r>
+            <a:r>
+              <a:rPr lang="en-US" altLang="ko-KR" sz="1800" dirty="0" smtClean="0"/>
+              <a:t>.</a:t>
+            </a:r>
+            <a:endParaRPr lang="en-US" altLang="ko-KR" sz="1800" dirty="0"/>
+          </a:p>
+          <a:p>
+            <a:pPr marL="457200" lvl="1" indent="0">
+              <a:lnSpc>
+                <a:spcPct val="100000"/>
+              </a:lnSpc>
+              <a:buNone/>
+            </a:pPr>
+            <a:r>
+              <a:rPr lang="ko-KR" altLang="en-US" sz="1800" dirty="0" smtClean="0"/>
+              <a:t>클래스 </a:t>
+            </a:r>
+            <a:r>
+              <a:rPr lang="ko-KR" altLang="en-US" sz="1800" dirty="0" smtClean="0"/>
+              <a:t>내의 모든 함수</a:t>
+            </a:r>
+            <a:r>
+              <a:rPr lang="en-US" altLang="ko-KR" sz="1800" dirty="0" smtClean="0"/>
+              <a:t>(</a:t>
+            </a:r>
+            <a:r>
+              <a:rPr lang="ko-KR" altLang="en-US" sz="1800" dirty="0" err="1" smtClean="0"/>
+              <a:t>메서드</a:t>
+            </a:r>
+            <a:r>
+              <a:rPr lang="en-US" altLang="ko-KR" sz="1800" dirty="0" smtClean="0"/>
+              <a:t>)</a:t>
+            </a:r>
+            <a:r>
+              <a:rPr lang="ko-KR" altLang="en-US" sz="1800" dirty="0" smtClean="0"/>
+              <a:t>의 매개변수에 </a:t>
+            </a:r>
+            <a:r>
+              <a:rPr lang="en-US" altLang="ko-KR" sz="1800" dirty="0" smtClean="0">
+                <a:solidFill>
+                  <a:srgbClr val="C00000"/>
+                </a:solidFill>
+              </a:rPr>
+              <a:t>self</a:t>
+            </a:r>
+            <a:r>
+              <a:rPr lang="ko-KR" altLang="en-US" sz="1800" dirty="0" smtClean="0"/>
+              <a:t>를 </a:t>
+            </a:r>
+            <a:r>
+              <a:rPr lang="ko-KR" altLang="en-US" sz="1800" dirty="0" smtClean="0"/>
+              <a:t>붙임</a:t>
+            </a:r>
+            <a:endParaRPr lang="en-US" altLang="ko-KR" sz="1800" dirty="0"/>
+          </a:p>
+        </p:txBody>
+      </p:sp>
+      <p:pic>
+        <p:nvPicPr>
+          <p:cNvPr id="3" name="그림 2"/>
+          <p:cNvPicPr>
+            <a:picLocks noChangeAspect="1"/>
+          </p:cNvPicPr>
+          <p:nvPr/>
+        </p:nvPicPr>
+        <p:blipFill>
+          <a:blip r:embed="rId2">
+            <a:extLst>
+              <a:ext uri="{28A0092B-C50C-407E-A947-70E740481C1C}">
+                <a14:useLocalDpi xmlns:a14="http://schemas.microsoft.com/office/drawing/2010/main" val="0"/>
+              </a:ext>
+            </a:extLst>
+          </a:blip>
+          <a:stretch>
+            <a:fillRect/>
+          </a:stretch>
+        </p:blipFill>
+        <p:spPr>
+          <a:xfrm>
+            <a:off x="2432720" y="2852936"/>
+            <a:ext cx="4267570" cy="3749365"/>
+          </a:xfrm>
+          <a:prstGeom prst="rect">
+            <a:avLst/>
+          </a:prstGeom>
+          <a:ln>
+            <a:solidFill>
+              <a:schemeClr val="bg1">
+                <a:lumMod val="85000"/>
+              </a:schemeClr>
+            </a:solidFill>
+          </a:ln>
+        </p:spPr>
+      </p:pic>
+    </p:spTree>
+    <p:extLst>
+      <p:ext uri="{BB962C8B-B14F-4D97-AF65-F5344CB8AC3E}">
+        <p14:creationId xmlns:p14="http://schemas.microsoft.com/office/powerpoint/2010/main" val="1066632879"/>
+      </p:ext>
+    </p:extLst>
+  </p:cSld>
+  <p:clrMapOvr>
+    <a:masterClrMapping/>
+  </p:clrMapOvr>
+  <p:timing>
+    <p:tnLst>
+      <p:par>
+        <p:cTn id="1" dur="indefinite" restart="never" nodeType="tmRoot"/>
+      </p:par>
+    </p:tnLst>
+  </p:timing>
+</p:sld>
+</file>
+
+<file path=ppt/slides/slide8.xml><?xml version="1.0" encoding="utf-8"?>
+<p:sld xmlns:a="http://schemas.openxmlformats.org/drawingml/2006/main" xmlns:r="http://schemas.openxmlformats.org/officeDocument/2006/relationships" xmlns:p="http://schemas.openxmlformats.org/presentationml/2006/main">
+  <p:cSld>
+    <p:spTree>
+      <p:nvGrpSpPr>
+        <p:cNvPr id="1" name=""/>
+        <p:cNvGrpSpPr/>
+        <p:nvPr/>
+      </p:nvGrpSpPr>
+      <p:grpSpPr>
+        <a:xfrm>
+          <a:off x="0" y="0"/>
+          <a:ext cx="0" cy="0"/>
+          <a:chOff x="0" y="0"/>
+          <a:chExt cx="0" cy="0"/>
+        </a:xfrm>
+      </p:grpSpPr>
+      <p:sp>
+        <p:nvSpPr>
+          <p:cNvPr id="6" name="제목 5"/>
+          <p:cNvSpPr>
+            <a:spLocks noGrp="1"/>
+          </p:cNvSpPr>
+          <p:nvPr>
+            <p:ph type="title"/>
+          </p:nvPr>
+        </p:nvSpPr>
+        <p:spPr/>
+        <p:txBody>
+          <a:bodyPr/>
+          <a:lstStyle/>
+          <a:p>
+            <a:r>
+              <a:rPr lang="en-US" altLang="ko-KR" dirty="0" smtClean="0"/>
+              <a:t> </a:t>
+            </a:r>
+            <a:r>
+              <a:rPr lang="en-US" altLang="ko-KR" dirty="0" smtClean="0">
+                <a:solidFill>
+                  <a:srgbClr val="002060"/>
+                </a:solidFill>
+              </a:rPr>
+              <a:t>__</a:t>
+            </a:r>
+            <a:r>
+              <a:rPr lang="en-US" altLang="ko-KR" dirty="0" err="1" smtClean="0">
+                <a:solidFill>
+                  <a:srgbClr val="002060"/>
+                </a:solidFill>
+              </a:rPr>
+              <a:t>str</a:t>
+            </a:r>
+            <a:r>
+              <a:rPr lang="en-US" altLang="ko-KR" dirty="0" smtClean="0">
+                <a:solidFill>
+                  <a:srgbClr val="002060"/>
+                </a:solidFill>
+              </a:rPr>
+              <a:t>__(self) : </a:t>
+            </a:r>
+            <a:r>
+              <a:rPr lang="ko-KR" altLang="en-US" dirty="0" smtClean="0">
+                <a:solidFill>
+                  <a:srgbClr val="002060"/>
+                </a:solidFill>
+              </a:rPr>
+              <a:t>객체 정보 함수</a:t>
+            </a:r>
+            <a:endParaRPr lang="ko-KR" altLang="en-US" dirty="0"/>
+          </a:p>
+        </p:txBody>
+      </p:sp>
+      <p:sp>
+        <p:nvSpPr>
+          <p:cNvPr id="5" name="슬라이드 번호 개체 틀 4"/>
+          <p:cNvSpPr>
+            <a:spLocks noGrp="1"/>
+          </p:cNvSpPr>
+          <p:nvPr>
+            <p:ph type="sldNum" sz="quarter" idx="12"/>
+          </p:nvPr>
+        </p:nvSpPr>
+        <p:spPr/>
+        <p:txBody>
+          <a:bodyPr/>
+          <a:lstStyle/>
+          <a:p>
+            <a:fld id="{1BDE3FE7-3AEA-4B05-AC5A-802D1816ACF0}" type="slidenum">
+              <a:rPr lang="ko-KR" altLang="en-US" smtClean="0"/>
+              <a:t>8</a:t>
+            </a:fld>
+            <a:endParaRPr lang="ko-KR" altLang="en-US"/>
+          </a:p>
+        </p:txBody>
+      </p:sp>
+      <p:sp>
+        <p:nvSpPr>
+          <p:cNvPr id="10" name="내용 개체 틀 2">
+            <a:extLst>
+              <a:ext uri="{FF2B5EF4-FFF2-40B4-BE49-F238E27FC236}">
+                <a16:creationId xmlns:a16="http://schemas.microsoft.com/office/drawing/2014/main" id="{98AF3A4E-7D90-4241-89FE-799D6F9D5A94}"/>
               </a:ext>
             </a:extLst>
           </p:cNvPr>
@@ -28946,18 +29701,34 @@
               <a:buChar char="§"/>
             </a:pPr>
             <a:r>
-              <a:rPr lang="en-US" altLang="ko-KR" sz="2000" b="1" dirty="0" smtClean="0"/>
+              <a:rPr lang="en-US" altLang="ko-KR" sz="2000" b="1" dirty="0" smtClean="0">
+                <a:solidFill>
+                  <a:srgbClr val="C00000"/>
+                </a:solidFill>
+              </a:rPr>
               <a:t>__</a:t>
             </a:r>
             <a:r>
-              <a:rPr lang="en-US" altLang="ko-KR" sz="2000" b="1" dirty="0" err="1" smtClean="0"/>
+              <a:rPr lang="en-US" altLang="ko-KR" sz="2000" b="1" dirty="0" err="1" smtClean="0">
+                <a:solidFill>
+                  <a:srgbClr val="C00000"/>
+                </a:solidFill>
+              </a:rPr>
               <a:t>str</a:t>
             </a:r>
             <a:r>
-              <a:rPr lang="en-US" altLang="ko-KR" sz="2000" b="1" dirty="0" smtClean="0"/>
+              <a:rPr lang="en-US" altLang="ko-KR" sz="2000" b="1" dirty="0" smtClean="0">
+                <a:solidFill>
+                  <a:srgbClr val="C00000"/>
+                </a:solidFill>
+              </a:rPr>
               <a:t>(self)__</a:t>
             </a:r>
-            <a:endParaRPr lang="en-US" altLang="ko-KR" sz="1800" dirty="0" smtClean="0"/>
+            <a:endParaRPr lang="en-US" altLang="ko-KR" sz="1800" dirty="0" smtClean="0">
+              <a:solidFill>
+                <a:srgbClr val="C00000"/>
+              </a:solidFill>
+            </a:endParaRPr>
           </a:p>
           <a:p>
             <a:pPr marL="0" indent="0">
@@ -29225,475 +29996,6 @@
 </p:sld>
 </file>
 
-<file path=ppt/slides/slide8.xml><?xml version="1.0" encoding="utf-8"?>
-<p:sld xmlns:a="http://schemas.openxmlformats.org/drawingml/2006/main" xmlns:r="http://schemas.openxmlformats.org/officeDocument/2006/relationships" xmlns:p="http://schemas.openxmlformats.org/presentationml/2006/main">
-  <p:cSld>
-    <p:spTree>
-      <p:nvGrpSpPr>
-        <p:cNvPr id="1" name=""/>
-        <p:cNvGrpSpPr/>
-        <p:nvPr/>
-      </p:nvGrpSpPr>
-      <p:grpSpPr>
-        <a:xfrm>
-          <a:off x="0" y="0"/>
-          <a:ext cx="0" cy="0"/>
-          <a:chOff x="0" y="0"/>
-          <a:chExt cx="0" cy="0"/>
-        </a:xfrm>
-      </p:grpSpPr>
-      <p:sp>
-        <p:nvSpPr>
-          <p:cNvPr id="6" name="제목 5"/>
-          <p:cNvSpPr>
-            <a:spLocks noGrp="1"/>
-          </p:cNvSpPr>
-          <p:nvPr>
-            <p:ph type="title"/>
-          </p:nvPr>
-        </p:nvSpPr>
-        <p:spPr/>
-        <p:txBody>
-          <a:bodyPr/>
-          <a:lstStyle/>
-          <a:p>
-            <a:r>
-              <a:rPr lang="en-US" altLang="ko-KR" dirty="0" smtClean="0"/>
-              <a:t> </a:t>
-            </a:r>
-            <a:r>
-              <a:rPr lang="ko-KR" altLang="en-US" dirty="0" smtClean="0">
-                <a:solidFill>
-                  <a:srgbClr val="002060"/>
-                </a:solidFill>
-              </a:rPr>
-              <a:t>기본 </a:t>
-            </a:r>
-            <a:r>
-              <a:rPr lang="ko-KR" altLang="en-US" dirty="0" err="1" smtClean="0">
-                <a:solidFill>
-                  <a:srgbClr val="002060"/>
-                </a:solidFill>
-              </a:rPr>
-              <a:t>생성자</a:t>
-            </a:r>
-            <a:r>
-              <a:rPr lang="en-US" altLang="ko-KR" dirty="0">
-                <a:solidFill>
-                  <a:srgbClr val="002060"/>
-                </a:solidFill>
-              </a:rPr>
-              <a:t>(</a:t>
-            </a:r>
-            <a:r>
-              <a:rPr lang="ko-KR" altLang="en-US" dirty="0"/>
-              <a:t>초기자</a:t>
-            </a:r>
-            <a:r>
-              <a:rPr lang="en-US" altLang="ko-KR" dirty="0"/>
-              <a:t>)</a:t>
-            </a:r>
-            <a:endParaRPr lang="ko-KR" altLang="en-US" dirty="0"/>
-          </a:p>
-        </p:txBody>
-      </p:sp>
-      <p:sp>
-        <p:nvSpPr>
-          <p:cNvPr id="5" name="슬라이드 번호 개체 틀 4"/>
-          <p:cNvSpPr>
-            <a:spLocks noGrp="1"/>
-          </p:cNvSpPr>
-          <p:nvPr>
-            <p:ph type="sldNum" sz="quarter" idx="12"/>
-          </p:nvPr>
-        </p:nvSpPr>
-        <p:spPr/>
-        <p:txBody>
-          <a:bodyPr/>
-          <a:lstStyle/>
-          <a:p>
-            <a:fld id="{1BDE3FE7-3AEA-4B05-AC5A-802D1816ACF0}" type="slidenum">
-              <a:rPr lang="ko-KR" altLang="en-US" smtClean="0"/>
-              <a:t>8</a:t>
-            </a:fld>
-            <a:endParaRPr lang="ko-KR" altLang="en-US"/>
-          </a:p>
-        </p:txBody>
-      </p:sp>
-      <p:sp>
-        <p:nvSpPr>
-          <p:cNvPr id="10" name="내용 개체 틀 2">
-            <a:extLst>
-              <a:ext uri="{FF2B5EF4-FFF2-40B4-BE49-F238E27FC236}">
-                <a16:creationId xmlns="" xmlns:a16="http://schemas.microsoft.com/office/drawing/2014/main" id="{98AF3A4E-7D90-4241-89FE-799D6F9D5A94}"/>
-              </a:ext>
-            </a:extLst>
-          </p:cNvPr>
-          <p:cNvSpPr txBox="1">
-            <a:spLocks/>
-          </p:cNvSpPr>
-          <p:nvPr/>
-        </p:nvSpPr>
-        <p:spPr>
-          <a:xfrm>
-            <a:off x="962494" y="1268760"/>
-            <a:ext cx="7950946" cy="648072"/>
-          </a:xfrm>
-          <a:prstGeom prst="rect">
-            <a:avLst/>
-          </a:prstGeom>
-        </p:spPr>
-        <p:txBody>
-          <a:bodyPr/>
-          <a:lstStyle>
-            <a:lvl1pPr marL="228600" indent="-228600" algn="l" defTabSz="914400" rtl="0" eaLnBrk="1" latinLnBrk="1" hangingPunct="1">
-              <a:lnSpc>
-                <a:spcPct val="90000"/>
-              </a:lnSpc>
-              <a:spcBef>
-                <a:spcPts val="1000"/>
-              </a:spcBef>
-              <a:buFont typeface="Arial" panose="020B0604020202020204" pitchFamily="34" charset="0"/>
-              <a:buChar char="•"/>
-              <a:defRPr sz="2800" kern="1200">
-                <a:solidFill>
-                  <a:schemeClr val="tx1"/>
-                </a:solidFill>
-                <a:latin typeface="+mn-lt"/>
-                <a:ea typeface="+mn-ea"/>
-                <a:cs typeface="+mn-cs"/>
-              </a:defRPr>
-            </a:lvl1pPr>
-            <a:lvl2pPr marL="685800" indent="-228600" algn="l" defTabSz="914400" rtl="0" eaLnBrk="1" latinLnBrk="1" hangingPunct="1">
-              <a:lnSpc>
-                <a:spcPct val="90000"/>
-              </a:lnSpc>
-              <a:spcBef>
-                <a:spcPts val="500"/>
-              </a:spcBef>
-              <a:buFont typeface="Arial" panose="020B0604020202020204" pitchFamily="34" charset="0"/>
-              <a:buChar char="•"/>
-              <a:defRPr sz="2400" kern="1200">
-                <a:solidFill>
-                  <a:schemeClr val="tx1"/>
-                </a:solidFill>
-                <a:latin typeface="+mn-lt"/>
-                <a:ea typeface="+mn-ea"/>
-                <a:cs typeface="+mn-cs"/>
-              </a:defRPr>
-            </a:lvl2pPr>
-            <a:lvl3pPr marL="1143000" indent="-228600" algn="l" defTabSz="914400" rtl="0" eaLnBrk="1" latinLnBrk="1" hangingPunct="1">
-              <a:lnSpc>
-                <a:spcPct val="90000"/>
-              </a:lnSpc>
-              <a:spcBef>
-                <a:spcPts val="500"/>
-              </a:spcBef>
-              <a:buFont typeface="Arial" panose="020B0604020202020204" pitchFamily="34" charset="0"/>
-              <a:buChar char="•"/>
-              <a:defRPr sz="2000" kern="1200">
-                <a:solidFill>
-                  <a:schemeClr val="tx1"/>
-                </a:solidFill>
-                <a:latin typeface="+mn-lt"/>
-                <a:ea typeface="+mn-ea"/>
-                <a:cs typeface="+mn-cs"/>
-              </a:defRPr>
-            </a:lvl3pPr>
-            <a:lvl4pPr marL="1600200" indent="-228600" algn="l" defTabSz="914400" rtl="0" eaLnBrk="1" latinLnBrk="1" hangingPunct="1">
-              <a:lnSpc>
-                <a:spcPct val="90000"/>
-              </a:lnSpc>
-              <a:spcBef>
-                <a:spcPts val="500"/>
-              </a:spcBef>
-              <a:buFont typeface="Arial" panose="020B0604020202020204" pitchFamily="34" charset="0"/>
-              <a:buChar char="•"/>
-              <a:defRPr sz="1800" kern="1200">
-                <a:solidFill>
-                  <a:schemeClr val="tx1"/>
-                </a:solidFill>
-                <a:latin typeface="+mn-lt"/>
-                <a:ea typeface="+mn-ea"/>
-                <a:cs typeface="+mn-cs"/>
-              </a:defRPr>
-            </a:lvl4pPr>
-            <a:lvl5pPr marL="2057400" indent="-228600" algn="l" defTabSz="914400" rtl="0" eaLnBrk="1" latinLnBrk="1" hangingPunct="1">
-              <a:lnSpc>
-                <a:spcPct val="90000"/>
-              </a:lnSpc>
-              <a:spcBef>
-                <a:spcPts val="500"/>
-              </a:spcBef>
-              <a:buFont typeface="Arial" panose="020B0604020202020204" pitchFamily="34" charset="0"/>
-              <a:buChar char="•"/>
-              <a:defRPr sz="1800" kern="1200">
-                <a:solidFill>
-                  <a:schemeClr val="tx1"/>
-                </a:solidFill>
-                <a:latin typeface="+mn-lt"/>
-                <a:ea typeface="+mn-ea"/>
-                <a:cs typeface="+mn-cs"/>
-              </a:defRPr>
-            </a:lvl5pPr>
-            <a:lvl6pPr marL="2514600" indent="-228600" algn="l" defTabSz="914400" rtl="0" eaLnBrk="1" latinLnBrk="1" hangingPunct="1">
-              <a:lnSpc>
-                <a:spcPct val="90000"/>
-              </a:lnSpc>
-              <a:spcBef>
-                <a:spcPts val="500"/>
-              </a:spcBef>
-              <a:buFont typeface="Arial" panose="020B0604020202020204" pitchFamily="34" charset="0"/>
-              <a:buChar char="•"/>
-              <a:defRPr sz="1800" kern="1200">
-                <a:solidFill>
-                  <a:schemeClr val="tx1"/>
-                </a:solidFill>
-                <a:latin typeface="+mn-lt"/>
-                <a:ea typeface="+mn-ea"/>
-                <a:cs typeface="+mn-cs"/>
-              </a:defRPr>
-            </a:lvl6pPr>
-            <a:lvl7pPr marL="2971800" indent="-228600" algn="l" defTabSz="914400" rtl="0" eaLnBrk="1" latinLnBrk="1" hangingPunct="1">
-              <a:lnSpc>
-                <a:spcPct val="90000"/>
-              </a:lnSpc>
-              <a:spcBef>
-                <a:spcPts val="500"/>
-              </a:spcBef>
-              <a:buFont typeface="Arial" panose="020B0604020202020204" pitchFamily="34" charset="0"/>
-              <a:buChar char="•"/>
-              <a:defRPr sz="1800" kern="1200">
-                <a:solidFill>
-                  <a:schemeClr val="tx1"/>
-                </a:solidFill>
-                <a:latin typeface="+mn-lt"/>
-                <a:ea typeface="+mn-ea"/>
-                <a:cs typeface="+mn-cs"/>
-              </a:defRPr>
-            </a:lvl7pPr>
-            <a:lvl8pPr marL="3429000" indent="-228600" algn="l" defTabSz="914400" rtl="0" eaLnBrk="1" latinLnBrk="1" hangingPunct="1">
-              <a:lnSpc>
-                <a:spcPct val="90000"/>
-              </a:lnSpc>
-              <a:spcBef>
-                <a:spcPts val="500"/>
-              </a:spcBef>
-              <a:buFont typeface="Arial" panose="020B0604020202020204" pitchFamily="34" charset="0"/>
-              <a:buChar char="•"/>
-              <a:defRPr sz="1800" kern="1200">
-                <a:solidFill>
-                  <a:schemeClr val="tx1"/>
-                </a:solidFill>
-                <a:latin typeface="+mn-lt"/>
-                <a:ea typeface="+mn-ea"/>
-                <a:cs typeface="+mn-cs"/>
-              </a:defRPr>
-            </a:lvl8pPr>
-            <a:lvl9pPr marL="3886200" indent="-228600" algn="l" defTabSz="914400" rtl="0" eaLnBrk="1" latinLnBrk="1" hangingPunct="1">
-              <a:lnSpc>
-                <a:spcPct val="90000"/>
-              </a:lnSpc>
-              <a:spcBef>
-                <a:spcPts val="500"/>
-              </a:spcBef>
-              <a:buFont typeface="Arial" panose="020B0604020202020204" pitchFamily="34" charset="0"/>
-              <a:buChar char="•"/>
-              <a:defRPr sz="1800" kern="1200">
-                <a:solidFill>
-                  <a:schemeClr val="tx1"/>
-                </a:solidFill>
-                <a:latin typeface="+mn-lt"/>
-                <a:ea typeface="+mn-ea"/>
-                <a:cs typeface="+mn-cs"/>
-              </a:defRPr>
-            </a:lvl9pPr>
-          </a:lstStyle>
-          <a:p>
-            <a:pPr>
-              <a:lnSpc>
-                <a:spcPct val="150000"/>
-              </a:lnSpc>
-              <a:buFont typeface="Wingdings" panose="05000000000000000000" pitchFamily="2" charset="2"/>
-              <a:buChar char="§"/>
-            </a:pPr>
-            <a:r>
-              <a:rPr lang="ko-KR" altLang="en-US" sz="2000" b="1" dirty="0" smtClean="0"/>
-              <a:t>기본 </a:t>
-            </a:r>
-            <a:r>
-              <a:rPr lang="ko-KR" altLang="en-US" sz="2000" b="1" dirty="0" err="1" smtClean="0"/>
-              <a:t>생성자</a:t>
-            </a:r>
-            <a:r>
-              <a:rPr lang="ko-KR" altLang="en-US" sz="2000" b="1" dirty="0" smtClean="0"/>
-              <a:t> </a:t>
-            </a:r>
-            <a:r>
-              <a:rPr lang="en-US" altLang="ko-KR" sz="2000" b="1" dirty="0" smtClean="0"/>
-              <a:t>- </a:t>
-            </a:r>
-            <a:r>
-              <a:rPr lang="ko-KR" altLang="en-US" sz="2000" b="1" dirty="0" err="1" smtClean="0"/>
-              <a:t>생성자를</a:t>
-            </a:r>
-            <a:r>
-              <a:rPr lang="ko-KR" altLang="en-US" sz="2000" b="1" dirty="0" smtClean="0"/>
-              <a:t> 생략하면 객체 생성시 자동으로 생성된다</a:t>
-            </a:r>
-            <a:r>
-              <a:rPr lang="en-US" altLang="ko-KR" sz="2000" b="1" dirty="0" smtClean="0"/>
-              <a:t>.</a:t>
-            </a:r>
-            <a:endParaRPr lang="en-US" altLang="ko-KR" sz="1800" dirty="0" smtClean="0"/>
-          </a:p>
-        </p:txBody>
-      </p:sp>
-      <p:pic>
-        <p:nvPicPr>
-          <p:cNvPr id="2" name="그림 1"/>
-          <p:cNvPicPr>
-            <a:picLocks noChangeAspect="1"/>
-          </p:cNvPicPr>
-          <p:nvPr/>
-        </p:nvPicPr>
-        <p:blipFill>
-          <a:blip r:embed="rId2">
-            <a:extLst>
-              <a:ext uri="{28A0092B-C50C-407E-A947-70E740481C1C}">
-                <a14:useLocalDpi xmlns:a14="http://schemas.microsoft.com/office/drawing/2010/main" val="0"/>
-              </a:ext>
-            </a:extLst>
-          </a:blip>
-          <a:stretch>
-            <a:fillRect/>
-          </a:stretch>
-        </p:blipFill>
-        <p:spPr>
-          <a:xfrm>
-            <a:off x="1412505" y="2021543"/>
-            <a:ext cx="4450466" cy="3863675"/>
-          </a:xfrm>
-          <a:prstGeom prst="rect">
-            <a:avLst/>
-          </a:prstGeom>
-          <a:ln>
-            <a:solidFill>
-              <a:schemeClr val="bg1">
-                <a:lumMod val="85000"/>
-              </a:schemeClr>
-            </a:solidFill>
-          </a:ln>
-        </p:spPr>
-      </p:pic>
-      <p:sp>
-        <p:nvSpPr>
-          <p:cNvPr id="8" name="TextBox 7"/>
-          <p:cNvSpPr txBox="1"/>
-          <p:nvPr/>
-        </p:nvSpPr>
-        <p:spPr>
-          <a:xfrm>
-            <a:off x="5258748" y="2276872"/>
-            <a:ext cx="1296144" cy="374571"/>
-          </a:xfrm>
-          <a:prstGeom prst="roundRect">
-            <a:avLst/>
-          </a:prstGeom>
-          <a:ln w="19050">
-            <a:solidFill>
-              <a:schemeClr val="tx1">
-                <a:lumMod val="50000"/>
-                <a:lumOff val="50000"/>
-              </a:schemeClr>
-            </a:solidFill>
-          </a:ln>
-        </p:spPr>
-        <p:style>
-          <a:lnRef idx="2">
-            <a:schemeClr val="dk1"/>
-          </a:lnRef>
-          <a:fillRef idx="1">
-            <a:schemeClr val="lt1"/>
-          </a:fillRef>
-          <a:effectRef idx="0">
-            <a:schemeClr val="dk1"/>
-          </a:effectRef>
-          <a:fontRef idx="minor">
-            <a:schemeClr val="dk1"/>
-          </a:fontRef>
-        </p:style>
-        <p:txBody>
-          <a:bodyPr wrap="square" rtlCol="0">
-            <a:spAutoFit/>
-          </a:bodyPr>
-          <a:lstStyle/>
-          <a:p>
-            <a:r>
-              <a:rPr lang="en-US" altLang="ko-KR" sz="1600" dirty="0" smtClean="0"/>
-              <a:t>airplane.py</a:t>
-            </a:r>
-            <a:endParaRPr lang="ko-KR" altLang="en-US" sz="1600" dirty="0"/>
-          </a:p>
-        </p:txBody>
-      </p:sp>
-      <p:pic>
-        <p:nvPicPr>
-          <p:cNvPr id="4" name="그림 3"/>
-          <p:cNvPicPr>
-            <a:picLocks noChangeAspect="1"/>
-          </p:cNvPicPr>
-          <p:nvPr/>
-        </p:nvPicPr>
-        <p:blipFill>
-          <a:blip r:embed="rId3">
-            <a:extLst>
-              <a:ext uri="{28A0092B-C50C-407E-A947-70E740481C1C}">
-                <a14:useLocalDpi xmlns:a14="http://schemas.microsoft.com/office/drawing/2010/main" val="0"/>
-              </a:ext>
-            </a:extLst>
-          </a:blip>
-          <a:stretch>
-            <a:fillRect/>
-          </a:stretch>
-        </p:blipFill>
-        <p:spPr>
-          <a:xfrm>
-            <a:off x="5570309" y="3136593"/>
-            <a:ext cx="4107536" cy="1638442"/>
-          </a:xfrm>
-          <a:prstGeom prst="rect">
-            <a:avLst/>
-          </a:prstGeom>
-          <a:ln>
-            <a:solidFill>
-              <a:schemeClr val="bg1">
-                <a:lumMod val="85000"/>
-              </a:schemeClr>
-            </a:solidFill>
-          </a:ln>
-        </p:spPr>
-      </p:pic>
-    </p:spTree>
-    <p:extLst>
-      <p:ext uri="{BB962C8B-B14F-4D97-AF65-F5344CB8AC3E}">
-        <p14:creationId xmlns:p14="http://schemas.microsoft.com/office/powerpoint/2010/main" val="2756791182"/>
-      </p:ext>
-    </p:extLst>
-  </p:cSld>
-  <p:clrMapOvr>
-    <a:masterClrMapping/>
-  </p:clrMapOvr>
-  <p:timing>
-    <p:tnLst>
-      <p:par>
-        <p:cTn id="1" dur="indefinite" restart="never" nodeType="tmRoot"/>
-      </p:par>
-    </p:tnLst>
-  </p:timing>
-</p:sld>
-</file>
-
 <file path=ppt/slides/slide9.xml><?xml version="1.0" encoding="utf-8"?>
 <p:sld xmlns:a="http://schemas.openxmlformats.org/drawingml/2006/main" xmlns:r="http://schemas.openxmlformats.org/officeDocument/2006/relationships" xmlns:p="http://schemas.openxmlformats.org/presentationml/2006/main">
   <p:cSld>
@@ -29810,7 +30112,7 @@
           <p:cNvPr id="10" name="내용 개체 틀 2">
             <a:extLst>
               <a:ext uri="{FF2B5EF4-FFF2-40B4-BE49-F238E27FC236}">
-                <a16:creationId xmlns="" xmlns:a16="http://schemas.microsoft.com/office/drawing/2014/main" id="{98AF3A4E-7D90-4241-89FE-799D6F9D5A94}"/>
+                <a16:creationId xmlns:a16="http://schemas.microsoft.com/office/drawing/2014/main" id="{98AF3A4E-7D90-4241-89FE-799D6F9D5A94}"/>
               </a:ext>
             </a:extLst>
           </p:cNvPr>

--- a/python_ppt/Python 7장. 클래스와 상속 .pptx
+++ b/python_ppt/Python 7장. 클래스와 상속 .pptx
@@ -264,7 +264,7 @@
           <a:p>
             <a:fld id="{7665CDAC-D627-4E87-877A-1B781DD4CADC}" type="datetimeFigureOut">
               <a:rPr lang="ko-KR" altLang="en-US" smtClean="0"/>
-              <a:t>2023-04-24</a:t>
+              <a:t>2023-04-25</a:t>
             </a:fld>
             <a:endParaRPr lang="ko-KR" altLang="en-US"/>
           </a:p>
@@ -676,7 +676,7 @@
           <a:p>
             <a:fld id="{C25BCFD5-C4DF-4EBC-B718-C69ED2FBDE6F}" type="datetime1">
               <a:rPr lang="ko-KR" altLang="en-US" smtClean="0"/>
-              <a:t>2023-04-24</a:t>
+              <a:t>2023-04-25</a:t>
             </a:fld>
             <a:endParaRPr lang="ko-KR" altLang="en-US"/>
           </a:p>
@@ -1127,7 +1127,7 @@
           <a:p>
             <a:fld id="{AB448CD7-D367-43D5-B461-ACE552E75063}" type="datetime1">
               <a:rPr lang="ko-KR" altLang="en-US" smtClean="0"/>
-              <a:t>2023-04-24</a:t>
+              <a:t>2023-04-25</a:t>
             </a:fld>
             <a:endParaRPr lang="ko-KR" altLang="en-US"/>
           </a:p>
@@ -1305,7 +1305,7 @@
           <a:p>
             <a:fld id="{B6E49E79-7361-4780-8BEF-7EDE3708298A}" type="datetime1">
               <a:rPr lang="ko-KR" altLang="en-US" smtClean="0"/>
-              <a:t>2023-04-24</a:t>
+              <a:t>2023-04-25</a:t>
             </a:fld>
             <a:endParaRPr lang="ko-KR" altLang="en-US"/>
           </a:p>
@@ -1477,7 +1477,7 @@
           <a:p>
             <a:fld id="{A4D42E3C-B70B-437C-85CF-1286301B9CBA}" type="datetime1">
               <a:rPr lang="ko-KR" altLang="en-US" smtClean="0"/>
-              <a:t>2023-04-24</a:t>
+              <a:t>2023-04-25</a:t>
             </a:fld>
             <a:endParaRPr lang="ko-KR" altLang="en-US"/>
           </a:p>
@@ -1729,7 +1729,7 @@
           <a:p>
             <a:fld id="{B3369A20-5B3D-4D98-A822-26B93D177A40}" type="datetime1">
               <a:rPr lang="ko-KR" altLang="en-US" smtClean="0"/>
-              <a:t>2023-04-24</a:t>
+              <a:t>2023-04-25</a:t>
             </a:fld>
             <a:endParaRPr lang="ko-KR" altLang="en-US"/>
           </a:p>
@@ -2014,7 +2014,7 @@
           <a:p>
             <a:fld id="{685CD4CE-9E43-4F70-A9D8-A2130CA7D92A}" type="datetime1">
               <a:rPr lang="ko-KR" altLang="en-US" smtClean="0"/>
-              <a:t>2023-04-24</a:t>
+              <a:t>2023-04-25</a:t>
             </a:fld>
             <a:endParaRPr lang="ko-KR" altLang="en-US"/>
           </a:p>
@@ -2440,7 +2440,7 @@
           <a:p>
             <a:fld id="{F752BD92-DA3E-4A0B-90C9-7DE5E15B6E96}" type="datetime1">
               <a:rPr lang="ko-KR" altLang="en-US" smtClean="0"/>
-              <a:t>2023-04-24</a:t>
+              <a:t>2023-04-25</a:t>
             </a:fld>
             <a:endParaRPr lang="ko-KR" altLang="en-US"/>
           </a:p>
@@ -2564,7 +2564,7 @@
           <a:p>
             <a:fld id="{8EA2B83A-F366-424E-B742-340ACF856BB5}" type="datetime1">
               <a:rPr lang="ko-KR" altLang="en-US" smtClean="0"/>
-              <a:t>2023-04-24</a:t>
+              <a:t>2023-04-25</a:t>
             </a:fld>
             <a:endParaRPr lang="ko-KR" altLang="en-US"/>
           </a:p>
@@ -2659,7 +2659,7 @@
           <a:p>
             <a:fld id="{9A49D68B-5DBD-48E9-A8D4-FCBC4B3DD9C6}" type="datetime1">
               <a:rPr lang="ko-KR" altLang="en-US" smtClean="0"/>
-              <a:t>2023-04-24</a:t>
+              <a:t>2023-04-25</a:t>
             </a:fld>
             <a:endParaRPr lang="ko-KR" altLang="en-US"/>
           </a:p>
@@ -2934,7 +2934,7 @@
           <a:p>
             <a:fld id="{4CAB534F-7D16-467B-9320-91F98915D181}" type="datetime1">
               <a:rPr lang="ko-KR" altLang="en-US" smtClean="0"/>
-              <a:t>2023-04-24</a:t>
+              <a:t>2023-04-25</a:t>
             </a:fld>
             <a:endParaRPr lang="ko-KR" altLang="en-US"/>
           </a:p>
@@ -3186,7 +3186,7 @@
           <a:p>
             <a:fld id="{A390A91F-2F8D-4486-A69D-D680F95444B0}" type="datetime1">
               <a:rPr lang="ko-KR" altLang="en-US" smtClean="0"/>
-              <a:t>2023-04-24</a:t>
+              <a:t>2023-04-25</a:t>
             </a:fld>
             <a:endParaRPr lang="ko-KR" altLang="en-US"/>
           </a:p>
@@ -3365,7 +3365,7 @@
           <a:p>
             <a:fld id="{2238BBEA-E8DD-414A-BF68-FC2AFA7CFF2D}" type="datetime1">
               <a:rPr lang="ko-KR" altLang="en-US" smtClean="0"/>
-              <a:t>2023-04-24</a:t>
+              <a:t>2023-04-25</a:t>
             </a:fld>
             <a:endParaRPr lang="ko-KR" altLang="en-US"/>
           </a:p>
@@ -7080,7 +7080,7 @@
       </p:sp>
       <p:pic>
         <p:nvPicPr>
-          <p:cNvPr id="3" name="그림 2"/>
+          <p:cNvPr id="4" name="그림 3"/>
           <p:cNvPicPr>
             <a:picLocks noChangeAspect="1"/>
           </p:cNvPicPr>
@@ -7100,8 +7100,8 @@
         </p:blipFill>
         <p:spPr>
           <a:xfrm>
-            <a:off x="1352600" y="2564904"/>
-            <a:ext cx="3749365" cy="3071126"/>
+            <a:off x="1978211" y="2511640"/>
+            <a:ext cx="3429297" cy="3833192"/>
           </a:xfrm>
           <a:prstGeom prst="rect">
             <a:avLst/>
@@ -7117,7 +7117,7 @@
       </p:pic>
       <p:pic>
         <p:nvPicPr>
-          <p:cNvPr id="2" name="그림 1"/>
+          <p:cNvPr id="7" name="그림 6"/>
           <p:cNvPicPr>
             <a:picLocks noChangeAspect="1"/>
           </p:cNvPicPr>
@@ -7137,8 +7137,8 @@
         </p:blipFill>
         <p:spPr>
           <a:xfrm>
-            <a:off x="5385048" y="2605751"/>
-            <a:ext cx="3672408" cy="3153629"/>
+            <a:off x="5745087" y="3068960"/>
+            <a:ext cx="2932737" cy="2088232"/>
           </a:xfrm>
           <a:prstGeom prst="rect">
             <a:avLst/>
@@ -25903,15 +25903,7 @@
                   <a:srgbClr val="002060"/>
                 </a:solidFill>
               </a:rPr>
-              <a:t>학생 클래스 </a:t>
-            </a:r>
-            <a:r>
-              <a:rPr lang="ko-KR" altLang="en-US" sz="2000" b="1" dirty="0" smtClean="0">
-                <a:solidFill>
-                  <a:srgbClr val="002060"/>
-                </a:solidFill>
-              </a:rPr>
-              <a:t>정의 및 사용</a:t>
+              <a:t>학생 클래스 정의 및 사용</a:t>
             </a:r>
             <a:endParaRPr lang="en-US" altLang="ko-KR" sz="2000" b="1" dirty="0" smtClean="0">
               <a:solidFill>
@@ -25966,7 +25958,6 @@
               <a:rPr lang="en-US" altLang="ko-KR" sz="1800" b="1" dirty="0" smtClean="0"/>
               <a:t>() </a:t>
             </a:r>
-            <a:endParaRPr lang="en-US" altLang="ko-KR" sz="1800" b="1" dirty="0" smtClean="0"/>
           </a:p>
           <a:p>
             <a:pPr marL="457200" lvl="1" indent="0">
@@ -26135,9 +26126,6 @@
               </a:rPr>
               <a:t>name</a:t>
             </a:r>
-            <a:endParaRPr lang="en-US" altLang="ko-KR" dirty="0" smtClean="0">
-              <a:latin typeface="+mn-ea"/>
-            </a:endParaRPr>
           </a:p>
           <a:p>
             <a:pPr algn="ctr">
@@ -28771,9 +28759,6 @@
               </a:rPr>
               <a:t>name</a:t>
             </a:r>
-            <a:endParaRPr lang="en-US" altLang="ko-KR" dirty="0" smtClean="0">
-              <a:latin typeface="+mn-ea"/>
-            </a:endParaRPr>
           </a:p>
           <a:p>
             <a:pPr algn="ctr">
@@ -29216,11 +29201,7 @@
             </a:r>
             <a:r>
               <a:rPr lang="ko-KR" altLang="en-US" sz="1800" dirty="0" smtClean="0"/>
-              <a:t>초기자라고도 </a:t>
-            </a:r>
-            <a:r>
-              <a:rPr lang="ko-KR" altLang="en-US" sz="1800" dirty="0" smtClean="0"/>
-              <a:t>한다</a:t>
+              <a:t>초기자라고도 한다</a:t>
             </a:r>
             <a:r>
               <a:rPr lang="en-US" altLang="ko-KR" sz="1800" dirty="0" smtClean="0"/>
@@ -29309,11 +29290,7 @@
             </a:pPr>
             <a:r>
               <a:rPr lang="ko-KR" altLang="en-US" sz="1800" dirty="0" smtClean="0"/>
-              <a:t>클래스 </a:t>
-            </a:r>
-            <a:r>
-              <a:rPr lang="ko-KR" altLang="en-US" sz="1800" dirty="0" smtClean="0"/>
-              <a:t>내의 모든 함수</a:t>
+              <a:t>클래스 내의 모든 함수</a:t>
             </a:r>
             <a:r>
               <a:rPr lang="en-US" altLang="ko-KR" sz="1800" dirty="0" smtClean="0"/>
@@ -29341,11 +29318,7 @@
             </a:r>
             <a:r>
               <a:rPr lang="ko-KR" altLang="en-US" sz="1800" dirty="0" smtClean="0"/>
-              <a:t>를 </a:t>
-            </a:r>
-            <a:r>
-              <a:rPr lang="ko-KR" altLang="en-US" sz="1800" dirty="0" smtClean="0"/>
-              <a:t>붙임</a:t>
+              <a:t>를 붙임</a:t>
             </a:r>
             <a:endParaRPr lang="en-US" altLang="ko-KR" sz="1800" dirty="0"/>
           </a:p>

--- a/python_ppt/Python 7장. 클래스와 상속 .pptx
+++ b/python_ppt/Python 7장. 클래스와 상속 .pptx
@@ -5,7 +5,7 @@
     <p:sldMasterId id="2147483648" r:id="rId1"/>
   </p:sldMasterIdLst>
   <p:notesMasterIdLst>
-    <p:notesMasterId r:id="rId59"/>
+    <p:notesMasterId r:id="rId62"/>
   </p:notesMasterIdLst>
   <p:sldIdLst>
     <p:sldId id="256" r:id="rId2"/>
@@ -33,38 +33,41 @@
     <p:sldId id="345" r:id="rId24"/>
     <p:sldId id="310" r:id="rId25"/>
     <p:sldId id="374" r:id="rId26"/>
-    <p:sldId id="328" r:id="rId27"/>
-    <p:sldId id="341" r:id="rId28"/>
-    <p:sldId id="314" r:id="rId29"/>
-    <p:sldId id="316" r:id="rId30"/>
-    <p:sldId id="332" r:id="rId31"/>
-    <p:sldId id="364" r:id="rId32"/>
-    <p:sldId id="317" r:id="rId33"/>
-    <p:sldId id="346" r:id="rId34"/>
-    <p:sldId id="347" r:id="rId35"/>
-    <p:sldId id="348" r:id="rId36"/>
-    <p:sldId id="318" r:id="rId37"/>
-    <p:sldId id="377" r:id="rId38"/>
-    <p:sldId id="378" r:id="rId39"/>
-    <p:sldId id="376" r:id="rId40"/>
-    <p:sldId id="358" r:id="rId41"/>
-    <p:sldId id="335" r:id="rId42"/>
-    <p:sldId id="319" r:id="rId43"/>
-    <p:sldId id="362" r:id="rId44"/>
-    <p:sldId id="349" r:id="rId45"/>
-    <p:sldId id="350" r:id="rId46"/>
-    <p:sldId id="353" r:id="rId47"/>
-    <p:sldId id="379" r:id="rId48"/>
-    <p:sldId id="352" r:id="rId49"/>
-    <p:sldId id="354" r:id="rId50"/>
-    <p:sldId id="380" r:id="rId51"/>
-    <p:sldId id="351" r:id="rId52"/>
-    <p:sldId id="355" r:id="rId53"/>
-    <p:sldId id="381" r:id="rId54"/>
-    <p:sldId id="356" r:id="rId55"/>
-    <p:sldId id="363" r:id="rId56"/>
-    <p:sldId id="360" r:id="rId57"/>
-    <p:sldId id="361" r:id="rId58"/>
+    <p:sldId id="341" r:id="rId27"/>
+    <p:sldId id="386" r:id="rId28"/>
+    <p:sldId id="328" r:id="rId29"/>
+    <p:sldId id="314" r:id="rId30"/>
+    <p:sldId id="316" r:id="rId31"/>
+    <p:sldId id="332" r:id="rId32"/>
+    <p:sldId id="364" r:id="rId33"/>
+    <p:sldId id="317" r:id="rId34"/>
+    <p:sldId id="346" r:id="rId35"/>
+    <p:sldId id="347" r:id="rId36"/>
+    <p:sldId id="348" r:id="rId37"/>
+    <p:sldId id="318" r:id="rId38"/>
+    <p:sldId id="377" r:id="rId39"/>
+    <p:sldId id="378" r:id="rId40"/>
+    <p:sldId id="384" r:id="rId41"/>
+    <p:sldId id="376" r:id="rId42"/>
+    <p:sldId id="358" r:id="rId43"/>
+    <p:sldId id="335" r:id="rId44"/>
+    <p:sldId id="319" r:id="rId45"/>
+    <p:sldId id="362" r:id="rId46"/>
+    <p:sldId id="385" r:id="rId47"/>
+    <p:sldId id="349" r:id="rId48"/>
+    <p:sldId id="350" r:id="rId49"/>
+    <p:sldId id="353" r:id="rId50"/>
+    <p:sldId id="379" r:id="rId51"/>
+    <p:sldId id="352" r:id="rId52"/>
+    <p:sldId id="354" r:id="rId53"/>
+    <p:sldId id="380" r:id="rId54"/>
+    <p:sldId id="351" r:id="rId55"/>
+    <p:sldId id="355" r:id="rId56"/>
+    <p:sldId id="381" r:id="rId57"/>
+    <p:sldId id="356" r:id="rId58"/>
+    <p:sldId id="363" r:id="rId59"/>
+    <p:sldId id="360" r:id="rId60"/>
+    <p:sldId id="361" r:id="rId61"/>
   </p:sldIdLst>
   <p:sldSz cx="9906000" cy="6858000" type="A4"/>
   <p:notesSz cx="6858000" cy="9144000"/>
@@ -264,7 +267,7 @@
           <a:p>
             <a:fld id="{7665CDAC-D627-4E87-877A-1B781DD4CADC}" type="datetimeFigureOut">
               <a:rPr lang="ko-KR" altLang="en-US" smtClean="0"/>
-              <a:t>2023-04-25</a:t>
+              <a:t>2023-04-27</a:t>
             </a:fld>
             <a:endParaRPr lang="ko-KR" altLang="en-US"/>
           </a:p>
@@ -676,7 +679,7 @@
           <a:p>
             <a:fld id="{C25BCFD5-C4DF-4EBC-B718-C69ED2FBDE6F}" type="datetime1">
               <a:rPr lang="ko-KR" altLang="en-US" smtClean="0"/>
-              <a:t>2023-04-25</a:t>
+              <a:t>2023-04-27</a:t>
             </a:fld>
             <a:endParaRPr lang="ko-KR" altLang="en-US"/>
           </a:p>
@@ -1127,7 +1130,7 @@
           <a:p>
             <a:fld id="{AB448CD7-D367-43D5-B461-ACE552E75063}" type="datetime1">
               <a:rPr lang="ko-KR" altLang="en-US" smtClean="0"/>
-              <a:t>2023-04-25</a:t>
+              <a:t>2023-04-27</a:t>
             </a:fld>
             <a:endParaRPr lang="ko-KR" altLang="en-US"/>
           </a:p>
@@ -1305,7 +1308,7 @@
           <a:p>
             <a:fld id="{B6E49E79-7361-4780-8BEF-7EDE3708298A}" type="datetime1">
               <a:rPr lang="ko-KR" altLang="en-US" smtClean="0"/>
-              <a:t>2023-04-25</a:t>
+              <a:t>2023-04-27</a:t>
             </a:fld>
             <a:endParaRPr lang="ko-KR" altLang="en-US"/>
           </a:p>
@@ -1477,7 +1480,7 @@
           <a:p>
             <a:fld id="{A4D42E3C-B70B-437C-85CF-1286301B9CBA}" type="datetime1">
               <a:rPr lang="ko-KR" altLang="en-US" smtClean="0"/>
-              <a:t>2023-04-25</a:t>
+              <a:t>2023-04-27</a:t>
             </a:fld>
             <a:endParaRPr lang="ko-KR" altLang="en-US"/>
           </a:p>
@@ -1729,7 +1732,7 @@
           <a:p>
             <a:fld id="{B3369A20-5B3D-4D98-A822-26B93D177A40}" type="datetime1">
               <a:rPr lang="ko-KR" altLang="en-US" smtClean="0"/>
-              <a:t>2023-04-25</a:t>
+              <a:t>2023-04-27</a:t>
             </a:fld>
             <a:endParaRPr lang="ko-KR" altLang="en-US"/>
           </a:p>
@@ -2014,7 +2017,7 @@
           <a:p>
             <a:fld id="{685CD4CE-9E43-4F70-A9D8-A2130CA7D92A}" type="datetime1">
               <a:rPr lang="ko-KR" altLang="en-US" smtClean="0"/>
-              <a:t>2023-04-25</a:t>
+              <a:t>2023-04-27</a:t>
             </a:fld>
             <a:endParaRPr lang="ko-KR" altLang="en-US"/>
           </a:p>
@@ -2440,7 +2443,7 @@
           <a:p>
             <a:fld id="{F752BD92-DA3E-4A0B-90C9-7DE5E15B6E96}" type="datetime1">
               <a:rPr lang="ko-KR" altLang="en-US" smtClean="0"/>
-              <a:t>2023-04-25</a:t>
+              <a:t>2023-04-27</a:t>
             </a:fld>
             <a:endParaRPr lang="ko-KR" altLang="en-US"/>
           </a:p>
@@ -2564,7 +2567,7 @@
           <a:p>
             <a:fld id="{8EA2B83A-F366-424E-B742-340ACF856BB5}" type="datetime1">
               <a:rPr lang="ko-KR" altLang="en-US" smtClean="0"/>
-              <a:t>2023-04-25</a:t>
+              <a:t>2023-04-27</a:t>
             </a:fld>
             <a:endParaRPr lang="ko-KR" altLang="en-US"/>
           </a:p>
@@ -2659,7 +2662,7 @@
           <a:p>
             <a:fld id="{9A49D68B-5DBD-48E9-A8D4-FCBC4B3DD9C6}" type="datetime1">
               <a:rPr lang="ko-KR" altLang="en-US" smtClean="0"/>
-              <a:t>2023-04-25</a:t>
+              <a:t>2023-04-27</a:t>
             </a:fld>
             <a:endParaRPr lang="ko-KR" altLang="en-US"/>
           </a:p>
@@ -2934,7 +2937,7 @@
           <a:p>
             <a:fld id="{4CAB534F-7D16-467B-9320-91F98915D181}" type="datetime1">
               <a:rPr lang="ko-KR" altLang="en-US" smtClean="0"/>
-              <a:t>2023-04-25</a:t>
+              <a:t>2023-04-27</a:t>
             </a:fld>
             <a:endParaRPr lang="ko-KR" altLang="en-US"/>
           </a:p>
@@ -3186,7 +3189,7 @@
           <a:p>
             <a:fld id="{A390A91F-2F8D-4486-A69D-D680F95444B0}" type="datetime1">
               <a:rPr lang="ko-KR" altLang="en-US" smtClean="0"/>
-              <a:t>2023-04-25</a:t>
+              <a:t>2023-04-27</a:t>
             </a:fld>
             <a:endParaRPr lang="ko-KR" altLang="en-US"/>
           </a:p>
@@ -3365,7 +3368,7 @@
           <a:p>
             <a:fld id="{2238BBEA-E8DD-414A-BF68-FC2AFA7CFF2D}" type="datetime1">
               <a:rPr lang="ko-KR" altLang="en-US" smtClean="0"/>
-              <a:t>2023-04-25</a:t>
+              <a:t>2023-04-27</a:t>
             </a:fld>
             <a:endParaRPr lang="ko-KR" altLang="en-US"/>
           </a:p>
@@ -9748,7 +9751,7 @@
         </p:nvGrpSpPr>
         <p:grpSpPr>
           <a:xfrm>
-            <a:off x="1856656" y="3068960"/>
+            <a:off x="2513014" y="3140968"/>
             <a:ext cx="1888558" cy="1943133"/>
             <a:chOff x="1696290" y="2832905"/>
             <a:chExt cx="1888558" cy="1943133"/>
@@ -9971,43 +9974,6 @@
           </p:txBody>
         </p:sp>
       </p:grpSp>
-      <p:pic>
-        <p:nvPicPr>
-          <p:cNvPr id="9" name="그림 8"/>
-          <p:cNvPicPr>
-            <a:picLocks noChangeAspect="1"/>
-          </p:cNvPicPr>
-          <p:nvPr/>
-        </p:nvPicPr>
-        <p:blipFill>
-          <a:blip r:embed="rId2">
-            <a:extLst>
-              <a:ext uri="{28A0092B-C50C-407E-A947-70E740481C1C}">
-                <a14:useLocalDpi xmlns:a14="http://schemas.microsoft.com/office/drawing/2010/main" val="0"/>
-              </a:ext>
-            </a:extLst>
-          </a:blip>
-          <a:stretch>
-            <a:fillRect/>
-          </a:stretch>
-        </p:blipFill>
-        <p:spPr>
-          <a:xfrm>
-            <a:off x="4448944" y="3453949"/>
-            <a:ext cx="2890998" cy="1055171"/>
-          </a:xfrm>
-          <a:prstGeom prst="rect">
-            <a:avLst/>
-          </a:prstGeom>
-          <a:ln>
-            <a:solidFill>
-              <a:schemeClr val="bg1">
-                <a:lumMod val="85000"/>
-              </a:schemeClr>
-            </a:solidFill>
-          </a:ln>
-        </p:spPr>
-      </p:pic>
     </p:spTree>
     <p:extLst>
       <p:ext uri="{BB962C8B-B14F-4D97-AF65-F5344CB8AC3E}">
@@ -10320,8 +10286,12 @@
               <a:t> </a:t>
             </a:r>
             <a:r>
+              <a:rPr lang="ko-KR" altLang="en-US" dirty="0" err="1"/>
+              <a:t>사</a:t>
+            </a:r>
+            <a:r>
               <a:rPr lang="ko-KR" altLang="en-US" dirty="0" err="1" smtClean="0"/>
-              <a:t>사번</a:t>
+              <a:t>번</a:t>
             </a:r>
             <a:r>
               <a:rPr lang="ko-KR" altLang="en-US" dirty="0" smtClean="0"/>
@@ -10353,6 +10323,489 @@
             <a:fld id="{1BDE3FE7-3AEA-4B05-AC5A-802D1816ACF0}" type="slidenum">
               <a:rPr lang="ko-KR" altLang="en-US" smtClean="0"/>
               <a:t>26</a:t>
+            </a:fld>
+            <a:endParaRPr lang="ko-KR" altLang="en-US"/>
+          </a:p>
+        </p:txBody>
+      </p:sp>
+      <p:sp>
+        <p:nvSpPr>
+          <p:cNvPr id="7" name="모서리가 둥근 직사각형 6"/>
+          <p:cNvSpPr/>
+          <p:nvPr/>
+        </p:nvSpPr>
+        <p:spPr>
+          <a:xfrm>
+            <a:off x="1285026" y="1334256"/>
+            <a:ext cx="2659862" cy="438560"/>
+          </a:xfrm>
+          <a:prstGeom prst="roundRect">
+            <a:avLst/>
+          </a:prstGeom>
+          <a:ln>
+            <a:noFill/>
+          </a:ln>
+        </p:spPr>
+        <p:style>
+          <a:lnRef idx="2">
+            <a:schemeClr val="accent4"/>
+          </a:lnRef>
+          <a:fillRef idx="1">
+            <a:schemeClr val="lt1"/>
+          </a:fillRef>
+          <a:effectRef idx="0">
+            <a:schemeClr val="accent4"/>
+          </a:effectRef>
+          <a:fontRef idx="minor">
+            <a:schemeClr val="dk1"/>
+          </a:fontRef>
+        </p:style>
+        <p:txBody>
+          <a:bodyPr rtlCol="0" anchor="ctr"/>
+          <a:lstStyle/>
+          <a:p>
+            <a:pPr marL="285750" indent="-285750">
+              <a:lnSpc>
+                <a:spcPct val="150000"/>
+              </a:lnSpc>
+              <a:buFont typeface="Wingdings" panose="05000000000000000000" pitchFamily="2" charset="2"/>
+              <a:buChar char="l"/>
+            </a:pPr>
+            <a:r>
+              <a:rPr lang="ko-KR" altLang="en-US" sz="2000" dirty="0" err="1" smtClean="0">
+                <a:latin typeface="+mn-ea"/>
+              </a:rPr>
+              <a:t>사번</a:t>
+            </a:r>
+            <a:r>
+              <a:rPr lang="ko-KR" altLang="en-US" sz="2000" dirty="0" smtClean="0">
+                <a:latin typeface="+mn-ea"/>
+              </a:rPr>
+              <a:t> 자동 발급</a:t>
+            </a:r>
+            <a:r>
+              <a:rPr lang="en-US" altLang="ko-KR" sz="2000" dirty="0" smtClean="0">
+                <a:latin typeface="+mn-ea"/>
+              </a:rPr>
+              <a:t> </a:t>
+            </a:r>
+          </a:p>
+        </p:txBody>
+      </p:sp>
+      <p:pic>
+        <p:nvPicPr>
+          <p:cNvPr id="2" name="그림 1"/>
+          <p:cNvPicPr>
+            <a:picLocks noChangeAspect="1"/>
+          </p:cNvPicPr>
+          <p:nvPr/>
+        </p:nvPicPr>
+        <p:blipFill>
+          <a:blip r:embed="rId2">
+            <a:extLst>
+              <a:ext uri="{28A0092B-C50C-407E-A947-70E740481C1C}">
+                <a14:useLocalDpi xmlns:a14="http://schemas.microsoft.com/office/drawing/2010/main" val="0"/>
+              </a:ext>
+            </a:extLst>
+          </a:blip>
+          <a:stretch>
+            <a:fillRect/>
+          </a:stretch>
+        </p:blipFill>
+        <p:spPr>
+          <a:xfrm>
+            <a:off x="2144688" y="1887461"/>
+            <a:ext cx="2916836" cy="4536504"/>
+          </a:xfrm>
+          <a:prstGeom prst="rect">
+            <a:avLst/>
+          </a:prstGeom>
+          <a:ln>
+            <a:solidFill>
+              <a:schemeClr val="bg1">
+                <a:lumMod val="85000"/>
+              </a:schemeClr>
+            </a:solidFill>
+          </a:ln>
+        </p:spPr>
+      </p:pic>
+      <p:pic>
+        <p:nvPicPr>
+          <p:cNvPr id="9" name="그림 8"/>
+          <p:cNvPicPr>
+            <a:picLocks noChangeAspect="1"/>
+          </p:cNvPicPr>
+          <p:nvPr/>
+        </p:nvPicPr>
+        <p:blipFill>
+          <a:blip r:embed="rId3">
+            <a:extLst>
+              <a:ext uri="{28A0092B-C50C-407E-A947-70E740481C1C}">
+                <a14:useLocalDpi xmlns:a14="http://schemas.microsoft.com/office/drawing/2010/main" val="0"/>
+              </a:ext>
+            </a:extLst>
+          </a:blip>
+          <a:stretch>
+            <a:fillRect/>
+          </a:stretch>
+        </p:blipFill>
+        <p:spPr>
+          <a:xfrm>
+            <a:off x="5385049" y="2708920"/>
+            <a:ext cx="2747262" cy="1872208"/>
+          </a:xfrm>
+          <a:prstGeom prst="rect">
+            <a:avLst/>
+          </a:prstGeom>
+          <a:ln>
+            <a:solidFill>
+              <a:schemeClr val="bg1">
+                <a:lumMod val="85000"/>
+              </a:schemeClr>
+            </a:solidFill>
+          </a:ln>
+        </p:spPr>
+      </p:pic>
+    </p:spTree>
+    <p:extLst>
+      <p:ext uri="{BB962C8B-B14F-4D97-AF65-F5344CB8AC3E}">
+        <p14:creationId xmlns:p14="http://schemas.microsoft.com/office/powerpoint/2010/main" val="2551901636"/>
+      </p:ext>
+    </p:extLst>
+  </p:cSld>
+  <p:clrMapOvr>
+    <a:masterClrMapping/>
+  </p:clrMapOvr>
+  <p:timing>
+    <p:tnLst>
+      <p:par>
+        <p:cTn id="1" dur="indefinite" restart="never" nodeType="tmRoot"/>
+      </p:par>
+    </p:tnLst>
+  </p:timing>
+</p:sld>
+</file>
+
+<file path=ppt/slides/slide27.xml><?xml version="1.0" encoding="utf-8"?>
+<p:sld xmlns:a="http://schemas.openxmlformats.org/drawingml/2006/main" xmlns:r="http://schemas.openxmlformats.org/officeDocument/2006/relationships" xmlns:p="http://schemas.openxmlformats.org/presentationml/2006/main">
+  <p:cSld>
+    <p:spTree>
+      <p:nvGrpSpPr>
+        <p:cNvPr id="1" name=""/>
+        <p:cNvGrpSpPr/>
+        <p:nvPr/>
+      </p:nvGrpSpPr>
+      <p:grpSpPr>
+        <a:xfrm>
+          <a:off x="0" y="0"/>
+          <a:ext cx="0" cy="0"/>
+          <a:chOff x="0" y="0"/>
+          <a:chExt cx="0" cy="0"/>
+        </a:xfrm>
+      </p:grpSpPr>
+      <p:sp>
+        <p:nvSpPr>
+          <p:cNvPr id="6" name="제목 5"/>
+          <p:cNvSpPr>
+            <a:spLocks noGrp="1"/>
+          </p:cNvSpPr>
+          <p:nvPr>
+            <p:ph type="title"/>
+          </p:nvPr>
+        </p:nvSpPr>
+        <p:spPr/>
+        <p:txBody>
+          <a:bodyPr>
+            <a:normAutofit/>
+          </a:bodyPr>
+          <a:lstStyle/>
+          <a:p>
+            <a:r>
+              <a:rPr lang="en-US" altLang="ko-KR" dirty="0" smtClean="0"/>
+              <a:t> </a:t>
+            </a:r>
+            <a:r>
+              <a:rPr lang="ko-KR" altLang="en-US" dirty="0" err="1"/>
+              <a:t>사</a:t>
+            </a:r>
+            <a:r>
+              <a:rPr lang="ko-KR" altLang="en-US" dirty="0" err="1" smtClean="0"/>
+              <a:t>번</a:t>
+            </a:r>
+            <a:r>
+              <a:rPr lang="ko-KR" altLang="en-US" dirty="0" smtClean="0"/>
+              <a:t> 자동 부여</a:t>
+            </a:r>
+            <a:endParaRPr lang="ko-KR" altLang="en-US" dirty="0">
+              <a:solidFill>
+                <a:schemeClr val="tx1"/>
+              </a:solidFill>
+            </a:endParaRPr>
+          </a:p>
+        </p:txBody>
+      </p:sp>
+      <p:sp>
+        <p:nvSpPr>
+          <p:cNvPr id="5" name="슬라이드 번호 개체 틀 4"/>
+          <p:cNvSpPr>
+            <a:spLocks noGrp="1"/>
+          </p:cNvSpPr>
+          <p:nvPr>
+            <p:ph type="sldNum" sz="quarter" idx="12"/>
+          </p:nvPr>
+        </p:nvSpPr>
+        <p:spPr/>
+        <p:txBody>
+          <a:bodyPr/>
+          <a:lstStyle/>
+          <a:p>
+            <a:fld id="{1BDE3FE7-3AEA-4B05-AC5A-802D1816ACF0}" type="slidenum">
+              <a:rPr lang="ko-KR" altLang="en-US" smtClean="0"/>
+              <a:t>27</a:t>
+            </a:fld>
+            <a:endParaRPr lang="ko-KR" altLang="en-US"/>
+          </a:p>
+        </p:txBody>
+      </p:sp>
+      <p:sp>
+        <p:nvSpPr>
+          <p:cNvPr id="18" name="모서리가 둥근 직사각형 17"/>
+          <p:cNvSpPr/>
+          <p:nvPr/>
+        </p:nvSpPr>
+        <p:spPr>
+          <a:xfrm>
+            <a:off x="996993" y="1334256"/>
+            <a:ext cx="5672497" cy="438560"/>
+          </a:xfrm>
+          <a:prstGeom prst="roundRect">
+            <a:avLst/>
+          </a:prstGeom>
+          <a:ln>
+            <a:noFill/>
+          </a:ln>
+        </p:spPr>
+        <p:style>
+          <a:lnRef idx="2">
+            <a:schemeClr val="accent4"/>
+          </a:lnRef>
+          <a:fillRef idx="1">
+            <a:schemeClr val="lt1"/>
+          </a:fillRef>
+          <a:effectRef idx="0">
+            <a:schemeClr val="accent4"/>
+          </a:effectRef>
+          <a:fontRef idx="minor">
+            <a:schemeClr val="dk1"/>
+          </a:fontRef>
+        </p:style>
+        <p:txBody>
+          <a:bodyPr rtlCol="0" anchor="ctr"/>
+          <a:lstStyle/>
+          <a:p>
+            <a:pPr marL="285750" indent="-285750">
+              <a:lnSpc>
+                <a:spcPct val="150000"/>
+              </a:lnSpc>
+              <a:buFont typeface="Wingdings" panose="05000000000000000000" pitchFamily="2" charset="2"/>
+              <a:buChar char="l"/>
+            </a:pPr>
+            <a:r>
+              <a:rPr lang="en-US" altLang="ko-KR" sz="2000" dirty="0" err="1">
+                <a:latin typeface="+mn-ea"/>
+              </a:rPr>
+              <a:t>s</a:t>
+            </a:r>
+            <a:r>
+              <a:rPr lang="en-US" altLang="ko-KR" sz="2000" dirty="0" err="1" smtClean="0">
+                <a:latin typeface="+mn-ea"/>
+              </a:rPr>
+              <a:t>erial_num</a:t>
+            </a:r>
+            <a:r>
+              <a:rPr lang="ko-KR" altLang="en-US" sz="2000" dirty="0" smtClean="0">
+                <a:latin typeface="+mn-ea"/>
+              </a:rPr>
+              <a:t>이 인스턴스 변수인 경우</a:t>
+            </a:r>
+            <a:r>
+              <a:rPr lang="en-US" altLang="ko-KR" sz="2000" dirty="0" smtClean="0">
+                <a:latin typeface="+mn-ea"/>
+              </a:rPr>
+              <a:t> </a:t>
+            </a:r>
+            <a:endParaRPr lang="en-US" altLang="ko-KR" sz="2000" dirty="0" smtClean="0">
+              <a:latin typeface="+mn-ea"/>
+            </a:endParaRPr>
+          </a:p>
+        </p:txBody>
+      </p:sp>
+      <p:pic>
+        <p:nvPicPr>
+          <p:cNvPr id="3" name="그림 2"/>
+          <p:cNvPicPr>
+            <a:picLocks noChangeAspect="1"/>
+          </p:cNvPicPr>
+          <p:nvPr/>
+        </p:nvPicPr>
+        <p:blipFill>
+          <a:blip r:embed="rId2">
+            <a:extLst>
+              <a:ext uri="{28A0092B-C50C-407E-A947-70E740481C1C}">
+                <a14:useLocalDpi xmlns:a14="http://schemas.microsoft.com/office/drawing/2010/main" val="0"/>
+              </a:ext>
+            </a:extLst>
+          </a:blip>
+          <a:stretch>
+            <a:fillRect/>
+          </a:stretch>
+        </p:blipFill>
+        <p:spPr>
+          <a:xfrm>
+            <a:off x="1784648" y="2054336"/>
+            <a:ext cx="4884843" cy="1607959"/>
+          </a:xfrm>
+          <a:prstGeom prst="rect">
+            <a:avLst/>
+          </a:prstGeom>
+          <a:ln>
+            <a:solidFill>
+              <a:schemeClr val="bg1">
+                <a:lumMod val="85000"/>
+              </a:schemeClr>
+            </a:solidFill>
+          </a:ln>
+        </p:spPr>
+      </p:pic>
+      <p:pic>
+        <p:nvPicPr>
+          <p:cNvPr id="4" name="그림 3"/>
+          <p:cNvPicPr>
+            <a:picLocks noChangeAspect="1"/>
+          </p:cNvPicPr>
+          <p:nvPr/>
+        </p:nvPicPr>
+        <p:blipFill>
+          <a:blip r:embed="rId3">
+            <a:extLst>
+              <a:ext uri="{28A0092B-C50C-407E-A947-70E740481C1C}">
+                <a14:useLocalDpi xmlns:a14="http://schemas.microsoft.com/office/drawing/2010/main" val="0"/>
+              </a:ext>
+            </a:extLst>
+          </a:blip>
+          <a:stretch>
+            <a:fillRect/>
+          </a:stretch>
+        </p:blipFill>
+        <p:spPr>
+          <a:xfrm>
+            <a:off x="2576736" y="4077072"/>
+            <a:ext cx="2911092" cy="952583"/>
+          </a:xfrm>
+          <a:prstGeom prst="rect">
+            <a:avLst/>
+          </a:prstGeom>
+          <a:ln>
+            <a:solidFill>
+              <a:schemeClr val="bg1">
+                <a:lumMod val="85000"/>
+              </a:schemeClr>
+            </a:solidFill>
+          </a:ln>
+        </p:spPr>
+      </p:pic>
+    </p:spTree>
+    <p:extLst>
+      <p:ext uri="{BB962C8B-B14F-4D97-AF65-F5344CB8AC3E}">
+        <p14:creationId xmlns:p14="http://schemas.microsoft.com/office/powerpoint/2010/main" val="432464719"/>
+      </p:ext>
+    </p:extLst>
+  </p:cSld>
+  <p:clrMapOvr>
+    <a:masterClrMapping/>
+  </p:clrMapOvr>
+  <p:timing>
+    <p:tnLst>
+      <p:par>
+        <p:cTn id="1" dur="indefinite" restart="never" nodeType="tmRoot"/>
+      </p:par>
+    </p:tnLst>
+  </p:timing>
+</p:sld>
+</file>
+
+<file path=ppt/slides/slide28.xml><?xml version="1.0" encoding="utf-8"?>
+<p:sld xmlns:a="http://schemas.openxmlformats.org/drawingml/2006/main" xmlns:r="http://schemas.openxmlformats.org/officeDocument/2006/relationships" xmlns:p="http://schemas.openxmlformats.org/presentationml/2006/main">
+  <p:cSld>
+    <p:spTree>
+      <p:nvGrpSpPr>
+        <p:cNvPr id="1" name=""/>
+        <p:cNvGrpSpPr/>
+        <p:nvPr/>
+      </p:nvGrpSpPr>
+      <p:grpSpPr>
+        <a:xfrm>
+          <a:off x="0" y="0"/>
+          <a:ext cx="0" cy="0"/>
+          <a:chOff x="0" y="0"/>
+          <a:chExt cx="0" cy="0"/>
+        </a:xfrm>
+      </p:grpSpPr>
+      <p:sp>
+        <p:nvSpPr>
+          <p:cNvPr id="6" name="제목 5"/>
+          <p:cNvSpPr>
+            <a:spLocks noGrp="1"/>
+          </p:cNvSpPr>
+          <p:nvPr>
+            <p:ph type="title"/>
+          </p:nvPr>
+        </p:nvSpPr>
+        <p:spPr/>
+        <p:txBody>
+          <a:bodyPr>
+            <a:normAutofit/>
+          </a:bodyPr>
+          <a:lstStyle/>
+          <a:p>
+            <a:r>
+              <a:rPr lang="en-US" altLang="ko-KR" dirty="0" smtClean="0"/>
+              <a:t> </a:t>
+            </a:r>
+            <a:r>
+              <a:rPr lang="ko-KR" altLang="en-US" dirty="0" err="1" smtClean="0"/>
+              <a:t>사번</a:t>
+            </a:r>
+            <a:r>
+              <a:rPr lang="ko-KR" altLang="en-US" dirty="0" smtClean="0"/>
+              <a:t> 자동 부여</a:t>
+            </a:r>
+            <a:endParaRPr lang="ko-KR" altLang="en-US" dirty="0">
+              <a:solidFill>
+                <a:schemeClr val="tx1"/>
+              </a:solidFill>
+            </a:endParaRPr>
+          </a:p>
+        </p:txBody>
+      </p:sp>
+      <p:sp>
+        <p:nvSpPr>
+          <p:cNvPr id="5" name="슬라이드 번호 개체 틀 4"/>
+          <p:cNvSpPr>
+            <a:spLocks noGrp="1"/>
+          </p:cNvSpPr>
+          <p:nvPr>
+            <p:ph type="sldNum" sz="quarter" idx="12"/>
+          </p:nvPr>
+        </p:nvSpPr>
+        <p:spPr/>
+        <p:txBody>
+          <a:bodyPr/>
+          <a:lstStyle/>
+          <a:p>
+            <a:fld id="{1BDE3FE7-3AEA-4B05-AC5A-802D1816ACF0}" type="slidenum">
+              <a:rPr lang="ko-KR" altLang="en-US" smtClean="0"/>
+              <a:t>28</a:t>
             </a:fld>
             <a:endParaRPr lang="ko-KR" altLang="en-US"/>
           </a:p>
@@ -10418,7 +10871,7 @@
         </p:nvSpPr>
         <p:spPr>
           <a:xfrm>
-            <a:off x="3824068" y="1988841"/>
+            <a:off x="3824068" y="2274347"/>
             <a:ext cx="2049093" cy="1543001"/>
           </a:xfrm>
           <a:prstGeom prst="rect">
@@ -10463,7 +10916,7 @@
         </p:nvSpPr>
         <p:spPr>
           <a:xfrm>
-            <a:off x="4202533" y="3731554"/>
+            <a:off x="4202533" y="4017060"/>
             <a:ext cx="1458069" cy="338554"/>
           </a:xfrm>
           <a:prstGeom prst="rect">
@@ -10498,7 +10951,7 @@
         </p:nvSpPr>
         <p:spPr>
           <a:xfrm>
-            <a:off x="4072960" y="2134960"/>
+            <a:off x="4072960" y="2420466"/>
             <a:ext cx="1469860" cy="456249"/>
           </a:xfrm>
           <a:prstGeom prst="roundRect">
@@ -10556,7 +11009,7 @@
         </p:nvSpPr>
         <p:spPr>
           <a:xfrm>
-            <a:off x="4072960" y="2942073"/>
+            <a:off x="4072960" y="3227579"/>
             <a:ext cx="1469860" cy="456249"/>
           </a:xfrm>
           <a:prstGeom prst="roundRect">
@@ -10614,7 +11067,7 @@
         </p:nvSpPr>
         <p:spPr>
           <a:xfrm>
-            <a:off x="6646371" y="1988841"/>
+            <a:off x="6646371" y="2274347"/>
             <a:ext cx="2195061" cy="1543002"/>
           </a:xfrm>
           <a:prstGeom prst="rect">
@@ -10659,7 +11112,7 @@
         </p:nvSpPr>
         <p:spPr>
           <a:xfrm>
-            <a:off x="7238378" y="3710847"/>
+            <a:off x="7238378" y="3996353"/>
             <a:ext cx="1251275" cy="338554"/>
           </a:xfrm>
           <a:prstGeom prst="rect">
@@ -10696,7 +11149,7 @@
         </p:nvCxnSpPr>
         <p:spPr>
           <a:xfrm flipV="1">
-            <a:off x="5436613" y="2363085"/>
+            <a:off x="5436613" y="2648591"/>
             <a:ext cx="1371989" cy="9932"/>
           </a:xfrm>
           <a:prstGeom prst="straightConnector1">
@@ -10731,7 +11184,7 @@
         </p:nvCxnSpPr>
         <p:spPr>
           <a:xfrm>
-            <a:off x="5436614" y="3155474"/>
+            <a:off x="5436614" y="3440980"/>
             <a:ext cx="1371988" cy="2770"/>
           </a:xfrm>
           <a:prstGeom prst="straightConnector1">
@@ -10764,7 +11217,7 @@
         </p:nvSpPr>
         <p:spPr>
           <a:xfrm>
-            <a:off x="6808602" y="2134960"/>
+            <a:off x="6808602" y="2420466"/>
             <a:ext cx="1855207" cy="456249"/>
           </a:xfrm>
           <a:prstGeom prst="roundRect">
@@ -10830,7 +11283,7 @@
         </p:nvSpPr>
         <p:spPr>
           <a:xfrm>
-            <a:off x="6808602" y="2930119"/>
+            <a:off x="6808602" y="3215625"/>
             <a:ext cx="1855207" cy="456249"/>
           </a:xfrm>
           <a:prstGeom prst="roundRect">
@@ -10896,7 +11349,7 @@
         </p:nvSpPr>
         <p:spPr>
           <a:xfrm>
-            <a:off x="1429044" y="1988840"/>
+            <a:off x="1429044" y="2274346"/>
             <a:ext cx="1760943" cy="1543002"/>
           </a:xfrm>
           <a:prstGeom prst="rect">
@@ -10941,7 +11394,7 @@
         </p:nvSpPr>
         <p:spPr>
           <a:xfrm>
-            <a:off x="1597716" y="3710847"/>
+            <a:off x="1597716" y="3996353"/>
             <a:ext cx="1771108" cy="584775"/>
           </a:xfrm>
           <a:prstGeom prst="rect">
@@ -10988,7 +11441,7 @@
         </p:nvSpPr>
         <p:spPr>
           <a:xfrm>
-            <a:off x="1574586" y="2699225"/>
+            <a:off x="1574586" y="2984731"/>
             <a:ext cx="1469860" cy="456249"/>
           </a:xfrm>
           <a:prstGeom prst="roundRect">
@@ -11046,7 +11499,7 @@
         </p:nvSpPr>
         <p:spPr>
           <a:xfrm>
-            <a:off x="1580049" y="2195174"/>
+            <a:off x="1580049" y="2480680"/>
             <a:ext cx="1367430" cy="338554"/>
           </a:xfrm>
           <a:prstGeom prst="rect">
@@ -11077,7 +11530,7 @@
         </p:nvCxnSpPr>
         <p:spPr>
           <a:xfrm flipV="1">
-            <a:off x="2906564" y="2412838"/>
+            <a:off x="2906564" y="2698344"/>
             <a:ext cx="1166396" cy="376149"/>
           </a:xfrm>
           <a:prstGeom prst="straightConnector1">
@@ -11114,7 +11567,7 @@
         </p:nvCxnSpPr>
         <p:spPr>
           <a:xfrm>
-            <a:off x="2919668" y="3024628"/>
+            <a:off x="2919668" y="3310134"/>
             <a:ext cx="1153292" cy="145570"/>
           </a:xfrm>
           <a:prstGeom prst="straightConnector1">
@@ -11141,43 +11594,6 @@
           </a:fontRef>
         </p:style>
       </p:cxnSp>
-      <p:pic>
-        <p:nvPicPr>
-          <p:cNvPr id="25" name="그림 24"/>
-          <p:cNvPicPr>
-            <a:picLocks noChangeAspect="1"/>
-          </p:cNvPicPr>
-          <p:nvPr/>
-        </p:nvPicPr>
-        <p:blipFill>
-          <a:blip r:embed="rId2">
-            <a:extLst>
-              <a:ext uri="{28A0092B-C50C-407E-A947-70E740481C1C}">
-                <a14:useLocalDpi xmlns:a14="http://schemas.microsoft.com/office/drawing/2010/main" val="0"/>
-              </a:ext>
-            </a:extLst>
-          </a:blip>
-          <a:stretch>
-            <a:fillRect/>
-          </a:stretch>
-        </p:blipFill>
-        <p:spPr>
-          <a:xfrm>
-            <a:off x="3844015" y="4185389"/>
-            <a:ext cx="2298539" cy="2173164"/>
-          </a:xfrm>
-          <a:prstGeom prst="rect">
-            <a:avLst/>
-          </a:prstGeom>
-          <a:ln>
-            <a:solidFill>
-              <a:schemeClr val="bg1">
-                <a:lumMod val="85000"/>
-              </a:schemeClr>
-            </a:solidFill>
-          </a:ln>
-        </p:spPr>
-      </p:pic>
     </p:spTree>
     <p:extLst>
       <p:ext uri="{BB962C8B-B14F-4D97-AF65-F5344CB8AC3E}">
@@ -11427,7 +11843,7 @@
 </p:sld>
 </file>
 
-<file path=ppt/slides/slide27.xml><?xml version="1.0" encoding="utf-8"?>
+<file path=ppt/slides/slide29.xml><?xml version="1.0" encoding="utf-8"?>
 <p:sld xmlns:a="http://schemas.openxmlformats.org/drawingml/2006/main" xmlns:r="http://schemas.openxmlformats.org/officeDocument/2006/relationships" xmlns:p="http://schemas.openxmlformats.org/presentationml/2006/main">
   <p:cSld>
     <p:spTree>
@@ -11456,9 +11872,7 @@
         </p:nvSpPr>
         <p:spPr/>
         <p:txBody>
-          <a:bodyPr>
-            <a:normAutofit/>
-          </a:bodyPr>
+          <a:bodyPr/>
           <a:lstStyle/>
           <a:p>
             <a:r>
@@ -11466,22 +11880,14 @@
               <a:t> </a:t>
             </a:r>
             <a:r>
-              <a:rPr lang="ko-KR" altLang="en-US" dirty="0" err="1"/>
-              <a:t>사</a:t>
-            </a:r>
-            <a:r>
-              <a:rPr lang="ko-KR" altLang="en-US" dirty="0" err="1" smtClean="0"/>
-              <a:t>번</a:t>
-            </a:r>
-            <a:r>
               <a:rPr lang="ko-KR" altLang="en-US" dirty="0" smtClean="0"/>
-              <a:t> 자동 부여</a:t>
-            </a:r>
-            <a:endParaRPr lang="ko-KR" altLang="en-US" dirty="0">
-              <a:solidFill>
-                <a:schemeClr val="tx1"/>
-              </a:solidFill>
-            </a:endParaRPr>
+              <a:t>상속</a:t>
+            </a:r>
+            <a:r>
+              <a:rPr lang="en-US" altLang="ko-KR" dirty="0" smtClean="0"/>
+              <a:t>(Inheritance)</a:t>
+            </a:r>
+            <a:endParaRPr lang="ko-KR" altLang="en-US" dirty="0"/>
           </a:p>
         </p:txBody>
       </p:sp>
@@ -11502,291 +11908,7 @@
           <a:p>
             <a:fld id="{1BDE3FE7-3AEA-4B05-AC5A-802D1816ACF0}" type="slidenum">
               <a:rPr lang="ko-KR" altLang="en-US" smtClean="0"/>
-              <a:t>27</a:t>
-            </a:fld>
-            <a:endParaRPr lang="ko-KR" altLang="en-US"/>
-          </a:p>
-        </p:txBody>
-      </p:sp>
-      <p:sp>
-        <p:nvSpPr>
-          <p:cNvPr id="7" name="모서리가 둥근 직사각형 6"/>
-          <p:cNvSpPr/>
-          <p:nvPr/>
-        </p:nvSpPr>
-        <p:spPr>
-          <a:xfrm>
-            <a:off x="1285026" y="1334256"/>
-            <a:ext cx="2659862" cy="438560"/>
-          </a:xfrm>
-          <a:prstGeom prst="roundRect">
-            <a:avLst/>
-          </a:prstGeom>
-          <a:ln>
-            <a:noFill/>
-          </a:ln>
-        </p:spPr>
-        <p:style>
-          <a:lnRef idx="2">
-            <a:schemeClr val="accent4"/>
-          </a:lnRef>
-          <a:fillRef idx="1">
-            <a:schemeClr val="lt1"/>
-          </a:fillRef>
-          <a:effectRef idx="0">
-            <a:schemeClr val="accent4"/>
-          </a:effectRef>
-          <a:fontRef idx="minor">
-            <a:schemeClr val="dk1"/>
-          </a:fontRef>
-        </p:style>
-        <p:txBody>
-          <a:bodyPr rtlCol="0" anchor="ctr"/>
-          <a:lstStyle/>
-          <a:p>
-            <a:pPr marL="285750" indent="-285750">
-              <a:lnSpc>
-                <a:spcPct val="150000"/>
-              </a:lnSpc>
-              <a:buFont typeface="Wingdings" panose="05000000000000000000" pitchFamily="2" charset="2"/>
-              <a:buChar char="l"/>
-            </a:pPr>
-            <a:r>
-              <a:rPr lang="ko-KR" altLang="en-US" sz="2000" dirty="0" err="1" smtClean="0">
-                <a:latin typeface="+mn-ea"/>
-              </a:rPr>
-              <a:t>사번</a:t>
-            </a:r>
-            <a:r>
-              <a:rPr lang="ko-KR" altLang="en-US" sz="2000" dirty="0" smtClean="0">
-                <a:latin typeface="+mn-ea"/>
-              </a:rPr>
-              <a:t> 자동 발급</a:t>
-            </a:r>
-            <a:r>
-              <a:rPr lang="en-US" altLang="ko-KR" sz="2000" dirty="0" smtClean="0">
-                <a:latin typeface="+mn-ea"/>
-              </a:rPr>
-              <a:t> </a:t>
-            </a:r>
-          </a:p>
-        </p:txBody>
-      </p:sp>
-      <p:pic>
-        <p:nvPicPr>
-          <p:cNvPr id="3" name="그림 2"/>
-          <p:cNvPicPr>
-            <a:picLocks noChangeAspect="1"/>
-          </p:cNvPicPr>
-          <p:nvPr/>
-        </p:nvPicPr>
-        <p:blipFill>
-          <a:blip r:embed="rId2">
-            <a:extLst>
-              <a:ext uri="{28A0092B-C50C-407E-A947-70E740481C1C}">
-                <a14:useLocalDpi xmlns:a14="http://schemas.microsoft.com/office/drawing/2010/main" val="0"/>
-              </a:ext>
-            </a:extLst>
-          </a:blip>
-          <a:stretch>
-            <a:fillRect/>
-          </a:stretch>
-        </p:blipFill>
-        <p:spPr>
-          <a:xfrm>
-            <a:off x="4256518" y="2129296"/>
-            <a:ext cx="4298053" cy="3642676"/>
-          </a:xfrm>
-          <a:prstGeom prst="rect">
-            <a:avLst/>
-          </a:prstGeom>
-          <a:ln>
-            <a:solidFill>
-              <a:schemeClr val="bg1">
-                <a:lumMod val="85000"/>
-              </a:schemeClr>
-            </a:solidFill>
-          </a:ln>
-        </p:spPr>
-      </p:pic>
-      <p:sp>
-        <p:nvSpPr>
-          <p:cNvPr id="8" name="TextBox 7"/>
-          <p:cNvSpPr txBox="1"/>
-          <p:nvPr/>
-        </p:nvSpPr>
-        <p:spPr>
-          <a:xfrm>
-            <a:off x="6897216" y="3140968"/>
-            <a:ext cx="2016224" cy="374571"/>
-          </a:xfrm>
-          <a:prstGeom prst="roundRect">
-            <a:avLst/>
-          </a:prstGeom>
-          <a:ln w="19050">
-            <a:solidFill>
-              <a:schemeClr val="tx1">
-                <a:lumMod val="50000"/>
-                <a:lumOff val="50000"/>
-              </a:schemeClr>
-            </a:solidFill>
-          </a:ln>
-        </p:spPr>
-        <p:style>
-          <a:lnRef idx="2">
-            <a:schemeClr val="dk1"/>
-          </a:lnRef>
-          <a:fillRef idx="1">
-            <a:schemeClr val="lt1"/>
-          </a:fillRef>
-          <a:effectRef idx="0">
-            <a:schemeClr val="dk1"/>
-          </a:effectRef>
-          <a:fontRef idx="minor">
-            <a:schemeClr val="dk1"/>
-          </a:fontRef>
-        </p:style>
-        <p:txBody>
-          <a:bodyPr wrap="square" rtlCol="0">
-            <a:spAutoFit/>
-          </a:bodyPr>
-          <a:lstStyle/>
-          <a:p>
-            <a:r>
-              <a:rPr lang="en-US" altLang="ko-KR" sz="1600" dirty="0"/>
-              <a:t>e</a:t>
-            </a:r>
-            <a:r>
-              <a:rPr lang="en-US" altLang="ko-KR" sz="1600" dirty="0" smtClean="0"/>
-              <a:t>mployee_main.py</a:t>
-            </a:r>
-            <a:endParaRPr lang="ko-KR" altLang="en-US" sz="1600" dirty="0"/>
-          </a:p>
-        </p:txBody>
-      </p:sp>
-      <p:pic>
-        <p:nvPicPr>
-          <p:cNvPr id="4" name="그림 3"/>
-          <p:cNvPicPr>
-            <a:picLocks noChangeAspect="1"/>
-          </p:cNvPicPr>
-          <p:nvPr/>
-        </p:nvPicPr>
-        <p:blipFill>
-          <a:blip r:embed="rId3">
-            <a:extLst>
-              <a:ext uri="{28A0092B-C50C-407E-A947-70E740481C1C}">
-                <a14:useLocalDpi xmlns:a14="http://schemas.microsoft.com/office/drawing/2010/main" val="0"/>
-              </a:ext>
-            </a:extLst>
-          </a:blip>
-          <a:stretch>
-            <a:fillRect/>
-          </a:stretch>
-        </p:blipFill>
-        <p:spPr>
-          <a:xfrm>
-            <a:off x="1424608" y="2129296"/>
-            <a:ext cx="2629128" cy="1539373"/>
-          </a:xfrm>
-          <a:prstGeom prst="rect">
-            <a:avLst/>
-          </a:prstGeom>
-          <a:ln>
-            <a:solidFill>
-              <a:schemeClr val="bg1">
-                <a:lumMod val="85000"/>
-              </a:schemeClr>
-            </a:solidFill>
-          </a:ln>
-        </p:spPr>
-      </p:pic>
-    </p:spTree>
-    <p:extLst>
-      <p:ext uri="{BB962C8B-B14F-4D97-AF65-F5344CB8AC3E}">
-        <p14:creationId xmlns:p14="http://schemas.microsoft.com/office/powerpoint/2010/main" val="2551901636"/>
-      </p:ext>
-    </p:extLst>
-  </p:cSld>
-  <p:clrMapOvr>
-    <a:masterClrMapping/>
-  </p:clrMapOvr>
-  <p:timing>
-    <p:tnLst>
-      <p:par>
-        <p:cTn id="1" dur="indefinite" restart="never" nodeType="tmRoot"/>
-      </p:par>
-    </p:tnLst>
-  </p:timing>
-</p:sld>
-</file>
-
-<file path=ppt/slides/slide28.xml><?xml version="1.0" encoding="utf-8"?>
-<p:sld xmlns:a="http://schemas.openxmlformats.org/drawingml/2006/main" xmlns:r="http://schemas.openxmlformats.org/officeDocument/2006/relationships" xmlns:p="http://schemas.openxmlformats.org/presentationml/2006/main">
-  <p:cSld>
-    <p:spTree>
-      <p:nvGrpSpPr>
-        <p:cNvPr id="1" name=""/>
-        <p:cNvGrpSpPr/>
-        <p:nvPr/>
-      </p:nvGrpSpPr>
-      <p:grpSpPr>
-        <a:xfrm>
-          <a:off x="0" y="0"/>
-          <a:ext cx="0" cy="0"/>
-          <a:chOff x="0" y="0"/>
-          <a:chExt cx="0" cy="0"/>
-        </a:xfrm>
-      </p:grpSpPr>
-      <p:sp>
-        <p:nvSpPr>
-          <p:cNvPr id="6" name="제목 5"/>
-          <p:cNvSpPr>
-            <a:spLocks noGrp="1"/>
-          </p:cNvSpPr>
-          <p:nvPr>
-            <p:ph type="title"/>
-          </p:nvPr>
-        </p:nvSpPr>
-        <p:spPr/>
-        <p:txBody>
-          <a:bodyPr/>
-          <a:lstStyle/>
-          <a:p>
-            <a:r>
-              <a:rPr lang="en-US" altLang="ko-KR" dirty="0" smtClean="0"/>
-              <a:t> </a:t>
-            </a:r>
-            <a:r>
-              <a:rPr lang="ko-KR" altLang="en-US" dirty="0" smtClean="0"/>
-              <a:t>상속</a:t>
-            </a:r>
-            <a:r>
-              <a:rPr lang="en-US" altLang="ko-KR" dirty="0" smtClean="0"/>
-              <a:t>(Inheritance)</a:t>
-            </a:r>
-            <a:endParaRPr lang="ko-KR" altLang="en-US" dirty="0"/>
-          </a:p>
-        </p:txBody>
-      </p:sp>
-      <p:sp>
-        <p:nvSpPr>
-          <p:cNvPr id="5" name="슬라이드 번호 개체 틀 4"/>
-          <p:cNvSpPr>
-            <a:spLocks noGrp="1"/>
-          </p:cNvSpPr>
-          <p:nvPr>
-            <p:ph type="sldNum" sz="quarter" idx="12"/>
-          </p:nvPr>
-        </p:nvSpPr>
-        <p:spPr/>
-        <p:txBody>
-          <a:bodyPr/>
-          <a:lstStyle/>
-          <a:p>
-            <a:fld id="{1BDE3FE7-3AEA-4B05-AC5A-802D1816ACF0}" type="slidenum">
-              <a:rPr lang="ko-KR" altLang="en-US" smtClean="0"/>
-              <a:t>28</a:t>
+              <a:t>29</a:t>
             </a:fld>
             <a:endParaRPr lang="ko-KR" altLang="en-US"/>
           </a:p>
@@ -12746,740 +12868,6 @@
     <p:extLst>
       <p:ext uri="{BB962C8B-B14F-4D97-AF65-F5344CB8AC3E}">
         <p14:creationId xmlns:p14="http://schemas.microsoft.com/office/powerpoint/2010/main" val="2524277497"/>
-      </p:ext>
-    </p:extLst>
-  </p:cSld>
-  <p:clrMapOvr>
-    <a:masterClrMapping/>
-  </p:clrMapOvr>
-  <p:timing>
-    <p:tnLst>
-      <p:par>
-        <p:cTn id="1" dur="indefinite" restart="never" nodeType="tmRoot"/>
-      </p:par>
-    </p:tnLst>
-  </p:timing>
-</p:sld>
-</file>
-
-<file path=ppt/slides/slide29.xml><?xml version="1.0" encoding="utf-8"?>
-<p:sld xmlns:a="http://schemas.openxmlformats.org/drawingml/2006/main" xmlns:r="http://schemas.openxmlformats.org/officeDocument/2006/relationships" xmlns:p="http://schemas.openxmlformats.org/presentationml/2006/main">
-  <p:cSld>
-    <p:spTree>
-      <p:nvGrpSpPr>
-        <p:cNvPr id="1" name=""/>
-        <p:cNvGrpSpPr/>
-        <p:nvPr/>
-      </p:nvGrpSpPr>
-      <p:grpSpPr>
-        <a:xfrm>
-          <a:off x="0" y="0"/>
-          <a:ext cx="0" cy="0"/>
-          <a:chOff x="0" y="0"/>
-          <a:chExt cx="0" cy="0"/>
-        </a:xfrm>
-      </p:grpSpPr>
-      <p:sp>
-        <p:nvSpPr>
-          <p:cNvPr id="6" name="제목 5"/>
-          <p:cNvSpPr>
-            <a:spLocks noGrp="1"/>
-          </p:cNvSpPr>
-          <p:nvPr>
-            <p:ph type="title"/>
-          </p:nvPr>
-        </p:nvSpPr>
-        <p:spPr/>
-        <p:txBody>
-          <a:bodyPr/>
-          <a:lstStyle/>
-          <a:p>
-            <a:r>
-              <a:rPr lang="en-US" altLang="ko-KR" dirty="0" smtClean="0"/>
-              <a:t> </a:t>
-            </a:r>
-            <a:r>
-              <a:rPr lang="ko-KR" altLang="en-US" dirty="0" smtClean="0"/>
-              <a:t>상속</a:t>
-            </a:r>
-            <a:r>
-              <a:rPr lang="en-US" altLang="ko-KR" b="1" dirty="0" smtClean="0">
-                <a:solidFill>
-                  <a:srgbClr val="002060"/>
-                </a:solidFill>
-              </a:rPr>
-              <a:t>(</a:t>
-            </a:r>
-            <a:r>
-              <a:rPr lang="en-US" altLang="ko-KR" b="1" dirty="0">
-                <a:solidFill>
-                  <a:srgbClr val="002060"/>
-                </a:solidFill>
-              </a:rPr>
-              <a:t>inheritance) </a:t>
-            </a:r>
-            <a:endParaRPr lang="ko-KR" altLang="en-US" dirty="0"/>
-          </a:p>
-        </p:txBody>
-      </p:sp>
-      <p:sp>
-        <p:nvSpPr>
-          <p:cNvPr id="5" name="슬라이드 번호 개체 틀 4"/>
-          <p:cNvSpPr>
-            <a:spLocks noGrp="1"/>
-          </p:cNvSpPr>
-          <p:nvPr>
-            <p:ph type="sldNum" sz="quarter" idx="12"/>
-          </p:nvPr>
-        </p:nvSpPr>
-        <p:spPr/>
-        <p:txBody>
-          <a:bodyPr/>
-          <a:lstStyle/>
-          <a:p>
-            <a:fld id="{1BDE3FE7-3AEA-4B05-AC5A-802D1816ACF0}" type="slidenum">
-              <a:rPr lang="ko-KR" altLang="en-US" smtClean="0"/>
-              <a:t>29</a:t>
-            </a:fld>
-            <a:endParaRPr lang="ko-KR" altLang="en-US"/>
-          </a:p>
-        </p:txBody>
-      </p:sp>
-      <p:sp>
-        <p:nvSpPr>
-          <p:cNvPr id="15" name="직사각형 14"/>
-          <p:cNvSpPr/>
-          <p:nvPr/>
-        </p:nvSpPr>
-        <p:spPr>
-          <a:xfrm>
-            <a:off x="2020327" y="2147661"/>
-            <a:ext cx="1888558" cy="432049"/>
-          </a:xfrm>
-          <a:prstGeom prst="rect">
-            <a:avLst/>
-          </a:prstGeom>
-          <a:ln w="19050">
-            <a:solidFill>
-              <a:srgbClr val="92D050"/>
-            </a:solidFill>
-          </a:ln>
-        </p:spPr>
-        <p:style>
-          <a:lnRef idx="2">
-            <a:schemeClr val="accent5"/>
-          </a:lnRef>
-          <a:fillRef idx="1">
-            <a:schemeClr val="lt1"/>
-          </a:fillRef>
-          <a:effectRef idx="0">
-            <a:schemeClr val="accent5"/>
-          </a:effectRef>
-          <a:fontRef idx="minor">
-            <a:schemeClr val="dk1"/>
-          </a:fontRef>
-        </p:style>
-        <p:txBody>
-          <a:bodyPr rtlCol="0" anchor="ctr"/>
-          <a:lstStyle/>
-          <a:p>
-            <a:pPr algn="ctr"/>
-            <a:endParaRPr lang="en-US" altLang="ko-KR" dirty="0">
-              <a:latin typeface="+mn-ea"/>
-            </a:endParaRPr>
-          </a:p>
-          <a:p>
-            <a:pPr algn="ctr"/>
-            <a:r>
-              <a:rPr lang="en-US" altLang="ko-KR" dirty="0" smtClean="0">
-                <a:latin typeface="+mn-ea"/>
-              </a:rPr>
-              <a:t>Person</a:t>
-            </a:r>
-          </a:p>
-          <a:p>
-            <a:pPr algn="ctr"/>
-            <a:endParaRPr lang="en-US" altLang="ko-KR" dirty="0">
-              <a:latin typeface="+mn-ea"/>
-            </a:endParaRPr>
-          </a:p>
-        </p:txBody>
-      </p:sp>
-      <p:grpSp>
-        <p:nvGrpSpPr>
-          <p:cNvPr id="16" name="그룹 15"/>
-          <p:cNvGrpSpPr/>
-          <p:nvPr/>
-        </p:nvGrpSpPr>
-        <p:grpSpPr>
-          <a:xfrm>
-            <a:off x="2914519" y="3587822"/>
-            <a:ext cx="158100" cy="444080"/>
-            <a:chOff x="4357443" y="3272952"/>
-            <a:chExt cx="235517" cy="444080"/>
-          </a:xfrm>
-        </p:grpSpPr>
-        <p:sp>
-          <p:nvSpPr>
-            <p:cNvPr id="17" name="이등변 삼각형 16">
-              <a:extLst>
-                <a:ext uri="{FF2B5EF4-FFF2-40B4-BE49-F238E27FC236}">
-                  <a16:creationId xmlns:a16="http://schemas.microsoft.com/office/drawing/2014/main" id="{A928C65B-0F62-4DFC-9220-DF40E5958238}"/>
-                </a:ext>
-              </a:extLst>
-            </p:cNvPr>
-            <p:cNvSpPr/>
-            <p:nvPr/>
-          </p:nvSpPr>
-          <p:spPr>
-            <a:xfrm>
-              <a:off x="4357443" y="3272952"/>
-              <a:ext cx="235517" cy="154551"/>
-            </a:xfrm>
-            <a:prstGeom prst="triangle">
-              <a:avLst/>
-            </a:prstGeom>
-            <a:ln w="19050">
-              <a:solidFill>
-                <a:srgbClr val="92D050"/>
-              </a:solidFill>
-            </a:ln>
-          </p:spPr>
-          <p:style>
-            <a:lnRef idx="2">
-              <a:schemeClr val="accent5"/>
-            </a:lnRef>
-            <a:fillRef idx="1">
-              <a:schemeClr val="lt1"/>
-            </a:fillRef>
-            <a:effectRef idx="0">
-              <a:schemeClr val="accent5"/>
-            </a:effectRef>
-            <a:fontRef idx="minor">
-              <a:schemeClr val="dk1"/>
-            </a:fontRef>
-          </p:style>
-          <p:txBody>
-            <a:bodyPr rtlCol="0" anchor="ctr"/>
-            <a:lstStyle/>
-            <a:p>
-              <a:pPr algn="ctr"/>
-              <a:endParaRPr lang="ko-KR" altLang="en-US"/>
-            </a:p>
-          </p:txBody>
-        </p:sp>
-        <p:cxnSp>
-          <p:nvCxnSpPr>
-            <p:cNvPr id="18" name="직선 연결선 17">
-              <a:extLst>
-                <a:ext uri="{FF2B5EF4-FFF2-40B4-BE49-F238E27FC236}">
-                  <a16:creationId xmlns:a16="http://schemas.microsoft.com/office/drawing/2014/main" id="{D15E6F92-B9C8-4563-8C4E-646F583209B9}"/>
-                </a:ext>
-              </a:extLst>
-            </p:cNvPr>
-            <p:cNvCxnSpPr>
-              <a:cxnSpLocks/>
-              <a:stCxn id="17" idx="3"/>
-            </p:cNvCxnSpPr>
-            <p:nvPr/>
-          </p:nvCxnSpPr>
-          <p:spPr>
-            <a:xfrm>
-              <a:off x="4475202" y="3427503"/>
-              <a:ext cx="0" cy="289529"/>
-            </a:xfrm>
-            <a:prstGeom prst="line">
-              <a:avLst/>
-            </a:prstGeom>
-            <a:ln w="19050">
-              <a:solidFill>
-                <a:srgbClr val="92D050"/>
-              </a:solidFill>
-            </a:ln>
-          </p:spPr>
-          <p:style>
-            <a:lnRef idx="2">
-              <a:schemeClr val="accent5"/>
-            </a:lnRef>
-            <a:fillRef idx="1">
-              <a:schemeClr val="lt1"/>
-            </a:fillRef>
-            <a:effectRef idx="0">
-              <a:schemeClr val="accent5"/>
-            </a:effectRef>
-            <a:fontRef idx="minor">
-              <a:schemeClr val="dk1"/>
-            </a:fontRef>
-          </p:style>
-        </p:cxnSp>
-      </p:grpSp>
-      <p:sp>
-        <p:nvSpPr>
-          <p:cNvPr id="26" name="직사각형 25"/>
-          <p:cNvSpPr/>
-          <p:nvPr/>
-        </p:nvSpPr>
-        <p:spPr>
-          <a:xfrm>
-            <a:off x="2050365" y="4082674"/>
-            <a:ext cx="1888558" cy="442157"/>
-          </a:xfrm>
-          <a:prstGeom prst="rect">
-            <a:avLst/>
-          </a:prstGeom>
-          <a:ln w="19050">
-            <a:solidFill>
-              <a:srgbClr val="92D050"/>
-            </a:solidFill>
-          </a:ln>
-        </p:spPr>
-        <p:style>
-          <a:lnRef idx="2">
-            <a:schemeClr val="accent5"/>
-          </a:lnRef>
-          <a:fillRef idx="1">
-            <a:schemeClr val="lt1"/>
-          </a:fillRef>
-          <a:effectRef idx="0">
-            <a:schemeClr val="accent5"/>
-          </a:effectRef>
-          <a:fontRef idx="minor">
-            <a:schemeClr val="dk1"/>
-          </a:fontRef>
-        </p:style>
-        <p:txBody>
-          <a:bodyPr rtlCol="0" anchor="ctr"/>
-          <a:lstStyle/>
-          <a:p>
-            <a:pPr algn="ctr"/>
-            <a:r>
-              <a:rPr lang="en-US" altLang="ko-KR" dirty="0" smtClean="0">
-                <a:latin typeface="+mn-ea"/>
-              </a:rPr>
-              <a:t>  </a:t>
-            </a:r>
-          </a:p>
-          <a:p>
-            <a:pPr algn="ctr"/>
-            <a:r>
-              <a:rPr lang="en-US" altLang="ko-KR" dirty="0" smtClean="0">
-                <a:latin typeface="+mn-ea"/>
-              </a:rPr>
-              <a:t>Employee</a:t>
-            </a:r>
-          </a:p>
-          <a:p>
-            <a:pPr algn="ctr"/>
-            <a:endParaRPr lang="en-US" altLang="ko-KR" dirty="0">
-              <a:latin typeface="+mn-ea"/>
-            </a:endParaRPr>
-          </a:p>
-        </p:txBody>
-      </p:sp>
-      <p:sp>
-        <p:nvSpPr>
-          <p:cNvPr id="35" name="직사각형 34"/>
-          <p:cNvSpPr/>
-          <p:nvPr/>
-        </p:nvSpPr>
-        <p:spPr>
-          <a:xfrm>
-            <a:off x="2020327" y="2589819"/>
-            <a:ext cx="1888558" cy="853985"/>
-          </a:xfrm>
-          <a:prstGeom prst="rect">
-            <a:avLst/>
-          </a:prstGeom>
-          <a:ln w="19050">
-            <a:solidFill>
-              <a:srgbClr val="92D050"/>
-            </a:solidFill>
-          </a:ln>
-        </p:spPr>
-        <p:style>
-          <a:lnRef idx="2">
-            <a:schemeClr val="accent5"/>
-          </a:lnRef>
-          <a:fillRef idx="1">
-            <a:schemeClr val="lt1"/>
-          </a:fillRef>
-          <a:effectRef idx="0">
-            <a:schemeClr val="accent5"/>
-          </a:effectRef>
-          <a:fontRef idx="minor">
-            <a:schemeClr val="dk1"/>
-          </a:fontRef>
-        </p:style>
-        <p:txBody>
-          <a:bodyPr rtlCol="0" anchor="ctr"/>
-          <a:lstStyle/>
-          <a:p>
-            <a:pPr algn="ctr"/>
-            <a:r>
-              <a:rPr lang="en-US" altLang="ko-KR" dirty="0" smtClean="0">
-                <a:latin typeface="+mn-ea"/>
-              </a:rPr>
-              <a:t>  </a:t>
-            </a:r>
-          </a:p>
-          <a:p>
-            <a:pPr algn="ctr"/>
-            <a:r>
-              <a:rPr lang="en-US" altLang="ko-KR" dirty="0">
-                <a:latin typeface="+mn-ea"/>
-              </a:rPr>
-              <a:t>n</a:t>
-            </a:r>
-            <a:r>
-              <a:rPr lang="en-US" altLang="ko-KR" dirty="0" smtClean="0">
-                <a:latin typeface="+mn-ea"/>
-              </a:rPr>
-              <a:t>ame</a:t>
-            </a:r>
-          </a:p>
-          <a:p>
-            <a:pPr algn="ctr"/>
-            <a:r>
-              <a:rPr lang="en-US" altLang="ko-KR" dirty="0" smtClean="0">
-                <a:latin typeface="+mn-ea"/>
-              </a:rPr>
-              <a:t>age</a:t>
-            </a:r>
-          </a:p>
-          <a:p>
-            <a:pPr algn="ctr"/>
-            <a:endParaRPr lang="en-US" altLang="ko-KR" dirty="0">
-              <a:latin typeface="+mn-ea"/>
-            </a:endParaRPr>
-          </a:p>
-        </p:txBody>
-      </p:sp>
-      <p:sp>
-        <p:nvSpPr>
-          <p:cNvPr id="19" name="직사각형 18"/>
-          <p:cNvSpPr/>
-          <p:nvPr/>
-        </p:nvSpPr>
-        <p:spPr>
-          <a:xfrm>
-            <a:off x="2050365" y="4506613"/>
-            <a:ext cx="1888558" cy="665384"/>
-          </a:xfrm>
-          <a:prstGeom prst="rect">
-            <a:avLst/>
-          </a:prstGeom>
-          <a:ln w="19050">
-            <a:solidFill>
-              <a:srgbClr val="92D050"/>
-            </a:solidFill>
-          </a:ln>
-        </p:spPr>
-        <p:style>
-          <a:lnRef idx="2">
-            <a:schemeClr val="accent5"/>
-          </a:lnRef>
-          <a:fillRef idx="1">
-            <a:schemeClr val="lt1"/>
-          </a:fillRef>
-          <a:effectRef idx="0">
-            <a:schemeClr val="accent5"/>
-          </a:effectRef>
-          <a:fontRef idx="minor">
-            <a:schemeClr val="dk1"/>
-          </a:fontRef>
-        </p:style>
-        <p:txBody>
-          <a:bodyPr rtlCol="0" anchor="ctr"/>
-          <a:lstStyle/>
-          <a:p>
-            <a:pPr algn="ctr"/>
-            <a:r>
-              <a:rPr lang="en-US" altLang="ko-KR" dirty="0" err="1">
-                <a:latin typeface="+mn-ea"/>
-              </a:rPr>
-              <a:t>e</a:t>
-            </a:r>
-            <a:r>
-              <a:rPr lang="en-US" altLang="ko-KR" dirty="0" err="1" smtClean="0">
-                <a:latin typeface="+mn-ea"/>
-              </a:rPr>
-              <a:t>mployee_id</a:t>
-            </a:r>
-            <a:endParaRPr lang="en-US" altLang="ko-KR" dirty="0" smtClean="0">
-              <a:latin typeface="+mn-ea"/>
-            </a:endParaRPr>
-          </a:p>
-        </p:txBody>
-      </p:sp>
-      <p:sp>
-        <p:nvSpPr>
-          <p:cNvPr id="20" name="직사각형 19"/>
-          <p:cNvSpPr/>
-          <p:nvPr/>
-        </p:nvSpPr>
-        <p:spPr>
-          <a:xfrm>
-            <a:off x="1064568" y="1401531"/>
-            <a:ext cx="2736304" cy="443293"/>
-          </a:xfrm>
-          <a:prstGeom prst="rect">
-            <a:avLst/>
-          </a:prstGeom>
-          <a:noFill/>
-          <a:ln>
-            <a:noFill/>
-          </a:ln>
-        </p:spPr>
-        <p:style>
-          <a:lnRef idx="2">
-            <a:schemeClr val="accent1"/>
-          </a:lnRef>
-          <a:fillRef idx="1">
-            <a:schemeClr val="lt1"/>
-          </a:fillRef>
-          <a:effectRef idx="0">
-            <a:schemeClr val="accent1"/>
-          </a:effectRef>
-          <a:fontRef idx="minor">
-            <a:schemeClr val="dk1"/>
-          </a:fontRef>
-        </p:style>
-        <p:txBody>
-          <a:bodyPr rtlCol="0" anchor="ctr"/>
-          <a:lstStyle/>
-          <a:p>
-            <a:pPr marL="342900" indent="-342900">
-              <a:lnSpc>
-                <a:spcPct val="150000"/>
-              </a:lnSpc>
-              <a:buFont typeface="Wingdings" panose="05000000000000000000" pitchFamily="2" charset="2"/>
-              <a:buChar char="l"/>
-            </a:pPr>
-            <a:r>
-              <a:rPr lang="ko-KR" altLang="en-US" sz="2000" dirty="0" smtClean="0">
-                <a:latin typeface="+mn-ea"/>
-              </a:rPr>
-              <a:t>클래스 상속</a:t>
-            </a:r>
-            <a:r>
-              <a:rPr lang="en-US" altLang="ko-KR" sz="2000" dirty="0" smtClean="0">
-                <a:latin typeface="+mn-ea"/>
-              </a:rPr>
-              <a:t> </a:t>
-            </a:r>
-          </a:p>
-        </p:txBody>
-      </p:sp>
-      <p:sp>
-        <p:nvSpPr>
-          <p:cNvPr id="22" name="직사각형 21"/>
-          <p:cNvSpPr/>
-          <p:nvPr/>
-        </p:nvSpPr>
-        <p:spPr>
-          <a:xfrm>
-            <a:off x="4736976" y="2204864"/>
-            <a:ext cx="2952328" cy="1049849"/>
-          </a:xfrm>
-          <a:prstGeom prst="rect">
-            <a:avLst/>
-          </a:prstGeom>
-          <a:ln w="12700">
-            <a:solidFill>
-              <a:schemeClr val="bg1">
-                <a:lumMod val="85000"/>
-              </a:schemeClr>
-            </a:solidFill>
-          </a:ln>
-        </p:spPr>
-        <p:style>
-          <a:lnRef idx="2">
-            <a:schemeClr val="accent5"/>
-          </a:lnRef>
-          <a:fillRef idx="1">
-            <a:schemeClr val="lt1"/>
-          </a:fillRef>
-          <a:effectRef idx="0">
-            <a:schemeClr val="accent5"/>
-          </a:effectRef>
-          <a:fontRef idx="minor">
-            <a:schemeClr val="dk1"/>
-          </a:fontRef>
-        </p:style>
-        <p:txBody>
-          <a:bodyPr rtlCol="0" anchor="ctr"/>
-          <a:lstStyle/>
-          <a:p>
-            <a:pPr>
-              <a:lnSpc>
-                <a:spcPct val="150000"/>
-              </a:lnSpc>
-            </a:pPr>
-            <a:r>
-              <a:rPr lang="ko-KR" altLang="en-US" dirty="0" smtClean="0">
-                <a:latin typeface="+mn-ea"/>
-              </a:rPr>
-              <a:t>부모 클래스</a:t>
-            </a:r>
-            <a:r>
-              <a:rPr lang="en-US" altLang="ko-KR" dirty="0" smtClean="0">
-                <a:latin typeface="+mn-ea"/>
-              </a:rPr>
-              <a:t>(</a:t>
-            </a:r>
-            <a:r>
-              <a:rPr lang="ko-KR" altLang="en-US" dirty="0" smtClean="0">
-                <a:latin typeface="+mn-ea"/>
-              </a:rPr>
-              <a:t>사람</a:t>
-            </a:r>
-            <a:r>
-              <a:rPr lang="en-US" altLang="ko-KR" dirty="0" smtClean="0">
-                <a:latin typeface="+mn-ea"/>
-              </a:rPr>
-              <a:t>)</a:t>
-            </a:r>
-          </a:p>
-          <a:p>
-            <a:pPr>
-              <a:lnSpc>
-                <a:spcPct val="150000"/>
-              </a:lnSpc>
-            </a:pPr>
-            <a:r>
-              <a:rPr lang="ko-KR" altLang="en-US" dirty="0" smtClean="0">
-                <a:latin typeface="+mn-ea"/>
-              </a:rPr>
-              <a:t>멤버 변수 </a:t>
-            </a:r>
-            <a:r>
-              <a:rPr lang="en-US" altLang="ko-KR" dirty="0" smtClean="0">
-                <a:latin typeface="+mn-ea"/>
-              </a:rPr>
-              <a:t>– name, age</a:t>
-            </a:r>
-            <a:endParaRPr lang="en-US" altLang="ko-KR" dirty="0">
-              <a:latin typeface="+mn-ea"/>
-            </a:endParaRPr>
-          </a:p>
-        </p:txBody>
-      </p:sp>
-      <p:sp>
-        <p:nvSpPr>
-          <p:cNvPr id="23" name="직사각형 22"/>
-          <p:cNvSpPr/>
-          <p:nvPr/>
-        </p:nvSpPr>
-        <p:spPr>
-          <a:xfrm>
-            <a:off x="4736976" y="4122148"/>
-            <a:ext cx="2952328" cy="1049849"/>
-          </a:xfrm>
-          <a:prstGeom prst="rect">
-            <a:avLst/>
-          </a:prstGeom>
-          <a:ln w="12700">
-            <a:solidFill>
-              <a:schemeClr val="bg1">
-                <a:lumMod val="85000"/>
-              </a:schemeClr>
-            </a:solidFill>
-          </a:ln>
-        </p:spPr>
-        <p:style>
-          <a:lnRef idx="2">
-            <a:schemeClr val="accent5"/>
-          </a:lnRef>
-          <a:fillRef idx="1">
-            <a:schemeClr val="lt1"/>
-          </a:fillRef>
-          <a:effectRef idx="0">
-            <a:schemeClr val="accent5"/>
-          </a:effectRef>
-          <a:fontRef idx="minor">
-            <a:schemeClr val="dk1"/>
-          </a:fontRef>
-        </p:style>
-        <p:txBody>
-          <a:bodyPr rtlCol="0" anchor="ctr"/>
-          <a:lstStyle/>
-          <a:p>
-            <a:pPr>
-              <a:lnSpc>
-                <a:spcPct val="150000"/>
-              </a:lnSpc>
-            </a:pPr>
-            <a:r>
-              <a:rPr lang="ko-KR" altLang="en-US" dirty="0" smtClean="0">
-                <a:latin typeface="+mn-ea"/>
-              </a:rPr>
-              <a:t>자</a:t>
-            </a:r>
-            <a:r>
-              <a:rPr lang="ko-KR" altLang="en-US" dirty="0">
-                <a:latin typeface="+mn-ea"/>
-              </a:rPr>
-              <a:t>식</a:t>
-            </a:r>
-            <a:r>
-              <a:rPr lang="ko-KR" altLang="en-US" dirty="0" smtClean="0">
-                <a:latin typeface="+mn-ea"/>
-              </a:rPr>
-              <a:t> 클래스</a:t>
-            </a:r>
-            <a:r>
-              <a:rPr lang="en-US" altLang="ko-KR" dirty="0" smtClean="0">
-                <a:latin typeface="+mn-ea"/>
-              </a:rPr>
-              <a:t>(</a:t>
-            </a:r>
-            <a:r>
-              <a:rPr lang="ko-KR" altLang="en-US" dirty="0" smtClean="0">
-                <a:latin typeface="+mn-ea"/>
-              </a:rPr>
-              <a:t>사원</a:t>
-            </a:r>
-            <a:r>
-              <a:rPr lang="en-US" altLang="ko-KR" dirty="0" smtClean="0">
-                <a:latin typeface="+mn-ea"/>
-              </a:rPr>
-              <a:t>)</a:t>
-            </a:r>
-          </a:p>
-          <a:p>
-            <a:pPr>
-              <a:lnSpc>
-                <a:spcPct val="150000"/>
-              </a:lnSpc>
-            </a:pPr>
-            <a:r>
-              <a:rPr lang="ko-KR" altLang="en-US" dirty="0" smtClean="0">
-                <a:latin typeface="+mn-ea"/>
-              </a:rPr>
-              <a:t>멤버 변수 </a:t>
-            </a:r>
-            <a:r>
-              <a:rPr lang="en-US" altLang="ko-KR" dirty="0" smtClean="0">
-                <a:latin typeface="+mn-ea"/>
-              </a:rPr>
-              <a:t>– </a:t>
-            </a:r>
-            <a:r>
-              <a:rPr lang="en-US" altLang="ko-KR" dirty="0" err="1" smtClean="0">
-                <a:latin typeface="+mn-ea"/>
-              </a:rPr>
-              <a:t>employee_id</a:t>
-            </a:r>
-            <a:endParaRPr lang="en-US" altLang="ko-KR" dirty="0">
-              <a:latin typeface="+mn-ea"/>
-            </a:endParaRPr>
-          </a:p>
-        </p:txBody>
-      </p:sp>
-    </p:spTree>
-    <p:extLst>
-      <p:ext uri="{BB962C8B-B14F-4D97-AF65-F5344CB8AC3E}">
-        <p14:creationId xmlns:p14="http://schemas.microsoft.com/office/powerpoint/2010/main" val="3532044876"/>
       </p:ext>
     </p:extLst>
   </p:cSld>
@@ -14941,6 +14329,740 @@
       </p:sp>
       <p:sp>
         <p:nvSpPr>
+          <p:cNvPr id="15" name="직사각형 14"/>
+          <p:cNvSpPr/>
+          <p:nvPr/>
+        </p:nvSpPr>
+        <p:spPr>
+          <a:xfrm>
+            <a:off x="2020327" y="2147661"/>
+            <a:ext cx="1888558" cy="432049"/>
+          </a:xfrm>
+          <a:prstGeom prst="rect">
+            <a:avLst/>
+          </a:prstGeom>
+          <a:ln w="19050">
+            <a:solidFill>
+              <a:srgbClr val="92D050"/>
+            </a:solidFill>
+          </a:ln>
+        </p:spPr>
+        <p:style>
+          <a:lnRef idx="2">
+            <a:schemeClr val="accent5"/>
+          </a:lnRef>
+          <a:fillRef idx="1">
+            <a:schemeClr val="lt1"/>
+          </a:fillRef>
+          <a:effectRef idx="0">
+            <a:schemeClr val="accent5"/>
+          </a:effectRef>
+          <a:fontRef idx="minor">
+            <a:schemeClr val="dk1"/>
+          </a:fontRef>
+        </p:style>
+        <p:txBody>
+          <a:bodyPr rtlCol="0" anchor="ctr"/>
+          <a:lstStyle/>
+          <a:p>
+            <a:pPr algn="ctr"/>
+            <a:endParaRPr lang="en-US" altLang="ko-KR" dirty="0">
+              <a:latin typeface="+mn-ea"/>
+            </a:endParaRPr>
+          </a:p>
+          <a:p>
+            <a:pPr algn="ctr"/>
+            <a:r>
+              <a:rPr lang="en-US" altLang="ko-KR" dirty="0" smtClean="0">
+                <a:latin typeface="+mn-ea"/>
+              </a:rPr>
+              <a:t>Person</a:t>
+            </a:r>
+          </a:p>
+          <a:p>
+            <a:pPr algn="ctr"/>
+            <a:endParaRPr lang="en-US" altLang="ko-KR" dirty="0">
+              <a:latin typeface="+mn-ea"/>
+            </a:endParaRPr>
+          </a:p>
+        </p:txBody>
+      </p:sp>
+      <p:grpSp>
+        <p:nvGrpSpPr>
+          <p:cNvPr id="16" name="그룹 15"/>
+          <p:cNvGrpSpPr/>
+          <p:nvPr/>
+        </p:nvGrpSpPr>
+        <p:grpSpPr>
+          <a:xfrm>
+            <a:off x="2914519" y="3587822"/>
+            <a:ext cx="158100" cy="444080"/>
+            <a:chOff x="4357443" y="3272952"/>
+            <a:chExt cx="235517" cy="444080"/>
+          </a:xfrm>
+        </p:grpSpPr>
+        <p:sp>
+          <p:nvSpPr>
+            <p:cNvPr id="17" name="이등변 삼각형 16">
+              <a:extLst>
+                <a:ext uri="{FF2B5EF4-FFF2-40B4-BE49-F238E27FC236}">
+                  <a16:creationId xmlns:a16="http://schemas.microsoft.com/office/drawing/2014/main" id="{A928C65B-0F62-4DFC-9220-DF40E5958238}"/>
+                </a:ext>
+              </a:extLst>
+            </p:cNvPr>
+            <p:cNvSpPr/>
+            <p:nvPr/>
+          </p:nvSpPr>
+          <p:spPr>
+            <a:xfrm>
+              <a:off x="4357443" y="3272952"/>
+              <a:ext cx="235517" cy="154551"/>
+            </a:xfrm>
+            <a:prstGeom prst="triangle">
+              <a:avLst/>
+            </a:prstGeom>
+            <a:ln w="19050">
+              <a:solidFill>
+                <a:srgbClr val="92D050"/>
+              </a:solidFill>
+            </a:ln>
+          </p:spPr>
+          <p:style>
+            <a:lnRef idx="2">
+              <a:schemeClr val="accent5"/>
+            </a:lnRef>
+            <a:fillRef idx="1">
+              <a:schemeClr val="lt1"/>
+            </a:fillRef>
+            <a:effectRef idx="0">
+              <a:schemeClr val="accent5"/>
+            </a:effectRef>
+            <a:fontRef idx="minor">
+              <a:schemeClr val="dk1"/>
+            </a:fontRef>
+          </p:style>
+          <p:txBody>
+            <a:bodyPr rtlCol="0" anchor="ctr"/>
+            <a:lstStyle/>
+            <a:p>
+              <a:pPr algn="ctr"/>
+              <a:endParaRPr lang="ko-KR" altLang="en-US"/>
+            </a:p>
+          </p:txBody>
+        </p:sp>
+        <p:cxnSp>
+          <p:nvCxnSpPr>
+            <p:cNvPr id="18" name="직선 연결선 17">
+              <a:extLst>
+                <a:ext uri="{FF2B5EF4-FFF2-40B4-BE49-F238E27FC236}">
+                  <a16:creationId xmlns:a16="http://schemas.microsoft.com/office/drawing/2014/main" id="{D15E6F92-B9C8-4563-8C4E-646F583209B9}"/>
+                </a:ext>
+              </a:extLst>
+            </p:cNvPr>
+            <p:cNvCxnSpPr>
+              <a:cxnSpLocks/>
+              <a:stCxn id="17" idx="3"/>
+            </p:cNvCxnSpPr>
+            <p:nvPr/>
+          </p:nvCxnSpPr>
+          <p:spPr>
+            <a:xfrm>
+              <a:off x="4475202" y="3427503"/>
+              <a:ext cx="0" cy="289529"/>
+            </a:xfrm>
+            <a:prstGeom prst="line">
+              <a:avLst/>
+            </a:prstGeom>
+            <a:ln w="19050">
+              <a:solidFill>
+                <a:srgbClr val="92D050"/>
+              </a:solidFill>
+            </a:ln>
+          </p:spPr>
+          <p:style>
+            <a:lnRef idx="2">
+              <a:schemeClr val="accent5"/>
+            </a:lnRef>
+            <a:fillRef idx="1">
+              <a:schemeClr val="lt1"/>
+            </a:fillRef>
+            <a:effectRef idx="0">
+              <a:schemeClr val="accent5"/>
+            </a:effectRef>
+            <a:fontRef idx="minor">
+              <a:schemeClr val="dk1"/>
+            </a:fontRef>
+          </p:style>
+        </p:cxnSp>
+      </p:grpSp>
+      <p:sp>
+        <p:nvSpPr>
+          <p:cNvPr id="26" name="직사각형 25"/>
+          <p:cNvSpPr/>
+          <p:nvPr/>
+        </p:nvSpPr>
+        <p:spPr>
+          <a:xfrm>
+            <a:off x="2050365" y="4082674"/>
+            <a:ext cx="1888558" cy="442157"/>
+          </a:xfrm>
+          <a:prstGeom prst="rect">
+            <a:avLst/>
+          </a:prstGeom>
+          <a:ln w="19050">
+            <a:solidFill>
+              <a:srgbClr val="92D050"/>
+            </a:solidFill>
+          </a:ln>
+        </p:spPr>
+        <p:style>
+          <a:lnRef idx="2">
+            <a:schemeClr val="accent5"/>
+          </a:lnRef>
+          <a:fillRef idx="1">
+            <a:schemeClr val="lt1"/>
+          </a:fillRef>
+          <a:effectRef idx="0">
+            <a:schemeClr val="accent5"/>
+          </a:effectRef>
+          <a:fontRef idx="minor">
+            <a:schemeClr val="dk1"/>
+          </a:fontRef>
+        </p:style>
+        <p:txBody>
+          <a:bodyPr rtlCol="0" anchor="ctr"/>
+          <a:lstStyle/>
+          <a:p>
+            <a:pPr algn="ctr"/>
+            <a:r>
+              <a:rPr lang="en-US" altLang="ko-KR" dirty="0" smtClean="0">
+                <a:latin typeface="+mn-ea"/>
+              </a:rPr>
+              <a:t>  </a:t>
+            </a:r>
+          </a:p>
+          <a:p>
+            <a:pPr algn="ctr"/>
+            <a:r>
+              <a:rPr lang="en-US" altLang="ko-KR" dirty="0" smtClean="0">
+                <a:latin typeface="+mn-ea"/>
+              </a:rPr>
+              <a:t>Employee</a:t>
+            </a:r>
+          </a:p>
+          <a:p>
+            <a:pPr algn="ctr"/>
+            <a:endParaRPr lang="en-US" altLang="ko-KR" dirty="0">
+              <a:latin typeface="+mn-ea"/>
+            </a:endParaRPr>
+          </a:p>
+        </p:txBody>
+      </p:sp>
+      <p:sp>
+        <p:nvSpPr>
+          <p:cNvPr id="35" name="직사각형 34"/>
+          <p:cNvSpPr/>
+          <p:nvPr/>
+        </p:nvSpPr>
+        <p:spPr>
+          <a:xfrm>
+            <a:off x="2020327" y="2589819"/>
+            <a:ext cx="1888558" cy="853985"/>
+          </a:xfrm>
+          <a:prstGeom prst="rect">
+            <a:avLst/>
+          </a:prstGeom>
+          <a:ln w="19050">
+            <a:solidFill>
+              <a:srgbClr val="92D050"/>
+            </a:solidFill>
+          </a:ln>
+        </p:spPr>
+        <p:style>
+          <a:lnRef idx="2">
+            <a:schemeClr val="accent5"/>
+          </a:lnRef>
+          <a:fillRef idx="1">
+            <a:schemeClr val="lt1"/>
+          </a:fillRef>
+          <a:effectRef idx="0">
+            <a:schemeClr val="accent5"/>
+          </a:effectRef>
+          <a:fontRef idx="minor">
+            <a:schemeClr val="dk1"/>
+          </a:fontRef>
+        </p:style>
+        <p:txBody>
+          <a:bodyPr rtlCol="0" anchor="ctr"/>
+          <a:lstStyle/>
+          <a:p>
+            <a:pPr algn="ctr"/>
+            <a:r>
+              <a:rPr lang="en-US" altLang="ko-KR" dirty="0" smtClean="0">
+                <a:latin typeface="+mn-ea"/>
+              </a:rPr>
+              <a:t>  </a:t>
+            </a:r>
+          </a:p>
+          <a:p>
+            <a:pPr algn="ctr"/>
+            <a:r>
+              <a:rPr lang="en-US" altLang="ko-KR" dirty="0">
+                <a:latin typeface="+mn-ea"/>
+              </a:rPr>
+              <a:t>n</a:t>
+            </a:r>
+            <a:r>
+              <a:rPr lang="en-US" altLang="ko-KR" dirty="0" smtClean="0">
+                <a:latin typeface="+mn-ea"/>
+              </a:rPr>
+              <a:t>ame</a:t>
+            </a:r>
+          </a:p>
+          <a:p>
+            <a:pPr algn="ctr"/>
+            <a:r>
+              <a:rPr lang="en-US" altLang="ko-KR" dirty="0" smtClean="0">
+                <a:latin typeface="+mn-ea"/>
+              </a:rPr>
+              <a:t>age</a:t>
+            </a:r>
+          </a:p>
+          <a:p>
+            <a:pPr algn="ctr"/>
+            <a:endParaRPr lang="en-US" altLang="ko-KR" dirty="0">
+              <a:latin typeface="+mn-ea"/>
+            </a:endParaRPr>
+          </a:p>
+        </p:txBody>
+      </p:sp>
+      <p:sp>
+        <p:nvSpPr>
+          <p:cNvPr id="19" name="직사각형 18"/>
+          <p:cNvSpPr/>
+          <p:nvPr/>
+        </p:nvSpPr>
+        <p:spPr>
+          <a:xfrm>
+            <a:off x="2050365" y="4506613"/>
+            <a:ext cx="1888558" cy="665384"/>
+          </a:xfrm>
+          <a:prstGeom prst="rect">
+            <a:avLst/>
+          </a:prstGeom>
+          <a:ln w="19050">
+            <a:solidFill>
+              <a:srgbClr val="92D050"/>
+            </a:solidFill>
+          </a:ln>
+        </p:spPr>
+        <p:style>
+          <a:lnRef idx="2">
+            <a:schemeClr val="accent5"/>
+          </a:lnRef>
+          <a:fillRef idx="1">
+            <a:schemeClr val="lt1"/>
+          </a:fillRef>
+          <a:effectRef idx="0">
+            <a:schemeClr val="accent5"/>
+          </a:effectRef>
+          <a:fontRef idx="minor">
+            <a:schemeClr val="dk1"/>
+          </a:fontRef>
+        </p:style>
+        <p:txBody>
+          <a:bodyPr rtlCol="0" anchor="ctr"/>
+          <a:lstStyle/>
+          <a:p>
+            <a:pPr algn="ctr"/>
+            <a:r>
+              <a:rPr lang="en-US" altLang="ko-KR" dirty="0" err="1">
+                <a:latin typeface="+mn-ea"/>
+              </a:rPr>
+              <a:t>e</a:t>
+            </a:r>
+            <a:r>
+              <a:rPr lang="en-US" altLang="ko-KR" dirty="0" err="1" smtClean="0">
+                <a:latin typeface="+mn-ea"/>
+              </a:rPr>
+              <a:t>mployee_id</a:t>
+            </a:r>
+            <a:endParaRPr lang="en-US" altLang="ko-KR" dirty="0" smtClean="0">
+              <a:latin typeface="+mn-ea"/>
+            </a:endParaRPr>
+          </a:p>
+        </p:txBody>
+      </p:sp>
+      <p:sp>
+        <p:nvSpPr>
+          <p:cNvPr id="20" name="직사각형 19"/>
+          <p:cNvSpPr/>
+          <p:nvPr/>
+        </p:nvSpPr>
+        <p:spPr>
+          <a:xfrm>
+            <a:off x="1064568" y="1401531"/>
+            <a:ext cx="2736304" cy="443293"/>
+          </a:xfrm>
+          <a:prstGeom prst="rect">
+            <a:avLst/>
+          </a:prstGeom>
+          <a:noFill/>
+          <a:ln>
+            <a:noFill/>
+          </a:ln>
+        </p:spPr>
+        <p:style>
+          <a:lnRef idx="2">
+            <a:schemeClr val="accent1"/>
+          </a:lnRef>
+          <a:fillRef idx="1">
+            <a:schemeClr val="lt1"/>
+          </a:fillRef>
+          <a:effectRef idx="0">
+            <a:schemeClr val="accent1"/>
+          </a:effectRef>
+          <a:fontRef idx="minor">
+            <a:schemeClr val="dk1"/>
+          </a:fontRef>
+        </p:style>
+        <p:txBody>
+          <a:bodyPr rtlCol="0" anchor="ctr"/>
+          <a:lstStyle/>
+          <a:p>
+            <a:pPr marL="342900" indent="-342900">
+              <a:lnSpc>
+                <a:spcPct val="150000"/>
+              </a:lnSpc>
+              <a:buFont typeface="Wingdings" panose="05000000000000000000" pitchFamily="2" charset="2"/>
+              <a:buChar char="l"/>
+            </a:pPr>
+            <a:r>
+              <a:rPr lang="ko-KR" altLang="en-US" sz="2000" dirty="0" smtClean="0">
+                <a:latin typeface="+mn-ea"/>
+              </a:rPr>
+              <a:t>클래스 상속</a:t>
+            </a:r>
+            <a:r>
+              <a:rPr lang="en-US" altLang="ko-KR" sz="2000" dirty="0" smtClean="0">
+                <a:latin typeface="+mn-ea"/>
+              </a:rPr>
+              <a:t> </a:t>
+            </a:r>
+          </a:p>
+        </p:txBody>
+      </p:sp>
+      <p:sp>
+        <p:nvSpPr>
+          <p:cNvPr id="22" name="직사각형 21"/>
+          <p:cNvSpPr/>
+          <p:nvPr/>
+        </p:nvSpPr>
+        <p:spPr>
+          <a:xfrm>
+            <a:off x="4736976" y="2204864"/>
+            <a:ext cx="2952328" cy="1049849"/>
+          </a:xfrm>
+          <a:prstGeom prst="rect">
+            <a:avLst/>
+          </a:prstGeom>
+          <a:ln w="12700">
+            <a:solidFill>
+              <a:schemeClr val="bg1">
+                <a:lumMod val="85000"/>
+              </a:schemeClr>
+            </a:solidFill>
+          </a:ln>
+        </p:spPr>
+        <p:style>
+          <a:lnRef idx="2">
+            <a:schemeClr val="accent5"/>
+          </a:lnRef>
+          <a:fillRef idx="1">
+            <a:schemeClr val="lt1"/>
+          </a:fillRef>
+          <a:effectRef idx="0">
+            <a:schemeClr val="accent5"/>
+          </a:effectRef>
+          <a:fontRef idx="minor">
+            <a:schemeClr val="dk1"/>
+          </a:fontRef>
+        </p:style>
+        <p:txBody>
+          <a:bodyPr rtlCol="0" anchor="ctr"/>
+          <a:lstStyle/>
+          <a:p>
+            <a:pPr>
+              <a:lnSpc>
+                <a:spcPct val="150000"/>
+              </a:lnSpc>
+            </a:pPr>
+            <a:r>
+              <a:rPr lang="ko-KR" altLang="en-US" dirty="0" smtClean="0">
+                <a:latin typeface="+mn-ea"/>
+              </a:rPr>
+              <a:t>부모 클래스</a:t>
+            </a:r>
+            <a:r>
+              <a:rPr lang="en-US" altLang="ko-KR" dirty="0" smtClean="0">
+                <a:latin typeface="+mn-ea"/>
+              </a:rPr>
+              <a:t>(</a:t>
+            </a:r>
+            <a:r>
+              <a:rPr lang="ko-KR" altLang="en-US" dirty="0" smtClean="0">
+                <a:latin typeface="+mn-ea"/>
+              </a:rPr>
+              <a:t>사람</a:t>
+            </a:r>
+            <a:r>
+              <a:rPr lang="en-US" altLang="ko-KR" dirty="0" smtClean="0">
+                <a:latin typeface="+mn-ea"/>
+              </a:rPr>
+              <a:t>)</a:t>
+            </a:r>
+          </a:p>
+          <a:p>
+            <a:pPr>
+              <a:lnSpc>
+                <a:spcPct val="150000"/>
+              </a:lnSpc>
+            </a:pPr>
+            <a:r>
+              <a:rPr lang="ko-KR" altLang="en-US" dirty="0" smtClean="0">
+                <a:latin typeface="+mn-ea"/>
+              </a:rPr>
+              <a:t>멤버 변수 </a:t>
+            </a:r>
+            <a:r>
+              <a:rPr lang="en-US" altLang="ko-KR" dirty="0" smtClean="0">
+                <a:latin typeface="+mn-ea"/>
+              </a:rPr>
+              <a:t>– name, age</a:t>
+            </a:r>
+            <a:endParaRPr lang="en-US" altLang="ko-KR" dirty="0">
+              <a:latin typeface="+mn-ea"/>
+            </a:endParaRPr>
+          </a:p>
+        </p:txBody>
+      </p:sp>
+      <p:sp>
+        <p:nvSpPr>
+          <p:cNvPr id="23" name="직사각형 22"/>
+          <p:cNvSpPr/>
+          <p:nvPr/>
+        </p:nvSpPr>
+        <p:spPr>
+          <a:xfrm>
+            <a:off x="4736976" y="4122148"/>
+            <a:ext cx="2952328" cy="1049849"/>
+          </a:xfrm>
+          <a:prstGeom prst="rect">
+            <a:avLst/>
+          </a:prstGeom>
+          <a:ln w="12700">
+            <a:solidFill>
+              <a:schemeClr val="bg1">
+                <a:lumMod val="85000"/>
+              </a:schemeClr>
+            </a:solidFill>
+          </a:ln>
+        </p:spPr>
+        <p:style>
+          <a:lnRef idx="2">
+            <a:schemeClr val="accent5"/>
+          </a:lnRef>
+          <a:fillRef idx="1">
+            <a:schemeClr val="lt1"/>
+          </a:fillRef>
+          <a:effectRef idx="0">
+            <a:schemeClr val="accent5"/>
+          </a:effectRef>
+          <a:fontRef idx="minor">
+            <a:schemeClr val="dk1"/>
+          </a:fontRef>
+        </p:style>
+        <p:txBody>
+          <a:bodyPr rtlCol="0" anchor="ctr"/>
+          <a:lstStyle/>
+          <a:p>
+            <a:pPr>
+              <a:lnSpc>
+                <a:spcPct val="150000"/>
+              </a:lnSpc>
+            </a:pPr>
+            <a:r>
+              <a:rPr lang="ko-KR" altLang="en-US" dirty="0" smtClean="0">
+                <a:latin typeface="+mn-ea"/>
+              </a:rPr>
+              <a:t>자</a:t>
+            </a:r>
+            <a:r>
+              <a:rPr lang="ko-KR" altLang="en-US" dirty="0">
+                <a:latin typeface="+mn-ea"/>
+              </a:rPr>
+              <a:t>식</a:t>
+            </a:r>
+            <a:r>
+              <a:rPr lang="ko-KR" altLang="en-US" dirty="0" smtClean="0">
+                <a:latin typeface="+mn-ea"/>
+              </a:rPr>
+              <a:t> 클래스</a:t>
+            </a:r>
+            <a:r>
+              <a:rPr lang="en-US" altLang="ko-KR" dirty="0" smtClean="0">
+                <a:latin typeface="+mn-ea"/>
+              </a:rPr>
+              <a:t>(</a:t>
+            </a:r>
+            <a:r>
+              <a:rPr lang="ko-KR" altLang="en-US" dirty="0" smtClean="0">
+                <a:latin typeface="+mn-ea"/>
+              </a:rPr>
+              <a:t>사원</a:t>
+            </a:r>
+            <a:r>
+              <a:rPr lang="en-US" altLang="ko-KR" dirty="0" smtClean="0">
+                <a:latin typeface="+mn-ea"/>
+              </a:rPr>
+              <a:t>)</a:t>
+            </a:r>
+          </a:p>
+          <a:p>
+            <a:pPr>
+              <a:lnSpc>
+                <a:spcPct val="150000"/>
+              </a:lnSpc>
+            </a:pPr>
+            <a:r>
+              <a:rPr lang="ko-KR" altLang="en-US" dirty="0" smtClean="0">
+                <a:latin typeface="+mn-ea"/>
+              </a:rPr>
+              <a:t>멤버 변수 </a:t>
+            </a:r>
+            <a:r>
+              <a:rPr lang="en-US" altLang="ko-KR" dirty="0" smtClean="0">
+                <a:latin typeface="+mn-ea"/>
+              </a:rPr>
+              <a:t>– </a:t>
+            </a:r>
+            <a:r>
+              <a:rPr lang="en-US" altLang="ko-KR" dirty="0" err="1" smtClean="0">
+                <a:latin typeface="+mn-ea"/>
+              </a:rPr>
+              <a:t>employee_id</a:t>
+            </a:r>
+            <a:endParaRPr lang="en-US" altLang="ko-KR" dirty="0">
+              <a:latin typeface="+mn-ea"/>
+            </a:endParaRPr>
+          </a:p>
+        </p:txBody>
+      </p:sp>
+    </p:spTree>
+    <p:extLst>
+      <p:ext uri="{BB962C8B-B14F-4D97-AF65-F5344CB8AC3E}">
+        <p14:creationId xmlns:p14="http://schemas.microsoft.com/office/powerpoint/2010/main" val="3532044876"/>
+      </p:ext>
+    </p:extLst>
+  </p:cSld>
+  <p:clrMapOvr>
+    <a:masterClrMapping/>
+  </p:clrMapOvr>
+  <p:timing>
+    <p:tnLst>
+      <p:par>
+        <p:cTn id="1" dur="indefinite" restart="never" nodeType="tmRoot"/>
+      </p:par>
+    </p:tnLst>
+  </p:timing>
+</p:sld>
+</file>
+
+<file path=ppt/slides/slide31.xml><?xml version="1.0" encoding="utf-8"?>
+<p:sld xmlns:a="http://schemas.openxmlformats.org/drawingml/2006/main" xmlns:r="http://schemas.openxmlformats.org/officeDocument/2006/relationships" xmlns:p="http://schemas.openxmlformats.org/presentationml/2006/main">
+  <p:cSld>
+    <p:spTree>
+      <p:nvGrpSpPr>
+        <p:cNvPr id="1" name=""/>
+        <p:cNvGrpSpPr/>
+        <p:nvPr/>
+      </p:nvGrpSpPr>
+      <p:grpSpPr>
+        <a:xfrm>
+          <a:off x="0" y="0"/>
+          <a:ext cx="0" cy="0"/>
+          <a:chOff x="0" y="0"/>
+          <a:chExt cx="0" cy="0"/>
+        </a:xfrm>
+      </p:grpSpPr>
+      <p:sp>
+        <p:nvSpPr>
+          <p:cNvPr id="6" name="제목 5"/>
+          <p:cNvSpPr>
+            <a:spLocks noGrp="1"/>
+          </p:cNvSpPr>
+          <p:nvPr>
+            <p:ph type="title"/>
+          </p:nvPr>
+        </p:nvSpPr>
+        <p:spPr/>
+        <p:txBody>
+          <a:bodyPr/>
+          <a:lstStyle/>
+          <a:p>
+            <a:r>
+              <a:rPr lang="en-US" altLang="ko-KR" dirty="0" smtClean="0"/>
+              <a:t> </a:t>
+            </a:r>
+            <a:r>
+              <a:rPr lang="ko-KR" altLang="en-US" dirty="0" smtClean="0"/>
+              <a:t>상속</a:t>
+            </a:r>
+            <a:r>
+              <a:rPr lang="en-US" altLang="ko-KR" b="1" dirty="0" smtClean="0">
+                <a:solidFill>
+                  <a:srgbClr val="002060"/>
+                </a:solidFill>
+              </a:rPr>
+              <a:t>(</a:t>
+            </a:r>
+            <a:r>
+              <a:rPr lang="en-US" altLang="ko-KR" b="1" dirty="0">
+                <a:solidFill>
+                  <a:srgbClr val="002060"/>
+                </a:solidFill>
+              </a:rPr>
+              <a:t>inheritance) </a:t>
+            </a:r>
+            <a:endParaRPr lang="ko-KR" altLang="en-US" dirty="0"/>
+          </a:p>
+        </p:txBody>
+      </p:sp>
+      <p:sp>
+        <p:nvSpPr>
+          <p:cNvPr id="5" name="슬라이드 번호 개체 틀 4"/>
+          <p:cNvSpPr>
+            <a:spLocks noGrp="1"/>
+          </p:cNvSpPr>
+          <p:nvPr>
+            <p:ph type="sldNum" sz="quarter" idx="12"/>
+          </p:nvPr>
+        </p:nvSpPr>
+        <p:spPr/>
+        <p:txBody>
+          <a:bodyPr/>
+          <a:lstStyle/>
+          <a:p>
+            <a:fld id="{1BDE3FE7-3AEA-4B05-AC5A-802D1816ACF0}" type="slidenum">
+              <a:rPr lang="ko-KR" altLang="en-US" smtClean="0"/>
+              <a:t>31</a:t>
+            </a:fld>
+            <a:endParaRPr lang="ko-KR" altLang="en-US"/>
+          </a:p>
+        </p:txBody>
+      </p:sp>
+      <p:sp>
+        <p:nvSpPr>
           <p:cNvPr id="34" name="직사각형 33"/>
           <p:cNvSpPr/>
           <p:nvPr/>
@@ -15183,7 +15305,7 @@
 </p:sld>
 </file>
 
-<file path=ppt/slides/slide31.xml><?xml version="1.0" encoding="utf-8"?>
+<file path=ppt/slides/slide32.xml><?xml version="1.0" encoding="utf-8"?>
 <p:sld xmlns:a="http://schemas.openxmlformats.org/drawingml/2006/main" xmlns:r="http://schemas.openxmlformats.org/officeDocument/2006/relationships" xmlns:p="http://schemas.openxmlformats.org/presentationml/2006/main">
   <p:cSld>
     <p:spTree>
@@ -15260,7 +15382,7 @@
           <a:p>
             <a:fld id="{1BDE3FE7-3AEA-4B05-AC5A-802D1816ACF0}" type="slidenum">
               <a:rPr lang="ko-KR" altLang="en-US" smtClean="0"/>
-              <a:t>31</a:t>
+              <a:t>32</a:t>
             </a:fld>
             <a:endParaRPr lang="ko-KR" altLang="en-US"/>
           </a:p>
@@ -15457,7 +15579,7 @@
 </p:sld>
 </file>
 
-<file path=ppt/slides/slide32.xml><?xml version="1.0" encoding="utf-8"?>
+<file path=ppt/slides/slide33.xml><?xml version="1.0" encoding="utf-8"?>
 <p:sld xmlns:a="http://schemas.openxmlformats.org/drawingml/2006/main" xmlns:r="http://schemas.openxmlformats.org/officeDocument/2006/relationships" xmlns:p="http://schemas.openxmlformats.org/presentationml/2006/main">
   <p:cSld>
     <p:spTree>
@@ -15543,7 +15665,7 @@
           <a:p>
             <a:fld id="{1BDE3FE7-3AEA-4B05-AC5A-802D1816ACF0}" type="slidenum">
               <a:rPr lang="ko-KR" altLang="en-US" smtClean="0"/>
-              <a:t>32</a:t>
+              <a:t>33</a:t>
             </a:fld>
             <a:endParaRPr lang="ko-KR" altLang="en-US"/>
           </a:p>
@@ -16288,7 +16410,7 @@
 </p:sld>
 </file>
 
-<file path=ppt/slides/slide33.xml><?xml version="1.0" encoding="utf-8"?>
+<file path=ppt/slides/slide34.xml><?xml version="1.0" encoding="utf-8"?>
 <p:sld xmlns:a="http://schemas.openxmlformats.org/drawingml/2006/main" xmlns:r="http://schemas.openxmlformats.org/officeDocument/2006/relationships" xmlns:p="http://schemas.openxmlformats.org/presentationml/2006/main">
   <p:cSld>
     <p:spTree>
@@ -16374,7 +16496,7 @@
           <a:p>
             <a:fld id="{1BDE3FE7-3AEA-4B05-AC5A-802D1816ACF0}" type="slidenum">
               <a:rPr lang="ko-KR" altLang="en-US" smtClean="0"/>
-              <a:t>33</a:t>
+              <a:t>34</a:t>
             </a:fld>
             <a:endParaRPr lang="ko-KR" altLang="en-US"/>
           </a:p>
@@ -16650,7 +16772,7 @@
 </p:sld>
 </file>
 
-<file path=ppt/slides/slide34.xml><?xml version="1.0" encoding="utf-8"?>
+<file path=ppt/slides/slide35.xml><?xml version="1.0" encoding="utf-8"?>
 <p:sld xmlns:a="http://schemas.openxmlformats.org/drawingml/2006/main" xmlns:r="http://schemas.openxmlformats.org/officeDocument/2006/relationships" xmlns:p="http://schemas.openxmlformats.org/presentationml/2006/main">
   <p:cSld>
     <p:spTree>
@@ -16736,7 +16858,7 @@
           <a:p>
             <a:fld id="{1BDE3FE7-3AEA-4B05-AC5A-802D1816ACF0}" type="slidenum">
               <a:rPr lang="ko-KR" altLang="en-US" smtClean="0"/>
-              <a:t>34</a:t>
+              <a:t>35</a:t>
             </a:fld>
             <a:endParaRPr lang="ko-KR" altLang="en-US"/>
           </a:p>
@@ -17170,7 +17292,7 @@
 </p:sld>
 </file>
 
-<file path=ppt/slides/slide35.xml><?xml version="1.0" encoding="utf-8"?>
+<file path=ppt/slides/slide36.xml><?xml version="1.0" encoding="utf-8"?>
 <p:sld xmlns:a="http://schemas.openxmlformats.org/drawingml/2006/main" xmlns:r="http://schemas.openxmlformats.org/officeDocument/2006/relationships" xmlns:p="http://schemas.openxmlformats.org/presentationml/2006/main">
   <p:cSld>
     <p:spTree>
@@ -17256,7 +17378,7 @@
           <a:p>
             <a:fld id="{1BDE3FE7-3AEA-4B05-AC5A-802D1816ACF0}" type="slidenum">
               <a:rPr lang="ko-KR" altLang="en-US" smtClean="0"/>
-              <a:t>35</a:t>
+              <a:t>36</a:t>
             </a:fld>
             <a:endParaRPr lang="ko-KR" altLang="en-US"/>
           </a:p>
@@ -17532,7 +17654,7 @@
 </p:sld>
 </file>
 
-<file path=ppt/slides/slide36.xml><?xml version="1.0" encoding="utf-8"?>
+<file path=ppt/slides/slide37.xml><?xml version="1.0" encoding="utf-8"?>
 <p:sld xmlns:a="http://schemas.openxmlformats.org/drawingml/2006/main" xmlns:r="http://schemas.openxmlformats.org/officeDocument/2006/relationships" xmlns:p="http://schemas.openxmlformats.org/presentationml/2006/main">
   <p:cSld>
     <p:spTree>
@@ -17618,7 +17740,7 @@
           <a:p>
             <a:fld id="{1BDE3FE7-3AEA-4B05-AC5A-802D1816ACF0}" type="slidenum">
               <a:rPr lang="ko-KR" altLang="en-US" smtClean="0"/>
-              <a:t>36</a:t>
+              <a:t>37</a:t>
             </a:fld>
             <a:endParaRPr lang="ko-KR" altLang="en-US"/>
           </a:p>
@@ -18512,7 +18634,7 @@
 </p:sld>
 </file>
 
-<file path=ppt/slides/slide37.xml><?xml version="1.0" encoding="utf-8"?>
+<file path=ppt/slides/slide38.xml><?xml version="1.0" encoding="utf-8"?>
 <p:sld xmlns:a="http://schemas.openxmlformats.org/drawingml/2006/main" xmlns:r="http://schemas.openxmlformats.org/officeDocument/2006/relationships" xmlns:p="http://schemas.openxmlformats.org/presentationml/2006/main">
   <p:cSld>
     <p:spTree>
@@ -18598,7 +18720,7 @@
           <a:p>
             <a:fld id="{1BDE3FE7-3AEA-4B05-AC5A-802D1816ACF0}" type="slidenum">
               <a:rPr lang="ko-KR" altLang="en-US" smtClean="0"/>
-              <a:t>37</a:t>
+              <a:t>38</a:t>
             </a:fld>
             <a:endParaRPr lang="ko-KR" altLang="en-US"/>
           </a:p>
@@ -18870,7 +18992,7 @@
 </p:sld>
 </file>
 
-<file path=ppt/slides/slide38.xml><?xml version="1.0" encoding="utf-8"?>
+<file path=ppt/slides/slide39.xml><?xml version="1.0" encoding="utf-8"?>
 <p:sld xmlns:a="http://schemas.openxmlformats.org/drawingml/2006/main" xmlns:r="http://schemas.openxmlformats.org/officeDocument/2006/relationships" xmlns:p="http://schemas.openxmlformats.org/presentationml/2006/main">
   <p:cSld>
     <p:spTree>
@@ -18956,7 +19078,7 @@
           <a:p>
             <a:fld id="{1BDE3FE7-3AEA-4B05-AC5A-802D1816ACF0}" type="slidenum">
               <a:rPr lang="ko-KR" altLang="en-US" smtClean="0"/>
-              <a:t>38</a:t>
+              <a:t>39</a:t>
             </a:fld>
             <a:endParaRPr lang="ko-KR" altLang="en-US"/>
           </a:p>
@@ -19265,7 +19387,7 @@
 </p:sld>
 </file>
 
-<file path=ppt/slides/slide39.xml><?xml version="1.0" encoding="utf-8"?>
+<file path=ppt/slides/slide4.xml><?xml version="1.0" encoding="utf-8"?>
 <p:sld xmlns:a="http://schemas.openxmlformats.org/drawingml/2006/main" xmlns:r="http://schemas.openxmlformats.org/officeDocument/2006/relationships" xmlns:p="http://schemas.openxmlformats.org/presentationml/2006/main">
   <p:cSld>
     <p:spTree>
@@ -19294,38 +19416,24 @@
         </p:nvSpPr>
         <p:spPr/>
         <p:txBody>
-          <a:bodyPr/>
+          <a:bodyPr>
+            <a:normAutofit/>
+          </a:bodyPr>
           <a:lstStyle/>
           <a:p>
             <a:r>
-              <a:rPr lang="en-US" altLang="ko-KR" dirty="0" smtClean="0"/>
+              <a:rPr lang="en-US" altLang="ko-KR" sz="2800" dirty="0" smtClean="0"/>
               <a:t> </a:t>
             </a:r>
             <a:r>
-              <a:rPr lang="ko-KR" altLang="en-US" dirty="0" smtClean="0"/>
-              <a:t>함수</a:t>
-            </a:r>
-            <a:r>
-              <a:rPr lang="en-US" altLang="ko-KR" dirty="0"/>
-              <a:t> </a:t>
-            </a:r>
-            <a:r>
-              <a:rPr lang="ko-KR" altLang="en-US" dirty="0" smtClean="0"/>
-              <a:t>재정의</a:t>
-            </a:r>
-            <a:r>
-              <a:rPr lang="en-US" altLang="ko-KR" dirty="0" smtClean="0"/>
-              <a:t>(</a:t>
-            </a:r>
-            <a:r>
-              <a:rPr lang="ko-KR" altLang="en-US" dirty="0" err="1" smtClean="0"/>
-              <a:t>오버라이딩</a:t>
-            </a:r>
-            <a:r>
-              <a:rPr lang="en-US" altLang="ko-KR" dirty="0" smtClean="0"/>
-              <a:t>)</a:t>
-            </a:r>
-            <a:endParaRPr lang="ko-KR" altLang="en-US" dirty="0"/>
+              <a:rPr lang="ko-KR" altLang="en-US" sz="2800" dirty="0" smtClean="0"/>
+              <a:t>클래스</a:t>
+            </a:r>
+            <a:r>
+              <a:rPr lang="en-US" altLang="ko-KR" sz="2800" dirty="0" smtClean="0"/>
+              <a:t>(class)</a:t>
+            </a:r>
+            <a:endParaRPr lang="ko-KR" altLang="en-US" sz="2800" dirty="0"/>
           </a:p>
         </p:txBody>
       </p:sp>
@@ -19339,6 +19447,972 @@
             <p:ph type="sldNum" sz="quarter" idx="12"/>
           </p:nvPr>
         </p:nvSpPr>
+        <p:spPr/>
+        <p:txBody>
+          <a:bodyPr/>
+          <a:lstStyle/>
+          <a:p>
+            <a:fld id="{1BDE3FE7-3AEA-4B05-AC5A-802D1816ACF0}" type="slidenum">
+              <a:rPr lang="ko-KR" altLang="en-US" smtClean="0"/>
+              <a:t>4</a:t>
+            </a:fld>
+            <a:endParaRPr lang="ko-KR" altLang="en-US"/>
+          </a:p>
+        </p:txBody>
+      </p:sp>
+      <p:sp>
+        <p:nvSpPr>
+          <p:cNvPr id="7" name="내용 개체 틀 2">
+            <a:extLst>
+              <a:ext uri="{FF2B5EF4-FFF2-40B4-BE49-F238E27FC236}">
+                <a16:creationId xmlns:a16="http://schemas.microsoft.com/office/drawing/2014/main" id="{98AF3A4E-7D90-4241-89FE-799D6F9D5A94}"/>
+              </a:ext>
+            </a:extLst>
+          </p:cNvPr>
+          <p:cNvSpPr txBox="1">
+            <a:spLocks/>
+          </p:cNvSpPr>
+          <p:nvPr/>
+        </p:nvSpPr>
+        <p:spPr>
+          <a:xfrm>
+            <a:off x="920552" y="1054139"/>
+            <a:ext cx="7200800" cy="3024337"/>
+          </a:xfrm>
+          <a:prstGeom prst="rect">
+            <a:avLst/>
+          </a:prstGeom>
+        </p:spPr>
+        <p:txBody>
+          <a:bodyPr/>
+          <a:lstStyle>
+            <a:lvl1pPr marL="228600" indent="-228600" algn="l" defTabSz="914400" rtl="0" eaLnBrk="1" latinLnBrk="1" hangingPunct="1">
+              <a:lnSpc>
+                <a:spcPct val="90000"/>
+              </a:lnSpc>
+              <a:spcBef>
+                <a:spcPts val="1000"/>
+              </a:spcBef>
+              <a:buFont typeface="Arial" panose="020B0604020202020204" pitchFamily="34" charset="0"/>
+              <a:buChar char="•"/>
+              <a:defRPr sz="2800" kern="1200">
+                <a:solidFill>
+                  <a:schemeClr val="tx1"/>
+                </a:solidFill>
+                <a:latin typeface="+mn-lt"/>
+                <a:ea typeface="+mn-ea"/>
+                <a:cs typeface="+mn-cs"/>
+              </a:defRPr>
+            </a:lvl1pPr>
+            <a:lvl2pPr marL="685800" indent="-228600" algn="l" defTabSz="914400" rtl="0" eaLnBrk="1" latinLnBrk="1" hangingPunct="1">
+              <a:lnSpc>
+                <a:spcPct val="90000"/>
+              </a:lnSpc>
+              <a:spcBef>
+                <a:spcPts val="500"/>
+              </a:spcBef>
+              <a:buFont typeface="Arial" panose="020B0604020202020204" pitchFamily="34" charset="0"/>
+              <a:buChar char="•"/>
+              <a:defRPr sz="2400" kern="1200">
+                <a:solidFill>
+                  <a:schemeClr val="tx1"/>
+                </a:solidFill>
+                <a:latin typeface="+mn-lt"/>
+                <a:ea typeface="+mn-ea"/>
+                <a:cs typeface="+mn-cs"/>
+              </a:defRPr>
+            </a:lvl2pPr>
+            <a:lvl3pPr marL="1143000" indent="-228600" algn="l" defTabSz="914400" rtl="0" eaLnBrk="1" latinLnBrk="1" hangingPunct="1">
+              <a:lnSpc>
+                <a:spcPct val="90000"/>
+              </a:lnSpc>
+              <a:spcBef>
+                <a:spcPts val="500"/>
+              </a:spcBef>
+              <a:buFont typeface="Arial" panose="020B0604020202020204" pitchFamily="34" charset="0"/>
+              <a:buChar char="•"/>
+              <a:defRPr sz="2000" kern="1200">
+                <a:solidFill>
+                  <a:schemeClr val="tx1"/>
+                </a:solidFill>
+                <a:latin typeface="+mn-lt"/>
+                <a:ea typeface="+mn-ea"/>
+                <a:cs typeface="+mn-cs"/>
+              </a:defRPr>
+            </a:lvl3pPr>
+            <a:lvl4pPr marL="1600200" indent="-228600" algn="l" defTabSz="914400" rtl="0" eaLnBrk="1" latinLnBrk="1" hangingPunct="1">
+              <a:lnSpc>
+                <a:spcPct val="90000"/>
+              </a:lnSpc>
+              <a:spcBef>
+                <a:spcPts val="500"/>
+              </a:spcBef>
+              <a:buFont typeface="Arial" panose="020B0604020202020204" pitchFamily="34" charset="0"/>
+              <a:buChar char="•"/>
+              <a:defRPr sz="1800" kern="1200">
+                <a:solidFill>
+                  <a:schemeClr val="tx1"/>
+                </a:solidFill>
+                <a:latin typeface="+mn-lt"/>
+                <a:ea typeface="+mn-ea"/>
+                <a:cs typeface="+mn-cs"/>
+              </a:defRPr>
+            </a:lvl4pPr>
+            <a:lvl5pPr marL="2057400" indent="-228600" algn="l" defTabSz="914400" rtl="0" eaLnBrk="1" latinLnBrk="1" hangingPunct="1">
+              <a:lnSpc>
+                <a:spcPct val="90000"/>
+              </a:lnSpc>
+              <a:spcBef>
+                <a:spcPts val="500"/>
+              </a:spcBef>
+              <a:buFont typeface="Arial" panose="020B0604020202020204" pitchFamily="34" charset="0"/>
+              <a:buChar char="•"/>
+              <a:defRPr sz="1800" kern="1200">
+                <a:solidFill>
+                  <a:schemeClr val="tx1"/>
+                </a:solidFill>
+                <a:latin typeface="+mn-lt"/>
+                <a:ea typeface="+mn-ea"/>
+                <a:cs typeface="+mn-cs"/>
+              </a:defRPr>
+            </a:lvl5pPr>
+            <a:lvl6pPr marL="2514600" indent="-228600" algn="l" defTabSz="914400" rtl="0" eaLnBrk="1" latinLnBrk="1" hangingPunct="1">
+              <a:lnSpc>
+                <a:spcPct val="90000"/>
+              </a:lnSpc>
+              <a:spcBef>
+                <a:spcPts val="500"/>
+              </a:spcBef>
+              <a:buFont typeface="Arial" panose="020B0604020202020204" pitchFamily="34" charset="0"/>
+              <a:buChar char="•"/>
+              <a:defRPr sz="1800" kern="1200">
+                <a:solidFill>
+                  <a:schemeClr val="tx1"/>
+                </a:solidFill>
+                <a:latin typeface="+mn-lt"/>
+                <a:ea typeface="+mn-ea"/>
+                <a:cs typeface="+mn-cs"/>
+              </a:defRPr>
+            </a:lvl6pPr>
+            <a:lvl7pPr marL="2971800" indent="-228600" algn="l" defTabSz="914400" rtl="0" eaLnBrk="1" latinLnBrk="1" hangingPunct="1">
+              <a:lnSpc>
+                <a:spcPct val="90000"/>
+              </a:lnSpc>
+              <a:spcBef>
+                <a:spcPts val="500"/>
+              </a:spcBef>
+              <a:buFont typeface="Arial" panose="020B0604020202020204" pitchFamily="34" charset="0"/>
+              <a:buChar char="•"/>
+              <a:defRPr sz="1800" kern="1200">
+                <a:solidFill>
+                  <a:schemeClr val="tx1"/>
+                </a:solidFill>
+                <a:latin typeface="+mn-lt"/>
+                <a:ea typeface="+mn-ea"/>
+                <a:cs typeface="+mn-cs"/>
+              </a:defRPr>
+            </a:lvl7pPr>
+            <a:lvl8pPr marL="3429000" indent="-228600" algn="l" defTabSz="914400" rtl="0" eaLnBrk="1" latinLnBrk="1" hangingPunct="1">
+              <a:lnSpc>
+                <a:spcPct val="90000"/>
+              </a:lnSpc>
+              <a:spcBef>
+                <a:spcPts val="500"/>
+              </a:spcBef>
+              <a:buFont typeface="Arial" panose="020B0604020202020204" pitchFamily="34" charset="0"/>
+              <a:buChar char="•"/>
+              <a:defRPr sz="1800" kern="1200">
+                <a:solidFill>
+                  <a:schemeClr val="tx1"/>
+                </a:solidFill>
+                <a:latin typeface="+mn-lt"/>
+                <a:ea typeface="+mn-ea"/>
+                <a:cs typeface="+mn-cs"/>
+              </a:defRPr>
+            </a:lvl8pPr>
+            <a:lvl9pPr marL="3886200" indent="-228600" algn="l" defTabSz="914400" rtl="0" eaLnBrk="1" latinLnBrk="1" hangingPunct="1">
+              <a:lnSpc>
+                <a:spcPct val="90000"/>
+              </a:lnSpc>
+              <a:spcBef>
+                <a:spcPts val="500"/>
+              </a:spcBef>
+              <a:buFont typeface="Arial" panose="020B0604020202020204" pitchFamily="34" charset="0"/>
+              <a:buChar char="•"/>
+              <a:defRPr sz="1800" kern="1200">
+                <a:solidFill>
+                  <a:schemeClr val="tx1"/>
+                </a:solidFill>
+                <a:latin typeface="+mn-lt"/>
+                <a:ea typeface="+mn-ea"/>
+                <a:cs typeface="+mn-cs"/>
+              </a:defRPr>
+            </a:lvl9pPr>
+          </a:lstStyle>
+          <a:p>
+            <a:pPr>
+              <a:lnSpc>
+                <a:spcPct val="150000"/>
+              </a:lnSpc>
+              <a:buFont typeface="Wingdings" panose="05000000000000000000" pitchFamily="2" charset="2"/>
+              <a:buChar char="§"/>
+            </a:pPr>
+            <a:r>
+              <a:rPr lang="ko-KR" altLang="en-US" sz="2000" b="1" dirty="0" smtClean="0">
+                <a:solidFill>
+                  <a:srgbClr val="002060"/>
+                </a:solidFill>
+              </a:rPr>
+              <a:t>클래스란</a:t>
+            </a:r>
+            <a:r>
+              <a:rPr lang="en-US" altLang="ko-KR" sz="2000" b="1" dirty="0" smtClean="0">
+                <a:solidFill>
+                  <a:srgbClr val="002060"/>
+                </a:solidFill>
+              </a:rPr>
+              <a:t>?</a:t>
+            </a:r>
+          </a:p>
+          <a:p>
+            <a:pPr marL="0" indent="0">
+              <a:lnSpc>
+                <a:spcPct val="100000"/>
+              </a:lnSpc>
+              <a:buNone/>
+            </a:pPr>
+            <a:r>
+              <a:rPr lang="en-US" altLang="ko-KR" sz="1800" b="1" dirty="0">
+                <a:solidFill>
+                  <a:schemeClr val="accent6">
+                    <a:lumMod val="75000"/>
+                  </a:schemeClr>
+                </a:solidFill>
+              </a:rPr>
+              <a:t> </a:t>
+            </a:r>
+            <a:r>
+              <a:rPr lang="en-US" altLang="ko-KR" sz="1800" b="1" dirty="0" smtClean="0">
+                <a:solidFill>
+                  <a:schemeClr val="accent6">
+                    <a:lumMod val="75000"/>
+                  </a:schemeClr>
+                </a:solidFill>
+              </a:rPr>
+              <a:t>  </a:t>
+            </a:r>
+            <a:r>
+              <a:rPr lang="ko-KR" altLang="en-US" sz="1800" b="1" dirty="0" smtClean="0">
+                <a:solidFill>
+                  <a:srgbClr val="C00000"/>
+                </a:solidFill>
+              </a:rPr>
+              <a:t>객체에 대한 속성과 기능을 코드로 구현</a:t>
+            </a:r>
+            <a:r>
+              <a:rPr lang="ko-KR" altLang="en-US" sz="1800" b="1" dirty="0" smtClean="0"/>
+              <a:t> </a:t>
+            </a:r>
+            <a:r>
+              <a:rPr lang="ko-KR" altLang="en-US" sz="1800" dirty="0" smtClean="0"/>
+              <a:t>한 것</a:t>
+            </a:r>
+            <a:endParaRPr lang="en-US" altLang="ko-KR" sz="1800" dirty="0" smtClean="0"/>
+          </a:p>
+          <a:p>
+            <a:pPr marL="0" indent="0">
+              <a:lnSpc>
+                <a:spcPct val="100000"/>
+              </a:lnSpc>
+              <a:buNone/>
+            </a:pPr>
+            <a:r>
+              <a:rPr lang="ko-KR" altLang="en-US" sz="1800" dirty="0" smtClean="0"/>
+              <a:t>   </a:t>
+            </a:r>
+            <a:r>
+              <a:rPr lang="en-US" altLang="ko-KR" sz="1800" dirty="0" smtClean="0"/>
+              <a:t>Classification(</a:t>
+            </a:r>
+            <a:r>
+              <a:rPr lang="ko-KR" altLang="en-US" sz="1800" dirty="0" smtClean="0"/>
+              <a:t>분류</a:t>
+            </a:r>
+            <a:r>
+              <a:rPr lang="en-US" altLang="ko-KR" sz="1800" dirty="0" smtClean="0"/>
+              <a:t>) </a:t>
+            </a:r>
+            <a:r>
+              <a:rPr lang="ko-KR" altLang="en-US" sz="1800" dirty="0" smtClean="0"/>
+              <a:t>에서 유래함</a:t>
+            </a:r>
+            <a:endParaRPr lang="en-US" altLang="ko-KR" sz="1800" dirty="0" smtClean="0"/>
+          </a:p>
+          <a:p>
+            <a:pPr marL="0" indent="0">
+              <a:lnSpc>
+                <a:spcPct val="100000"/>
+              </a:lnSpc>
+              <a:buNone/>
+            </a:pPr>
+            <a:r>
+              <a:rPr lang="en-US" altLang="ko-KR" sz="1800" b="1" dirty="0"/>
+              <a:t> </a:t>
+            </a:r>
+            <a:r>
+              <a:rPr lang="en-US" altLang="ko-KR" sz="1800" b="1" dirty="0" smtClean="0"/>
+              <a:t>  </a:t>
+            </a:r>
+            <a:r>
+              <a:rPr lang="en-US" altLang="ko-KR" sz="1800" dirty="0" smtClean="0"/>
+              <a:t>“</a:t>
+            </a:r>
+            <a:r>
+              <a:rPr lang="ko-KR" altLang="en-US" sz="1800" dirty="0" smtClean="0"/>
+              <a:t>클래스를 정의 한다</a:t>
+            </a:r>
+            <a:r>
+              <a:rPr lang="en-US" altLang="ko-KR" sz="1800" dirty="0" smtClean="0"/>
+              <a:t>“</a:t>
+            </a:r>
+            <a:r>
+              <a:rPr lang="ko-KR" altLang="en-US" sz="1800" dirty="0" smtClean="0"/>
+              <a:t>라고 함</a:t>
+            </a:r>
+            <a:r>
+              <a:rPr lang="en-US" altLang="ko-KR" sz="1800" dirty="0" smtClean="0"/>
+              <a:t>,</a:t>
+            </a:r>
+          </a:p>
+          <a:p>
+            <a:pPr>
+              <a:lnSpc>
+                <a:spcPct val="150000"/>
+              </a:lnSpc>
+              <a:buFont typeface="Wingdings" panose="05000000000000000000" pitchFamily="2" charset="2"/>
+              <a:buChar char="§"/>
+            </a:pPr>
+            <a:r>
+              <a:rPr lang="ko-KR" altLang="en-US" sz="2000" b="1" dirty="0" smtClean="0">
+                <a:solidFill>
+                  <a:srgbClr val="002060"/>
+                </a:solidFill>
+              </a:rPr>
+              <a:t>객체의 속성과 기능</a:t>
+            </a:r>
+            <a:endParaRPr lang="en-US" altLang="ko-KR" sz="2000" b="1" dirty="0" smtClean="0">
+              <a:solidFill>
+                <a:srgbClr val="002060"/>
+              </a:solidFill>
+            </a:endParaRPr>
+          </a:p>
+          <a:p>
+            <a:pPr lvl="1">
+              <a:lnSpc>
+                <a:spcPct val="100000"/>
+              </a:lnSpc>
+              <a:buFont typeface="Wingdings" panose="05000000000000000000" pitchFamily="2" charset="2"/>
+              <a:buChar char="§"/>
+            </a:pPr>
+            <a:r>
+              <a:rPr lang="ko-KR" altLang="en-US" sz="1800" dirty="0" smtClean="0"/>
+              <a:t>객체의 특성</a:t>
+            </a:r>
+            <a:r>
+              <a:rPr lang="en-US" altLang="ko-KR" sz="1800" dirty="0" smtClean="0"/>
+              <a:t>(property), </a:t>
+            </a:r>
+            <a:r>
+              <a:rPr lang="ko-KR" altLang="en-US" sz="1800" dirty="0" smtClean="0"/>
+              <a:t>속성</a:t>
+            </a:r>
+            <a:r>
+              <a:rPr lang="en-US" altLang="ko-KR" sz="1800" dirty="0" smtClean="0"/>
+              <a:t>(attribute) -&gt; </a:t>
+            </a:r>
+            <a:r>
+              <a:rPr lang="ko-KR" altLang="en-US" sz="1800" b="1" dirty="0" smtClean="0"/>
+              <a:t>멤버 변수</a:t>
+            </a:r>
+          </a:p>
+          <a:p>
+            <a:pPr lvl="1">
+              <a:lnSpc>
+                <a:spcPct val="100000"/>
+              </a:lnSpc>
+              <a:buFont typeface="Wingdings" panose="05000000000000000000" pitchFamily="2" charset="2"/>
+              <a:buChar char="§"/>
+            </a:pPr>
+            <a:r>
+              <a:rPr lang="ko-KR" altLang="en-US" sz="1800" dirty="0" smtClean="0"/>
+              <a:t>객체가 하는 기능 </a:t>
+            </a:r>
+            <a:r>
+              <a:rPr lang="en-US" altLang="ko-KR" sz="1800" dirty="0" smtClean="0"/>
+              <a:t>-&gt; </a:t>
+            </a:r>
+            <a:r>
+              <a:rPr lang="ko-KR" altLang="en-US" sz="1800" b="1" dirty="0" smtClean="0"/>
+              <a:t>멤버 함수</a:t>
+            </a:r>
+            <a:endParaRPr lang="en-US" altLang="ko-KR" sz="1800" b="1" dirty="0" smtClean="0"/>
+          </a:p>
+        </p:txBody>
+      </p:sp>
+      <p:sp>
+        <p:nvSpPr>
+          <p:cNvPr id="8" name="직사각형 7"/>
+          <p:cNvSpPr/>
+          <p:nvPr/>
+        </p:nvSpPr>
+        <p:spPr>
+          <a:xfrm>
+            <a:off x="4880992" y="4509120"/>
+            <a:ext cx="4871616" cy="1224136"/>
+          </a:xfrm>
+          <a:prstGeom prst="rect">
+            <a:avLst/>
+          </a:prstGeom>
+          <a:ln/>
+        </p:spPr>
+        <p:style>
+          <a:lnRef idx="2">
+            <a:schemeClr val="accent3"/>
+          </a:lnRef>
+          <a:fillRef idx="1">
+            <a:schemeClr val="lt1"/>
+          </a:fillRef>
+          <a:effectRef idx="0">
+            <a:schemeClr val="accent3"/>
+          </a:effectRef>
+          <a:fontRef idx="minor">
+            <a:schemeClr val="dk1"/>
+          </a:fontRef>
+        </p:style>
+        <p:txBody>
+          <a:bodyPr rtlCol="0" anchor="ctr"/>
+          <a:lstStyle/>
+          <a:p>
+            <a:pPr>
+              <a:lnSpc>
+                <a:spcPct val="150000"/>
+              </a:lnSpc>
+            </a:pPr>
+            <a:r>
+              <a:rPr lang="ko-KR" altLang="en-US" sz="1600" dirty="0" smtClean="0">
+                <a:latin typeface="+mn-ea"/>
+              </a:rPr>
+              <a:t>학생 클래스</a:t>
+            </a:r>
+            <a:endParaRPr lang="en-US" altLang="ko-KR" sz="1600" dirty="0" smtClean="0">
+              <a:latin typeface="+mn-ea"/>
+            </a:endParaRPr>
+          </a:p>
+          <a:p>
+            <a:pPr marL="285750" indent="-285750">
+              <a:lnSpc>
+                <a:spcPct val="150000"/>
+              </a:lnSpc>
+              <a:buFontTx/>
+              <a:buChar char="-"/>
+            </a:pPr>
+            <a:r>
+              <a:rPr lang="ko-KR" altLang="en-US" sz="1600" dirty="0" smtClean="0">
+                <a:latin typeface="+mn-ea"/>
+              </a:rPr>
+              <a:t>속성</a:t>
+            </a:r>
+            <a:r>
+              <a:rPr lang="en-US" altLang="ko-KR" sz="1600" dirty="0" smtClean="0">
+                <a:latin typeface="+mn-ea"/>
+              </a:rPr>
+              <a:t>(</a:t>
+            </a:r>
+            <a:r>
+              <a:rPr lang="ko-KR" altLang="en-US" sz="1600" dirty="0" smtClean="0">
+                <a:latin typeface="+mn-ea"/>
+              </a:rPr>
+              <a:t>멤버변수</a:t>
+            </a:r>
+            <a:r>
+              <a:rPr lang="en-US" altLang="ko-KR" sz="1600" dirty="0" smtClean="0">
+                <a:latin typeface="+mn-ea"/>
+              </a:rPr>
+              <a:t>)</a:t>
+            </a:r>
+            <a:r>
+              <a:rPr lang="ko-KR" altLang="en-US" sz="1600" dirty="0" smtClean="0">
+                <a:latin typeface="+mn-ea"/>
+              </a:rPr>
+              <a:t> </a:t>
+            </a:r>
+            <a:r>
+              <a:rPr lang="en-US" altLang="ko-KR" sz="1600" dirty="0" smtClean="0">
+                <a:latin typeface="+mn-ea"/>
+              </a:rPr>
+              <a:t>: </a:t>
+            </a:r>
+            <a:r>
+              <a:rPr lang="ko-KR" altLang="en-US" sz="1600" dirty="0" smtClean="0">
+                <a:latin typeface="+mn-ea"/>
+              </a:rPr>
+              <a:t>학번</a:t>
+            </a:r>
+            <a:r>
+              <a:rPr lang="en-US" altLang="ko-KR" sz="1600" dirty="0" smtClean="0">
+                <a:latin typeface="+mn-ea"/>
+              </a:rPr>
+              <a:t>, </a:t>
+            </a:r>
+            <a:r>
+              <a:rPr lang="ko-KR" altLang="en-US" sz="1600" dirty="0" smtClean="0">
+                <a:latin typeface="+mn-ea"/>
+              </a:rPr>
+              <a:t>이름</a:t>
+            </a:r>
+            <a:r>
+              <a:rPr lang="en-US" altLang="ko-KR" sz="1600" dirty="0" smtClean="0">
+                <a:latin typeface="+mn-ea"/>
+              </a:rPr>
+              <a:t>, </a:t>
+            </a:r>
+            <a:r>
+              <a:rPr lang="ko-KR" altLang="en-US" sz="1600" dirty="0" smtClean="0">
+                <a:latin typeface="+mn-ea"/>
+              </a:rPr>
+              <a:t>학년</a:t>
+            </a:r>
+            <a:r>
+              <a:rPr lang="en-US" altLang="ko-KR" sz="1600" dirty="0" smtClean="0">
+                <a:latin typeface="+mn-ea"/>
+              </a:rPr>
+              <a:t>, </a:t>
+            </a:r>
+            <a:r>
+              <a:rPr lang="ko-KR" altLang="en-US" sz="1600" dirty="0" smtClean="0">
+                <a:latin typeface="+mn-ea"/>
+              </a:rPr>
+              <a:t>사는 곳 등</a:t>
+            </a:r>
+            <a:r>
+              <a:rPr lang="en-US" altLang="ko-KR" sz="1600" dirty="0" smtClean="0">
+                <a:latin typeface="+mn-ea"/>
+              </a:rPr>
+              <a:t>..</a:t>
+            </a:r>
+          </a:p>
+          <a:p>
+            <a:pPr marL="285750" indent="-285750">
+              <a:lnSpc>
+                <a:spcPct val="150000"/>
+              </a:lnSpc>
+              <a:buFontTx/>
+              <a:buChar char="-"/>
+            </a:pPr>
+            <a:r>
+              <a:rPr lang="ko-KR" altLang="en-US" sz="1600" dirty="0" smtClean="0">
+                <a:latin typeface="+mn-ea"/>
+              </a:rPr>
+              <a:t>기능</a:t>
+            </a:r>
+            <a:r>
+              <a:rPr lang="en-US" altLang="ko-KR" sz="1600" dirty="0" smtClean="0">
+                <a:latin typeface="+mn-ea"/>
+              </a:rPr>
+              <a:t>(</a:t>
+            </a:r>
+            <a:r>
+              <a:rPr lang="ko-KR" altLang="en-US" sz="1600" dirty="0" smtClean="0">
+                <a:latin typeface="+mn-ea"/>
+              </a:rPr>
+              <a:t>함수</a:t>
+            </a:r>
+            <a:r>
+              <a:rPr lang="en-US" altLang="ko-KR" sz="1600" dirty="0" smtClean="0">
+                <a:latin typeface="+mn-ea"/>
+              </a:rPr>
+              <a:t>)</a:t>
+            </a:r>
+            <a:r>
+              <a:rPr lang="ko-KR" altLang="en-US" sz="1600" dirty="0" smtClean="0">
+                <a:latin typeface="+mn-ea"/>
+              </a:rPr>
+              <a:t> </a:t>
+            </a:r>
+            <a:r>
+              <a:rPr lang="en-US" altLang="ko-KR" sz="1600" dirty="0" smtClean="0">
+                <a:latin typeface="+mn-ea"/>
+              </a:rPr>
+              <a:t>: </a:t>
+            </a:r>
+            <a:r>
+              <a:rPr lang="ko-KR" altLang="en-US" sz="1600" dirty="0" smtClean="0">
+                <a:latin typeface="+mn-ea"/>
+              </a:rPr>
+              <a:t>수강신청</a:t>
+            </a:r>
+            <a:r>
+              <a:rPr lang="en-US" altLang="ko-KR" sz="1600" dirty="0" smtClean="0">
+                <a:latin typeface="+mn-ea"/>
+              </a:rPr>
+              <a:t>, </a:t>
+            </a:r>
+            <a:r>
+              <a:rPr lang="ko-KR" altLang="en-US" sz="1600" dirty="0" smtClean="0">
+                <a:latin typeface="+mn-ea"/>
+              </a:rPr>
+              <a:t>수업듣기</a:t>
+            </a:r>
+            <a:r>
+              <a:rPr lang="en-US" altLang="ko-KR" sz="1600" dirty="0" smtClean="0">
+                <a:latin typeface="+mn-ea"/>
+              </a:rPr>
+              <a:t>, </a:t>
+            </a:r>
+            <a:r>
+              <a:rPr lang="ko-KR" altLang="en-US" sz="1600" dirty="0" smtClean="0">
+                <a:latin typeface="+mn-ea"/>
+              </a:rPr>
+              <a:t>시험 보기 등</a:t>
+            </a:r>
+            <a:r>
+              <a:rPr lang="en-US" altLang="ko-KR" sz="1600" dirty="0" smtClean="0">
+                <a:latin typeface="+mn-ea"/>
+              </a:rPr>
+              <a:t>..</a:t>
+            </a:r>
+            <a:endParaRPr lang="ko-KR" altLang="en-US" sz="1600" dirty="0">
+              <a:latin typeface="+mn-ea"/>
+            </a:endParaRPr>
+          </a:p>
+        </p:txBody>
+      </p:sp>
+      <p:sp>
+        <p:nvSpPr>
+          <p:cNvPr id="9" name="모서리가 둥근 직사각형 8"/>
+          <p:cNvSpPr/>
+          <p:nvPr/>
+        </p:nvSpPr>
+        <p:spPr>
+          <a:xfrm>
+            <a:off x="1115533" y="4293096"/>
+            <a:ext cx="3405419" cy="1975009"/>
+          </a:xfrm>
+          <a:prstGeom prst="roundRect">
+            <a:avLst/>
+          </a:prstGeom>
+        </p:spPr>
+        <p:style>
+          <a:lnRef idx="2">
+            <a:schemeClr val="accent5"/>
+          </a:lnRef>
+          <a:fillRef idx="1">
+            <a:schemeClr val="lt1"/>
+          </a:fillRef>
+          <a:effectRef idx="0">
+            <a:schemeClr val="accent5"/>
+          </a:effectRef>
+          <a:fontRef idx="minor">
+            <a:schemeClr val="dk1"/>
+          </a:fontRef>
+        </p:style>
+        <p:txBody>
+          <a:bodyPr wrap="square">
+            <a:spAutoFit/>
+          </a:bodyPr>
+          <a:lstStyle/>
+          <a:p>
+            <a:pPr>
+              <a:lnSpc>
+                <a:spcPct val="100000"/>
+              </a:lnSpc>
+              <a:buFont typeface="Wingdings" panose="05000000000000000000" pitchFamily="2" charset="2"/>
+              <a:buChar char="§"/>
+            </a:pPr>
+            <a:r>
+              <a:rPr lang="ko-KR" altLang="en-US" sz="2000" dirty="0" smtClean="0"/>
+              <a:t> </a:t>
+            </a:r>
+            <a:r>
+              <a:rPr lang="ko-KR" altLang="en-US" sz="2000" b="1" dirty="0" smtClean="0"/>
+              <a:t>클래스 정의하기</a:t>
+            </a:r>
+            <a:endParaRPr lang="en-US" altLang="ko-KR" sz="2000" b="1" dirty="0"/>
+          </a:p>
+          <a:p>
+            <a:pPr lvl="1"/>
+            <a:r>
+              <a:rPr lang="en-US" altLang="ko-KR" b="1" dirty="0">
+                <a:solidFill>
+                  <a:srgbClr val="C00000"/>
+                </a:solidFill>
+              </a:rPr>
+              <a:t>class</a:t>
+            </a:r>
+            <a:r>
+              <a:rPr lang="en-US" altLang="ko-KR" b="1" dirty="0"/>
+              <a:t> </a:t>
+            </a:r>
+            <a:r>
+              <a:rPr lang="ko-KR" altLang="en-US" b="1" dirty="0"/>
+              <a:t>클래스 이름</a:t>
+            </a:r>
+            <a:r>
+              <a:rPr lang="en-US" altLang="ko-KR" b="1" dirty="0"/>
+              <a:t> :</a:t>
+            </a:r>
+          </a:p>
+          <a:p>
+            <a:pPr lvl="1"/>
+            <a:r>
+              <a:rPr lang="en-US" altLang="ko-KR" b="1" dirty="0"/>
+              <a:t>    </a:t>
+            </a:r>
+            <a:r>
+              <a:rPr lang="en-US" altLang="ko-KR" b="1" dirty="0" err="1">
+                <a:solidFill>
+                  <a:schemeClr val="accent6">
+                    <a:lumMod val="75000"/>
+                  </a:schemeClr>
+                </a:solidFill>
+              </a:rPr>
+              <a:t>def</a:t>
+            </a:r>
+            <a:r>
+              <a:rPr lang="en-US" altLang="ko-KR" b="1" dirty="0"/>
+              <a:t> __</a:t>
+            </a:r>
+            <a:r>
+              <a:rPr lang="en-US" altLang="ko-KR" b="1" dirty="0" err="1"/>
+              <a:t>init</a:t>
+            </a:r>
+            <a:r>
+              <a:rPr lang="en-US" altLang="ko-KR" b="1" dirty="0"/>
+              <a:t>__(self):</a:t>
+            </a:r>
+          </a:p>
+          <a:p>
+            <a:pPr lvl="1"/>
+            <a:r>
+              <a:rPr lang="en-US" altLang="ko-KR" b="1" dirty="0">
+                <a:solidFill>
+                  <a:srgbClr val="C00000"/>
+                </a:solidFill>
+              </a:rPr>
+              <a:t>        </a:t>
+            </a:r>
+            <a:r>
+              <a:rPr lang="en-US" altLang="ko-KR" b="1" dirty="0" smtClean="0">
+                <a:solidFill>
+                  <a:srgbClr val="C00000"/>
+                </a:solidFill>
+              </a:rPr>
+              <a:t> </a:t>
+            </a:r>
+            <a:r>
+              <a:rPr lang="ko-KR" altLang="en-US" b="1" dirty="0" smtClean="0">
+                <a:solidFill>
+                  <a:schemeClr val="tx1"/>
+                </a:solidFill>
+              </a:rPr>
+              <a:t>멤버변</a:t>
+            </a:r>
+            <a:r>
+              <a:rPr lang="ko-KR" altLang="en-US" b="1" dirty="0" smtClean="0">
+                <a:solidFill>
+                  <a:srgbClr val="002060"/>
+                </a:solidFill>
+              </a:rPr>
+              <a:t>수</a:t>
+            </a:r>
+            <a:endParaRPr lang="en-US" altLang="ko-KR" b="1" dirty="0">
+              <a:solidFill>
+                <a:srgbClr val="002060"/>
+              </a:solidFill>
+            </a:endParaRPr>
+          </a:p>
+          <a:p>
+            <a:pPr lvl="1"/>
+            <a:r>
+              <a:rPr lang="en-US" altLang="ko-KR" b="1" dirty="0">
+                <a:solidFill>
+                  <a:srgbClr val="002060"/>
+                </a:solidFill>
+              </a:rPr>
+              <a:t>    </a:t>
+            </a:r>
+            <a:r>
+              <a:rPr lang="en-US" altLang="ko-KR" b="1" dirty="0" err="1">
+                <a:solidFill>
+                  <a:schemeClr val="accent6">
+                    <a:lumMod val="75000"/>
+                  </a:schemeClr>
+                </a:solidFill>
+              </a:rPr>
+              <a:t>def</a:t>
+            </a:r>
+            <a:r>
+              <a:rPr lang="en-US" altLang="ko-KR" b="1" dirty="0">
+                <a:solidFill>
+                  <a:srgbClr val="002060"/>
+                </a:solidFill>
+              </a:rPr>
+              <a:t> </a:t>
+            </a:r>
+            <a:r>
+              <a:rPr lang="ko-KR" altLang="en-US" b="1" dirty="0" smtClean="0">
+                <a:solidFill>
+                  <a:srgbClr val="002060"/>
+                </a:solidFill>
+              </a:rPr>
+              <a:t>함수이름</a:t>
+            </a:r>
+            <a:r>
+              <a:rPr lang="en-US" altLang="ko-KR" b="1" dirty="0" smtClean="0">
+                <a:solidFill>
+                  <a:srgbClr val="002060"/>
+                </a:solidFill>
+              </a:rPr>
+              <a:t>(self):</a:t>
+            </a:r>
+            <a:endParaRPr lang="en-US" altLang="ko-KR" b="1" dirty="0">
+              <a:solidFill>
+                <a:srgbClr val="002060"/>
+              </a:solidFill>
+            </a:endParaRPr>
+          </a:p>
+          <a:p>
+            <a:pPr lvl="1"/>
+            <a:r>
+              <a:rPr lang="en-US" altLang="ko-KR" b="1" dirty="0">
+                <a:solidFill>
+                  <a:srgbClr val="002060"/>
+                </a:solidFill>
+              </a:rPr>
+              <a:t>        </a:t>
+            </a:r>
+            <a:r>
+              <a:rPr lang="en-US" altLang="ko-KR" b="1" dirty="0" smtClean="0">
+                <a:solidFill>
+                  <a:srgbClr val="002060"/>
+                </a:solidFill>
+              </a:rPr>
+              <a:t>  </a:t>
+            </a:r>
+            <a:r>
+              <a:rPr lang="en-US" altLang="ko-KR" b="1" dirty="0" smtClean="0">
+                <a:solidFill>
+                  <a:schemeClr val="accent6">
+                    <a:lumMod val="75000"/>
+                  </a:schemeClr>
+                </a:solidFill>
+              </a:rPr>
+              <a:t>return</a:t>
+            </a:r>
+            <a:endParaRPr lang="en-US" altLang="ko-KR" b="1" dirty="0">
+              <a:solidFill>
+                <a:schemeClr val="accent6">
+                  <a:lumMod val="75000"/>
+                </a:schemeClr>
+              </a:solidFill>
+            </a:endParaRPr>
+          </a:p>
+        </p:txBody>
+      </p:sp>
+    </p:spTree>
+    <p:extLst>
+      <p:ext uri="{BB962C8B-B14F-4D97-AF65-F5344CB8AC3E}">
+        <p14:creationId xmlns:p14="http://schemas.microsoft.com/office/powerpoint/2010/main" val="2896562144"/>
+      </p:ext>
+    </p:extLst>
+  </p:cSld>
+  <p:clrMapOvr>
+    <a:masterClrMapping/>
+  </p:clrMapOvr>
+  <p:timing>
+    <p:tnLst>
+      <p:par>
+        <p:cTn id="1" dur="indefinite" restart="never" nodeType="tmRoot"/>
+      </p:par>
+    </p:tnLst>
+  </p:timing>
+</p:sld>
+</file>
+
+<file path=ppt/slides/slide40.xml><?xml version="1.0" encoding="utf-8"?>
+<p:sld xmlns:a="http://schemas.openxmlformats.org/drawingml/2006/main" xmlns:r="http://schemas.openxmlformats.org/officeDocument/2006/relationships" xmlns:p="http://schemas.openxmlformats.org/presentationml/2006/main">
+  <p:cSld>
+    <p:spTree>
+      <p:nvGrpSpPr>
+        <p:cNvPr id="1" name=""/>
+        <p:cNvGrpSpPr/>
+        <p:nvPr/>
+      </p:nvGrpSpPr>
+      <p:grpSpPr>
+        <a:xfrm>
+          <a:off x="0" y="0"/>
+          <a:ext cx="0" cy="0"/>
+          <a:chOff x="0" y="0"/>
+          <a:chExt cx="0" cy="0"/>
+        </a:xfrm>
+      </p:grpSpPr>
+      <p:sp>
+        <p:nvSpPr>
+          <p:cNvPr id="6" name="제목 5"/>
+          <p:cNvSpPr>
+            <a:spLocks noGrp="1"/>
+          </p:cNvSpPr>
+          <p:nvPr>
+            <p:ph type="title"/>
+          </p:nvPr>
+        </p:nvSpPr>
+        <p:spPr/>
+        <p:txBody>
+          <a:bodyPr/>
+          <a:lstStyle/>
+          <a:p>
+            <a:r>
+              <a:rPr lang="en-US" altLang="ko-KR" dirty="0" smtClean="0"/>
+              <a:t> </a:t>
+            </a:r>
+            <a:r>
+              <a:rPr lang="ko-KR" altLang="en-US" dirty="0" smtClean="0"/>
+              <a:t>함수</a:t>
+            </a:r>
+            <a:r>
+              <a:rPr lang="en-US" altLang="ko-KR" dirty="0"/>
+              <a:t> </a:t>
+            </a:r>
+            <a:r>
+              <a:rPr lang="ko-KR" altLang="en-US" dirty="0" smtClean="0"/>
+              <a:t>재정의</a:t>
+            </a:r>
+            <a:r>
+              <a:rPr lang="en-US" altLang="ko-KR" dirty="0" smtClean="0"/>
+              <a:t>(</a:t>
+            </a:r>
+            <a:r>
+              <a:rPr lang="ko-KR" altLang="en-US" dirty="0" err="1" smtClean="0"/>
+              <a:t>오버라이딩</a:t>
+            </a:r>
+            <a:r>
+              <a:rPr lang="en-US" altLang="ko-KR" dirty="0" smtClean="0"/>
+              <a:t>)</a:t>
+            </a:r>
+            <a:endParaRPr lang="ko-KR" altLang="en-US" dirty="0"/>
+          </a:p>
+        </p:txBody>
+      </p:sp>
+      <p:sp>
+        <p:nvSpPr>
+          <p:cNvPr id="5" name="슬라이드 번호 개체 틀 4"/>
+          <p:cNvSpPr>
+            <a:spLocks noGrp="1"/>
+          </p:cNvSpPr>
+          <p:nvPr>
+            <p:ph type="sldNum" sz="quarter" idx="12"/>
+          </p:nvPr>
+        </p:nvSpPr>
         <p:spPr>
           <a:xfrm>
             <a:off x="8853433" y="7312347"/>
@@ -19351,7 +20425,395 @@
           <a:p>
             <a:fld id="{1BDE3FE7-3AEA-4B05-AC5A-802D1816ACF0}" type="slidenum">
               <a:rPr lang="ko-KR" altLang="en-US" smtClean="0"/>
-              <a:t>39</a:t>
+              <a:t>40</a:t>
+            </a:fld>
+            <a:endParaRPr lang="ko-KR" altLang="en-US"/>
+          </a:p>
+        </p:txBody>
+      </p:sp>
+      <p:sp>
+        <p:nvSpPr>
+          <p:cNvPr id="10" name="내용 개체 틀 2">
+            <a:extLst>
+              <a:ext uri="{FF2B5EF4-FFF2-40B4-BE49-F238E27FC236}">
+                <a16:creationId xmlns:a16="http://schemas.microsoft.com/office/drawing/2014/main" id="{98AF3A4E-7D90-4241-89FE-799D6F9D5A94}"/>
+              </a:ext>
+            </a:extLst>
+          </p:cNvPr>
+          <p:cNvSpPr txBox="1">
+            <a:spLocks/>
+          </p:cNvSpPr>
+          <p:nvPr/>
+        </p:nvSpPr>
+        <p:spPr>
+          <a:xfrm>
+            <a:off x="1064568" y="1259657"/>
+            <a:ext cx="7848872" cy="513159"/>
+          </a:xfrm>
+          <a:prstGeom prst="rect">
+            <a:avLst/>
+          </a:prstGeom>
+        </p:spPr>
+        <p:txBody>
+          <a:bodyPr/>
+          <a:lstStyle>
+            <a:lvl1pPr marL="228600" indent="-228600" algn="l" defTabSz="914400" rtl="0" eaLnBrk="1" latinLnBrk="1" hangingPunct="1">
+              <a:lnSpc>
+                <a:spcPct val="90000"/>
+              </a:lnSpc>
+              <a:spcBef>
+                <a:spcPts val="1000"/>
+              </a:spcBef>
+              <a:buFont typeface="Arial" panose="020B0604020202020204" pitchFamily="34" charset="0"/>
+              <a:buChar char="•"/>
+              <a:defRPr sz="2800" kern="1200">
+                <a:solidFill>
+                  <a:schemeClr val="tx1"/>
+                </a:solidFill>
+                <a:latin typeface="+mn-lt"/>
+                <a:ea typeface="+mn-ea"/>
+                <a:cs typeface="+mn-cs"/>
+              </a:defRPr>
+            </a:lvl1pPr>
+            <a:lvl2pPr marL="685800" indent="-228600" algn="l" defTabSz="914400" rtl="0" eaLnBrk="1" latinLnBrk="1" hangingPunct="1">
+              <a:lnSpc>
+                <a:spcPct val="90000"/>
+              </a:lnSpc>
+              <a:spcBef>
+                <a:spcPts val="500"/>
+              </a:spcBef>
+              <a:buFont typeface="Arial" panose="020B0604020202020204" pitchFamily="34" charset="0"/>
+              <a:buChar char="•"/>
+              <a:defRPr sz="2400" kern="1200">
+                <a:solidFill>
+                  <a:schemeClr val="tx1"/>
+                </a:solidFill>
+                <a:latin typeface="+mn-lt"/>
+                <a:ea typeface="+mn-ea"/>
+                <a:cs typeface="+mn-cs"/>
+              </a:defRPr>
+            </a:lvl2pPr>
+            <a:lvl3pPr marL="1143000" indent="-228600" algn="l" defTabSz="914400" rtl="0" eaLnBrk="1" latinLnBrk="1" hangingPunct="1">
+              <a:lnSpc>
+                <a:spcPct val="90000"/>
+              </a:lnSpc>
+              <a:spcBef>
+                <a:spcPts val="500"/>
+              </a:spcBef>
+              <a:buFont typeface="Arial" panose="020B0604020202020204" pitchFamily="34" charset="0"/>
+              <a:buChar char="•"/>
+              <a:defRPr sz="2000" kern="1200">
+                <a:solidFill>
+                  <a:schemeClr val="tx1"/>
+                </a:solidFill>
+                <a:latin typeface="+mn-lt"/>
+                <a:ea typeface="+mn-ea"/>
+                <a:cs typeface="+mn-cs"/>
+              </a:defRPr>
+            </a:lvl3pPr>
+            <a:lvl4pPr marL="1600200" indent="-228600" algn="l" defTabSz="914400" rtl="0" eaLnBrk="1" latinLnBrk="1" hangingPunct="1">
+              <a:lnSpc>
+                <a:spcPct val="90000"/>
+              </a:lnSpc>
+              <a:spcBef>
+                <a:spcPts val="500"/>
+              </a:spcBef>
+              <a:buFont typeface="Arial" panose="020B0604020202020204" pitchFamily="34" charset="0"/>
+              <a:buChar char="•"/>
+              <a:defRPr sz="1800" kern="1200">
+                <a:solidFill>
+                  <a:schemeClr val="tx1"/>
+                </a:solidFill>
+                <a:latin typeface="+mn-lt"/>
+                <a:ea typeface="+mn-ea"/>
+                <a:cs typeface="+mn-cs"/>
+              </a:defRPr>
+            </a:lvl4pPr>
+            <a:lvl5pPr marL="2057400" indent="-228600" algn="l" defTabSz="914400" rtl="0" eaLnBrk="1" latinLnBrk="1" hangingPunct="1">
+              <a:lnSpc>
+                <a:spcPct val="90000"/>
+              </a:lnSpc>
+              <a:spcBef>
+                <a:spcPts val="500"/>
+              </a:spcBef>
+              <a:buFont typeface="Arial" panose="020B0604020202020204" pitchFamily="34" charset="0"/>
+              <a:buChar char="•"/>
+              <a:defRPr sz="1800" kern="1200">
+                <a:solidFill>
+                  <a:schemeClr val="tx1"/>
+                </a:solidFill>
+                <a:latin typeface="+mn-lt"/>
+                <a:ea typeface="+mn-ea"/>
+                <a:cs typeface="+mn-cs"/>
+              </a:defRPr>
+            </a:lvl5pPr>
+            <a:lvl6pPr marL="2514600" indent="-228600" algn="l" defTabSz="914400" rtl="0" eaLnBrk="1" latinLnBrk="1" hangingPunct="1">
+              <a:lnSpc>
+                <a:spcPct val="90000"/>
+              </a:lnSpc>
+              <a:spcBef>
+                <a:spcPts val="500"/>
+              </a:spcBef>
+              <a:buFont typeface="Arial" panose="020B0604020202020204" pitchFamily="34" charset="0"/>
+              <a:buChar char="•"/>
+              <a:defRPr sz="1800" kern="1200">
+                <a:solidFill>
+                  <a:schemeClr val="tx1"/>
+                </a:solidFill>
+                <a:latin typeface="+mn-lt"/>
+                <a:ea typeface="+mn-ea"/>
+                <a:cs typeface="+mn-cs"/>
+              </a:defRPr>
+            </a:lvl6pPr>
+            <a:lvl7pPr marL="2971800" indent="-228600" algn="l" defTabSz="914400" rtl="0" eaLnBrk="1" latinLnBrk="1" hangingPunct="1">
+              <a:lnSpc>
+                <a:spcPct val="90000"/>
+              </a:lnSpc>
+              <a:spcBef>
+                <a:spcPts val="500"/>
+              </a:spcBef>
+              <a:buFont typeface="Arial" panose="020B0604020202020204" pitchFamily="34" charset="0"/>
+              <a:buChar char="•"/>
+              <a:defRPr sz="1800" kern="1200">
+                <a:solidFill>
+                  <a:schemeClr val="tx1"/>
+                </a:solidFill>
+                <a:latin typeface="+mn-lt"/>
+                <a:ea typeface="+mn-ea"/>
+                <a:cs typeface="+mn-cs"/>
+              </a:defRPr>
+            </a:lvl7pPr>
+            <a:lvl8pPr marL="3429000" indent="-228600" algn="l" defTabSz="914400" rtl="0" eaLnBrk="1" latinLnBrk="1" hangingPunct="1">
+              <a:lnSpc>
+                <a:spcPct val="90000"/>
+              </a:lnSpc>
+              <a:spcBef>
+                <a:spcPts val="500"/>
+              </a:spcBef>
+              <a:buFont typeface="Arial" panose="020B0604020202020204" pitchFamily="34" charset="0"/>
+              <a:buChar char="•"/>
+              <a:defRPr sz="1800" kern="1200">
+                <a:solidFill>
+                  <a:schemeClr val="tx1"/>
+                </a:solidFill>
+                <a:latin typeface="+mn-lt"/>
+                <a:ea typeface="+mn-ea"/>
+                <a:cs typeface="+mn-cs"/>
+              </a:defRPr>
+            </a:lvl8pPr>
+            <a:lvl9pPr marL="3886200" indent="-228600" algn="l" defTabSz="914400" rtl="0" eaLnBrk="1" latinLnBrk="1" hangingPunct="1">
+              <a:lnSpc>
+                <a:spcPct val="90000"/>
+              </a:lnSpc>
+              <a:spcBef>
+                <a:spcPts val="500"/>
+              </a:spcBef>
+              <a:buFont typeface="Arial" panose="020B0604020202020204" pitchFamily="34" charset="0"/>
+              <a:buChar char="•"/>
+              <a:defRPr sz="1800" kern="1200">
+                <a:solidFill>
+                  <a:schemeClr val="tx1"/>
+                </a:solidFill>
+                <a:latin typeface="+mn-lt"/>
+                <a:ea typeface="+mn-ea"/>
+                <a:cs typeface="+mn-cs"/>
+              </a:defRPr>
+            </a:lvl9pPr>
+          </a:lstStyle>
+          <a:p>
+            <a:pPr>
+              <a:lnSpc>
+                <a:spcPct val="150000"/>
+              </a:lnSpc>
+              <a:buFont typeface="Wingdings" panose="05000000000000000000" pitchFamily="2" charset="2"/>
+              <a:buChar char="§"/>
+            </a:pPr>
+            <a:r>
+              <a:rPr lang="ko-KR" altLang="en-US" sz="2000" b="1" dirty="0"/>
+              <a:t> </a:t>
+            </a:r>
+            <a:r>
+              <a:rPr lang="ko-KR" altLang="en-US" sz="2000" b="1" dirty="0" smtClean="0"/>
+              <a:t>확장 계산기</a:t>
+            </a:r>
+            <a:endParaRPr lang="en-US" altLang="ko-KR" sz="2000" b="1" dirty="0" smtClean="0"/>
+          </a:p>
+        </p:txBody>
+      </p:sp>
+      <p:pic>
+        <p:nvPicPr>
+          <p:cNvPr id="2" name="그림 1"/>
+          <p:cNvPicPr>
+            <a:picLocks noChangeAspect="1"/>
+          </p:cNvPicPr>
+          <p:nvPr/>
+        </p:nvPicPr>
+        <p:blipFill>
+          <a:blip r:embed="rId2">
+            <a:extLst>
+              <a:ext uri="{28A0092B-C50C-407E-A947-70E740481C1C}">
+                <a14:useLocalDpi xmlns:a14="http://schemas.microsoft.com/office/drawing/2010/main" val="0"/>
+              </a:ext>
+            </a:extLst>
+          </a:blip>
+          <a:stretch>
+            <a:fillRect/>
+          </a:stretch>
+        </p:blipFill>
+        <p:spPr>
+          <a:xfrm>
+            <a:off x="1518714" y="1987039"/>
+            <a:ext cx="4419983" cy="1844200"/>
+          </a:xfrm>
+          <a:prstGeom prst="rect">
+            <a:avLst/>
+          </a:prstGeom>
+          <a:ln>
+            <a:solidFill>
+              <a:schemeClr val="bg1">
+                <a:lumMod val="85000"/>
+              </a:schemeClr>
+            </a:solidFill>
+          </a:ln>
+        </p:spPr>
+      </p:pic>
+      <p:pic>
+        <p:nvPicPr>
+          <p:cNvPr id="7" name="그림 6"/>
+          <p:cNvPicPr>
+            <a:picLocks noChangeAspect="1"/>
+          </p:cNvPicPr>
+          <p:nvPr/>
+        </p:nvPicPr>
+        <p:blipFill>
+          <a:blip r:embed="rId3">
+            <a:extLst>
+              <a:ext uri="{28A0092B-C50C-407E-A947-70E740481C1C}">
+                <a14:useLocalDpi xmlns:a14="http://schemas.microsoft.com/office/drawing/2010/main" val="0"/>
+              </a:ext>
+            </a:extLst>
+          </a:blip>
+          <a:stretch>
+            <a:fillRect/>
+          </a:stretch>
+        </p:blipFill>
+        <p:spPr>
+          <a:xfrm>
+            <a:off x="1518714" y="4065341"/>
+            <a:ext cx="4534293" cy="1729890"/>
+          </a:xfrm>
+          <a:prstGeom prst="rect">
+            <a:avLst/>
+          </a:prstGeom>
+        </p:spPr>
+      </p:pic>
+    </p:spTree>
+    <p:extLst>
+      <p:ext uri="{BB962C8B-B14F-4D97-AF65-F5344CB8AC3E}">
+        <p14:creationId xmlns:p14="http://schemas.microsoft.com/office/powerpoint/2010/main" val="3357222999"/>
+      </p:ext>
+    </p:extLst>
+  </p:cSld>
+  <p:clrMapOvr>
+    <a:masterClrMapping/>
+  </p:clrMapOvr>
+  <p:timing>
+    <p:tnLst>
+      <p:par>
+        <p:cTn id="1" dur="indefinite" restart="never" nodeType="tmRoot"/>
+      </p:par>
+    </p:tnLst>
+  </p:timing>
+</p:sld>
+</file>
+
+<file path=ppt/slides/slide41.xml><?xml version="1.0" encoding="utf-8"?>
+<p:sld xmlns:a="http://schemas.openxmlformats.org/drawingml/2006/main" xmlns:r="http://schemas.openxmlformats.org/officeDocument/2006/relationships" xmlns:p="http://schemas.openxmlformats.org/presentationml/2006/main">
+  <p:cSld>
+    <p:spTree>
+      <p:nvGrpSpPr>
+        <p:cNvPr id="1" name=""/>
+        <p:cNvGrpSpPr/>
+        <p:nvPr/>
+      </p:nvGrpSpPr>
+      <p:grpSpPr>
+        <a:xfrm>
+          <a:off x="0" y="0"/>
+          <a:ext cx="0" cy="0"/>
+          <a:chOff x="0" y="0"/>
+          <a:chExt cx="0" cy="0"/>
+        </a:xfrm>
+      </p:grpSpPr>
+      <p:sp>
+        <p:nvSpPr>
+          <p:cNvPr id="6" name="제목 5"/>
+          <p:cNvSpPr>
+            <a:spLocks noGrp="1"/>
+          </p:cNvSpPr>
+          <p:nvPr>
+            <p:ph type="title"/>
+          </p:nvPr>
+        </p:nvSpPr>
+        <p:spPr/>
+        <p:txBody>
+          <a:bodyPr/>
+          <a:lstStyle/>
+          <a:p>
+            <a:r>
+              <a:rPr lang="en-US" altLang="ko-KR" dirty="0" smtClean="0"/>
+              <a:t> </a:t>
+            </a:r>
+            <a:r>
+              <a:rPr lang="ko-KR" altLang="en-US" dirty="0" smtClean="0"/>
+              <a:t>함수</a:t>
+            </a:r>
+            <a:r>
+              <a:rPr lang="en-US" altLang="ko-KR" dirty="0"/>
+              <a:t> </a:t>
+            </a:r>
+            <a:r>
+              <a:rPr lang="ko-KR" altLang="en-US" dirty="0" smtClean="0"/>
+              <a:t>재정의</a:t>
+            </a:r>
+            <a:r>
+              <a:rPr lang="en-US" altLang="ko-KR" dirty="0" smtClean="0"/>
+              <a:t>(</a:t>
+            </a:r>
+            <a:r>
+              <a:rPr lang="ko-KR" altLang="en-US" dirty="0" err="1" smtClean="0"/>
+              <a:t>오버라이딩</a:t>
+            </a:r>
+            <a:r>
+              <a:rPr lang="en-US" altLang="ko-KR" dirty="0" smtClean="0"/>
+              <a:t>)</a:t>
+            </a:r>
+            <a:endParaRPr lang="ko-KR" altLang="en-US" dirty="0"/>
+          </a:p>
+        </p:txBody>
+      </p:sp>
+      <p:sp>
+        <p:nvSpPr>
+          <p:cNvPr id="5" name="슬라이드 번호 개체 틀 4"/>
+          <p:cNvSpPr>
+            <a:spLocks noGrp="1"/>
+          </p:cNvSpPr>
+          <p:nvPr>
+            <p:ph type="sldNum" sz="quarter" idx="12"/>
+          </p:nvPr>
+        </p:nvSpPr>
+        <p:spPr>
+          <a:xfrm>
+            <a:off x="8853433" y="7312347"/>
+            <a:ext cx="557267" cy="365125"/>
+          </a:xfrm>
+        </p:spPr>
+        <p:txBody>
+          <a:bodyPr/>
+          <a:lstStyle/>
+          <a:p>
+            <a:fld id="{1BDE3FE7-3AEA-4B05-AC5A-802D1816ACF0}" type="slidenum">
+              <a:rPr lang="ko-KR" altLang="en-US" smtClean="0"/>
+              <a:t>41</a:t>
             </a:fld>
             <a:endParaRPr lang="ko-KR" altLang="en-US"/>
           </a:p>
@@ -19988,7 +21450,7 @@
 </p:sld>
 </file>
 
-<file path=ppt/slides/slide4.xml><?xml version="1.0" encoding="utf-8"?>
+<file path=ppt/slides/slide42.xml><?xml version="1.0" encoding="utf-8"?>
 <p:sld xmlns:a="http://schemas.openxmlformats.org/drawingml/2006/main" xmlns:r="http://schemas.openxmlformats.org/officeDocument/2006/relationships" xmlns:p="http://schemas.openxmlformats.org/presentationml/2006/main">
   <p:cSld>
     <p:spTree>
@@ -20017,24 +21479,38 @@
         </p:nvSpPr>
         <p:spPr/>
         <p:txBody>
-          <a:bodyPr>
-            <a:normAutofit/>
-          </a:bodyPr>
+          <a:bodyPr/>
           <a:lstStyle/>
           <a:p>
             <a:r>
-              <a:rPr lang="en-US" altLang="ko-KR" sz="2800" dirty="0" smtClean="0"/>
+              <a:rPr lang="en-US" altLang="ko-KR" dirty="0" smtClean="0"/>
               <a:t> </a:t>
             </a:r>
             <a:r>
-              <a:rPr lang="ko-KR" altLang="en-US" sz="2800" dirty="0" smtClean="0"/>
-              <a:t>클래스</a:t>
-            </a:r>
-            <a:r>
-              <a:rPr lang="en-US" altLang="ko-KR" sz="2800" dirty="0" smtClean="0"/>
-              <a:t>(class)</a:t>
-            </a:r>
-            <a:endParaRPr lang="ko-KR" altLang="en-US" sz="2800" dirty="0"/>
+              <a:rPr lang="ko-KR" altLang="en-US" dirty="0" smtClean="0"/>
+              <a:t>함수</a:t>
+            </a:r>
+            <a:r>
+              <a:rPr lang="en-US" altLang="ko-KR" dirty="0"/>
+              <a:t> </a:t>
+            </a:r>
+            <a:r>
+              <a:rPr lang="ko-KR" altLang="en-US" dirty="0" smtClean="0"/>
+              <a:t>재정의</a:t>
+            </a:r>
+            <a:r>
+              <a:rPr lang="en-US" altLang="ko-KR" dirty="0" smtClean="0"/>
+              <a:t>(</a:t>
+            </a:r>
+            <a:r>
+              <a:rPr lang="ko-KR" altLang="en-US" dirty="0" err="1" smtClean="0"/>
+              <a:t>오버라이딩</a:t>
+            </a:r>
+            <a:r>
+              <a:rPr lang="en-US" altLang="ko-KR" dirty="0" smtClean="0"/>
+              <a:t>)</a:t>
+            </a:r>
+            <a:endParaRPr lang="ko-KR" altLang="en-US" dirty="0"/>
           </a:p>
         </p:txBody>
       </p:sp>
@@ -20048,972 +21524,6 @@
             <p:ph type="sldNum" sz="quarter" idx="12"/>
           </p:nvPr>
         </p:nvSpPr>
-        <p:spPr/>
-        <p:txBody>
-          <a:bodyPr/>
-          <a:lstStyle/>
-          <a:p>
-            <a:fld id="{1BDE3FE7-3AEA-4B05-AC5A-802D1816ACF0}" type="slidenum">
-              <a:rPr lang="ko-KR" altLang="en-US" smtClean="0"/>
-              <a:t>4</a:t>
-            </a:fld>
-            <a:endParaRPr lang="ko-KR" altLang="en-US"/>
-          </a:p>
-        </p:txBody>
-      </p:sp>
-      <p:sp>
-        <p:nvSpPr>
-          <p:cNvPr id="7" name="내용 개체 틀 2">
-            <a:extLst>
-              <a:ext uri="{FF2B5EF4-FFF2-40B4-BE49-F238E27FC236}">
-                <a16:creationId xmlns:a16="http://schemas.microsoft.com/office/drawing/2014/main" id="{98AF3A4E-7D90-4241-89FE-799D6F9D5A94}"/>
-              </a:ext>
-            </a:extLst>
-          </p:cNvPr>
-          <p:cNvSpPr txBox="1">
-            <a:spLocks/>
-          </p:cNvSpPr>
-          <p:nvPr/>
-        </p:nvSpPr>
-        <p:spPr>
-          <a:xfrm>
-            <a:off x="920552" y="1054139"/>
-            <a:ext cx="7200800" cy="3024337"/>
-          </a:xfrm>
-          <a:prstGeom prst="rect">
-            <a:avLst/>
-          </a:prstGeom>
-        </p:spPr>
-        <p:txBody>
-          <a:bodyPr/>
-          <a:lstStyle>
-            <a:lvl1pPr marL="228600" indent="-228600" algn="l" defTabSz="914400" rtl="0" eaLnBrk="1" latinLnBrk="1" hangingPunct="1">
-              <a:lnSpc>
-                <a:spcPct val="90000"/>
-              </a:lnSpc>
-              <a:spcBef>
-                <a:spcPts val="1000"/>
-              </a:spcBef>
-              <a:buFont typeface="Arial" panose="020B0604020202020204" pitchFamily="34" charset="0"/>
-              <a:buChar char="•"/>
-              <a:defRPr sz="2800" kern="1200">
-                <a:solidFill>
-                  <a:schemeClr val="tx1"/>
-                </a:solidFill>
-                <a:latin typeface="+mn-lt"/>
-                <a:ea typeface="+mn-ea"/>
-                <a:cs typeface="+mn-cs"/>
-              </a:defRPr>
-            </a:lvl1pPr>
-            <a:lvl2pPr marL="685800" indent="-228600" algn="l" defTabSz="914400" rtl="0" eaLnBrk="1" latinLnBrk="1" hangingPunct="1">
-              <a:lnSpc>
-                <a:spcPct val="90000"/>
-              </a:lnSpc>
-              <a:spcBef>
-                <a:spcPts val="500"/>
-              </a:spcBef>
-              <a:buFont typeface="Arial" panose="020B0604020202020204" pitchFamily="34" charset="0"/>
-              <a:buChar char="•"/>
-              <a:defRPr sz="2400" kern="1200">
-                <a:solidFill>
-                  <a:schemeClr val="tx1"/>
-                </a:solidFill>
-                <a:latin typeface="+mn-lt"/>
-                <a:ea typeface="+mn-ea"/>
-                <a:cs typeface="+mn-cs"/>
-              </a:defRPr>
-            </a:lvl2pPr>
-            <a:lvl3pPr marL="1143000" indent="-228600" algn="l" defTabSz="914400" rtl="0" eaLnBrk="1" latinLnBrk="1" hangingPunct="1">
-              <a:lnSpc>
-                <a:spcPct val="90000"/>
-              </a:lnSpc>
-              <a:spcBef>
-                <a:spcPts val="500"/>
-              </a:spcBef>
-              <a:buFont typeface="Arial" panose="020B0604020202020204" pitchFamily="34" charset="0"/>
-              <a:buChar char="•"/>
-              <a:defRPr sz="2000" kern="1200">
-                <a:solidFill>
-                  <a:schemeClr val="tx1"/>
-                </a:solidFill>
-                <a:latin typeface="+mn-lt"/>
-                <a:ea typeface="+mn-ea"/>
-                <a:cs typeface="+mn-cs"/>
-              </a:defRPr>
-            </a:lvl3pPr>
-            <a:lvl4pPr marL="1600200" indent="-228600" algn="l" defTabSz="914400" rtl="0" eaLnBrk="1" latinLnBrk="1" hangingPunct="1">
-              <a:lnSpc>
-                <a:spcPct val="90000"/>
-              </a:lnSpc>
-              <a:spcBef>
-                <a:spcPts val="500"/>
-              </a:spcBef>
-              <a:buFont typeface="Arial" panose="020B0604020202020204" pitchFamily="34" charset="0"/>
-              <a:buChar char="•"/>
-              <a:defRPr sz="1800" kern="1200">
-                <a:solidFill>
-                  <a:schemeClr val="tx1"/>
-                </a:solidFill>
-                <a:latin typeface="+mn-lt"/>
-                <a:ea typeface="+mn-ea"/>
-                <a:cs typeface="+mn-cs"/>
-              </a:defRPr>
-            </a:lvl4pPr>
-            <a:lvl5pPr marL="2057400" indent="-228600" algn="l" defTabSz="914400" rtl="0" eaLnBrk="1" latinLnBrk="1" hangingPunct="1">
-              <a:lnSpc>
-                <a:spcPct val="90000"/>
-              </a:lnSpc>
-              <a:spcBef>
-                <a:spcPts val="500"/>
-              </a:spcBef>
-              <a:buFont typeface="Arial" panose="020B0604020202020204" pitchFamily="34" charset="0"/>
-              <a:buChar char="•"/>
-              <a:defRPr sz="1800" kern="1200">
-                <a:solidFill>
-                  <a:schemeClr val="tx1"/>
-                </a:solidFill>
-                <a:latin typeface="+mn-lt"/>
-                <a:ea typeface="+mn-ea"/>
-                <a:cs typeface="+mn-cs"/>
-              </a:defRPr>
-            </a:lvl5pPr>
-            <a:lvl6pPr marL="2514600" indent="-228600" algn="l" defTabSz="914400" rtl="0" eaLnBrk="1" latinLnBrk="1" hangingPunct="1">
-              <a:lnSpc>
-                <a:spcPct val="90000"/>
-              </a:lnSpc>
-              <a:spcBef>
-                <a:spcPts val="500"/>
-              </a:spcBef>
-              <a:buFont typeface="Arial" panose="020B0604020202020204" pitchFamily="34" charset="0"/>
-              <a:buChar char="•"/>
-              <a:defRPr sz="1800" kern="1200">
-                <a:solidFill>
-                  <a:schemeClr val="tx1"/>
-                </a:solidFill>
-                <a:latin typeface="+mn-lt"/>
-                <a:ea typeface="+mn-ea"/>
-                <a:cs typeface="+mn-cs"/>
-              </a:defRPr>
-            </a:lvl6pPr>
-            <a:lvl7pPr marL="2971800" indent="-228600" algn="l" defTabSz="914400" rtl="0" eaLnBrk="1" latinLnBrk="1" hangingPunct="1">
-              <a:lnSpc>
-                <a:spcPct val="90000"/>
-              </a:lnSpc>
-              <a:spcBef>
-                <a:spcPts val="500"/>
-              </a:spcBef>
-              <a:buFont typeface="Arial" panose="020B0604020202020204" pitchFamily="34" charset="0"/>
-              <a:buChar char="•"/>
-              <a:defRPr sz="1800" kern="1200">
-                <a:solidFill>
-                  <a:schemeClr val="tx1"/>
-                </a:solidFill>
-                <a:latin typeface="+mn-lt"/>
-                <a:ea typeface="+mn-ea"/>
-                <a:cs typeface="+mn-cs"/>
-              </a:defRPr>
-            </a:lvl7pPr>
-            <a:lvl8pPr marL="3429000" indent="-228600" algn="l" defTabSz="914400" rtl="0" eaLnBrk="1" latinLnBrk="1" hangingPunct="1">
-              <a:lnSpc>
-                <a:spcPct val="90000"/>
-              </a:lnSpc>
-              <a:spcBef>
-                <a:spcPts val="500"/>
-              </a:spcBef>
-              <a:buFont typeface="Arial" panose="020B0604020202020204" pitchFamily="34" charset="0"/>
-              <a:buChar char="•"/>
-              <a:defRPr sz="1800" kern="1200">
-                <a:solidFill>
-                  <a:schemeClr val="tx1"/>
-                </a:solidFill>
-                <a:latin typeface="+mn-lt"/>
-                <a:ea typeface="+mn-ea"/>
-                <a:cs typeface="+mn-cs"/>
-              </a:defRPr>
-            </a:lvl8pPr>
-            <a:lvl9pPr marL="3886200" indent="-228600" algn="l" defTabSz="914400" rtl="0" eaLnBrk="1" latinLnBrk="1" hangingPunct="1">
-              <a:lnSpc>
-                <a:spcPct val="90000"/>
-              </a:lnSpc>
-              <a:spcBef>
-                <a:spcPts val="500"/>
-              </a:spcBef>
-              <a:buFont typeface="Arial" panose="020B0604020202020204" pitchFamily="34" charset="0"/>
-              <a:buChar char="•"/>
-              <a:defRPr sz="1800" kern="1200">
-                <a:solidFill>
-                  <a:schemeClr val="tx1"/>
-                </a:solidFill>
-                <a:latin typeface="+mn-lt"/>
-                <a:ea typeface="+mn-ea"/>
-                <a:cs typeface="+mn-cs"/>
-              </a:defRPr>
-            </a:lvl9pPr>
-          </a:lstStyle>
-          <a:p>
-            <a:pPr>
-              <a:lnSpc>
-                <a:spcPct val="150000"/>
-              </a:lnSpc>
-              <a:buFont typeface="Wingdings" panose="05000000000000000000" pitchFamily="2" charset="2"/>
-              <a:buChar char="§"/>
-            </a:pPr>
-            <a:r>
-              <a:rPr lang="ko-KR" altLang="en-US" sz="2000" b="1" dirty="0" smtClean="0">
-                <a:solidFill>
-                  <a:srgbClr val="002060"/>
-                </a:solidFill>
-              </a:rPr>
-              <a:t>클래스란</a:t>
-            </a:r>
-            <a:r>
-              <a:rPr lang="en-US" altLang="ko-KR" sz="2000" b="1" dirty="0" smtClean="0">
-                <a:solidFill>
-                  <a:srgbClr val="002060"/>
-                </a:solidFill>
-              </a:rPr>
-              <a:t>?</a:t>
-            </a:r>
-          </a:p>
-          <a:p>
-            <a:pPr marL="0" indent="0">
-              <a:lnSpc>
-                <a:spcPct val="100000"/>
-              </a:lnSpc>
-              <a:buNone/>
-            </a:pPr>
-            <a:r>
-              <a:rPr lang="en-US" altLang="ko-KR" sz="1800" b="1" dirty="0">
-                <a:solidFill>
-                  <a:schemeClr val="accent6">
-                    <a:lumMod val="75000"/>
-                  </a:schemeClr>
-                </a:solidFill>
-              </a:rPr>
-              <a:t> </a:t>
-            </a:r>
-            <a:r>
-              <a:rPr lang="en-US" altLang="ko-KR" sz="1800" b="1" dirty="0" smtClean="0">
-                <a:solidFill>
-                  <a:schemeClr val="accent6">
-                    <a:lumMod val="75000"/>
-                  </a:schemeClr>
-                </a:solidFill>
-              </a:rPr>
-              <a:t>  </a:t>
-            </a:r>
-            <a:r>
-              <a:rPr lang="ko-KR" altLang="en-US" sz="1800" b="1" dirty="0" smtClean="0">
-                <a:solidFill>
-                  <a:srgbClr val="C00000"/>
-                </a:solidFill>
-              </a:rPr>
-              <a:t>객체에 대한 속성과 기능을 코드로 구현</a:t>
-            </a:r>
-            <a:r>
-              <a:rPr lang="ko-KR" altLang="en-US" sz="1800" b="1" dirty="0" smtClean="0"/>
-              <a:t> </a:t>
-            </a:r>
-            <a:r>
-              <a:rPr lang="ko-KR" altLang="en-US" sz="1800" dirty="0" smtClean="0"/>
-              <a:t>한 것</a:t>
-            </a:r>
-            <a:endParaRPr lang="en-US" altLang="ko-KR" sz="1800" dirty="0" smtClean="0"/>
-          </a:p>
-          <a:p>
-            <a:pPr marL="0" indent="0">
-              <a:lnSpc>
-                <a:spcPct val="100000"/>
-              </a:lnSpc>
-              <a:buNone/>
-            </a:pPr>
-            <a:r>
-              <a:rPr lang="ko-KR" altLang="en-US" sz="1800" dirty="0" smtClean="0"/>
-              <a:t>   </a:t>
-            </a:r>
-            <a:r>
-              <a:rPr lang="en-US" altLang="ko-KR" sz="1800" dirty="0" smtClean="0"/>
-              <a:t>Classification(</a:t>
-            </a:r>
-            <a:r>
-              <a:rPr lang="ko-KR" altLang="en-US" sz="1800" dirty="0" smtClean="0"/>
-              <a:t>분류</a:t>
-            </a:r>
-            <a:r>
-              <a:rPr lang="en-US" altLang="ko-KR" sz="1800" dirty="0" smtClean="0"/>
-              <a:t>) </a:t>
-            </a:r>
-            <a:r>
-              <a:rPr lang="ko-KR" altLang="en-US" sz="1800" dirty="0" smtClean="0"/>
-              <a:t>에서 유래함</a:t>
-            </a:r>
-            <a:endParaRPr lang="en-US" altLang="ko-KR" sz="1800" dirty="0" smtClean="0"/>
-          </a:p>
-          <a:p>
-            <a:pPr marL="0" indent="0">
-              <a:lnSpc>
-                <a:spcPct val="100000"/>
-              </a:lnSpc>
-              <a:buNone/>
-            </a:pPr>
-            <a:r>
-              <a:rPr lang="en-US" altLang="ko-KR" sz="1800" b="1" dirty="0"/>
-              <a:t> </a:t>
-            </a:r>
-            <a:r>
-              <a:rPr lang="en-US" altLang="ko-KR" sz="1800" b="1" dirty="0" smtClean="0"/>
-              <a:t>  </a:t>
-            </a:r>
-            <a:r>
-              <a:rPr lang="en-US" altLang="ko-KR" sz="1800" dirty="0" smtClean="0"/>
-              <a:t>“</a:t>
-            </a:r>
-            <a:r>
-              <a:rPr lang="ko-KR" altLang="en-US" sz="1800" dirty="0" smtClean="0"/>
-              <a:t>클래스를 정의 한다</a:t>
-            </a:r>
-            <a:r>
-              <a:rPr lang="en-US" altLang="ko-KR" sz="1800" dirty="0" smtClean="0"/>
-              <a:t>“</a:t>
-            </a:r>
-            <a:r>
-              <a:rPr lang="ko-KR" altLang="en-US" sz="1800" dirty="0" smtClean="0"/>
-              <a:t>라고 함</a:t>
-            </a:r>
-            <a:r>
-              <a:rPr lang="en-US" altLang="ko-KR" sz="1800" dirty="0" smtClean="0"/>
-              <a:t>,</a:t>
-            </a:r>
-          </a:p>
-          <a:p>
-            <a:pPr>
-              <a:lnSpc>
-                <a:spcPct val="150000"/>
-              </a:lnSpc>
-              <a:buFont typeface="Wingdings" panose="05000000000000000000" pitchFamily="2" charset="2"/>
-              <a:buChar char="§"/>
-            </a:pPr>
-            <a:r>
-              <a:rPr lang="ko-KR" altLang="en-US" sz="2000" b="1" dirty="0" smtClean="0">
-                <a:solidFill>
-                  <a:srgbClr val="002060"/>
-                </a:solidFill>
-              </a:rPr>
-              <a:t>객체의 속성과 기능</a:t>
-            </a:r>
-            <a:endParaRPr lang="en-US" altLang="ko-KR" sz="2000" b="1" dirty="0" smtClean="0">
-              <a:solidFill>
-                <a:srgbClr val="002060"/>
-              </a:solidFill>
-            </a:endParaRPr>
-          </a:p>
-          <a:p>
-            <a:pPr lvl="1">
-              <a:lnSpc>
-                <a:spcPct val="100000"/>
-              </a:lnSpc>
-              <a:buFont typeface="Wingdings" panose="05000000000000000000" pitchFamily="2" charset="2"/>
-              <a:buChar char="§"/>
-            </a:pPr>
-            <a:r>
-              <a:rPr lang="ko-KR" altLang="en-US" sz="1800" dirty="0" smtClean="0"/>
-              <a:t>객체의 특성</a:t>
-            </a:r>
-            <a:r>
-              <a:rPr lang="en-US" altLang="ko-KR" sz="1800" dirty="0" smtClean="0"/>
-              <a:t>(property), </a:t>
-            </a:r>
-            <a:r>
-              <a:rPr lang="ko-KR" altLang="en-US" sz="1800" dirty="0" smtClean="0"/>
-              <a:t>속성</a:t>
-            </a:r>
-            <a:r>
-              <a:rPr lang="en-US" altLang="ko-KR" sz="1800" dirty="0" smtClean="0"/>
-              <a:t>(attribute) -&gt; </a:t>
-            </a:r>
-            <a:r>
-              <a:rPr lang="ko-KR" altLang="en-US" sz="1800" b="1" dirty="0" smtClean="0"/>
-              <a:t>멤버 변수</a:t>
-            </a:r>
-          </a:p>
-          <a:p>
-            <a:pPr lvl="1">
-              <a:lnSpc>
-                <a:spcPct val="100000"/>
-              </a:lnSpc>
-              <a:buFont typeface="Wingdings" panose="05000000000000000000" pitchFamily="2" charset="2"/>
-              <a:buChar char="§"/>
-            </a:pPr>
-            <a:r>
-              <a:rPr lang="ko-KR" altLang="en-US" sz="1800" dirty="0" smtClean="0"/>
-              <a:t>객체가 하는 기능 </a:t>
-            </a:r>
-            <a:r>
-              <a:rPr lang="en-US" altLang="ko-KR" sz="1800" dirty="0" smtClean="0"/>
-              <a:t>-&gt; </a:t>
-            </a:r>
-            <a:r>
-              <a:rPr lang="ko-KR" altLang="en-US" sz="1800" b="1" dirty="0" smtClean="0"/>
-              <a:t>멤버 함수</a:t>
-            </a:r>
-            <a:endParaRPr lang="en-US" altLang="ko-KR" sz="1800" b="1" dirty="0" smtClean="0"/>
-          </a:p>
-        </p:txBody>
-      </p:sp>
-      <p:sp>
-        <p:nvSpPr>
-          <p:cNvPr id="8" name="직사각형 7"/>
-          <p:cNvSpPr/>
-          <p:nvPr/>
-        </p:nvSpPr>
-        <p:spPr>
-          <a:xfrm>
-            <a:off x="4880992" y="4509120"/>
-            <a:ext cx="4871616" cy="1224136"/>
-          </a:xfrm>
-          <a:prstGeom prst="rect">
-            <a:avLst/>
-          </a:prstGeom>
-          <a:ln/>
-        </p:spPr>
-        <p:style>
-          <a:lnRef idx="2">
-            <a:schemeClr val="accent3"/>
-          </a:lnRef>
-          <a:fillRef idx="1">
-            <a:schemeClr val="lt1"/>
-          </a:fillRef>
-          <a:effectRef idx="0">
-            <a:schemeClr val="accent3"/>
-          </a:effectRef>
-          <a:fontRef idx="minor">
-            <a:schemeClr val="dk1"/>
-          </a:fontRef>
-        </p:style>
-        <p:txBody>
-          <a:bodyPr rtlCol="0" anchor="ctr"/>
-          <a:lstStyle/>
-          <a:p>
-            <a:pPr>
-              <a:lnSpc>
-                <a:spcPct val="150000"/>
-              </a:lnSpc>
-            </a:pPr>
-            <a:r>
-              <a:rPr lang="ko-KR" altLang="en-US" sz="1600" dirty="0" smtClean="0">
-                <a:latin typeface="+mn-ea"/>
-              </a:rPr>
-              <a:t>학생 클래스</a:t>
-            </a:r>
-            <a:endParaRPr lang="en-US" altLang="ko-KR" sz="1600" dirty="0" smtClean="0">
-              <a:latin typeface="+mn-ea"/>
-            </a:endParaRPr>
-          </a:p>
-          <a:p>
-            <a:pPr marL="285750" indent="-285750">
-              <a:lnSpc>
-                <a:spcPct val="150000"/>
-              </a:lnSpc>
-              <a:buFontTx/>
-              <a:buChar char="-"/>
-            </a:pPr>
-            <a:r>
-              <a:rPr lang="ko-KR" altLang="en-US" sz="1600" dirty="0" smtClean="0">
-                <a:latin typeface="+mn-ea"/>
-              </a:rPr>
-              <a:t>속성</a:t>
-            </a:r>
-            <a:r>
-              <a:rPr lang="en-US" altLang="ko-KR" sz="1600" dirty="0" smtClean="0">
-                <a:latin typeface="+mn-ea"/>
-              </a:rPr>
-              <a:t>(</a:t>
-            </a:r>
-            <a:r>
-              <a:rPr lang="ko-KR" altLang="en-US" sz="1600" dirty="0" smtClean="0">
-                <a:latin typeface="+mn-ea"/>
-              </a:rPr>
-              <a:t>멤버변수</a:t>
-            </a:r>
-            <a:r>
-              <a:rPr lang="en-US" altLang="ko-KR" sz="1600" dirty="0" smtClean="0">
-                <a:latin typeface="+mn-ea"/>
-              </a:rPr>
-              <a:t>)</a:t>
-            </a:r>
-            <a:r>
-              <a:rPr lang="ko-KR" altLang="en-US" sz="1600" dirty="0" smtClean="0">
-                <a:latin typeface="+mn-ea"/>
-              </a:rPr>
-              <a:t> </a:t>
-            </a:r>
-            <a:r>
-              <a:rPr lang="en-US" altLang="ko-KR" sz="1600" dirty="0" smtClean="0">
-                <a:latin typeface="+mn-ea"/>
-              </a:rPr>
-              <a:t>: </a:t>
-            </a:r>
-            <a:r>
-              <a:rPr lang="ko-KR" altLang="en-US" sz="1600" dirty="0" smtClean="0">
-                <a:latin typeface="+mn-ea"/>
-              </a:rPr>
-              <a:t>학번</a:t>
-            </a:r>
-            <a:r>
-              <a:rPr lang="en-US" altLang="ko-KR" sz="1600" dirty="0" smtClean="0">
-                <a:latin typeface="+mn-ea"/>
-              </a:rPr>
-              <a:t>, </a:t>
-            </a:r>
-            <a:r>
-              <a:rPr lang="ko-KR" altLang="en-US" sz="1600" dirty="0" smtClean="0">
-                <a:latin typeface="+mn-ea"/>
-              </a:rPr>
-              <a:t>이름</a:t>
-            </a:r>
-            <a:r>
-              <a:rPr lang="en-US" altLang="ko-KR" sz="1600" dirty="0" smtClean="0">
-                <a:latin typeface="+mn-ea"/>
-              </a:rPr>
-              <a:t>, </a:t>
-            </a:r>
-            <a:r>
-              <a:rPr lang="ko-KR" altLang="en-US" sz="1600" dirty="0" smtClean="0">
-                <a:latin typeface="+mn-ea"/>
-              </a:rPr>
-              <a:t>학년</a:t>
-            </a:r>
-            <a:r>
-              <a:rPr lang="en-US" altLang="ko-KR" sz="1600" dirty="0" smtClean="0">
-                <a:latin typeface="+mn-ea"/>
-              </a:rPr>
-              <a:t>, </a:t>
-            </a:r>
-            <a:r>
-              <a:rPr lang="ko-KR" altLang="en-US" sz="1600" dirty="0" smtClean="0">
-                <a:latin typeface="+mn-ea"/>
-              </a:rPr>
-              <a:t>사는 곳 등</a:t>
-            </a:r>
-            <a:r>
-              <a:rPr lang="en-US" altLang="ko-KR" sz="1600" dirty="0" smtClean="0">
-                <a:latin typeface="+mn-ea"/>
-              </a:rPr>
-              <a:t>..</a:t>
-            </a:r>
-          </a:p>
-          <a:p>
-            <a:pPr marL="285750" indent="-285750">
-              <a:lnSpc>
-                <a:spcPct val="150000"/>
-              </a:lnSpc>
-              <a:buFontTx/>
-              <a:buChar char="-"/>
-            </a:pPr>
-            <a:r>
-              <a:rPr lang="ko-KR" altLang="en-US" sz="1600" dirty="0" smtClean="0">
-                <a:latin typeface="+mn-ea"/>
-              </a:rPr>
-              <a:t>기능</a:t>
-            </a:r>
-            <a:r>
-              <a:rPr lang="en-US" altLang="ko-KR" sz="1600" dirty="0" smtClean="0">
-                <a:latin typeface="+mn-ea"/>
-              </a:rPr>
-              <a:t>(</a:t>
-            </a:r>
-            <a:r>
-              <a:rPr lang="ko-KR" altLang="en-US" sz="1600" dirty="0" smtClean="0">
-                <a:latin typeface="+mn-ea"/>
-              </a:rPr>
-              <a:t>함수</a:t>
-            </a:r>
-            <a:r>
-              <a:rPr lang="en-US" altLang="ko-KR" sz="1600" dirty="0" smtClean="0">
-                <a:latin typeface="+mn-ea"/>
-              </a:rPr>
-              <a:t>)</a:t>
-            </a:r>
-            <a:r>
-              <a:rPr lang="ko-KR" altLang="en-US" sz="1600" dirty="0" smtClean="0">
-                <a:latin typeface="+mn-ea"/>
-              </a:rPr>
-              <a:t> </a:t>
-            </a:r>
-            <a:r>
-              <a:rPr lang="en-US" altLang="ko-KR" sz="1600" dirty="0" smtClean="0">
-                <a:latin typeface="+mn-ea"/>
-              </a:rPr>
-              <a:t>: </a:t>
-            </a:r>
-            <a:r>
-              <a:rPr lang="ko-KR" altLang="en-US" sz="1600" dirty="0" smtClean="0">
-                <a:latin typeface="+mn-ea"/>
-              </a:rPr>
-              <a:t>수강신청</a:t>
-            </a:r>
-            <a:r>
-              <a:rPr lang="en-US" altLang="ko-KR" sz="1600" dirty="0" smtClean="0">
-                <a:latin typeface="+mn-ea"/>
-              </a:rPr>
-              <a:t>, </a:t>
-            </a:r>
-            <a:r>
-              <a:rPr lang="ko-KR" altLang="en-US" sz="1600" dirty="0" smtClean="0">
-                <a:latin typeface="+mn-ea"/>
-              </a:rPr>
-              <a:t>수업듣기</a:t>
-            </a:r>
-            <a:r>
-              <a:rPr lang="en-US" altLang="ko-KR" sz="1600" dirty="0" smtClean="0">
-                <a:latin typeface="+mn-ea"/>
-              </a:rPr>
-              <a:t>, </a:t>
-            </a:r>
-            <a:r>
-              <a:rPr lang="ko-KR" altLang="en-US" sz="1600" dirty="0" smtClean="0">
-                <a:latin typeface="+mn-ea"/>
-              </a:rPr>
-              <a:t>시험 보기 등</a:t>
-            </a:r>
-            <a:r>
-              <a:rPr lang="en-US" altLang="ko-KR" sz="1600" dirty="0" smtClean="0">
-                <a:latin typeface="+mn-ea"/>
-              </a:rPr>
-              <a:t>..</a:t>
-            </a:r>
-            <a:endParaRPr lang="ko-KR" altLang="en-US" sz="1600" dirty="0">
-              <a:latin typeface="+mn-ea"/>
-            </a:endParaRPr>
-          </a:p>
-        </p:txBody>
-      </p:sp>
-      <p:sp>
-        <p:nvSpPr>
-          <p:cNvPr id="9" name="모서리가 둥근 직사각형 8"/>
-          <p:cNvSpPr/>
-          <p:nvPr/>
-        </p:nvSpPr>
-        <p:spPr>
-          <a:xfrm>
-            <a:off x="1115533" y="4293096"/>
-            <a:ext cx="3405419" cy="1975009"/>
-          </a:xfrm>
-          <a:prstGeom prst="roundRect">
-            <a:avLst/>
-          </a:prstGeom>
-        </p:spPr>
-        <p:style>
-          <a:lnRef idx="2">
-            <a:schemeClr val="accent5"/>
-          </a:lnRef>
-          <a:fillRef idx="1">
-            <a:schemeClr val="lt1"/>
-          </a:fillRef>
-          <a:effectRef idx="0">
-            <a:schemeClr val="accent5"/>
-          </a:effectRef>
-          <a:fontRef idx="minor">
-            <a:schemeClr val="dk1"/>
-          </a:fontRef>
-        </p:style>
-        <p:txBody>
-          <a:bodyPr wrap="square">
-            <a:spAutoFit/>
-          </a:bodyPr>
-          <a:lstStyle/>
-          <a:p>
-            <a:pPr>
-              <a:lnSpc>
-                <a:spcPct val="100000"/>
-              </a:lnSpc>
-              <a:buFont typeface="Wingdings" panose="05000000000000000000" pitchFamily="2" charset="2"/>
-              <a:buChar char="§"/>
-            </a:pPr>
-            <a:r>
-              <a:rPr lang="ko-KR" altLang="en-US" sz="2000" dirty="0" smtClean="0"/>
-              <a:t> </a:t>
-            </a:r>
-            <a:r>
-              <a:rPr lang="ko-KR" altLang="en-US" sz="2000" b="1" dirty="0" smtClean="0"/>
-              <a:t>클래스 정의하기</a:t>
-            </a:r>
-            <a:endParaRPr lang="en-US" altLang="ko-KR" sz="2000" b="1" dirty="0"/>
-          </a:p>
-          <a:p>
-            <a:pPr lvl="1"/>
-            <a:r>
-              <a:rPr lang="en-US" altLang="ko-KR" b="1" dirty="0">
-                <a:solidFill>
-                  <a:srgbClr val="C00000"/>
-                </a:solidFill>
-              </a:rPr>
-              <a:t>class</a:t>
-            </a:r>
-            <a:r>
-              <a:rPr lang="en-US" altLang="ko-KR" b="1" dirty="0"/>
-              <a:t> </a:t>
-            </a:r>
-            <a:r>
-              <a:rPr lang="ko-KR" altLang="en-US" b="1" dirty="0"/>
-              <a:t>클래스 이름</a:t>
-            </a:r>
-            <a:r>
-              <a:rPr lang="en-US" altLang="ko-KR" b="1" dirty="0"/>
-              <a:t> :</a:t>
-            </a:r>
-          </a:p>
-          <a:p>
-            <a:pPr lvl="1"/>
-            <a:r>
-              <a:rPr lang="en-US" altLang="ko-KR" b="1" dirty="0"/>
-              <a:t>    </a:t>
-            </a:r>
-            <a:r>
-              <a:rPr lang="en-US" altLang="ko-KR" b="1" dirty="0" err="1">
-                <a:solidFill>
-                  <a:schemeClr val="accent6">
-                    <a:lumMod val="75000"/>
-                  </a:schemeClr>
-                </a:solidFill>
-              </a:rPr>
-              <a:t>def</a:t>
-            </a:r>
-            <a:r>
-              <a:rPr lang="en-US" altLang="ko-KR" b="1" dirty="0"/>
-              <a:t> __</a:t>
-            </a:r>
-            <a:r>
-              <a:rPr lang="en-US" altLang="ko-KR" b="1" dirty="0" err="1"/>
-              <a:t>init</a:t>
-            </a:r>
-            <a:r>
-              <a:rPr lang="en-US" altLang="ko-KR" b="1" dirty="0"/>
-              <a:t>__(self):</a:t>
-            </a:r>
-          </a:p>
-          <a:p>
-            <a:pPr lvl="1"/>
-            <a:r>
-              <a:rPr lang="en-US" altLang="ko-KR" b="1" dirty="0">
-                <a:solidFill>
-                  <a:srgbClr val="C00000"/>
-                </a:solidFill>
-              </a:rPr>
-              <a:t>        </a:t>
-            </a:r>
-            <a:r>
-              <a:rPr lang="en-US" altLang="ko-KR" b="1" dirty="0" smtClean="0">
-                <a:solidFill>
-                  <a:srgbClr val="C00000"/>
-                </a:solidFill>
-              </a:rPr>
-              <a:t> </a:t>
-            </a:r>
-            <a:r>
-              <a:rPr lang="ko-KR" altLang="en-US" b="1" dirty="0" smtClean="0">
-                <a:solidFill>
-                  <a:schemeClr val="tx1"/>
-                </a:solidFill>
-              </a:rPr>
-              <a:t>멤버변</a:t>
-            </a:r>
-            <a:r>
-              <a:rPr lang="ko-KR" altLang="en-US" b="1" dirty="0" smtClean="0">
-                <a:solidFill>
-                  <a:srgbClr val="002060"/>
-                </a:solidFill>
-              </a:rPr>
-              <a:t>수</a:t>
-            </a:r>
-            <a:endParaRPr lang="en-US" altLang="ko-KR" b="1" dirty="0">
-              <a:solidFill>
-                <a:srgbClr val="002060"/>
-              </a:solidFill>
-            </a:endParaRPr>
-          </a:p>
-          <a:p>
-            <a:pPr lvl="1"/>
-            <a:r>
-              <a:rPr lang="en-US" altLang="ko-KR" b="1" dirty="0">
-                <a:solidFill>
-                  <a:srgbClr val="002060"/>
-                </a:solidFill>
-              </a:rPr>
-              <a:t>    </a:t>
-            </a:r>
-            <a:r>
-              <a:rPr lang="en-US" altLang="ko-KR" b="1" dirty="0" err="1">
-                <a:solidFill>
-                  <a:schemeClr val="accent6">
-                    <a:lumMod val="75000"/>
-                  </a:schemeClr>
-                </a:solidFill>
-              </a:rPr>
-              <a:t>def</a:t>
-            </a:r>
-            <a:r>
-              <a:rPr lang="en-US" altLang="ko-KR" b="1" dirty="0">
-                <a:solidFill>
-                  <a:srgbClr val="002060"/>
-                </a:solidFill>
-              </a:rPr>
-              <a:t> </a:t>
-            </a:r>
-            <a:r>
-              <a:rPr lang="ko-KR" altLang="en-US" b="1" dirty="0" smtClean="0">
-                <a:solidFill>
-                  <a:srgbClr val="002060"/>
-                </a:solidFill>
-              </a:rPr>
-              <a:t>함수이름</a:t>
-            </a:r>
-            <a:r>
-              <a:rPr lang="en-US" altLang="ko-KR" b="1" dirty="0" smtClean="0">
-                <a:solidFill>
-                  <a:srgbClr val="002060"/>
-                </a:solidFill>
-              </a:rPr>
-              <a:t>(self):</a:t>
-            </a:r>
-            <a:endParaRPr lang="en-US" altLang="ko-KR" b="1" dirty="0">
-              <a:solidFill>
-                <a:srgbClr val="002060"/>
-              </a:solidFill>
-            </a:endParaRPr>
-          </a:p>
-          <a:p>
-            <a:pPr lvl="1"/>
-            <a:r>
-              <a:rPr lang="en-US" altLang="ko-KR" b="1" dirty="0">
-                <a:solidFill>
-                  <a:srgbClr val="002060"/>
-                </a:solidFill>
-              </a:rPr>
-              <a:t>        </a:t>
-            </a:r>
-            <a:r>
-              <a:rPr lang="en-US" altLang="ko-KR" b="1" dirty="0" smtClean="0">
-                <a:solidFill>
-                  <a:srgbClr val="002060"/>
-                </a:solidFill>
-              </a:rPr>
-              <a:t>  </a:t>
-            </a:r>
-            <a:r>
-              <a:rPr lang="en-US" altLang="ko-KR" b="1" dirty="0" smtClean="0">
-                <a:solidFill>
-                  <a:schemeClr val="accent6">
-                    <a:lumMod val="75000"/>
-                  </a:schemeClr>
-                </a:solidFill>
-              </a:rPr>
-              <a:t>return</a:t>
-            </a:r>
-            <a:endParaRPr lang="en-US" altLang="ko-KR" b="1" dirty="0">
-              <a:solidFill>
-                <a:schemeClr val="accent6">
-                  <a:lumMod val="75000"/>
-                </a:schemeClr>
-              </a:solidFill>
-            </a:endParaRPr>
-          </a:p>
-        </p:txBody>
-      </p:sp>
-    </p:spTree>
-    <p:extLst>
-      <p:ext uri="{BB962C8B-B14F-4D97-AF65-F5344CB8AC3E}">
-        <p14:creationId xmlns:p14="http://schemas.microsoft.com/office/powerpoint/2010/main" val="2896562144"/>
-      </p:ext>
-    </p:extLst>
-  </p:cSld>
-  <p:clrMapOvr>
-    <a:masterClrMapping/>
-  </p:clrMapOvr>
-  <p:timing>
-    <p:tnLst>
-      <p:par>
-        <p:cTn id="1" dur="indefinite" restart="never" nodeType="tmRoot"/>
-      </p:par>
-    </p:tnLst>
-  </p:timing>
-</p:sld>
-</file>
-
-<file path=ppt/slides/slide40.xml><?xml version="1.0" encoding="utf-8"?>
-<p:sld xmlns:a="http://schemas.openxmlformats.org/drawingml/2006/main" xmlns:r="http://schemas.openxmlformats.org/officeDocument/2006/relationships" xmlns:p="http://schemas.openxmlformats.org/presentationml/2006/main">
-  <p:cSld>
-    <p:spTree>
-      <p:nvGrpSpPr>
-        <p:cNvPr id="1" name=""/>
-        <p:cNvGrpSpPr/>
-        <p:nvPr/>
-      </p:nvGrpSpPr>
-      <p:grpSpPr>
-        <a:xfrm>
-          <a:off x="0" y="0"/>
-          <a:ext cx="0" cy="0"/>
-          <a:chOff x="0" y="0"/>
-          <a:chExt cx="0" cy="0"/>
-        </a:xfrm>
-      </p:grpSpPr>
-      <p:sp>
-        <p:nvSpPr>
-          <p:cNvPr id="6" name="제목 5"/>
-          <p:cNvSpPr>
-            <a:spLocks noGrp="1"/>
-          </p:cNvSpPr>
-          <p:nvPr>
-            <p:ph type="title"/>
-          </p:nvPr>
-        </p:nvSpPr>
-        <p:spPr/>
-        <p:txBody>
-          <a:bodyPr/>
-          <a:lstStyle/>
-          <a:p>
-            <a:r>
-              <a:rPr lang="en-US" altLang="ko-KR" dirty="0" smtClean="0"/>
-              <a:t> </a:t>
-            </a:r>
-            <a:r>
-              <a:rPr lang="ko-KR" altLang="en-US" dirty="0" smtClean="0"/>
-              <a:t>함수</a:t>
-            </a:r>
-            <a:r>
-              <a:rPr lang="en-US" altLang="ko-KR" dirty="0"/>
-              <a:t> </a:t>
-            </a:r>
-            <a:r>
-              <a:rPr lang="ko-KR" altLang="en-US" dirty="0" smtClean="0"/>
-              <a:t>재정의</a:t>
-            </a:r>
-            <a:r>
-              <a:rPr lang="en-US" altLang="ko-KR" dirty="0" smtClean="0"/>
-              <a:t>(</a:t>
-            </a:r>
-            <a:r>
-              <a:rPr lang="ko-KR" altLang="en-US" dirty="0" err="1" smtClean="0"/>
-              <a:t>오버라이딩</a:t>
-            </a:r>
-            <a:r>
-              <a:rPr lang="en-US" altLang="ko-KR" dirty="0" smtClean="0"/>
-              <a:t>)</a:t>
-            </a:r>
-            <a:endParaRPr lang="ko-KR" altLang="en-US" dirty="0"/>
-          </a:p>
-        </p:txBody>
-      </p:sp>
-      <p:sp>
-        <p:nvSpPr>
-          <p:cNvPr id="5" name="슬라이드 번호 개체 틀 4"/>
-          <p:cNvSpPr>
-            <a:spLocks noGrp="1"/>
-          </p:cNvSpPr>
-          <p:nvPr>
-            <p:ph type="sldNum" sz="quarter" idx="12"/>
-          </p:nvPr>
-        </p:nvSpPr>
         <p:spPr>
           <a:xfrm>
             <a:off x="8853433" y="7312347"/>
@@ -21026,7 +21536,7 @@
           <a:p>
             <a:fld id="{1BDE3FE7-3AEA-4B05-AC5A-802D1816ACF0}" type="slidenum">
               <a:rPr lang="ko-KR" altLang="en-US" smtClean="0"/>
-              <a:t>40</a:t>
+              <a:t>42</a:t>
             </a:fld>
             <a:endParaRPr lang="ko-KR" altLang="en-US"/>
           </a:p>
@@ -21318,7 +21828,7 @@
 </p:sld>
 </file>
 
-<file path=ppt/slides/slide41.xml><?xml version="1.0" encoding="utf-8"?>
+<file path=ppt/slides/slide43.xml><?xml version="1.0" encoding="utf-8"?>
 <p:sld xmlns:a="http://schemas.openxmlformats.org/drawingml/2006/main" xmlns:r="http://schemas.openxmlformats.org/officeDocument/2006/relationships" xmlns:p="http://schemas.openxmlformats.org/presentationml/2006/main">
   <p:cSld>
     <p:spTree>
@@ -21393,7 +21903,7 @@
           <a:p>
             <a:fld id="{1BDE3FE7-3AEA-4B05-AC5A-802D1816ACF0}" type="slidenum">
               <a:rPr lang="ko-KR" altLang="en-US" smtClean="0"/>
-              <a:t>41</a:t>
+              <a:t>43</a:t>
             </a:fld>
             <a:endParaRPr lang="ko-KR" altLang="en-US"/>
           </a:p>
@@ -21805,7 +22315,7 @@
 </p:sld>
 </file>
 
-<file path=ppt/slides/slide42.xml><?xml version="1.0" encoding="utf-8"?>
+<file path=ppt/slides/slide44.xml><?xml version="1.0" encoding="utf-8"?>
 <p:sld xmlns:a="http://schemas.openxmlformats.org/drawingml/2006/main" xmlns:r="http://schemas.openxmlformats.org/officeDocument/2006/relationships" xmlns:p="http://schemas.openxmlformats.org/presentationml/2006/main">
   <p:cSld>
     <p:spTree>
@@ -21890,7 +22400,7 @@
           <a:p>
             <a:fld id="{1BDE3FE7-3AEA-4B05-AC5A-802D1816ACF0}" type="slidenum">
               <a:rPr lang="ko-KR" altLang="en-US" smtClean="0"/>
-              <a:t>42</a:t>
+              <a:t>44</a:t>
             </a:fld>
             <a:endParaRPr lang="ko-KR" altLang="en-US"/>
           </a:p>
@@ -21904,7 +22414,7 @@
         </p:nvSpPr>
         <p:spPr>
           <a:xfrm>
-            <a:off x="3263009" y="2492896"/>
+            <a:off x="2145725" y="1988840"/>
             <a:ext cx="1888558" cy="432049"/>
           </a:xfrm>
           <a:prstGeom prst="rect">
@@ -21963,7 +22473,7 @@
         </p:nvGrpSpPr>
         <p:grpSpPr>
           <a:xfrm>
-            <a:off x="4065249" y="4330161"/>
+            <a:off x="2947965" y="3826105"/>
             <a:ext cx="118795" cy="444080"/>
             <a:chOff x="4357443" y="3272952"/>
             <a:chExt cx="235517" cy="444080"/>
@@ -22063,7 +22573,7 @@
         </p:nvSpPr>
         <p:spPr>
           <a:xfrm>
-            <a:off x="3280466" y="4760908"/>
+            <a:off x="2163182" y="4256852"/>
             <a:ext cx="1888558" cy="442157"/>
           </a:xfrm>
           <a:prstGeom prst="rect">
@@ -22122,7 +22632,7 @@
         </p:nvSpPr>
         <p:spPr>
           <a:xfrm>
-            <a:off x="3263009" y="2935054"/>
+            <a:off x="2145725" y="2430998"/>
             <a:ext cx="1888558" cy="932207"/>
           </a:xfrm>
           <a:prstGeom prst="rect">
@@ -22221,7 +22731,7 @@
         </p:nvSpPr>
         <p:spPr>
           <a:xfrm>
-            <a:off x="3261972" y="3867261"/>
+            <a:off x="2144688" y="3363205"/>
             <a:ext cx="1888558" cy="433648"/>
           </a:xfrm>
           <a:prstGeom prst="rect">
@@ -22264,7 +22774,7 @@
         </p:nvSpPr>
         <p:spPr>
           <a:xfrm>
-            <a:off x="3280466" y="5595453"/>
+            <a:off x="2163182" y="5091397"/>
             <a:ext cx="1888558" cy="432048"/>
           </a:xfrm>
           <a:prstGeom prst="rect">
@@ -22313,7 +22823,7 @@
         </p:nvSpPr>
         <p:spPr>
           <a:xfrm>
-            <a:off x="3280466" y="5184847"/>
+            <a:off x="2163182" y="4680791"/>
             <a:ext cx="1888558" cy="432048"/>
           </a:xfrm>
           <a:prstGeom prst="rect">
@@ -22364,8 +22874,8 @@
         </p:nvSpPr>
         <p:spPr>
           <a:xfrm>
-            <a:off x="1058683" y="1268760"/>
-            <a:ext cx="6054557" cy="1086333"/>
+            <a:off x="1058683" y="1268761"/>
+            <a:ext cx="6054557" cy="504056"/>
           </a:xfrm>
           <a:prstGeom prst="rect">
             <a:avLst/>
@@ -22547,61 +23057,13 @@
             </a:pPr>
             <a:r>
               <a:rPr lang="ko-KR" altLang="en-US" sz="2000" b="1" dirty="0" smtClean="0"/>
-              <a:t>단위 변환기 확장 클래스 만들기</a:t>
+              <a:t>단위 변환기 </a:t>
+            </a:r>
+            <a:r>
+              <a:rPr lang="ko-KR" altLang="en-US" sz="2000" b="1" dirty="0" smtClean="0"/>
+              <a:t>클래스 만들기</a:t>
             </a:r>
             <a:endParaRPr lang="en-US" altLang="ko-KR" sz="2000" b="1" dirty="0" smtClean="0"/>
-          </a:p>
-          <a:p>
-            <a:pPr lvl="1">
-              <a:lnSpc>
-                <a:spcPct val="150000"/>
-              </a:lnSpc>
-            </a:pPr>
-            <a:r>
-              <a:rPr lang="ko-KR" altLang="en-US" sz="1800" b="1" dirty="0" smtClean="0">
-                <a:solidFill>
-                  <a:srgbClr val="C00000"/>
-                </a:solidFill>
-              </a:rPr>
-              <a:t>화씨온도</a:t>
-            </a:r>
-            <a:r>
-              <a:rPr lang="en-US" altLang="ko-KR" sz="1800" b="1" dirty="0" smtClean="0">
-                <a:solidFill>
-                  <a:srgbClr val="C00000"/>
-                </a:solidFill>
-              </a:rPr>
-              <a:t>(F) = </a:t>
-            </a:r>
-            <a:r>
-              <a:rPr lang="ko-KR" altLang="en-US" sz="1800" b="1" dirty="0" smtClean="0">
-                <a:solidFill>
-                  <a:srgbClr val="C00000"/>
-                </a:solidFill>
-              </a:rPr>
-              <a:t>섭씨온도</a:t>
-            </a:r>
-            <a:r>
-              <a:rPr lang="en-US" altLang="ko-KR" sz="1800" b="1" dirty="0" smtClean="0">
-                <a:solidFill>
-                  <a:srgbClr val="C00000"/>
-                </a:solidFill>
-              </a:rPr>
-              <a:t>(C) x 1.8 + 32</a:t>
-            </a:r>
-            <a:r>
-              <a:rPr lang="ko-KR" altLang="en-US" sz="1800" b="1" dirty="0" smtClean="0">
-                <a:solidFill>
-                  <a:srgbClr val="0070C0"/>
-                </a:solidFill>
-              </a:rPr>
-              <a:t> </a:t>
-            </a:r>
-            <a:endParaRPr lang="en-US" altLang="ko-KR" sz="1400" b="1" dirty="0">
-              <a:solidFill>
-                <a:srgbClr val="0070C0"/>
-              </a:solidFill>
-            </a:endParaRPr>
           </a:p>
         </p:txBody>
       </p:sp>
@@ -22625,7 +23087,7 @@
 </p:sld>
 </file>
 
-<file path=ppt/slides/slide43.xml><?xml version="1.0" encoding="utf-8"?>
+<file path=ppt/slides/slide45.xml><?xml version="1.0" encoding="utf-8"?>
 <p:sld xmlns:a="http://schemas.openxmlformats.org/drawingml/2006/main" xmlns:r="http://schemas.openxmlformats.org/officeDocument/2006/relationships" xmlns:p="http://schemas.openxmlformats.org/presentationml/2006/main">
   <p:cSld>
     <p:spTree>
@@ -22710,7 +23172,7 @@
           <a:p>
             <a:fld id="{1BDE3FE7-3AEA-4B05-AC5A-802D1816ACF0}" type="slidenum">
               <a:rPr lang="ko-KR" altLang="en-US" smtClean="0"/>
-              <a:t>43</a:t>
+              <a:t>45</a:t>
             </a:fld>
             <a:endParaRPr lang="ko-KR" altLang="en-US"/>
           </a:p>
@@ -22915,9 +23377,12 @@
             </a:pPr>
             <a:r>
               <a:rPr lang="ko-KR" altLang="en-US" sz="2000" b="1" dirty="0" smtClean="0"/>
-              <a:t>단위 변환기 확장 클래스 만들기</a:t>
-            </a:r>
-            <a:endParaRPr lang="en-US" altLang="ko-KR" sz="2000" b="1" dirty="0" smtClean="0"/>
+              <a:t>단위 변환기 </a:t>
+            </a:r>
+            <a:r>
+              <a:rPr lang="ko-KR" altLang="en-US" sz="2000" b="1" dirty="0" smtClean="0"/>
+              <a:t>클래스 만들기</a:t>
+            </a:r>
           </a:p>
           <a:p>
             <a:pPr lvl="1">
@@ -22926,12 +23391,12 @@
               </a:lnSpc>
             </a:pPr>
             <a:r>
-              <a:rPr lang="ko-KR" altLang="en-US" sz="1800" b="1" dirty="0" smtClean="0">
+              <a:rPr lang="en-US" altLang="ko-KR" sz="1800" b="1" dirty="0" smtClean="0">
                 <a:solidFill>
                   <a:srgbClr val="C00000"/>
                 </a:solidFill>
               </a:rPr>
-              <a:t>화씨온도</a:t>
+              <a:t>2inches</a:t>
             </a:r>
             <a:r>
               <a:rPr lang="en-US" altLang="ko-KR" sz="1800" b="1" dirty="0" smtClean="0">
@@ -22939,31 +23404,7 @@
                   <a:srgbClr val="C00000"/>
                 </a:solidFill>
               </a:rPr>
-              <a:t>(F) = </a:t>
-            </a:r>
-            <a:r>
-              <a:rPr lang="ko-KR" altLang="en-US" sz="1800" b="1" dirty="0" smtClean="0">
-                <a:solidFill>
-                  <a:srgbClr val="C00000"/>
-                </a:solidFill>
-              </a:rPr>
-              <a:t>섭씨온도</a:t>
-            </a:r>
-            <a:r>
-              <a:rPr lang="en-US" altLang="ko-KR" sz="1800" b="1" dirty="0" smtClean="0">
-                <a:solidFill>
-                  <a:srgbClr val="C00000"/>
-                </a:solidFill>
-              </a:rPr>
-              <a:t>(C) x 1.8 + 32</a:t>
-            </a:r>
-            <a:r>
-              <a:rPr lang="ko-KR" altLang="en-US" sz="1800" b="1" dirty="0" smtClean="0">
-                <a:solidFill>
-                  <a:srgbClr val="0070C0"/>
-                </a:solidFill>
-              </a:rPr>
-              <a:t> </a:t>
+              <a:t> = 2mm x 25</a:t>
             </a:r>
             <a:endParaRPr lang="en-US" altLang="ko-KR" sz="1400" b="1" dirty="0">
               <a:solidFill>
@@ -22975,13 +23416,13 @@
       </p:sp>
       <p:pic>
         <p:nvPicPr>
-          <p:cNvPr id="2" name="그림 1"/>
+          <p:cNvPr id="3" name="그림 2"/>
           <p:cNvPicPr>
             <a:picLocks noChangeAspect="1"/>
           </p:cNvPicPr>
           <p:nvPr/>
         </p:nvPicPr>
-        <p:blipFill>
+        <p:blipFill rotWithShape="1">
           <a:blip r:embed="rId2">
             <a:extLst>
               <a:ext uri="{28A0092B-C50C-407E-A947-70E740481C1C}">
@@ -22989,14 +23430,49 @@
               </a:ext>
             </a:extLst>
           </a:blip>
-          <a:stretch>
-            <a:fillRect/>
-          </a:stretch>
+          <a:srcRect b="52755"/>
+          <a:stretch/>
         </p:blipFill>
         <p:spPr>
           <a:xfrm>
-            <a:off x="1317036" y="2355093"/>
-            <a:ext cx="7812428" cy="3993503"/>
+            <a:off x="664612" y="2355093"/>
+            <a:ext cx="6066046" cy="2520280"/>
+          </a:xfrm>
+          <a:prstGeom prst="rect">
+            <a:avLst/>
+          </a:prstGeom>
+          <a:ln>
+            <a:solidFill>
+              <a:schemeClr val="bg1">
+                <a:lumMod val="85000"/>
+              </a:schemeClr>
+            </a:solidFill>
+          </a:ln>
+        </p:spPr>
+      </p:pic>
+      <p:pic>
+        <p:nvPicPr>
+          <p:cNvPr id="7" name="그림 6"/>
+          <p:cNvPicPr>
+            <a:picLocks noChangeAspect="1"/>
+          </p:cNvPicPr>
+          <p:nvPr/>
+        </p:nvPicPr>
+        <p:blipFill rotWithShape="1">
+          <a:blip r:embed="rId2">
+            <a:extLst>
+              <a:ext uri="{28A0092B-C50C-407E-A947-70E740481C1C}">
+                <a14:useLocalDpi xmlns:a14="http://schemas.microsoft.com/office/drawing/2010/main" val="0"/>
+              </a:ext>
+            </a:extLst>
+          </a:blip>
+          <a:srcRect l="4748" t="55344" r="7410"/>
+          <a:stretch/>
+        </p:blipFill>
+        <p:spPr>
+          <a:xfrm>
+            <a:off x="4448944" y="3773081"/>
+            <a:ext cx="5328592" cy="2382134"/>
           </a:xfrm>
           <a:prstGeom prst="rect">
             <a:avLst/>
@@ -23030,7 +23506,7 @@
 </p:sld>
 </file>
 
-<file path=ppt/slides/slide44.xml><?xml version="1.0" encoding="utf-8"?>
+<file path=ppt/slides/slide46.xml><?xml version="1.0" encoding="utf-8"?>
 <p:sld xmlns:a="http://schemas.openxmlformats.org/drawingml/2006/main" xmlns:r="http://schemas.openxmlformats.org/officeDocument/2006/relationships" xmlns:p="http://schemas.openxmlformats.org/presentationml/2006/main">
   <p:cSld>
     <p:spTree>
@@ -23068,7 +23544,31 @@
             </a:r>
             <a:r>
               <a:rPr lang="ko-KR" altLang="en-US" dirty="0" smtClean="0"/>
-              <a:t>고객 관리 프로그램</a:t>
+              <a:t>상속</a:t>
+            </a:r>
+            <a:r>
+              <a:rPr lang="en-US" altLang="ko-KR" b="1" dirty="0">
+                <a:solidFill>
+                  <a:srgbClr val="002060"/>
+                </a:solidFill>
+              </a:rPr>
+              <a:t> </a:t>
+            </a:r>
+            <a:r>
+              <a:rPr lang="ko-KR" altLang="en-US" b="1" dirty="0" smtClean="0">
+                <a:solidFill>
+                  <a:srgbClr val="002060"/>
+                </a:solidFill>
+              </a:rPr>
+              <a:t>실습예제</a:t>
+            </a:r>
+            <a:r>
+              <a:rPr lang="en-US" altLang="ko-KR" b="1" dirty="0" smtClean="0">
+                <a:solidFill>
+                  <a:srgbClr val="002060"/>
+                </a:solidFill>
+              </a:rPr>
+              <a:t> </a:t>
             </a:r>
             <a:endParaRPr lang="ko-KR" altLang="en-US" dirty="0"/>
           </a:p>
@@ -23084,6 +23584,387 @@
             <p:ph type="sldNum" sz="quarter" idx="12"/>
           </p:nvPr>
         </p:nvSpPr>
+        <p:spPr/>
+        <p:txBody>
+          <a:bodyPr/>
+          <a:lstStyle/>
+          <a:p>
+            <a:fld id="{1BDE3FE7-3AEA-4B05-AC5A-802D1816ACF0}" type="slidenum">
+              <a:rPr lang="ko-KR" altLang="en-US" smtClean="0"/>
+              <a:t>46</a:t>
+            </a:fld>
+            <a:endParaRPr lang="ko-KR" altLang="en-US"/>
+          </a:p>
+        </p:txBody>
+      </p:sp>
+      <p:sp>
+        <p:nvSpPr>
+          <p:cNvPr id="22" name="내용 개체 틀 2">
+            <a:extLst>
+              <a:ext uri="{FF2B5EF4-FFF2-40B4-BE49-F238E27FC236}">
+                <a16:creationId xmlns:a16="http://schemas.microsoft.com/office/drawing/2014/main" id="{98AF3A4E-7D90-4241-89FE-799D6F9D5A94}"/>
+              </a:ext>
+            </a:extLst>
+          </p:cNvPr>
+          <p:cNvSpPr txBox="1">
+            <a:spLocks/>
+          </p:cNvSpPr>
+          <p:nvPr/>
+        </p:nvSpPr>
+        <p:spPr>
+          <a:xfrm>
+            <a:off x="1058683" y="1268760"/>
+            <a:ext cx="6054557" cy="1086333"/>
+          </a:xfrm>
+          <a:prstGeom prst="rect">
+            <a:avLst/>
+          </a:prstGeom>
+        </p:spPr>
+        <p:txBody>
+          <a:bodyPr/>
+          <a:lstStyle>
+            <a:lvl1pPr marL="228600" indent="-228600" algn="l" defTabSz="914400" rtl="0" eaLnBrk="1" latinLnBrk="1" hangingPunct="1">
+              <a:lnSpc>
+                <a:spcPct val="90000"/>
+              </a:lnSpc>
+              <a:spcBef>
+                <a:spcPts val="1000"/>
+              </a:spcBef>
+              <a:buFont typeface="Arial" panose="020B0604020202020204" pitchFamily="34" charset="0"/>
+              <a:buChar char="•"/>
+              <a:defRPr sz="2800" kern="1200">
+                <a:solidFill>
+                  <a:schemeClr val="tx1"/>
+                </a:solidFill>
+                <a:latin typeface="+mn-lt"/>
+                <a:ea typeface="+mn-ea"/>
+                <a:cs typeface="+mn-cs"/>
+              </a:defRPr>
+            </a:lvl1pPr>
+            <a:lvl2pPr marL="685800" indent="-228600" algn="l" defTabSz="914400" rtl="0" eaLnBrk="1" latinLnBrk="1" hangingPunct="1">
+              <a:lnSpc>
+                <a:spcPct val="90000"/>
+              </a:lnSpc>
+              <a:spcBef>
+                <a:spcPts val="500"/>
+              </a:spcBef>
+              <a:buFont typeface="Arial" panose="020B0604020202020204" pitchFamily="34" charset="0"/>
+              <a:buChar char="•"/>
+              <a:defRPr sz="2400" kern="1200">
+                <a:solidFill>
+                  <a:schemeClr val="tx1"/>
+                </a:solidFill>
+                <a:latin typeface="+mn-lt"/>
+                <a:ea typeface="+mn-ea"/>
+                <a:cs typeface="+mn-cs"/>
+              </a:defRPr>
+            </a:lvl2pPr>
+            <a:lvl3pPr marL="1143000" indent="-228600" algn="l" defTabSz="914400" rtl="0" eaLnBrk="1" latinLnBrk="1" hangingPunct="1">
+              <a:lnSpc>
+                <a:spcPct val="90000"/>
+              </a:lnSpc>
+              <a:spcBef>
+                <a:spcPts val="500"/>
+              </a:spcBef>
+              <a:buFont typeface="Arial" panose="020B0604020202020204" pitchFamily="34" charset="0"/>
+              <a:buChar char="•"/>
+              <a:defRPr sz="2000" kern="1200">
+                <a:solidFill>
+                  <a:schemeClr val="tx1"/>
+                </a:solidFill>
+                <a:latin typeface="+mn-lt"/>
+                <a:ea typeface="+mn-ea"/>
+                <a:cs typeface="+mn-cs"/>
+              </a:defRPr>
+            </a:lvl3pPr>
+            <a:lvl4pPr marL="1600200" indent="-228600" algn="l" defTabSz="914400" rtl="0" eaLnBrk="1" latinLnBrk="1" hangingPunct="1">
+              <a:lnSpc>
+                <a:spcPct val="90000"/>
+              </a:lnSpc>
+              <a:spcBef>
+                <a:spcPts val="500"/>
+              </a:spcBef>
+              <a:buFont typeface="Arial" panose="020B0604020202020204" pitchFamily="34" charset="0"/>
+              <a:buChar char="•"/>
+              <a:defRPr sz="1800" kern="1200">
+                <a:solidFill>
+                  <a:schemeClr val="tx1"/>
+                </a:solidFill>
+                <a:latin typeface="+mn-lt"/>
+                <a:ea typeface="+mn-ea"/>
+                <a:cs typeface="+mn-cs"/>
+              </a:defRPr>
+            </a:lvl4pPr>
+            <a:lvl5pPr marL="2057400" indent="-228600" algn="l" defTabSz="914400" rtl="0" eaLnBrk="1" latinLnBrk="1" hangingPunct="1">
+              <a:lnSpc>
+                <a:spcPct val="90000"/>
+              </a:lnSpc>
+              <a:spcBef>
+                <a:spcPts val="500"/>
+              </a:spcBef>
+              <a:buFont typeface="Arial" panose="020B0604020202020204" pitchFamily="34" charset="0"/>
+              <a:buChar char="•"/>
+              <a:defRPr sz="1800" kern="1200">
+                <a:solidFill>
+                  <a:schemeClr val="tx1"/>
+                </a:solidFill>
+                <a:latin typeface="+mn-lt"/>
+                <a:ea typeface="+mn-ea"/>
+                <a:cs typeface="+mn-cs"/>
+              </a:defRPr>
+            </a:lvl5pPr>
+            <a:lvl6pPr marL="2514600" indent="-228600" algn="l" defTabSz="914400" rtl="0" eaLnBrk="1" latinLnBrk="1" hangingPunct="1">
+              <a:lnSpc>
+                <a:spcPct val="90000"/>
+              </a:lnSpc>
+              <a:spcBef>
+                <a:spcPts val="500"/>
+              </a:spcBef>
+              <a:buFont typeface="Arial" panose="020B0604020202020204" pitchFamily="34" charset="0"/>
+              <a:buChar char="•"/>
+              <a:defRPr sz="1800" kern="1200">
+                <a:solidFill>
+                  <a:schemeClr val="tx1"/>
+                </a:solidFill>
+                <a:latin typeface="+mn-lt"/>
+                <a:ea typeface="+mn-ea"/>
+                <a:cs typeface="+mn-cs"/>
+              </a:defRPr>
+            </a:lvl6pPr>
+            <a:lvl7pPr marL="2971800" indent="-228600" algn="l" defTabSz="914400" rtl="0" eaLnBrk="1" latinLnBrk="1" hangingPunct="1">
+              <a:lnSpc>
+                <a:spcPct val="90000"/>
+              </a:lnSpc>
+              <a:spcBef>
+                <a:spcPts val="500"/>
+              </a:spcBef>
+              <a:buFont typeface="Arial" panose="020B0604020202020204" pitchFamily="34" charset="0"/>
+              <a:buChar char="•"/>
+              <a:defRPr sz="1800" kern="1200">
+                <a:solidFill>
+                  <a:schemeClr val="tx1"/>
+                </a:solidFill>
+                <a:latin typeface="+mn-lt"/>
+                <a:ea typeface="+mn-ea"/>
+                <a:cs typeface="+mn-cs"/>
+              </a:defRPr>
+            </a:lvl7pPr>
+            <a:lvl8pPr marL="3429000" indent="-228600" algn="l" defTabSz="914400" rtl="0" eaLnBrk="1" latinLnBrk="1" hangingPunct="1">
+              <a:lnSpc>
+                <a:spcPct val="90000"/>
+              </a:lnSpc>
+              <a:spcBef>
+                <a:spcPts val="500"/>
+              </a:spcBef>
+              <a:buFont typeface="Arial" panose="020B0604020202020204" pitchFamily="34" charset="0"/>
+              <a:buChar char="•"/>
+              <a:defRPr sz="1800" kern="1200">
+                <a:solidFill>
+                  <a:schemeClr val="tx1"/>
+                </a:solidFill>
+                <a:latin typeface="+mn-lt"/>
+                <a:ea typeface="+mn-ea"/>
+                <a:cs typeface="+mn-cs"/>
+              </a:defRPr>
+            </a:lvl8pPr>
+            <a:lvl9pPr marL="3886200" indent="-228600" algn="l" defTabSz="914400" rtl="0" eaLnBrk="1" latinLnBrk="1" hangingPunct="1">
+              <a:lnSpc>
+                <a:spcPct val="90000"/>
+              </a:lnSpc>
+              <a:spcBef>
+                <a:spcPts val="500"/>
+              </a:spcBef>
+              <a:buFont typeface="Arial" panose="020B0604020202020204" pitchFamily="34" charset="0"/>
+              <a:buChar char="•"/>
+              <a:defRPr sz="1800" kern="1200">
+                <a:solidFill>
+                  <a:schemeClr val="tx1"/>
+                </a:solidFill>
+                <a:latin typeface="+mn-lt"/>
+                <a:ea typeface="+mn-ea"/>
+                <a:cs typeface="+mn-cs"/>
+              </a:defRPr>
+            </a:lvl9pPr>
+          </a:lstStyle>
+          <a:p>
+            <a:pPr>
+              <a:lnSpc>
+                <a:spcPct val="150000"/>
+              </a:lnSpc>
+              <a:buFont typeface="Wingdings" panose="05000000000000000000" pitchFamily="2" charset="2"/>
+              <a:buChar char="§"/>
+            </a:pPr>
+            <a:r>
+              <a:rPr lang="ko-KR" altLang="en-US" sz="2000" b="1" dirty="0" smtClean="0"/>
+              <a:t>단위 변환기 확장 클래스 만들기</a:t>
+            </a:r>
+            <a:endParaRPr lang="en-US" altLang="ko-KR" sz="2000" b="1" dirty="0" smtClean="0"/>
+          </a:p>
+          <a:p>
+            <a:pPr lvl="1">
+              <a:lnSpc>
+                <a:spcPct val="150000"/>
+              </a:lnSpc>
+            </a:pPr>
+            <a:r>
+              <a:rPr lang="ko-KR" altLang="en-US" sz="1800" b="1" dirty="0" smtClean="0">
+                <a:solidFill>
+                  <a:srgbClr val="C00000"/>
+                </a:solidFill>
+              </a:rPr>
+              <a:t>화씨온도</a:t>
+            </a:r>
+            <a:r>
+              <a:rPr lang="en-US" altLang="ko-KR" sz="1800" b="1" dirty="0" smtClean="0">
+                <a:solidFill>
+                  <a:srgbClr val="C00000"/>
+                </a:solidFill>
+              </a:rPr>
+              <a:t>(F) = </a:t>
+            </a:r>
+            <a:r>
+              <a:rPr lang="ko-KR" altLang="en-US" sz="1800" b="1" dirty="0" smtClean="0">
+                <a:solidFill>
+                  <a:srgbClr val="C00000"/>
+                </a:solidFill>
+              </a:rPr>
+              <a:t>섭씨온도</a:t>
+            </a:r>
+            <a:r>
+              <a:rPr lang="en-US" altLang="ko-KR" sz="1800" b="1" dirty="0" smtClean="0">
+                <a:solidFill>
+                  <a:srgbClr val="C00000"/>
+                </a:solidFill>
+              </a:rPr>
+              <a:t>(C) x 1.8 + 32</a:t>
+            </a:r>
+            <a:r>
+              <a:rPr lang="ko-KR" altLang="en-US" sz="1800" b="1" dirty="0" smtClean="0">
+                <a:solidFill>
+                  <a:srgbClr val="0070C0"/>
+                </a:solidFill>
+              </a:rPr>
+              <a:t> </a:t>
+            </a:r>
+            <a:endParaRPr lang="en-US" altLang="ko-KR" sz="1400" b="1" dirty="0">
+              <a:solidFill>
+                <a:srgbClr val="0070C0"/>
+              </a:solidFill>
+            </a:endParaRPr>
+          </a:p>
+        </p:txBody>
+      </p:sp>
+      <p:pic>
+        <p:nvPicPr>
+          <p:cNvPr id="2" name="그림 1"/>
+          <p:cNvPicPr>
+            <a:picLocks noChangeAspect="1"/>
+          </p:cNvPicPr>
+          <p:nvPr/>
+        </p:nvPicPr>
+        <p:blipFill>
+          <a:blip r:embed="rId2">
+            <a:extLst>
+              <a:ext uri="{28A0092B-C50C-407E-A947-70E740481C1C}">
+                <a14:useLocalDpi xmlns:a14="http://schemas.microsoft.com/office/drawing/2010/main" val="0"/>
+              </a:ext>
+            </a:extLst>
+          </a:blip>
+          <a:stretch>
+            <a:fillRect/>
+          </a:stretch>
+        </p:blipFill>
+        <p:spPr>
+          <a:xfrm>
+            <a:off x="1568624" y="2420888"/>
+            <a:ext cx="6683319" cy="3589331"/>
+          </a:xfrm>
+          <a:prstGeom prst="rect">
+            <a:avLst/>
+          </a:prstGeom>
+          <a:ln>
+            <a:solidFill>
+              <a:schemeClr val="bg1">
+                <a:lumMod val="85000"/>
+              </a:schemeClr>
+            </a:solidFill>
+          </a:ln>
+        </p:spPr>
+      </p:pic>
+    </p:spTree>
+    <p:extLst>
+      <p:ext uri="{BB962C8B-B14F-4D97-AF65-F5344CB8AC3E}">
+        <p14:creationId xmlns:p14="http://schemas.microsoft.com/office/powerpoint/2010/main" val="3580751623"/>
+      </p:ext>
+    </p:extLst>
+  </p:cSld>
+  <p:clrMapOvr>
+    <a:masterClrMapping/>
+  </p:clrMapOvr>
+  <p:timing>
+    <p:tnLst>
+      <p:par>
+        <p:cTn id="1" dur="indefinite" restart="never" nodeType="tmRoot"/>
+      </p:par>
+    </p:tnLst>
+  </p:timing>
+</p:sld>
+</file>
+
+<file path=ppt/slides/slide47.xml><?xml version="1.0" encoding="utf-8"?>
+<p:sld xmlns:a="http://schemas.openxmlformats.org/drawingml/2006/main" xmlns:r="http://schemas.openxmlformats.org/officeDocument/2006/relationships" xmlns:p="http://schemas.openxmlformats.org/presentationml/2006/main">
+  <p:cSld>
+    <p:spTree>
+      <p:nvGrpSpPr>
+        <p:cNvPr id="1" name=""/>
+        <p:cNvGrpSpPr/>
+        <p:nvPr/>
+      </p:nvGrpSpPr>
+      <p:grpSpPr>
+        <a:xfrm>
+          <a:off x="0" y="0"/>
+          <a:ext cx="0" cy="0"/>
+          <a:chOff x="0" y="0"/>
+          <a:chExt cx="0" cy="0"/>
+        </a:xfrm>
+      </p:grpSpPr>
+      <p:sp>
+        <p:nvSpPr>
+          <p:cNvPr id="6" name="제목 5"/>
+          <p:cNvSpPr>
+            <a:spLocks noGrp="1"/>
+          </p:cNvSpPr>
+          <p:nvPr>
+            <p:ph type="title"/>
+          </p:nvPr>
+        </p:nvSpPr>
+        <p:spPr/>
+        <p:txBody>
+          <a:bodyPr/>
+          <a:lstStyle/>
+          <a:p>
+            <a:r>
+              <a:rPr lang="en-US" altLang="ko-KR" dirty="0" smtClean="0"/>
+              <a:t> </a:t>
+            </a:r>
+            <a:r>
+              <a:rPr lang="ko-KR" altLang="en-US" dirty="0" smtClean="0"/>
+              <a:t>고객 관리 프로그램</a:t>
+            </a:r>
+            <a:endParaRPr lang="ko-KR" altLang="en-US" dirty="0"/>
+          </a:p>
+        </p:txBody>
+      </p:sp>
+      <p:sp>
+        <p:nvSpPr>
+          <p:cNvPr id="5" name="슬라이드 번호 개체 틀 4"/>
+          <p:cNvSpPr>
+            <a:spLocks noGrp="1"/>
+          </p:cNvSpPr>
+          <p:nvPr>
+            <p:ph type="sldNum" sz="quarter" idx="12"/>
+          </p:nvPr>
+        </p:nvSpPr>
         <p:spPr>
           <a:xfrm>
             <a:off x="8853433" y="7312347"/>
@@ -23096,7 +23977,7 @@
           <a:p>
             <a:fld id="{1BDE3FE7-3AEA-4B05-AC5A-802D1816ACF0}" type="slidenum">
               <a:rPr lang="ko-KR" altLang="en-US" smtClean="0"/>
-              <a:t>44</a:t>
+              <a:t>47</a:t>
             </a:fld>
             <a:endParaRPr lang="ko-KR" altLang="en-US"/>
           </a:p>
@@ -23734,7 +24615,7 @@
 </p:sld>
 </file>
 
-<file path=ppt/slides/slide45.xml><?xml version="1.0" encoding="utf-8"?>
+<file path=ppt/slides/slide48.xml><?xml version="1.0" encoding="utf-8"?>
 <p:sld xmlns:a="http://schemas.openxmlformats.org/drawingml/2006/main" xmlns:r="http://schemas.openxmlformats.org/officeDocument/2006/relationships" xmlns:p="http://schemas.openxmlformats.org/presentationml/2006/main">
   <p:cSld>
     <p:spTree>
@@ -23795,7 +24676,7 @@
           <a:p>
             <a:fld id="{1BDE3FE7-3AEA-4B05-AC5A-802D1816ACF0}" type="slidenum">
               <a:rPr lang="ko-KR" altLang="en-US" smtClean="0"/>
-              <a:t>45</a:t>
+              <a:t>48</a:t>
             </a:fld>
             <a:endParaRPr lang="ko-KR" altLang="en-US"/>
           </a:p>
@@ -24662,7 +25543,7 @@
 </p:sld>
 </file>
 
-<file path=ppt/slides/slide46.xml><?xml version="1.0" encoding="utf-8"?>
+<file path=ppt/slides/slide49.xml><?xml version="1.0" encoding="utf-8"?>
 <p:sld xmlns:a="http://schemas.openxmlformats.org/drawingml/2006/main" xmlns:r="http://schemas.openxmlformats.org/officeDocument/2006/relationships" xmlns:p="http://schemas.openxmlformats.org/presentationml/2006/main">
   <p:cSld>
     <p:spTree>
@@ -24723,7 +25604,7 @@
           <a:p>
             <a:fld id="{1BDE3FE7-3AEA-4B05-AC5A-802D1816ACF0}" type="slidenum">
               <a:rPr lang="ko-KR" altLang="en-US" smtClean="0"/>
-              <a:t>46</a:t>
+              <a:t>49</a:t>
             </a:fld>
             <a:endParaRPr lang="ko-KR" altLang="en-US"/>
           </a:p>
@@ -24837,7 +25718,7 @@
 </p:sld>
 </file>
 
-<file path=ppt/slides/slide47.xml><?xml version="1.0" encoding="utf-8"?>
+<file path=ppt/slides/slide5.xml><?xml version="1.0" encoding="utf-8"?>
 <p:sld xmlns:a="http://schemas.openxmlformats.org/drawingml/2006/main" xmlns:r="http://schemas.openxmlformats.org/officeDocument/2006/relationships" xmlns:p="http://schemas.openxmlformats.org/presentationml/2006/main">
   <p:cSld>
     <p:spTree>
@@ -24866,18 +25747,24 @@
         </p:nvSpPr>
         <p:spPr/>
         <p:txBody>
-          <a:bodyPr/>
+          <a:bodyPr>
+            <a:normAutofit/>
+          </a:bodyPr>
           <a:lstStyle/>
           <a:p>
             <a:r>
-              <a:rPr lang="en-US" altLang="ko-KR" dirty="0" smtClean="0"/>
+              <a:rPr lang="en-US" altLang="ko-KR" sz="2800" dirty="0" smtClean="0"/>
               <a:t> </a:t>
             </a:r>
             <a:r>
-              <a:rPr lang="ko-KR" altLang="en-US" dirty="0" smtClean="0"/>
-              <a:t>고객 관리 프로그램</a:t>
-            </a:r>
-            <a:endParaRPr lang="ko-KR" altLang="en-US" dirty="0"/>
+              <a:rPr lang="ko-KR" altLang="en-US" sz="2800" dirty="0" smtClean="0"/>
+              <a:t>클래스</a:t>
+            </a:r>
+            <a:r>
+              <a:rPr lang="en-US" altLang="ko-KR" sz="2800" dirty="0" smtClean="0"/>
+              <a:t>(class)</a:t>
+            </a:r>
+            <a:endParaRPr lang="ko-KR" altLang="en-US" sz="2800" dirty="0"/>
           </a:p>
         </p:txBody>
       </p:sp>
@@ -24898,7 +25785,585 @@
           <a:p>
             <a:fld id="{1BDE3FE7-3AEA-4B05-AC5A-802D1816ACF0}" type="slidenum">
               <a:rPr lang="ko-KR" altLang="en-US" smtClean="0"/>
-              <a:t>47</a:t>
+              <a:t>5</a:t>
+            </a:fld>
+            <a:endParaRPr lang="ko-KR" altLang="en-US"/>
+          </a:p>
+        </p:txBody>
+      </p:sp>
+      <p:pic>
+        <p:nvPicPr>
+          <p:cNvPr id="2" name="그림 1"/>
+          <p:cNvPicPr>
+            <a:picLocks noChangeAspect="1"/>
+          </p:cNvPicPr>
+          <p:nvPr/>
+        </p:nvPicPr>
+        <p:blipFill>
+          <a:blip r:embed="rId2">
+            <a:extLst>
+              <a:ext uri="{28A0092B-C50C-407E-A947-70E740481C1C}">
+                <a14:useLocalDpi xmlns:a14="http://schemas.microsoft.com/office/drawing/2010/main" val="0"/>
+              </a:ext>
+            </a:extLst>
+          </a:blip>
+          <a:stretch>
+            <a:fillRect/>
+          </a:stretch>
+        </p:blipFill>
+        <p:spPr>
+          <a:xfrm>
+            <a:off x="4088904" y="2809123"/>
+            <a:ext cx="3240360" cy="3724552"/>
+          </a:xfrm>
+          <a:prstGeom prst="rect">
+            <a:avLst/>
+          </a:prstGeom>
+          <a:ln>
+            <a:solidFill>
+              <a:schemeClr val="bg1">
+                <a:lumMod val="85000"/>
+              </a:schemeClr>
+            </a:solidFill>
+          </a:ln>
+        </p:spPr>
+      </p:pic>
+      <p:sp>
+        <p:nvSpPr>
+          <p:cNvPr id="10" name="내용 개체 틀 2">
+            <a:extLst>
+              <a:ext uri="{FF2B5EF4-FFF2-40B4-BE49-F238E27FC236}">
+                <a16:creationId xmlns:a16="http://schemas.microsoft.com/office/drawing/2014/main" id="{98AF3A4E-7D90-4241-89FE-799D6F9D5A94}"/>
+              </a:ext>
+            </a:extLst>
+          </p:cNvPr>
+          <p:cNvSpPr txBox="1">
+            <a:spLocks/>
+          </p:cNvSpPr>
+          <p:nvPr/>
+        </p:nvSpPr>
+        <p:spPr>
+          <a:xfrm>
+            <a:off x="960914" y="1203593"/>
+            <a:ext cx="7448470" cy="1577335"/>
+          </a:xfrm>
+          <a:prstGeom prst="rect">
+            <a:avLst/>
+          </a:prstGeom>
+        </p:spPr>
+        <p:txBody>
+          <a:bodyPr/>
+          <a:lstStyle>
+            <a:lvl1pPr marL="228600" indent="-228600" algn="l" defTabSz="914400" rtl="0" eaLnBrk="1" latinLnBrk="1" hangingPunct="1">
+              <a:lnSpc>
+                <a:spcPct val="90000"/>
+              </a:lnSpc>
+              <a:spcBef>
+                <a:spcPts val="1000"/>
+              </a:spcBef>
+              <a:buFont typeface="Arial" panose="020B0604020202020204" pitchFamily="34" charset="0"/>
+              <a:buChar char="•"/>
+              <a:defRPr sz="2800" kern="1200">
+                <a:solidFill>
+                  <a:schemeClr val="tx1"/>
+                </a:solidFill>
+                <a:latin typeface="+mn-lt"/>
+                <a:ea typeface="+mn-ea"/>
+                <a:cs typeface="+mn-cs"/>
+              </a:defRPr>
+            </a:lvl1pPr>
+            <a:lvl2pPr marL="685800" indent="-228600" algn="l" defTabSz="914400" rtl="0" eaLnBrk="1" latinLnBrk="1" hangingPunct="1">
+              <a:lnSpc>
+                <a:spcPct val="90000"/>
+              </a:lnSpc>
+              <a:spcBef>
+                <a:spcPts val="500"/>
+              </a:spcBef>
+              <a:buFont typeface="Arial" panose="020B0604020202020204" pitchFamily="34" charset="0"/>
+              <a:buChar char="•"/>
+              <a:defRPr sz="2400" kern="1200">
+                <a:solidFill>
+                  <a:schemeClr val="tx1"/>
+                </a:solidFill>
+                <a:latin typeface="+mn-lt"/>
+                <a:ea typeface="+mn-ea"/>
+                <a:cs typeface="+mn-cs"/>
+              </a:defRPr>
+            </a:lvl2pPr>
+            <a:lvl3pPr marL="1143000" indent="-228600" algn="l" defTabSz="914400" rtl="0" eaLnBrk="1" latinLnBrk="1" hangingPunct="1">
+              <a:lnSpc>
+                <a:spcPct val="90000"/>
+              </a:lnSpc>
+              <a:spcBef>
+                <a:spcPts val="500"/>
+              </a:spcBef>
+              <a:buFont typeface="Arial" panose="020B0604020202020204" pitchFamily="34" charset="0"/>
+              <a:buChar char="•"/>
+              <a:defRPr sz="2000" kern="1200">
+                <a:solidFill>
+                  <a:schemeClr val="tx1"/>
+                </a:solidFill>
+                <a:latin typeface="+mn-lt"/>
+                <a:ea typeface="+mn-ea"/>
+                <a:cs typeface="+mn-cs"/>
+              </a:defRPr>
+            </a:lvl3pPr>
+            <a:lvl4pPr marL="1600200" indent="-228600" algn="l" defTabSz="914400" rtl="0" eaLnBrk="1" latinLnBrk="1" hangingPunct="1">
+              <a:lnSpc>
+                <a:spcPct val="90000"/>
+              </a:lnSpc>
+              <a:spcBef>
+                <a:spcPts val="500"/>
+              </a:spcBef>
+              <a:buFont typeface="Arial" panose="020B0604020202020204" pitchFamily="34" charset="0"/>
+              <a:buChar char="•"/>
+              <a:defRPr sz="1800" kern="1200">
+                <a:solidFill>
+                  <a:schemeClr val="tx1"/>
+                </a:solidFill>
+                <a:latin typeface="+mn-lt"/>
+                <a:ea typeface="+mn-ea"/>
+                <a:cs typeface="+mn-cs"/>
+              </a:defRPr>
+            </a:lvl4pPr>
+            <a:lvl5pPr marL="2057400" indent="-228600" algn="l" defTabSz="914400" rtl="0" eaLnBrk="1" latinLnBrk="1" hangingPunct="1">
+              <a:lnSpc>
+                <a:spcPct val="90000"/>
+              </a:lnSpc>
+              <a:spcBef>
+                <a:spcPts val="500"/>
+              </a:spcBef>
+              <a:buFont typeface="Arial" panose="020B0604020202020204" pitchFamily="34" charset="0"/>
+              <a:buChar char="•"/>
+              <a:defRPr sz="1800" kern="1200">
+                <a:solidFill>
+                  <a:schemeClr val="tx1"/>
+                </a:solidFill>
+                <a:latin typeface="+mn-lt"/>
+                <a:ea typeface="+mn-ea"/>
+                <a:cs typeface="+mn-cs"/>
+              </a:defRPr>
+            </a:lvl5pPr>
+            <a:lvl6pPr marL="2514600" indent="-228600" algn="l" defTabSz="914400" rtl="0" eaLnBrk="1" latinLnBrk="1" hangingPunct="1">
+              <a:lnSpc>
+                <a:spcPct val="90000"/>
+              </a:lnSpc>
+              <a:spcBef>
+                <a:spcPts val="500"/>
+              </a:spcBef>
+              <a:buFont typeface="Arial" panose="020B0604020202020204" pitchFamily="34" charset="0"/>
+              <a:buChar char="•"/>
+              <a:defRPr sz="1800" kern="1200">
+                <a:solidFill>
+                  <a:schemeClr val="tx1"/>
+                </a:solidFill>
+                <a:latin typeface="+mn-lt"/>
+                <a:ea typeface="+mn-ea"/>
+                <a:cs typeface="+mn-cs"/>
+              </a:defRPr>
+            </a:lvl6pPr>
+            <a:lvl7pPr marL="2971800" indent="-228600" algn="l" defTabSz="914400" rtl="0" eaLnBrk="1" latinLnBrk="1" hangingPunct="1">
+              <a:lnSpc>
+                <a:spcPct val="90000"/>
+              </a:lnSpc>
+              <a:spcBef>
+                <a:spcPts val="500"/>
+              </a:spcBef>
+              <a:buFont typeface="Arial" panose="020B0604020202020204" pitchFamily="34" charset="0"/>
+              <a:buChar char="•"/>
+              <a:defRPr sz="1800" kern="1200">
+                <a:solidFill>
+                  <a:schemeClr val="tx1"/>
+                </a:solidFill>
+                <a:latin typeface="+mn-lt"/>
+                <a:ea typeface="+mn-ea"/>
+                <a:cs typeface="+mn-cs"/>
+              </a:defRPr>
+            </a:lvl7pPr>
+            <a:lvl8pPr marL="3429000" indent="-228600" algn="l" defTabSz="914400" rtl="0" eaLnBrk="1" latinLnBrk="1" hangingPunct="1">
+              <a:lnSpc>
+                <a:spcPct val="90000"/>
+              </a:lnSpc>
+              <a:spcBef>
+                <a:spcPts val="500"/>
+              </a:spcBef>
+              <a:buFont typeface="Arial" panose="020B0604020202020204" pitchFamily="34" charset="0"/>
+              <a:buChar char="•"/>
+              <a:defRPr sz="1800" kern="1200">
+                <a:solidFill>
+                  <a:schemeClr val="tx1"/>
+                </a:solidFill>
+                <a:latin typeface="+mn-lt"/>
+                <a:ea typeface="+mn-ea"/>
+                <a:cs typeface="+mn-cs"/>
+              </a:defRPr>
+            </a:lvl8pPr>
+            <a:lvl9pPr marL="3886200" indent="-228600" algn="l" defTabSz="914400" rtl="0" eaLnBrk="1" latinLnBrk="1" hangingPunct="1">
+              <a:lnSpc>
+                <a:spcPct val="90000"/>
+              </a:lnSpc>
+              <a:spcBef>
+                <a:spcPts val="500"/>
+              </a:spcBef>
+              <a:buFont typeface="Arial" panose="020B0604020202020204" pitchFamily="34" charset="0"/>
+              <a:buChar char="•"/>
+              <a:defRPr sz="1800" kern="1200">
+                <a:solidFill>
+                  <a:schemeClr val="tx1"/>
+                </a:solidFill>
+                <a:latin typeface="+mn-lt"/>
+                <a:ea typeface="+mn-ea"/>
+                <a:cs typeface="+mn-cs"/>
+              </a:defRPr>
+            </a:lvl9pPr>
+          </a:lstStyle>
+          <a:p>
+            <a:pPr>
+              <a:lnSpc>
+                <a:spcPct val="150000"/>
+              </a:lnSpc>
+              <a:buFont typeface="Wingdings" panose="05000000000000000000" pitchFamily="2" charset="2"/>
+              <a:buChar char="§"/>
+            </a:pPr>
+            <a:r>
+              <a:rPr lang="ko-KR" altLang="en-US" sz="2000" b="1" dirty="0" smtClean="0">
+                <a:solidFill>
+                  <a:srgbClr val="002060"/>
+                </a:solidFill>
+              </a:rPr>
+              <a:t>학생 클래스 정의 및 사용</a:t>
+            </a:r>
+            <a:endParaRPr lang="en-US" altLang="ko-KR" sz="2000" b="1" dirty="0" smtClean="0">
+              <a:solidFill>
+                <a:srgbClr val="002060"/>
+              </a:solidFill>
+            </a:endParaRPr>
+          </a:p>
+          <a:p>
+            <a:pPr marL="457200" lvl="1" indent="0">
+              <a:lnSpc>
+                <a:spcPct val="150000"/>
+              </a:lnSpc>
+              <a:buNone/>
+            </a:pPr>
+            <a:r>
+              <a:rPr lang="ko-KR" altLang="en-US" sz="1800" b="1" dirty="0" smtClean="0">
+                <a:solidFill>
+                  <a:srgbClr val="C00000"/>
+                </a:solidFill>
+              </a:rPr>
+              <a:t>객체</a:t>
+            </a:r>
+            <a:r>
+              <a:rPr lang="en-US" altLang="ko-KR" sz="1800" b="1" dirty="0">
+                <a:solidFill>
+                  <a:srgbClr val="C00000"/>
+                </a:solidFill>
+              </a:rPr>
+              <a:t>(</a:t>
+            </a:r>
+            <a:r>
+              <a:rPr lang="ko-KR" altLang="en-US" sz="1800" b="1" dirty="0" err="1">
+                <a:solidFill>
+                  <a:srgbClr val="C00000"/>
+                </a:solidFill>
+              </a:rPr>
+              <a:t>인스턴스</a:t>
+            </a:r>
+            <a:r>
+              <a:rPr lang="en-US" altLang="ko-KR" sz="1800" b="1" dirty="0">
+                <a:solidFill>
+                  <a:srgbClr val="C00000"/>
+                </a:solidFill>
+              </a:rPr>
+              <a:t>) = </a:t>
+            </a:r>
+            <a:r>
+              <a:rPr lang="ko-KR" altLang="en-US" sz="1800" b="1" dirty="0"/>
+              <a:t>클래스 이름</a:t>
+            </a:r>
+            <a:r>
+              <a:rPr lang="en-US" altLang="ko-KR" sz="1800" b="1" dirty="0" smtClean="0"/>
+              <a:t>() </a:t>
+            </a:r>
+          </a:p>
+          <a:p>
+            <a:pPr marL="457200" lvl="1" indent="0">
+              <a:lnSpc>
+                <a:spcPct val="150000"/>
+              </a:lnSpc>
+              <a:buNone/>
+            </a:pPr>
+            <a:r>
+              <a:rPr lang="ko-KR" altLang="en-US" sz="1800" b="1" dirty="0" err="1" smtClean="0"/>
+              <a:t>객체이름</a:t>
+            </a:r>
+            <a:r>
+              <a:rPr lang="en-US" altLang="ko-KR" sz="1800" b="1" dirty="0" smtClean="0"/>
+              <a:t>.</a:t>
+            </a:r>
+            <a:r>
+              <a:rPr lang="ko-KR" altLang="en-US" sz="1800" b="1" dirty="0" smtClean="0"/>
+              <a:t>속성 </a:t>
+            </a:r>
+            <a:r>
+              <a:rPr lang="en-US" altLang="ko-KR" sz="1800" b="1" dirty="0" smtClean="0"/>
+              <a:t>-&gt; </a:t>
+            </a:r>
+            <a:r>
+              <a:rPr lang="ko-KR" altLang="en-US" sz="1800" b="1" dirty="0" err="1" smtClean="0"/>
+              <a:t>점연산자로</a:t>
+            </a:r>
+            <a:r>
+              <a:rPr lang="ko-KR" altLang="en-US" sz="1800" b="1" dirty="0" smtClean="0"/>
+              <a:t> 접근</a:t>
+            </a:r>
+            <a:endParaRPr lang="ko-KR" altLang="en-US" sz="1800" b="1" dirty="0"/>
+          </a:p>
+          <a:p>
+            <a:pPr marL="457200" lvl="1" indent="0">
+              <a:lnSpc>
+                <a:spcPct val="150000"/>
+              </a:lnSpc>
+              <a:buNone/>
+            </a:pPr>
+            <a:endParaRPr lang="en-US" altLang="ko-KR" sz="1800" b="1" dirty="0" smtClean="0">
+              <a:solidFill>
+                <a:srgbClr val="002060"/>
+              </a:solidFill>
+            </a:endParaRPr>
+          </a:p>
+        </p:txBody>
+      </p:sp>
+      <p:sp>
+        <p:nvSpPr>
+          <p:cNvPr id="12" name="직사각형 11"/>
+          <p:cNvSpPr/>
+          <p:nvPr/>
+        </p:nvSpPr>
+        <p:spPr>
+          <a:xfrm>
+            <a:off x="1640632" y="2906226"/>
+            <a:ext cx="1888558" cy="485339"/>
+          </a:xfrm>
+          <a:prstGeom prst="rect">
+            <a:avLst/>
+          </a:prstGeom>
+          <a:ln w="12700"/>
+        </p:spPr>
+        <p:style>
+          <a:lnRef idx="2">
+            <a:schemeClr val="accent5"/>
+          </a:lnRef>
+          <a:fillRef idx="1">
+            <a:schemeClr val="lt1"/>
+          </a:fillRef>
+          <a:effectRef idx="0">
+            <a:schemeClr val="accent5"/>
+          </a:effectRef>
+          <a:fontRef idx="minor">
+            <a:schemeClr val="dk1"/>
+          </a:fontRef>
+        </p:style>
+        <p:txBody>
+          <a:bodyPr rtlCol="0" anchor="ctr"/>
+          <a:lstStyle/>
+          <a:p>
+            <a:pPr algn="ctr"/>
+            <a:r>
+              <a:rPr lang="en-US" altLang="ko-KR" dirty="0" smtClean="0">
+                <a:latin typeface="+mn-ea"/>
+              </a:rPr>
+              <a:t>  </a:t>
+            </a:r>
+          </a:p>
+          <a:p>
+            <a:pPr algn="ctr"/>
+            <a:r>
+              <a:rPr lang="en-US" altLang="ko-KR" b="1" dirty="0" smtClean="0">
+                <a:latin typeface="+mn-ea"/>
+              </a:rPr>
+              <a:t>Student</a:t>
+            </a:r>
+          </a:p>
+          <a:p>
+            <a:pPr algn="ctr"/>
+            <a:endParaRPr lang="en-US" altLang="ko-KR" dirty="0">
+              <a:latin typeface="+mn-ea"/>
+            </a:endParaRPr>
+          </a:p>
+        </p:txBody>
+      </p:sp>
+      <p:sp>
+        <p:nvSpPr>
+          <p:cNvPr id="13" name="직사각형 12"/>
+          <p:cNvSpPr/>
+          <p:nvPr/>
+        </p:nvSpPr>
+        <p:spPr>
+          <a:xfrm>
+            <a:off x="1640632" y="3391566"/>
+            <a:ext cx="1888558" cy="1117554"/>
+          </a:xfrm>
+          <a:prstGeom prst="rect">
+            <a:avLst/>
+          </a:prstGeom>
+          <a:ln w="12700"/>
+        </p:spPr>
+        <p:style>
+          <a:lnRef idx="2">
+            <a:schemeClr val="accent5"/>
+          </a:lnRef>
+          <a:fillRef idx="1">
+            <a:schemeClr val="lt1"/>
+          </a:fillRef>
+          <a:effectRef idx="0">
+            <a:schemeClr val="accent5"/>
+          </a:effectRef>
+          <a:fontRef idx="minor">
+            <a:schemeClr val="dk1"/>
+          </a:fontRef>
+        </p:style>
+        <p:txBody>
+          <a:bodyPr rtlCol="0" anchor="ctr"/>
+          <a:lstStyle/>
+          <a:p>
+            <a:pPr algn="ctr"/>
+            <a:r>
+              <a:rPr lang="en-US" altLang="ko-KR" dirty="0" smtClean="0">
+                <a:latin typeface="+mn-ea"/>
+              </a:rPr>
+              <a:t> </a:t>
+            </a:r>
+          </a:p>
+          <a:p>
+            <a:pPr algn="ctr">
+              <a:lnSpc>
+                <a:spcPct val="150000"/>
+              </a:lnSpc>
+            </a:pPr>
+            <a:r>
+              <a:rPr lang="ko-KR" altLang="en-US" dirty="0" smtClean="0">
+                <a:latin typeface="+mn-ea"/>
+              </a:rPr>
+              <a:t> </a:t>
+            </a:r>
+            <a:r>
+              <a:rPr lang="en-US" altLang="ko-KR" dirty="0" smtClean="0">
+                <a:latin typeface="+mn-ea"/>
+              </a:rPr>
+              <a:t>name</a:t>
+            </a:r>
+          </a:p>
+          <a:p>
+            <a:pPr algn="ctr">
+              <a:lnSpc>
+                <a:spcPct val="150000"/>
+              </a:lnSpc>
+            </a:pPr>
+            <a:r>
+              <a:rPr lang="ko-KR" altLang="en-US" dirty="0" smtClean="0">
+                <a:latin typeface="+mn-ea"/>
+              </a:rPr>
+              <a:t> </a:t>
+            </a:r>
+            <a:r>
+              <a:rPr lang="en-US" altLang="ko-KR" dirty="0" smtClean="0">
+                <a:latin typeface="+mn-ea"/>
+              </a:rPr>
+              <a:t>grade</a:t>
+            </a:r>
+          </a:p>
+          <a:p>
+            <a:pPr algn="ctr"/>
+            <a:endParaRPr lang="en-US" altLang="ko-KR" dirty="0">
+              <a:latin typeface="+mn-ea"/>
+            </a:endParaRPr>
+          </a:p>
+        </p:txBody>
+      </p:sp>
+    </p:spTree>
+    <p:extLst>
+      <p:ext uri="{BB962C8B-B14F-4D97-AF65-F5344CB8AC3E}">
+        <p14:creationId xmlns:p14="http://schemas.microsoft.com/office/powerpoint/2010/main" val="1436347772"/>
+      </p:ext>
+    </p:extLst>
+  </p:cSld>
+  <p:clrMapOvr>
+    <a:masterClrMapping/>
+  </p:clrMapOvr>
+  <p:timing>
+    <p:tnLst>
+      <p:par>
+        <p:cTn id="1" dur="indefinite" restart="never" nodeType="tmRoot"/>
+      </p:par>
+    </p:tnLst>
+  </p:timing>
+</p:sld>
+</file>
+
+<file path=ppt/slides/slide50.xml><?xml version="1.0" encoding="utf-8"?>
+<p:sld xmlns:a="http://schemas.openxmlformats.org/drawingml/2006/main" xmlns:r="http://schemas.openxmlformats.org/officeDocument/2006/relationships" xmlns:p="http://schemas.openxmlformats.org/presentationml/2006/main">
+  <p:cSld>
+    <p:spTree>
+      <p:nvGrpSpPr>
+        <p:cNvPr id="1" name=""/>
+        <p:cNvGrpSpPr/>
+        <p:nvPr/>
+      </p:nvGrpSpPr>
+      <p:grpSpPr>
+        <a:xfrm>
+          <a:off x="0" y="0"/>
+          <a:ext cx="0" cy="0"/>
+          <a:chOff x="0" y="0"/>
+          <a:chExt cx="0" cy="0"/>
+        </a:xfrm>
+      </p:grpSpPr>
+      <p:sp>
+        <p:nvSpPr>
+          <p:cNvPr id="6" name="제목 5"/>
+          <p:cNvSpPr>
+            <a:spLocks noGrp="1"/>
+          </p:cNvSpPr>
+          <p:nvPr>
+            <p:ph type="title"/>
+          </p:nvPr>
+        </p:nvSpPr>
+        <p:spPr/>
+        <p:txBody>
+          <a:bodyPr/>
+          <a:lstStyle/>
+          <a:p>
+            <a:r>
+              <a:rPr lang="en-US" altLang="ko-KR" dirty="0" smtClean="0"/>
+              <a:t> </a:t>
+            </a:r>
+            <a:r>
+              <a:rPr lang="ko-KR" altLang="en-US" dirty="0" smtClean="0"/>
+              <a:t>고객 관리 프로그램</a:t>
+            </a:r>
+            <a:endParaRPr lang="ko-KR" altLang="en-US" dirty="0"/>
+          </a:p>
+        </p:txBody>
+      </p:sp>
+      <p:sp>
+        <p:nvSpPr>
+          <p:cNvPr id="5" name="슬라이드 번호 개체 틀 4"/>
+          <p:cNvSpPr>
+            <a:spLocks noGrp="1"/>
+          </p:cNvSpPr>
+          <p:nvPr>
+            <p:ph type="sldNum" sz="quarter" idx="12"/>
+          </p:nvPr>
+        </p:nvSpPr>
+        <p:spPr/>
+        <p:txBody>
+          <a:bodyPr/>
+          <a:lstStyle/>
+          <a:p>
+            <a:fld id="{1BDE3FE7-3AEA-4B05-AC5A-802D1816ACF0}" type="slidenum">
+              <a:rPr lang="ko-KR" altLang="en-US" smtClean="0"/>
+              <a:t>50</a:t>
             </a:fld>
             <a:endParaRPr lang="ko-KR" altLang="en-US"/>
           </a:p>
@@ -25053,7 +26518,7 @@
 </p:sld>
 </file>
 
-<file path=ppt/slides/slide48.xml><?xml version="1.0" encoding="utf-8"?>
+<file path=ppt/slides/slide51.xml><?xml version="1.0" encoding="utf-8"?>
 <p:sld xmlns:a="http://schemas.openxmlformats.org/drawingml/2006/main" xmlns:r="http://schemas.openxmlformats.org/officeDocument/2006/relationships" xmlns:p="http://schemas.openxmlformats.org/presentationml/2006/main">
   <p:cSld>
     <p:spTree>
@@ -25087,7 +26552,7 @@
           <a:p>
             <a:fld id="{1BDE3FE7-3AEA-4B05-AC5A-802D1816ACF0}" type="slidenum">
               <a:rPr lang="ko-KR" altLang="en-US" smtClean="0"/>
-              <a:t>48</a:t>
+              <a:t>51</a:t>
             </a:fld>
             <a:endParaRPr lang="ko-KR" altLang="en-US"/>
           </a:p>
@@ -25415,7 +26880,7 @@
 </p:sld>
 </file>
 
-<file path=ppt/slides/slide49.xml><?xml version="1.0" encoding="utf-8"?>
+<file path=ppt/slides/slide52.xml><?xml version="1.0" encoding="utf-8"?>
 <p:sld xmlns:a="http://schemas.openxmlformats.org/drawingml/2006/main" xmlns:r="http://schemas.openxmlformats.org/officeDocument/2006/relationships" xmlns:p="http://schemas.openxmlformats.org/presentationml/2006/main">
   <p:cSld>
     <p:spTree>
@@ -25476,7 +26941,7 @@
           <a:p>
             <a:fld id="{1BDE3FE7-3AEA-4B05-AC5A-802D1816ACF0}" type="slidenum">
               <a:rPr lang="ko-KR" altLang="en-US" smtClean="0"/>
-              <a:t>49</a:t>
+              <a:t>52</a:t>
             </a:fld>
             <a:endParaRPr lang="ko-KR" altLang="en-US"/>
           </a:p>
@@ -25490,7 +26955,7 @@
           </p:cNvPicPr>
           <p:nvPr/>
         </p:nvPicPr>
-        <p:blipFill>
+        <p:blipFill rotWithShape="1">
           <a:blip r:embed="rId2">
             <a:extLst>
               <a:ext uri="{28A0092B-C50C-407E-A947-70E740481C1C}">
@@ -25498,14 +26963,13 @@
               </a:ext>
             </a:extLst>
           </a:blip>
-          <a:stretch>
-            <a:fillRect/>
-          </a:stretch>
+          <a:srcRect t="10417"/>
+          <a:stretch/>
         </p:blipFill>
         <p:spPr>
           <a:xfrm>
-            <a:off x="1351248" y="1444471"/>
-            <a:ext cx="6424217" cy="4534293"/>
+            <a:off x="1280592" y="1473071"/>
+            <a:ext cx="6424217" cy="4061932"/>
           </a:xfrm>
           <a:prstGeom prst="rect">
             <a:avLst/>
@@ -25527,7 +26991,7 @@
         </p:nvSpPr>
         <p:spPr>
           <a:xfrm>
-            <a:off x="6465168" y="1268760"/>
+            <a:off x="7043834" y="1772816"/>
             <a:ext cx="2088232" cy="408623"/>
           </a:xfrm>
           <a:prstGeom prst="roundRect">
@@ -25590,7 +27054,7 @@
 </p:sld>
 </file>
 
-<file path=ppt/slides/slide5.xml><?xml version="1.0" encoding="utf-8"?>
+<file path=ppt/slides/slide53.xml><?xml version="1.0" encoding="utf-8"?>
 <p:sld xmlns:a="http://schemas.openxmlformats.org/drawingml/2006/main" xmlns:r="http://schemas.openxmlformats.org/officeDocument/2006/relationships" xmlns:p="http://schemas.openxmlformats.org/presentationml/2006/main">
   <p:cSld>
     <p:spTree>
@@ -25619,24 +27083,18 @@
         </p:nvSpPr>
         <p:spPr/>
         <p:txBody>
-          <a:bodyPr>
-            <a:normAutofit/>
-          </a:bodyPr>
+          <a:bodyPr/>
           <a:lstStyle/>
           <a:p>
             <a:r>
-              <a:rPr lang="en-US" altLang="ko-KR" sz="2800" dirty="0" smtClean="0"/>
+              <a:rPr lang="en-US" altLang="ko-KR" dirty="0" smtClean="0"/>
               <a:t> </a:t>
             </a:r>
             <a:r>
-              <a:rPr lang="ko-KR" altLang="en-US" sz="2800" dirty="0" smtClean="0"/>
-              <a:t>클래스</a:t>
-            </a:r>
-            <a:r>
-              <a:rPr lang="en-US" altLang="ko-KR" sz="2800" dirty="0" smtClean="0"/>
-              <a:t>(class)</a:t>
-            </a:r>
-            <a:endParaRPr lang="ko-KR" altLang="en-US" sz="2800" dirty="0"/>
+              <a:rPr lang="ko-KR" altLang="en-US" dirty="0" smtClean="0"/>
+              <a:t>고객 관리 프로그램</a:t>
+            </a:r>
+            <a:endParaRPr lang="ko-KR" altLang="en-US" dirty="0"/>
           </a:p>
         </p:txBody>
       </p:sp>
@@ -25657,7 +27115,7 @@
           <a:p>
             <a:fld id="{1BDE3FE7-3AEA-4B05-AC5A-802D1816ACF0}" type="slidenum">
               <a:rPr lang="ko-KR" altLang="en-US" smtClean="0"/>
-              <a:t>5</a:t>
+              <a:t>53</a:t>
             </a:fld>
             <a:endParaRPr lang="ko-KR" altLang="en-US"/>
           </a:p>
@@ -25685,585 +27143,7 @@
         </p:blipFill>
         <p:spPr>
           <a:xfrm>
-            <a:off x="4088904" y="2809123"/>
-            <a:ext cx="3240360" cy="3724552"/>
-          </a:xfrm>
-          <a:prstGeom prst="rect">
-            <a:avLst/>
-          </a:prstGeom>
-          <a:ln>
-            <a:solidFill>
-              <a:schemeClr val="bg1">
-                <a:lumMod val="85000"/>
-              </a:schemeClr>
-            </a:solidFill>
-          </a:ln>
-        </p:spPr>
-      </p:pic>
-      <p:sp>
-        <p:nvSpPr>
-          <p:cNvPr id="10" name="내용 개체 틀 2">
-            <a:extLst>
-              <a:ext uri="{FF2B5EF4-FFF2-40B4-BE49-F238E27FC236}">
-                <a16:creationId xmlns:a16="http://schemas.microsoft.com/office/drawing/2014/main" id="{98AF3A4E-7D90-4241-89FE-799D6F9D5A94}"/>
-              </a:ext>
-            </a:extLst>
-          </p:cNvPr>
-          <p:cNvSpPr txBox="1">
-            <a:spLocks/>
-          </p:cNvSpPr>
-          <p:nvPr/>
-        </p:nvSpPr>
-        <p:spPr>
-          <a:xfrm>
-            <a:off x="960914" y="1203593"/>
-            <a:ext cx="7448470" cy="1577335"/>
-          </a:xfrm>
-          <a:prstGeom prst="rect">
-            <a:avLst/>
-          </a:prstGeom>
-        </p:spPr>
-        <p:txBody>
-          <a:bodyPr/>
-          <a:lstStyle>
-            <a:lvl1pPr marL="228600" indent="-228600" algn="l" defTabSz="914400" rtl="0" eaLnBrk="1" latinLnBrk="1" hangingPunct="1">
-              <a:lnSpc>
-                <a:spcPct val="90000"/>
-              </a:lnSpc>
-              <a:spcBef>
-                <a:spcPts val="1000"/>
-              </a:spcBef>
-              <a:buFont typeface="Arial" panose="020B0604020202020204" pitchFamily="34" charset="0"/>
-              <a:buChar char="•"/>
-              <a:defRPr sz="2800" kern="1200">
-                <a:solidFill>
-                  <a:schemeClr val="tx1"/>
-                </a:solidFill>
-                <a:latin typeface="+mn-lt"/>
-                <a:ea typeface="+mn-ea"/>
-                <a:cs typeface="+mn-cs"/>
-              </a:defRPr>
-            </a:lvl1pPr>
-            <a:lvl2pPr marL="685800" indent="-228600" algn="l" defTabSz="914400" rtl="0" eaLnBrk="1" latinLnBrk="1" hangingPunct="1">
-              <a:lnSpc>
-                <a:spcPct val="90000"/>
-              </a:lnSpc>
-              <a:spcBef>
-                <a:spcPts val="500"/>
-              </a:spcBef>
-              <a:buFont typeface="Arial" panose="020B0604020202020204" pitchFamily="34" charset="0"/>
-              <a:buChar char="•"/>
-              <a:defRPr sz="2400" kern="1200">
-                <a:solidFill>
-                  <a:schemeClr val="tx1"/>
-                </a:solidFill>
-                <a:latin typeface="+mn-lt"/>
-                <a:ea typeface="+mn-ea"/>
-                <a:cs typeface="+mn-cs"/>
-              </a:defRPr>
-            </a:lvl2pPr>
-            <a:lvl3pPr marL="1143000" indent="-228600" algn="l" defTabSz="914400" rtl="0" eaLnBrk="1" latinLnBrk="1" hangingPunct="1">
-              <a:lnSpc>
-                <a:spcPct val="90000"/>
-              </a:lnSpc>
-              <a:spcBef>
-                <a:spcPts val="500"/>
-              </a:spcBef>
-              <a:buFont typeface="Arial" panose="020B0604020202020204" pitchFamily="34" charset="0"/>
-              <a:buChar char="•"/>
-              <a:defRPr sz="2000" kern="1200">
-                <a:solidFill>
-                  <a:schemeClr val="tx1"/>
-                </a:solidFill>
-                <a:latin typeface="+mn-lt"/>
-                <a:ea typeface="+mn-ea"/>
-                <a:cs typeface="+mn-cs"/>
-              </a:defRPr>
-            </a:lvl3pPr>
-            <a:lvl4pPr marL="1600200" indent="-228600" algn="l" defTabSz="914400" rtl="0" eaLnBrk="1" latinLnBrk="1" hangingPunct="1">
-              <a:lnSpc>
-                <a:spcPct val="90000"/>
-              </a:lnSpc>
-              <a:spcBef>
-                <a:spcPts val="500"/>
-              </a:spcBef>
-              <a:buFont typeface="Arial" panose="020B0604020202020204" pitchFamily="34" charset="0"/>
-              <a:buChar char="•"/>
-              <a:defRPr sz="1800" kern="1200">
-                <a:solidFill>
-                  <a:schemeClr val="tx1"/>
-                </a:solidFill>
-                <a:latin typeface="+mn-lt"/>
-                <a:ea typeface="+mn-ea"/>
-                <a:cs typeface="+mn-cs"/>
-              </a:defRPr>
-            </a:lvl4pPr>
-            <a:lvl5pPr marL="2057400" indent="-228600" algn="l" defTabSz="914400" rtl="0" eaLnBrk="1" latinLnBrk="1" hangingPunct="1">
-              <a:lnSpc>
-                <a:spcPct val="90000"/>
-              </a:lnSpc>
-              <a:spcBef>
-                <a:spcPts val="500"/>
-              </a:spcBef>
-              <a:buFont typeface="Arial" panose="020B0604020202020204" pitchFamily="34" charset="0"/>
-              <a:buChar char="•"/>
-              <a:defRPr sz="1800" kern="1200">
-                <a:solidFill>
-                  <a:schemeClr val="tx1"/>
-                </a:solidFill>
-                <a:latin typeface="+mn-lt"/>
-                <a:ea typeface="+mn-ea"/>
-                <a:cs typeface="+mn-cs"/>
-              </a:defRPr>
-            </a:lvl5pPr>
-            <a:lvl6pPr marL="2514600" indent="-228600" algn="l" defTabSz="914400" rtl="0" eaLnBrk="1" latinLnBrk="1" hangingPunct="1">
-              <a:lnSpc>
-                <a:spcPct val="90000"/>
-              </a:lnSpc>
-              <a:spcBef>
-                <a:spcPts val="500"/>
-              </a:spcBef>
-              <a:buFont typeface="Arial" panose="020B0604020202020204" pitchFamily="34" charset="0"/>
-              <a:buChar char="•"/>
-              <a:defRPr sz="1800" kern="1200">
-                <a:solidFill>
-                  <a:schemeClr val="tx1"/>
-                </a:solidFill>
-                <a:latin typeface="+mn-lt"/>
-                <a:ea typeface="+mn-ea"/>
-                <a:cs typeface="+mn-cs"/>
-              </a:defRPr>
-            </a:lvl6pPr>
-            <a:lvl7pPr marL="2971800" indent="-228600" algn="l" defTabSz="914400" rtl="0" eaLnBrk="1" latinLnBrk="1" hangingPunct="1">
-              <a:lnSpc>
-                <a:spcPct val="90000"/>
-              </a:lnSpc>
-              <a:spcBef>
-                <a:spcPts val="500"/>
-              </a:spcBef>
-              <a:buFont typeface="Arial" panose="020B0604020202020204" pitchFamily="34" charset="0"/>
-              <a:buChar char="•"/>
-              <a:defRPr sz="1800" kern="1200">
-                <a:solidFill>
-                  <a:schemeClr val="tx1"/>
-                </a:solidFill>
-                <a:latin typeface="+mn-lt"/>
-                <a:ea typeface="+mn-ea"/>
-                <a:cs typeface="+mn-cs"/>
-              </a:defRPr>
-            </a:lvl7pPr>
-            <a:lvl8pPr marL="3429000" indent="-228600" algn="l" defTabSz="914400" rtl="0" eaLnBrk="1" latinLnBrk="1" hangingPunct="1">
-              <a:lnSpc>
-                <a:spcPct val="90000"/>
-              </a:lnSpc>
-              <a:spcBef>
-                <a:spcPts val="500"/>
-              </a:spcBef>
-              <a:buFont typeface="Arial" panose="020B0604020202020204" pitchFamily="34" charset="0"/>
-              <a:buChar char="•"/>
-              <a:defRPr sz="1800" kern="1200">
-                <a:solidFill>
-                  <a:schemeClr val="tx1"/>
-                </a:solidFill>
-                <a:latin typeface="+mn-lt"/>
-                <a:ea typeface="+mn-ea"/>
-                <a:cs typeface="+mn-cs"/>
-              </a:defRPr>
-            </a:lvl8pPr>
-            <a:lvl9pPr marL="3886200" indent="-228600" algn="l" defTabSz="914400" rtl="0" eaLnBrk="1" latinLnBrk="1" hangingPunct="1">
-              <a:lnSpc>
-                <a:spcPct val="90000"/>
-              </a:lnSpc>
-              <a:spcBef>
-                <a:spcPts val="500"/>
-              </a:spcBef>
-              <a:buFont typeface="Arial" panose="020B0604020202020204" pitchFamily="34" charset="0"/>
-              <a:buChar char="•"/>
-              <a:defRPr sz="1800" kern="1200">
-                <a:solidFill>
-                  <a:schemeClr val="tx1"/>
-                </a:solidFill>
-                <a:latin typeface="+mn-lt"/>
-                <a:ea typeface="+mn-ea"/>
-                <a:cs typeface="+mn-cs"/>
-              </a:defRPr>
-            </a:lvl9pPr>
-          </a:lstStyle>
-          <a:p>
-            <a:pPr>
-              <a:lnSpc>
-                <a:spcPct val="150000"/>
-              </a:lnSpc>
-              <a:buFont typeface="Wingdings" panose="05000000000000000000" pitchFamily="2" charset="2"/>
-              <a:buChar char="§"/>
-            </a:pPr>
-            <a:r>
-              <a:rPr lang="ko-KR" altLang="en-US" sz="2000" b="1" dirty="0" smtClean="0">
-                <a:solidFill>
-                  <a:srgbClr val="002060"/>
-                </a:solidFill>
-              </a:rPr>
-              <a:t>학생 클래스 정의 및 사용</a:t>
-            </a:r>
-            <a:endParaRPr lang="en-US" altLang="ko-KR" sz="2000" b="1" dirty="0" smtClean="0">
-              <a:solidFill>
-                <a:srgbClr val="002060"/>
-              </a:solidFill>
-            </a:endParaRPr>
-          </a:p>
-          <a:p>
-            <a:pPr marL="457200" lvl="1" indent="0">
-              <a:lnSpc>
-                <a:spcPct val="150000"/>
-              </a:lnSpc>
-              <a:buNone/>
-            </a:pPr>
-            <a:r>
-              <a:rPr lang="ko-KR" altLang="en-US" sz="1800" b="1" dirty="0" smtClean="0">
-                <a:solidFill>
-                  <a:srgbClr val="C00000"/>
-                </a:solidFill>
-              </a:rPr>
-              <a:t>객체</a:t>
-            </a:r>
-            <a:r>
-              <a:rPr lang="en-US" altLang="ko-KR" sz="1800" b="1" dirty="0">
-                <a:solidFill>
-                  <a:srgbClr val="C00000"/>
-                </a:solidFill>
-              </a:rPr>
-              <a:t>(</a:t>
-            </a:r>
-            <a:r>
-              <a:rPr lang="ko-KR" altLang="en-US" sz="1800" b="1" dirty="0" err="1">
-                <a:solidFill>
-                  <a:srgbClr val="C00000"/>
-                </a:solidFill>
-              </a:rPr>
-              <a:t>인스턴스</a:t>
-            </a:r>
-            <a:r>
-              <a:rPr lang="en-US" altLang="ko-KR" sz="1800" b="1" dirty="0">
-                <a:solidFill>
-                  <a:srgbClr val="C00000"/>
-                </a:solidFill>
-              </a:rPr>
-              <a:t>) = </a:t>
-            </a:r>
-            <a:r>
-              <a:rPr lang="ko-KR" altLang="en-US" sz="1800" b="1" dirty="0"/>
-              <a:t>클래스 이름</a:t>
-            </a:r>
-            <a:r>
-              <a:rPr lang="en-US" altLang="ko-KR" sz="1800" b="1" dirty="0" smtClean="0"/>
-              <a:t>() </a:t>
-            </a:r>
-          </a:p>
-          <a:p>
-            <a:pPr marL="457200" lvl="1" indent="0">
-              <a:lnSpc>
-                <a:spcPct val="150000"/>
-              </a:lnSpc>
-              <a:buNone/>
-            </a:pPr>
-            <a:r>
-              <a:rPr lang="ko-KR" altLang="en-US" sz="1800" b="1" dirty="0" err="1" smtClean="0"/>
-              <a:t>객체이름</a:t>
-            </a:r>
-            <a:r>
-              <a:rPr lang="en-US" altLang="ko-KR" sz="1800" b="1" dirty="0" smtClean="0"/>
-              <a:t>.</a:t>
-            </a:r>
-            <a:r>
-              <a:rPr lang="ko-KR" altLang="en-US" sz="1800" b="1" dirty="0" smtClean="0"/>
-              <a:t>속성 </a:t>
-            </a:r>
-            <a:r>
-              <a:rPr lang="en-US" altLang="ko-KR" sz="1800" b="1" dirty="0" smtClean="0"/>
-              <a:t>-&gt; </a:t>
-            </a:r>
-            <a:r>
-              <a:rPr lang="ko-KR" altLang="en-US" sz="1800" b="1" dirty="0" err="1" smtClean="0"/>
-              <a:t>점연산자로</a:t>
-            </a:r>
-            <a:r>
-              <a:rPr lang="ko-KR" altLang="en-US" sz="1800" b="1" dirty="0" smtClean="0"/>
-              <a:t> 접근</a:t>
-            </a:r>
-            <a:endParaRPr lang="ko-KR" altLang="en-US" sz="1800" b="1" dirty="0"/>
-          </a:p>
-          <a:p>
-            <a:pPr marL="457200" lvl="1" indent="0">
-              <a:lnSpc>
-                <a:spcPct val="150000"/>
-              </a:lnSpc>
-              <a:buNone/>
-            </a:pPr>
-            <a:endParaRPr lang="en-US" altLang="ko-KR" sz="1800" b="1" dirty="0" smtClean="0">
-              <a:solidFill>
-                <a:srgbClr val="002060"/>
-              </a:solidFill>
-            </a:endParaRPr>
-          </a:p>
-        </p:txBody>
-      </p:sp>
-      <p:sp>
-        <p:nvSpPr>
-          <p:cNvPr id="12" name="직사각형 11"/>
-          <p:cNvSpPr/>
-          <p:nvPr/>
-        </p:nvSpPr>
-        <p:spPr>
-          <a:xfrm>
-            <a:off x="1640632" y="2906226"/>
-            <a:ext cx="1888558" cy="485339"/>
-          </a:xfrm>
-          <a:prstGeom prst="rect">
-            <a:avLst/>
-          </a:prstGeom>
-          <a:ln w="12700"/>
-        </p:spPr>
-        <p:style>
-          <a:lnRef idx="2">
-            <a:schemeClr val="accent5"/>
-          </a:lnRef>
-          <a:fillRef idx="1">
-            <a:schemeClr val="lt1"/>
-          </a:fillRef>
-          <a:effectRef idx="0">
-            <a:schemeClr val="accent5"/>
-          </a:effectRef>
-          <a:fontRef idx="minor">
-            <a:schemeClr val="dk1"/>
-          </a:fontRef>
-        </p:style>
-        <p:txBody>
-          <a:bodyPr rtlCol="0" anchor="ctr"/>
-          <a:lstStyle/>
-          <a:p>
-            <a:pPr algn="ctr"/>
-            <a:r>
-              <a:rPr lang="en-US" altLang="ko-KR" dirty="0" smtClean="0">
-                <a:latin typeface="+mn-ea"/>
-              </a:rPr>
-              <a:t>  </a:t>
-            </a:r>
-          </a:p>
-          <a:p>
-            <a:pPr algn="ctr"/>
-            <a:r>
-              <a:rPr lang="en-US" altLang="ko-KR" b="1" dirty="0" smtClean="0">
-                <a:latin typeface="+mn-ea"/>
-              </a:rPr>
-              <a:t>Student</a:t>
-            </a:r>
-          </a:p>
-          <a:p>
-            <a:pPr algn="ctr"/>
-            <a:endParaRPr lang="en-US" altLang="ko-KR" dirty="0">
-              <a:latin typeface="+mn-ea"/>
-            </a:endParaRPr>
-          </a:p>
-        </p:txBody>
-      </p:sp>
-      <p:sp>
-        <p:nvSpPr>
-          <p:cNvPr id="13" name="직사각형 12"/>
-          <p:cNvSpPr/>
-          <p:nvPr/>
-        </p:nvSpPr>
-        <p:spPr>
-          <a:xfrm>
-            <a:off x="1640632" y="3391566"/>
-            <a:ext cx="1888558" cy="1117554"/>
-          </a:xfrm>
-          <a:prstGeom prst="rect">
-            <a:avLst/>
-          </a:prstGeom>
-          <a:ln w="12700"/>
-        </p:spPr>
-        <p:style>
-          <a:lnRef idx="2">
-            <a:schemeClr val="accent5"/>
-          </a:lnRef>
-          <a:fillRef idx="1">
-            <a:schemeClr val="lt1"/>
-          </a:fillRef>
-          <a:effectRef idx="0">
-            <a:schemeClr val="accent5"/>
-          </a:effectRef>
-          <a:fontRef idx="minor">
-            <a:schemeClr val="dk1"/>
-          </a:fontRef>
-        </p:style>
-        <p:txBody>
-          <a:bodyPr rtlCol="0" anchor="ctr"/>
-          <a:lstStyle/>
-          <a:p>
-            <a:pPr algn="ctr"/>
-            <a:r>
-              <a:rPr lang="en-US" altLang="ko-KR" dirty="0" smtClean="0">
-                <a:latin typeface="+mn-ea"/>
-              </a:rPr>
-              <a:t> </a:t>
-            </a:r>
-          </a:p>
-          <a:p>
-            <a:pPr algn="ctr">
-              <a:lnSpc>
-                <a:spcPct val="150000"/>
-              </a:lnSpc>
-            </a:pPr>
-            <a:r>
-              <a:rPr lang="ko-KR" altLang="en-US" dirty="0" smtClean="0">
-                <a:latin typeface="+mn-ea"/>
-              </a:rPr>
-              <a:t> </a:t>
-            </a:r>
-            <a:r>
-              <a:rPr lang="en-US" altLang="ko-KR" dirty="0" smtClean="0">
-                <a:latin typeface="+mn-ea"/>
-              </a:rPr>
-              <a:t>name</a:t>
-            </a:r>
-          </a:p>
-          <a:p>
-            <a:pPr algn="ctr">
-              <a:lnSpc>
-                <a:spcPct val="150000"/>
-              </a:lnSpc>
-            </a:pPr>
-            <a:r>
-              <a:rPr lang="ko-KR" altLang="en-US" dirty="0" smtClean="0">
-                <a:latin typeface="+mn-ea"/>
-              </a:rPr>
-              <a:t> </a:t>
-            </a:r>
-            <a:r>
-              <a:rPr lang="en-US" altLang="ko-KR" dirty="0" smtClean="0">
-                <a:latin typeface="+mn-ea"/>
-              </a:rPr>
-              <a:t>grade</a:t>
-            </a:r>
-          </a:p>
-          <a:p>
-            <a:pPr algn="ctr"/>
-            <a:endParaRPr lang="en-US" altLang="ko-KR" dirty="0">
-              <a:latin typeface="+mn-ea"/>
-            </a:endParaRPr>
-          </a:p>
-        </p:txBody>
-      </p:sp>
-    </p:spTree>
-    <p:extLst>
-      <p:ext uri="{BB962C8B-B14F-4D97-AF65-F5344CB8AC3E}">
-        <p14:creationId xmlns:p14="http://schemas.microsoft.com/office/powerpoint/2010/main" val="1436347772"/>
-      </p:ext>
-    </p:extLst>
-  </p:cSld>
-  <p:clrMapOvr>
-    <a:masterClrMapping/>
-  </p:clrMapOvr>
-  <p:timing>
-    <p:tnLst>
-      <p:par>
-        <p:cTn id="1" dur="indefinite" restart="never" nodeType="tmRoot"/>
-      </p:par>
-    </p:tnLst>
-  </p:timing>
-</p:sld>
-</file>
-
-<file path=ppt/slides/slide50.xml><?xml version="1.0" encoding="utf-8"?>
-<p:sld xmlns:a="http://schemas.openxmlformats.org/drawingml/2006/main" xmlns:r="http://schemas.openxmlformats.org/officeDocument/2006/relationships" xmlns:p="http://schemas.openxmlformats.org/presentationml/2006/main">
-  <p:cSld>
-    <p:spTree>
-      <p:nvGrpSpPr>
-        <p:cNvPr id="1" name=""/>
-        <p:cNvGrpSpPr/>
-        <p:nvPr/>
-      </p:nvGrpSpPr>
-      <p:grpSpPr>
-        <a:xfrm>
-          <a:off x="0" y="0"/>
-          <a:ext cx="0" cy="0"/>
-          <a:chOff x="0" y="0"/>
-          <a:chExt cx="0" cy="0"/>
-        </a:xfrm>
-      </p:grpSpPr>
-      <p:sp>
-        <p:nvSpPr>
-          <p:cNvPr id="6" name="제목 5"/>
-          <p:cNvSpPr>
-            <a:spLocks noGrp="1"/>
-          </p:cNvSpPr>
-          <p:nvPr>
-            <p:ph type="title"/>
-          </p:nvPr>
-        </p:nvSpPr>
-        <p:spPr/>
-        <p:txBody>
-          <a:bodyPr/>
-          <a:lstStyle/>
-          <a:p>
-            <a:r>
-              <a:rPr lang="en-US" altLang="ko-KR" dirty="0" smtClean="0"/>
-              <a:t> </a:t>
-            </a:r>
-            <a:r>
-              <a:rPr lang="ko-KR" altLang="en-US" dirty="0" smtClean="0"/>
-              <a:t>고객 관리 프로그램</a:t>
-            </a:r>
-            <a:endParaRPr lang="ko-KR" altLang="en-US" dirty="0"/>
-          </a:p>
-        </p:txBody>
-      </p:sp>
-      <p:sp>
-        <p:nvSpPr>
-          <p:cNvPr id="5" name="슬라이드 번호 개체 틀 4"/>
-          <p:cNvSpPr>
-            <a:spLocks noGrp="1"/>
-          </p:cNvSpPr>
-          <p:nvPr>
-            <p:ph type="sldNum" sz="quarter" idx="12"/>
-          </p:nvPr>
-        </p:nvSpPr>
-        <p:spPr/>
-        <p:txBody>
-          <a:bodyPr/>
-          <a:lstStyle/>
-          <a:p>
-            <a:fld id="{1BDE3FE7-3AEA-4B05-AC5A-802D1816ACF0}" type="slidenum">
-              <a:rPr lang="ko-KR" altLang="en-US" smtClean="0"/>
-              <a:t>50</a:t>
-            </a:fld>
-            <a:endParaRPr lang="ko-KR" altLang="en-US"/>
-          </a:p>
-        </p:txBody>
-      </p:sp>
-      <p:pic>
-        <p:nvPicPr>
-          <p:cNvPr id="2" name="그림 1"/>
-          <p:cNvPicPr>
-            <a:picLocks noChangeAspect="1"/>
-          </p:cNvPicPr>
-          <p:nvPr/>
-        </p:nvPicPr>
-        <p:blipFill>
-          <a:blip r:embed="rId2">
-            <a:extLst>
-              <a:ext uri="{28A0092B-C50C-407E-A947-70E740481C1C}">
-                <a14:useLocalDpi xmlns:a14="http://schemas.microsoft.com/office/drawing/2010/main" val="0"/>
-              </a:ext>
-            </a:extLst>
-          </a:blip>
-          <a:stretch>
-            <a:fillRect/>
-          </a:stretch>
-        </p:blipFill>
-        <p:spPr>
-          <a:xfrm>
-            <a:off x="1129490" y="1684986"/>
+            <a:off x="1064568" y="4249458"/>
             <a:ext cx="5151567" cy="662997"/>
           </a:xfrm>
           <a:prstGeom prst="rect">
@@ -26300,7 +27180,7 @@
         </p:blipFill>
         <p:spPr>
           <a:xfrm>
-            <a:off x="1129490" y="2636912"/>
+            <a:off x="1064568" y="1772816"/>
             <a:ext cx="7315834" cy="2088061"/>
           </a:xfrm>
           <a:prstGeom prst="rect">
@@ -26315,61 +27195,6 @@
           </a:ln>
         </p:spPr>
       </p:pic>
-      <p:sp>
-        <p:nvSpPr>
-          <p:cNvPr id="8" name="TextBox 7"/>
-          <p:cNvSpPr txBox="1"/>
-          <p:nvPr/>
-        </p:nvSpPr>
-        <p:spPr>
-          <a:xfrm>
-            <a:off x="6249144" y="2852936"/>
-            <a:ext cx="2592288" cy="408623"/>
-          </a:xfrm>
-          <a:prstGeom prst="roundRect">
-            <a:avLst/>
-          </a:prstGeom>
-          <a:ln w="19050">
-            <a:solidFill>
-              <a:schemeClr val="tx1">
-                <a:lumMod val="50000"/>
-                <a:lumOff val="50000"/>
-              </a:schemeClr>
-            </a:solidFill>
-          </a:ln>
-        </p:spPr>
-        <p:style>
-          <a:lnRef idx="2">
-            <a:schemeClr val="dk1"/>
-          </a:lnRef>
-          <a:fillRef idx="1">
-            <a:schemeClr val="lt1"/>
-          </a:fillRef>
-          <a:effectRef idx="0">
-            <a:schemeClr val="dk1"/>
-          </a:effectRef>
-          <a:fontRef idx="minor">
-            <a:schemeClr val="dk1"/>
-          </a:fontRef>
-        </p:style>
-        <p:txBody>
-          <a:bodyPr wrap="square" rtlCol="0">
-            <a:spAutoFit/>
-          </a:bodyPr>
-          <a:lstStyle/>
-          <a:p>
-            <a:r>
-              <a:rPr lang="en-US" altLang="ko-KR" dirty="0"/>
-              <a:t>g</a:t>
-            </a:r>
-            <a:r>
-              <a:rPr lang="en-US" altLang="ko-KR" dirty="0" smtClean="0"/>
-              <a:t>oldcustomer_test.py</a:t>
-            </a:r>
-            <a:endParaRPr lang="ko-KR" altLang="en-US" dirty="0"/>
-          </a:p>
-        </p:txBody>
-      </p:sp>
     </p:spTree>
     <p:extLst>
       <p:ext uri="{BB962C8B-B14F-4D97-AF65-F5344CB8AC3E}">
@@ -26390,7 +27215,7 @@
 </p:sld>
 </file>
 
-<file path=ppt/slides/slide51.xml><?xml version="1.0" encoding="utf-8"?>
+<file path=ppt/slides/slide54.xml><?xml version="1.0" encoding="utf-8"?>
 <p:sld xmlns:a="http://schemas.openxmlformats.org/drawingml/2006/main" xmlns:r="http://schemas.openxmlformats.org/officeDocument/2006/relationships" xmlns:p="http://schemas.openxmlformats.org/presentationml/2006/main">
   <p:cSld>
     <p:spTree>
@@ -26451,7 +27276,7 @@
           <a:p>
             <a:fld id="{1BDE3FE7-3AEA-4B05-AC5A-802D1816ACF0}" type="slidenum">
               <a:rPr lang="ko-KR" altLang="en-US" smtClean="0"/>
-              <a:t>51</a:t>
+              <a:t>54</a:t>
             </a:fld>
             <a:endParaRPr lang="ko-KR" altLang="en-US"/>
           </a:p>
@@ -26962,7 +27787,7 @@
 </p:sld>
 </file>
 
-<file path=ppt/slides/slide52.xml><?xml version="1.0" encoding="utf-8"?>
+<file path=ppt/slides/slide55.xml><?xml version="1.0" encoding="utf-8"?>
 <p:sld xmlns:a="http://schemas.openxmlformats.org/drawingml/2006/main" xmlns:r="http://schemas.openxmlformats.org/officeDocument/2006/relationships" xmlns:p="http://schemas.openxmlformats.org/presentationml/2006/main">
   <p:cSld>
     <p:spTree>
@@ -27023,7 +27848,7 @@
           <a:p>
             <a:fld id="{1BDE3FE7-3AEA-4B05-AC5A-802D1816ACF0}" type="slidenum">
               <a:rPr lang="ko-KR" altLang="en-US" smtClean="0"/>
-              <a:t>52</a:t>
+              <a:t>55</a:t>
             </a:fld>
             <a:endParaRPr lang="ko-KR" altLang="en-US"/>
           </a:p>
@@ -27037,7 +27862,7 @@
           </p:cNvPicPr>
           <p:nvPr/>
         </p:nvPicPr>
-        <p:blipFill>
+        <p:blipFill rotWithShape="1">
           <a:blip r:embed="rId2">
             <a:extLst>
               <a:ext uri="{28A0092B-C50C-407E-A947-70E740481C1C}">
@@ -27045,14 +27870,13 @@
               </a:ext>
             </a:extLst>
           </a:blip>
-          <a:stretch>
-            <a:fillRect/>
-          </a:stretch>
+          <a:srcRect t="8559"/>
+          <a:stretch/>
         </p:blipFill>
         <p:spPr>
           <a:xfrm>
-            <a:off x="1424608" y="1244825"/>
-            <a:ext cx="6551926" cy="5327129"/>
+            <a:off x="1424608" y="1437777"/>
+            <a:ext cx="6551926" cy="4871146"/>
           </a:xfrm>
           <a:prstGeom prst="rect">
             <a:avLst/>
@@ -27074,7 +27898,7 @@
         </p:nvSpPr>
         <p:spPr>
           <a:xfrm>
-            <a:off x="6609184" y="1454207"/>
+            <a:off x="6829276" y="1700808"/>
             <a:ext cx="2016224" cy="408623"/>
           </a:xfrm>
           <a:prstGeom prst="roundRect">
@@ -27137,7 +27961,7 @@
 </p:sld>
 </file>
 
-<file path=ppt/slides/slide53.xml><?xml version="1.0" encoding="utf-8"?>
+<file path=ppt/slides/slide56.xml><?xml version="1.0" encoding="utf-8"?>
 <p:sld xmlns:a="http://schemas.openxmlformats.org/drawingml/2006/main" xmlns:r="http://schemas.openxmlformats.org/officeDocument/2006/relationships" xmlns:p="http://schemas.openxmlformats.org/presentationml/2006/main">
   <p:cSld>
     <p:spTree>
@@ -27198,7 +28022,7 @@
           <a:p>
             <a:fld id="{1BDE3FE7-3AEA-4B05-AC5A-802D1816ACF0}" type="slidenum">
               <a:rPr lang="ko-KR" altLang="en-US" smtClean="0"/>
-              <a:t>53</a:t>
+              <a:t>56</a:t>
             </a:fld>
             <a:endParaRPr lang="ko-KR" altLang="en-US"/>
           </a:p>
@@ -27226,7 +28050,7 @@
         </p:blipFill>
         <p:spPr>
           <a:xfrm>
-            <a:off x="1280592" y="2708920"/>
+            <a:off x="1136576" y="1556792"/>
             <a:ext cx="7270110" cy="2095682"/>
           </a:xfrm>
           <a:prstGeom prst="rect">
@@ -27241,61 +28065,6 @@
           </a:ln>
         </p:spPr>
       </p:pic>
-      <p:sp>
-        <p:nvSpPr>
-          <p:cNvPr id="8" name="TextBox 7"/>
-          <p:cNvSpPr txBox="1"/>
-          <p:nvPr/>
-        </p:nvSpPr>
-        <p:spPr>
-          <a:xfrm>
-            <a:off x="6609184" y="3068960"/>
-            <a:ext cx="2376264" cy="408623"/>
-          </a:xfrm>
-          <a:prstGeom prst="roundRect">
-            <a:avLst/>
-          </a:prstGeom>
-          <a:ln w="19050">
-            <a:solidFill>
-              <a:schemeClr val="tx1">
-                <a:lumMod val="50000"/>
-                <a:lumOff val="50000"/>
-              </a:schemeClr>
-            </a:solidFill>
-          </a:ln>
-        </p:spPr>
-        <p:style>
-          <a:lnRef idx="2">
-            <a:schemeClr val="dk1"/>
-          </a:lnRef>
-          <a:fillRef idx="1">
-            <a:schemeClr val="lt1"/>
-          </a:fillRef>
-          <a:effectRef idx="0">
-            <a:schemeClr val="dk1"/>
-          </a:effectRef>
-          <a:fontRef idx="minor">
-            <a:schemeClr val="dk1"/>
-          </a:fontRef>
-        </p:style>
-        <p:txBody>
-          <a:bodyPr wrap="square" rtlCol="0">
-            <a:spAutoFit/>
-          </a:bodyPr>
-          <a:lstStyle/>
-          <a:p>
-            <a:r>
-              <a:rPr lang="en-US" altLang="ko-KR" dirty="0"/>
-              <a:t>v</a:t>
-            </a:r>
-            <a:r>
-              <a:rPr lang="en-US" altLang="ko-KR" dirty="0" smtClean="0"/>
-              <a:t>ipcustomer_test.py</a:t>
-            </a:r>
-            <a:endParaRPr lang="ko-KR" altLang="en-US" dirty="0"/>
-          </a:p>
-        </p:txBody>
-      </p:sp>
       <p:pic>
         <p:nvPicPr>
           <p:cNvPr id="4" name="그림 3"/>
@@ -27318,7 +28087,7 @@
         </p:blipFill>
         <p:spPr>
           <a:xfrm>
-            <a:off x="1275183" y="1700808"/>
+            <a:off x="1136576" y="4081879"/>
             <a:ext cx="6342113" cy="705648"/>
           </a:xfrm>
           <a:prstGeom prst="rect">
@@ -27353,7 +28122,7 @@
 </p:sld>
 </file>
 
-<file path=ppt/slides/slide54.xml><?xml version="1.0" encoding="utf-8"?>
+<file path=ppt/slides/slide57.xml><?xml version="1.0" encoding="utf-8"?>
 <p:sld xmlns:a="http://schemas.openxmlformats.org/drawingml/2006/main" xmlns:r="http://schemas.openxmlformats.org/officeDocument/2006/relationships" xmlns:p="http://schemas.openxmlformats.org/presentationml/2006/main">
   <p:cSld>
     <p:spTree>
@@ -27414,7 +28183,7 @@
           <a:p>
             <a:fld id="{1BDE3FE7-3AEA-4B05-AC5A-802D1816ACF0}" type="slidenum">
               <a:rPr lang="ko-KR" altLang="en-US" smtClean="0"/>
-              <a:t>54</a:t>
+              <a:t>57</a:t>
             </a:fld>
             <a:endParaRPr lang="ko-KR" altLang="en-US"/>
           </a:p>
@@ -27428,7 +28197,7 @@
           </p:cNvPicPr>
           <p:nvPr/>
         </p:nvPicPr>
-        <p:blipFill>
+        <p:blipFill rotWithShape="1">
           <a:blip r:embed="rId2">
             <a:extLst>
               <a:ext uri="{28A0092B-C50C-407E-A947-70E740481C1C}">
@@ -27436,14 +28205,13 @@
               </a:ext>
             </a:extLst>
           </a:blip>
-          <a:stretch>
-            <a:fillRect/>
-          </a:stretch>
+          <a:srcRect t="31043"/>
+          <a:stretch/>
         </p:blipFill>
         <p:spPr>
           <a:xfrm>
-            <a:off x="1315279" y="1640668"/>
-            <a:ext cx="6660458" cy="3673159"/>
+            <a:off x="1208584" y="1772816"/>
+            <a:ext cx="6840760" cy="2601466"/>
           </a:xfrm>
           <a:prstGeom prst="rect">
             <a:avLst/>
@@ -27457,61 +28225,6 @@
           </a:ln>
         </p:spPr>
       </p:pic>
-      <p:sp>
-        <p:nvSpPr>
-          <p:cNvPr id="8" name="TextBox 7"/>
-          <p:cNvSpPr txBox="1"/>
-          <p:nvPr/>
-        </p:nvSpPr>
-        <p:spPr>
-          <a:xfrm>
-            <a:off x="7097284" y="1862829"/>
-            <a:ext cx="2304256" cy="408623"/>
-          </a:xfrm>
-          <a:prstGeom prst="roundRect">
-            <a:avLst/>
-          </a:prstGeom>
-          <a:ln w="19050">
-            <a:solidFill>
-              <a:schemeClr val="tx1">
-                <a:lumMod val="50000"/>
-                <a:lumOff val="50000"/>
-              </a:schemeClr>
-            </a:solidFill>
-          </a:ln>
-        </p:spPr>
-        <p:style>
-          <a:lnRef idx="2">
-            <a:schemeClr val="dk1"/>
-          </a:lnRef>
-          <a:fillRef idx="1">
-            <a:schemeClr val="lt1"/>
-          </a:fillRef>
-          <a:effectRef idx="0">
-            <a:schemeClr val="dk1"/>
-          </a:effectRef>
-          <a:fontRef idx="minor">
-            <a:schemeClr val="dk1"/>
-          </a:fontRef>
-        </p:style>
-        <p:txBody>
-          <a:bodyPr wrap="square" rtlCol="0">
-            <a:spAutoFit/>
-          </a:bodyPr>
-          <a:lstStyle/>
-          <a:p>
-            <a:r>
-              <a:rPr lang="en-US" altLang="ko-KR" dirty="0"/>
-              <a:t>c</a:t>
-            </a:r>
-            <a:r>
-              <a:rPr lang="en-US" altLang="ko-KR" dirty="0" smtClean="0"/>
-              <a:t>ustomer_main.py</a:t>
-            </a:r>
-            <a:endParaRPr lang="ko-KR" altLang="en-US" dirty="0"/>
-          </a:p>
-        </p:txBody>
-      </p:sp>
     </p:spTree>
     <p:extLst>
       <p:ext uri="{BB962C8B-B14F-4D97-AF65-F5344CB8AC3E}">
@@ -27532,7 +28245,7 @@
 </p:sld>
 </file>
 
-<file path=ppt/slides/slide55.xml><?xml version="1.0" encoding="utf-8"?>
+<file path=ppt/slides/slide58.xml><?xml version="1.0" encoding="utf-8"?>
 <p:sld xmlns:a="http://schemas.openxmlformats.org/drawingml/2006/main" xmlns:r="http://schemas.openxmlformats.org/officeDocument/2006/relationships" xmlns:p="http://schemas.openxmlformats.org/presentationml/2006/main">
   <p:cSld>
     <p:spTree>
@@ -27593,7 +28306,7 @@
           <a:p>
             <a:fld id="{1BDE3FE7-3AEA-4B05-AC5A-802D1816ACF0}" type="slidenum">
               <a:rPr lang="ko-KR" altLang="en-US" smtClean="0"/>
-              <a:t>55</a:t>
+              <a:t>58</a:t>
             </a:fld>
             <a:endParaRPr lang="ko-KR" altLang="en-US"/>
           </a:p>
@@ -27636,61 +28349,6 @@
           </a:ln>
         </p:spPr>
       </p:pic>
-      <p:sp>
-        <p:nvSpPr>
-          <p:cNvPr id="8" name="TextBox 7"/>
-          <p:cNvSpPr txBox="1"/>
-          <p:nvPr/>
-        </p:nvSpPr>
-        <p:spPr>
-          <a:xfrm>
-            <a:off x="6321152" y="1658518"/>
-            <a:ext cx="2304256" cy="408623"/>
-          </a:xfrm>
-          <a:prstGeom prst="roundRect">
-            <a:avLst/>
-          </a:prstGeom>
-          <a:ln w="19050">
-            <a:solidFill>
-              <a:schemeClr val="tx1">
-                <a:lumMod val="50000"/>
-                <a:lumOff val="50000"/>
-              </a:schemeClr>
-            </a:solidFill>
-          </a:ln>
-        </p:spPr>
-        <p:style>
-          <a:lnRef idx="2">
-            <a:schemeClr val="dk1"/>
-          </a:lnRef>
-          <a:fillRef idx="1">
-            <a:schemeClr val="lt1"/>
-          </a:fillRef>
-          <a:effectRef idx="0">
-            <a:schemeClr val="dk1"/>
-          </a:effectRef>
-          <a:fontRef idx="minor">
-            <a:schemeClr val="dk1"/>
-          </a:fontRef>
-        </p:style>
-        <p:txBody>
-          <a:bodyPr wrap="square" rtlCol="0">
-            <a:spAutoFit/>
-          </a:bodyPr>
-          <a:lstStyle/>
-          <a:p>
-            <a:r>
-              <a:rPr lang="en-US" altLang="ko-KR" dirty="0"/>
-              <a:t>c</a:t>
-            </a:r>
-            <a:r>
-              <a:rPr lang="en-US" altLang="ko-KR" dirty="0" smtClean="0"/>
-              <a:t>ustomer_main.py</a:t>
-            </a:r>
-            <a:endParaRPr lang="ko-KR" altLang="en-US" dirty="0"/>
-          </a:p>
-        </p:txBody>
-      </p:sp>
       <p:pic>
         <p:nvPicPr>
           <p:cNvPr id="4" name="그림 3"/>
@@ -27748,7 +28406,7 @@
 </p:sld>
 </file>
 
-<file path=ppt/slides/slide56.xml><?xml version="1.0" encoding="utf-8"?>
+<file path=ppt/slides/slide59.xml><?xml version="1.0" encoding="utf-8"?>
 <p:sld xmlns:a="http://schemas.openxmlformats.org/drawingml/2006/main" xmlns:r="http://schemas.openxmlformats.org/officeDocument/2006/relationships" xmlns:p="http://schemas.openxmlformats.org/presentationml/2006/main">
   <p:cSld>
     <p:spTree>
@@ -27809,7 +28467,7 @@
           <a:p>
             <a:fld id="{1BDE3FE7-3AEA-4B05-AC5A-802D1816ACF0}" type="slidenum">
               <a:rPr lang="ko-KR" altLang="en-US" smtClean="0"/>
-              <a:t>56</a:t>
+              <a:t>59</a:t>
             </a:fld>
             <a:endParaRPr lang="ko-KR" altLang="en-US"/>
           </a:p>
@@ -28101,7 +28759,7 @@
 </p:sld>
 </file>
 
-<file path=ppt/slides/slide57.xml><?xml version="1.0" encoding="utf-8"?>
+<file path=ppt/slides/slide6.xml><?xml version="1.0" encoding="utf-8"?>
 <p:sld xmlns:a="http://schemas.openxmlformats.org/drawingml/2006/main" xmlns:r="http://schemas.openxmlformats.org/officeDocument/2006/relationships" xmlns:p="http://schemas.openxmlformats.org/presentationml/2006/main">
   <p:cSld>
     <p:spTree>
@@ -28130,18 +28788,24 @@
         </p:nvSpPr>
         <p:spPr/>
         <p:txBody>
-          <a:bodyPr/>
+          <a:bodyPr>
+            <a:normAutofit/>
+          </a:bodyPr>
           <a:lstStyle/>
           <a:p>
             <a:r>
-              <a:rPr lang="en-US" altLang="ko-KR" dirty="0" smtClean="0"/>
+              <a:rPr lang="en-US" altLang="ko-KR" sz="2800" dirty="0" smtClean="0"/>
               <a:t> </a:t>
             </a:r>
             <a:r>
-              <a:rPr lang="ko-KR" altLang="en-US" dirty="0" smtClean="0"/>
-              <a:t>고객 관리 프로그램</a:t>
-            </a:r>
-            <a:endParaRPr lang="ko-KR" altLang="en-US" dirty="0"/>
+              <a:rPr lang="ko-KR" altLang="en-US" sz="2800" dirty="0" smtClean="0"/>
+              <a:t>클래스</a:t>
+            </a:r>
+            <a:r>
+              <a:rPr lang="en-US" altLang="ko-KR" sz="2800" dirty="0" smtClean="0"/>
+              <a:t>(class)</a:t>
+            </a:r>
+            <a:endParaRPr lang="ko-KR" altLang="en-US" sz="2800" dirty="0"/>
           </a:p>
         </p:txBody>
       </p:sp>
@@ -28162,7 +28826,600 @@
           <a:p>
             <a:fld id="{1BDE3FE7-3AEA-4B05-AC5A-802D1816ACF0}" type="slidenum">
               <a:rPr lang="ko-KR" altLang="en-US" smtClean="0"/>
-              <a:t>57</a:t>
+              <a:t>6</a:t>
+            </a:fld>
+            <a:endParaRPr lang="ko-KR" altLang="en-US"/>
+          </a:p>
+        </p:txBody>
+      </p:sp>
+      <p:sp>
+        <p:nvSpPr>
+          <p:cNvPr id="10" name="내용 개체 틀 2">
+            <a:extLst>
+              <a:ext uri="{FF2B5EF4-FFF2-40B4-BE49-F238E27FC236}">
+                <a16:creationId xmlns:a16="http://schemas.microsoft.com/office/drawing/2014/main" id="{98AF3A4E-7D90-4241-89FE-799D6F9D5A94}"/>
+              </a:ext>
+            </a:extLst>
+          </p:cNvPr>
+          <p:cNvSpPr txBox="1">
+            <a:spLocks/>
+          </p:cNvSpPr>
+          <p:nvPr/>
+        </p:nvSpPr>
+        <p:spPr>
+          <a:xfrm>
+            <a:off x="960914" y="1203593"/>
+            <a:ext cx="7448470" cy="1577335"/>
+          </a:xfrm>
+          <a:prstGeom prst="rect">
+            <a:avLst/>
+          </a:prstGeom>
+        </p:spPr>
+        <p:txBody>
+          <a:bodyPr/>
+          <a:lstStyle>
+            <a:lvl1pPr marL="228600" indent="-228600" algn="l" defTabSz="914400" rtl="0" eaLnBrk="1" latinLnBrk="1" hangingPunct="1">
+              <a:lnSpc>
+                <a:spcPct val="90000"/>
+              </a:lnSpc>
+              <a:spcBef>
+                <a:spcPts val="1000"/>
+              </a:spcBef>
+              <a:buFont typeface="Arial" panose="020B0604020202020204" pitchFamily="34" charset="0"/>
+              <a:buChar char="•"/>
+              <a:defRPr sz="2800" kern="1200">
+                <a:solidFill>
+                  <a:schemeClr val="tx1"/>
+                </a:solidFill>
+                <a:latin typeface="+mn-lt"/>
+                <a:ea typeface="+mn-ea"/>
+                <a:cs typeface="+mn-cs"/>
+              </a:defRPr>
+            </a:lvl1pPr>
+            <a:lvl2pPr marL="685800" indent="-228600" algn="l" defTabSz="914400" rtl="0" eaLnBrk="1" latinLnBrk="1" hangingPunct="1">
+              <a:lnSpc>
+                <a:spcPct val="90000"/>
+              </a:lnSpc>
+              <a:spcBef>
+                <a:spcPts val="500"/>
+              </a:spcBef>
+              <a:buFont typeface="Arial" panose="020B0604020202020204" pitchFamily="34" charset="0"/>
+              <a:buChar char="•"/>
+              <a:defRPr sz="2400" kern="1200">
+                <a:solidFill>
+                  <a:schemeClr val="tx1"/>
+                </a:solidFill>
+                <a:latin typeface="+mn-lt"/>
+                <a:ea typeface="+mn-ea"/>
+                <a:cs typeface="+mn-cs"/>
+              </a:defRPr>
+            </a:lvl2pPr>
+            <a:lvl3pPr marL="1143000" indent="-228600" algn="l" defTabSz="914400" rtl="0" eaLnBrk="1" latinLnBrk="1" hangingPunct="1">
+              <a:lnSpc>
+                <a:spcPct val="90000"/>
+              </a:lnSpc>
+              <a:spcBef>
+                <a:spcPts val="500"/>
+              </a:spcBef>
+              <a:buFont typeface="Arial" panose="020B0604020202020204" pitchFamily="34" charset="0"/>
+              <a:buChar char="•"/>
+              <a:defRPr sz="2000" kern="1200">
+                <a:solidFill>
+                  <a:schemeClr val="tx1"/>
+                </a:solidFill>
+                <a:latin typeface="+mn-lt"/>
+                <a:ea typeface="+mn-ea"/>
+                <a:cs typeface="+mn-cs"/>
+              </a:defRPr>
+            </a:lvl3pPr>
+            <a:lvl4pPr marL="1600200" indent="-228600" algn="l" defTabSz="914400" rtl="0" eaLnBrk="1" latinLnBrk="1" hangingPunct="1">
+              <a:lnSpc>
+                <a:spcPct val="90000"/>
+              </a:lnSpc>
+              <a:spcBef>
+                <a:spcPts val="500"/>
+              </a:spcBef>
+              <a:buFont typeface="Arial" panose="020B0604020202020204" pitchFamily="34" charset="0"/>
+              <a:buChar char="•"/>
+              <a:defRPr sz="1800" kern="1200">
+                <a:solidFill>
+                  <a:schemeClr val="tx1"/>
+                </a:solidFill>
+                <a:latin typeface="+mn-lt"/>
+                <a:ea typeface="+mn-ea"/>
+                <a:cs typeface="+mn-cs"/>
+              </a:defRPr>
+            </a:lvl4pPr>
+            <a:lvl5pPr marL="2057400" indent="-228600" algn="l" defTabSz="914400" rtl="0" eaLnBrk="1" latinLnBrk="1" hangingPunct="1">
+              <a:lnSpc>
+                <a:spcPct val="90000"/>
+              </a:lnSpc>
+              <a:spcBef>
+                <a:spcPts val="500"/>
+              </a:spcBef>
+              <a:buFont typeface="Arial" panose="020B0604020202020204" pitchFamily="34" charset="0"/>
+              <a:buChar char="•"/>
+              <a:defRPr sz="1800" kern="1200">
+                <a:solidFill>
+                  <a:schemeClr val="tx1"/>
+                </a:solidFill>
+                <a:latin typeface="+mn-lt"/>
+                <a:ea typeface="+mn-ea"/>
+                <a:cs typeface="+mn-cs"/>
+              </a:defRPr>
+            </a:lvl5pPr>
+            <a:lvl6pPr marL="2514600" indent="-228600" algn="l" defTabSz="914400" rtl="0" eaLnBrk="1" latinLnBrk="1" hangingPunct="1">
+              <a:lnSpc>
+                <a:spcPct val="90000"/>
+              </a:lnSpc>
+              <a:spcBef>
+                <a:spcPts val="500"/>
+              </a:spcBef>
+              <a:buFont typeface="Arial" panose="020B0604020202020204" pitchFamily="34" charset="0"/>
+              <a:buChar char="•"/>
+              <a:defRPr sz="1800" kern="1200">
+                <a:solidFill>
+                  <a:schemeClr val="tx1"/>
+                </a:solidFill>
+                <a:latin typeface="+mn-lt"/>
+                <a:ea typeface="+mn-ea"/>
+                <a:cs typeface="+mn-cs"/>
+              </a:defRPr>
+            </a:lvl6pPr>
+            <a:lvl7pPr marL="2971800" indent="-228600" algn="l" defTabSz="914400" rtl="0" eaLnBrk="1" latinLnBrk="1" hangingPunct="1">
+              <a:lnSpc>
+                <a:spcPct val="90000"/>
+              </a:lnSpc>
+              <a:spcBef>
+                <a:spcPts val="500"/>
+              </a:spcBef>
+              <a:buFont typeface="Arial" panose="020B0604020202020204" pitchFamily="34" charset="0"/>
+              <a:buChar char="•"/>
+              <a:defRPr sz="1800" kern="1200">
+                <a:solidFill>
+                  <a:schemeClr val="tx1"/>
+                </a:solidFill>
+                <a:latin typeface="+mn-lt"/>
+                <a:ea typeface="+mn-ea"/>
+                <a:cs typeface="+mn-cs"/>
+              </a:defRPr>
+            </a:lvl7pPr>
+            <a:lvl8pPr marL="3429000" indent="-228600" algn="l" defTabSz="914400" rtl="0" eaLnBrk="1" latinLnBrk="1" hangingPunct="1">
+              <a:lnSpc>
+                <a:spcPct val="90000"/>
+              </a:lnSpc>
+              <a:spcBef>
+                <a:spcPts val="500"/>
+              </a:spcBef>
+              <a:buFont typeface="Arial" panose="020B0604020202020204" pitchFamily="34" charset="0"/>
+              <a:buChar char="•"/>
+              <a:defRPr sz="1800" kern="1200">
+                <a:solidFill>
+                  <a:schemeClr val="tx1"/>
+                </a:solidFill>
+                <a:latin typeface="+mn-lt"/>
+                <a:ea typeface="+mn-ea"/>
+                <a:cs typeface="+mn-cs"/>
+              </a:defRPr>
+            </a:lvl8pPr>
+            <a:lvl9pPr marL="3886200" indent="-228600" algn="l" defTabSz="914400" rtl="0" eaLnBrk="1" latinLnBrk="1" hangingPunct="1">
+              <a:lnSpc>
+                <a:spcPct val="90000"/>
+              </a:lnSpc>
+              <a:spcBef>
+                <a:spcPts val="500"/>
+              </a:spcBef>
+              <a:buFont typeface="Arial" panose="020B0604020202020204" pitchFamily="34" charset="0"/>
+              <a:buChar char="•"/>
+              <a:defRPr sz="1800" kern="1200">
+                <a:solidFill>
+                  <a:schemeClr val="tx1"/>
+                </a:solidFill>
+                <a:latin typeface="+mn-lt"/>
+                <a:ea typeface="+mn-ea"/>
+                <a:cs typeface="+mn-cs"/>
+              </a:defRPr>
+            </a:lvl9pPr>
+          </a:lstStyle>
+          <a:p>
+            <a:pPr>
+              <a:lnSpc>
+                <a:spcPct val="150000"/>
+              </a:lnSpc>
+              <a:buFont typeface="Wingdings" panose="05000000000000000000" pitchFamily="2" charset="2"/>
+              <a:buChar char="§"/>
+            </a:pPr>
+            <a:r>
+              <a:rPr lang="ko-KR" altLang="en-US" sz="2000" b="1" dirty="0" smtClean="0">
+                <a:solidFill>
+                  <a:srgbClr val="002060"/>
+                </a:solidFill>
+              </a:rPr>
+              <a:t>클래스에 함수 추가하기</a:t>
+            </a:r>
+            <a:endParaRPr lang="en-US" altLang="ko-KR" sz="2000" b="1" dirty="0" smtClean="0">
+              <a:solidFill>
+                <a:srgbClr val="002060"/>
+              </a:solidFill>
+            </a:endParaRPr>
+          </a:p>
+          <a:p>
+            <a:pPr marL="457200" lvl="1" indent="0">
+              <a:lnSpc>
+                <a:spcPct val="150000"/>
+              </a:lnSpc>
+              <a:buNone/>
+            </a:pPr>
+            <a:r>
+              <a:rPr lang="ko-KR" altLang="en-US" sz="1800" b="1" dirty="0" smtClean="0">
+                <a:solidFill>
+                  <a:srgbClr val="C00000"/>
+                </a:solidFill>
+              </a:rPr>
+              <a:t>멤버 함수 정의 </a:t>
+            </a:r>
+            <a:r>
+              <a:rPr lang="en-US" altLang="ko-KR" sz="1800" b="1" dirty="0" smtClean="0">
+                <a:solidFill>
+                  <a:srgbClr val="C00000"/>
+                </a:solidFill>
+              </a:rPr>
+              <a:t>– </a:t>
+            </a:r>
+            <a:r>
+              <a:rPr lang="en-US" altLang="ko-KR" sz="1800" b="1" dirty="0" err="1" smtClean="0">
+                <a:solidFill>
+                  <a:srgbClr val="C00000"/>
+                </a:solidFill>
+              </a:rPr>
+              <a:t>def</a:t>
+            </a:r>
+            <a:r>
+              <a:rPr lang="en-US" altLang="ko-KR" sz="1800" b="1" dirty="0" smtClean="0">
+                <a:solidFill>
+                  <a:srgbClr val="C00000"/>
+                </a:solidFill>
+              </a:rPr>
+              <a:t> info()</a:t>
+            </a:r>
+            <a:endParaRPr lang="en-US" altLang="ko-KR" sz="1800" b="1" dirty="0" smtClean="0"/>
+          </a:p>
+        </p:txBody>
+      </p:sp>
+      <p:pic>
+        <p:nvPicPr>
+          <p:cNvPr id="3" name="그림 2"/>
+          <p:cNvPicPr>
+            <a:picLocks noChangeAspect="1"/>
+          </p:cNvPicPr>
+          <p:nvPr/>
+        </p:nvPicPr>
+        <p:blipFill>
+          <a:blip r:embed="rId2">
+            <a:extLst>
+              <a:ext uri="{28A0092B-C50C-407E-A947-70E740481C1C}">
+                <a14:useLocalDpi xmlns:a14="http://schemas.microsoft.com/office/drawing/2010/main" val="0"/>
+              </a:ext>
+            </a:extLst>
+          </a:blip>
+          <a:stretch>
+            <a:fillRect/>
+          </a:stretch>
+        </p:blipFill>
+        <p:spPr>
+          <a:xfrm>
+            <a:off x="4081778" y="2437122"/>
+            <a:ext cx="3775017" cy="4176465"/>
+          </a:xfrm>
+          <a:prstGeom prst="rect">
+            <a:avLst/>
+          </a:prstGeom>
+          <a:ln>
+            <a:solidFill>
+              <a:schemeClr val="bg1">
+                <a:lumMod val="85000"/>
+              </a:schemeClr>
+            </a:solidFill>
+          </a:ln>
+        </p:spPr>
+      </p:pic>
+      <p:sp>
+        <p:nvSpPr>
+          <p:cNvPr id="11" name="직사각형 10"/>
+          <p:cNvSpPr/>
+          <p:nvPr/>
+        </p:nvSpPr>
+        <p:spPr>
+          <a:xfrm>
+            <a:off x="1640632" y="2492896"/>
+            <a:ext cx="1888558" cy="485339"/>
+          </a:xfrm>
+          <a:prstGeom prst="rect">
+            <a:avLst/>
+          </a:prstGeom>
+          <a:ln w="12700"/>
+        </p:spPr>
+        <p:style>
+          <a:lnRef idx="2">
+            <a:schemeClr val="accent5"/>
+          </a:lnRef>
+          <a:fillRef idx="1">
+            <a:schemeClr val="lt1"/>
+          </a:fillRef>
+          <a:effectRef idx="0">
+            <a:schemeClr val="accent5"/>
+          </a:effectRef>
+          <a:fontRef idx="minor">
+            <a:schemeClr val="dk1"/>
+          </a:fontRef>
+        </p:style>
+        <p:txBody>
+          <a:bodyPr rtlCol="0" anchor="ctr"/>
+          <a:lstStyle/>
+          <a:p>
+            <a:pPr algn="ctr"/>
+            <a:r>
+              <a:rPr lang="en-US" altLang="ko-KR" dirty="0" smtClean="0">
+                <a:latin typeface="+mn-ea"/>
+              </a:rPr>
+              <a:t>  </a:t>
+            </a:r>
+          </a:p>
+          <a:p>
+            <a:pPr algn="ctr"/>
+            <a:r>
+              <a:rPr lang="en-US" altLang="ko-KR" b="1" dirty="0" smtClean="0">
+                <a:latin typeface="+mn-ea"/>
+              </a:rPr>
+              <a:t>Student</a:t>
+            </a:r>
+          </a:p>
+          <a:p>
+            <a:pPr algn="ctr"/>
+            <a:endParaRPr lang="en-US" altLang="ko-KR" dirty="0">
+              <a:latin typeface="+mn-ea"/>
+            </a:endParaRPr>
+          </a:p>
+        </p:txBody>
+      </p:sp>
+      <p:sp>
+        <p:nvSpPr>
+          <p:cNvPr id="14" name="직사각형 13"/>
+          <p:cNvSpPr/>
+          <p:nvPr/>
+        </p:nvSpPr>
+        <p:spPr>
+          <a:xfrm>
+            <a:off x="1640632" y="2978236"/>
+            <a:ext cx="1888558" cy="1117554"/>
+          </a:xfrm>
+          <a:prstGeom prst="rect">
+            <a:avLst/>
+          </a:prstGeom>
+          <a:ln w="12700"/>
+        </p:spPr>
+        <p:style>
+          <a:lnRef idx="2">
+            <a:schemeClr val="accent5"/>
+          </a:lnRef>
+          <a:fillRef idx="1">
+            <a:schemeClr val="lt1"/>
+          </a:fillRef>
+          <a:effectRef idx="0">
+            <a:schemeClr val="accent5"/>
+          </a:effectRef>
+          <a:fontRef idx="minor">
+            <a:schemeClr val="dk1"/>
+          </a:fontRef>
+        </p:style>
+        <p:txBody>
+          <a:bodyPr rtlCol="0" anchor="ctr"/>
+          <a:lstStyle/>
+          <a:p>
+            <a:pPr algn="ctr"/>
+            <a:r>
+              <a:rPr lang="en-US" altLang="ko-KR" dirty="0" smtClean="0">
+                <a:latin typeface="+mn-ea"/>
+              </a:rPr>
+              <a:t> </a:t>
+            </a:r>
+          </a:p>
+          <a:p>
+            <a:pPr algn="ctr">
+              <a:lnSpc>
+                <a:spcPct val="150000"/>
+              </a:lnSpc>
+            </a:pPr>
+            <a:r>
+              <a:rPr lang="ko-KR" altLang="en-US" dirty="0" smtClean="0">
+                <a:latin typeface="+mn-ea"/>
+              </a:rPr>
+              <a:t> </a:t>
+            </a:r>
+            <a:r>
+              <a:rPr lang="en-US" altLang="ko-KR" dirty="0" smtClean="0">
+                <a:latin typeface="+mn-ea"/>
+              </a:rPr>
+              <a:t>name</a:t>
+            </a:r>
+          </a:p>
+          <a:p>
+            <a:pPr algn="ctr">
+              <a:lnSpc>
+                <a:spcPct val="150000"/>
+              </a:lnSpc>
+            </a:pPr>
+            <a:r>
+              <a:rPr lang="ko-KR" altLang="en-US" dirty="0" smtClean="0">
+                <a:latin typeface="+mn-ea"/>
+              </a:rPr>
+              <a:t> </a:t>
+            </a:r>
+            <a:r>
+              <a:rPr lang="en-US" altLang="ko-KR" dirty="0" smtClean="0">
+                <a:latin typeface="+mn-ea"/>
+              </a:rPr>
+              <a:t>grade</a:t>
+            </a:r>
+          </a:p>
+          <a:p>
+            <a:pPr algn="ctr"/>
+            <a:endParaRPr lang="en-US" altLang="ko-KR" dirty="0">
+              <a:latin typeface="+mn-ea"/>
+            </a:endParaRPr>
+          </a:p>
+        </p:txBody>
+      </p:sp>
+      <p:sp>
+        <p:nvSpPr>
+          <p:cNvPr id="15" name="직사각형 14"/>
+          <p:cNvSpPr/>
+          <p:nvPr/>
+        </p:nvSpPr>
+        <p:spPr>
+          <a:xfrm>
+            <a:off x="1640632" y="4095790"/>
+            <a:ext cx="1888558" cy="485339"/>
+          </a:xfrm>
+          <a:prstGeom prst="rect">
+            <a:avLst/>
+          </a:prstGeom>
+          <a:ln w="12700"/>
+        </p:spPr>
+        <p:style>
+          <a:lnRef idx="2">
+            <a:schemeClr val="accent5"/>
+          </a:lnRef>
+          <a:fillRef idx="1">
+            <a:schemeClr val="lt1"/>
+          </a:fillRef>
+          <a:effectRef idx="0">
+            <a:schemeClr val="accent5"/>
+          </a:effectRef>
+          <a:fontRef idx="minor">
+            <a:schemeClr val="dk1"/>
+          </a:fontRef>
+        </p:style>
+        <p:txBody>
+          <a:bodyPr rtlCol="0" anchor="ctr"/>
+          <a:lstStyle/>
+          <a:p>
+            <a:pPr algn="ctr"/>
+            <a:r>
+              <a:rPr lang="en-US" altLang="ko-KR" dirty="0" smtClean="0">
+                <a:latin typeface="+mn-ea"/>
+              </a:rPr>
+              <a:t>  </a:t>
+            </a:r>
+          </a:p>
+          <a:p>
+            <a:pPr algn="ctr"/>
+            <a:r>
+              <a:rPr lang="en-US" altLang="ko-KR" dirty="0">
+                <a:latin typeface="+mn-ea"/>
+              </a:rPr>
+              <a:t>i</a:t>
+            </a:r>
+            <a:r>
+              <a:rPr lang="en-US" altLang="ko-KR" dirty="0" smtClean="0">
+                <a:latin typeface="+mn-ea"/>
+              </a:rPr>
+              <a:t>nfo()</a:t>
+            </a:r>
+            <a:endParaRPr lang="en-US" altLang="ko-KR" dirty="0">
+              <a:latin typeface="+mn-ea"/>
+            </a:endParaRPr>
+          </a:p>
+          <a:p>
+            <a:pPr algn="ctr"/>
+            <a:endParaRPr lang="en-US" altLang="ko-KR" dirty="0">
+              <a:latin typeface="+mn-ea"/>
+            </a:endParaRPr>
+          </a:p>
+        </p:txBody>
+      </p:sp>
+    </p:spTree>
+    <p:extLst>
+      <p:ext uri="{BB962C8B-B14F-4D97-AF65-F5344CB8AC3E}">
+        <p14:creationId xmlns:p14="http://schemas.microsoft.com/office/powerpoint/2010/main" val="2182893494"/>
+      </p:ext>
+    </p:extLst>
+  </p:cSld>
+  <p:clrMapOvr>
+    <a:masterClrMapping/>
+  </p:clrMapOvr>
+  <p:timing>
+    <p:tnLst>
+      <p:par>
+        <p:cTn id="1" dur="indefinite" restart="never" nodeType="tmRoot"/>
+      </p:par>
+    </p:tnLst>
+  </p:timing>
+</p:sld>
+</file>
+
+<file path=ppt/slides/slide60.xml><?xml version="1.0" encoding="utf-8"?>
+<p:sld xmlns:a="http://schemas.openxmlformats.org/drawingml/2006/main" xmlns:r="http://schemas.openxmlformats.org/officeDocument/2006/relationships" xmlns:p="http://schemas.openxmlformats.org/presentationml/2006/main">
+  <p:cSld>
+    <p:spTree>
+      <p:nvGrpSpPr>
+        <p:cNvPr id="1" name=""/>
+        <p:cNvGrpSpPr/>
+        <p:nvPr/>
+      </p:nvGrpSpPr>
+      <p:grpSpPr>
+        <a:xfrm>
+          <a:off x="0" y="0"/>
+          <a:ext cx="0" cy="0"/>
+          <a:chOff x="0" y="0"/>
+          <a:chExt cx="0" cy="0"/>
+        </a:xfrm>
+      </p:grpSpPr>
+      <p:sp>
+        <p:nvSpPr>
+          <p:cNvPr id="6" name="제목 5"/>
+          <p:cNvSpPr>
+            <a:spLocks noGrp="1"/>
+          </p:cNvSpPr>
+          <p:nvPr>
+            <p:ph type="title"/>
+          </p:nvPr>
+        </p:nvSpPr>
+        <p:spPr/>
+        <p:txBody>
+          <a:bodyPr/>
+          <a:lstStyle/>
+          <a:p>
+            <a:r>
+              <a:rPr lang="en-US" altLang="ko-KR" dirty="0" smtClean="0"/>
+              <a:t> </a:t>
+            </a:r>
+            <a:r>
+              <a:rPr lang="ko-KR" altLang="en-US" dirty="0" smtClean="0"/>
+              <a:t>고객 관리 프로그램</a:t>
+            </a:r>
+            <a:endParaRPr lang="ko-KR" altLang="en-US" dirty="0"/>
+          </a:p>
+        </p:txBody>
+      </p:sp>
+      <p:sp>
+        <p:nvSpPr>
+          <p:cNvPr id="5" name="슬라이드 번호 개체 틀 4"/>
+          <p:cNvSpPr>
+            <a:spLocks noGrp="1"/>
+          </p:cNvSpPr>
+          <p:nvPr>
+            <p:ph type="sldNum" sz="quarter" idx="12"/>
+          </p:nvPr>
+        </p:nvSpPr>
+        <p:spPr/>
+        <p:txBody>
+          <a:bodyPr/>
+          <a:lstStyle/>
+          <a:p>
+            <a:fld id="{1BDE3FE7-3AEA-4B05-AC5A-802D1816ACF0}" type="slidenum">
+              <a:rPr lang="ko-KR" altLang="en-US" smtClean="0"/>
+              <a:t>60</a:t>
             </a:fld>
             <a:endParaRPr lang="ko-KR" altLang="en-US"/>
           </a:p>
@@ -28205,660 +29462,10 @@
           </a:ln>
         </p:spPr>
       </p:pic>
-      <p:sp>
-        <p:nvSpPr>
-          <p:cNvPr id="8" name="TextBox 7"/>
-          <p:cNvSpPr txBox="1"/>
-          <p:nvPr/>
-        </p:nvSpPr>
-        <p:spPr>
-          <a:xfrm>
-            <a:off x="7113240" y="1658518"/>
-            <a:ext cx="2304256" cy="408623"/>
-          </a:xfrm>
-          <a:prstGeom prst="roundRect">
-            <a:avLst/>
-          </a:prstGeom>
-          <a:ln w="19050">
-            <a:solidFill>
-              <a:schemeClr val="tx1">
-                <a:lumMod val="50000"/>
-                <a:lumOff val="50000"/>
-              </a:schemeClr>
-            </a:solidFill>
-          </a:ln>
-        </p:spPr>
-        <p:style>
-          <a:lnRef idx="2">
-            <a:schemeClr val="dk1"/>
-          </a:lnRef>
-          <a:fillRef idx="1">
-            <a:schemeClr val="lt1"/>
-          </a:fillRef>
-          <a:effectRef idx="0">
-            <a:schemeClr val="dk1"/>
-          </a:effectRef>
-          <a:fontRef idx="minor">
-            <a:schemeClr val="dk1"/>
-          </a:fontRef>
-        </p:style>
-        <p:txBody>
-          <a:bodyPr wrap="square" rtlCol="0">
-            <a:spAutoFit/>
-          </a:bodyPr>
-          <a:lstStyle/>
-          <a:p>
-            <a:r>
-              <a:rPr lang="en-US" altLang="ko-KR" dirty="0" smtClean="0"/>
-              <a:t>customer_main2.py</a:t>
-            </a:r>
-            <a:endParaRPr lang="ko-KR" altLang="en-US" dirty="0"/>
-          </a:p>
-        </p:txBody>
-      </p:sp>
     </p:spTree>
     <p:extLst>
       <p:ext uri="{BB962C8B-B14F-4D97-AF65-F5344CB8AC3E}">
         <p14:creationId xmlns:p14="http://schemas.microsoft.com/office/powerpoint/2010/main" val="1469611028"/>
-      </p:ext>
-    </p:extLst>
-  </p:cSld>
-  <p:clrMapOvr>
-    <a:masterClrMapping/>
-  </p:clrMapOvr>
-  <p:timing>
-    <p:tnLst>
-      <p:par>
-        <p:cTn id="1" dur="indefinite" restart="never" nodeType="tmRoot"/>
-      </p:par>
-    </p:tnLst>
-  </p:timing>
-</p:sld>
-</file>
-
-<file path=ppt/slides/slide6.xml><?xml version="1.0" encoding="utf-8"?>
-<p:sld xmlns:a="http://schemas.openxmlformats.org/drawingml/2006/main" xmlns:r="http://schemas.openxmlformats.org/officeDocument/2006/relationships" xmlns:p="http://schemas.openxmlformats.org/presentationml/2006/main">
-  <p:cSld>
-    <p:spTree>
-      <p:nvGrpSpPr>
-        <p:cNvPr id="1" name=""/>
-        <p:cNvGrpSpPr/>
-        <p:nvPr/>
-      </p:nvGrpSpPr>
-      <p:grpSpPr>
-        <a:xfrm>
-          <a:off x="0" y="0"/>
-          <a:ext cx="0" cy="0"/>
-          <a:chOff x="0" y="0"/>
-          <a:chExt cx="0" cy="0"/>
-        </a:xfrm>
-      </p:grpSpPr>
-      <p:sp>
-        <p:nvSpPr>
-          <p:cNvPr id="6" name="제목 5"/>
-          <p:cNvSpPr>
-            <a:spLocks noGrp="1"/>
-          </p:cNvSpPr>
-          <p:nvPr>
-            <p:ph type="title"/>
-          </p:nvPr>
-        </p:nvSpPr>
-        <p:spPr/>
-        <p:txBody>
-          <a:bodyPr>
-            <a:normAutofit/>
-          </a:bodyPr>
-          <a:lstStyle/>
-          <a:p>
-            <a:r>
-              <a:rPr lang="en-US" altLang="ko-KR" sz="2800" dirty="0" smtClean="0"/>
-              <a:t> </a:t>
-            </a:r>
-            <a:r>
-              <a:rPr lang="ko-KR" altLang="en-US" sz="2800" dirty="0" smtClean="0"/>
-              <a:t>클래스</a:t>
-            </a:r>
-            <a:r>
-              <a:rPr lang="en-US" altLang="ko-KR" sz="2800" dirty="0" smtClean="0"/>
-              <a:t>(class)</a:t>
-            </a:r>
-            <a:endParaRPr lang="ko-KR" altLang="en-US" sz="2800" dirty="0"/>
-          </a:p>
-        </p:txBody>
-      </p:sp>
-      <p:sp>
-        <p:nvSpPr>
-          <p:cNvPr id="5" name="슬라이드 번호 개체 틀 4"/>
-          <p:cNvSpPr>
-            <a:spLocks noGrp="1"/>
-          </p:cNvSpPr>
-          <p:nvPr>
-            <p:ph type="sldNum" sz="quarter" idx="12"/>
-          </p:nvPr>
-        </p:nvSpPr>
-        <p:spPr/>
-        <p:txBody>
-          <a:bodyPr/>
-          <a:lstStyle/>
-          <a:p>
-            <a:fld id="{1BDE3FE7-3AEA-4B05-AC5A-802D1816ACF0}" type="slidenum">
-              <a:rPr lang="ko-KR" altLang="en-US" smtClean="0"/>
-              <a:t>6</a:t>
-            </a:fld>
-            <a:endParaRPr lang="ko-KR" altLang="en-US"/>
-          </a:p>
-        </p:txBody>
-      </p:sp>
-      <p:sp>
-        <p:nvSpPr>
-          <p:cNvPr id="10" name="내용 개체 틀 2">
-            <a:extLst>
-              <a:ext uri="{FF2B5EF4-FFF2-40B4-BE49-F238E27FC236}">
-                <a16:creationId xmlns:a16="http://schemas.microsoft.com/office/drawing/2014/main" id="{98AF3A4E-7D90-4241-89FE-799D6F9D5A94}"/>
-              </a:ext>
-            </a:extLst>
-          </p:cNvPr>
-          <p:cNvSpPr txBox="1">
-            <a:spLocks/>
-          </p:cNvSpPr>
-          <p:nvPr/>
-        </p:nvSpPr>
-        <p:spPr>
-          <a:xfrm>
-            <a:off x="960914" y="1203593"/>
-            <a:ext cx="7448470" cy="1577335"/>
-          </a:xfrm>
-          <a:prstGeom prst="rect">
-            <a:avLst/>
-          </a:prstGeom>
-        </p:spPr>
-        <p:txBody>
-          <a:bodyPr/>
-          <a:lstStyle>
-            <a:lvl1pPr marL="228600" indent="-228600" algn="l" defTabSz="914400" rtl="0" eaLnBrk="1" latinLnBrk="1" hangingPunct="1">
-              <a:lnSpc>
-                <a:spcPct val="90000"/>
-              </a:lnSpc>
-              <a:spcBef>
-                <a:spcPts val="1000"/>
-              </a:spcBef>
-              <a:buFont typeface="Arial" panose="020B0604020202020204" pitchFamily="34" charset="0"/>
-              <a:buChar char="•"/>
-              <a:defRPr sz="2800" kern="1200">
-                <a:solidFill>
-                  <a:schemeClr val="tx1"/>
-                </a:solidFill>
-                <a:latin typeface="+mn-lt"/>
-                <a:ea typeface="+mn-ea"/>
-                <a:cs typeface="+mn-cs"/>
-              </a:defRPr>
-            </a:lvl1pPr>
-            <a:lvl2pPr marL="685800" indent="-228600" algn="l" defTabSz="914400" rtl="0" eaLnBrk="1" latinLnBrk="1" hangingPunct="1">
-              <a:lnSpc>
-                <a:spcPct val="90000"/>
-              </a:lnSpc>
-              <a:spcBef>
-                <a:spcPts val="500"/>
-              </a:spcBef>
-              <a:buFont typeface="Arial" panose="020B0604020202020204" pitchFamily="34" charset="0"/>
-              <a:buChar char="•"/>
-              <a:defRPr sz="2400" kern="1200">
-                <a:solidFill>
-                  <a:schemeClr val="tx1"/>
-                </a:solidFill>
-                <a:latin typeface="+mn-lt"/>
-                <a:ea typeface="+mn-ea"/>
-                <a:cs typeface="+mn-cs"/>
-              </a:defRPr>
-            </a:lvl2pPr>
-            <a:lvl3pPr marL="1143000" indent="-228600" algn="l" defTabSz="914400" rtl="0" eaLnBrk="1" latinLnBrk="1" hangingPunct="1">
-              <a:lnSpc>
-                <a:spcPct val="90000"/>
-              </a:lnSpc>
-              <a:spcBef>
-                <a:spcPts val="500"/>
-              </a:spcBef>
-              <a:buFont typeface="Arial" panose="020B0604020202020204" pitchFamily="34" charset="0"/>
-              <a:buChar char="•"/>
-              <a:defRPr sz="2000" kern="1200">
-                <a:solidFill>
-                  <a:schemeClr val="tx1"/>
-                </a:solidFill>
-                <a:latin typeface="+mn-lt"/>
-                <a:ea typeface="+mn-ea"/>
-                <a:cs typeface="+mn-cs"/>
-              </a:defRPr>
-            </a:lvl3pPr>
-            <a:lvl4pPr marL="1600200" indent="-228600" algn="l" defTabSz="914400" rtl="0" eaLnBrk="1" latinLnBrk="1" hangingPunct="1">
-              <a:lnSpc>
-                <a:spcPct val="90000"/>
-              </a:lnSpc>
-              <a:spcBef>
-                <a:spcPts val="500"/>
-              </a:spcBef>
-              <a:buFont typeface="Arial" panose="020B0604020202020204" pitchFamily="34" charset="0"/>
-              <a:buChar char="•"/>
-              <a:defRPr sz="1800" kern="1200">
-                <a:solidFill>
-                  <a:schemeClr val="tx1"/>
-                </a:solidFill>
-                <a:latin typeface="+mn-lt"/>
-                <a:ea typeface="+mn-ea"/>
-                <a:cs typeface="+mn-cs"/>
-              </a:defRPr>
-            </a:lvl4pPr>
-            <a:lvl5pPr marL="2057400" indent="-228600" algn="l" defTabSz="914400" rtl="0" eaLnBrk="1" latinLnBrk="1" hangingPunct="1">
-              <a:lnSpc>
-                <a:spcPct val="90000"/>
-              </a:lnSpc>
-              <a:spcBef>
-                <a:spcPts val="500"/>
-              </a:spcBef>
-              <a:buFont typeface="Arial" panose="020B0604020202020204" pitchFamily="34" charset="0"/>
-              <a:buChar char="•"/>
-              <a:defRPr sz="1800" kern="1200">
-                <a:solidFill>
-                  <a:schemeClr val="tx1"/>
-                </a:solidFill>
-                <a:latin typeface="+mn-lt"/>
-                <a:ea typeface="+mn-ea"/>
-                <a:cs typeface="+mn-cs"/>
-              </a:defRPr>
-            </a:lvl5pPr>
-            <a:lvl6pPr marL="2514600" indent="-228600" algn="l" defTabSz="914400" rtl="0" eaLnBrk="1" latinLnBrk="1" hangingPunct="1">
-              <a:lnSpc>
-                <a:spcPct val="90000"/>
-              </a:lnSpc>
-              <a:spcBef>
-                <a:spcPts val="500"/>
-              </a:spcBef>
-              <a:buFont typeface="Arial" panose="020B0604020202020204" pitchFamily="34" charset="0"/>
-              <a:buChar char="•"/>
-              <a:defRPr sz="1800" kern="1200">
-                <a:solidFill>
-                  <a:schemeClr val="tx1"/>
-                </a:solidFill>
-                <a:latin typeface="+mn-lt"/>
-                <a:ea typeface="+mn-ea"/>
-                <a:cs typeface="+mn-cs"/>
-              </a:defRPr>
-            </a:lvl6pPr>
-            <a:lvl7pPr marL="2971800" indent="-228600" algn="l" defTabSz="914400" rtl="0" eaLnBrk="1" latinLnBrk="1" hangingPunct="1">
-              <a:lnSpc>
-                <a:spcPct val="90000"/>
-              </a:lnSpc>
-              <a:spcBef>
-                <a:spcPts val="500"/>
-              </a:spcBef>
-              <a:buFont typeface="Arial" panose="020B0604020202020204" pitchFamily="34" charset="0"/>
-              <a:buChar char="•"/>
-              <a:defRPr sz="1800" kern="1200">
-                <a:solidFill>
-                  <a:schemeClr val="tx1"/>
-                </a:solidFill>
-                <a:latin typeface="+mn-lt"/>
-                <a:ea typeface="+mn-ea"/>
-                <a:cs typeface="+mn-cs"/>
-              </a:defRPr>
-            </a:lvl7pPr>
-            <a:lvl8pPr marL="3429000" indent="-228600" algn="l" defTabSz="914400" rtl="0" eaLnBrk="1" latinLnBrk="1" hangingPunct="1">
-              <a:lnSpc>
-                <a:spcPct val="90000"/>
-              </a:lnSpc>
-              <a:spcBef>
-                <a:spcPts val="500"/>
-              </a:spcBef>
-              <a:buFont typeface="Arial" panose="020B0604020202020204" pitchFamily="34" charset="0"/>
-              <a:buChar char="•"/>
-              <a:defRPr sz="1800" kern="1200">
-                <a:solidFill>
-                  <a:schemeClr val="tx1"/>
-                </a:solidFill>
-                <a:latin typeface="+mn-lt"/>
-                <a:ea typeface="+mn-ea"/>
-                <a:cs typeface="+mn-cs"/>
-              </a:defRPr>
-            </a:lvl8pPr>
-            <a:lvl9pPr marL="3886200" indent="-228600" algn="l" defTabSz="914400" rtl="0" eaLnBrk="1" latinLnBrk="1" hangingPunct="1">
-              <a:lnSpc>
-                <a:spcPct val="90000"/>
-              </a:lnSpc>
-              <a:spcBef>
-                <a:spcPts val="500"/>
-              </a:spcBef>
-              <a:buFont typeface="Arial" panose="020B0604020202020204" pitchFamily="34" charset="0"/>
-              <a:buChar char="•"/>
-              <a:defRPr sz="1800" kern="1200">
-                <a:solidFill>
-                  <a:schemeClr val="tx1"/>
-                </a:solidFill>
-                <a:latin typeface="+mn-lt"/>
-                <a:ea typeface="+mn-ea"/>
-                <a:cs typeface="+mn-cs"/>
-              </a:defRPr>
-            </a:lvl9pPr>
-          </a:lstStyle>
-          <a:p>
-            <a:pPr>
-              <a:lnSpc>
-                <a:spcPct val="150000"/>
-              </a:lnSpc>
-              <a:buFont typeface="Wingdings" panose="05000000000000000000" pitchFamily="2" charset="2"/>
-              <a:buChar char="§"/>
-            </a:pPr>
-            <a:r>
-              <a:rPr lang="ko-KR" altLang="en-US" sz="2000" b="1" dirty="0" smtClean="0">
-                <a:solidFill>
-                  <a:srgbClr val="002060"/>
-                </a:solidFill>
-              </a:rPr>
-              <a:t>클래스에 함수 추가하기</a:t>
-            </a:r>
-            <a:endParaRPr lang="en-US" altLang="ko-KR" sz="2000" b="1" dirty="0" smtClean="0">
-              <a:solidFill>
-                <a:srgbClr val="002060"/>
-              </a:solidFill>
-            </a:endParaRPr>
-          </a:p>
-          <a:p>
-            <a:pPr marL="457200" lvl="1" indent="0">
-              <a:lnSpc>
-                <a:spcPct val="150000"/>
-              </a:lnSpc>
-              <a:buNone/>
-            </a:pPr>
-            <a:r>
-              <a:rPr lang="ko-KR" altLang="en-US" sz="1800" b="1" dirty="0" smtClean="0">
-                <a:solidFill>
-                  <a:srgbClr val="C00000"/>
-                </a:solidFill>
-              </a:rPr>
-              <a:t>멤버 함수 정의 </a:t>
-            </a:r>
-            <a:r>
-              <a:rPr lang="en-US" altLang="ko-KR" sz="1800" b="1" dirty="0" smtClean="0">
-                <a:solidFill>
-                  <a:srgbClr val="C00000"/>
-                </a:solidFill>
-              </a:rPr>
-              <a:t>– </a:t>
-            </a:r>
-            <a:r>
-              <a:rPr lang="en-US" altLang="ko-KR" sz="1800" b="1" dirty="0" err="1" smtClean="0">
-                <a:solidFill>
-                  <a:srgbClr val="C00000"/>
-                </a:solidFill>
-              </a:rPr>
-              <a:t>def</a:t>
-            </a:r>
-            <a:r>
-              <a:rPr lang="en-US" altLang="ko-KR" sz="1800" b="1" dirty="0" smtClean="0">
-                <a:solidFill>
-                  <a:srgbClr val="C00000"/>
-                </a:solidFill>
-              </a:rPr>
-              <a:t> info()</a:t>
-            </a:r>
-            <a:endParaRPr lang="en-US" altLang="ko-KR" sz="1800" b="1" dirty="0" smtClean="0"/>
-          </a:p>
-        </p:txBody>
-      </p:sp>
-      <p:pic>
-        <p:nvPicPr>
-          <p:cNvPr id="3" name="그림 2"/>
-          <p:cNvPicPr>
-            <a:picLocks noChangeAspect="1"/>
-          </p:cNvPicPr>
-          <p:nvPr/>
-        </p:nvPicPr>
-        <p:blipFill>
-          <a:blip r:embed="rId2">
-            <a:extLst>
-              <a:ext uri="{28A0092B-C50C-407E-A947-70E740481C1C}">
-                <a14:useLocalDpi xmlns:a14="http://schemas.microsoft.com/office/drawing/2010/main" val="0"/>
-              </a:ext>
-            </a:extLst>
-          </a:blip>
-          <a:stretch>
-            <a:fillRect/>
-          </a:stretch>
-        </p:blipFill>
-        <p:spPr>
-          <a:xfrm>
-            <a:off x="4081778" y="2437122"/>
-            <a:ext cx="3775017" cy="4176465"/>
-          </a:xfrm>
-          <a:prstGeom prst="rect">
-            <a:avLst/>
-          </a:prstGeom>
-          <a:ln>
-            <a:solidFill>
-              <a:schemeClr val="bg1">
-                <a:lumMod val="85000"/>
-              </a:schemeClr>
-            </a:solidFill>
-          </a:ln>
-        </p:spPr>
-      </p:pic>
-      <p:sp>
-        <p:nvSpPr>
-          <p:cNvPr id="11" name="직사각형 10"/>
-          <p:cNvSpPr/>
-          <p:nvPr/>
-        </p:nvSpPr>
-        <p:spPr>
-          <a:xfrm>
-            <a:off x="1640632" y="2492896"/>
-            <a:ext cx="1888558" cy="485339"/>
-          </a:xfrm>
-          <a:prstGeom prst="rect">
-            <a:avLst/>
-          </a:prstGeom>
-          <a:ln w="12700"/>
-        </p:spPr>
-        <p:style>
-          <a:lnRef idx="2">
-            <a:schemeClr val="accent5"/>
-          </a:lnRef>
-          <a:fillRef idx="1">
-            <a:schemeClr val="lt1"/>
-          </a:fillRef>
-          <a:effectRef idx="0">
-            <a:schemeClr val="accent5"/>
-          </a:effectRef>
-          <a:fontRef idx="minor">
-            <a:schemeClr val="dk1"/>
-          </a:fontRef>
-        </p:style>
-        <p:txBody>
-          <a:bodyPr rtlCol="0" anchor="ctr"/>
-          <a:lstStyle/>
-          <a:p>
-            <a:pPr algn="ctr"/>
-            <a:r>
-              <a:rPr lang="en-US" altLang="ko-KR" dirty="0" smtClean="0">
-                <a:latin typeface="+mn-ea"/>
-              </a:rPr>
-              <a:t>  </a:t>
-            </a:r>
-          </a:p>
-          <a:p>
-            <a:pPr algn="ctr"/>
-            <a:r>
-              <a:rPr lang="en-US" altLang="ko-KR" b="1" dirty="0" smtClean="0">
-                <a:latin typeface="+mn-ea"/>
-              </a:rPr>
-              <a:t>Student</a:t>
-            </a:r>
-          </a:p>
-          <a:p>
-            <a:pPr algn="ctr"/>
-            <a:endParaRPr lang="en-US" altLang="ko-KR" dirty="0">
-              <a:latin typeface="+mn-ea"/>
-            </a:endParaRPr>
-          </a:p>
-        </p:txBody>
-      </p:sp>
-      <p:sp>
-        <p:nvSpPr>
-          <p:cNvPr id="14" name="직사각형 13"/>
-          <p:cNvSpPr/>
-          <p:nvPr/>
-        </p:nvSpPr>
-        <p:spPr>
-          <a:xfrm>
-            <a:off x="1640632" y="2978236"/>
-            <a:ext cx="1888558" cy="1117554"/>
-          </a:xfrm>
-          <a:prstGeom prst="rect">
-            <a:avLst/>
-          </a:prstGeom>
-          <a:ln w="12700"/>
-        </p:spPr>
-        <p:style>
-          <a:lnRef idx="2">
-            <a:schemeClr val="accent5"/>
-          </a:lnRef>
-          <a:fillRef idx="1">
-            <a:schemeClr val="lt1"/>
-          </a:fillRef>
-          <a:effectRef idx="0">
-            <a:schemeClr val="accent5"/>
-          </a:effectRef>
-          <a:fontRef idx="minor">
-            <a:schemeClr val="dk1"/>
-          </a:fontRef>
-        </p:style>
-        <p:txBody>
-          <a:bodyPr rtlCol="0" anchor="ctr"/>
-          <a:lstStyle/>
-          <a:p>
-            <a:pPr algn="ctr"/>
-            <a:r>
-              <a:rPr lang="en-US" altLang="ko-KR" dirty="0" smtClean="0">
-                <a:latin typeface="+mn-ea"/>
-              </a:rPr>
-              <a:t> </a:t>
-            </a:r>
-          </a:p>
-          <a:p>
-            <a:pPr algn="ctr">
-              <a:lnSpc>
-                <a:spcPct val="150000"/>
-              </a:lnSpc>
-            </a:pPr>
-            <a:r>
-              <a:rPr lang="ko-KR" altLang="en-US" dirty="0" smtClean="0">
-                <a:latin typeface="+mn-ea"/>
-              </a:rPr>
-              <a:t> </a:t>
-            </a:r>
-            <a:r>
-              <a:rPr lang="en-US" altLang="ko-KR" dirty="0" smtClean="0">
-                <a:latin typeface="+mn-ea"/>
-              </a:rPr>
-              <a:t>name</a:t>
-            </a:r>
-          </a:p>
-          <a:p>
-            <a:pPr algn="ctr">
-              <a:lnSpc>
-                <a:spcPct val="150000"/>
-              </a:lnSpc>
-            </a:pPr>
-            <a:r>
-              <a:rPr lang="ko-KR" altLang="en-US" dirty="0" smtClean="0">
-                <a:latin typeface="+mn-ea"/>
-              </a:rPr>
-              <a:t> </a:t>
-            </a:r>
-            <a:r>
-              <a:rPr lang="en-US" altLang="ko-KR" dirty="0" smtClean="0">
-                <a:latin typeface="+mn-ea"/>
-              </a:rPr>
-              <a:t>grade</a:t>
-            </a:r>
-          </a:p>
-          <a:p>
-            <a:pPr algn="ctr"/>
-            <a:endParaRPr lang="en-US" altLang="ko-KR" dirty="0">
-              <a:latin typeface="+mn-ea"/>
-            </a:endParaRPr>
-          </a:p>
-        </p:txBody>
-      </p:sp>
-      <p:sp>
-        <p:nvSpPr>
-          <p:cNvPr id="15" name="직사각형 14"/>
-          <p:cNvSpPr/>
-          <p:nvPr/>
-        </p:nvSpPr>
-        <p:spPr>
-          <a:xfrm>
-            <a:off x="1640632" y="4095790"/>
-            <a:ext cx="1888558" cy="485339"/>
-          </a:xfrm>
-          <a:prstGeom prst="rect">
-            <a:avLst/>
-          </a:prstGeom>
-          <a:ln w="12700"/>
-        </p:spPr>
-        <p:style>
-          <a:lnRef idx="2">
-            <a:schemeClr val="accent5"/>
-          </a:lnRef>
-          <a:fillRef idx="1">
-            <a:schemeClr val="lt1"/>
-          </a:fillRef>
-          <a:effectRef idx="0">
-            <a:schemeClr val="accent5"/>
-          </a:effectRef>
-          <a:fontRef idx="minor">
-            <a:schemeClr val="dk1"/>
-          </a:fontRef>
-        </p:style>
-        <p:txBody>
-          <a:bodyPr rtlCol="0" anchor="ctr"/>
-          <a:lstStyle/>
-          <a:p>
-            <a:pPr algn="ctr"/>
-            <a:r>
-              <a:rPr lang="en-US" altLang="ko-KR" dirty="0" smtClean="0">
-                <a:latin typeface="+mn-ea"/>
-              </a:rPr>
-              <a:t>  </a:t>
-            </a:r>
-          </a:p>
-          <a:p>
-            <a:pPr algn="ctr"/>
-            <a:r>
-              <a:rPr lang="en-US" altLang="ko-KR" dirty="0">
-                <a:latin typeface="+mn-ea"/>
-              </a:rPr>
-              <a:t>i</a:t>
-            </a:r>
-            <a:r>
-              <a:rPr lang="en-US" altLang="ko-KR" dirty="0" smtClean="0">
-                <a:latin typeface="+mn-ea"/>
-              </a:rPr>
-              <a:t>nfo()</a:t>
-            </a:r>
-            <a:endParaRPr lang="en-US" altLang="ko-KR" dirty="0">
-              <a:latin typeface="+mn-ea"/>
-            </a:endParaRPr>
-          </a:p>
-          <a:p>
-            <a:pPr algn="ctr"/>
-            <a:endParaRPr lang="en-US" altLang="ko-KR" dirty="0">
-              <a:latin typeface="+mn-ea"/>
-            </a:endParaRPr>
-          </a:p>
-        </p:txBody>
-      </p:sp>
-    </p:spTree>
-    <p:extLst>
-      <p:ext uri="{BB962C8B-B14F-4D97-AF65-F5344CB8AC3E}">
-        <p14:creationId xmlns:p14="http://schemas.microsoft.com/office/powerpoint/2010/main" val="2182893494"/>
       </p:ext>
     </p:extLst>
   </p:cSld>

--- a/python_ppt/Python 7장. 클래스와 상속 .pptx
+++ b/python_ppt/Python 7장. 클래스와 상속 .pptx
@@ -5,7 +5,7 @@
     <p:sldMasterId id="2147483648" r:id="rId1"/>
   </p:sldMasterIdLst>
   <p:notesMasterIdLst>
-    <p:notesMasterId r:id="rId62"/>
+    <p:notesMasterId r:id="rId64"/>
   </p:notesMasterIdLst>
   <p:sldIdLst>
     <p:sldId id="256" r:id="rId2"/>
@@ -68,6 +68,8 @@
     <p:sldId id="363" r:id="rId59"/>
     <p:sldId id="360" r:id="rId60"/>
     <p:sldId id="361" r:id="rId61"/>
+    <p:sldId id="387" r:id="rId62"/>
+    <p:sldId id="388" r:id="rId63"/>
   </p:sldIdLst>
   <p:sldSz cx="9906000" cy="6858000" type="A4"/>
   <p:notesSz cx="6858000" cy="9144000"/>
@@ -267,7 +269,7 @@
           <a:p>
             <a:fld id="{7665CDAC-D627-4E87-877A-1B781DD4CADC}" type="datetimeFigureOut">
               <a:rPr lang="ko-KR" altLang="en-US" smtClean="0"/>
-              <a:t>2023-04-27</a:t>
+              <a:t>2023-06-20</a:t>
             </a:fld>
             <a:endParaRPr lang="ko-KR" altLang="en-US"/>
           </a:p>
@@ -679,7 +681,7 @@
           <a:p>
             <a:fld id="{C25BCFD5-C4DF-4EBC-B718-C69ED2FBDE6F}" type="datetime1">
               <a:rPr lang="ko-KR" altLang="en-US" smtClean="0"/>
-              <a:t>2023-04-27</a:t>
+              <a:t>2023-06-20</a:t>
             </a:fld>
             <a:endParaRPr lang="ko-KR" altLang="en-US"/>
           </a:p>
@@ -1130,7 +1132,7 @@
           <a:p>
             <a:fld id="{AB448CD7-D367-43D5-B461-ACE552E75063}" type="datetime1">
               <a:rPr lang="ko-KR" altLang="en-US" smtClean="0"/>
-              <a:t>2023-04-27</a:t>
+              <a:t>2023-06-20</a:t>
             </a:fld>
             <a:endParaRPr lang="ko-KR" altLang="en-US"/>
           </a:p>
@@ -1308,7 +1310,7 @@
           <a:p>
             <a:fld id="{B6E49E79-7361-4780-8BEF-7EDE3708298A}" type="datetime1">
               <a:rPr lang="ko-KR" altLang="en-US" smtClean="0"/>
-              <a:t>2023-04-27</a:t>
+              <a:t>2023-06-20</a:t>
             </a:fld>
             <a:endParaRPr lang="ko-KR" altLang="en-US"/>
           </a:p>
@@ -1480,7 +1482,7 @@
           <a:p>
             <a:fld id="{A4D42E3C-B70B-437C-85CF-1286301B9CBA}" type="datetime1">
               <a:rPr lang="ko-KR" altLang="en-US" smtClean="0"/>
-              <a:t>2023-04-27</a:t>
+              <a:t>2023-06-20</a:t>
             </a:fld>
             <a:endParaRPr lang="ko-KR" altLang="en-US"/>
           </a:p>
@@ -1732,7 +1734,7 @@
           <a:p>
             <a:fld id="{B3369A20-5B3D-4D98-A822-26B93D177A40}" type="datetime1">
               <a:rPr lang="ko-KR" altLang="en-US" smtClean="0"/>
-              <a:t>2023-04-27</a:t>
+              <a:t>2023-06-20</a:t>
             </a:fld>
             <a:endParaRPr lang="ko-KR" altLang="en-US"/>
           </a:p>
@@ -2017,7 +2019,7 @@
           <a:p>
             <a:fld id="{685CD4CE-9E43-4F70-A9D8-A2130CA7D92A}" type="datetime1">
               <a:rPr lang="ko-KR" altLang="en-US" smtClean="0"/>
-              <a:t>2023-04-27</a:t>
+              <a:t>2023-06-20</a:t>
             </a:fld>
             <a:endParaRPr lang="ko-KR" altLang="en-US"/>
           </a:p>
@@ -2443,7 +2445,7 @@
           <a:p>
             <a:fld id="{F752BD92-DA3E-4A0B-90C9-7DE5E15B6E96}" type="datetime1">
               <a:rPr lang="ko-KR" altLang="en-US" smtClean="0"/>
-              <a:t>2023-04-27</a:t>
+              <a:t>2023-06-20</a:t>
             </a:fld>
             <a:endParaRPr lang="ko-KR" altLang="en-US"/>
           </a:p>
@@ -2567,7 +2569,7 @@
           <a:p>
             <a:fld id="{8EA2B83A-F366-424E-B742-340ACF856BB5}" type="datetime1">
               <a:rPr lang="ko-KR" altLang="en-US" smtClean="0"/>
-              <a:t>2023-04-27</a:t>
+              <a:t>2023-06-20</a:t>
             </a:fld>
             <a:endParaRPr lang="ko-KR" altLang="en-US"/>
           </a:p>
@@ -2662,7 +2664,7 @@
           <a:p>
             <a:fld id="{9A49D68B-5DBD-48E9-A8D4-FCBC4B3DD9C6}" type="datetime1">
               <a:rPr lang="ko-KR" altLang="en-US" smtClean="0"/>
-              <a:t>2023-04-27</a:t>
+              <a:t>2023-06-20</a:t>
             </a:fld>
             <a:endParaRPr lang="ko-KR" altLang="en-US"/>
           </a:p>
@@ -2937,7 +2939,7 @@
           <a:p>
             <a:fld id="{4CAB534F-7D16-467B-9320-91F98915D181}" type="datetime1">
               <a:rPr lang="ko-KR" altLang="en-US" smtClean="0"/>
-              <a:t>2023-04-27</a:t>
+              <a:t>2023-06-20</a:t>
             </a:fld>
             <a:endParaRPr lang="ko-KR" altLang="en-US"/>
           </a:p>
@@ -3189,7 +3191,7 @@
           <a:p>
             <a:fld id="{A390A91F-2F8D-4486-A69D-D680F95444B0}" type="datetime1">
               <a:rPr lang="ko-KR" altLang="en-US" smtClean="0"/>
-              <a:t>2023-04-27</a:t>
+              <a:t>2023-06-20</a:t>
             </a:fld>
             <a:endParaRPr lang="ko-KR" altLang="en-US"/>
           </a:p>
@@ -3368,7 +3370,7 @@
           <a:p>
             <a:fld id="{2238BBEA-E8DD-414A-BF68-FC2AFA7CFF2D}" type="datetime1">
               <a:rPr lang="ko-KR" altLang="en-US" smtClean="0"/>
-              <a:t>2023-04-27</a:t>
+              <a:t>2023-06-20</a:t>
             </a:fld>
             <a:endParaRPr lang="ko-KR" altLang="en-US"/>
           </a:p>
@@ -10634,9 +10636,6 @@
               </a:rPr>
               <a:t> </a:t>
             </a:r>
-            <a:endParaRPr lang="en-US" altLang="ko-KR" sz="2000" dirty="0" smtClean="0">
-              <a:latin typeface="+mn-ea"/>
-            </a:endParaRPr>
           </a:p>
         </p:txBody>
       </p:sp>
@@ -23057,11 +23056,7 @@
             </a:pPr>
             <a:r>
               <a:rPr lang="ko-KR" altLang="en-US" sz="2000" b="1" dirty="0" smtClean="0"/>
-              <a:t>단위 변환기 </a:t>
-            </a:r>
-            <a:r>
-              <a:rPr lang="ko-KR" altLang="en-US" sz="2000" b="1" dirty="0" smtClean="0"/>
-              <a:t>클래스 만들기</a:t>
+              <a:t>단위 변환기 클래스 만들기</a:t>
             </a:r>
             <a:endParaRPr lang="en-US" altLang="ko-KR" sz="2000" b="1" dirty="0" smtClean="0"/>
           </a:p>
@@ -23377,11 +23372,7 @@
             </a:pPr>
             <a:r>
               <a:rPr lang="ko-KR" altLang="en-US" sz="2000" b="1" dirty="0" smtClean="0"/>
-              <a:t>단위 변환기 </a:t>
-            </a:r>
-            <a:r>
-              <a:rPr lang="ko-KR" altLang="en-US" sz="2000" b="1" dirty="0" smtClean="0"/>
-              <a:t>클래스 만들기</a:t>
+              <a:t>단위 변환기 클래스 만들기</a:t>
             </a:r>
           </a:p>
           <a:p>
@@ -23396,15 +23387,7 @@
                   <a:srgbClr val="C00000"/>
                 </a:solidFill>
               </a:rPr>
-              <a:t>2inches</a:t>
-            </a:r>
-            <a:r>
-              <a:rPr lang="en-US" altLang="ko-KR" sz="1800" b="1" dirty="0" smtClean="0">
-                <a:solidFill>
-                  <a:srgbClr val="C00000"/>
-                </a:solidFill>
-              </a:rPr>
-              <a:t> = 2mm x 25</a:t>
+              <a:t>2inches = 2mm x 25</a:t>
             </a:r>
             <a:endParaRPr lang="en-US" altLang="ko-KR" sz="1400" b="1" dirty="0">
               <a:solidFill>
@@ -29466,6 +29449,953 @@
     <p:extLst>
       <p:ext uri="{BB962C8B-B14F-4D97-AF65-F5344CB8AC3E}">
         <p14:creationId xmlns:p14="http://schemas.microsoft.com/office/powerpoint/2010/main" val="1469611028"/>
+      </p:ext>
+    </p:extLst>
+  </p:cSld>
+  <p:clrMapOvr>
+    <a:masterClrMapping/>
+  </p:clrMapOvr>
+  <p:timing>
+    <p:tnLst>
+      <p:par>
+        <p:cTn id="1" dur="indefinite" restart="never" nodeType="tmRoot"/>
+      </p:par>
+    </p:tnLst>
+  </p:timing>
+</p:sld>
+</file>
+
+<file path=ppt/slides/slide61.xml><?xml version="1.0" encoding="utf-8"?>
+<p:sld xmlns:a="http://schemas.openxmlformats.org/drawingml/2006/main" xmlns:r="http://schemas.openxmlformats.org/officeDocument/2006/relationships" xmlns:p="http://schemas.openxmlformats.org/presentationml/2006/main">
+  <p:cSld>
+    <p:spTree>
+      <p:nvGrpSpPr>
+        <p:cNvPr id="1" name=""/>
+        <p:cNvGrpSpPr/>
+        <p:nvPr/>
+      </p:nvGrpSpPr>
+      <p:grpSpPr>
+        <a:xfrm>
+          <a:off x="0" y="0"/>
+          <a:ext cx="0" cy="0"/>
+          <a:chOff x="0" y="0"/>
+          <a:chExt cx="0" cy="0"/>
+        </a:xfrm>
+      </p:grpSpPr>
+      <p:sp>
+        <p:nvSpPr>
+          <p:cNvPr id="6" name="제목 5"/>
+          <p:cNvSpPr>
+            <a:spLocks noGrp="1"/>
+          </p:cNvSpPr>
+          <p:nvPr>
+            <p:ph type="title"/>
+          </p:nvPr>
+        </p:nvSpPr>
+        <p:spPr/>
+        <p:txBody>
+          <a:bodyPr/>
+          <a:lstStyle/>
+          <a:p>
+            <a:r>
+              <a:rPr lang="en-US" altLang="ko-KR" dirty="0" smtClean="0"/>
+              <a:t> </a:t>
+            </a:r>
+            <a:r>
+              <a:rPr lang="ko-KR" altLang="en-US" dirty="0" smtClean="0"/>
+              <a:t>내부</a:t>
+            </a:r>
+            <a:r>
+              <a:rPr lang="en-US" altLang="ko-KR" dirty="0" smtClean="0"/>
+              <a:t>(</a:t>
+            </a:r>
+            <a:r>
+              <a:rPr lang="ko-KR" altLang="en-US" dirty="0" smtClean="0"/>
+              <a:t>중첩</a:t>
+            </a:r>
+            <a:r>
+              <a:rPr lang="en-US" altLang="ko-KR" dirty="0" smtClean="0"/>
+              <a:t>)</a:t>
+            </a:r>
+            <a:r>
+              <a:rPr lang="ko-KR" altLang="en-US" dirty="0" smtClean="0"/>
+              <a:t> </a:t>
+            </a:r>
+            <a:r>
+              <a:rPr lang="ko-KR" altLang="en-US" dirty="0" smtClean="0"/>
+              <a:t>클래스</a:t>
+            </a:r>
+            <a:endParaRPr lang="ko-KR" altLang="en-US" dirty="0"/>
+          </a:p>
+        </p:txBody>
+      </p:sp>
+      <p:sp>
+        <p:nvSpPr>
+          <p:cNvPr id="5" name="슬라이드 번호 개체 틀 4"/>
+          <p:cNvSpPr>
+            <a:spLocks noGrp="1"/>
+          </p:cNvSpPr>
+          <p:nvPr>
+            <p:ph type="sldNum" sz="quarter" idx="12"/>
+          </p:nvPr>
+        </p:nvSpPr>
+        <p:spPr>
+          <a:xfrm>
+            <a:off x="8853433" y="7312347"/>
+            <a:ext cx="557267" cy="365125"/>
+          </a:xfrm>
+        </p:spPr>
+        <p:txBody>
+          <a:bodyPr/>
+          <a:lstStyle/>
+          <a:p>
+            <a:fld id="{1BDE3FE7-3AEA-4B05-AC5A-802D1816ACF0}" type="slidenum">
+              <a:rPr lang="ko-KR" altLang="en-US" smtClean="0"/>
+              <a:t>61</a:t>
+            </a:fld>
+            <a:endParaRPr lang="ko-KR" altLang="en-US"/>
+          </a:p>
+        </p:txBody>
+      </p:sp>
+      <p:sp>
+        <p:nvSpPr>
+          <p:cNvPr id="10" name="내용 개체 틀 2">
+            <a:extLst>
+              <a:ext uri="{FF2B5EF4-FFF2-40B4-BE49-F238E27FC236}">
+                <a16:creationId xmlns:a16="http://schemas.microsoft.com/office/drawing/2014/main" id="{98AF3A4E-7D90-4241-89FE-799D6F9D5A94}"/>
+              </a:ext>
+            </a:extLst>
+          </p:cNvPr>
+          <p:cNvSpPr txBox="1">
+            <a:spLocks/>
+          </p:cNvSpPr>
+          <p:nvPr/>
+        </p:nvSpPr>
+        <p:spPr>
+          <a:xfrm>
+            <a:off x="794179" y="1268760"/>
+            <a:ext cx="8613547" cy="1952731"/>
+          </a:xfrm>
+          <a:prstGeom prst="rect">
+            <a:avLst/>
+          </a:prstGeom>
+        </p:spPr>
+        <p:txBody>
+          <a:bodyPr/>
+          <a:lstStyle>
+            <a:lvl1pPr marL="228600" indent="-228600" algn="l" defTabSz="914400" rtl="0" eaLnBrk="1" latinLnBrk="1" hangingPunct="1">
+              <a:lnSpc>
+                <a:spcPct val="90000"/>
+              </a:lnSpc>
+              <a:spcBef>
+                <a:spcPts val="1000"/>
+              </a:spcBef>
+              <a:buFont typeface="Arial" panose="020B0604020202020204" pitchFamily="34" charset="0"/>
+              <a:buChar char="•"/>
+              <a:defRPr sz="2800" kern="1200">
+                <a:solidFill>
+                  <a:schemeClr val="tx1"/>
+                </a:solidFill>
+                <a:latin typeface="+mn-lt"/>
+                <a:ea typeface="+mn-ea"/>
+                <a:cs typeface="+mn-cs"/>
+              </a:defRPr>
+            </a:lvl1pPr>
+            <a:lvl2pPr marL="685800" indent="-228600" algn="l" defTabSz="914400" rtl="0" eaLnBrk="1" latinLnBrk="1" hangingPunct="1">
+              <a:lnSpc>
+                <a:spcPct val="90000"/>
+              </a:lnSpc>
+              <a:spcBef>
+                <a:spcPts val="500"/>
+              </a:spcBef>
+              <a:buFont typeface="Arial" panose="020B0604020202020204" pitchFamily="34" charset="0"/>
+              <a:buChar char="•"/>
+              <a:defRPr sz="2400" kern="1200">
+                <a:solidFill>
+                  <a:schemeClr val="tx1"/>
+                </a:solidFill>
+                <a:latin typeface="+mn-lt"/>
+                <a:ea typeface="+mn-ea"/>
+                <a:cs typeface="+mn-cs"/>
+              </a:defRPr>
+            </a:lvl2pPr>
+            <a:lvl3pPr marL="1143000" indent="-228600" algn="l" defTabSz="914400" rtl="0" eaLnBrk="1" latinLnBrk="1" hangingPunct="1">
+              <a:lnSpc>
+                <a:spcPct val="90000"/>
+              </a:lnSpc>
+              <a:spcBef>
+                <a:spcPts val="500"/>
+              </a:spcBef>
+              <a:buFont typeface="Arial" panose="020B0604020202020204" pitchFamily="34" charset="0"/>
+              <a:buChar char="•"/>
+              <a:defRPr sz="2000" kern="1200">
+                <a:solidFill>
+                  <a:schemeClr val="tx1"/>
+                </a:solidFill>
+                <a:latin typeface="+mn-lt"/>
+                <a:ea typeface="+mn-ea"/>
+                <a:cs typeface="+mn-cs"/>
+              </a:defRPr>
+            </a:lvl3pPr>
+            <a:lvl4pPr marL="1600200" indent="-228600" algn="l" defTabSz="914400" rtl="0" eaLnBrk="1" latinLnBrk="1" hangingPunct="1">
+              <a:lnSpc>
+                <a:spcPct val="90000"/>
+              </a:lnSpc>
+              <a:spcBef>
+                <a:spcPts val="500"/>
+              </a:spcBef>
+              <a:buFont typeface="Arial" panose="020B0604020202020204" pitchFamily="34" charset="0"/>
+              <a:buChar char="•"/>
+              <a:defRPr sz="1800" kern="1200">
+                <a:solidFill>
+                  <a:schemeClr val="tx1"/>
+                </a:solidFill>
+                <a:latin typeface="+mn-lt"/>
+                <a:ea typeface="+mn-ea"/>
+                <a:cs typeface="+mn-cs"/>
+              </a:defRPr>
+            </a:lvl4pPr>
+            <a:lvl5pPr marL="2057400" indent="-228600" algn="l" defTabSz="914400" rtl="0" eaLnBrk="1" latinLnBrk="1" hangingPunct="1">
+              <a:lnSpc>
+                <a:spcPct val="90000"/>
+              </a:lnSpc>
+              <a:spcBef>
+                <a:spcPts val="500"/>
+              </a:spcBef>
+              <a:buFont typeface="Arial" panose="020B0604020202020204" pitchFamily="34" charset="0"/>
+              <a:buChar char="•"/>
+              <a:defRPr sz="1800" kern="1200">
+                <a:solidFill>
+                  <a:schemeClr val="tx1"/>
+                </a:solidFill>
+                <a:latin typeface="+mn-lt"/>
+                <a:ea typeface="+mn-ea"/>
+                <a:cs typeface="+mn-cs"/>
+              </a:defRPr>
+            </a:lvl5pPr>
+            <a:lvl6pPr marL="2514600" indent="-228600" algn="l" defTabSz="914400" rtl="0" eaLnBrk="1" latinLnBrk="1" hangingPunct="1">
+              <a:lnSpc>
+                <a:spcPct val="90000"/>
+              </a:lnSpc>
+              <a:spcBef>
+                <a:spcPts val="500"/>
+              </a:spcBef>
+              <a:buFont typeface="Arial" panose="020B0604020202020204" pitchFamily="34" charset="0"/>
+              <a:buChar char="•"/>
+              <a:defRPr sz="1800" kern="1200">
+                <a:solidFill>
+                  <a:schemeClr val="tx1"/>
+                </a:solidFill>
+                <a:latin typeface="+mn-lt"/>
+                <a:ea typeface="+mn-ea"/>
+                <a:cs typeface="+mn-cs"/>
+              </a:defRPr>
+            </a:lvl6pPr>
+            <a:lvl7pPr marL="2971800" indent="-228600" algn="l" defTabSz="914400" rtl="0" eaLnBrk="1" latinLnBrk="1" hangingPunct="1">
+              <a:lnSpc>
+                <a:spcPct val="90000"/>
+              </a:lnSpc>
+              <a:spcBef>
+                <a:spcPts val="500"/>
+              </a:spcBef>
+              <a:buFont typeface="Arial" panose="020B0604020202020204" pitchFamily="34" charset="0"/>
+              <a:buChar char="•"/>
+              <a:defRPr sz="1800" kern="1200">
+                <a:solidFill>
+                  <a:schemeClr val="tx1"/>
+                </a:solidFill>
+                <a:latin typeface="+mn-lt"/>
+                <a:ea typeface="+mn-ea"/>
+                <a:cs typeface="+mn-cs"/>
+              </a:defRPr>
+            </a:lvl7pPr>
+            <a:lvl8pPr marL="3429000" indent="-228600" algn="l" defTabSz="914400" rtl="0" eaLnBrk="1" latinLnBrk="1" hangingPunct="1">
+              <a:lnSpc>
+                <a:spcPct val="90000"/>
+              </a:lnSpc>
+              <a:spcBef>
+                <a:spcPts val="500"/>
+              </a:spcBef>
+              <a:buFont typeface="Arial" panose="020B0604020202020204" pitchFamily="34" charset="0"/>
+              <a:buChar char="•"/>
+              <a:defRPr sz="1800" kern="1200">
+                <a:solidFill>
+                  <a:schemeClr val="tx1"/>
+                </a:solidFill>
+                <a:latin typeface="+mn-lt"/>
+                <a:ea typeface="+mn-ea"/>
+                <a:cs typeface="+mn-cs"/>
+              </a:defRPr>
+            </a:lvl8pPr>
+            <a:lvl9pPr marL="3886200" indent="-228600" algn="l" defTabSz="914400" rtl="0" eaLnBrk="1" latinLnBrk="1" hangingPunct="1">
+              <a:lnSpc>
+                <a:spcPct val="90000"/>
+              </a:lnSpc>
+              <a:spcBef>
+                <a:spcPts val="500"/>
+              </a:spcBef>
+              <a:buFont typeface="Arial" panose="020B0604020202020204" pitchFamily="34" charset="0"/>
+              <a:buChar char="•"/>
+              <a:defRPr sz="1800" kern="1200">
+                <a:solidFill>
+                  <a:schemeClr val="tx1"/>
+                </a:solidFill>
+                <a:latin typeface="+mn-lt"/>
+                <a:ea typeface="+mn-ea"/>
+                <a:cs typeface="+mn-cs"/>
+              </a:defRPr>
+            </a:lvl9pPr>
+          </a:lstStyle>
+          <a:p>
+            <a:pPr marL="0" indent="0">
+              <a:lnSpc>
+                <a:spcPct val="150000"/>
+              </a:lnSpc>
+              <a:buNone/>
+            </a:pPr>
+            <a:r>
+              <a:rPr lang="ko-KR" altLang="en-US" sz="2000" b="1" dirty="0" smtClean="0">
+                <a:solidFill>
+                  <a:srgbClr val="C00000"/>
+                </a:solidFill>
+              </a:rPr>
+              <a:t> </a:t>
+            </a:r>
+            <a:r>
+              <a:rPr lang="ko-KR" altLang="en-US" sz="2000" b="1" dirty="0" smtClean="0"/>
+              <a:t>내부 클래스 정의와 유형</a:t>
+            </a:r>
+            <a:endParaRPr lang="en-US" altLang="ko-KR" sz="2000" b="1" dirty="0" smtClean="0"/>
+          </a:p>
+          <a:p>
+            <a:pPr lvl="1">
+              <a:lnSpc>
+                <a:spcPct val="150000"/>
+              </a:lnSpc>
+              <a:buFont typeface="Wingdings" panose="05000000000000000000" pitchFamily="2" charset="2"/>
+              <a:buChar char="ü"/>
+            </a:pPr>
+            <a:r>
+              <a:rPr lang="en-US" altLang="ko-KR" sz="1800" dirty="0" smtClean="0">
+                <a:latin typeface="+mn-ea"/>
+              </a:rPr>
+              <a:t> </a:t>
+            </a:r>
+            <a:r>
+              <a:rPr lang="ko-KR" altLang="en-US" sz="1600" dirty="0" smtClean="0">
+                <a:latin typeface="+mn-ea"/>
+              </a:rPr>
+              <a:t>클래스 내부에 선언한 클래스</a:t>
+            </a:r>
+            <a:r>
+              <a:rPr lang="en-US" altLang="ko-KR" sz="1600" dirty="0" smtClean="0">
+                <a:latin typeface="+mn-ea"/>
+              </a:rPr>
+              <a:t>(inner class), </a:t>
+            </a:r>
+            <a:r>
+              <a:rPr lang="ko-KR" altLang="en-US" sz="1600" dirty="0" smtClean="0">
+                <a:latin typeface="+mn-ea"/>
+              </a:rPr>
+              <a:t>중첩 클래스라고도 한다</a:t>
+            </a:r>
+            <a:r>
+              <a:rPr lang="en-US" altLang="ko-KR" sz="1600" dirty="0" smtClean="0">
+                <a:latin typeface="+mn-ea"/>
+              </a:rPr>
+              <a:t>.</a:t>
+            </a:r>
+          </a:p>
+          <a:p>
+            <a:pPr lvl="1">
+              <a:lnSpc>
+                <a:spcPct val="150000"/>
+              </a:lnSpc>
+              <a:buFont typeface="Wingdings" panose="05000000000000000000" pitchFamily="2" charset="2"/>
+              <a:buChar char="ü"/>
+            </a:pPr>
+            <a:r>
+              <a:rPr lang="en-US" altLang="ko-KR" sz="1600" dirty="0">
+                <a:latin typeface="+mn-ea"/>
+              </a:rPr>
+              <a:t> </a:t>
+            </a:r>
+            <a:r>
+              <a:rPr lang="ko-KR" altLang="en-US" sz="1600" dirty="0" smtClean="0">
+                <a:solidFill>
+                  <a:srgbClr val="C00000"/>
+                </a:solidFill>
+                <a:latin typeface="+mn-ea"/>
+              </a:rPr>
+              <a:t>내부에 클래스를 선언한 이유</a:t>
+            </a:r>
+            <a:r>
+              <a:rPr lang="ko-KR" altLang="en-US" sz="1600" dirty="0" smtClean="0">
+                <a:latin typeface="+mn-ea"/>
+              </a:rPr>
+              <a:t>는 이 클래스와 외부 클래스가 밀접한 관련이 있거나  다른 클래스와 협력할 일이 없는 경우에 사용한다</a:t>
+            </a:r>
+            <a:r>
+              <a:rPr lang="en-US" altLang="ko-KR" sz="1600" dirty="0" smtClean="0">
+                <a:latin typeface="+mn-ea"/>
+              </a:rPr>
+              <a:t>.</a:t>
+            </a:r>
+            <a:endParaRPr lang="en-US" altLang="ko-KR" sz="1600" dirty="0">
+              <a:latin typeface="+mn-ea"/>
+            </a:endParaRPr>
+          </a:p>
+          <a:p>
+            <a:pPr marL="800100" lvl="1" indent="-342900">
+              <a:lnSpc>
+                <a:spcPct val="150000"/>
+              </a:lnSpc>
+              <a:buFont typeface="+mj-lt"/>
+              <a:buAutoNum type="arabicPeriod"/>
+            </a:pPr>
+            <a:endParaRPr lang="en-US" altLang="ko-KR" sz="1800" b="1" dirty="0" smtClean="0"/>
+          </a:p>
+          <a:p>
+            <a:pPr marL="457200" lvl="1" indent="0">
+              <a:lnSpc>
+                <a:spcPct val="150000"/>
+              </a:lnSpc>
+              <a:buNone/>
+            </a:pPr>
+            <a:endParaRPr lang="en-US" altLang="ko-KR" sz="1400" b="1" dirty="0" smtClean="0">
+              <a:solidFill>
+                <a:srgbClr val="002060"/>
+              </a:solidFill>
+            </a:endParaRPr>
+          </a:p>
+        </p:txBody>
+      </p:sp>
+      <p:sp>
+        <p:nvSpPr>
+          <p:cNvPr id="8" name="직사각형 7"/>
+          <p:cNvSpPr/>
+          <p:nvPr/>
+        </p:nvSpPr>
+        <p:spPr>
+          <a:xfrm>
+            <a:off x="2864768" y="3392996"/>
+            <a:ext cx="2539942" cy="2664296"/>
+          </a:xfrm>
+          <a:prstGeom prst="rect">
+            <a:avLst/>
+          </a:prstGeom>
+          <a:solidFill>
+            <a:schemeClr val="bg1">
+              <a:lumMod val="95000"/>
+            </a:schemeClr>
+          </a:solidFill>
+          <a:ln>
+            <a:noFill/>
+          </a:ln>
+          <a:effectLst/>
+        </p:spPr>
+        <p:style>
+          <a:lnRef idx="1">
+            <a:schemeClr val="accent2"/>
+          </a:lnRef>
+          <a:fillRef idx="2">
+            <a:schemeClr val="accent2"/>
+          </a:fillRef>
+          <a:effectRef idx="1">
+            <a:schemeClr val="accent2"/>
+          </a:effectRef>
+          <a:fontRef idx="minor">
+            <a:schemeClr val="dk1"/>
+          </a:fontRef>
+        </p:style>
+        <p:txBody>
+          <a:bodyPr rtlCol="0" anchor="ctr"/>
+          <a:lstStyle/>
+          <a:p>
+            <a:r>
+              <a:rPr lang="en-US" altLang="ko-KR" dirty="0" smtClean="0">
+                <a:latin typeface="+mn-ea"/>
+              </a:rPr>
+              <a:t>   class Out:</a:t>
+            </a:r>
+          </a:p>
+          <a:p>
+            <a:endParaRPr lang="en-US" altLang="ko-KR" dirty="0" smtClean="0">
+              <a:latin typeface="+mn-ea"/>
+            </a:endParaRPr>
+          </a:p>
+          <a:p>
+            <a:r>
+              <a:rPr lang="en-US" altLang="ko-KR" dirty="0">
+                <a:latin typeface="+mn-ea"/>
+              </a:rPr>
+              <a:t> </a:t>
+            </a:r>
+            <a:r>
+              <a:rPr lang="en-US" altLang="ko-KR" dirty="0" smtClean="0">
+                <a:latin typeface="+mn-ea"/>
+              </a:rPr>
+              <a:t>   </a:t>
+            </a:r>
+            <a:r>
+              <a:rPr lang="en-US" altLang="ko-KR" dirty="0" smtClean="0">
+                <a:latin typeface="+mn-ea"/>
+              </a:rPr>
+              <a:t>   class In:</a:t>
+            </a:r>
+            <a:endParaRPr lang="en-US" altLang="ko-KR" dirty="0" smtClean="0">
+              <a:latin typeface="+mn-ea"/>
+            </a:endParaRPr>
+          </a:p>
+          <a:p>
+            <a:r>
+              <a:rPr lang="en-US" altLang="ko-KR" dirty="0" smtClean="0">
+                <a:latin typeface="+mn-ea"/>
+              </a:rPr>
+              <a:t>      </a:t>
+            </a:r>
+            <a:r>
+              <a:rPr lang="en-US" altLang="ko-KR" dirty="0" smtClean="0">
+                <a:latin typeface="+mn-ea"/>
+              </a:rPr>
+              <a:t>     …..</a:t>
+            </a:r>
+            <a:endParaRPr lang="en-US" altLang="ko-KR" dirty="0">
+              <a:latin typeface="+mn-ea"/>
+            </a:endParaRPr>
+          </a:p>
+          <a:p>
+            <a:r>
+              <a:rPr lang="en-US" altLang="ko-KR" dirty="0" smtClean="0">
+                <a:latin typeface="+mn-ea"/>
+              </a:rPr>
+              <a:t>    </a:t>
+            </a:r>
+          </a:p>
+          <a:p>
+            <a:endParaRPr lang="en-US" altLang="ko-KR" dirty="0">
+              <a:latin typeface="+mn-ea"/>
+            </a:endParaRPr>
+          </a:p>
+        </p:txBody>
+      </p:sp>
+      <p:sp>
+        <p:nvSpPr>
+          <p:cNvPr id="14" name="모서리가 둥근 직사각형 13"/>
+          <p:cNvSpPr/>
+          <p:nvPr/>
+        </p:nvSpPr>
+        <p:spPr>
+          <a:xfrm>
+            <a:off x="5533172" y="3933056"/>
+            <a:ext cx="1364044" cy="432048"/>
+          </a:xfrm>
+          <a:prstGeom prst="roundRect">
+            <a:avLst>
+              <a:gd name="adj" fmla="val 13110"/>
+            </a:avLst>
+          </a:prstGeom>
+          <a:ln/>
+        </p:spPr>
+        <p:style>
+          <a:lnRef idx="2">
+            <a:schemeClr val="accent4"/>
+          </a:lnRef>
+          <a:fillRef idx="1">
+            <a:schemeClr val="lt1"/>
+          </a:fillRef>
+          <a:effectRef idx="0">
+            <a:schemeClr val="accent4"/>
+          </a:effectRef>
+          <a:fontRef idx="minor">
+            <a:schemeClr val="dk1"/>
+          </a:fontRef>
+        </p:style>
+        <p:txBody>
+          <a:bodyPr rtlCol="0" anchor="ctr"/>
+          <a:lstStyle/>
+          <a:p>
+            <a:pPr algn="ctr"/>
+            <a:r>
+              <a:rPr lang="ko-KR" altLang="en-US" sz="1600" smtClean="0"/>
+              <a:t>외부 클래스</a:t>
+            </a:r>
+            <a:endParaRPr lang="ko-KR" altLang="en-US" sz="1600" dirty="0"/>
+          </a:p>
+        </p:txBody>
+      </p:sp>
+      <p:sp>
+        <p:nvSpPr>
+          <p:cNvPr id="15" name="모서리가 둥근 직사각형 14"/>
+          <p:cNvSpPr/>
+          <p:nvPr/>
+        </p:nvSpPr>
+        <p:spPr>
+          <a:xfrm>
+            <a:off x="3061130" y="3717032"/>
+            <a:ext cx="1891869" cy="2016224"/>
+          </a:xfrm>
+          <a:prstGeom prst="roundRect">
+            <a:avLst>
+              <a:gd name="adj" fmla="val 13110"/>
+            </a:avLst>
+          </a:prstGeom>
+          <a:noFill/>
+          <a:ln w="28575">
+            <a:solidFill>
+              <a:srgbClr val="7030A0"/>
+            </a:solidFill>
+            <a:prstDash val="sysDot"/>
+          </a:ln>
+        </p:spPr>
+        <p:style>
+          <a:lnRef idx="2">
+            <a:schemeClr val="accent1">
+              <a:shade val="50000"/>
+            </a:schemeClr>
+          </a:lnRef>
+          <a:fillRef idx="1">
+            <a:schemeClr val="accent1"/>
+          </a:fillRef>
+          <a:effectRef idx="0">
+            <a:schemeClr val="accent1"/>
+          </a:effectRef>
+          <a:fontRef idx="minor">
+            <a:schemeClr val="lt1"/>
+          </a:fontRef>
+        </p:style>
+        <p:txBody>
+          <a:bodyPr rtlCol="0" anchor="ctr"/>
+          <a:lstStyle/>
+          <a:p>
+            <a:pPr algn="ctr"/>
+            <a:endParaRPr lang="ko-KR" altLang="en-US"/>
+          </a:p>
+        </p:txBody>
+      </p:sp>
+      <p:sp>
+        <p:nvSpPr>
+          <p:cNvPr id="16" name="모서리가 둥근 직사각형 15"/>
+          <p:cNvSpPr/>
+          <p:nvPr/>
+        </p:nvSpPr>
+        <p:spPr>
+          <a:xfrm>
+            <a:off x="3296816" y="4365104"/>
+            <a:ext cx="1472844" cy="936104"/>
+          </a:xfrm>
+          <a:prstGeom prst="roundRect">
+            <a:avLst>
+              <a:gd name="adj" fmla="val 13110"/>
+            </a:avLst>
+          </a:prstGeom>
+          <a:noFill/>
+          <a:ln w="28575">
+            <a:solidFill>
+              <a:srgbClr val="7030A0"/>
+            </a:solidFill>
+            <a:prstDash val="sysDot"/>
+          </a:ln>
+        </p:spPr>
+        <p:style>
+          <a:lnRef idx="2">
+            <a:schemeClr val="accent1">
+              <a:shade val="50000"/>
+            </a:schemeClr>
+          </a:lnRef>
+          <a:fillRef idx="1">
+            <a:schemeClr val="accent1"/>
+          </a:fillRef>
+          <a:effectRef idx="0">
+            <a:schemeClr val="accent1"/>
+          </a:effectRef>
+          <a:fontRef idx="minor">
+            <a:schemeClr val="lt1"/>
+          </a:fontRef>
+        </p:style>
+        <p:txBody>
+          <a:bodyPr rtlCol="0" anchor="ctr"/>
+          <a:lstStyle/>
+          <a:p>
+            <a:pPr algn="ctr"/>
+            <a:endParaRPr lang="ko-KR" altLang="en-US"/>
+          </a:p>
+        </p:txBody>
+      </p:sp>
+      <p:sp>
+        <p:nvSpPr>
+          <p:cNvPr id="17" name="모서리가 둥근 직사각형 16"/>
+          <p:cNvSpPr/>
+          <p:nvPr/>
+        </p:nvSpPr>
+        <p:spPr>
+          <a:xfrm>
+            <a:off x="5541770" y="4653136"/>
+            <a:ext cx="1364044" cy="432048"/>
+          </a:xfrm>
+          <a:prstGeom prst="roundRect">
+            <a:avLst>
+              <a:gd name="adj" fmla="val 13110"/>
+            </a:avLst>
+          </a:prstGeom>
+          <a:ln/>
+        </p:spPr>
+        <p:style>
+          <a:lnRef idx="2">
+            <a:schemeClr val="accent4"/>
+          </a:lnRef>
+          <a:fillRef idx="1">
+            <a:schemeClr val="lt1"/>
+          </a:fillRef>
+          <a:effectRef idx="0">
+            <a:schemeClr val="accent4"/>
+          </a:effectRef>
+          <a:fontRef idx="minor">
+            <a:schemeClr val="dk1"/>
+          </a:fontRef>
+        </p:style>
+        <p:txBody>
+          <a:bodyPr rtlCol="0" anchor="ctr"/>
+          <a:lstStyle/>
+          <a:p>
+            <a:pPr algn="ctr"/>
+            <a:r>
+              <a:rPr lang="ko-KR" altLang="en-US" sz="1600" dirty="0" smtClean="0"/>
+              <a:t>내부 클래스</a:t>
+            </a:r>
+            <a:endParaRPr lang="ko-KR" altLang="en-US" sz="1600" dirty="0"/>
+          </a:p>
+        </p:txBody>
+      </p:sp>
+      <p:cxnSp>
+        <p:nvCxnSpPr>
+          <p:cNvPr id="3" name="직선 화살표 연결선 2"/>
+          <p:cNvCxnSpPr>
+            <a:endCxn id="14" idx="1"/>
+          </p:cNvCxnSpPr>
+          <p:nvPr/>
+        </p:nvCxnSpPr>
+        <p:spPr>
+          <a:xfrm>
+            <a:off x="4952999" y="4149080"/>
+            <a:ext cx="580173" cy="0"/>
+          </a:xfrm>
+          <a:prstGeom prst="straightConnector1">
+            <a:avLst/>
+          </a:prstGeom>
+          <a:ln w="12700">
+            <a:solidFill>
+              <a:srgbClr val="7030A0"/>
+            </a:solidFill>
+            <a:tailEnd type="triangle"/>
+          </a:ln>
+        </p:spPr>
+        <p:style>
+          <a:lnRef idx="1">
+            <a:schemeClr val="accent1"/>
+          </a:lnRef>
+          <a:fillRef idx="0">
+            <a:schemeClr val="accent1"/>
+          </a:fillRef>
+          <a:effectRef idx="0">
+            <a:schemeClr val="accent1"/>
+          </a:effectRef>
+          <a:fontRef idx="minor">
+            <a:schemeClr val="tx1"/>
+          </a:fontRef>
+        </p:style>
+      </p:cxnSp>
+      <p:cxnSp>
+        <p:nvCxnSpPr>
+          <p:cNvPr id="13" name="직선 화살표 연결선 12"/>
+          <p:cNvCxnSpPr>
+            <a:endCxn id="17" idx="1"/>
+          </p:cNvCxnSpPr>
+          <p:nvPr/>
+        </p:nvCxnSpPr>
+        <p:spPr>
+          <a:xfrm>
+            <a:off x="4769660" y="4869160"/>
+            <a:ext cx="772110" cy="0"/>
+          </a:xfrm>
+          <a:prstGeom prst="straightConnector1">
+            <a:avLst/>
+          </a:prstGeom>
+          <a:ln>
+            <a:solidFill>
+              <a:srgbClr val="7030A0"/>
+            </a:solidFill>
+            <a:tailEnd type="triangle"/>
+          </a:ln>
+        </p:spPr>
+        <p:style>
+          <a:lnRef idx="1">
+            <a:schemeClr val="accent1"/>
+          </a:lnRef>
+          <a:fillRef idx="0">
+            <a:schemeClr val="accent1"/>
+          </a:fillRef>
+          <a:effectRef idx="0">
+            <a:schemeClr val="accent1"/>
+          </a:effectRef>
+          <a:fontRef idx="minor">
+            <a:schemeClr val="tx1"/>
+          </a:fontRef>
+        </p:style>
+      </p:cxnSp>
+    </p:spTree>
+    <p:extLst>
+      <p:ext uri="{BB962C8B-B14F-4D97-AF65-F5344CB8AC3E}">
+        <p14:creationId xmlns:p14="http://schemas.microsoft.com/office/powerpoint/2010/main" val="2582229811"/>
+      </p:ext>
+    </p:extLst>
+  </p:cSld>
+  <p:clrMapOvr>
+    <a:masterClrMapping/>
+  </p:clrMapOvr>
+  <p:timing>
+    <p:tnLst>
+      <p:par>
+        <p:cTn id="1" dur="indefinite" restart="never" nodeType="tmRoot"/>
+      </p:par>
+    </p:tnLst>
+  </p:timing>
+</p:sld>
+</file>
+
+<file path=ppt/slides/slide62.xml><?xml version="1.0" encoding="utf-8"?>
+<p:sld xmlns:a="http://schemas.openxmlformats.org/drawingml/2006/main" xmlns:r="http://schemas.openxmlformats.org/officeDocument/2006/relationships" xmlns:p="http://schemas.openxmlformats.org/presentationml/2006/main">
+  <p:cSld>
+    <p:spTree>
+      <p:nvGrpSpPr>
+        <p:cNvPr id="1" name=""/>
+        <p:cNvGrpSpPr/>
+        <p:nvPr/>
+      </p:nvGrpSpPr>
+      <p:grpSpPr>
+        <a:xfrm>
+          <a:off x="0" y="0"/>
+          <a:ext cx="0" cy="0"/>
+          <a:chOff x="0" y="0"/>
+          <a:chExt cx="0" cy="0"/>
+        </a:xfrm>
+      </p:grpSpPr>
+      <p:sp>
+        <p:nvSpPr>
+          <p:cNvPr id="6" name="제목 5"/>
+          <p:cNvSpPr>
+            <a:spLocks noGrp="1"/>
+          </p:cNvSpPr>
+          <p:nvPr>
+            <p:ph type="title"/>
+          </p:nvPr>
+        </p:nvSpPr>
+        <p:spPr/>
+        <p:txBody>
+          <a:bodyPr/>
+          <a:lstStyle/>
+          <a:p>
+            <a:r>
+              <a:rPr lang="en-US" altLang="ko-KR" dirty="0" smtClean="0"/>
+              <a:t> </a:t>
+            </a:r>
+            <a:r>
+              <a:rPr lang="ko-KR" altLang="en-US" dirty="0" smtClean="0"/>
+              <a:t>내부</a:t>
+            </a:r>
+            <a:r>
+              <a:rPr lang="en-US" altLang="ko-KR" dirty="0" smtClean="0"/>
+              <a:t>(</a:t>
+            </a:r>
+            <a:r>
+              <a:rPr lang="ko-KR" altLang="en-US" dirty="0" smtClean="0"/>
+              <a:t>중첩</a:t>
+            </a:r>
+            <a:r>
+              <a:rPr lang="en-US" altLang="ko-KR" dirty="0" smtClean="0"/>
+              <a:t>)</a:t>
+            </a:r>
+            <a:r>
+              <a:rPr lang="ko-KR" altLang="en-US" dirty="0" smtClean="0"/>
+              <a:t> </a:t>
+            </a:r>
+            <a:r>
+              <a:rPr lang="ko-KR" altLang="en-US" dirty="0" smtClean="0"/>
+              <a:t>클래스</a:t>
+            </a:r>
+            <a:endParaRPr lang="ko-KR" altLang="en-US" dirty="0"/>
+          </a:p>
+        </p:txBody>
+      </p:sp>
+      <p:sp>
+        <p:nvSpPr>
+          <p:cNvPr id="5" name="슬라이드 번호 개체 틀 4"/>
+          <p:cNvSpPr>
+            <a:spLocks noGrp="1"/>
+          </p:cNvSpPr>
+          <p:nvPr>
+            <p:ph type="sldNum" sz="quarter" idx="12"/>
+          </p:nvPr>
+        </p:nvSpPr>
+        <p:spPr>
+          <a:xfrm>
+            <a:off x="8853433" y="7312347"/>
+            <a:ext cx="557267" cy="365125"/>
+          </a:xfrm>
+        </p:spPr>
+        <p:txBody>
+          <a:bodyPr/>
+          <a:lstStyle/>
+          <a:p>
+            <a:fld id="{1BDE3FE7-3AEA-4B05-AC5A-802D1816ACF0}" type="slidenum">
+              <a:rPr lang="ko-KR" altLang="en-US" smtClean="0"/>
+              <a:t>62</a:t>
+            </a:fld>
+            <a:endParaRPr lang="ko-KR" altLang="en-US"/>
+          </a:p>
+        </p:txBody>
+      </p:sp>
+      <p:pic>
+        <p:nvPicPr>
+          <p:cNvPr id="2" name="그림 1"/>
+          <p:cNvPicPr>
+            <a:picLocks noChangeAspect="1"/>
+          </p:cNvPicPr>
+          <p:nvPr/>
+        </p:nvPicPr>
+        <p:blipFill>
+          <a:blip r:embed="rId2">
+            <a:extLst>
+              <a:ext uri="{28A0092B-C50C-407E-A947-70E740481C1C}">
+                <a14:useLocalDpi xmlns:a14="http://schemas.microsoft.com/office/drawing/2010/main" val="0"/>
+              </a:ext>
+            </a:extLst>
+          </a:blip>
+          <a:stretch>
+            <a:fillRect/>
+          </a:stretch>
+        </p:blipFill>
+        <p:spPr>
+          <a:xfrm>
+            <a:off x="1712640" y="1340768"/>
+            <a:ext cx="4560086" cy="4608512"/>
+          </a:xfrm>
+          <a:prstGeom prst="rect">
+            <a:avLst/>
+          </a:prstGeom>
+          <a:ln>
+            <a:solidFill>
+              <a:schemeClr val="bg1">
+                <a:lumMod val="85000"/>
+              </a:schemeClr>
+            </a:solidFill>
+          </a:ln>
+        </p:spPr>
+      </p:pic>
+    </p:spTree>
+    <p:extLst>
+      <p:ext uri="{BB962C8B-B14F-4D97-AF65-F5344CB8AC3E}">
+        <p14:creationId xmlns:p14="http://schemas.microsoft.com/office/powerpoint/2010/main" val="1136194761"/>
       </p:ext>
     </p:extLst>
   </p:cSld>
